--- a/docs/k-means.pptx
+++ b/docs/k-means.pptx
@@ -38,9 +38,9 @@
     <p:sldId id="283" r:id="rId29"/>
     <p:sldId id="285" r:id="rId30"/>
     <p:sldId id="284" r:id="rId31"/>
-    <p:sldId id="286" r:id="rId32"/>
-    <p:sldId id="287" r:id="rId33"/>
-    <p:sldId id="288" r:id="rId34"/>
+    <p:sldId id="292" r:id="rId32"/>
+    <p:sldId id="286" r:id="rId33"/>
+    <p:sldId id="287" r:id="rId34"/>
     <p:sldId id="289" r:id="rId35"/>
     <p:sldId id="290" r:id="rId36"/>
   </p:sldIdLst>
@@ -231,7 +231,7 @@
           <a:p>
             <a:fld id="{1A8B0552-9314-44FC-80A7-241A4FB6D973}" type="datetimeFigureOut">
               <a:rPr lang="en-US" smtClean="0"/>
-              <a:t>4/20/2015</a:t>
+              <a:t>4/22/2015</a:t>
             </a:fld>
             <a:endParaRPr lang="en-US"/>
           </a:p>
@@ -3729,11 +3729,7 @@
             </a:r>
             <a:r>
               <a:rPr lang="en-US" dirty="0" smtClean="0"/>
-              <a:t>-means </a:t>
-            </a:r>
-            <a:r>
-              <a:rPr lang="en-US" dirty="0" smtClean="0"/>
-              <a:t>clustering</a:t>
+              <a:t>-means clustering</a:t>
             </a:r>
             <a:endParaRPr lang="en-US" dirty="0"/>
           </a:p>
@@ -3984,8 +3980,8 @@
           </a:p>
         </p:txBody>
       </p:sp>
-      <mc:AlternateContent xmlns:mc="http://schemas.openxmlformats.org/markup-compatibility/2006">
-        <mc:Choice xmlns:a14="http://schemas.microsoft.com/office/drawing/2010/main" Requires="a14">
+      <mc:AlternateContent xmlns:mc="http://schemas.openxmlformats.org/markup-compatibility/2006" xmlns:a14="http://schemas.microsoft.com/office/drawing/2010/main">
+        <mc:Choice Requires="a14">
           <p:sp>
             <p:nvSpPr>
               <p:cNvPr id="7" name="Content Placeholder 6"/>
@@ -4147,7 +4143,7 @@
             </p:txBody>
           </p:sp>
         </mc:Choice>
-        <mc:Fallback>
+        <mc:Fallback xmlns="">
           <p:sp>
             <p:nvSpPr>
               <p:cNvPr id="7" name="Content Placeholder 6"/>
@@ -4556,19 +4552,7 @@
             </a:r>
             <a:r>
               <a:rPr lang="en-US" dirty="0" smtClean="0"/>
-              <a:t>-</a:t>
-            </a:r>
-            <a:r>
-              <a:rPr lang="en-US" dirty="0" smtClean="0"/>
-              <a:t>means (EM) </a:t>
-            </a:r>
-            <a:r>
-              <a:rPr lang="en-US" dirty="0" smtClean="0"/>
-              <a:t>is </a:t>
-            </a:r>
-            <a:r>
-              <a:rPr lang="en-US" dirty="0" smtClean="0"/>
-              <a:t>a greedy algorithm</a:t>
+              <a:t>-means (EM) is a greedy algorithm</a:t>
             </a:r>
             <a:endParaRPr lang="en-US" dirty="0"/>
           </a:p>
@@ -12115,8 +12099,8 @@
             <a:chExt cx="3333750" cy="662903"/>
           </a:xfrm>
         </p:grpSpPr>
-        <mc:AlternateContent xmlns:mc="http://schemas.openxmlformats.org/markup-compatibility/2006" xmlns:a14="http://schemas.microsoft.com/office/drawing/2010/main">
-          <mc:Choice Requires="a14">
+        <mc:AlternateContent xmlns:mc="http://schemas.openxmlformats.org/markup-compatibility/2006">
+          <mc:Choice xmlns:a14="http://schemas.microsoft.com/office/drawing/2010/main" Requires="a14">
             <p:sp>
               <p:nvSpPr>
                 <p:cNvPr id="14" name="TextBox 13"/>
@@ -12156,34 +12140,7 @@
                           </a:solidFill>
                           <a:latin typeface="Cambria Math" panose="02040503050406030204" pitchFamily="18" charset="0"/>
                         </a:rPr>
-                        <m:t>𝑞</m:t>
-                      </m:r>
-                      <m:r>
-                        <a:rPr lang="en-US" b="0" i="1" smtClean="0">
-                          <a:solidFill>
-                            <a:srgbClr val="FF0000"/>
-                          </a:solidFill>
-                          <a:latin typeface="Cambria Math" panose="02040503050406030204" pitchFamily="18" charset="0"/>
-                        </a:rPr>
-                        <m:t>(</m:t>
-                      </m:r>
-                      <m:r>
-                        <a:rPr lang="en-US" b="0" i="1" smtClean="0">
-                          <a:solidFill>
-                            <a:srgbClr val="FF0000"/>
-                          </a:solidFill>
-                          <a:latin typeface="Cambria Math" panose="02040503050406030204" pitchFamily="18" charset="0"/>
-                        </a:rPr>
                         <m:t>𝑍</m:t>
-                      </m:r>
-                      <m:r>
-                        <a:rPr lang="en-US" b="0" i="1" smtClean="0">
-                          <a:solidFill>
-                            <a:srgbClr val="FF0000"/>
-                          </a:solidFill>
-                          <a:latin typeface="Cambria Math" panose="02040503050406030204" pitchFamily="18" charset="0"/>
-                        </a:rPr>
-                        <m:t>)</m:t>
                       </m:r>
                     </m:oMath>
                   </a14:m>
@@ -12196,7 +12153,7 @@
               </p:txBody>
             </p:sp>
           </mc:Choice>
-          <mc:Fallback xmlns="">
+          <mc:Fallback>
             <p:sp>
               <p:nvSpPr>
                 <p:cNvPr id="14" name="TextBox 13"/>
@@ -16589,8 +16546,8 @@
           </a:p>
         </p:txBody>
       </p:sp>
-      <mc:AlternateContent xmlns:mc="http://schemas.openxmlformats.org/markup-compatibility/2006" xmlns:a14="http://schemas.microsoft.com/office/drawing/2010/main">
-        <mc:Choice Requires="a14">
+      <mc:AlternateContent xmlns:mc="http://schemas.openxmlformats.org/markup-compatibility/2006">
+        <mc:Choice xmlns:a14="http://schemas.microsoft.com/office/drawing/2010/main" Requires="a14">
           <p:sp>
             <p:nvSpPr>
               <p:cNvPr id="3" name="Content Placeholder 2"/>
@@ -17036,6 +16993,10 @@
                 </a14:m>
                 <a:r>
                   <a:rPr lang="en-US" altLang="en-US" sz="2400" dirty="0" smtClean="0"/>
+                  <a:t>,</a:t>
+                </a:r>
+                <a:r>
+                  <a:rPr lang="en-US" altLang="en-US" sz="2400" dirty="0" smtClean="0"/>
                   <a:t> i.e., the lower bound is tight!</a:t>
                 </a:r>
               </a:p>
@@ -17167,7 +17128,7 @@
             </p:txBody>
           </p:sp>
         </mc:Choice>
-        <mc:Fallback xmlns="">
+        <mc:Fallback>
           <p:sp>
             <p:nvSpPr>
               <p:cNvPr id="3" name="Content Placeholder 2"/>
@@ -29010,7 +28971,15 @@
               </a:r>
               <a:r>
                 <a:rPr lang="en-US" dirty="0" smtClean="0"/>
-                <a:t>-means, we assumed equal variance across clusters, so we don’t need to estimate them </a:t>
+                <a:t>-means, we </a:t>
+              </a:r>
+              <a:r>
+                <a:rPr lang="en-US" dirty="0" smtClean="0"/>
+                <a:t>assume </a:t>
+              </a:r>
+              <a:r>
+                <a:rPr lang="en-US" dirty="0" smtClean="0"/>
+                <a:t>equal variance across clusters, so we don’t need to estimate them </a:t>
               </a:r>
               <a:endParaRPr lang="en-US" dirty="0"/>
             </a:p>
@@ -29968,11 +29937,7 @@
             <a:pPr lvl="1"/>
             <a:r>
               <a:rPr lang="en-US" dirty="0" smtClean="0"/>
-              <a:t>Users need </a:t>
-            </a:r>
-            <a:r>
-              <a:rPr lang="en-US" dirty="0" smtClean="0"/>
-              <a:t>to specify the cluster size </a:t>
+              <a:t>Users need to specify the cluster size </a:t>
             </a:r>
             <a:r>
               <a:rPr lang="en-US" i="1" dirty="0" smtClean="0"/>
@@ -30863,465 +30828,6 @@
           <a:p>
             <a:r>
               <a:rPr lang="en-US" dirty="0" smtClean="0"/>
-              <a:t>How to determine </a:t>
-            </a:r>
-            <a:r>
-              <a:rPr lang="en-US" i="1" dirty="0" smtClean="0"/>
-              <a:t>k</a:t>
-            </a:r>
-            <a:endParaRPr lang="en-US" i="1" dirty="0"/>
-          </a:p>
-        </p:txBody>
-      </p:sp>
-      <mc:AlternateContent xmlns:mc="http://schemas.openxmlformats.org/markup-compatibility/2006" xmlns:a14="http://schemas.microsoft.com/office/drawing/2010/main">
-        <mc:Choice Requires="a14">
-          <p:sp>
-            <p:nvSpPr>
-              <p:cNvPr id="3" name="Content Placeholder 2"/>
-              <p:cNvSpPr>
-                <a:spLocks noGrp="1"/>
-              </p:cNvSpPr>
-              <p:nvPr>
-                <p:ph idx="1"/>
-              </p:nvPr>
-            </p:nvSpPr>
-            <p:spPr/>
-            <p:txBody>
-              <a:bodyPr/>
-              <a:lstStyle/>
-              <a:p>
-                <a:r>
-                  <a:rPr lang="en-US" dirty="0" smtClean="0"/>
-                  <a:t>Vary </a:t>
-                </a:r>
-                <a14:m>
-                  <m:oMath xmlns:m="http://schemas.openxmlformats.org/officeDocument/2006/math">
-                    <m:r>
-                      <a:rPr lang="en-US" i="1" dirty="0" smtClean="0">
-                        <a:latin typeface="Cambria Math" panose="02040503050406030204" pitchFamily="18" charset="0"/>
-                      </a:rPr>
-                      <m:t>𝑘</m:t>
-                    </m:r>
-                  </m:oMath>
-                </a14:m>
-                <a:r>
-                  <a:rPr lang="en-US" dirty="0" smtClean="0"/>
-                  <a:t> to optimize clustering criterion</a:t>
-                </a:r>
-              </a:p>
-              <a:p>
-                <a:pPr lvl="1"/>
-                <a:r>
-                  <a:rPr lang="en-US" dirty="0" smtClean="0"/>
-                  <a:t>Internal </a:t>
-                </a:r>
-                <a:r>
-                  <a:rPr lang="en-US" dirty="0" err="1" smtClean="0"/>
-                  <a:t>v.s</a:t>
-                </a:r>
-                <a:r>
-                  <a:rPr lang="en-US" dirty="0" smtClean="0"/>
-                  <a:t>. external validation</a:t>
-                </a:r>
-              </a:p>
-              <a:p>
-                <a:pPr lvl="1"/>
-                <a:r>
-                  <a:rPr lang="en-US" dirty="0" smtClean="0"/>
-                  <a:t>Cross validation</a:t>
-                </a:r>
-              </a:p>
-              <a:p>
-                <a:pPr lvl="2"/>
-                <a:r>
-                  <a:rPr lang="en-US" dirty="0" smtClean="0"/>
-                  <a:t>Abrupt change in objective function</a:t>
-                </a:r>
-                <a:endParaRPr lang="en-US" dirty="0"/>
-              </a:p>
-            </p:txBody>
-          </p:sp>
-        </mc:Choice>
-        <mc:Fallback xmlns="">
-          <p:sp>
-            <p:nvSpPr>
-              <p:cNvPr id="3" name="Content Placeholder 2"/>
-              <p:cNvSpPr>
-                <a:spLocks noGrp="1" noRot="1" noChangeAspect="1" noMove="1" noResize="1" noEditPoints="1" noAdjustHandles="1" noChangeArrowheads="1" noChangeShapeType="1" noTextEdit="1"/>
-              </p:cNvSpPr>
-              <p:nvPr>
-                <p:ph idx="1"/>
-              </p:nvPr>
-            </p:nvSpPr>
-            <p:spPr>
-              <a:blipFill rotWithShape="0">
-                <a:blip r:embed="rId2"/>
-                <a:stretch>
-                  <a:fillRect l="-1704" t="-1617"/>
-                </a:stretch>
-              </a:blipFill>
-            </p:spPr>
-            <p:txBody>
-              <a:bodyPr/>
-              <a:lstStyle/>
-              <a:p>
-                <a:r>
-                  <a:rPr lang="en-US">
-                    <a:noFill/>
-                  </a:rPr>
-                  <a:t> </a:t>
-                </a:r>
-              </a:p>
-            </p:txBody>
-          </p:sp>
-        </mc:Fallback>
-      </mc:AlternateContent>
-      <p:sp>
-        <p:nvSpPr>
-          <p:cNvPr id="4" name="Date Placeholder 3"/>
-          <p:cNvSpPr>
-            <a:spLocks noGrp="1"/>
-          </p:cNvSpPr>
-          <p:nvPr>
-            <p:ph type="dt" sz="half" idx="10"/>
-          </p:nvPr>
-        </p:nvSpPr>
-        <p:spPr/>
-        <p:txBody>
-          <a:bodyPr/>
-          <a:lstStyle/>
-          <a:p>
-            <a:r>
-              <a:rPr lang="en-US" smtClean="0"/>
-              <a:t>CS@UVa</a:t>
-            </a:r>
-            <a:endParaRPr lang="en-US"/>
-          </a:p>
-        </p:txBody>
-      </p:sp>
-      <p:sp>
-        <p:nvSpPr>
-          <p:cNvPr id="5" name="Footer Placeholder 4"/>
-          <p:cNvSpPr>
-            <a:spLocks noGrp="1"/>
-          </p:cNvSpPr>
-          <p:nvPr>
-            <p:ph type="ftr" sz="quarter" idx="11"/>
-          </p:nvPr>
-        </p:nvSpPr>
-        <p:spPr/>
-        <p:txBody>
-          <a:bodyPr/>
-          <a:lstStyle/>
-          <a:p>
-            <a:r>
-              <a:rPr lang="en-US" smtClean="0"/>
-              <a:t>CS 6501: Text Mining</a:t>
-            </a:r>
-            <a:endParaRPr lang="en-US"/>
-          </a:p>
-        </p:txBody>
-      </p:sp>
-      <p:sp>
-        <p:nvSpPr>
-          <p:cNvPr id="6" name="Slide Number Placeholder 5"/>
-          <p:cNvSpPr>
-            <a:spLocks noGrp="1"/>
-          </p:cNvSpPr>
-          <p:nvPr>
-            <p:ph type="sldNum" sz="quarter" idx="12"/>
-          </p:nvPr>
-        </p:nvSpPr>
-        <p:spPr/>
-        <p:txBody>
-          <a:bodyPr/>
-          <a:lstStyle/>
-          <a:p>
-            <a:fld id="{64B9C3A9-27DF-40B5-9FC7-1DF96985BC5A}" type="slidenum">
-              <a:rPr lang="en-US" smtClean="0"/>
-              <a:t>31</a:t>
-            </a:fld>
-            <a:endParaRPr lang="en-US"/>
-          </a:p>
-        </p:txBody>
-      </p:sp>
-      <p:pic>
-        <p:nvPicPr>
-          <p:cNvPr id="7" name="Picture 6"/>
-          <p:cNvPicPr>
-            <a:picLocks noChangeAspect="1"/>
-          </p:cNvPicPr>
-          <p:nvPr/>
-        </p:nvPicPr>
-        <p:blipFill>
-          <a:blip r:embed="rId3"/>
-          <a:stretch>
-            <a:fillRect/>
-          </a:stretch>
-        </p:blipFill>
-        <p:spPr>
-          <a:xfrm>
-            <a:off x="1981652" y="3795713"/>
-            <a:ext cx="5180696" cy="2445546"/>
-          </a:xfrm>
-          <a:prstGeom prst="rect">
-            <a:avLst/>
-          </a:prstGeom>
-        </p:spPr>
-      </p:pic>
-    </p:spTree>
-    <p:extLst>
-      <p:ext uri="{BB962C8B-B14F-4D97-AF65-F5344CB8AC3E}">
-        <p14:creationId xmlns:p14="http://schemas.microsoft.com/office/powerpoint/2010/main" val="1653591591"/>
-      </p:ext>
-    </p:extLst>
-  </p:cSld>
-  <p:clrMapOvr>
-    <a:masterClrMapping/>
-  </p:clrMapOvr>
-  <p:timing>
-    <p:tnLst>
-      <p:par>
-        <p:cTn id="1" dur="indefinite" restart="never" nodeType="tmRoot"/>
-      </p:par>
-    </p:tnLst>
-  </p:timing>
-</p:sld>
-</file>
-
-<file path=ppt/slides/slide32.xml><?xml version="1.0" encoding="utf-8"?>
-<p:sld xmlns:a="http://schemas.openxmlformats.org/drawingml/2006/main" xmlns:r="http://schemas.openxmlformats.org/officeDocument/2006/relationships" xmlns:p="http://schemas.openxmlformats.org/presentationml/2006/main">
-  <p:cSld>
-    <p:spTree>
-      <p:nvGrpSpPr>
-        <p:cNvPr id="1" name=""/>
-        <p:cNvGrpSpPr/>
-        <p:nvPr/>
-      </p:nvGrpSpPr>
-      <p:grpSpPr>
-        <a:xfrm>
-          <a:off x="0" y="0"/>
-          <a:ext cx="0" cy="0"/>
-          <a:chOff x="0" y="0"/>
-          <a:chExt cx="0" cy="0"/>
-        </a:xfrm>
-      </p:grpSpPr>
-      <p:sp>
-        <p:nvSpPr>
-          <p:cNvPr id="2" name="Title 1"/>
-          <p:cNvSpPr>
-            <a:spLocks noGrp="1"/>
-          </p:cNvSpPr>
-          <p:nvPr>
-            <p:ph type="title"/>
-          </p:nvPr>
-        </p:nvSpPr>
-        <p:spPr/>
-        <p:txBody>
-          <a:bodyPr/>
-          <a:lstStyle/>
-          <a:p>
-            <a:r>
-              <a:rPr lang="en-US" dirty="0" smtClean="0"/>
-              <a:t>How to determine </a:t>
-            </a:r>
-            <a:r>
-              <a:rPr lang="en-US" i="1" dirty="0" smtClean="0"/>
-              <a:t>k</a:t>
-            </a:r>
-            <a:endParaRPr lang="en-US" i="1" dirty="0"/>
-          </a:p>
-        </p:txBody>
-      </p:sp>
-      <p:sp>
-        <p:nvSpPr>
-          <p:cNvPr id="3" name="Content Placeholder 2"/>
-          <p:cNvSpPr>
-            <a:spLocks noGrp="1"/>
-          </p:cNvSpPr>
-          <p:nvPr>
-            <p:ph idx="1"/>
-          </p:nvPr>
-        </p:nvSpPr>
-        <p:spPr/>
-        <p:txBody>
-          <a:bodyPr/>
-          <a:lstStyle/>
-          <a:p>
-            <a:r>
-              <a:rPr lang="en-US" dirty="0" smtClean="0"/>
-              <a:t>Vary k to optimize clustering criterion</a:t>
-            </a:r>
-          </a:p>
-          <a:p>
-            <a:pPr lvl="1"/>
-            <a:r>
-              <a:rPr lang="en-US" dirty="0" smtClean="0"/>
-              <a:t>Internal </a:t>
-            </a:r>
-            <a:r>
-              <a:rPr lang="en-US" dirty="0" err="1" smtClean="0"/>
-              <a:t>v.s</a:t>
-            </a:r>
-            <a:r>
-              <a:rPr lang="en-US" dirty="0" smtClean="0"/>
-              <a:t>. external validation</a:t>
-            </a:r>
-          </a:p>
-          <a:p>
-            <a:pPr lvl="1"/>
-            <a:r>
-              <a:rPr lang="en-US" dirty="0" smtClean="0"/>
-              <a:t>Cross validation</a:t>
-            </a:r>
-          </a:p>
-          <a:p>
-            <a:pPr lvl="2"/>
-            <a:r>
-              <a:rPr lang="en-US" dirty="0" smtClean="0"/>
-              <a:t>Abrupt change in objective function</a:t>
-            </a:r>
-          </a:p>
-          <a:p>
-            <a:pPr lvl="2"/>
-            <a:r>
-              <a:rPr lang="en-US" dirty="0" smtClean="0"/>
-              <a:t>Model selection criterion – penalizing too many clusters</a:t>
-            </a:r>
-          </a:p>
-          <a:p>
-            <a:pPr lvl="3"/>
-            <a:r>
-              <a:rPr lang="en-US" dirty="0" smtClean="0"/>
-              <a:t>AIC, BIC</a:t>
-            </a:r>
-            <a:endParaRPr lang="en-US" dirty="0"/>
-          </a:p>
-        </p:txBody>
-      </p:sp>
-      <p:sp>
-        <p:nvSpPr>
-          <p:cNvPr id="4" name="Date Placeholder 3"/>
-          <p:cNvSpPr>
-            <a:spLocks noGrp="1"/>
-          </p:cNvSpPr>
-          <p:nvPr>
-            <p:ph type="dt" sz="half" idx="10"/>
-          </p:nvPr>
-        </p:nvSpPr>
-        <p:spPr/>
-        <p:txBody>
-          <a:bodyPr/>
-          <a:lstStyle/>
-          <a:p>
-            <a:r>
-              <a:rPr lang="en-US" smtClean="0"/>
-              <a:t>CS@UVa</a:t>
-            </a:r>
-            <a:endParaRPr lang="en-US"/>
-          </a:p>
-        </p:txBody>
-      </p:sp>
-      <p:sp>
-        <p:nvSpPr>
-          <p:cNvPr id="5" name="Footer Placeholder 4"/>
-          <p:cNvSpPr>
-            <a:spLocks noGrp="1"/>
-          </p:cNvSpPr>
-          <p:nvPr>
-            <p:ph type="ftr" sz="quarter" idx="11"/>
-          </p:nvPr>
-        </p:nvSpPr>
-        <p:spPr/>
-        <p:txBody>
-          <a:bodyPr/>
-          <a:lstStyle/>
-          <a:p>
-            <a:r>
-              <a:rPr lang="en-US" smtClean="0"/>
-              <a:t>CS 6501: Text Mining</a:t>
-            </a:r>
-            <a:endParaRPr lang="en-US"/>
-          </a:p>
-        </p:txBody>
-      </p:sp>
-      <p:sp>
-        <p:nvSpPr>
-          <p:cNvPr id="6" name="Slide Number Placeholder 5"/>
-          <p:cNvSpPr>
-            <a:spLocks noGrp="1"/>
-          </p:cNvSpPr>
-          <p:nvPr>
-            <p:ph type="sldNum" sz="quarter" idx="12"/>
-          </p:nvPr>
-        </p:nvSpPr>
-        <p:spPr/>
-        <p:txBody>
-          <a:bodyPr/>
-          <a:lstStyle/>
-          <a:p>
-            <a:fld id="{64B9C3A9-27DF-40B5-9FC7-1DF96985BC5A}" type="slidenum">
-              <a:rPr lang="en-US" smtClean="0"/>
-              <a:t>32</a:t>
-            </a:fld>
-            <a:endParaRPr lang="en-US"/>
-          </a:p>
-        </p:txBody>
-      </p:sp>
-    </p:spTree>
-    <p:extLst>
-      <p:ext uri="{BB962C8B-B14F-4D97-AF65-F5344CB8AC3E}">
-        <p14:creationId xmlns:p14="http://schemas.microsoft.com/office/powerpoint/2010/main" val="4661913"/>
-      </p:ext>
-    </p:extLst>
-  </p:cSld>
-  <p:clrMapOvr>
-    <a:masterClrMapping/>
-  </p:clrMapOvr>
-  <p:timing>
-    <p:tnLst>
-      <p:par>
-        <p:cTn id="1" dur="indefinite" restart="never" nodeType="tmRoot"/>
-      </p:par>
-    </p:tnLst>
-  </p:timing>
-</p:sld>
-</file>
-
-<file path=ppt/slides/slide33.xml><?xml version="1.0" encoding="utf-8"?>
-<p:sld xmlns:a="http://schemas.openxmlformats.org/drawingml/2006/main" xmlns:r="http://schemas.openxmlformats.org/officeDocument/2006/relationships" xmlns:p="http://schemas.openxmlformats.org/presentationml/2006/main">
-  <p:cSld>
-    <p:spTree>
-      <p:nvGrpSpPr>
-        <p:cNvPr id="1" name=""/>
-        <p:cNvGrpSpPr/>
-        <p:nvPr/>
-      </p:nvGrpSpPr>
-      <p:grpSpPr>
-        <a:xfrm>
-          <a:off x="0" y="0"/>
-          <a:ext cx="0" cy="0"/>
-          <a:chOff x="0" y="0"/>
-          <a:chExt cx="0" cy="0"/>
-        </a:xfrm>
-      </p:grpSpPr>
-      <p:sp>
-        <p:nvSpPr>
-          <p:cNvPr id="2" name="Title 1"/>
-          <p:cNvSpPr>
-            <a:spLocks noGrp="1"/>
-          </p:cNvSpPr>
-          <p:nvPr>
-            <p:ph type="title"/>
-          </p:nvPr>
-        </p:nvSpPr>
-        <p:spPr/>
-        <p:txBody>
-          <a:bodyPr/>
-          <a:lstStyle/>
-          <a:p>
-            <a:r>
-              <a:rPr lang="en-US" dirty="0" smtClean="0"/>
               <a:t>Better initialization: </a:t>
             </a:r>
             <a:r>
@@ -31336,8 +30842,8 @@
           </a:p>
         </p:txBody>
       </p:sp>
-      <mc:AlternateContent xmlns:mc="http://schemas.openxmlformats.org/markup-compatibility/2006" xmlns:a14="http://schemas.microsoft.com/office/drawing/2010/main">
-        <mc:Choice Requires="a14">
+      <mc:AlternateContent xmlns:mc="http://schemas.openxmlformats.org/markup-compatibility/2006">
+        <mc:Choice xmlns:a14="http://schemas.microsoft.com/office/drawing/2010/main" Requires="a14">
           <p:sp>
             <p:nvSpPr>
               <p:cNvPr id="3" name="Content Placeholder 2"/>
@@ -31359,7 +30865,19 @@
                 </a:pPr>
                 <a:r>
                   <a:rPr lang="en-US" dirty="0" smtClean="0"/>
-                  <a:t>Choose one cluster center at uniformly random</a:t>
+                  <a:t>Choose </a:t>
+                </a:r>
+                <a:r>
+                  <a:rPr lang="en-US" dirty="0" smtClean="0"/>
+                  <a:t>the first</a:t>
+                </a:r>
+                <a:r>
+                  <a:rPr lang="en-US" dirty="0" smtClean="0"/>
+                  <a:t> </a:t>
+                </a:r>
+                <a:r>
+                  <a:rPr lang="en-US" dirty="0" smtClean="0"/>
+                  <a:t>cluster center at uniformly random</a:t>
                 </a:r>
               </a:p>
               <a:p>
@@ -31611,7 +31129,7 @@
             </p:txBody>
           </p:sp>
         </mc:Choice>
-        <mc:Fallback xmlns="">
+        <mc:Fallback>
           <p:sp>
             <p:nvSpPr>
               <p:cNvPr id="3" name="Content Placeholder 2"/>
@@ -31708,6 +31226,673 @@
           <a:p>
             <a:fld id="{64B9C3A9-27DF-40B5-9FC7-1DF96985BC5A}" type="slidenum">
               <a:rPr lang="en-US" smtClean="0"/>
+              <a:t>31</a:t>
+            </a:fld>
+            <a:endParaRPr lang="en-US"/>
+          </a:p>
+        </p:txBody>
+      </p:sp>
+      <p:grpSp>
+        <p:nvGrpSpPr>
+          <p:cNvPr id="10" name="Group 9"/>
+          <p:cNvGrpSpPr/>
+          <p:nvPr/>
+        </p:nvGrpSpPr>
+        <p:grpSpPr>
+          <a:xfrm>
+            <a:off x="3124200" y="4324864"/>
+            <a:ext cx="3288956" cy="646331"/>
+            <a:chOff x="3124200" y="4324864"/>
+            <a:chExt cx="3288956" cy="646331"/>
+          </a:xfrm>
+        </p:grpSpPr>
+        <p:sp>
+          <p:nvSpPr>
+            <p:cNvPr id="7" name="TextBox 6"/>
+            <p:cNvSpPr txBox="1"/>
+            <p:nvPr/>
+          </p:nvSpPr>
+          <p:spPr>
+            <a:xfrm>
+              <a:off x="3591697" y="4324864"/>
+              <a:ext cx="2821459" cy="646331"/>
+            </a:xfrm>
+            <a:prstGeom prst="rect">
+              <a:avLst/>
+            </a:prstGeom>
+            <a:noFill/>
+          </p:spPr>
+          <p:txBody>
+            <a:bodyPr wrap="square" rtlCol="0">
+              <a:spAutoFit/>
+            </a:bodyPr>
+            <a:lstStyle/>
+            <a:p>
+              <a:r>
+                <a:rPr lang="en-US" i="1" dirty="0" smtClean="0">
+                  <a:solidFill>
+                    <a:srgbClr val="FF0000"/>
+                  </a:solidFill>
+                </a:rPr>
+                <a:t>new center should be far away from existing centers</a:t>
+              </a:r>
+              <a:endParaRPr lang="en-US" i="1" dirty="0">
+                <a:solidFill>
+                  <a:srgbClr val="FF0000"/>
+                </a:solidFill>
+              </a:endParaRPr>
+            </a:p>
+          </p:txBody>
+        </p:sp>
+        <p:cxnSp>
+          <p:nvCxnSpPr>
+            <p:cNvPr id="9" name="Straight Arrow Connector 8"/>
+            <p:cNvCxnSpPr/>
+            <p:nvPr/>
+          </p:nvCxnSpPr>
+          <p:spPr>
+            <a:xfrm flipH="1" flipV="1">
+              <a:off x="3124200" y="4629666"/>
+              <a:ext cx="459260" cy="0"/>
+            </a:xfrm>
+            <a:prstGeom prst="straightConnector1">
+              <a:avLst/>
+            </a:prstGeom>
+            <a:ln w="19050">
+              <a:solidFill>
+                <a:srgbClr val="FF0000"/>
+              </a:solidFill>
+              <a:tailEnd type="triangle"/>
+            </a:ln>
+          </p:spPr>
+          <p:style>
+            <a:lnRef idx="1">
+              <a:schemeClr val="accent1"/>
+            </a:lnRef>
+            <a:fillRef idx="0">
+              <a:schemeClr val="accent1"/>
+            </a:fillRef>
+            <a:effectRef idx="0">
+              <a:schemeClr val="accent1"/>
+            </a:effectRef>
+            <a:fontRef idx="minor">
+              <a:schemeClr val="tx1"/>
+            </a:fontRef>
+          </p:style>
+        </p:cxnSp>
+      </p:grpSp>
+    </p:spTree>
+    <p:extLst>
+      <p:ext uri="{BB962C8B-B14F-4D97-AF65-F5344CB8AC3E}">
+        <p14:creationId xmlns:p14="http://schemas.microsoft.com/office/powerpoint/2010/main" val="3583645796"/>
+      </p:ext>
+    </p:extLst>
+  </p:cSld>
+  <p:clrMapOvr>
+    <a:masterClrMapping/>
+  </p:clrMapOvr>
+  <p:timing>
+    <p:tnLst>
+      <p:par>
+        <p:cTn id="1" dur="indefinite" restart="never" nodeType="tmRoot">
+          <p:childTnLst>
+            <p:seq concurrent="1" nextAc="seek">
+              <p:cTn id="2" dur="indefinite" nodeType="mainSeq">
+                <p:childTnLst>
+                  <p:par>
+                    <p:cTn id="3" fill="hold">
+                      <p:stCondLst>
+                        <p:cond delay="indefinite"/>
+                      </p:stCondLst>
+                      <p:childTnLst>
+                        <p:par>
+                          <p:cTn id="4" fill="hold">
+                            <p:stCondLst>
+                              <p:cond delay="0"/>
+                            </p:stCondLst>
+                            <p:childTnLst>
+                              <p:par>
+                                <p:cTn id="5" presetID="1" presetClass="entr" presetSubtype="0" fill="hold" nodeType="clickEffect">
+                                  <p:stCondLst>
+                                    <p:cond delay="0"/>
+                                  </p:stCondLst>
+                                  <p:childTnLst>
+                                    <p:set>
+                                      <p:cBhvr>
+                                        <p:cTn id="6" dur="1" fill="hold">
+                                          <p:stCondLst>
+                                            <p:cond delay="0"/>
+                                          </p:stCondLst>
+                                        </p:cTn>
+                                        <p:tgtEl>
+                                          <p:spTgt spid="10"/>
+                                        </p:tgtEl>
+                                        <p:attrNameLst>
+                                          <p:attrName>style.visibility</p:attrName>
+                                        </p:attrNameLst>
+                                      </p:cBhvr>
+                                      <p:to>
+                                        <p:strVal val="visible"/>
+                                      </p:to>
+                                    </p:set>
+                                  </p:childTnLst>
+                                </p:cTn>
+                              </p:par>
+                            </p:childTnLst>
+                          </p:cTn>
+                        </p:par>
+                      </p:childTnLst>
+                    </p:cTn>
+                  </p:par>
+                </p:childTnLst>
+              </p:cTn>
+              <p:prevCondLst>
+                <p:cond evt="onPrev" delay="0">
+                  <p:tgtEl>
+                    <p:sldTgt/>
+                  </p:tgtEl>
+                </p:cond>
+              </p:prevCondLst>
+              <p:nextCondLst>
+                <p:cond evt="onNext" delay="0">
+                  <p:tgtEl>
+                    <p:sldTgt/>
+                  </p:tgtEl>
+                </p:cond>
+              </p:nextCondLst>
+            </p:seq>
+          </p:childTnLst>
+        </p:cTn>
+      </p:par>
+    </p:tnLst>
+  </p:timing>
+</p:sld>
+</file>
+
+<file path=ppt/slides/slide32.xml><?xml version="1.0" encoding="utf-8"?>
+<p:sld xmlns:a="http://schemas.openxmlformats.org/drawingml/2006/main" xmlns:r="http://schemas.openxmlformats.org/officeDocument/2006/relationships" xmlns:p="http://schemas.openxmlformats.org/presentationml/2006/main">
+  <p:cSld>
+    <p:spTree>
+      <p:nvGrpSpPr>
+        <p:cNvPr id="1" name=""/>
+        <p:cNvGrpSpPr/>
+        <p:nvPr/>
+      </p:nvGrpSpPr>
+      <p:grpSpPr>
+        <a:xfrm>
+          <a:off x="0" y="0"/>
+          <a:ext cx="0" cy="0"/>
+          <a:chOff x="0" y="0"/>
+          <a:chExt cx="0" cy="0"/>
+        </a:xfrm>
+      </p:grpSpPr>
+      <p:sp>
+        <p:nvSpPr>
+          <p:cNvPr id="2" name="Title 1"/>
+          <p:cNvSpPr>
+            <a:spLocks noGrp="1"/>
+          </p:cNvSpPr>
+          <p:nvPr>
+            <p:ph type="title"/>
+          </p:nvPr>
+        </p:nvSpPr>
+        <p:spPr/>
+        <p:txBody>
+          <a:bodyPr/>
+          <a:lstStyle/>
+          <a:p>
+            <a:r>
+              <a:rPr lang="en-US" dirty="0" smtClean="0"/>
+              <a:t>How to determine </a:t>
+            </a:r>
+            <a:r>
+              <a:rPr lang="en-US" i="1" dirty="0" smtClean="0"/>
+              <a:t>k</a:t>
+            </a:r>
+            <a:endParaRPr lang="en-US" i="1" dirty="0"/>
+          </a:p>
+        </p:txBody>
+      </p:sp>
+      <mc:AlternateContent xmlns:mc="http://schemas.openxmlformats.org/markup-compatibility/2006" xmlns:a14="http://schemas.microsoft.com/office/drawing/2010/main">
+        <mc:Choice Requires="a14">
+          <p:sp>
+            <p:nvSpPr>
+              <p:cNvPr id="3" name="Content Placeholder 2"/>
+              <p:cNvSpPr>
+                <a:spLocks noGrp="1"/>
+              </p:cNvSpPr>
+              <p:nvPr>
+                <p:ph idx="1"/>
+              </p:nvPr>
+            </p:nvSpPr>
+            <p:spPr/>
+            <p:txBody>
+              <a:bodyPr/>
+              <a:lstStyle/>
+              <a:p>
+                <a:r>
+                  <a:rPr lang="en-US" dirty="0" smtClean="0"/>
+                  <a:t>Vary </a:t>
+                </a:r>
+                <a14:m>
+                  <m:oMath xmlns:m="http://schemas.openxmlformats.org/officeDocument/2006/math">
+                    <m:r>
+                      <a:rPr lang="en-US" i="1" dirty="0" smtClean="0">
+                        <a:latin typeface="Cambria Math" panose="02040503050406030204" pitchFamily="18" charset="0"/>
+                      </a:rPr>
+                      <m:t>𝑘</m:t>
+                    </m:r>
+                  </m:oMath>
+                </a14:m>
+                <a:r>
+                  <a:rPr lang="en-US" dirty="0" smtClean="0"/>
+                  <a:t> to optimize clustering criterion</a:t>
+                </a:r>
+              </a:p>
+              <a:p>
+                <a:pPr lvl="1"/>
+                <a:r>
+                  <a:rPr lang="en-US" dirty="0" smtClean="0"/>
+                  <a:t>Internal </a:t>
+                </a:r>
+                <a:r>
+                  <a:rPr lang="en-US" dirty="0" err="1" smtClean="0"/>
+                  <a:t>v.s</a:t>
+                </a:r>
+                <a:r>
+                  <a:rPr lang="en-US" dirty="0" smtClean="0"/>
+                  <a:t>. external validation</a:t>
+                </a:r>
+              </a:p>
+              <a:p>
+                <a:pPr lvl="1"/>
+                <a:r>
+                  <a:rPr lang="en-US" dirty="0" smtClean="0"/>
+                  <a:t>Cross validation</a:t>
+                </a:r>
+              </a:p>
+              <a:p>
+                <a:pPr lvl="2"/>
+                <a:r>
+                  <a:rPr lang="en-US" dirty="0" smtClean="0"/>
+                  <a:t>Abrupt change in objective function</a:t>
+                </a:r>
+                <a:endParaRPr lang="en-US" dirty="0"/>
+              </a:p>
+            </p:txBody>
+          </p:sp>
+        </mc:Choice>
+        <mc:Fallback xmlns="">
+          <p:sp>
+            <p:nvSpPr>
+              <p:cNvPr id="3" name="Content Placeholder 2"/>
+              <p:cNvSpPr>
+                <a:spLocks noGrp="1" noRot="1" noChangeAspect="1" noMove="1" noResize="1" noEditPoints="1" noAdjustHandles="1" noChangeArrowheads="1" noChangeShapeType="1" noTextEdit="1"/>
+              </p:cNvSpPr>
+              <p:nvPr>
+                <p:ph idx="1"/>
+              </p:nvPr>
+            </p:nvSpPr>
+            <p:spPr>
+              <a:blipFill rotWithShape="0">
+                <a:blip r:embed="rId2"/>
+                <a:stretch>
+                  <a:fillRect l="-1704" t="-1617"/>
+                </a:stretch>
+              </a:blipFill>
+            </p:spPr>
+            <p:txBody>
+              <a:bodyPr/>
+              <a:lstStyle/>
+              <a:p>
+                <a:r>
+                  <a:rPr lang="en-US">
+                    <a:noFill/>
+                  </a:rPr>
+                  <a:t> </a:t>
+                </a:r>
+              </a:p>
+            </p:txBody>
+          </p:sp>
+        </mc:Fallback>
+      </mc:AlternateContent>
+      <p:sp>
+        <p:nvSpPr>
+          <p:cNvPr id="4" name="Date Placeholder 3"/>
+          <p:cNvSpPr>
+            <a:spLocks noGrp="1"/>
+          </p:cNvSpPr>
+          <p:nvPr>
+            <p:ph type="dt" sz="half" idx="10"/>
+          </p:nvPr>
+        </p:nvSpPr>
+        <p:spPr/>
+        <p:txBody>
+          <a:bodyPr/>
+          <a:lstStyle/>
+          <a:p>
+            <a:r>
+              <a:rPr lang="en-US" smtClean="0"/>
+              <a:t>CS@UVa</a:t>
+            </a:r>
+            <a:endParaRPr lang="en-US"/>
+          </a:p>
+        </p:txBody>
+      </p:sp>
+      <p:sp>
+        <p:nvSpPr>
+          <p:cNvPr id="5" name="Footer Placeholder 4"/>
+          <p:cNvSpPr>
+            <a:spLocks noGrp="1"/>
+          </p:cNvSpPr>
+          <p:nvPr>
+            <p:ph type="ftr" sz="quarter" idx="11"/>
+          </p:nvPr>
+        </p:nvSpPr>
+        <p:spPr/>
+        <p:txBody>
+          <a:bodyPr/>
+          <a:lstStyle/>
+          <a:p>
+            <a:r>
+              <a:rPr lang="en-US" smtClean="0"/>
+              <a:t>CS 6501: Text Mining</a:t>
+            </a:r>
+            <a:endParaRPr lang="en-US"/>
+          </a:p>
+        </p:txBody>
+      </p:sp>
+      <p:sp>
+        <p:nvSpPr>
+          <p:cNvPr id="6" name="Slide Number Placeholder 5"/>
+          <p:cNvSpPr>
+            <a:spLocks noGrp="1"/>
+          </p:cNvSpPr>
+          <p:nvPr>
+            <p:ph type="sldNum" sz="quarter" idx="12"/>
+          </p:nvPr>
+        </p:nvSpPr>
+        <p:spPr/>
+        <p:txBody>
+          <a:bodyPr/>
+          <a:lstStyle/>
+          <a:p>
+            <a:fld id="{64B9C3A9-27DF-40B5-9FC7-1DF96985BC5A}" type="slidenum">
+              <a:rPr lang="en-US" smtClean="0"/>
+              <a:t>32</a:t>
+            </a:fld>
+            <a:endParaRPr lang="en-US"/>
+          </a:p>
+        </p:txBody>
+      </p:sp>
+      <p:pic>
+        <p:nvPicPr>
+          <p:cNvPr id="7" name="Picture 6"/>
+          <p:cNvPicPr>
+            <a:picLocks noChangeAspect="1"/>
+          </p:cNvPicPr>
+          <p:nvPr/>
+        </p:nvPicPr>
+        <p:blipFill>
+          <a:blip r:embed="rId3"/>
+          <a:stretch>
+            <a:fillRect/>
+          </a:stretch>
+        </p:blipFill>
+        <p:spPr>
+          <a:xfrm>
+            <a:off x="1981652" y="3795713"/>
+            <a:ext cx="5180696" cy="2445546"/>
+          </a:xfrm>
+          <a:prstGeom prst="rect">
+            <a:avLst/>
+          </a:prstGeom>
+        </p:spPr>
+      </p:pic>
+    </p:spTree>
+    <p:extLst>
+      <p:ext uri="{BB962C8B-B14F-4D97-AF65-F5344CB8AC3E}">
+        <p14:creationId xmlns:p14="http://schemas.microsoft.com/office/powerpoint/2010/main" val="1653591591"/>
+      </p:ext>
+    </p:extLst>
+  </p:cSld>
+  <p:clrMapOvr>
+    <a:masterClrMapping/>
+  </p:clrMapOvr>
+  <p:timing>
+    <p:tnLst>
+      <p:par>
+        <p:cTn id="1" dur="indefinite" restart="never" nodeType="tmRoot"/>
+      </p:par>
+    </p:tnLst>
+  </p:timing>
+</p:sld>
+</file>
+
+<file path=ppt/slides/slide33.xml><?xml version="1.0" encoding="utf-8"?>
+<p:sld xmlns:a="http://schemas.openxmlformats.org/drawingml/2006/main" xmlns:r="http://schemas.openxmlformats.org/officeDocument/2006/relationships" xmlns:p="http://schemas.openxmlformats.org/presentationml/2006/main">
+  <p:cSld>
+    <p:spTree>
+      <p:nvGrpSpPr>
+        <p:cNvPr id="1" name=""/>
+        <p:cNvGrpSpPr/>
+        <p:nvPr/>
+      </p:nvGrpSpPr>
+      <p:grpSpPr>
+        <a:xfrm>
+          <a:off x="0" y="0"/>
+          <a:ext cx="0" cy="0"/>
+          <a:chOff x="0" y="0"/>
+          <a:chExt cx="0" cy="0"/>
+        </a:xfrm>
+      </p:grpSpPr>
+      <p:sp>
+        <p:nvSpPr>
+          <p:cNvPr id="2" name="Title 1"/>
+          <p:cNvSpPr>
+            <a:spLocks noGrp="1"/>
+          </p:cNvSpPr>
+          <p:nvPr>
+            <p:ph type="title"/>
+          </p:nvPr>
+        </p:nvSpPr>
+        <p:spPr/>
+        <p:txBody>
+          <a:bodyPr/>
+          <a:lstStyle/>
+          <a:p>
+            <a:r>
+              <a:rPr lang="en-US" dirty="0" smtClean="0"/>
+              <a:t>How to determine </a:t>
+            </a:r>
+            <a:r>
+              <a:rPr lang="en-US" i="1" dirty="0" smtClean="0"/>
+              <a:t>k</a:t>
+            </a:r>
+            <a:endParaRPr lang="en-US" i="1" dirty="0"/>
+          </a:p>
+        </p:txBody>
+      </p:sp>
+      <mc:AlternateContent xmlns:mc="http://schemas.openxmlformats.org/markup-compatibility/2006">
+        <mc:Choice xmlns:a14="http://schemas.microsoft.com/office/drawing/2010/main" Requires="a14">
+          <p:sp>
+            <p:nvSpPr>
+              <p:cNvPr id="3" name="Content Placeholder 2"/>
+              <p:cNvSpPr>
+                <a:spLocks noGrp="1"/>
+              </p:cNvSpPr>
+              <p:nvPr>
+                <p:ph idx="1"/>
+              </p:nvPr>
+            </p:nvSpPr>
+            <p:spPr/>
+            <p:txBody>
+              <a:bodyPr/>
+              <a:lstStyle/>
+              <a:p>
+                <a:r>
+                  <a:rPr lang="en-US" dirty="0" smtClean="0"/>
+                  <a:t>Vary </a:t>
+                </a:r>
+                <a14:m>
+                  <m:oMath xmlns:m="http://schemas.openxmlformats.org/officeDocument/2006/math">
+                    <m:r>
+                      <a:rPr lang="en-US" i="1" dirty="0">
+                        <a:latin typeface="Cambria Math" panose="02040503050406030204" pitchFamily="18" charset="0"/>
+                      </a:rPr>
+                      <m:t>𝑘</m:t>
+                    </m:r>
+                  </m:oMath>
+                </a14:m>
+                <a:r>
+                  <a:rPr lang="en-US" dirty="0" smtClean="0"/>
+                  <a:t> to optimize clustering criterion</a:t>
+                </a:r>
+              </a:p>
+              <a:p>
+                <a:pPr lvl="1"/>
+                <a:r>
+                  <a:rPr lang="en-US" dirty="0" smtClean="0"/>
+                  <a:t>Internal </a:t>
+                </a:r>
+                <a:r>
+                  <a:rPr lang="en-US" dirty="0" err="1" smtClean="0"/>
+                  <a:t>v.s</a:t>
+                </a:r>
+                <a:r>
+                  <a:rPr lang="en-US" dirty="0" smtClean="0"/>
+                  <a:t>. external validation</a:t>
+                </a:r>
+              </a:p>
+              <a:p>
+                <a:pPr lvl="1"/>
+                <a:r>
+                  <a:rPr lang="en-US" dirty="0" smtClean="0"/>
+                  <a:t>Cross validation</a:t>
+                </a:r>
+              </a:p>
+              <a:p>
+                <a:pPr lvl="2"/>
+                <a:r>
+                  <a:rPr lang="en-US" dirty="0" smtClean="0"/>
+                  <a:t>Abrupt change in objective function</a:t>
+                </a:r>
+              </a:p>
+              <a:p>
+                <a:pPr lvl="2"/>
+                <a:r>
+                  <a:rPr lang="en-US" dirty="0" smtClean="0"/>
+                  <a:t>Model selection criterion – penalizing too many clusters</a:t>
+                </a:r>
+              </a:p>
+              <a:p>
+                <a:pPr lvl="3"/>
+                <a:r>
+                  <a:rPr lang="en-US" dirty="0" smtClean="0"/>
+                  <a:t>AIC, BIC</a:t>
+                </a:r>
+                <a:endParaRPr lang="en-US" dirty="0"/>
+              </a:p>
+            </p:txBody>
+          </p:sp>
+        </mc:Choice>
+        <mc:Fallback>
+          <p:sp>
+            <p:nvSpPr>
+              <p:cNvPr id="3" name="Content Placeholder 2"/>
+              <p:cNvSpPr>
+                <a:spLocks noGrp="1" noRot="1" noChangeAspect="1" noMove="1" noResize="1" noEditPoints="1" noAdjustHandles="1" noChangeArrowheads="1" noChangeShapeType="1" noTextEdit="1"/>
+              </p:cNvSpPr>
+              <p:nvPr>
+                <p:ph idx="1"/>
+              </p:nvPr>
+            </p:nvSpPr>
+            <p:spPr>
+              <a:blipFill rotWithShape="0">
+                <a:blip r:embed="rId2"/>
+                <a:stretch>
+                  <a:fillRect l="-1704" t="-1617" r="-1037"/>
+                </a:stretch>
+              </a:blipFill>
+            </p:spPr>
+            <p:txBody>
+              <a:bodyPr/>
+              <a:lstStyle/>
+              <a:p>
+                <a:r>
+                  <a:rPr lang="en-US">
+                    <a:noFill/>
+                  </a:rPr>
+                  <a:t> </a:t>
+                </a:r>
+              </a:p>
+            </p:txBody>
+          </p:sp>
+        </mc:Fallback>
+      </mc:AlternateContent>
+      <p:sp>
+        <p:nvSpPr>
+          <p:cNvPr id="4" name="Date Placeholder 3"/>
+          <p:cNvSpPr>
+            <a:spLocks noGrp="1"/>
+          </p:cNvSpPr>
+          <p:nvPr>
+            <p:ph type="dt" sz="half" idx="10"/>
+          </p:nvPr>
+        </p:nvSpPr>
+        <p:spPr/>
+        <p:txBody>
+          <a:bodyPr/>
+          <a:lstStyle/>
+          <a:p>
+            <a:r>
+              <a:rPr lang="en-US" smtClean="0"/>
+              <a:t>CS@UVa</a:t>
+            </a:r>
+            <a:endParaRPr lang="en-US"/>
+          </a:p>
+        </p:txBody>
+      </p:sp>
+      <p:sp>
+        <p:nvSpPr>
+          <p:cNvPr id="5" name="Footer Placeholder 4"/>
+          <p:cNvSpPr>
+            <a:spLocks noGrp="1"/>
+          </p:cNvSpPr>
+          <p:nvPr>
+            <p:ph type="ftr" sz="quarter" idx="11"/>
+          </p:nvPr>
+        </p:nvSpPr>
+        <p:spPr/>
+        <p:txBody>
+          <a:bodyPr/>
+          <a:lstStyle/>
+          <a:p>
+            <a:r>
+              <a:rPr lang="en-US" smtClean="0"/>
+              <a:t>CS 6501: Text Mining</a:t>
+            </a:r>
+            <a:endParaRPr lang="en-US"/>
+          </a:p>
+        </p:txBody>
+      </p:sp>
+      <p:sp>
+        <p:nvSpPr>
+          <p:cNvPr id="6" name="Slide Number Placeholder 5"/>
+          <p:cNvSpPr>
+            <a:spLocks noGrp="1"/>
+          </p:cNvSpPr>
+          <p:nvPr>
+            <p:ph type="sldNum" sz="quarter" idx="12"/>
+          </p:nvPr>
+        </p:nvSpPr>
+        <p:spPr/>
+        <p:txBody>
+          <a:bodyPr/>
+          <a:lstStyle/>
+          <a:p>
+            <a:fld id="{64B9C3A9-27DF-40B5-9FC7-1DF96985BC5A}" type="slidenum">
+              <a:rPr lang="en-US" smtClean="0"/>
               <a:t>33</a:t>
             </a:fld>
             <a:endParaRPr lang="en-US"/>
@@ -31717,7 +31902,7 @@
     </p:spTree>
     <p:extLst>
       <p:ext uri="{BB962C8B-B14F-4D97-AF65-F5344CB8AC3E}">
-        <p14:creationId xmlns:p14="http://schemas.microsoft.com/office/powerpoint/2010/main" val="2844768513"/>
+        <p14:creationId xmlns:p14="http://schemas.microsoft.com/office/powerpoint/2010/main" val="4661913"/>
       </p:ext>
     </p:extLst>
   </p:cSld>
@@ -32680,7 +32865,7 @@
             <a:prstGeom prst="straightConnector1">
               <a:avLst/>
             </a:prstGeom>
-            <a:ln w="12700">
+            <a:ln w="19050">
               <a:tailEnd type="triangle"/>
             </a:ln>
           </p:spPr>

--- a/docs/k-means.pptx
+++ b/docs/k-means.pptx
@@ -231,7 +231,7 @@
           <a:p>
             <a:fld id="{1A8B0552-9314-44FC-80A7-241A4FB6D973}" type="datetimeFigureOut">
               <a:rPr lang="en-US" smtClean="0"/>
-              <a:t>4/22/2015</a:t>
+              <a:t>4/23/2015</a:t>
             </a:fld>
             <a:endParaRPr lang="en-US"/>
           </a:p>
@@ -9430,8 +9430,8 @@
           </a:p>
         </p:txBody>
       </p:sp>
-      <mc:AlternateContent xmlns:mc="http://schemas.openxmlformats.org/markup-compatibility/2006" xmlns:a14="http://schemas.microsoft.com/office/drawing/2010/main">
-        <mc:Choice Requires="a14">
+      <mc:AlternateContent xmlns:mc="http://schemas.openxmlformats.org/markup-compatibility/2006">
+        <mc:Choice xmlns:a14="http://schemas.microsoft.com/office/drawing/2010/main" Requires="a14">
           <p:sp>
             <p:nvSpPr>
               <p:cNvPr id="3" name="Content Placeholder 2"/>
@@ -9571,7 +9571,11 @@
                 </a:r>
                 <a:r>
                   <a:rPr lang="en-US" altLang="en-US" dirty="0" smtClean="0"/>
-                  <a:t>Z(hidden</a:t>
+                  <a:t>Z (</a:t>
+                </a:r>
+                <a:r>
+                  <a:rPr lang="en-US" altLang="en-US" dirty="0" smtClean="0"/>
+                  <a:t>hidden</a:t>
                 </a:r>
                 <a:r>
                   <a:rPr lang="en-US" altLang="en-US" dirty="0"/>
@@ -9726,7 +9730,7 @@
             </p:txBody>
           </p:sp>
         </mc:Choice>
-        <mc:Fallback xmlns="">
+        <mc:Fallback>
           <p:sp>
             <p:nvSpPr>
               <p:cNvPr id="3" name="Content Placeholder 2"/>
@@ -12099,8 +12103,8 @@
             <a:chExt cx="3333750" cy="662903"/>
           </a:xfrm>
         </p:grpSpPr>
-        <mc:AlternateContent xmlns:mc="http://schemas.openxmlformats.org/markup-compatibility/2006">
-          <mc:Choice xmlns:a14="http://schemas.microsoft.com/office/drawing/2010/main" Requires="a14">
+        <mc:AlternateContent xmlns:mc="http://schemas.openxmlformats.org/markup-compatibility/2006" xmlns:a14="http://schemas.microsoft.com/office/drawing/2010/main">
+          <mc:Choice Requires="a14">
             <p:sp>
               <p:nvSpPr>
                 <p:cNvPr id="14" name="TextBox 13"/>
@@ -12153,7 +12157,7 @@
               </p:txBody>
             </p:sp>
           </mc:Choice>
-          <mc:Fallback>
+          <mc:Fallback xmlns="">
             <p:sp>
               <p:nvSpPr>
                 <p:cNvPr id="14" name="TextBox 13"/>
@@ -16546,8 +16550,8 @@
           </a:p>
         </p:txBody>
       </p:sp>
-      <mc:AlternateContent xmlns:mc="http://schemas.openxmlformats.org/markup-compatibility/2006">
-        <mc:Choice xmlns:a14="http://schemas.microsoft.com/office/drawing/2010/main" Requires="a14">
+      <mc:AlternateContent xmlns:mc="http://schemas.openxmlformats.org/markup-compatibility/2006" xmlns:a14="http://schemas.microsoft.com/office/drawing/2010/main">
+        <mc:Choice Requires="a14">
           <p:sp>
             <p:nvSpPr>
               <p:cNvPr id="3" name="Content Placeholder 2"/>
@@ -16993,11 +16997,7 @@
                 </a14:m>
                 <a:r>
                   <a:rPr lang="en-US" altLang="en-US" sz="2400" dirty="0" smtClean="0"/>
-                  <a:t>,</a:t>
-                </a:r>
-                <a:r>
-                  <a:rPr lang="en-US" altLang="en-US" sz="2400" dirty="0" smtClean="0"/>
-                  <a:t> i.e., the lower bound is tight!</a:t>
+                  <a:t>, i.e., the lower bound is tight!</a:t>
                 </a:r>
               </a:p>
               <a:p>
@@ -17128,7 +17128,7 @@
             </p:txBody>
           </p:sp>
         </mc:Choice>
-        <mc:Fallback>
+        <mc:Fallback xmlns="">
           <p:sp>
             <p:nvSpPr>
               <p:cNvPr id="3" name="Content Placeholder 2"/>
@@ -28971,15 +28971,7 @@
               </a:r>
               <a:r>
                 <a:rPr lang="en-US" dirty="0" smtClean="0"/>
-                <a:t>-means, we </a:t>
-              </a:r>
-              <a:r>
-                <a:rPr lang="en-US" dirty="0" smtClean="0"/>
-                <a:t>assume </a:t>
-              </a:r>
-              <a:r>
-                <a:rPr lang="en-US" dirty="0" smtClean="0"/>
-                <a:t>equal variance across clusters, so we don’t need to estimate them </a:t>
+                <a:t>-means, we assume equal variance across clusters, so we don’t need to estimate them </a:t>
               </a:r>
               <a:endParaRPr lang="en-US" dirty="0"/>
             </a:p>
@@ -30842,8 +30834,8 @@
           </a:p>
         </p:txBody>
       </p:sp>
-      <mc:AlternateContent xmlns:mc="http://schemas.openxmlformats.org/markup-compatibility/2006">
-        <mc:Choice xmlns:a14="http://schemas.microsoft.com/office/drawing/2010/main" Requires="a14">
+      <mc:AlternateContent xmlns:mc="http://schemas.openxmlformats.org/markup-compatibility/2006" xmlns:a14="http://schemas.microsoft.com/office/drawing/2010/main">
+        <mc:Choice Requires="a14">
           <p:sp>
             <p:nvSpPr>
               <p:cNvPr id="3" name="Content Placeholder 2"/>
@@ -30865,19 +30857,7 @@
                 </a:pPr>
                 <a:r>
                   <a:rPr lang="en-US" dirty="0" smtClean="0"/>
-                  <a:t>Choose </a:t>
-                </a:r>
-                <a:r>
-                  <a:rPr lang="en-US" dirty="0" smtClean="0"/>
-                  <a:t>the first</a:t>
-                </a:r>
-                <a:r>
-                  <a:rPr lang="en-US" dirty="0" smtClean="0"/>
-                  <a:t> </a:t>
-                </a:r>
-                <a:r>
-                  <a:rPr lang="en-US" dirty="0" smtClean="0"/>
-                  <a:t>cluster center at uniformly random</a:t>
+                  <a:t>Choose the first cluster center at uniformly random</a:t>
                 </a:r>
               </a:p>
               <a:p>
@@ -31129,7 +31109,7 @@
             </p:txBody>
           </p:sp>
         </mc:Choice>
-        <mc:Fallback>
+        <mc:Fallback xmlns="">
           <p:sp>
             <p:nvSpPr>
               <p:cNvPr id="3" name="Content Placeholder 2"/>
@@ -31713,8 +31693,8 @@
           </a:p>
         </p:txBody>
       </p:sp>
-      <mc:AlternateContent xmlns:mc="http://schemas.openxmlformats.org/markup-compatibility/2006">
-        <mc:Choice xmlns:a14="http://schemas.microsoft.com/office/drawing/2010/main" Requires="a14">
+      <mc:AlternateContent xmlns:mc="http://schemas.openxmlformats.org/markup-compatibility/2006" xmlns:a14="http://schemas.microsoft.com/office/drawing/2010/main">
+        <mc:Choice Requires="a14">
           <p:sp>
             <p:nvSpPr>
               <p:cNvPr id="3" name="Content Placeholder 2"/>
@@ -31796,7 +31776,7 @@
             </p:txBody>
           </p:sp>
         </mc:Choice>
-        <mc:Fallback>
+        <mc:Fallback xmlns="">
           <p:sp>
             <p:nvSpPr>
               <p:cNvPr id="3" name="Content Placeholder 2"/>

--- a/docs/k-means.pptx
+++ b/docs/k-means.pptx
@@ -5,7 +5,7 @@
     <p:sldMasterId id="2147483660" r:id="rId1"/>
   </p:sldMasterIdLst>
   <p:notesMasterIdLst>
-    <p:notesMasterId r:id="rId37"/>
+    <p:notesMasterId r:id="rId40"/>
   </p:notesMasterIdLst>
   <p:sldIdLst>
     <p:sldId id="256" r:id="rId2"/>
@@ -23,26 +23,29 @@
     <p:sldId id="268" r:id="rId14"/>
     <p:sldId id="269" r:id="rId15"/>
     <p:sldId id="270" r:id="rId16"/>
-    <p:sldId id="271" r:id="rId17"/>
-    <p:sldId id="272" r:id="rId18"/>
-    <p:sldId id="273" r:id="rId19"/>
-    <p:sldId id="274" r:id="rId20"/>
-    <p:sldId id="275" r:id="rId21"/>
-    <p:sldId id="276" r:id="rId22"/>
-    <p:sldId id="277" r:id="rId23"/>
-    <p:sldId id="278" r:id="rId24"/>
-    <p:sldId id="279" r:id="rId25"/>
-    <p:sldId id="280" r:id="rId26"/>
-    <p:sldId id="281" r:id="rId27"/>
-    <p:sldId id="282" r:id="rId28"/>
-    <p:sldId id="283" r:id="rId29"/>
-    <p:sldId id="285" r:id="rId30"/>
-    <p:sldId id="284" r:id="rId31"/>
-    <p:sldId id="292" r:id="rId32"/>
-    <p:sldId id="286" r:id="rId33"/>
-    <p:sldId id="287" r:id="rId34"/>
-    <p:sldId id="289" r:id="rId35"/>
-    <p:sldId id="290" r:id="rId36"/>
+    <p:sldId id="294" r:id="rId17"/>
+    <p:sldId id="293" r:id="rId18"/>
+    <p:sldId id="295" r:id="rId19"/>
+    <p:sldId id="271" r:id="rId20"/>
+    <p:sldId id="272" r:id="rId21"/>
+    <p:sldId id="273" r:id="rId22"/>
+    <p:sldId id="274" r:id="rId23"/>
+    <p:sldId id="275" r:id="rId24"/>
+    <p:sldId id="276" r:id="rId25"/>
+    <p:sldId id="277" r:id="rId26"/>
+    <p:sldId id="278" r:id="rId27"/>
+    <p:sldId id="279" r:id="rId28"/>
+    <p:sldId id="280" r:id="rId29"/>
+    <p:sldId id="281" r:id="rId30"/>
+    <p:sldId id="282" r:id="rId31"/>
+    <p:sldId id="283" r:id="rId32"/>
+    <p:sldId id="285" r:id="rId33"/>
+    <p:sldId id="284" r:id="rId34"/>
+    <p:sldId id="292" r:id="rId35"/>
+    <p:sldId id="286" r:id="rId36"/>
+    <p:sldId id="287" r:id="rId37"/>
+    <p:sldId id="289" r:id="rId38"/>
+    <p:sldId id="290" r:id="rId39"/>
   </p:sldIdLst>
   <p:sldSz cx="9144000" cy="6858000" type="screen4x3"/>
   <p:notesSz cx="6858000" cy="9144000"/>
@@ -231,7 +234,7 @@
           <a:p>
             <a:fld id="{1A8B0552-9314-44FC-80A7-241A4FB6D973}" type="datetimeFigureOut">
               <a:rPr lang="en-US" smtClean="0"/>
-              <a:t>4/23/2015</a:t>
+              <a:t>4/27/2015</a:t>
             </a:fld>
             <a:endParaRPr lang="en-US"/>
           </a:p>
@@ -9410,6 +9413,3079 @@
       </p:grpSpPr>
       <p:sp>
         <p:nvSpPr>
+          <p:cNvPr id="2" name="Title 1"/>
+          <p:cNvSpPr>
+            <a:spLocks noGrp="1"/>
+          </p:cNvSpPr>
+          <p:nvPr>
+            <p:ph type="title"/>
+          </p:nvPr>
+        </p:nvSpPr>
+        <p:spPr/>
+        <p:txBody>
+          <a:bodyPr>
+            <a:normAutofit/>
+          </a:bodyPr>
+          <a:lstStyle/>
+          <a:p>
+            <a:r>
+              <a:rPr lang="en-US" sz="3900" dirty="0" smtClean="0"/>
+              <a:t>Recap: </a:t>
+            </a:r>
+            <a:r>
+              <a:rPr lang="en-US" sz="3900" dirty="0" err="1" smtClean="0"/>
+              <a:t>Partitional</a:t>
+            </a:r>
+            <a:r>
+              <a:rPr lang="en-US" sz="3900" dirty="0" smtClean="0"/>
+              <a:t> </a:t>
+            </a:r>
+            <a:r>
+              <a:rPr lang="en-US" sz="3900" dirty="0"/>
+              <a:t>clustering </a:t>
+            </a:r>
+            <a:r>
+              <a:rPr lang="en-US" sz="3900" dirty="0" smtClean="0"/>
+              <a:t>algorithms</a:t>
+            </a:r>
+            <a:endParaRPr lang="en-US" sz="3900" dirty="0"/>
+          </a:p>
+        </p:txBody>
+      </p:sp>
+      <mc:AlternateContent xmlns:mc="http://schemas.openxmlformats.org/markup-compatibility/2006" xmlns:a14="http://schemas.microsoft.com/office/drawing/2010/main">
+        <mc:Choice Requires="a14">
+          <p:sp>
+            <p:nvSpPr>
+              <p:cNvPr id="3" name="Content Placeholder 2"/>
+              <p:cNvSpPr>
+                <a:spLocks noGrp="1"/>
+              </p:cNvSpPr>
+              <p:nvPr>
+                <p:ph idx="1"/>
+              </p:nvPr>
+            </p:nvSpPr>
+            <p:spPr/>
+            <p:txBody>
+              <a:bodyPr/>
+              <a:lstStyle/>
+              <a:p>
+                <a:r>
+                  <a:rPr lang="en-US" dirty="0" smtClean="0"/>
+                  <a:t>Partition instances into exactly </a:t>
+                </a:r>
+                <a:r>
+                  <a:rPr lang="en-US" i="1" dirty="0" smtClean="0"/>
+                  <a:t>k</a:t>
+                </a:r>
+                <a:r>
+                  <a:rPr lang="en-US" dirty="0" smtClean="0"/>
+                  <a:t> non-overlapping clusters</a:t>
+                </a:r>
+              </a:p>
+              <a:p>
+                <a:pPr lvl="1"/>
+                <a:r>
+                  <a:rPr lang="en-US" dirty="0" smtClean="0"/>
+                  <a:t>Typical criterion</a:t>
+                </a:r>
+              </a:p>
+              <a:p>
+                <a:pPr lvl="2"/>
+                <a14:m>
+                  <m:oMath xmlns:m="http://schemas.openxmlformats.org/officeDocument/2006/math">
+                    <m:func>
+                      <m:funcPr>
+                        <m:ctrlPr>
+                          <a:rPr lang="en-US" b="0" i="1" smtClean="0">
+                            <a:latin typeface="Cambria Math" panose="02040503050406030204" pitchFamily="18" charset="0"/>
+                          </a:rPr>
+                        </m:ctrlPr>
+                      </m:funcPr>
+                      <m:fName>
+                        <m:r>
+                          <m:rPr>
+                            <m:sty m:val="p"/>
+                          </m:rPr>
+                          <a:rPr lang="en-US" b="0" i="0" smtClean="0">
+                            <a:latin typeface="Cambria Math" panose="02040503050406030204" pitchFamily="18" charset="0"/>
+                          </a:rPr>
+                          <m:t>max</m:t>
+                        </m:r>
+                      </m:fName>
+                      <m:e>
+                        <m:nary>
+                          <m:naryPr>
+                            <m:chr m:val="∑"/>
+                            <m:supHide m:val="on"/>
+                            <m:ctrlPr>
+                              <a:rPr lang="en-US" i="1">
+                                <a:latin typeface="Cambria Math" panose="02040503050406030204" pitchFamily="18" charset="0"/>
+                              </a:rPr>
+                            </m:ctrlPr>
+                          </m:naryPr>
+                          <m:sub>
+                            <m:r>
+                              <m:rPr>
+                                <m:brk m:alnAt="7"/>
+                              </m:rPr>
+                              <a:rPr lang="en-US" i="1">
+                                <a:latin typeface="Cambria Math" panose="02040503050406030204" pitchFamily="18" charset="0"/>
+                              </a:rPr>
+                              <m:t>𝑖</m:t>
+                            </m:r>
+                            <m:r>
+                              <a:rPr lang="en-US" i="1">
+                                <a:latin typeface="Cambria Math" panose="02040503050406030204" pitchFamily="18" charset="0"/>
+                              </a:rPr>
+                              <m:t>≠</m:t>
+                            </m:r>
+                            <m:r>
+                              <m:rPr>
+                                <m:sty m:val="p"/>
+                              </m:rPr>
+                              <a:rPr lang="en-US" i="1">
+                                <a:latin typeface="Cambria Math" panose="02040503050406030204" pitchFamily="18" charset="0"/>
+                              </a:rPr>
+                              <m:t>j</m:t>
+                            </m:r>
+                          </m:sub>
+                          <m:sup/>
+                          <m:e>
+                            <m:r>
+                              <a:rPr lang="en-US" i="1">
+                                <a:latin typeface="Cambria Math" panose="02040503050406030204" pitchFamily="18" charset="0"/>
+                              </a:rPr>
+                              <m:t>𝑑</m:t>
+                            </m:r>
+                            <m:d>
+                              <m:dPr>
+                                <m:ctrlPr>
+                                  <a:rPr lang="en-US" i="1">
+                                    <a:latin typeface="Cambria Math" panose="02040503050406030204" pitchFamily="18" charset="0"/>
+                                  </a:rPr>
+                                </m:ctrlPr>
+                              </m:dPr>
+                              <m:e>
+                                <m:sSub>
+                                  <m:sSubPr>
+                                    <m:ctrlPr>
+                                      <a:rPr lang="en-US" i="1">
+                                        <a:latin typeface="Cambria Math" panose="02040503050406030204" pitchFamily="18" charset="0"/>
+                                      </a:rPr>
+                                    </m:ctrlPr>
+                                  </m:sSubPr>
+                                  <m:e>
+                                    <m:r>
+                                      <a:rPr lang="en-US" i="1">
+                                        <a:latin typeface="Cambria Math" panose="02040503050406030204" pitchFamily="18" charset="0"/>
+                                      </a:rPr>
+                                      <m:t>𝑐</m:t>
+                                    </m:r>
+                                  </m:e>
+                                  <m:sub>
+                                    <m:r>
+                                      <a:rPr lang="en-US" i="1">
+                                        <a:latin typeface="Cambria Math" panose="02040503050406030204" pitchFamily="18" charset="0"/>
+                                      </a:rPr>
+                                      <m:t>𝑖</m:t>
+                                    </m:r>
+                                  </m:sub>
+                                </m:sSub>
+                                <m:r>
+                                  <a:rPr lang="en-US" i="1">
+                                    <a:latin typeface="Cambria Math" panose="02040503050406030204" pitchFamily="18" charset="0"/>
+                                  </a:rPr>
+                                  <m:t>,</m:t>
+                                </m:r>
+                                <m:sSub>
+                                  <m:sSubPr>
+                                    <m:ctrlPr>
+                                      <a:rPr lang="en-US" i="1">
+                                        <a:latin typeface="Cambria Math" panose="02040503050406030204" pitchFamily="18" charset="0"/>
+                                      </a:rPr>
+                                    </m:ctrlPr>
+                                  </m:sSubPr>
+                                  <m:e>
+                                    <m:r>
+                                      <a:rPr lang="en-US" i="1">
+                                        <a:latin typeface="Cambria Math" panose="02040503050406030204" pitchFamily="18" charset="0"/>
+                                      </a:rPr>
+                                      <m:t>𝑐</m:t>
+                                    </m:r>
+                                  </m:e>
+                                  <m:sub>
+                                    <m:r>
+                                      <a:rPr lang="en-US" i="1">
+                                        <a:latin typeface="Cambria Math" panose="02040503050406030204" pitchFamily="18" charset="0"/>
+                                      </a:rPr>
+                                      <m:t>𝑗</m:t>
+                                    </m:r>
+                                  </m:sub>
+                                </m:sSub>
+                              </m:e>
+                            </m:d>
+                          </m:e>
+                        </m:nary>
+                        <m:r>
+                          <a:rPr lang="en-US" b="0" i="1" smtClean="0">
+                            <a:latin typeface="Cambria Math" panose="02040503050406030204" pitchFamily="18" charset="0"/>
+                          </a:rPr>
+                          <m:t>−</m:t>
+                        </m:r>
+                        <m:r>
+                          <a:rPr lang="en-US" b="0" i="1" smtClean="0">
+                            <a:latin typeface="Cambria Math" panose="02040503050406030204" pitchFamily="18" charset="0"/>
+                          </a:rPr>
+                          <m:t>𝐶</m:t>
+                        </m:r>
+                        <m:nary>
+                          <m:naryPr>
+                            <m:chr m:val="∑"/>
+                            <m:supHide m:val="on"/>
+                            <m:ctrlPr>
+                              <a:rPr lang="en-US" b="0" i="1" smtClean="0">
+                                <a:latin typeface="Cambria Math" panose="02040503050406030204" pitchFamily="18" charset="0"/>
+                              </a:rPr>
+                            </m:ctrlPr>
+                          </m:naryPr>
+                          <m:sub>
+                            <m:r>
+                              <a:rPr lang="en-US" b="0" i="1" smtClean="0">
+                                <a:latin typeface="Cambria Math" panose="02040503050406030204" pitchFamily="18" charset="0"/>
+                              </a:rPr>
+                              <m:t>𝑖</m:t>
+                            </m:r>
+                          </m:sub>
+                          <m:sup/>
+                          <m:e>
+                            <m:sSub>
+                              <m:sSubPr>
+                                <m:ctrlPr>
+                                  <a:rPr lang="en-US" b="0" i="1" smtClean="0">
+                                    <a:latin typeface="Cambria Math" panose="02040503050406030204" pitchFamily="18" charset="0"/>
+                                  </a:rPr>
+                                </m:ctrlPr>
+                              </m:sSubPr>
+                              <m:e>
+                                <m:r>
+                                  <a:rPr lang="en-US" b="0" i="1" smtClean="0">
+                                    <a:latin typeface="Cambria Math" panose="02040503050406030204" pitchFamily="18" charset="0"/>
+                                  </a:rPr>
+                                  <m:t>𝜎</m:t>
+                                </m:r>
+                              </m:e>
+                              <m:sub>
+                                <m:r>
+                                  <a:rPr lang="en-US" b="0" i="1" smtClean="0">
+                                    <a:latin typeface="Cambria Math" panose="02040503050406030204" pitchFamily="18" charset="0"/>
+                                  </a:rPr>
+                                  <m:t>𝑖</m:t>
+                                </m:r>
+                              </m:sub>
+                            </m:sSub>
+                          </m:e>
+                        </m:nary>
+                      </m:e>
+                    </m:func>
+                  </m:oMath>
+                </a14:m>
+                <a:endParaRPr lang="en-US" dirty="0" smtClean="0"/>
+              </a:p>
+              <a:p>
+                <a:pPr lvl="1"/>
+                <a:r>
+                  <a:rPr lang="en-US" dirty="0" smtClean="0"/>
+                  <a:t>Optimal solution: enumerate every possible partition of size </a:t>
+                </a:r>
+                <a:r>
+                  <a:rPr lang="en-US" i="1" dirty="0" smtClean="0"/>
+                  <a:t>k</a:t>
+                </a:r>
+                <a:r>
+                  <a:rPr lang="en-US" dirty="0" smtClean="0"/>
+                  <a:t> and return the one optimizing the criterion</a:t>
+                </a:r>
+                <a:endParaRPr lang="en-US" dirty="0"/>
+              </a:p>
+            </p:txBody>
+          </p:sp>
+        </mc:Choice>
+        <mc:Fallback xmlns="">
+          <p:sp>
+            <p:nvSpPr>
+              <p:cNvPr id="3" name="Content Placeholder 2"/>
+              <p:cNvSpPr>
+                <a:spLocks noGrp="1" noRot="1" noChangeAspect="1" noMove="1" noResize="1" noEditPoints="1" noAdjustHandles="1" noChangeArrowheads="1" noChangeShapeType="1" noTextEdit="1"/>
+              </p:cNvSpPr>
+              <p:nvPr>
+                <p:ph idx="1"/>
+              </p:nvPr>
+            </p:nvSpPr>
+            <p:spPr>
+              <a:blipFill rotWithShape="0">
+                <a:blip r:embed="rId2"/>
+                <a:stretch>
+                  <a:fillRect l="-1704" t="-1752"/>
+                </a:stretch>
+              </a:blipFill>
+            </p:spPr>
+            <p:txBody>
+              <a:bodyPr/>
+              <a:lstStyle/>
+              <a:p>
+                <a:r>
+                  <a:rPr lang="en-US">
+                    <a:noFill/>
+                  </a:rPr>
+                  <a:t> </a:t>
+                </a:r>
+              </a:p>
+            </p:txBody>
+          </p:sp>
+        </mc:Fallback>
+      </mc:AlternateContent>
+      <p:sp>
+        <p:nvSpPr>
+          <p:cNvPr id="4" name="Date Placeholder 3"/>
+          <p:cNvSpPr>
+            <a:spLocks noGrp="1"/>
+          </p:cNvSpPr>
+          <p:nvPr>
+            <p:ph type="dt" sz="half" idx="10"/>
+          </p:nvPr>
+        </p:nvSpPr>
+        <p:spPr/>
+        <p:txBody>
+          <a:bodyPr/>
+          <a:lstStyle/>
+          <a:p>
+            <a:r>
+              <a:rPr lang="en-US" smtClean="0"/>
+              <a:t>CS@UVa</a:t>
+            </a:r>
+            <a:endParaRPr lang="en-US"/>
+          </a:p>
+        </p:txBody>
+      </p:sp>
+      <p:sp>
+        <p:nvSpPr>
+          <p:cNvPr id="5" name="Footer Placeholder 4"/>
+          <p:cNvSpPr>
+            <a:spLocks noGrp="1"/>
+          </p:cNvSpPr>
+          <p:nvPr>
+            <p:ph type="ftr" sz="quarter" idx="11"/>
+          </p:nvPr>
+        </p:nvSpPr>
+        <p:spPr/>
+        <p:txBody>
+          <a:bodyPr/>
+          <a:lstStyle/>
+          <a:p>
+            <a:r>
+              <a:rPr lang="en-US" smtClean="0"/>
+              <a:t>CS 6501: Text Mining</a:t>
+            </a:r>
+            <a:endParaRPr lang="en-US"/>
+          </a:p>
+        </p:txBody>
+      </p:sp>
+      <p:sp>
+        <p:nvSpPr>
+          <p:cNvPr id="6" name="Slide Number Placeholder 5"/>
+          <p:cNvSpPr>
+            <a:spLocks noGrp="1"/>
+          </p:cNvSpPr>
+          <p:nvPr>
+            <p:ph type="sldNum" sz="quarter" idx="12"/>
+          </p:nvPr>
+        </p:nvSpPr>
+        <p:spPr/>
+        <p:txBody>
+          <a:bodyPr/>
+          <a:lstStyle/>
+          <a:p>
+            <a:fld id="{64B9C3A9-27DF-40B5-9FC7-1DF96985BC5A}" type="slidenum">
+              <a:rPr lang="en-US" smtClean="0"/>
+              <a:t>16</a:t>
+            </a:fld>
+            <a:endParaRPr lang="en-US"/>
+          </a:p>
+        </p:txBody>
+      </p:sp>
+      <p:sp>
+        <p:nvSpPr>
+          <p:cNvPr id="16" name="TextBox 15"/>
+          <p:cNvSpPr txBox="1"/>
+          <p:nvPr/>
+        </p:nvSpPr>
+        <p:spPr>
+          <a:xfrm>
+            <a:off x="4233219" y="5346356"/>
+            <a:ext cx="3573162" cy="400110"/>
+          </a:xfrm>
+          <a:prstGeom prst="rect">
+            <a:avLst/>
+          </a:prstGeom>
+          <a:noFill/>
+        </p:spPr>
+        <p:txBody>
+          <a:bodyPr wrap="square" rtlCol="0">
+            <a:spAutoFit/>
+          </a:bodyPr>
+          <a:lstStyle/>
+          <a:p>
+            <a:r>
+              <a:rPr lang="en-US" sz="2000" b="1" i="1" dirty="0" smtClean="0">
+                <a:solidFill>
+                  <a:srgbClr val="FF0000"/>
+                </a:solidFill>
+              </a:rPr>
+              <a:t>Unfortunately, this is NP-hard!</a:t>
+            </a:r>
+            <a:endParaRPr lang="en-US" sz="2000" b="1" i="1" dirty="0">
+              <a:solidFill>
+                <a:srgbClr val="FF0000"/>
+              </a:solidFill>
+            </a:endParaRPr>
+          </a:p>
+        </p:txBody>
+      </p:sp>
+      <p:sp>
+        <p:nvSpPr>
+          <p:cNvPr id="17" name="TextBox 16"/>
+          <p:cNvSpPr txBox="1"/>
+          <p:nvPr/>
+        </p:nvSpPr>
+        <p:spPr>
+          <a:xfrm>
+            <a:off x="1555921" y="5346356"/>
+            <a:ext cx="2677298" cy="400110"/>
+          </a:xfrm>
+          <a:prstGeom prst="rect">
+            <a:avLst/>
+          </a:prstGeom>
+          <a:noFill/>
+        </p:spPr>
+        <p:txBody>
+          <a:bodyPr wrap="square" rtlCol="0">
+            <a:spAutoFit/>
+          </a:bodyPr>
+          <a:lstStyle/>
+          <a:p>
+            <a:r>
+              <a:rPr lang="en-US" sz="2000" dirty="0" smtClean="0">
+                <a:solidFill>
+                  <a:srgbClr val="00B050"/>
+                </a:solidFill>
+              </a:rPr>
+              <a:t>Let’s approximate this!</a:t>
+            </a:r>
+            <a:endParaRPr lang="en-US" sz="2000" dirty="0">
+              <a:solidFill>
+                <a:srgbClr val="00B050"/>
+              </a:solidFill>
+            </a:endParaRPr>
+          </a:p>
+        </p:txBody>
+      </p:sp>
+      <p:grpSp>
+        <p:nvGrpSpPr>
+          <p:cNvPr id="22" name="Group 21"/>
+          <p:cNvGrpSpPr/>
+          <p:nvPr/>
+        </p:nvGrpSpPr>
+        <p:grpSpPr>
+          <a:xfrm>
+            <a:off x="3527854" y="2647327"/>
+            <a:ext cx="3097427" cy="553998"/>
+            <a:chOff x="2677297" y="2669060"/>
+            <a:chExt cx="3097427" cy="553998"/>
+          </a:xfrm>
+        </p:grpSpPr>
+        <p:sp>
+          <p:nvSpPr>
+            <p:cNvPr id="18" name="TextBox 17"/>
+            <p:cNvSpPr txBox="1"/>
+            <p:nvPr/>
+          </p:nvSpPr>
+          <p:spPr>
+            <a:xfrm>
+              <a:off x="2957384" y="2669060"/>
+              <a:ext cx="2817340" cy="369332"/>
+            </a:xfrm>
+            <a:prstGeom prst="rect">
+              <a:avLst/>
+            </a:prstGeom>
+            <a:noFill/>
+          </p:spPr>
+          <p:txBody>
+            <a:bodyPr wrap="square" rtlCol="0">
+              <a:spAutoFit/>
+            </a:bodyPr>
+            <a:lstStyle/>
+            <a:p>
+              <a:r>
+                <a:rPr lang="en-US" dirty="0" smtClean="0">
+                  <a:solidFill>
+                    <a:srgbClr val="0070C0"/>
+                  </a:solidFill>
+                </a:rPr>
+                <a:t>Inter-cluster distance</a:t>
+              </a:r>
+              <a:endParaRPr lang="en-US" dirty="0">
+                <a:solidFill>
+                  <a:srgbClr val="0070C0"/>
+                </a:solidFill>
+              </a:endParaRPr>
+            </a:p>
+          </p:txBody>
+        </p:sp>
+        <p:cxnSp>
+          <p:nvCxnSpPr>
+            <p:cNvPr id="21" name="Straight Arrow Connector 20"/>
+            <p:cNvCxnSpPr/>
+            <p:nvPr/>
+          </p:nvCxnSpPr>
+          <p:spPr>
+            <a:xfrm flipH="1">
+              <a:off x="2677297" y="2853726"/>
+              <a:ext cx="280087" cy="369332"/>
+            </a:xfrm>
+            <a:prstGeom prst="straightConnector1">
+              <a:avLst/>
+            </a:prstGeom>
+            <a:ln w="19050">
+              <a:tailEnd type="triangle"/>
+            </a:ln>
+          </p:spPr>
+          <p:style>
+            <a:lnRef idx="1">
+              <a:schemeClr val="accent1"/>
+            </a:lnRef>
+            <a:fillRef idx="0">
+              <a:schemeClr val="accent1"/>
+            </a:fillRef>
+            <a:effectRef idx="0">
+              <a:schemeClr val="accent1"/>
+            </a:effectRef>
+            <a:fontRef idx="minor">
+              <a:schemeClr val="tx1"/>
+            </a:fontRef>
+          </p:style>
+        </p:cxnSp>
+      </p:grpSp>
+      <p:grpSp>
+        <p:nvGrpSpPr>
+          <p:cNvPr id="26" name="Group 25"/>
+          <p:cNvGrpSpPr/>
+          <p:nvPr/>
+        </p:nvGrpSpPr>
+        <p:grpSpPr>
+          <a:xfrm>
+            <a:off x="5058547" y="2893137"/>
+            <a:ext cx="3133468" cy="477231"/>
+            <a:chOff x="5214551" y="2851624"/>
+            <a:chExt cx="3133468" cy="477231"/>
+          </a:xfrm>
+        </p:grpSpPr>
+        <p:sp>
+          <p:nvSpPr>
+            <p:cNvPr id="19" name="TextBox 18"/>
+            <p:cNvSpPr txBox="1"/>
+            <p:nvPr/>
+          </p:nvSpPr>
+          <p:spPr>
+            <a:xfrm>
+              <a:off x="5530679" y="2851624"/>
+              <a:ext cx="2817340" cy="369332"/>
+            </a:xfrm>
+            <a:prstGeom prst="rect">
+              <a:avLst/>
+            </a:prstGeom>
+            <a:noFill/>
+          </p:spPr>
+          <p:txBody>
+            <a:bodyPr wrap="square" rtlCol="0">
+              <a:spAutoFit/>
+            </a:bodyPr>
+            <a:lstStyle/>
+            <a:p>
+              <a:r>
+                <a:rPr lang="en-US" dirty="0" smtClean="0">
+                  <a:solidFill>
+                    <a:srgbClr val="002060"/>
+                  </a:solidFill>
+                </a:rPr>
+                <a:t>Intra-cluster distance</a:t>
+              </a:r>
+              <a:endParaRPr lang="en-US" dirty="0">
+                <a:solidFill>
+                  <a:srgbClr val="002060"/>
+                </a:solidFill>
+              </a:endParaRPr>
+            </a:p>
+          </p:txBody>
+        </p:sp>
+        <p:cxnSp>
+          <p:nvCxnSpPr>
+            <p:cNvPr id="24" name="Straight Arrow Connector 23"/>
+            <p:cNvCxnSpPr>
+              <a:stCxn id="19" idx="1"/>
+            </p:cNvCxnSpPr>
+            <p:nvPr/>
+          </p:nvCxnSpPr>
+          <p:spPr>
+            <a:xfrm flipH="1">
+              <a:off x="5214551" y="3036290"/>
+              <a:ext cx="316128" cy="292565"/>
+            </a:xfrm>
+            <a:prstGeom prst="straightConnector1">
+              <a:avLst/>
+            </a:prstGeom>
+            <a:ln w="19050">
+              <a:solidFill>
+                <a:srgbClr val="002060"/>
+              </a:solidFill>
+              <a:tailEnd type="triangle"/>
+            </a:ln>
+          </p:spPr>
+          <p:style>
+            <a:lnRef idx="1">
+              <a:schemeClr val="accent1"/>
+            </a:lnRef>
+            <a:fillRef idx="0">
+              <a:schemeClr val="accent1"/>
+            </a:fillRef>
+            <a:effectRef idx="0">
+              <a:schemeClr val="accent1"/>
+            </a:effectRef>
+            <a:fontRef idx="minor">
+              <a:schemeClr val="tx1"/>
+            </a:fontRef>
+          </p:style>
+        </p:cxnSp>
+      </p:grpSp>
+      <p:grpSp>
+        <p:nvGrpSpPr>
+          <p:cNvPr id="10" name="Group 9"/>
+          <p:cNvGrpSpPr/>
+          <p:nvPr/>
+        </p:nvGrpSpPr>
+        <p:grpSpPr>
+          <a:xfrm>
+            <a:off x="4572000" y="2205577"/>
+            <a:ext cx="4268230" cy="993646"/>
+            <a:chOff x="4572000" y="2205577"/>
+            <a:chExt cx="4268230" cy="993646"/>
+          </a:xfrm>
+        </p:grpSpPr>
+        <p:sp>
+          <p:nvSpPr>
+            <p:cNvPr id="7" name="TextBox 6"/>
+            <p:cNvSpPr txBox="1"/>
+            <p:nvPr/>
+          </p:nvSpPr>
+          <p:spPr>
+            <a:xfrm>
+              <a:off x="4902543" y="2205577"/>
+              <a:ext cx="3937687" cy="400110"/>
+            </a:xfrm>
+            <a:prstGeom prst="rect">
+              <a:avLst/>
+            </a:prstGeom>
+            <a:noFill/>
+          </p:spPr>
+          <p:txBody>
+            <a:bodyPr wrap="square" rtlCol="0">
+              <a:spAutoFit/>
+            </a:bodyPr>
+            <a:lstStyle/>
+            <a:p>
+              <a:r>
+                <a:rPr lang="en-US" sz="2000" b="1" dirty="0" smtClean="0">
+                  <a:solidFill>
+                    <a:srgbClr val="FF0000"/>
+                  </a:solidFill>
+                </a:rPr>
+                <a:t>Optimize this in an alternative way</a:t>
+              </a:r>
+              <a:endParaRPr lang="en-US" sz="2000" b="1" dirty="0">
+                <a:solidFill>
+                  <a:srgbClr val="FF0000"/>
+                </a:solidFill>
+              </a:endParaRPr>
+            </a:p>
+          </p:txBody>
+        </p:sp>
+        <p:cxnSp>
+          <p:nvCxnSpPr>
+            <p:cNvPr id="9" name="Straight Arrow Connector 8"/>
+            <p:cNvCxnSpPr/>
+            <p:nvPr/>
+          </p:nvCxnSpPr>
+          <p:spPr>
+            <a:xfrm flipH="1">
+              <a:off x="4572000" y="2577989"/>
+              <a:ext cx="644611" cy="621234"/>
+            </a:xfrm>
+            <a:prstGeom prst="straightConnector1">
+              <a:avLst/>
+            </a:prstGeom>
+            <a:ln w="19050">
+              <a:solidFill>
+                <a:srgbClr val="FF0000"/>
+              </a:solidFill>
+              <a:tailEnd type="triangle"/>
+            </a:ln>
+          </p:spPr>
+          <p:style>
+            <a:lnRef idx="1">
+              <a:schemeClr val="accent1"/>
+            </a:lnRef>
+            <a:fillRef idx="0">
+              <a:schemeClr val="accent1"/>
+            </a:fillRef>
+            <a:effectRef idx="0">
+              <a:schemeClr val="accent1"/>
+            </a:effectRef>
+            <a:fontRef idx="minor">
+              <a:schemeClr val="tx1"/>
+            </a:fontRef>
+          </p:style>
+        </p:cxnSp>
+      </p:grpSp>
+    </p:spTree>
+    <p:extLst>
+      <p:ext uri="{BB962C8B-B14F-4D97-AF65-F5344CB8AC3E}">
+        <p14:creationId xmlns:p14="http://schemas.microsoft.com/office/powerpoint/2010/main" val="3962680618"/>
+      </p:ext>
+    </p:extLst>
+  </p:cSld>
+  <p:clrMapOvr>
+    <a:masterClrMapping/>
+  </p:clrMapOvr>
+  <p:timing>
+    <p:tnLst>
+      <p:par>
+        <p:cTn id="1" dur="indefinite" restart="never" nodeType="tmRoot"/>
+      </p:par>
+    </p:tnLst>
+  </p:timing>
+</p:sld>
+</file>
+
+<file path=ppt/slides/slide17.xml><?xml version="1.0" encoding="utf-8"?>
+<p:sld xmlns:a="http://schemas.openxmlformats.org/drawingml/2006/main" xmlns:r="http://schemas.openxmlformats.org/officeDocument/2006/relationships" xmlns:p="http://schemas.openxmlformats.org/presentationml/2006/main">
+  <p:cSld>
+    <p:spTree>
+      <p:nvGrpSpPr>
+        <p:cNvPr id="1" name=""/>
+        <p:cNvGrpSpPr/>
+        <p:nvPr/>
+      </p:nvGrpSpPr>
+      <p:grpSpPr>
+        <a:xfrm>
+          <a:off x="0" y="0"/>
+          <a:ext cx="0" cy="0"/>
+          <a:chOff x="0" y="0"/>
+          <a:chExt cx="0" cy="0"/>
+        </a:xfrm>
+      </p:grpSpPr>
+      <p:sp>
+        <p:nvSpPr>
+          <p:cNvPr id="2" name="Title 1"/>
+          <p:cNvSpPr>
+            <a:spLocks noGrp="1"/>
+          </p:cNvSpPr>
+          <p:nvPr>
+            <p:ph type="title"/>
+          </p:nvPr>
+        </p:nvSpPr>
+        <p:spPr/>
+        <p:txBody>
+          <a:bodyPr/>
+          <a:lstStyle/>
+          <a:p>
+            <a:r>
+              <a:rPr lang="en-US" dirty="0" smtClean="0"/>
+              <a:t>Recap: </a:t>
+            </a:r>
+            <a:r>
+              <a:rPr lang="en-US" i="1" dirty="0" smtClean="0"/>
+              <a:t>k</a:t>
+            </a:r>
+            <a:r>
+              <a:rPr lang="en-US" dirty="0" smtClean="0"/>
+              <a:t>-means </a:t>
+            </a:r>
+            <a:r>
+              <a:rPr lang="en-US" dirty="0" smtClean="0"/>
+              <a:t>algorithm</a:t>
+            </a:r>
+            <a:endParaRPr lang="en-US" dirty="0"/>
+          </a:p>
+        </p:txBody>
+      </p:sp>
+      <mc:AlternateContent xmlns:mc="http://schemas.openxmlformats.org/markup-compatibility/2006" xmlns:a14="http://schemas.microsoft.com/office/drawing/2010/main">
+        <mc:Choice Requires="a14">
+          <p:sp>
+            <p:nvSpPr>
+              <p:cNvPr id="3" name="Content Placeholder 2"/>
+              <p:cNvSpPr>
+                <a:spLocks noGrp="1"/>
+              </p:cNvSpPr>
+              <p:nvPr>
+                <p:ph idx="1"/>
+              </p:nvPr>
+            </p:nvSpPr>
+            <p:spPr/>
+            <p:txBody>
+              <a:bodyPr>
+                <a:normAutofit fontScale="77500" lnSpcReduction="20000"/>
+              </a:bodyPr>
+              <a:lstStyle/>
+              <a:p>
+                <a:pPr marL="0" indent="0">
+                  <a:buNone/>
+                </a:pPr>
+                <a:r>
+                  <a:rPr lang="en-US" dirty="0" smtClean="0"/>
+                  <a:t>Input: cluster size </a:t>
+                </a:r>
+                <a:r>
+                  <a:rPr lang="en-US" i="1" dirty="0" smtClean="0"/>
+                  <a:t>k</a:t>
+                </a:r>
+                <a:r>
+                  <a:rPr lang="en-US" dirty="0" smtClean="0"/>
+                  <a:t>, instances </a:t>
+                </a:r>
+                <a14:m>
+                  <m:oMath xmlns:m="http://schemas.openxmlformats.org/officeDocument/2006/math">
+                    <m:sSubSup>
+                      <m:sSubSupPr>
+                        <m:ctrlPr>
+                          <a:rPr lang="en-US" i="1">
+                            <a:latin typeface="Cambria Math" panose="02040503050406030204" pitchFamily="18" charset="0"/>
+                          </a:rPr>
+                        </m:ctrlPr>
+                      </m:sSubSupPr>
+                      <m:e>
+                        <m:r>
+                          <a:rPr lang="en-US" i="1">
+                            <a:latin typeface="Cambria Math" panose="02040503050406030204" pitchFamily="18" charset="0"/>
+                          </a:rPr>
+                          <m:t>{</m:t>
+                        </m:r>
+                        <m:sSub>
+                          <m:sSubPr>
+                            <m:ctrlPr>
+                              <a:rPr lang="en-US" i="1">
+                                <a:latin typeface="Cambria Math" panose="02040503050406030204" pitchFamily="18" charset="0"/>
+                              </a:rPr>
+                            </m:ctrlPr>
+                          </m:sSubPr>
+                          <m:e>
+                            <m:r>
+                              <a:rPr lang="en-US" b="0" i="1" smtClean="0">
+                                <a:latin typeface="Cambria Math" panose="02040503050406030204" pitchFamily="18" charset="0"/>
+                              </a:rPr>
+                              <m:t>𝑥</m:t>
+                            </m:r>
+                          </m:e>
+                          <m:sub>
+                            <m:r>
+                              <a:rPr lang="en-US" i="1">
+                                <a:latin typeface="Cambria Math" panose="02040503050406030204" pitchFamily="18" charset="0"/>
+                              </a:rPr>
+                              <m:t>𝑖</m:t>
+                            </m:r>
+                          </m:sub>
+                        </m:sSub>
+                        <m:r>
+                          <a:rPr lang="en-US" i="1">
+                            <a:latin typeface="Cambria Math" panose="02040503050406030204" pitchFamily="18" charset="0"/>
+                          </a:rPr>
+                          <m:t>}</m:t>
+                        </m:r>
+                      </m:e>
+                      <m:sub>
+                        <m:r>
+                          <a:rPr lang="en-US" i="1">
+                            <a:latin typeface="Cambria Math" panose="02040503050406030204" pitchFamily="18" charset="0"/>
+                          </a:rPr>
+                          <m:t>𝑖</m:t>
+                        </m:r>
+                        <m:r>
+                          <a:rPr lang="en-US" i="1">
+                            <a:latin typeface="Cambria Math" panose="02040503050406030204" pitchFamily="18" charset="0"/>
+                          </a:rPr>
+                          <m:t>=1</m:t>
+                        </m:r>
+                      </m:sub>
+                      <m:sup>
+                        <m:r>
+                          <a:rPr lang="en-US" i="1">
+                            <a:latin typeface="Cambria Math" panose="02040503050406030204" pitchFamily="18" charset="0"/>
+                          </a:rPr>
+                          <m:t>𝑁</m:t>
+                        </m:r>
+                      </m:sup>
+                    </m:sSubSup>
+                  </m:oMath>
+                </a14:m>
+                <a:r>
+                  <a:rPr lang="en-US" dirty="0" smtClean="0"/>
+                  <a:t>, distance metric </a:t>
+                </a:r>
+                <a14:m>
+                  <m:oMath xmlns:m="http://schemas.openxmlformats.org/officeDocument/2006/math">
+                    <m:r>
+                      <a:rPr lang="en-US" i="1" dirty="0" smtClean="0">
+                        <a:latin typeface="Cambria Math" panose="02040503050406030204" pitchFamily="18" charset="0"/>
+                      </a:rPr>
+                      <m:t>𝑑</m:t>
+                    </m:r>
+                    <m:r>
+                      <a:rPr lang="en-US" i="1" dirty="0" smtClean="0">
+                        <a:latin typeface="Cambria Math" panose="02040503050406030204" pitchFamily="18" charset="0"/>
+                      </a:rPr>
+                      <m:t>(</m:t>
+                    </m:r>
+                    <m:r>
+                      <a:rPr lang="en-US" i="1" dirty="0" err="1" smtClean="0">
+                        <a:latin typeface="Cambria Math" panose="02040503050406030204" pitchFamily="18" charset="0"/>
+                      </a:rPr>
+                      <m:t>𝑥</m:t>
+                    </m:r>
+                    <m:r>
+                      <a:rPr lang="en-US" i="1" dirty="0" err="1" smtClean="0">
+                        <a:latin typeface="Cambria Math" panose="02040503050406030204" pitchFamily="18" charset="0"/>
+                      </a:rPr>
+                      <m:t>,</m:t>
+                    </m:r>
+                    <m:r>
+                      <a:rPr lang="en-US" i="1" dirty="0" err="1" smtClean="0">
+                        <a:latin typeface="Cambria Math" panose="02040503050406030204" pitchFamily="18" charset="0"/>
+                      </a:rPr>
+                      <m:t>𝑦</m:t>
+                    </m:r>
+                    <m:r>
+                      <a:rPr lang="en-US" i="1" dirty="0" smtClean="0">
+                        <a:latin typeface="Cambria Math" panose="02040503050406030204" pitchFamily="18" charset="0"/>
+                      </a:rPr>
+                      <m:t>)</m:t>
+                    </m:r>
+                  </m:oMath>
+                </a14:m>
+                <a:endParaRPr lang="en-US" i="1" dirty="0" smtClean="0"/>
+              </a:p>
+              <a:p>
+                <a:pPr marL="0" indent="0">
+                  <a:buNone/>
+                </a:pPr>
+                <a:r>
+                  <a:rPr lang="en-US" dirty="0" smtClean="0"/>
+                  <a:t>Output: cluster membership assignments </a:t>
+                </a:r>
+                <a14:m>
+                  <m:oMath xmlns:m="http://schemas.openxmlformats.org/officeDocument/2006/math">
+                    <m:sSubSup>
+                      <m:sSubSupPr>
+                        <m:ctrlPr>
+                          <a:rPr lang="en-US" b="0" i="1" smtClean="0">
+                            <a:latin typeface="Cambria Math" panose="02040503050406030204" pitchFamily="18" charset="0"/>
+                          </a:rPr>
+                        </m:ctrlPr>
+                      </m:sSubSupPr>
+                      <m:e>
+                        <m:r>
+                          <a:rPr lang="en-US" b="0" i="1" smtClean="0">
+                            <a:latin typeface="Cambria Math" panose="02040503050406030204" pitchFamily="18" charset="0"/>
+                          </a:rPr>
+                          <m:t>{</m:t>
+                        </m:r>
+                        <m:sSub>
+                          <m:sSubPr>
+                            <m:ctrlPr>
+                              <a:rPr lang="en-US" b="0" i="1" smtClean="0">
+                                <a:latin typeface="Cambria Math" panose="02040503050406030204" pitchFamily="18" charset="0"/>
+                              </a:rPr>
+                            </m:ctrlPr>
+                          </m:sSubPr>
+                          <m:e>
+                            <m:r>
+                              <a:rPr lang="en-US" b="0" i="1" smtClean="0">
+                                <a:latin typeface="Cambria Math" panose="02040503050406030204" pitchFamily="18" charset="0"/>
+                              </a:rPr>
+                              <m:t>𝑧</m:t>
+                            </m:r>
+                          </m:e>
+                          <m:sub>
+                            <m:r>
+                              <a:rPr lang="en-US" b="0" i="1" smtClean="0">
+                                <a:latin typeface="Cambria Math" panose="02040503050406030204" pitchFamily="18" charset="0"/>
+                              </a:rPr>
+                              <m:t>𝑖</m:t>
+                            </m:r>
+                          </m:sub>
+                        </m:sSub>
+                        <m:r>
+                          <a:rPr lang="en-US" b="0" i="1" smtClean="0">
+                            <a:latin typeface="Cambria Math" panose="02040503050406030204" pitchFamily="18" charset="0"/>
+                          </a:rPr>
+                          <m:t>}</m:t>
+                        </m:r>
+                      </m:e>
+                      <m:sub>
+                        <m:r>
+                          <a:rPr lang="en-US" b="0" i="1" smtClean="0">
+                            <a:latin typeface="Cambria Math" panose="02040503050406030204" pitchFamily="18" charset="0"/>
+                          </a:rPr>
+                          <m:t>𝑖</m:t>
+                        </m:r>
+                        <m:r>
+                          <a:rPr lang="en-US" b="0" i="1" smtClean="0">
+                            <a:latin typeface="Cambria Math" panose="02040503050406030204" pitchFamily="18" charset="0"/>
+                          </a:rPr>
+                          <m:t>=1</m:t>
+                        </m:r>
+                      </m:sub>
+                      <m:sup>
+                        <m:r>
+                          <a:rPr lang="en-US" b="0" i="1" smtClean="0">
+                            <a:latin typeface="Cambria Math" panose="02040503050406030204" pitchFamily="18" charset="0"/>
+                          </a:rPr>
+                          <m:t>𝑁</m:t>
+                        </m:r>
+                      </m:sup>
+                    </m:sSubSup>
+                  </m:oMath>
+                </a14:m>
+                <a:endParaRPr lang="en-US" dirty="0" smtClean="0"/>
+              </a:p>
+              <a:p>
+                <a:pPr marL="514350" indent="-514350">
+                  <a:buFont typeface="+mj-lt"/>
+                  <a:buAutoNum type="arabicPeriod"/>
+                </a:pPr>
+                <a:r>
+                  <a:rPr lang="en-US" dirty="0" smtClean="0"/>
+                  <a:t>Initialize </a:t>
+                </a:r>
+                <a:r>
+                  <a:rPr lang="en-US" i="1" dirty="0" smtClean="0"/>
+                  <a:t>k</a:t>
+                </a:r>
+                <a:r>
+                  <a:rPr lang="en-US" dirty="0" smtClean="0"/>
+                  <a:t> cluster </a:t>
+                </a:r>
+                <a:r>
+                  <a:rPr lang="en-US" dirty="0"/>
+                  <a:t>centroids </a:t>
+                </a:r>
+                <a14:m>
+                  <m:oMath xmlns:m="http://schemas.openxmlformats.org/officeDocument/2006/math">
+                    <m:sSubSup>
+                      <m:sSubSupPr>
+                        <m:ctrlPr>
+                          <a:rPr lang="en-US" i="1">
+                            <a:latin typeface="Cambria Math" panose="02040503050406030204" pitchFamily="18" charset="0"/>
+                          </a:rPr>
+                        </m:ctrlPr>
+                      </m:sSubSupPr>
+                      <m:e>
+                        <m:r>
+                          <a:rPr lang="en-US" i="1">
+                            <a:latin typeface="Cambria Math" panose="02040503050406030204" pitchFamily="18" charset="0"/>
+                          </a:rPr>
+                          <m:t>{</m:t>
+                        </m:r>
+                        <m:sSub>
+                          <m:sSubPr>
+                            <m:ctrlPr>
+                              <a:rPr lang="en-US" i="1">
+                                <a:latin typeface="Cambria Math" panose="02040503050406030204" pitchFamily="18" charset="0"/>
+                              </a:rPr>
+                            </m:ctrlPr>
+                          </m:sSubPr>
+                          <m:e>
+                            <m:r>
+                              <a:rPr lang="en-US" b="0" i="1" smtClean="0">
+                                <a:latin typeface="Cambria Math" panose="02040503050406030204" pitchFamily="18" charset="0"/>
+                              </a:rPr>
+                              <m:t>𝑐</m:t>
+                            </m:r>
+                          </m:e>
+                          <m:sub>
+                            <m:r>
+                              <a:rPr lang="en-US" i="1">
+                                <a:latin typeface="Cambria Math" panose="02040503050406030204" pitchFamily="18" charset="0"/>
+                              </a:rPr>
+                              <m:t>𝑖</m:t>
+                            </m:r>
+                          </m:sub>
+                        </m:sSub>
+                        <m:r>
+                          <a:rPr lang="en-US" i="1">
+                            <a:latin typeface="Cambria Math" panose="02040503050406030204" pitchFamily="18" charset="0"/>
+                          </a:rPr>
+                          <m:t>}</m:t>
+                        </m:r>
+                      </m:e>
+                      <m:sub>
+                        <m:r>
+                          <a:rPr lang="en-US" i="1">
+                            <a:latin typeface="Cambria Math" panose="02040503050406030204" pitchFamily="18" charset="0"/>
+                          </a:rPr>
+                          <m:t>𝑖</m:t>
+                        </m:r>
+                        <m:r>
+                          <a:rPr lang="en-US" i="1">
+                            <a:latin typeface="Cambria Math" panose="02040503050406030204" pitchFamily="18" charset="0"/>
+                          </a:rPr>
+                          <m:t>=1</m:t>
+                        </m:r>
+                      </m:sub>
+                      <m:sup>
+                        <m:r>
+                          <a:rPr lang="en-US" b="0" i="1" smtClean="0">
+                            <a:latin typeface="Cambria Math" panose="02040503050406030204" pitchFamily="18" charset="0"/>
+                          </a:rPr>
+                          <m:t>𝑘</m:t>
+                        </m:r>
+                      </m:sup>
+                    </m:sSubSup>
+                  </m:oMath>
+                </a14:m>
+                <a:r>
+                  <a:rPr lang="en-US" dirty="0" smtClean="0"/>
+                  <a:t> (randomly if no domain knowledge available)</a:t>
+                </a:r>
+              </a:p>
+              <a:p>
+                <a:pPr marL="514350" indent="-514350">
+                  <a:buFont typeface="+mj-lt"/>
+                  <a:buAutoNum type="arabicPeriod"/>
+                </a:pPr>
+                <a:r>
+                  <a:rPr lang="en-US" dirty="0" smtClean="0"/>
+                  <a:t>Repeat until no instance changes its cluster membership:</a:t>
+                </a:r>
+              </a:p>
+              <a:p>
+                <a:pPr marL="914400" lvl="1" indent="-514350"/>
+                <a:r>
+                  <a:rPr lang="en-US" dirty="0" smtClean="0"/>
+                  <a:t>Decide the cluster membership of instances by assigning them to the nearest cluster centroid</a:t>
+                </a:r>
+              </a:p>
+              <a:p>
+                <a:pPr marL="400050" lvl="1" indent="0">
+                  <a:buNone/>
+                </a:pPr>
+                <a14:m>
+                  <m:oMathPara xmlns:m="http://schemas.openxmlformats.org/officeDocument/2006/math">
+                    <m:oMathParaPr>
+                      <m:jc m:val="centerGroup"/>
+                    </m:oMathParaPr>
+                    <m:oMath xmlns:m="http://schemas.openxmlformats.org/officeDocument/2006/math">
+                      <m:sSub>
+                        <m:sSubPr>
+                          <m:ctrlPr>
+                            <a:rPr lang="en-US" b="0" i="1" smtClean="0">
+                              <a:latin typeface="Cambria Math" panose="02040503050406030204" pitchFamily="18" charset="0"/>
+                            </a:rPr>
+                          </m:ctrlPr>
+                        </m:sSubPr>
+                        <m:e>
+                          <m:r>
+                            <a:rPr lang="en-US" b="0" i="1" smtClean="0">
+                              <a:latin typeface="Cambria Math" panose="02040503050406030204" pitchFamily="18" charset="0"/>
+                            </a:rPr>
+                            <m:t>𝑧</m:t>
+                          </m:r>
+                        </m:e>
+                        <m:sub>
+                          <m:r>
+                            <a:rPr lang="en-US" b="0" i="1" smtClean="0">
+                              <a:latin typeface="Cambria Math" panose="02040503050406030204" pitchFamily="18" charset="0"/>
+                            </a:rPr>
+                            <m:t>𝑖</m:t>
+                          </m:r>
+                        </m:sub>
+                      </m:sSub>
+                      <m:r>
+                        <a:rPr lang="en-US" b="0" i="1" smtClean="0">
+                          <a:latin typeface="Cambria Math" panose="02040503050406030204" pitchFamily="18" charset="0"/>
+                        </a:rPr>
+                        <m:t>=</m:t>
+                      </m:r>
+                      <m:r>
+                        <a:rPr lang="en-US" b="0" i="1" smtClean="0">
+                          <a:latin typeface="Cambria Math" panose="02040503050406030204" pitchFamily="18" charset="0"/>
+                        </a:rPr>
+                        <m:t>𝑎𝑟𝑔𝑚𝑖</m:t>
+                      </m:r>
+                      <m:sSub>
+                        <m:sSubPr>
+                          <m:ctrlPr>
+                            <a:rPr lang="en-US" b="0" i="1" smtClean="0">
+                              <a:latin typeface="Cambria Math" panose="02040503050406030204" pitchFamily="18" charset="0"/>
+                            </a:rPr>
+                          </m:ctrlPr>
+                        </m:sSubPr>
+                        <m:e>
+                          <m:r>
+                            <a:rPr lang="en-US" b="0" i="1" smtClean="0">
+                              <a:latin typeface="Cambria Math" panose="02040503050406030204" pitchFamily="18" charset="0"/>
+                            </a:rPr>
+                            <m:t>𝑛</m:t>
+                          </m:r>
+                        </m:e>
+                        <m:sub>
+                          <m:r>
+                            <a:rPr lang="en-US" b="0" i="1" smtClean="0">
+                              <a:latin typeface="Cambria Math" panose="02040503050406030204" pitchFamily="18" charset="0"/>
+                            </a:rPr>
+                            <m:t>𝑘</m:t>
+                          </m:r>
+                        </m:sub>
+                      </m:sSub>
+                      <m:r>
+                        <a:rPr lang="en-US" b="0" i="1" smtClean="0">
+                          <a:latin typeface="Cambria Math" panose="02040503050406030204" pitchFamily="18" charset="0"/>
+                        </a:rPr>
+                        <m:t>𝑑</m:t>
+                      </m:r>
+                      <m:r>
+                        <a:rPr lang="en-US" b="0" i="1" smtClean="0">
+                          <a:latin typeface="Cambria Math" panose="02040503050406030204" pitchFamily="18" charset="0"/>
+                        </a:rPr>
+                        <m:t>(</m:t>
+                      </m:r>
+                      <m:sSub>
+                        <m:sSubPr>
+                          <m:ctrlPr>
+                            <a:rPr lang="en-US" b="0" i="1" smtClean="0">
+                              <a:latin typeface="Cambria Math" panose="02040503050406030204" pitchFamily="18" charset="0"/>
+                            </a:rPr>
+                          </m:ctrlPr>
+                        </m:sSubPr>
+                        <m:e>
+                          <m:r>
+                            <a:rPr lang="en-US" b="0" i="1" smtClean="0">
+                              <a:latin typeface="Cambria Math" panose="02040503050406030204" pitchFamily="18" charset="0"/>
+                            </a:rPr>
+                            <m:t>𝑐</m:t>
+                          </m:r>
+                        </m:e>
+                        <m:sub>
+                          <m:r>
+                            <a:rPr lang="en-US" b="0" i="1" smtClean="0">
+                              <a:latin typeface="Cambria Math" panose="02040503050406030204" pitchFamily="18" charset="0"/>
+                            </a:rPr>
+                            <m:t>𝑘</m:t>
+                          </m:r>
+                        </m:sub>
+                      </m:sSub>
+                      <m:r>
+                        <a:rPr lang="en-US" b="0" i="1" smtClean="0">
+                          <a:latin typeface="Cambria Math" panose="02040503050406030204" pitchFamily="18" charset="0"/>
+                        </a:rPr>
+                        <m:t>,</m:t>
+                      </m:r>
+                      <m:sSub>
+                        <m:sSubPr>
+                          <m:ctrlPr>
+                            <a:rPr lang="en-US" b="0" i="1" smtClean="0">
+                              <a:latin typeface="Cambria Math" panose="02040503050406030204" pitchFamily="18" charset="0"/>
+                            </a:rPr>
+                          </m:ctrlPr>
+                        </m:sSubPr>
+                        <m:e>
+                          <m:r>
+                            <a:rPr lang="en-US" b="0" i="1" smtClean="0">
+                              <a:latin typeface="Cambria Math" panose="02040503050406030204" pitchFamily="18" charset="0"/>
+                            </a:rPr>
+                            <m:t>𝑥</m:t>
+                          </m:r>
+                        </m:e>
+                        <m:sub>
+                          <m:r>
+                            <a:rPr lang="en-US" b="0" i="1" smtClean="0">
+                              <a:latin typeface="Cambria Math" panose="02040503050406030204" pitchFamily="18" charset="0"/>
+                            </a:rPr>
+                            <m:t>𝑖</m:t>
+                          </m:r>
+                        </m:sub>
+                      </m:sSub>
+                      <m:r>
+                        <a:rPr lang="en-US" b="0" i="1" smtClean="0">
+                          <a:latin typeface="Cambria Math" panose="02040503050406030204" pitchFamily="18" charset="0"/>
+                        </a:rPr>
+                        <m:t>)</m:t>
+                      </m:r>
+                    </m:oMath>
+                  </m:oMathPara>
+                </a14:m>
+                <a:endParaRPr lang="en-US" dirty="0" smtClean="0"/>
+              </a:p>
+              <a:p>
+                <a:pPr marL="914400" lvl="1" indent="-514350"/>
+                <a:r>
+                  <a:rPr lang="en-US" dirty="0" smtClean="0"/>
+                  <a:t>Update the </a:t>
+                </a:r>
+                <a:r>
+                  <a:rPr lang="en-US" i="1" dirty="0" smtClean="0"/>
+                  <a:t>k</a:t>
+                </a:r>
+                <a:r>
+                  <a:rPr lang="en-US" dirty="0" smtClean="0"/>
+                  <a:t> cluster centroids based on the assigned cluster membership</a:t>
+                </a:r>
+              </a:p>
+              <a:p>
+                <a:pPr marL="800100" lvl="2" indent="0">
+                  <a:buNone/>
+                </a:pPr>
+                <a14:m>
+                  <m:oMathPara xmlns:m="http://schemas.openxmlformats.org/officeDocument/2006/math">
+                    <m:oMathParaPr>
+                      <m:jc m:val="centerGroup"/>
+                    </m:oMathParaPr>
+                    <m:oMath xmlns:m="http://schemas.openxmlformats.org/officeDocument/2006/math">
+                      <m:sSub>
+                        <m:sSubPr>
+                          <m:ctrlPr>
+                            <a:rPr lang="en-US" b="0" i="1" smtClean="0">
+                              <a:latin typeface="Cambria Math" panose="02040503050406030204" pitchFamily="18" charset="0"/>
+                            </a:rPr>
+                          </m:ctrlPr>
+                        </m:sSubPr>
+                        <m:e>
+                          <m:r>
+                            <a:rPr lang="en-US" b="0" i="1" smtClean="0">
+                              <a:latin typeface="Cambria Math" panose="02040503050406030204" pitchFamily="18" charset="0"/>
+                            </a:rPr>
+                            <m:t>𝑐</m:t>
+                          </m:r>
+                        </m:e>
+                        <m:sub>
+                          <m:r>
+                            <a:rPr lang="en-US" b="0" i="1" smtClean="0">
+                              <a:latin typeface="Cambria Math" panose="02040503050406030204" pitchFamily="18" charset="0"/>
+                            </a:rPr>
+                            <m:t>𝑘</m:t>
+                          </m:r>
+                        </m:sub>
+                      </m:sSub>
+                      <m:r>
+                        <a:rPr lang="en-US" b="0" i="1" smtClean="0">
+                          <a:latin typeface="Cambria Math" panose="02040503050406030204" pitchFamily="18" charset="0"/>
+                        </a:rPr>
+                        <m:t>=</m:t>
+                      </m:r>
+                      <m:f>
+                        <m:fPr>
+                          <m:ctrlPr>
+                            <a:rPr lang="en-US" b="0" i="1" smtClean="0">
+                              <a:latin typeface="Cambria Math" panose="02040503050406030204" pitchFamily="18" charset="0"/>
+                            </a:rPr>
+                          </m:ctrlPr>
+                        </m:fPr>
+                        <m:num>
+                          <m:nary>
+                            <m:naryPr>
+                              <m:chr m:val="∑"/>
+                              <m:supHide m:val="on"/>
+                              <m:ctrlPr>
+                                <a:rPr lang="en-US" b="0" i="1" smtClean="0">
+                                  <a:latin typeface="Cambria Math" panose="02040503050406030204" pitchFamily="18" charset="0"/>
+                                </a:rPr>
+                              </m:ctrlPr>
+                            </m:naryPr>
+                            <m:sub>
+                              <m:r>
+                                <a:rPr lang="en-US" b="0" i="1" smtClean="0">
+                                  <a:latin typeface="Cambria Math" panose="02040503050406030204" pitchFamily="18" charset="0"/>
+                                </a:rPr>
+                                <m:t>𝑖</m:t>
+                              </m:r>
+                            </m:sub>
+                            <m:sup/>
+                            <m:e>
+                              <m:r>
+                                <a:rPr lang="en-US" i="1">
+                                  <a:latin typeface="Cambria Math" panose="02040503050406030204" pitchFamily="18" charset="0"/>
+                                </a:rPr>
+                                <m:t>𝛿</m:t>
+                              </m:r>
+                              <m:d>
+                                <m:dPr>
+                                  <m:ctrlPr>
+                                    <a:rPr lang="en-US" i="1">
+                                      <a:latin typeface="Cambria Math" panose="02040503050406030204" pitchFamily="18" charset="0"/>
+                                    </a:rPr>
+                                  </m:ctrlPr>
+                                </m:dPr>
+                                <m:e>
+                                  <m:sSub>
+                                    <m:sSubPr>
+                                      <m:ctrlPr>
+                                        <a:rPr lang="en-US" i="1">
+                                          <a:latin typeface="Cambria Math" panose="02040503050406030204" pitchFamily="18" charset="0"/>
+                                        </a:rPr>
+                                      </m:ctrlPr>
+                                    </m:sSubPr>
+                                    <m:e>
+                                      <m:r>
+                                        <a:rPr lang="en-US" i="1">
+                                          <a:latin typeface="Cambria Math" panose="02040503050406030204" pitchFamily="18" charset="0"/>
+                                        </a:rPr>
+                                        <m:t>𝑧</m:t>
+                                      </m:r>
+                                    </m:e>
+                                    <m:sub>
+                                      <m:r>
+                                        <a:rPr lang="en-US" i="1">
+                                          <a:latin typeface="Cambria Math" panose="02040503050406030204" pitchFamily="18" charset="0"/>
+                                        </a:rPr>
+                                        <m:t>𝑖</m:t>
+                                      </m:r>
+                                    </m:sub>
+                                  </m:sSub>
+                                  <m:r>
+                                    <a:rPr lang="en-US" i="1">
+                                      <a:latin typeface="Cambria Math" panose="02040503050406030204" pitchFamily="18" charset="0"/>
+                                    </a:rPr>
+                                    <m:t>=</m:t>
+                                  </m:r>
+                                  <m:sSub>
+                                    <m:sSubPr>
+                                      <m:ctrlPr>
+                                        <a:rPr lang="en-US" i="1">
+                                          <a:latin typeface="Cambria Math" panose="02040503050406030204" pitchFamily="18" charset="0"/>
+                                        </a:rPr>
+                                      </m:ctrlPr>
+                                    </m:sSubPr>
+                                    <m:e>
+                                      <m:r>
+                                        <a:rPr lang="en-US" i="1">
+                                          <a:latin typeface="Cambria Math" panose="02040503050406030204" pitchFamily="18" charset="0"/>
+                                        </a:rPr>
+                                        <m:t>𝑐</m:t>
+                                      </m:r>
+                                    </m:e>
+                                    <m:sub>
+                                      <m:r>
+                                        <a:rPr lang="en-US" i="1">
+                                          <a:latin typeface="Cambria Math" panose="02040503050406030204" pitchFamily="18" charset="0"/>
+                                        </a:rPr>
+                                        <m:t>𝑘</m:t>
+                                      </m:r>
+                                    </m:sub>
+                                  </m:sSub>
+                                </m:e>
+                              </m:d>
+                              <m:sSub>
+                                <m:sSubPr>
+                                  <m:ctrlPr>
+                                    <a:rPr lang="en-US" b="0" i="1" smtClean="0">
+                                      <a:latin typeface="Cambria Math" panose="02040503050406030204" pitchFamily="18" charset="0"/>
+                                    </a:rPr>
+                                  </m:ctrlPr>
+                                </m:sSubPr>
+                                <m:e>
+                                  <m:r>
+                                    <a:rPr lang="en-US" b="0" i="1" smtClean="0">
+                                      <a:latin typeface="Cambria Math" panose="02040503050406030204" pitchFamily="18" charset="0"/>
+                                    </a:rPr>
+                                    <m:t>𝑥</m:t>
+                                  </m:r>
+                                </m:e>
+                                <m:sub>
+                                  <m:r>
+                                    <a:rPr lang="en-US" b="0" i="1" smtClean="0">
+                                      <a:latin typeface="Cambria Math" panose="02040503050406030204" pitchFamily="18" charset="0"/>
+                                    </a:rPr>
+                                    <m:t>𝑖</m:t>
+                                  </m:r>
+                                </m:sub>
+                              </m:sSub>
+                            </m:e>
+                          </m:nary>
+                        </m:num>
+                        <m:den>
+                          <m:nary>
+                            <m:naryPr>
+                              <m:chr m:val="∑"/>
+                              <m:supHide m:val="on"/>
+                              <m:ctrlPr>
+                                <a:rPr lang="en-US" b="0" i="1" smtClean="0">
+                                  <a:latin typeface="Cambria Math" panose="02040503050406030204" pitchFamily="18" charset="0"/>
+                                </a:rPr>
+                              </m:ctrlPr>
+                            </m:naryPr>
+                            <m:sub>
+                              <m:r>
+                                <a:rPr lang="en-US" b="0" i="1" smtClean="0">
+                                  <a:latin typeface="Cambria Math" panose="02040503050406030204" pitchFamily="18" charset="0"/>
+                                </a:rPr>
+                                <m:t>𝑖</m:t>
+                              </m:r>
+                            </m:sub>
+                            <m:sup/>
+                            <m:e>
+                              <m:r>
+                                <a:rPr lang="en-US" b="0" i="1" smtClean="0">
+                                  <a:latin typeface="Cambria Math" panose="02040503050406030204" pitchFamily="18" charset="0"/>
+                                </a:rPr>
+                                <m:t>𝛿</m:t>
+                              </m:r>
+                              <m:r>
+                                <a:rPr lang="en-US" b="0" i="1" smtClean="0">
+                                  <a:latin typeface="Cambria Math" panose="02040503050406030204" pitchFamily="18" charset="0"/>
+                                </a:rPr>
+                                <m:t>(</m:t>
+                              </m:r>
+                              <m:sSub>
+                                <m:sSubPr>
+                                  <m:ctrlPr>
+                                    <a:rPr lang="en-US" b="0" i="1" smtClean="0">
+                                      <a:latin typeface="Cambria Math" panose="02040503050406030204" pitchFamily="18" charset="0"/>
+                                    </a:rPr>
+                                  </m:ctrlPr>
+                                </m:sSubPr>
+                                <m:e>
+                                  <m:r>
+                                    <a:rPr lang="en-US" b="0" i="1" smtClean="0">
+                                      <a:latin typeface="Cambria Math" panose="02040503050406030204" pitchFamily="18" charset="0"/>
+                                    </a:rPr>
+                                    <m:t>𝑧</m:t>
+                                  </m:r>
+                                </m:e>
+                                <m:sub>
+                                  <m:r>
+                                    <a:rPr lang="en-US" b="0" i="1" smtClean="0">
+                                      <a:latin typeface="Cambria Math" panose="02040503050406030204" pitchFamily="18" charset="0"/>
+                                    </a:rPr>
+                                    <m:t>𝑖</m:t>
+                                  </m:r>
+                                </m:sub>
+                              </m:sSub>
+                              <m:r>
+                                <a:rPr lang="en-US" b="0" i="1" smtClean="0">
+                                  <a:latin typeface="Cambria Math" panose="02040503050406030204" pitchFamily="18" charset="0"/>
+                                </a:rPr>
+                                <m:t>=</m:t>
+                              </m:r>
+                              <m:sSub>
+                                <m:sSubPr>
+                                  <m:ctrlPr>
+                                    <a:rPr lang="en-US" b="0" i="1" smtClean="0">
+                                      <a:latin typeface="Cambria Math" panose="02040503050406030204" pitchFamily="18" charset="0"/>
+                                    </a:rPr>
+                                  </m:ctrlPr>
+                                </m:sSubPr>
+                                <m:e>
+                                  <m:r>
+                                    <a:rPr lang="en-US" b="0" i="1" smtClean="0">
+                                      <a:latin typeface="Cambria Math" panose="02040503050406030204" pitchFamily="18" charset="0"/>
+                                    </a:rPr>
+                                    <m:t>𝑐</m:t>
+                                  </m:r>
+                                </m:e>
+                                <m:sub>
+                                  <m:r>
+                                    <a:rPr lang="en-US" b="0" i="1" smtClean="0">
+                                      <a:latin typeface="Cambria Math" panose="02040503050406030204" pitchFamily="18" charset="0"/>
+                                    </a:rPr>
+                                    <m:t>𝑘</m:t>
+                                  </m:r>
+                                </m:sub>
+                              </m:sSub>
+                              <m:r>
+                                <a:rPr lang="en-US" b="0" i="1" smtClean="0">
+                                  <a:latin typeface="Cambria Math" panose="02040503050406030204" pitchFamily="18" charset="0"/>
+                                </a:rPr>
+                                <m:t>)</m:t>
+                              </m:r>
+                            </m:e>
+                          </m:nary>
+                        </m:den>
+                      </m:f>
+                    </m:oMath>
+                  </m:oMathPara>
+                </a14:m>
+                <a:endParaRPr lang="en-US" dirty="0"/>
+              </a:p>
+            </p:txBody>
+          </p:sp>
+        </mc:Choice>
+        <mc:Fallback xmlns="">
+          <p:sp>
+            <p:nvSpPr>
+              <p:cNvPr id="3" name="Content Placeholder 2"/>
+              <p:cNvSpPr>
+                <a:spLocks noGrp="1" noRot="1" noChangeAspect="1" noMove="1" noResize="1" noEditPoints="1" noAdjustHandles="1" noChangeArrowheads="1" noChangeShapeType="1" noTextEdit="1"/>
+              </p:cNvSpPr>
+              <p:nvPr>
+                <p:ph idx="1"/>
+              </p:nvPr>
+            </p:nvSpPr>
+            <p:spPr>
+              <a:blipFill rotWithShape="0">
+                <a:blip r:embed="rId2"/>
+                <a:stretch>
+                  <a:fillRect l="-1259" t="-2291" r="-741"/>
+                </a:stretch>
+              </a:blipFill>
+            </p:spPr>
+            <p:txBody>
+              <a:bodyPr/>
+              <a:lstStyle/>
+              <a:p>
+                <a:r>
+                  <a:rPr lang="en-US">
+                    <a:noFill/>
+                  </a:rPr>
+                  <a:t> </a:t>
+                </a:r>
+              </a:p>
+            </p:txBody>
+          </p:sp>
+        </mc:Fallback>
+      </mc:AlternateContent>
+      <p:sp>
+        <p:nvSpPr>
+          <p:cNvPr id="4" name="Date Placeholder 3"/>
+          <p:cNvSpPr>
+            <a:spLocks noGrp="1"/>
+          </p:cNvSpPr>
+          <p:nvPr>
+            <p:ph type="dt" sz="half" idx="10"/>
+          </p:nvPr>
+        </p:nvSpPr>
+        <p:spPr/>
+        <p:txBody>
+          <a:bodyPr/>
+          <a:lstStyle/>
+          <a:p>
+            <a:r>
+              <a:rPr lang="en-US" smtClean="0"/>
+              <a:t>CS@UVa</a:t>
+            </a:r>
+            <a:endParaRPr lang="en-US"/>
+          </a:p>
+        </p:txBody>
+      </p:sp>
+      <p:sp>
+        <p:nvSpPr>
+          <p:cNvPr id="5" name="Footer Placeholder 4"/>
+          <p:cNvSpPr>
+            <a:spLocks noGrp="1"/>
+          </p:cNvSpPr>
+          <p:nvPr>
+            <p:ph type="ftr" sz="quarter" idx="11"/>
+          </p:nvPr>
+        </p:nvSpPr>
+        <p:spPr/>
+        <p:txBody>
+          <a:bodyPr/>
+          <a:lstStyle/>
+          <a:p>
+            <a:r>
+              <a:rPr lang="en-US" smtClean="0"/>
+              <a:t>CS 6501: Text Mining</a:t>
+            </a:r>
+            <a:endParaRPr lang="en-US"/>
+          </a:p>
+        </p:txBody>
+      </p:sp>
+      <p:sp>
+        <p:nvSpPr>
+          <p:cNvPr id="6" name="Slide Number Placeholder 5"/>
+          <p:cNvSpPr>
+            <a:spLocks noGrp="1"/>
+          </p:cNvSpPr>
+          <p:nvPr>
+            <p:ph type="sldNum" sz="quarter" idx="12"/>
+          </p:nvPr>
+        </p:nvSpPr>
+        <p:spPr/>
+        <p:txBody>
+          <a:bodyPr/>
+          <a:lstStyle/>
+          <a:p>
+            <a:fld id="{64B9C3A9-27DF-40B5-9FC7-1DF96985BC5A}" type="slidenum">
+              <a:rPr lang="en-US" smtClean="0"/>
+              <a:t>17</a:t>
+            </a:fld>
+            <a:endParaRPr lang="en-US"/>
+          </a:p>
+        </p:txBody>
+      </p:sp>
+      <p:sp>
+        <p:nvSpPr>
+          <p:cNvPr id="7" name="TextBox 6"/>
+          <p:cNvSpPr txBox="1"/>
+          <p:nvPr/>
+        </p:nvSpPr>
+        <p:spPr>
+          <a:xfrm>
+            <a:off x="6184556" y="4085968"/>
+            <a:ext cx="2667000" cy="369332"/>
+          </a:xfrm>
+          <a:prstGeom prst="rect">
+            <a:avLst/>
+          </a:prstGeom>
+          <a:noFill/>
+        </p:spPr>
+        <p:txBody>
+          <a:bodyPr wrap="square" rtlCol="0">
+            <a:spAutoFit/>
+          </a:bodyPr>
+          <a:lstStyle/>
+          <a:p>
+            <a:r>
+              <a:rPr lang="en-US" i="1" dirty="0" smtClean="0">
+                <a:solidFill>
+                  <a:srgbClr val="FF0000"/>
+                </a:solidFill>
+              </a:rPr>
+              <a:t>Minimize intra distance</a:t>
+            </a:r>
+            <a:endParaRPr lang="en-US" i="1" dirty="0">
+              <a:solidFill>
+                <a:srgbClr val="FF0000"/>
+              </a:solidFill>
+            </a:endParaRPr>
+          </a:p>
+        </p:txBody>
+      </p:sp>
+      <p:sp>
+        <p:nvSpPr>
+          <p:cNvPr id="8" name="TextBox 7"/>
+          <p:cNvSpPr txBox="1"/>
+          <p:nvPr/>
+        </p:nvSpPr>
+        <p:spPr>
+          <a:xfrm>
+            <a:off x="6184556" y="5106066"/>
+            <a:ext cx="2667000" cy="369332"/>
+          </a:xfrm>
+          <a:prstGeom prst="rect">
+            <a:avLst/>
+          </a:prstGeom>
+          <a:noFill/>
+        </p:spPr>
+        <p:txBody>
+          <a:bodyPr wrap="square" rtlCol="0">
+            <a:spAutoFit/>
+          </a:bodyPr>
+          <a:lstStyle/>
+          <a:p>
+            <a:r>
+              <a:rPr lang="en-US" i="1" dirty="0" smtClean="0">
+                <a:solidFill>
+                  <a:srgbClr val="FF0000"/>
+                </a:solidFill>
+              </a:rPr>
+              <a:t>Maximize inter distance</a:t>
+            </a:r>
+            <a:endParaRPr lang="en-US" i="1" dirty="0">
+              <a:solidFill>
+                <a:srgbClr val="FF0000"/>
+              </a:solidFill>
+            </a:endParaRPr>
+          </a:p>
+        </p:txBody>
+      </p:sp>
+    </p:spTree>
+    <p:extLst>
+      <p:ext uri="{BB962C8B-B14F-4D97-AF65-F5344CB8AC3E}">
+        <p14:creationId xmlns:p14="http://schemas.microsoft.com/office/powerpoint/2010/main" val="3849503137"/>
+      </p:ext>
+    </p:extLst>
+  </p:cSld>
+  <p:clrMapOvr>
+    <a:masterClrMapping/>
+  </p:clrMapOvr>
+  <p:timing>
+    <p:tnLst>
+      <p:par>
+        <p:cTn id="1" dur="indefinite" restart="never" nodeType="tmRoot"/>
+      </p:par>
+    </p:tnLst>
+  </p:timing>
+</p:sld>
+</file>
+
+<file path=ppt/slides/slide18.xml><?xml version="1.0" encoding="utf-8"?>
+<p:sld xmlns:a="http://schemas.openxmlformats.org/drawingml/2006/main" xmlns:r="http://schemas.openxmlformats.org/officeDocument/2006/relationships" xmlns:p="http://schemas.openxmlformats.org/presentationml/2006/main">
+  <p:cSld>
+    <p:spTree>
+      <p:nvGrpSpPr>
+        <p:cNvPr id="1" name=""/>
+        <p:cNvGrpSpPr/>
+        <p:nvPr/>
+      </p:nvGrpSpPr>
+      <p:grpSpPr>
+        <a:xfrm>
+          <a:off x="0" y="0"/>
+          <a:ext cx="0" cy="0"/>
+          <a:chOff x="0" y="0"/>
+          <a:chExt cx="0" cy="0"/>
+        </a:xfrm>
+      </p:grpSpPr>
+      <p:sp>
+        <p:nvSpPr>
+          <p:cNvPr id="2" name="Title 1"/>
+          <p:cNvSpPr>
+            <a:spLocks noGrp="1"/>
+          </p:cNvSpPr>
+          <p:nvPr>
+            <p:ph type="title"/>
+          </p:nvPr>
+        </p:nvSpPr>
+        <p:spPr/>
+        <p:txBody>
+          <a:bodyPr>
+            <a:normAutofit fontScale="90000"/>
+          </a:bodyPr>
+          <a:lstStyle/>
+          <a:p>
+            <a:r>
+              <a:rPr lang="en-US" sz="3800" dirty="0" smtClean="0"/>
+              <a:t>Recap: Probabilistic </a:t>
+            </a:r>
+            <a:r>
+              <a:rPr lang="en-US" sz="3800" dirty="0"/>
+              <a:t>interpretation of clustering</a:t>
+            </a:r>
+          </a:p>
+        </p:txBody>
+      </p:sp>
+      <mc:AlternateContent xmlns:mc="http://schemas.openxmlformats.org/markup-compatibility/2006" xmlns:a14="http://schemas.microsoft.com/office/drawing/2010/main">
+        <mc:Choice Requires="a14">
+          <p:sp>
+            <p:nvSpPr>
+              <p:cNvPr id="3" name="Content Placeholder 2"/>
+              <p:cNvSpPr>
+                <a:spLocks noGrp="1"/>
+              </p:cNvSpPr>
+              <p:nvPr>
+                <p:ph idx="1"/>
+              </p:nvPr>
+            </p:nvSpPr>
+            <p:spPr/>
+            <p:txBody>
+              <a:bodyPr/>
+              <a:lstStyle/>
+              <a:p>
+                <a:r>
+                  <a:rPr lang="en-US" dirty="0" smtClean="0"/>
+                  <a:t>The density model of </a:t>
+                </a:r>
+                <a14:m>
+                  <m:oMath xmlns:m="http://schemas.openxmlformats.org/officeDocument/2006/math">
+                    <m:r>
+                      <a:rPr lang="en-US" b="0" i="1" smtClean="0">
+                        <a:latin typeface="Cambria Math" panose="02040503050406030204" pitchFamily="18" charset="0"/>
+                      </a:rPr>
+                      <m:t>𝑝</m:t>
+                    </m:r>
+                    <m:d>
+                      <m:dPr>
+                        <m:ctrlPr>
+                          <a:rPr lang="en-US" b="0" i="1" smtClean="0">
+                            <a:latin typeface="Cambria Math" panose="02040503050406030204" pitchFamily="18" charset="0"/>
+                          </a:rPr>
+                        </m:ctrlPr>
+                      </m:dPr>
+                      <m:e>
+                        <m:r>
+                          <a:rPr lang="en-US" b="0" i="1" smtClean="0">
+                            <a:latin typeface="Cambria Math" panose="02040503050406030204" pitchFamily="18" charset="0"/>
+                          </a:rPr>
+                          <m:t>𝑥</m:t>
+                        </m:r>
+                      </m:e>
+                    </m:d>
+                  </m:oMath>
+                </a14:m>
+                <a:r>
+                  <a:rPr lang="en-US" dirty="0" smtClean="0"/>
+                  <a:t> is multi-modal</a:t>
+                </a:r>
+              </a:p>
+              <a:p>
+                <a:r>
+                  <a:rPr lang="en-US" dirty="0" smtClean="0"/>
+                  <a:t>Each mode represents a sub-population</a:t>
+                </a:r>
+              </a:p>
+              <a:p>
+                <a:pPr lvl="1"/>
+                <a:r>
+                  <a:rPr lang="en-US" dirty="0" smtClean="0"/>
+                  <a:t>E.g., unimodal Gaussian for each group</a:t>
+                </a:r>
+                <a:endParaRPr lang="en-US" dirty="0"/>
+              </a:p>
+            </p:txBody>
+          </p:sp>
+        </mc:Choice>
+        <mc:Fallback xmlns="">
+          <p:sp>
+            <p:nvSpPr>
+              <p:cNvPr id="3" name="Content Placeholder 2"/>
+              <p:cNvSpPr>
+                <a:spLocks noGrp="1" noRot="1" noChangeAspect="1" noMove="1" noResize="1" noEditPoints="1" noAdjustHandles="1" noChangeArrowheads="1" noChangeShapeType="1" noTextEdit="1"/>
+              </p:cNvSpPr>
+              <p:nvPr>
+                <p:ph idx="1"/>
+              </p:nvPr>
+            </p:nvSpPr>
+            <p:spPr>
+              <a:blipFill rotWithShape="0">
+                <a:blip r:embed="rId2"/>
+                <a:stretch>
+                  <a:fillRect l="-1704" t="-1617"/>
+                </a:stretch>
+              </a:blipFill>
+            </p:spPr>
+            <p:txBody>
+              <a:bodyPr/>
+              <a:lstStyle/>
+              <a:p>
+                <a:r>
+                  <a:rPr lang="en-US">
+                    <a:noFill/>
+                  </a:rPr>
+                  <a:t> </a:t>
+                </a:r>
+              </a:p>
+            </p:txBody>
+          </p:sp>
+        </mc:Fallback>
+      </mc:AlternateContent>
+      <p:sp>
+        <p:nvSpPr>
+          <p:cNvPr id="4" name="Date Placeholder 3"/>
+          <p:cNvSpPr>
+            <a:spLocks noGrp="1"/>
+          </p:cNvSpPr>
+          <p:nvPr>
+            <p:ph type="dt" sz="half" idx="10"/>
+          </p:nvPr>
+        </p:nvSpPr>
+        <p:spPr/>
+        <p:txBody>
+          <a:bodyPr/>
+          <a:lstStyle/>
+          <a:p>
+            <a:r>
+              <a:rPr lang="en-US" smtClean="0"/>
+              <a:t>CS@UVa</a:t>
+            </a:r>
+            <a:endParaRPr lang="en-US"/>
+          </a:p>
+        </p:txBody>
+      </p:sp>
+      <p:sp>
+        <p:nvSpPr>
+          <p:cNvPr id="5" name="Footer Placeholder 4"/>
+          <p:cNvSpPr>
+            <a:spLocks noGrp="1"/>
+          </p:cNvSpPr>
+          <p:nvPr>
+            <p:ph type="ftr" sz="quarter" idx="11"/>
+          </p:nvPr>
+        </p:nvSpPr>
+        <p:spPr/>
+        <p:txBody>
+          <a:bodyPr/>
+          <a:lstStyle/>
+          <a:p>
+            <a:r>
+              <a:rPr lang="en-US" smtClean="0"/>
+              <a:t>CS 6501: Text Mining</a:t>
+            </a:r>
+            <a:endParaRPr lang="en-US"/>
+          </a:p>
+        </p:txBody>
+      </p:sp>
+      <p:sp>
+        <p:nvSpPr>
+          <p:cNvPr id="6" name="Slide Number Placeholder 5"/>
+          <p:cNvSpPr>
+            <a:spLocks noGrp="1"/>
+          </p:cNvSpPr>
+          <p:nvPr>
+            <p:ph type="sldNum" sz="quarter" idx="12"/>
+          </p:nvPr>
+        </p:nvSpPr>
+        <p:spPr/>
+        <p:txBody>
+          <a:bodyPr/>
+          <a:lstStyle/>
+          <a:p>
+            <a:fld id="{64B9C3A9-27DF-40B5-9FC7-1DF96985BC5A}" type="slidenum">
+              <a:rPr lang="en-US" smtClean="0"/>
+              <a:t>18</a:t>
+            </a:fld>
+            <a:endParaRPr lang="en-US"/>
+          </a:p>
+        </p:txBody>
+      </p:sp>
+      <p:pic>
+        <p:nvPicPr>
+          <p:cNvPr id="7" name="Picture 6"/>
+          <p:cNvPicPr>
+            <a:picLocks noChangeAspect="1"/>
+          </p:cNvPicPr>
+          <p:nvPr/>
+        </p:nvPicPr>
+        <p:blipFill>
+          <a:blip r:embed="rId3"/>
+          <a:stretch>
+            <a:fillRect/>
+          </a:stretch>
+        </p:blipFill>
+        <p:spPr>
+          <a:xfrm>
+            <a:off x="2672078" y="3789642"/>
+            <a:ext cx="3213855" cy="2336523"/>
+          </a:xfrm>
+          <a:prstGeom prst="rect">
+            <a:avLst/>
+          </a:prstGeom>
+        </p:spPr>
+      </p:pic>
+      <p:grpSp>
+        <p:nvGrpSpPr>
+          <p:cNvPr id="11" name="Group 10"/>
+          <p:cNvGrpSpPr/>
+          <p:nvPr/>
+        </p:nvGrpSpPr>
+        <p:grpSpPr>
+          <a:xfrm>
+            <a:off x="6019800" y="4192570"/>
+            <a:ext cx="2470526" cy="984184"/>
+            <a:chOff x="6019800" y="4192570"/>
+            <a:chExt cx="2470526" cy="984184"/>
+          </a:xfrm>
+        </p:grpSpPr>
+        <p:sp>
+          <p:nvSpPr>
+            <p:cNvPr id="8" name="TextBox 7"/>
+            <p:cNvSpPr txBox="1"/>
+            <p:nvPr/>
+          </p:nvSpPr>
+          <p:spPr>
+            <a:xfrm>
+              <a:off x="6019800" y="4192570"/>
+              <a:ext cx="1598140" cy="369332"/>
+            </a:xfrm>
+            <a:prstGeom prst="rect">
+              <a:avLst/>
+            </a:prstGeom>
+            <a:noFill/>
+          </p:spPr>
+          <p:txBody>
+            <a:bodyPr wrap="square" rtlCol="0">
+              <a:spAutoFit/>
+            </a:bodyPr>
+            <a:lstStyle/>
+            <a:p>
+              <a:r>
+                <a:rPr lang="en-US" dirty="0" smtClean="0"/>
+                <a:t>Mixture model</a:t>
+              </a:r>
+              <a:endParaRPr lang="en-US" dirty="0"/>
+            </a:p>
+          </p:txBody>
+        </p:sp>
+        <mc:AlternateContent xmlns:mc="http://schemas.openxmlformats.org/markup-compatibility/2006" xmlns:a14="http://schemas.microsoft.com/office/drawing/2010/main">
+          <mc:Choice Requires="a14">
+            <p:sp>
+              <p:nvSpPr>
+                <p:cNvPr id="9" name="TextBox 8"/>
+                <p:cNvSpPr txBox="1"/>
+                <p:nvPr/>
+              </p:nvSpPr>
+              <p:spPr>
+                <a:xfrm>
+                  <a:off x="6256638" y="4506058"/>
+                  <a:ext cx="2233688" cy="670696"/>
+                </a:xfrm>
+                <a:prstGeom prst="rect">
+                  <a:avLst/>
+                </a:prstGeom>
+                <a:noFill/>
+              </p:spPr>
+              <p:txBody>
+                <a:bodyPr wrap="none" lIns="0" tIns="0" rIns="0" bIns="0" rtlCol="0">
+                  <a:spAutoFit/>
+                </a:bodyPr>
+                <a:lstStyle/>
+                <a:p>
+                  <a:pPr/>
+                  <a14:m>
+                    <m:oMathPara xmlns:m="http://schemas.openxmlformats.org/officeDocument/2006/math">
+                      <m:oMathParaPr>
+                        <m:jc m:val="centerGroup"/>
+                      </m:oMathParaPr>
+                      <m:oMath xmlns:m="http://schemas.openxmlformats.org/officeDocument/2006/math">
+                        <m:r>
+                          <a:rPr lang="en-US" b="0" i="1" smtClean="0">
+                            <a:latin typeface="Cambria Math" panose="02040503050406030204" pitchFamily="18" charset="0"/>
+                          </a:rPr>
+                          <m:t>𝑝</m:t>
+                        </m:r>
+                        <m:d>
+                          <m:dPr>
+                            <m:ctrlPr>
+                              <a:rPr lang="en-US" b="0" i="1" smtClean="0">
+                                <a:latin typeface="Cambria Math" panose="02040503050406030204" pitchFamily="18" charset="0"/>
+                              </a:rPr>
+                            </m:ctrlPr>
+                          </m:dPr>
+                          <m:e>
+                            <m:r>
+                              <a:rPr lang="en-US" b="0" i="1" smtClean="0">
+                                <a:latin typeface="Cambria Math" panose="02040503050406030204" pitchFamily="18" charset="0"/>
+                              </a:rPr>
+                              <m:t>𝑥</m:t>
+                            </m:r>
+                          </m:e>
+                        </m:d>
+                        <m:r>
+                          <a:rPr lang="en-US" b="0" i="1" smtClean="0">
+                            <a:latin typeface="Cambria Math" panose="02040503050406030204" pitchFamily="18" charset="0"/>
+                          </a:rPr>
+                          <m:t>=</m:t>
+                        </m:r>
+                        <m:nary>
+                          <m:naryPr>
+                            <m:chr m:val="∑"/>
+                            <m:supHide m:val="on"/>
+                            <m:ctrlPr>
+                              <a:rPr lang="en-US" b="0" i="1" smtClean="0">
+                                <a:latin typeface="Cambria Math" panose="02040503050406030204" pitchFamily="18" charset="0"/>
+                              </a:rPr>
+                            </m:ctrlPr>
+                          </m:naryPr>
+                          <m:sub>
+                            <m:r>
+                              <a:rPr lang="en-US" b="0" i="1" smtClean="0">
+                                <a:latin typeface="Cambria Math" panose="02040503050406030204" pitchFamily="18" charset="0"/>
+                              </a:rPr>
+                              <m:t>𝑧</m:t>
+                            </m:r>
+                          </m:sub>
+                          <m:sup/>
+                          <m:e>
+                            <m:r>
+                              <a:rPr lang="en-US" b="0" i="1" smtClean="0">
+                                <a:latin typeface="Cambria Math" panose="02040503050406030204" pitchFamily="18" charset="0"/>
+                              </a:rPr>
+                              <m:t>𝑝</m:t>
+                            </m:r>
+                            <m:d>
+                              <m:dPr>
+                                <m:ctrlPr>
+                                  <a:rPr lang="en-US" b="0" i="1" smtClean="0">
+                                    <a:latin typeface="Cambria Math" panose="02040503050406030204" pitchFamily="18" charset="0"/>
+                                  </a:rPr>
+                                </m:ctrlPr>
+                              </m:dPr>
+                              <m:e>
+                                <m:r>
+                                  <a:rPr lang="en-US" b="0" i="1" smtClean="0">
+                                    <a:latin typeface="Cambria Math" panose="02040503050406030204" pitchFamily="18" charset="0"/>
+                                  </a:rPr>
+                                  <m:t>𝑥</m:t>
+                                </m:r>
+                              </m:e>
+                              <m:e>
+                                <m:r>
+                                  <a:rPr lang="en-US" b="0" i="1" smtClean="0">
+                                    <a:latin typeface="Cambria Math" panose="02040503050406030204" pitchFamily="18" charset="0"/>
+                                  </a:rPr>
+                                  <m:t>𝑧</m:t>
+                                </m:r>
+                              </m:e>
+                            </m:d>
+                            <m:r>
+                              <a:rPr lang="en-US" b="0" i="1" smtClean="0">
+                                <a:latin typeface="Cambria Math" panose="02040503050406030204" pitchFamily="18" charset="0"/>
+                              </a:rPr>
+                              <m:t>𝑝</m:t>
+                            </m:r>
+                            <m:r>
+                              <a:rPr lang="en-US" b="0" i="1" smtClean="0">
+                                <a:latin typeface="Cambria Math" panose="02040503050406030204" pitchFamily="18" charset="0"/>
+                              </a:rPr>
+                              <m:t>(</m:t>
+                            </m:r>
+                            <m:r>
+                              <a:rPr lang="en-US" b="0" i="1" smtClean="0">
+                                <a:latin typeface="Cambria Math" panose="02040503050406030204" pitchFamily="18" charset="0"/>
+                              </a:rPr>
+                              <m:t>𝑧</m:t>
+                            </m:r>
+                            <m:r>
+                              <a:rPr lang="en-US" b="0" i="1" smtClean="0">
+                                <a:latin typeface="Cambria Math" panose="02040503050406030204" pitchFamily="18" charset="0"/>
+                              </a:rPr>
+                              <m:t>)</m:t>
+                            </m:r>
+                          </m:e>
+                        </m:nary>
+                      </m:oMath>
+                    </m:oMathPara>
+                  </a14:m>
+                  <a:endParaRPr lang="en-US" dirty="0"/>
+                </a:p>
+              </p:txBody>
+            </p:sp>
+          </mc:Choice>
+          <mc:Fallback xmlns="">
+            <p:sp>
+              <p:nvSpPr>
+                <p:cNvPr id="9" name="TextBox 8"/>
+                <p:cNvSpPr txBox="1">
+                  <a:spLocks noRot="1" noChangeAspect="1" noMove="1" noResize="1" noEditPoints="1" noAdjustHandles="1" noChangeArrowheads="1" noChangeShapeType="1" noTextEdit="1"/>
+                </p:cNvSpPr>
+                <p:nvPr/>
+              </p:nvSpPr>
+              <p:spPr>
+                <a:xfrm>
+                  <a:off x="6256638" y="4506058"/>
+                  <a:ext cx="2233688" cy="670696"/>
+                </a:xfrm>
+                <a:prstGeom prst="rect">
+                  <a:avLst/>
+                </a:prstGeom>
+                <a:blipFill rotWithShape="0">
+                  <a:blip r:embed="rId4"/>
+                  <a:stretch>
+                    <a:fillRect/>
+                  </a:stretch>
+                </a:blipFill>
+              </p:spPr>
+              <p:txBody>
+                <a:bodyPr/>
+                <a:lstStyle/>
+                <a:p>
+                  <a:r>
+                    <a:rPr lang="en-US">
+                      <a:noFill/>
+                    </a:rPr>
+                    <a:t> </a:t>
+                  </a:r>
+                </a:p>
+              </p:txBody>
+            </p:sp>
+          </mc:Fallback>
+        </mc:AlternateContent>
+      </p:grpSp>
+      <p:grpSp>
+        <p:nvGrpSpPr>
+          <p:cNvPr id="15" name="Group 14"/>
+          <p:cNvGrpSpPr/>
+          <p:nvPr/>
+        </p:nvGrpSpPr>
+        <p:grpSpPr>
+          <a:xfrm>
+            <a:off x="6019800" y="4987078"/>
+            <a:ext cx="2327189" cy="735570"/>
+            <a:chOff x="6019800" y="4987078"/>
+            <a:chExt cx="2327189" cy="735570"/>
+          </a:xfrm>
+        </p:grpSpPr>
+        <p:sp>
+          <p:nvSpPr>
+            <p:cNvPr id="10" name="TextBox 9"/>
+            <p:cNvSpPr txBox="1"/>
+            <p:nvPr/>
+          </p:nvSpPr>
+          <p:spPr>
+            <a:xfrm>
+              <a:off x="6019800" y="5353316"/>
+              <a:ext cx="2327189" cy="369332"/>
+            </a:xfrm>
+            <a:prstGeom prst="rect">
+              <a:avLst/>
+            </a:prstGeom>
+            <a:noFill/>
+          </p:spPr>
+          <p:txBody>
+            <a:bodyPr wrap="square" rtlCol="0">
+              <a:spAutoFit/>
+            </a:bodyPr>
+            <a:lstStyle/>
+            <a:p>
+              <a:r>
+                <a:rPr lang="en-US" dirty="0" smtClean="0"/>
+                <a:t>Unimodal distribution</a:t>
+              </a:r>
+              <a:endParaRPr lang="en-US" dirty="0"/>
+            </a:p>
+          </p:txBody>
+        </p:sp>
+        <p:cxnSp>
+          <p:nvCxnSpPr>
+            <p:cNvPr id="12" name="Straight Arrow Connector 11"/>
+            <p:cNvCxnSpPr>
+              <a:stCxn id="10" idx="0"/>
+            </p:cNvCxnSpPr>
+            <p:nvPr/>
+          </p:nvCxnSpPr>
+          <p:spPr>
+            <a:xfrm flipV="1">
+              <a:off x="7183395" y="4987078"/>
+              <a:ext cx="313037" cy="366238"/>
+            </a:xfrm>
+            <a:prstGeom prst="straightConnector1">
+              <a:avLst/>
+            </a:prstGeom>
+            <a:ln w="19050">
+              <a:tailEnd type="triangle"/>
+            </a:ln>
+          </p:spPr>
+          <p:style>
+            <a:lnRef idx="1">
+              <a:schemeClr val="accent1"/>
+            </a:lnRef>
+            <a:fillRef idx="0">
+              <a:schemeClr val="accent1"/>
+            </a:fillRef>
+            <a:effectRef idx="0">
+              <a:schemeClr val="accent1"/>
+            </a:effectRef>
+            <a:fontRef idx="minor">
+              <a:schemeClr val="tx1"/>
+            </a:fontRef>
+          </p:style>
+        </p:cxnSp>
+      </p:grpSp>
+      <p:grpSp>
+        <p:nvGrpSpPr>
+          <p:cNvPr id="16" name="Group 15"/>
+          <p:cNvGrpSpPr/>
+          <p:nvPr/>
+        </p:nvGrpSpPr>
+        <p:grpSpPr>
+          <a:xfrm>
+            <a:off x="7286368" y="4987078"/>
+            <a:ext cx="2327189" cy="1104902"/>
+            <a:chOff x="7286368" y="4987078"/>
+            <a:chExt cx="2327189" cy="1104902"/>
+          </a:xfrm>
+        </p:grpSpPr>
+        <p:sp>
+          <p:nvSpPr>
+            <p:cNvPr id="13" name="TextBox 12"/>
+            <p:cNvSpPr txBox="1"/>
+            <p:nvPr/>
+          </p:nvSpPr>
+          <p:spPr>
+            <a:xfrm>
+              <a:off x="7286368" y="5722648"/>
+              <a:ext cx="2327189" cy="369332"/>
+            </a:xfrm>
+            <a:prstGeom prst="rect">
+              <a:avLst/>
+            </a:prstGeom>
+            <a:noFill/>
+          </p:spPr>
+          <p:txBody>
+            <a:bodyPr wrap="square" rtlCol="0">
+              <a:spAutoFit/>
+            </a:bodyPr>
+            <a:lstStyle/>
+            <a:p>
+              <a:r>
+                <a:rPr lang="en-US" dirty="0" smtClean="0"/>
+                <a:t>Mixing proportion</a:t>
+              </a:r>
+              <a:endParaRPr lang="en-US" dirty="0"/>
+            </a:p>
+          </p:txBody>
+        </p:sp>
+        <p:cxnSp>
+          <p:nvCxnSpPr>
+            <p:cNvPr id="14" name="Straight Arrow Connector 13"/>
+            <p:cNvCxnSpPr>
+              <a:stCxn id="13" idx="0"/>
+            </p:cNvCxnSpPr>
+            <p:nvPr/>
+          </p:nvCxnSpPr>
+          <p:spPr>
+            <a:xfrm flipH="1" flipV="1">
+              <a:off x="8262551" y="4987078"/>
+              <a:ext cx="187412" cy="735570"/>
+            </a:xfrm>
+            <a:prstGeom prst="straightConnector1">
+              <a:avLst/>
+            </a:prstGeom>
+            <a:ln w="19050">
+              <a:tailEnd type="triangle"/>
+            </a:ln>
+          </p:spPr>
+          <p:style>
+            <a:lnRef idx="1">
+              <a:schemeClr val="accent1"/>
+            </a:lnRef>
+            <a:fillRef idx="0">
+              <a:schemeClr val="accent1"/>
+            </a:fillRef>
+            <a:effectRef idx="0">
+              <a:schemeClr val="accent1"/>
+            </a:effectRef>
+            <a:fontRef idx="minor">
+              <a:schemeClr val="tx1"/>
+            </a:fontRef>
+          </p:style>
+        </p:cxnSp>
+      </p:grpSp>
+      <p:grpSp>
+        <p:nvGrpSpPr>
+          <p:cNvPr id="17" name="Group 16"/>
+          <p:cNvGrpSpPr/>
+          <p:nvPr/>
+        </p:nvGrpSpPr>
+        <p:grpSpPr>
+          <a:xfrm>
+            <a:off x="1336072" y="4100531"/>
+            <a:ext cx="2329766" cy="1714744"/>
+            <a:chOff x="1336072" y="4100531"/>
+            <a:chExt cx="2329766" cy="1714744"/>
+          </a:xfrm>
+        </p:grpSpPr>
+        <p:sp>
+          <p:nvSpPr>
+            <p:cNvPr id="19" name="Oval 18"/>
+            <p:cNvSpPr/>
+            <p:nvPr/>
+          </p:nvSpPr>
+          <p:spPr>
+            <a:xfrm>
+              <a:off x="2949146" y="4100531"/>
+              <a:ext cx="716692" cy="1714744"/>
+            </a:xfrm>
+            <a:prstGeom prst="ellipse">
+              <a:avLst/>
+            </a:prstGeom>
+            <a:noFill/>
+            <a:ln>
+              <a:solidFill>
+                <a:srgbClr val="FF0000"/>
+              </a:solidFill>
+            </a:ln>
+          </p:spPr>
+          <p:style>
+            <a:lnRef idx="2">
+              <a:schemeClr val="accent1">
+                <a:shade val="50000"/>
+              </a:schemeClr>
+            </a:lnRef>
+            <a:fillRef idx="1">
+              <a:schemeClr val="accent1"/>
+            </a:fillRef>
+            <a:effectRef idx="0">
+              <a:schemeClr val="accent1"/>
+            </a:effectRef>
+            <a:fontRef idx="minor">
+              <a:schemeClr val="lt1"/>
+            </a:fontRef>
+          </p:style>
+          <p:txBody>
+            <a:bodyPr rtlCol="0" anchor="ctr"/>
+            <a:lstStyle/>
+            <a:p>
+              <a:pPr algn="ctr"/>
+              <a:endParaRPr lang="en-US"/>
+            </a:p>
+          </p:txBody>
+        </p:sp>
+        <mc:AlternateContent xmlns:mc="http://schemas.openxmlformats.org/markup-compatibility/2006" xmlns:a14="http://schemas.microsoft.com/office/drawing/2010/main">
+          <mc:Choice Requires="a14">
+            <p:sp>
+              <p:nvSpPr>
+                <p:cNvPr id="22" name="TextBox 21"/>
+                <p:cNvSpPr txBox="1"/>
+                <p:nvPr/>
+              </p:nvSpPr>
+              <p:spPr>
+                <a:xfrm>
+                  <a:off x="1336072" y="4561902"/>
+                  <a:ext cx="1126270" cy="276999"/>
+                </a:xfrm>
+                <a:prstGeom prst="rect">
+                  <a:avLst/>
+                </a:prstGeom>
+                <a:noFill/>
+              </p:spPr>
+              <p:txBody>
+                <a:bodyPr wrap="none" lIns="0" tIns="0" rIns="0" bIns="0" rtlCol="0">
+                  <a:spAutoFit/>
+                </a:bodyPr>
+                <a:lstStyle/>
+                <a:p>
+                  <a:pPr/>
+                  <a14:m>
+                    <m:oMathPara xmlns:m="http://schemas.openxmlformats.org/officeDocument/2006/math">
+                      <m:oMathParaPr>
+                        <m:jc m:val="centerGroup"/>
+                      </m:oMathParaPr>
+                      <m:oMath xmlns:m="http://schemas.openxmlformats.org/officeDocument/2006/math">
+                        <m:r>
+                          <a:rPr lang="en-US" b="0" i="1" smtClean="0">
+                            <a:solidFill>
+                              <a:srgbClr val="FF0000"/>
+                            </a:solidFill>
+                            <a:latin typeface="Cambria Math" panose="02040503050406030204" pitchFamily="18" charset="0"/>
+                          </a:rPr>
+                          <m:t>𝑝</m:t>
+                        </m:r>
+                        <m:r>
+                          <a:rPr lang="en-US" b="0" i="1" smtClean="0">
+                            <a:solidFill>
+                              <a:srgbClr val="FF0000"/>
+                            </a:solidFill>
+                            <a:latin typeface="Cambria Math" panose="02040503050406030204" pitchFamily="18" charset="0"/>
+                          </a:rPr>
+                          <m:t>(</m:t>
+                        </m:r>
+                        <m:r>
+                          <a:rPr lang="en-US" b="0" i="1" smtClean="0">
+                            <a:solidFill>
+                              <a:srgbClr val="FF0000"/>
+                            </a:solidFill>
+                            <a:latin typeface="Cambria Math" panose="02040503050406030204" pitchFamily="18" charset="0"/>
+                          </a:rPr>
+                          <m:t>𝑥</m:t>
+                        </m:r>
+                        <m:r>
+                          <a:rPr lang="en-US" b="0" i="1" smtClean="0">
+                            <a:solidFill>
+                              <a:srgbClr val="FF0000"/>
+                            </a:solidFill>
+                            <a:latin typeface="Cambria Math" panose="02040503050406030204" pitchFamily="18" charset="0"/>
+                          </a:rPr>
+                          <m:t>|</m:t>
+                        </m:r>
+                        <m:r>
+                          <a:rPr lang="en-US" b="0" i="1" smtClean="0">
+                            <a:solidFill>
+                              <a:srgbClr val="FF0000"/>
+                            </a:solidFill>
+                            <a:latin typeface="Cambria Math" panose="02040503050406030204" pitchFamily="18" charset="0"/>
+                          </a:rPr>
+                          <m:t>𝑧</m:t>
+                        </m:r>
+                        <m:r>
+                          <a:rPr lang="en-US" b="0" i="1" smtClean="0">
+                            <a:solidFill>
+                              <a:srgbClr val="FF0000"/>
+                            </a:solidFill>
+                            <a:latin typeface="Cambria Math" panose="02040503050406030204" pitchFamily="18" charset="0"/>
+                          </a:rPr>
+                          <m:t>=1)</m:t>
+                        </m:r>
+                      </m:oMath>
+                    </m:oMathPara>
+                  </a14:m>
+                  <a:endParaRPr lang="en-US" dirty="0">
+                    <a:solidFill>
+                      <a:srgbClr val="FF0000"/>
+                    </a:solidFill>
+                  </a:endParaRPr>
+                </a:p>
+              </p:txBody>
+            </p:sp>
+          </mc:Choice>
+          <mc:Fallback xmlns="">
+            <p:sp>
+              <p:nvSpPr>
+                <p:cNvPr id="22" name="TextBox 21"/>
+                <p:cNvSpPr txBox="1">
+                  <a:spLocks noRot="1" noChangeAspect="1" noMove="1" noResize="1" noEditPoints="1" noAdjustHandles="1" noChangeArrowheads="1" noChangeShapeType="1" noTextEdit="1"/>
+                </p:cNvSpPr>
+                <p:nvPr/>
+              </p:nvSpPr>
+              <p:spPr>
+                <a:xfrm>
+                  <a:off x="1336072" y="4561902"/>
+                  <a:ext cx="1126270" cy="276999"/>
+                </a:xfrm>
+                <a:prstGeom prst="rect">
+                  <a:avLst/>
+                </a:prstGeom>
+                <a:blipFill rotWithShape="0">
+                  <a:blip r:embed="rId5"/>
+                  <a:stretch>
+                    <a:fillRect l="-4865" t="-2174" r="-7027" b="-32609"/>
+                  </a:stretch>
+                </a:blipFill>
+              </p:spPr>
+              <p:txBody>
+                <a:bodyPr/>
+                <a:lstStyle/>
+                <a:p>
+                  <a:r>
+                    <a:rPr lang="en-US">
+                      <a:noFill/>
+                    </a:rPr>
+                    <a:t> </a:t>
+                  </a:r>
+                </a:p>
+              </p:txBody>
+            </p:sp>
+          </mc:Fallback>
+        </mc:AlternateContent>
+      </p:grpSp>
+      <p:grpSp>
+        <p:nvGrpSpPr>
+          <p:cNvPr id="25" name="Group 24"/>
+          <p:cNvGrpSpPr/>
+          <p:nvPr/>
+        </p:nvGrpSpPr>
+        <p:grpSpPr>
+          <a:xfrm>
+            <a:off x="4616110" y="3706141"/>
+            <a:ext cx="2440304" cy="821009"/>
+            <a:chOff x="4616110" y="3706141"/>
+            <a:chExt cx="2440304" cy="821009"/>
+          </a:xfrm>
+        </p:grpSpPr>
+        <p:sp>
+          <p:nvSpPr>
+            <p:cNvPr id="20" name="Oval 19"/>
+            <p:cNvSpPr/>
+            <p:nvPr/>
+          </p:nvSpPr>
+          <p:spPr>
+            <a:xfrm rot="17725057">
+              <a:off x="4950594" y="3611772"/>
+              <a:ext cx="580894" cy="1249861"/>
+            </a:xfrm>
+            <a:prstGeom prst="ellipse">
+              <a:avLst/>
+            </a:prstGeom>
+            <a:noFill/>
+            <a:ln>
+              <a:solidFill>
+                <a:srgbClr val="00B050"/>
+              </a:solidFill>
+            </a:ln>
+          </p:spPr>
+          <p:style>
+            <a:lnRef idx="2">
+              <a:schemeClr val="accent1">
+                <a:shade val="50000"/>
+              </a:schemeClr>
+            </a:lnRef>
+            <a:fillRef idx="1">
+              <a:schemeClr val="accent1"/>
+            </a:fillRef>
+            <a:effectRef idx="0">
+              <a:schemeClr val="accent1"/>
+            </a:effectRef>
+            <a:fontRef idx="minor">
+              <a:schemeClr val="lt1"/>
+            </a:fontRef>
+          </p:style>
+          <p:txBody>
+            <a:bodyPr rtlCol="0" anchor="ctr"/>
+            <a:lstStyle/>
+            <a:p>
+              <a:pPr algn="ctr"/>
+              <a:endParaRPr lang="en-US"/>
+            </a:p>
+          </p:txBody>
+        </p:sp>
+        <mc:AlternateContent xmlns:mc="http://schemas.openxmlformats.org/markup-compatibility/2006" xmlns:a14="http://schemas.microsoft.com/office/drawing/2010/main">
+          <mc:Choice Requires="a14">
+            <p:sp>
+              <p:nvSpPr>
+                <p:cNvPr id="23" name="TextBox 22"/>
+                <p:cNvSpPr txBox="1"/>
+                <p:nvPr/>
+              </p:nvSpPr>
+              <p:spPr>
+                <a:xfrm>
+                  <a:off x="5930144" y="3706141"/>
+                  <a:ext cx="1126270" cy="276999"/>
+                </a:xfrm>
+                <a:prstGeom prst="rect">
+                  <a:avLst/>
+                </a:prstGeom>
+                <a:noFill/>
+              </p:spPr>
+              <p:txBody>
+                <a:bodyPr wrap="none" lIns="0" tIns="0" rIns="0" bIns="0" rtlCol="0">
+                  <a:spAutoFit/>
+                </a:bodyPr>
+                <a:lstStyle/>
+                <a:p>
+                  <a:pPr/>
+                  <a14:m>
+                    <m:oMathPara xmlns:m="http://schemas.openxmlformats.org/officeDocument/2006/math">
+                      <m:oMathParaPr>
+                        <m:jc m:val="centerGroup"/>
+                      </m:oMathParaPr>
+                      <m:oMath xmlns:m="http://schemas.openxmlformats.org/officeDocument/2006/math">
+                        <m:r>
+                          <a:rPr lang="en-US" b="0" i="1" smtClean="0">
+                            <a:solidFill>
+                              <a:srgbClr val="00B050"/>
+                            </a:solidFill>
+                            <a:latin typeface="Cambria Math" panose="02040503050406030204" pitchFamily="18" charset="0"/>
+                          </a:rPr>
+                          <m:t>𝑝</m:t>
+                        </m:r>
+                        <m:r>
+                          <a:rPr lang="en-US" b="0" i="1" smtClean="0">
+                            <a:solidFill>
+                              <a:srgbClr val="00B050"/>
+                            </a:solidFill>
+                            <a:latin typeface="Cambria Math" panose="02040503050406030204" pitchFamily="18" charset="0"/>
+                          </a:rPr>
+                          <m:t>(</m:t>
+                        </m:r>
+                        <m:r>
+                          <a:rPr lang="en-US" b="0" i="1" smtClean="0">
+                            <a:solidFill>
+                              <a:srgbClr val="00B050"/>
+                            </a:solidFill>
+                            <a:latin typeface="Cambria Math" panose="02040503050406030204" pitchFamily="18" charset="0"/>
+                          </a:rPr>
+                          <m:t>𝑥</m:t>
+                        </m:r>
+                        <m:r>
+                          <a:rPr lang="en-US" b="0" i="1" smtClean="0">
+                            <a:solidFill>
+                              <a:srgbClr val="00B050"/>
+                            </a:solidFill>
+                            <a:latin typeface="Cambria Math" panose="02040503050406030204" pitchFamily="18" charset="0"/>
+                          </a:rPr>
+                          <m:t>|</m:t>
+                        </m:r>
+                        <m:r>
+                          <a:rPr lang="en-US" b="0" i="1" smtClean="0">
+                            <a:solidFill>
+                              <a:srgbClr val="00B050"/>
+                            </a:solidFill>
+                            <a:latin typeface="Cambria Math" panose="02040503050406030204" pitchFamily="18" charset="0"/>
+                          </a:rPr>
+                          <m:t>𝑧</m:t>
+                        </m:r>
+                        <m:r>
+                          <a:rPr lang="en-US" b="0" i="1" smtClean="0">
+                            <a:solidFill>
+                              <a:srgbClr val="00B050"/>
+                            </a:solidFill>
+                            <a:latin typeface="Cambria Math" panose="02040503050406030204" pitchFamily="18" charset="0"/>
+                          </a:rPr>
+                          <m:t>=2)</m:t>
+                        </m:r>
+                      </m:oMath>
+                    </m:oMathPara>
+                  </a14:m>
+                  <a:endParaRPr lang="en-US" dirty="0">
+                    <a:solidFill>
+                      <a:srgbClr val="00B050"/>
+                    </a:solidFill>
+                  </a:endParaRPr>
+                </a:p>
+              </p:txBody>
+            </p:sp>
+          </mc:Choice>
+          <mc:Fallback xmlns="">
+            <p:sp>
+              <p:nvSpPr>
+                <p:cNvPr id="23" name="TextBox 22"/>
+                <p:cNvSpPr txBox="1">
+                  <a:spLocks noRot="1" noChangeAspect="1" noMove="1" noResize="1" noEditPoints="1" noAdjustHandles="1" noChangeArrowheads="1" noChangeShapeType="1" noTextEdit="1"/>
+                </p:cNvSpPr>
+                <p:nvPr/>
+              </p:nvSpPr>
+              <p:spPr>
+                <a:xfrm>
+                  <a:off x="5930144" y="3706141"/>
+                  <a:ext cx="1126270" cy="276999"/>
+                </a:xfrm>
+                <a:prstGeom prst="rect">
+                  <a:avLst/>
+                </a:prstGeom>
+                <a:blipFill rotWithShape="0">
+                  <a:blip r:embed="rId6"/>
+                  <a:stretch>
+                    <a:fillRect l="-4865" t="-2222" r="-7027" b="-35556"/>
+                  </a:stretch>
+                </a:blipFill>
+              </p:spPr>
+              <p:txBody>
+                <a:bodyPr/>
+                <a:lstStyle/>
+                <a:p>
+                  <a:r>
+                    <a:rPr lang="en-US">
+                      <a:noFill/>
+                    </a:rPr>
+                    <a:t> </a:t>
+                  </a:r>
+                </a:p>
+              </p:txBody>
+            </p:sp>
+          </mc:Fallback>
+        </mc:AlternateContent>
+      </p:grpSp>
+      <p:grpSp>
+        <p:nvGrpSpPr>
+          <p:cNvPr id="18" name="Group 17"/>
+          <p:cNvGrpSpPr/>
+          <p:nvPr/>
+        </p:nvGrpSpPr>
+        <p:grpSpPr>
+          <a:xfrm>
+            <a:off x="3923622" y="4828818"/>
+            <a:ext cx="2689346" cy="1604772"/>
+            <a:chOff x="3923622" y="4828818"/>
+            <a:chExt cx="2689346" cy="1604772"/>
+          </a:xfrm>
+        </p:grpSpPr>
+        <p:sp>
+          <p:nvSpPr>
+            <p:cNvPr id="21" name="Oval 20"/>
+            <p:cNvSpPr/>
+            <p:nvPr/>
+          </p:nvSpPr>
+          <p:spPr>
+            <a:xfrm rot="18244946">
+              <a:off x="4433253" y="4319187"/>
+              <a:ext cx="916862" cy="1936123"/>
+            </a:xfrm>
+            <a:prstGeom prst="ellipse">
+              <a:avLst/>
+            </a:prstGeom>
+            <a:noFill/>
+            <a:ln>
+              <a:solidFill>
+                <a:srgbClr val="0070C0"/>
+              </a:solidFill>
+            </a:ln>
+          </p:spPr>
+          <p:style>
+            <a:lnRef idx="2">
+              <a:schemeClr val="accent1">
+                <a:shade val="50000"/>
+              </a:schemeClr>
+            </a:lnRef>
+            <a:fillRef idx="1">
+              <a:schemeClr val="accent1"/>
+            </a:fillRef>
+            <a:effectRef idx="0">
+              <a:schemeClr val="accent1"/>
+            </a:effectRef>
+            <a:fontRef idx="minor">
+              <a:schemeClr val="lt1"/>
+            </a:fontRef>
+          </p:style>
+          <p:txBody>
+            <a:bodyPr rtlCol="0" anchor="ctr"/>
+            <a:lstStyle/>
+            <a:p>
+              <a:pPr algn="ctr"/>
+              <a:endParaRPr lang="en-US"/>
+            </a:p>
+          </p:txBody>
+        </p:sp>
+        <mc:AlternateContent xmlns:mc="http://schemas.openxmlformats.org/markup-compatibility/2006" xmlns:a14="http://schemas.microsoft.com/office/drawing/2010/main">
+          <mc:Choice Requires="a14">
+            <p:sp>
+              <p:nvSpPr>
+                <p:cNvPr id="24" name="TextBox 23"/>
+                <p:cNvSpPr txBox="1"/>
+                <p:nvPr/>
+              </p:nvSpPr>
+              <p:spPr>
+                <a:xfrm>
+                  <a:off x="5486698" y="6156591"/>
+                  <a:ext cx="1126270" cy="276999"/>
+                </a:xfrm>
+                <a:prstGeom prst="rect">
+                  <a:avLst/>
+                </a:prstGeom>
+                <a:noFill/>
+              </p:spPr>
+              <p:txBody>
+                <a:bodyPr wrap="none" lIns="0" tIns="0" rIns="0" bIns="0" rtlCol="0">
+                  <a:spAutoFit/>
+                </a:bodyPr>
+                <a:lstStyle/>
+                <a:p>
+                  <a:pPr/>
+                  <a14:m>
+                    <m:oMathPara xmlns:m="http://schemas.openxmlformats.org/officeDocument/2006/math">
+                      <m:oMathParaPr>
+                        <m:jc m:val="centerGroup"/>
+                      </m:oMathParaPr>
+                      <m:oMath xmlns:m="http://schemas.openxmlformats.org/officeDocument/2006/math">
+                        <m:r>
+                          <a:rPr lang="en-US" b="0" i="1" smtClean="0">
+                            <a:solidFill>
+                              <a:srgbClr val="0070C0"/>
+                            </a:solidFill>
+                            <a:latin typeface="Cambria Math" panose="02040503050406030204" pitchFamily="18" charset="0"/>
+                          </a:rPr>
+                          <m:t>𝑝</m:t>
+                        </m:r>
+                        <m:r>
+                          <a:rPr lang="en-US" b="0" i="1" smtClean="0">
+                            <a:solidFill>
+                              <a:srgbClr val="0070C0"/>
+                            </a:solidFill>
+                            <a:latin typeface="Cambria Math" panose="02040503050406030204" pitchFamily="18" charset="0"/>
+                          </a:rPr>
+                          <m:t>(</m:t>
+                        </m:r>
+                        <m:r>
+                          <a:rPr lang="en-US" b="0" i="1" smtClean="0">
+                            <a:solidFill>
+                              <a:srgbClr val="0070C0"/>
+                            </a:solidFill>
+                            <a:latin typeface="Cambria Math" panose="02040503050406030204" pitchFamily="18" charset="0"/>
+                          </a:rPr>
+                          <m:t>𝑥</m:t>
+                        </m:r>
+                        <m:r>
+                          <a:rPr lang="en-US" b="0" i="1" smtClean="0">
+                            <a:solidFill>
+                              <a:srgbClr val="0070C0"/>
+                            </a:solidFill>
+                            <a:latin typeface="Cambria Math" panose="02040503050406030204" pitchFamily="18" charset="0"/>
+                          </a:rPr>
+                          <m:t>|</m:t>
+                        </m:r>
+                        <m:r>
+                          <a:rPr lang="en-US" b="0" i="1" smtClean="0">
+                            <a:solidFill>
+                              <a:srgbClr val="0070C0"/>
+                            </a:solidFill>
+                            <a:latin typeface="Cambria Math" panose="02040503050406030204" pitchFamily="18" charset="0"/>
+                          </a:rPr>
+                          <m:t>𝑧</m:t>
+                        </m:r>
+                        <m:r>
+                          <a:rPr lang="en-US" b="0" i="1" smtClean="0">
+                            <a:solidFill>
+                              <a:srgbClr val="0070C0"/>
+                            </a:solidFill>
+                            <a:latin typeface="Cambria Math" panose="02040503050406030204" pitchFamily="18" charset="0"/>
+                          </a:rPr>
+                          <m:t>=3)</m:t>
+                        </m:r>
+                      </m:oMath>
+                    </m:oMathPara>
+                  </a14:m>
+                  <a:endParaRPr lang="en-US" dirty="0">
+                    <a:solidFill>
+                      <a:srgbClr val="0070C0"/>
+                    </a:solidFill>
+                  </a:endParaRPr>
+                </a:p>
+              </p:txBody>
+            </p:sp>
+          </mc:Choice>
+          <mc:Fallback xmlns="">
+            <p:sp>
+              <p:nvSpPr>
+                <p:cNvPr id="24" name="TextBox 23"/>
+                <p:cNvSpPr txBox="1">
+                  <a:spLocks noRot="1" noChangeAspect="1" noMove="1" noResize="1" noEditPoints="1" noAdjustHandles="1" noChangeArrowheads="1" noChangeShapeType="1" noTextEdit="1"/>
+                </p:cNvSpPr>
+                <p:nvPr/>
+              </p:nvSpPr>
+              <p:spPr>
+                <a:xfrm>
+                  <a:off x="5486698" y="6156591"/>
+                  <a:ext cx="1126270" cy="276999"/>
+                </a:xfrm>
+                <a:prstGeom prst="rect">
+                  <a:avLst/>
+                </a:prstGeom>
+                <a:blipFill rotWithShape="0">
+                  <a:blip r:embed="rId7"/>
+                  <a:stretch>
+                    <a:fillRect l="-4865" t="-2222" r="-7027" b="-35556"/>
+                  </a:stretch>
+                </a:blipFill>
+              </p:spPr>
+              <p:txBody>
+                <a:bodyPr/>
+                <a:lstStyle/>
+                <a:p>
+                  <a:r>
+                    <a:rPr lang="en-US">
+                      <a:noFill/>
+                    </a:rPr>
+                    <a:t> </a:t>
+                  </a:r>
+                </a:p>
+              </p:txBody>
+            </p:sp>
+          </mc:Fallback>
+        </mc:AlternateContent>
+      </p:grpSp>
+    </p:spTree>
+    <p:extLst>
+      <p:ext uri="{BB962C8B-B14F-4D97-AF65-F5344CB8AC3E}">
+        <p14:creationId xmlns:p14="http://schemas.microsoft.com/office/powerpoint/2010/main" val="3208608392"/>
+      </p:ext>
+    </p:extLst>
+  </p:cSld>
+  <p:clrMapOvr>
+    <a:masterClrMapping/>
+  </p:clrMapOvr>
+  <p:timing>
+    <p:tnLst>
+      <p:par>
+        <p:cTn id="1" dur="indefinite" restart="never" nodeType="tmRoot"/>
+      </p:par>
+    </p:tnLst>
+  </p:timing>
+</p:sld>
+</file>
+
+<file path=ppt/slides/slide19.xml><?xml version="1.0" encoding="utf-8"?>
+<p:sld xmlns:a="http://schemas.openxmlformats.org/drawingml/2006/main" xmlns:r="http://schemas.openxmlformats.org/officeDocument/2006/relationships" xmlns:p="http://schemas.openxmlformats.org/presentationml/2006/main">
+  <p:cSld>
+    <p:spTree>
+      <p:nvGrpSpPr>
+        <p:cNvPr id="1" name=""/>
+        <p:cNvGrpSpPr/>
+        <p:nvPr/>
+      </p:nvGrpSpPr>
+      <p:grpSpPr>
+        <a:xfrm>
+          <a:off x="0" y="0"/>
+          <a:ext cx="0" cy="0"/>
+          <a:chOff x="0" y="0"/>
+          <a:chExt cx="0" cy="0"/>
+        </a:xfrm>
+      </p:grpSpPr>
+      <p:sp>
+        <p:nvSpPr>
           <p:cNvPr id="89091" name="Rectangle 2"/>
           <p:cNvSpPr>
             <a:spLocks noGrp="1" noChangeArrowheads="1"/>
@@ -9463,8 +12539,13 @@
                 <a:pPr lvl="2"/>
                 <a:r>
                   <a:rPr lang="en-US" dirty="0" smtClean="0"/>
-                  <a:t>Maximum likelihood method</a:t>
+                  <a:t>Maximum likelihood </a:t>
                 </a:r>
+                <a:r>
+                  <a:rPr lang="en-US" dirty="0" smtClean="0"/>
+                  <a:t>estimator</a:t>
+                </a:r>
+                <a:endParaRPr lang="en-US" dirty="0" smtClean="0"/>
               </a:p>
               <a:p>
                 <a:pPr lvl="2"/>
@@ -9571,11 +12652,7 @@
                 </a:r>
                 <a:r>
                   <a:rPr lang="en-US" altLang="en-US" dirty="0" smtClean="0"/>
-                  <a:t>Z (</a:t>
-                </a:r>
-                <a:r>
-                  <a:rPr lang="en-US" altLang="en-US" dirty="0" smtClean="0"/>
-                  <a:t>hidden</a:t>
+                  <a:t>Z (hidden</a:t>
                 </a:r>
                 <a:r>
                   <a:rPr lang="en-US" altLang="en-US" dirty="0"/>
@@ -9827,7 +12904,7 @@
           <a:p>
             <a:fld id="{D4438207-9E20-42FC-82B6-02A8A94D7FE7}" type="slidenum">
               <a:rPr lang="en-US" smtClean="0"/>
-              <a:t>16</a:t>
+              <a:t>19</a:t>
             </a:fld>
             <a:endParaRPr lang="en-US" dirty="0"/>
           </a:p>
@@ -10138,7 +13215,212 @@
 </p:sld>
 </file>
 
-<file path=ppt/slides/slide17.xml><?xml version="1.0" encoding="utf-8"?>
+<file path=ppt/slides/slide2.xml><?xml version="1.0" encoding="utf-8"?>
+<p:sld xmlns:a="http://schemas.openxmlformats.org/drawingml/2006/main" xmlns:r="http://schemas.openxmlformats.org/officeDocument/2006/relationships" xmlns:p="http://schemas.openxmlformats.org/presentationml/2006/main">
+  <p:cSld>
+    <p:spTree>
+      <p:nvGrpSpPr>
+        <p:cNvPr id="1" name=""/>
+        <p:cNvGrpSpPr/>
+        <p:nvPr/>
+      </p:nvGrpSpPr>
+      <p:grpSpPr>
+        <a:xfrm>
+          <a:off x="0" y="0"/>
+          <a:ext cx="0" cy="0"/>
+          <a:chOff x="0" y="0"/>
+          <a:chExt cx="0" cy="0"/>
+        </a:xfrm>
+      </p:grpSpPr>
+      <p:sp>
+        <p:nvSpPr>
+          <p:cNvPr id="2" name="Title 1"/>
+          <p:cNvSpPr>
+            <a:spLocks noGrp="1"/>
+          </p:cNvSpPr>
+          <p:nvPr>
+            <p:ph type="title"/>
+          </p:nvPr>
+        </p:nvSpPr>
+        <p:spPr/>
+        <p:txBody>
+          <a:bodyPr/>
+          <a:lstStyle/>
+          <a:p>
+            <a:r>
+              <a:rPr lang="en-US" dirty="0"/>
+              <a:t>Today’s lecture</a:t>
+            </a:r>
+          </a:p>
+        </p:txBody>
+      </p:sp>
+      <p:sp>
+        <p:nvSpPr>
+          <p:cNvPr id="3" name="Content Placeholder 2"/>
+          <p:cNvSpPr>
+            <a:spLocks noGrp="1"/>
+          </p:cNvSpPr>
+          <p:nvPr>
+            <p:ph idx="1"/>
+          </p:nvPr>
+        </p:nvSpPr>
+        <p:spPr/>
+        <p:txBody>
+          <a:bodyPr/>
+          <a:lstStyle/>
+          <a:p>
+            <a:r>
+              <a:rPr lang="en-US" i="1" dirty="0" smtClean="0"/>
+              <a:t>k</a:t>
+            </a:r>
+            <a:r>
+              <a:rPr lang="en-US" dirty="0" smtClean="0"/>
+              <a:t>-means clustering </a:t>
+            </a:r>
+          </a:p>
+          <a:p>
+            <a:pPr lvl="1"/>
+            <a:r>
+              <a:rPr lang="en-US" dirty="0" smtClean="0"/>
+              <a:t>A typical </a:t>
+            </a:r>
+            <a:r>
+              <a:rPr lang="en-US" dirty="0" err="1" smtClean="0"/>
+              <a:t>partitional</a:t>
+            </a:r>
+            <a:r>
+              <a:rPr lang="en-US" dirty="0" smtClean="0"/>
+              <a:t> </a:t>
+            </a:r>
+            <a:r>
+              <a:rPr lang="en-US" dirty="0"/>
+              <a:t>clustering </a:t>
+            </a:r>
+            <a:r>
+              <a:rPr lang="en-US" dirty="0" smtClean="0"/>
+              <a:t>algorithm</a:t>
+            </a:r>
+          </a:p>
+          <a:p>
+            <a:pPr lvl="1"/>
+            <a:r>
+              <a:rPr lang="en-US" dirty="0" smtClean="0"/>
+              <a:t>Convergence property</a:t>
+            </a:r>
+          </a:p>
+          <a:p>
+            <a:pPr lvl="2"/>
+            <a:r>
+              <a:rPr lang="en-US" dirty="0" smtClean="0"/>
+              <a:t>Expectation Maximization algorithm</a:t>
+            </a:r>
+          </a:p>
+          <a:p>
+            <a:pPr lvl="1"/>
+            <a:r>
+              <a:rPr lang="en-US" dirty="0" smtClean="0"/>
+              <a:t>Gaussian mixture model</a:t>
+            </a:r>
+            <a:br>
+              <a:rPr lang="en-US" dirty="0" smtClean="0"/>
+            </a:br>
+            <a:r>
+              <a:rPr lang="en-US" dirty="0" smtClean="0"/>
+              <a:t>	</a:t>
+            </a:r>
+          </a:p>
+        </p:txBody>
+      </p:sp>
+      <p:sp>
+        <p:nvSpPr>
+          <p:cNvPr id="4" name="Date Placeholder 3"/>
+          <p:cNvSpPr>
+            <a:spLocks noGrp="1"/>
+          </p:cNvSpPr>
+          <p:nvPr>
+            <p:ph type="dt" sz="half" idx="10"/>
+          </p:nvPr>
+        </p:nvSpPr>
+        <p:spPr/>
+        <p:txBody>
+          <a:bodyPr/>
+          <a:lstStyle/>
+          <a:p>
+            <a:r>
+              <a:rPr lang="en-US" smtClean="0"/>
+              <a:t>CS@UVa</a:t>
+            </a:r>
+            <a:endParaRPr lang="en-US"/>
+          </a:p>
+        </p:txBody>
+      </p:sp>
+      <p:sp>
+        <p:nvSpPr>
+          <p:cNvPr id="5" name="Footer Placeholder 4"/>
+          <p:cNvSpPr>
+            <a:spLocks noGrp="1"/>
+          </p:cNvSpPr>
+          <p:nvPr>
+            <p:ph type="ftr" sz="quarter" idx="11"/>
+          </p:nvPr>
+        </p:nvSpPr>
+        <p:spPr/>
+        <p:txBody>
+          <a:bodyPr/>
+          <a:lstStyle/>
+          <a:p>
+            <a:r>
+              <a:rPr lang="en-US" smtClean="0"/>
+              <a:t>CS 6501: Text Mining</a:t>
+            </a:r>
+            <a:endParaRPr lang="en-US"/>
+          </a:p>
+        </p:txBody>
+      </p:sp>
+      <p:sp>
+        <p:nvSpPr>
+          <p:cNvPr id="6" name="Slide Number Placeholder 5"/>
+          <p:cNvSpPr>
+            <a:spLocks noGrp="1"/>
+          </p:cNvSpPr>
+          <p:nvPr>
+            <p:ph type="sldNum" sz="quarter" idx="12"/>
+          </p:nvPr>
+        </p:nvSpPr>
+        <p:spPr/>
+        <p:txBody>
+          <a:bodyPr/>
+          <a:lstStyle/>
+          <a:p>
+            <a:fld id="{352A74FD-6B0D-4729-BD55-80C1D3622ABF}" type="slidenum">
+              <a:rPr lang="en-US" smtClean="0"/>
+              <a:t>2</a:t>
+            </a:fld>
+            <a:endParaRPr lang="en-US"/>
+          </a:p>
+        </p:txBody>
+      </p:sp>
+    </p:spTree>
+    <p:extLst>
+      <p:ext uri="{BB962C8B-B14F-4D97-AF65-F5344CB8AC3E}">
+        <p14:creationId xmlns:p14="http://schemas.microsoft.com/office/powerpoint/2010/main" val="4027739531"/>
+      </p:ext>
+    </p:extLst>
+  </p:cSld>
+  <p:clrMapOvr>
+    <a:masterClrMapping/>
+  </p:clrMapOvr>
+  <p:timing>
+    <p:tnLst>
+      <p:par>
+        <p:cTn id="1" dur="indefinite" restart="never" nodeType="tmRoot"/>
+      </p:par>
+    </p:tnLst>
+  </p:timing>
+</p:sld>
+</file>
+
+<file path=ppt/slides/slide20.xml><?xml version="1.0" encoding="utf-8"?>
 <p:sld xmlns:a="http://schemas.openxmlformats.org/drawingml/2006/main" xmlns:r="http://schemas.openxmlformats.org/officeDocument/2006/relationships" xmlns:p="http://schemas.openxmlformats.org/presentationml/2006/main">
   <p:cSld>
     <p:spTree>
@@ -10356,7 +13638,7 @@
           <a:p>
             <a:fld id="{D4438207-9E20-42FC-82B6-02A8A94D7FE7}" type="slidenum">
               <a:rPr lang="en-US" smtClean="0"/>
-              <a:t>17</a:t>
+              <a:t>20</a:t>
             </a:fld>
             <a:endParaRPr lang="en-US"/>
           </a:p>
@@ -10817,7 +14099,7 @@
 </p:sld>
 </file>
 
-<file path=ppt/slides/slide18.xml><?xml version="1.0" encoding="utf-8"?>
+<file path=ppt/slides/slide21.xml><?xml version="1.0" encoding="utf-8"?>
 <p:sld xmlns:a="http://schemas.openxmlformats.org/drawingml/2006/main" xmlns:r="http://schemas.openxmlformats.org/officeDocument/2006/relationships" xmlns:p="http://schemas.openxmlformats.org/presentationml/2006/main">
   <p:cSld>
     <p:spTree>
@@ -11261,7 +14543,7 @@
           <a:p>
             <a:fld id="{D4438207-9E20-42FC-82B6-02A8A94D7FE7}" type="slidenum">
               <a:rPr lang="en-US" smtClean="0"/>
-              <a:t>18</a:t>
+              <a:t>21</a:t>
             </a:fld>
             <a:endParaRPr lang="en-US"/>
           </a:p>
@@ -12595,7 +15877,7 @@
 </p:sld>
 </file>
 
-<file path=ppt/slides/slide19.xml><?xml version="1.0" encoding="utf-8"?>
+<file path=ppt/slides/slide22.xml><?xml version="1.0" encoding="utf-8"?>
 <p:sld xmlns:a="http://schemas.openxmlformats.org/drawingml/2006/main" xmlns:r="http://schemas.openxmlformats.org/officeDocument/2006/relationships" xmlns:p="http://schemas.openxmlformats.org/presentationml/2006/main">
   <p:cSld>
     <p:spTree>
@@ -13298,7 +16580,7 @@
           <a:p>
             <a:fld id="{D4438207-9E20-42FC-82B6-02A8A94D7FE7}" type="slidenum">
               <a:rPr lang="en-US" smtClean="0"/>
-              <a:t>19</a:t>
+              <a:t>22</a:t>
             </a:fld>
             <a:endParaRPr lang="en-US"/>
           </a:p>
@@ -13863,212 +17145,7 @@
 </p:sld>
 </file>
 
-<file path=ppt/slides/slide2.xml><?xml version="1.0" encoding="utf-8"?>
-<p:sld xmlns:a="http://schemas.openxmlformats.org/drawingml/2006/main" xmlns:r="http://schemas.openxmlformats.org/officeDocument/2006/relationships" xmlns:p="http://schemas.openxmlformats.org/presentationml/2006/main">
-  <p:cSld>
-    <p:spTree>
-      <p:nvGrpSpPr>
-        <p:cNvPr id="1" name=""/>
-        <p:cNvGrpSpPr/>
-        <p:nvPr/>
-      </p:nvGrpSpPr>
-      <p:grpSpPr>
-        <a:xfrm>
-          <a:off x="0" y="0"/>
-          <a:ext cx="0" cy="0"/>
-          <a:chOff x="0" y="0"/>
-          <a:chExt cx="0" cy="0"/>
-        </a:xfrm>
-      </p:grpSpPr>
-      <p:sp>
-        <p:nvSpPr>
-          <p:cNvPr id="2" name="Title 1"/>
-          <p:cNvSpPr>
-            <a:spLocks noGrp="1"/>
-          </p:cNvSpPr>
-          <p:nvPr>
-            <p:ph type="title"/>
-          </p:nvPr>
-        </p:nvSpPr>
-        <p:spPr/>
-        <p:txBody>
-          <a:bodyPr/>
-          <a:lstStyle/>
-          <a:p>
-            <a:r>
-              <a:rPr lang="en-US" dirty="0"/>
-              <a:t>Today’s lecture</a:t>
-            </a:r>
-          </a:p>
-        </p:txBody>
-      </p:sp>
-      <p:sp>
-        <p:nvSpPr>
-          <p:cNvPr id="3" name="Content Placeholder 2"/>
-          <p:cNvSpPr>
-            <a:spLocks noGrp="1"/>
-          </p:cNvSpPr>
-          <p:nvPr>
-            <p:ph idx="1"/>
-          </p:nvPr>
-        </p:nvSpPr>
-        <p:spPr/>
-        <p:txBody>
-          <a:bodyPr/>
-          <a:lstStyle/>
-          <a:p>
-            <a:r>
-              <a:rPr lang="en-US" i="1" dirty="0" smtClean="0"/>
-              <a:t>k</a:t>
-            </a:r>
-            <a:r>
-              <a:rPr lang="en-US" dirty="0" smtClean="0"/>
-              <a:t>-means clustering </a:t>
-            </a:r>
-          </a:p>
-          <a:p>
-            <a:pPr lvl="1"/>
-            <a:r>
-              <a:rPr lang="en-US" dirty="0" smtClean="0"/>
-              <a:t>A typical </a:t>
-            </a:r>
-            <a:r>
-              <a:rPr lang="en-US" dirty="0" err="1" smtClean="0"/>
-              <a:t>partitional</a:t>
-            </a:r>
-            <a:r>
-              <a:rPr lang="en-US" dirty="0" smtClean="0"/>
-              <a:t> </a:t>
-            </a:r>
-            <a:r>
-              <a:rPr lang="en-US" dirty="0"/>
-              <a:t>clustering </a:t>
-            </a:r>
-            <a:r>
-              <a:rPr lang="en-US" dirty="0" smtClean="0"/>
-              <a:t>algorithm</a:t>
-            </a:r>
-          </a:p>
-          <a:p>
-            <a:pPr lvl="1"/>
-            <a:r>
-              <a:rPr lang="en-US" dirty="0" smtClean="0"/>
-              <a:t>Convergence property</a:t>
-            </a:r>
-          </a:p>
-          <a:p>
-            <a:pPr lvl="2"/>
-            <a:r>
-              <a:rPr lang="en-US" dirty="0" smtClean="0"/>
-              <a:t>Expectation Maximization algorithm</a:t>
-            </a:r>
-          </a:p>
-          <a:p>
-            <a:pPr lvl="1"/>
-            <a:r>
-              <a:rPr lang="en-US" dirty="0" smtClean="0"/>
-              <a:t>Gaussian mixture model</a:t>
-            </a:r>
-            <a:br>
-              <a:rPr lang="en-US" dirty="0" smtClean="0"/>
-            </a:br>
-            <a:r>
-              <a:rPr lang="en-US" dirty="0" smtClean="0"/>
-              <a:t>	</a:t>
-            </a:r>
-          </a:p>
-        </p:txBody>
-      </p:sp>
-      <p:sp>
-        <p:nvSpPr>
-          <p:cNvPr id="4" name="Date Placeholder 3"/>
-          <p:cNvSpPr>
-            <a:spLocks noGrp="1"/>
-          </p:cNvSpPr>
-          <p:nvPr>
-            <p:ph type="dt" sz="half" idx="10"/>
-          </p:nvPr>
-        </p:nvSpPr>
-        <p:spPr/>
-        <p:txBody>
-          <a:bodyPr/>
-          <a:lstStyle/>
-          <a:p>
-            <a:r>
-              <a:rPr lang="en-US" smtClean="0"/>
-              <a:t>CS@UVa</a:t>
-            </a:r>
-            <a:endParaRPr lang="en-US"/>
-          </a:p>
-        </p:txBody>
-      </p:sp>
-      <p:sp>
-        <p:nvSpPr>
-          <p:cNvPr id="5" name="Footer Placeholder 4"/>
-          <p:cNvSpPr>
-            <a:spLocks noGrp="1"/>
-          </p:cNvSpPr>
-          <p:nvPr>
-            <p:ph type="ftr" sz="quarter" idx="11"/>
-          </p:nvPr>
-        </p:nvSpPr>
-        <p:spPr/>
-        <p:txBody>
-          <a:bodyPr/>
-          <a:lstStyle/>
-          <a:p>
-            <a:r>
-              <a:rPr lang="en-US" smtClean="0"/>
-              <a:t>CS 6501: Text Mining</a:t>
-            </a:r>
-            <a:endParaRPr lang="en-US"/>
-          </a:p>
-        </p:txBody>
-      </p:sp>
-      <p:sp>
-        <p:nvSpPr>
-          <p:cNvPr id="6" name="Slide Number Placeholder 5"/>
-          <p:cNvSpPr>
-            <a:spLocks noGrp="1"/>
-          </p:cNvSpPr>
-          <p:nvPr>
-            <p:ph type="sldNum" sz="quarter" idx="12"/>
-          </p:nvPr>
-        </p:nvSpPr>
-        <p:spPr/>
-        <p:txBody>
-          <a:bodyPr/>
-          <a:lstStyle/>
-          <a:p>
-            <a:fld id="{352A74FD-6B0D-4729-BD55-80C1D3622ABF}" type="slidenum">
-              <a:rPr lang="en-US" smtClean="0"/>
-              <a:t>2</a:t>
-            </a:fld>
-            <a:endParaRPr lang="en-US"/>
-          </a:p>
-        </p:txBody>
-      </p:sp>
-    </p:spTree>
-    <p:extLst>
-      <p:ext uri="{BB962C8B-B14F-4D97-AF65-F5344CB8AC3E}">
-        <p14:creationId xmlns:p14="http://schemas.microsoft.com/office/powerpoint/2010/main" val="4027739531"/>
-      </p:ext>
-    </p:extLst>
-  </p:cSld>
-  <p:clrMapOvr>
-    <a:masterClrMapping/>
-  </p:clrMapOvr>
-  <p:timing>
-    <p:tnLst>
-      <p:par>
-        <p:cTn id="1" dur="indefinite" restart="never" nodeType="tmRoot"/>
-      </p:par>
-    </p:tnLst>
-  </p:timing>
-</p:sld>
-</file>
-
-<file path=ppt/slides/slide20.xml><?xml version="1.0" encoding="utf-8"?>
+<file path=ppt/slides/slide23.xml><?xml version="1.0" encoding="utf-8"?>
 <p:sld xmlns:a="http://schemas.openxmlformats.org/drawingml/2006/main" xmlns:r="http://schemas.openxmlformats.org/officeDocument/2006/relationships" xmlns:p="http://schemas.openxmlformats.org/presentationml/2006/main">
   <p:cSld>
     <p:spTree>
@@ -14523,7 +17600,7 @@
           <a:p>
             <a:fld id="{D4438207-9E20-42FC-82B6-02A8A94D7FE7}" type="slidenum">
               <a:rPr lang="en-US" smtClean="0"/>
-              <a:t>20</a:t>
+              <a:t>23</a:t>
             </a:fld>
             <a:endParaRPr lang="en-US"/>
           </a:p>
@@ -15192,14 +18269,14 @@
         </p:nvGrpSpPr>
         <p:grpSpPr>
           <a:xfrm>
-            <a:off x="934701" y="4049751"/>
-            <a:ext cx="4398033" cy="750332"/>
-            <a:chOff x="963283" y="5105400"/>
-            <a:chExt cx="4398033" cy="750332"/>
+            <a:off x="370707" y="4049751"/>
+            <a:ext cx="5135026" cy="750332"/>
+            <a:chOff x="226291" y="5105400"/>
+            <a:chExt cx="5135026" cy="750332"/>
           </a:xfrm>
         </p:grpSpPr>
-        <mc:AlternateContent xmlns:mc="http://schemas.openxmlformats.org/markup-compatibility/2006" xmlns:a14="http://schemas.microsoft.com/office/drawing/2010/main">
-          <mc:Choice Requires="a14">
+        <mc:AlternateContent xmlns:mc="http://schemas.openxmlformats.org/markup-compatibility/2006">
+          <mc:Choice xmlns:a14="http://schemas.microsoft.com/office/drawing/2010/main" Requires="a14">
             <p:sp>
               <p:nvSpPr>
                 <p:cNvPr id="10" name="TextBox 9"/>
@@ -15208,8 +18285,8 @@
               </p:nvSpPr>
               <p:spPr>
                 <a:xfrm>
-                  <a:off x="963283" y="5486400"/>
-                  <a:ext cx="4398033" cy="369332"/>
+                  <a:off x="226291" y="5486400"/>
+                  <a:ext cx="5135026" cy="369332"/>
                 </a:xfrm>
                 <a:prstGeom prst="rect">
                   <a:avLst/>
@@ -15228,7 +18305,23 @@
                         <a:srgbClr val="FF0000"/>
                       </a:solidFill>
                     </a:rPr>
-                    <a:t>KL-divergence between </a:t>
+                    <a:t>negative </a:t>
+                  </a:r>
+                  <a:r>
+                    <a:rPr lang="en-US" dirty="0" smtClean="0">
+                      <a:solidFill>
+                        <a:srgbClr val="FF0000"/>
+                      </a:solidFill>
+                    </a:rPr>
+                    <a:t>KL-divergence </a:t>
+                  </a:r>
+                  <a:r>
+                    <a:rPr lang="en-US" dirty="0" smtClean="0">
+                      <a:solidFill>
+                        <a:srgbClr val="FF0000"/>
+                      </a:solidFill>
+                    </a:rPr>
+                    <a:t>between </a:t>
                   </a:r>
                   <a14:m>
                     <m:oMath xmlns:m="http://schemas.openxmlformats.org/officeDocument/2006/math">
@@ -15360,7 +18453,7 @@
               </p:txBody>
             </p:sp>
           </mc:Choice>
-          <mc:Fallback xmlns="">
+          <mc:Fallback>
             <p:sp>
               <p:nvSpPr>
                 <p:cNvPr id="10" name="TextBox 9"/>
@@ -15371,8 +18464,8 @@
               </p:nvSpPr>
               <p:spPr>
                 <a:xfrm>
-                  <a:off x="963283" y="5486400"/>
-                  <a:ext cx="4398033" cy="369332"/>
+                  <a:off x="226291" y="5486400"/>
+                  <a:ext cx="5135026" cy="369332"/>
                 </a:xfrm>
                 <a:prstGeom prst="rect">
                   <a:avLst/>
@@ -15380,7 +18473,7 @@
                 <a:blipFill rotWithShape="0">
                   <a:blip r:embed="rId5"/>
                   <a:stretch>
-                    <a:fillRect l="-1108" t="-10000" b="-26667"/>
+                    <a:fillRect l="-1069" t="-10000" b="-26667"/>
                   </a:stretch>
                 </a:blipFill>
               </p:spPr>
@@ -15408,9 +18501,9 @@
             <p:nvPr/>
           </p:nvCxnSpPr>
           <p:spPr>
-            <a:xfrm flipH="1" flipV="1">
-              <a:off x="3162299" y="5105400"/>
-              <a:ext cx="1" cy="381000"/>
+            <a:xfrm flipV="1">
+              <a:off x="2793804" y="5105400"/>
+              <a:ext cx="368496" cy="381000"/>
             </a:xfrm>
             <a:prstGeom prst="straightConnector1">
               <a:avLst/>
@@ -15446,7 +18539,7 @@
         </p:nvGrpSpPr>
         <p:grpSpPr>
           <a:xfrm>
-            <a:off x="5154668" y="4071718"/>
+            <a:off x="5533609" y="4071718"/>
             <a:ext cx="3200400" cy="718066"/>
             <a:chOff x="5541033" y="5105400"/>
             <a:chExt cx="3200400" cy="718066"/>
@@ -16498,7 +19591,7 @@
 </p:sld>
 </file>
 
-<file path=ppt/slides/slide21.xml><?xml version="1.0" encoding="utf-8"?>
+<file path=ppt/slides/slide24.xml><?xml version="1.0" encoding="utf-8"?>
 <p:sld xmlns:a="http://schemas.openxmlformats.org/drawingml/2006/main" xmlns:r="http://schemas.openxmlformats.org/officeDocument/2006/relationships" xmlns:p="http://schemas.openxmlformats.org/presentationml/2006/main">
   <p:cSld>
     <p:spTree>
@@ -17225,7 +20318,7 @@
           <a:p>
             <a:fld id="{D4438207-9E20-42FC-82B6-02A8A94D7FE7}" type="slidenum">
               <a:rPr lang="en-US" smtClean="0"/>
-              <a:t>21</a:t>
+              <a:t>24</a:t>
             </a:fld>
             <a:endParaRPr lang="en-US"/>
           </a:p>
@@ -17470,7 +20563,7 @@
 </p:sld>
 </file>
 
-<file path=ppt/slides/slide22.xml><?xml version="1.0" encoding="utf-8"?>
+<file path=ppt/slides/slide25.xml><?xml version="1.0" encoding="utf-8"?>
 <p:sld xmlns:a="http://schemas.openxmlformats.org/drawingml/2006/main" xmlns:r="http://schemas.openxmlformats.org/officeDocument/2006/relationships" xmlns:p="http://schemas.openxmlformats.org/presentationml/2006/main">
   <p:cSld>
     <p:spTree>
@@ -17782,7 +20875,7 @@
           <a:p>
             <a:fld id="{D4438207-9E20-42FC-82B6-02A8A94D7FE7}" type="slidenum">
               <a:rPr lang="en-US" smtClean="0"/>
-              <a:t>22</a:t>
+              <a:t>25</a:t>
             </a:fld>
             <a:endParaRPr lang="en-US"/>
           </a:p>
@@ -18477,7 +21570,7 @@
 </p:sld>
 </file>
 
-<file path=ppt/slides/slide23.xml><?xml version="1.0" encoding="utf-8"?>
+<file path=ppt/slides/slide26.xml><?xml version="1.0" encoding="utf-8"?>
 <p:sld xmlns:a="http://schemas.openxmlformats.org/drawingml/2006/main" xmlns:r="http://schemas.openxmlformats.org/officeDocument/2006/relationships" xmlns:p="http://schemas.openxmlformats.org/presentationml/2006/main">
   <p:cSld>
     <p:spTree>
@@ -19291,7 +22384,7 @@
           <a:p>
             <a:fld id="{D4438207-9E20-42FC-82B6-02A8A94D7FE7}" type="slidenum">
               <a:rPr lang="en-US" smtClean="0"/>
-              <a:t>23</a:t>
+              <a:t>26</a:t>
             </a:fld>
             <a:endParaRPr lang="en-US"/>
           </a:p>
@@ -20496,7 +23589,7 @@
 </p:sld>
 </file>
 
-<file path=ppt/slides/slide24.xml><?xml version="1.0" encoding="utf-8"?>
+<file path=ppt/slides/slide27.xml><?xml version="1.0" encoding="utf-8"?>
 <p:sld xmlns:a="http://schemas.openxmlformats.org/drawingml/2006/main" xmlns:r="http://schemas.openxmlformats.org/officeDocument/2006/relationships" xmlns:p="http://schemas.openxmlformats.org/presentationml/2006/main">
   <p:cSld>
     <p:spTree>
@@ -20535,8 +23628,8 @@
           </a:p>
         </p:txBody>
       </p:sp>
-      <mc:AlternateContent xmlns:mc="http://schemas.openxmlformats.org/markup-compatibility/2006" xmlns:a14="http://schemas.microsoft.com/office/drawing/2010/main">
-        <mc:Choice Requires="a14">
+      <mc:AlternateContent xmlns:mc="http://schemas.openxmlformats.org/markup-compatibility/2006">
+        <mc:Choice xmlns:a14="http://schemas.microsoft.com/office/drawing/2010/main" Requires="a14">
           <p:sp>
             <p:nvSpPr>
               <p:cNvPr id="13" name="Content Placeholder 12"/>
@@ -20660,7 +23753,7 @@
                       <a:rPr lang="en-US" altLang="en-US" dirty="0">
                         <a:latin typeface="Cambria Math"/>
                       </a:rPr>
-                      <m:t>| </m:t>
+                      <m:t>|</m:t>
                     </m:r>
                     <m:r>
                       <a:rPr lang="en-US" altLang="en-US" dirty="0">
@@ -20796,7 +23889,7 @@
             </p:txBody>
           </p:sp>
         </mc:Choice>
-        <mc:Fallback xmlns="">
+        <mc:Fallback>
           <p:sp>
             <p:nvSpPr>
               <p:cNvPr id="13" name="Content Placeholder 12"/>
@@ -20893,14 +23986,14 @@
           <a:p>
             <a:fld id="{D4438207-9E20-42FC-82B6-02A8A94D7FE7}" type="slidenum">
               <a:rPr lang="en-US" smtClean="0"/>
-              <a:t>24</a:t>
+              <a:t>27</a:t>
             </a:fld>
             <a:endParaRPr lang="en-US"/>
           </a:p>
         </p:txBody>
       </p:sp>
-      <mc:AlternateContent xmlns:mc="http://schemas.openxmlformats.org/markup-compatibility/2006" xmlns:a14="http://schemas.microsoft.com/office/drawing/2010/main">
-        <mc:Choice Requires="a14">
+      <mc:AlternateContent xmlns:mc="http://schemas.openxmlformats.org/markup-compatibility/2006">
+        <mc:Choice xmlns:a14="http://schemas.microsoft.com/office/drawing/2010/main" Requires="a14">
           <p:sp>
             <p:nvSpPr>
               <p:cNvPr id="2" name="TextBox 1"/>
@@ -20910,7 +24003,7 @@
             <p:spPr>
               <a:xfrm>
                 <a:off x="1101710" y="3934770"/>
-                <a:ext cx="7585090" cy="773097"/>
+                <a:ext cx="7460889" cy="773097"/>
               </a:xfrm>
               <a:prstGeom prst="rect">
                 <a:avLst/>
@@ -21267,31 +24360,12 @@
                               </m:r>
                             </m:e>
                             <m:e>
-                              <m:sSup>
-                                <m:sSupPr>
-                                  <m:ctrlPr>
-                                    <a:rPr lang="en-US" sz="2400" b="0" i="1" smtClean="0">
-                                      <a:latin typeface="Cambria Math" panose="02040503050406030204" pitchFamily="18" charset="0"/>
-                                    </a:rPr>
-                                  </m:ctrlPr>
-                                </m:sSupPr>
-                                <m:e>
-                                  <m:r>
-                                    <a:rPr lang="en-US" sz="2400" b="0" i="1" smtClean="0">
-                                      <a:latin typeface="Cambria Math"/>
-                                    </a:rPr>
-                                    <m:t>𝜃</m:t>
-                                  </m:r>
-                                </m:e>
-                                <m:sup>
-                                  <m:r>
-                                    <a:rPr lang="en-US" sz="2400" b="0" i="1" smtClean="0">
-                                      <a:latin typeface="Cambria Math"/>
-                                    </a:rPr>
-                                    <m:t>𝑡</m:t>
-                                  </m:r>
-                                </m:sup>
-                              </m:sSup>
+                              <m:r>
+                                <a:rPr lang="en-US" sz="2400" b="0" i="1" smtClean="0">
+                                  <a:latin typeface="Cambria Math" panose="02040503050406030204" pitchFamily="18" charset="0"/>
+                                </a:rPr>
+                                <m:t>𝜃</m:t>
+                              </m:r>
                             </m:e>
                           </m:d>
                         </m:e>
@@ -21304,7 +24378,7 @@
             </p:txBody>
           </p:sp>
         </mc:Choice>
-        <mc:Fallback xmlns="">
+        <mc:Fallback>
           <p:sp>
             <p:nvSpPr>
               <p:cNvPr id="2" name="TextBox 1"/>
@@ -21316,7 +24390,7 @@
             <p:spPr>
               <a:xfrm>
                 <a:off x="1101710" y="3934770"/>
-                <a:ext cx="7585090" cy="773097"/>
+                <a:ext cx="7460889" cy="773097"/>
               </a:xfrm>
               <a:prstGeom prst="rect">
                 <a:avLst/>
@@ -21748,7 +24822,7 @@
 </p:sld>
 </file>
 
-<file path=ppt/slides/slide25.xml><?xml version="1.0" encoding="utf-8"?>
+<file path=ppt/slides/slide28.xml><?xml version="1.0" encoding="utf-8"?>
 <p:sld xmlns:a="http://schemas.openxmlformats.org/drawingml/2006/main" xmlns:r="http://schemas.openxmlformats.org/officeDocument/2006/relationships" xmlns:p="http://schemas.openxmlformats.org/presentationml/2006/main">
   <p:cSld>
     <p:spTree>
@@ -21906,7 +24980,7 @@
             <a:fld id="{87609FA8-9FC5-4BB7-93A4-52C6D4E75633}" type="slidenum">
               <a:rPr lang="en-US" altLang="en-US" sz="1400" b="0"/>
               <a:pPr/>
-              <a:t>25</a:t>
+              <a:t>28</a:t>
             </a:fld>
             <a:endParaRPr lang="en-US" altLang="en-US" sz="1400" b="0"/>
           </a:p>
@@ -23885,7 +26959,7 @@
 </p:sld>
 </file>
 
-<file path=ppt/slides/slide26.xml><?xml version="1.0" encoding="utf-8"?>
+<file path=ppt/slides/slide29.xml><?xml version="1.0" encoding="utf-8"?>
 <p:sld xmlns:a="http://schemas.openxmlformats.org/drawingml/2006/main" xmlns:r="http://schemas.openxmlformats.org/officeDocument/2006/relationships" xmlns:p="http://schemas.openxmlformats.org/presentationml/2006/main">
   <p:cSld>
     <p:spTree>
@@ -24010,7 +27084,7 @@
           <a:p>
             <a:fld id="{D4438207-9E20-42FC-82B6-02A8A94D7FE7}" type="slidenum">
               <a:rPr lang="en-US" smtClean="0"/>
-              <a:t>26</a:t>
+              <a:t>29</a:t>
             </a:fld>
             <a:endParaRPr lang="en-US"/>
           </a:p>
@@ -26811,7 +29885,632 @@
 </p:sld>
 </file>
 
-<file path=ppt/slides/slide27.xml><?xml version="1.0" encoding="utf-8"?>
+<file path=ppt/slides/slide3.xml><?xml version="1.0" encoding="utf-8"?>
+<p:sld xmlns:a="http://schemas.openxmlformats.org/drawingml/2006/main" xmlns:r="http://schemas.openxmlformats.org/officeDocument/2006/relationships" xmlns:p="http://schemas.openxmlformats.org/presentationml/2006/main">
+  <p:cSld>
+    <p:spTree>
+      <p:nvGrpSpPr>
+        <p:cNvPr id="1" name=""/>
+        <p:cNvGrpSpPr/>
+        <p:nvPr/>
+      </p:nvGrpSpPr>
+      <p:grpSpPr>
+        <a:xfrm>
+          <a:off x="0" y="0"/>
+          <a:ext cx="0" cy="0"/>
+          <a:chOff x="0" y="0"/>
+          <a:chExt cx="0" cy="0"/>
+        </a:xfrm>
+      </p:grpSpPr>
+      <p:sp>
+        <p:nvSpPr>
+          <p:cNvPr id="2" name="Title 1"/>
+          <p:cNvSpPr>
+            <a:spLocks noGrp="1"/>
+          </p:cNvSpPr>
+          <p:nvPr>
+            <p:ph type="title"/>
+          </p:nvPr>
+        </p:nvSpPr>
+        <p:spPr/>
+        <p:txBody>
+          <a:bodyPr>
+            <a:normAutofit/>
+          </a:bodyPr>
+          <a:lstStyle/>
+          <a:p>
+            <a:r>
+              <a:rPr lang="en-US" dirty="0" err="1"/>
+              <a:t>Partitional</a:t>
+            </a:r>
+            <a:r>
+              <a:rPr lang="en-US" dirty="0"/>
+              <a:t> clustering </a:t>
+            </a:r>
+            <a:r>
+              <a:rPr lang="en-US" dirty="0" smtClean="0"/>
+              <a:t>algorithms</a:t>
+            </a:r>
+            <a:endParaRPr lang="en-US" dirty="0"/>
+          </a:p>
+        </p:txBody>
+      </p:sp>
+      <p:sp>
+        <p:nvSpPr>
+          <p:cNvPr id="3" name="Content Placeholder 2"/>
+          <p:cNvSpPr>
+            <a:spLocks noGrp="1"/>
+          </p:cNvSpPr>
+          <p:nvPr>
+            <p:ph idx="1"/>
+          </p:nvPr>
+        </p:nvSpPr>
+        <p:spPr/>
+        <p:txBody>
+          <a:bodyPr/>
+          <a:lstStyle/>
+          <a:p>
+            <a:r>
+              <a:rPr lang="en-US" dirty="0" smtClean="0"/>
+              <a:t>Partition instances into exactly </a:t>
+            </a:r>
+            <a:r>
+              <a:rPr lang="en-US" i="1" dirty="0" smtClean="0"/>
+              <a:t>k</a:t>
+            </a:r>
+            <a:r>
+              <a:rPr lang="en-US" dirty="0" smtClean="0"/>
+              <a:t> non-overlapping clusters</a:t>
+            </a:r>
+          </a:p>
+          <a:p>
+            <a:pPr lvl="1"/>
+            <a:r>
+              <a:rPr lang="en-US" dirty="0" smtClean="0"/>
+              <a:t>Flat structure clustering</a:t>
+            </a:r>
+          </a:p>
+          <a:p>
+            <a:pPr lvl="1"/>
+            <a:r>
+              <a:rPr lang="en-US" dirty="0" smtClean="0"/>
+              <a:t>Users need to specify the cluster size </a:t>
+            </a:r>
+            <a:r>
+              <a:rPr lang="en-US" i="1" dirty="0" smtClean="0"/>
+              <a:t>k</a:t>
+            </a:r>
+          </a:p>
+          <a:p>
+            <a:pPr lvl="1"/>
+            <a:r>
+              <a:rPr lang="en-US" dirty="0" smtClean="0"/>
+              <a:t>Task</a:t>
+            </a:r>
+            <a:r>
+              <a:rPr lang="en-US" dirty="0"/>
+              <a:t>: identify the partition of </a:t>
+            </a:r>
+            <a:r>
+              <a:rPr lang="en-US" i="1" dirty="0"/>
+              <a:t>k</a:t>
+            </a:r>
+            <a:r>
+              <a:rPr lang="en-US" dirty="0"/>
+              <a:t> clusters that optimize the chosen partition criterion</a:t>
+            </a:r>
+          </a:p>
+          <a:p>
+            <a:pPr lvl="1"/>
+            <a:endParaRPr lang="en-US" i="1" dirty="0"/>
+          </a:p>
+        </p:txBody>
+      </p:sp>
+      <p:sp>
+        <p:nvSpPr>
+          <p:cNvPr id="4" name="Date Placeholder 3"/>
+          <p:cNvSpPr>
+            <a:spLocks noGrp="1"/>
+          </p:cNvSpPr>
+          <p:nvPr>
+            <p:ph type="dt" sz="half" idx="10"/>
+          </p:nvPr>
+        </p:nvSpPr>
+        <p:spPr/>
+        <p:txBody>
+          <a:bodyPr/>
+          <a:lstStyle/>
+          <a:p>
+            <a:r>
+              <a:rPr lang="en-US" smtClean="0"/>
+              <a:t>CS@UVa</a:t>
+            </a:r>
+            <a:endParaRPr lang="en-US"/>
+          </a:p>
+        </p:txBody>
+      </p:sp>
+      <p:sp>
+        <p:nvSpPr>
+          <p:cNvPr id="5" name="Footer Placeholder 4"/>
+          <p:cNvSpPr>
+            <a:spLocks noGrp="1"/>
+          </p:cNvSpPr>
+          <p:nvPr>
+            <p:ph type="ftr" sz="quarter" idx="11"/>
+          </p:nvPr>
+        </p:nvSpPr>
+        <p:spPr/>
+        <p:txBody>
+          <a:bodyPr/>
+          <a:lstStyle/>
+          <a:p>
+            <a:r>
+              <a:rPr lang="en-US" smtClean="0"/>
+              <a:t>CS 6501: Text Mining</a:t>
+            </a:r>
+            <a:endParaRPr lang="en-US"/>
+          </a:p>
+        </p:txBody>
+      </p:sp>
+      <p:sp>
+        <p:nvSpPr>
+          <p:cNvPr id="6" name="Slide Number Placeholder 5"/>
+          <p:cNvSpPr>
+            <a:spLocks noGrp="1"/>
+          </p:cNvSpPr>
+          <p:nvPr>
+            <p:ph type="sldNum" sz="quarter" idx="12"/>
+          </p:nvPr>
+        </p:nvSpPr>
+        <p:spPr/>
+        <p:txBody>
+          <a:bodyPr/>
+          <a:lstStyle/>
+          <a:p>
+            <a:fld id="{64B9C3A9-27DF-40B5-9FC7-1DF96985BC5A}" type="slidenum">
+              <a:rPr lang="en-US" smtClean="0"/>
+              <a:t>3</a:t>
+            </a:fld>
+            <a:endParaRPr lang="en-US"/>
+          </a:p>
+        </p:txBody>
+      </p:sp>
+      <p:grpSp>
+        <p:nvGrpSpPr>
+          <p:cNvPr id="16" name="Group 15"/>
+          <p:cNvGrpSpPr/>
+          <p:nvPr/>
+        </p:nvGrpSpPr>
+        <p:grpSpPr>
+          <a:xfrm>
+            <a:off x="2317173" y="3665268"/>
+            <a:ext cx="4374572" cy="1280601"/>
+            <a:chOff x="2317173" y="3665268"/>
+            <a:chExt cx="4374572" cy="1280601"/>
+          </a:xfrm>
+        </p:grpSpPr>
+        <p:pic>
+          <p:nvPicPr>
+            <p:cNvPr id="7" name="Picture 6"/>
+            <p:cNvPicPr>
+              <a:picLocks noChangeAspect="1"/>
+            </p:cNvPicPr>
+            <p:nvPr/>
+          </p:nvPicPr>
+          <p:blipFill>
+            <a:blip r:embed="rId2"/>
+            <a:stretch>
+              <a:fillRect/>
+            </a:stretch>
+          </p:blipFill>
+          <p:spPr>
+            <a:xfrm>
+              <a:off x="2590800" y="3665268"/>
+              <a:ext cx="863043" cy="1268674"/>
+            </a:xfrm>
+            <a:prstGeom prst="rect">
+              <a:avLst/>
+            </a:prstGeom>
+          </p:spPr>
+        </p:pic>
+        <p:pic>
+          <p:nvPicPr>
+            <p:cNvPr id="8" name="Picture 7"/>
+            <p:cNvPicPr>
+              <a:picLocks noChangeAspect="1"/>
+            </p:cNvPicPr>
+            <p:nvPr/>
+          </p:nvPicPr>
+          <p:blipFill>
+            <a:blip r:embed="rId3"/>
+            <a:stretch>
+              <a:fillRect/>
+            </a:stretch>
+          </p:blipFill>
+          <p:spPr>
+            <a:xfrm>
+              <a:off x="3727438" y="3678038"/>
+              <a:ext cx="621391" cy="1260043"/>
+            </a:xfrm>
+            <a:prstGeom prst="rect">
+              <a:avLst/>
+            </a:prstGeom>
+          </p:spPr>
+        </p:pic>
+        <p:pic>
+          <p:nvPicPr>
+            <p:cNvPr id="9" name="Picture 8"/>
+            <p:cNvPicPr>
+              <a:picLocks noChangeAspect="1"/>
+            </p:cNvPicPr>
+            <p:nvPr/>
+          </p:nvPicPr>
+          <p:blipFill>
+            <a:blip r:embed="rId4"/>
+            <a:stretch>
+              <a:fillRect/>
+            </a:stretch>
+          </p:blipFill>
+          <p:spPr>
+            <a:xfrm>
+              <a:off x="4664665" y="3763501"/>
+              <a:ext cx="716326" cy="1182368"/>
+            </a:xfrm>
+            <a:prstGeom prst="rect">
+              <a:avLst/>
+            </a:prstGeom>
+          </p:spPr>
+        </p:pic>
+        <p:pic>
+          <p:nvPicPr>
+            <p:cNvPr id="10" name="Picture 9"/>
+            <p:cNvPicPr>
+              <a:picLocks noChangeAspect="1"/>
+            </p:cNvPicPr>
+            <p:nvPr/>
+          </p:nvPicPr>
+          <p:blipFill>
+            <a:blip r:embed="rId5"/>
+            <a:stretch>
+              <a:fillRect/>
+            </a:stretch>
+          </p:blipFill>
+          <p:spPr>
+            <a:xfrm>
+              <a:off x="5819529" y="3720224"/>
+              <a:ext cx="655913" cy="1199630"/>
+            </a:xfrm>
+            <a:prstGeom prst="rect">
+              <a:avLst/>
+            </a:prstGeom>
+          </p:spPr>
+        </p:pic>
+        <p:sp>
+          <p:nvSpPr>
+            <p:cNvPr id="14" name="Rectangle 13"/>
+            <p:cNvSpPr/>
+            <p:nvPr/>
+          </p:nvSpPr>
+          <p:spPr>
+            <a:xfrm>
+              <a:off x="2317173" y="3665268"/>
+              <a:ext cx="4374572" cy="1280601"/>
+            </a:xfrm>
+            <a:prstGeom prst="rect">
+              <a:avLst/>
+            </a:prstGeom>
+            <a:noFill/>
+            <a:ln>
+              <a:prstDash val="dash"/>
+            </a:ln>
+          </p:spPr>
+          <p:style>
+            <a:lnRef idx="2">
+              <a:schemeClr val="accent1">
+                <a:shade val="50000"/>
+              </a:schemeClr>
+            </a:lnRef>
+            <a:fillRef idx="1">
+              <a:schemeClr val="accent1"/>
+            </a:fillRef>
+            <a:effectRef idx="0">
+              <a:schemeClr val="accent1"/>
+            </a:effectRef>
+            <a:fontRef idx="minor">
+              <a:schemeClr val="lt1"/>
+            </a:fontRef>
+          </p:style>
+          <p:txBody>
+            <a:bodyPr rtlCol="0" anchor="ctr"/>
+            <a:lstStyle/>
+            <a:p>
+              <a:pPr algn="ctr"/>
+              <a:endParaRPr lang="en-US"/>
+            </a:p>
+          </p:txBody>
+        </p:sp>
+      </p:grpSp>
+      <p:grpSp>
+        <p:nvGrpSpPr>
+          <p:cNvPr id="17" name="Group 16"/>
+          <p:cNvGrpSpPr/>
+          <p:nvPr/>
+        </p:nvGrpSpPr>
+        <p:grpSpPr>
+          <a:xfrm>
+            <a:off x="2317173" y="5034858"/>
+            <a:ext cx="4374572" cy="1380868"/>
+            <a:chOff x="2317173" y="5034858"/>
+            <a:chExt cx="4374572" cy="1380868"/>
+          </a:xfrm>
+        </p:grpSpPr>
+        <p:pic>
+          <p:nvPicPr>
+            <p:cNvPr id="11" name="Picture 10"/>
+            <p:cNvPicPr>
+              <a:picLocks noChangeAspect="1"/>
+            </p:cNvPicPr>
+            <p:nvPr/>
+          </p:nvPicPr>
+          <p:blipFill>
+            <a:blip r:embed="rId6"/>
+            <a:stretch>
+              <a:fillRect/>
+            </a:stretch>
+          </p:blipFill>
+          <p:spPr>
+            <a:xfrm>
+              <a:off x="2916549" y="5136106"/>
+              <a:ext cx="768108" cy="1216891"/>
+            </a:xfrm>
+            <a:prstGeom prst="rect">
+              <a:avLst/>
+            </a:prstGeom>
+          </p:spPr>
+        </p:pic>
+        <p:pic>
+          <p:nvPicPr>
+            <p:cNvPr id="12" name="Picture 11"/>
+            <p:cNvPicPr>
+              <a:picLocks noChangeAspect="1"/>
+            </p:cNvPicPr>
+            <p:nvPr/>
+          </p:nvPicPr>
+          <p:blipFill>
+            <a:blip r:embed="rId7"/>
+            <a:stretch>
+              <a:fillRect/>
+            </a:stretch>
+          </p:blipFill>
+          <p:spPr>
+            <a:xfrm>
+              <a:off x="4062804" y="5034858"/>
+              <a:ext cx="509196" cy="1380868"/>
+            </a:xfrm>
+            <a:prstGeom prst="rect">
+              <a:avLst/>
+            </a:prstGeom>
+          </p:spPr>
+        </p:pic>
+        <p:pic>
+          <p:nvPicPr>
+            <p:cNvPr id="13" name="Picture 12"/>
+            <p:cNvPicPr>
+              <a:picLocks noChangeAspect="1"/>
+            </p:cNvPicPr>
+            <p:nvPr/>
+          </p:nvPicPr>
+          <p:blipFill>
+            <a:blip r:embed="rId8"/>
+            <a:stretch>
+              <a:fillRect/>
+            </a:stretch>
+          </p:blipFill>
+          <p:spPr>
+            <a:xfrm>
+              <a:off x="5131202" y="5102516"/>
+              <a:ext cx="863043" cy="1268674"/>
+            </a:xfrm>
+            <a:prstGeom prst="rect">
+              <a:avLst/>
+            </a:prstGeom>
+          </p:spPr>
+        </p:pic>
+        <p:sp>
+          <p:nvSpPr>
+            <p:cNvPr id="15" name="Rectangle 14"/>
+            <p:cNvSpPr/>
+            <p:nvPr/>
+          </p:nvSpPr>
+          <p:spPr>
+            <a:xfrm>
+              <a:off x="2317173" y="5090589"/>
+              <a:ext cx="4374572" cy="1280601"/>
+            </a:xfrm>
+            <a:prstGeom prst="rect">
+              <a:avLst/>
+            </a:prstGeom>
+            <a:noFill/>
+            <a:ln>
+              <a:solidFill>
+                <a:srgbClr val="FF0000"/>
+              </a:solidFill>
+              <a:prstDash val="dash"/>
+            </a:ln>
+          </p:spPr>
+          <p:style>
+            <a:lnRef idx="2">
+              <a:schemeClr val="accent1">
+                <a:shade val="50000"/>
+              </a:schemeClr>
+            </a:lnRef>
+            <a:fillRef idx="1">
+              <a:schemeClr val="accent1"/>
+            </a:fillRef>
+            <a:effectRef idx="0">
+              <a:schemeClr val="accent1"/>
+            </a:effectRef>
+            <a:fontRef idx="minor">
+              <a:schemeClr val="lt1"/>
+            </a:fontRef>
+          </p:style>
+          <p:txBody>
+            <a:bodyPr rtlCol="0" anchor="ctr"/>
+            <a:lstStyle/>
+            <a:p>
+              <a:pPr algn="ctr"/>
+              <a:endParaRPr lang="en-US"/>
+            </a:p>
+          </p:txBody>
+        </p:sp>
+      </p:grpSp>
+    </p:spTree>
+    <p:extLst>
+      <p:ext uri="{BB962C8B-B14F-4D97-AF65-F5344CB8AC3E}">
+        <p14:creationId xmlns:p14="http://schemas.microsoft.com/office/powerpoint/2010/main" val="1683264302"/>
+      </p:ext>
+    </p:extLst>
+  </p:cSld>
+  <p:clrMapOvr>
+    <a:masterClrMapping/>
+  </p:clrMapOvr>
+  <p:timing>
+    <p:tnLst>
+      <p:par>
+        <p:cTn id="1" dur="indefinite" restart="never" nodeType="tmRoot">
+          <p:childTnLst>
+            <p:seq concurrent="1" nextAc="seek">
+              <p:cTn id="2" dur="indefinite" nodeType="mainSeq">
+                <p:childTnLst>
+                  <p:par>
+                    <p:cTn id="3" fill="hold">
+                      <p:stCondLst>
+                        <p:cond delay="indefinite"/>
+                      </p:stCondLst>
+                      <p:childTnLst>
+                        <p:par>
+                          <p:cTn id="4" fill="hold">
+                            <p:stCondLst>
+                              <p:cond delay="0"/>
+                            </p:stCondLst>
+                            <p:childTnLst>
+                              <p:par>
+                                <p:cTn id="5" presetID="1" presetClass="exit" presetSubtype="0" fill="hold" nodeType="clickEffect">
+                                  <p:stCondLst>
+                                    <p:cond delay="0"/>
+                                  </p:stCondLst>
+                                  <p:childTnLst>
+                                    <p:set>
+                                      <p:cBhvr>
+                                        <p:cTn id="6" dur="1" fill="hold">
+                                          <p:stCondLst>
+                                            <p:cond delay="0"/>
+                                          </p:stCondLst>
+                                        </p:cTn>
+                                        <p:tgtEl>
+                                          <p:spTgt spid="16"/>
+                                        </p:tgtEl>
+                                        <p:attrNameLst>
+                                          <p:attrName>style.visibility</p:attrName>
+                                        </p:attrNameLst>
+                                      </p:cBhvr>
+                                      <p:to>
+                                        <p:strVal val="hidden"/>
+                                      </p:to>
+                                    </p:set>
+                                  </p:childTnLst>
+                                </p:cTn>
+                              </p:par>
+                              <p:par>
+                                <p:cTn id="7" presetID="1" presetClass="exit" presetSubtype="0" fill="hold" nodeType="withEffect">
+                                  <p:stCondLst>
+                                    <p:cond delay="0"/>
+                                  </p:stCondLst>
+                                  <p:childTnLst>
+                                    <p:set>
+                                      <p:cBhvr>
+                                        <p:cTn id="8" dur="1" fill="hold">
+                                          <p:stCondLst>
+                                            <p:cond delay="0"/>
+                                          </p:stCondLst>
+                                        </p:cTn>
+                                        <p:tgtEl>
+                                          <p:spTgt spid="17"/>
+                                        </p:tgtEl>
+                                        <p:attrNameLst>
+                                          <p:attrName>style.visibility</p:attrName>
+                                        </p:attrNameLst>
+                                      </p:cBhvr>
+                                      <p:to>
+                                        <p:strVal val="hidden"/>
+                                      </p:to>
+                                    </p:set>
+                                  </p:childTnLst>
+                                </p:cTn>
+                              </p:par>
+                              <p:par>
+                                <p:cTn id="9" presetID="1" presetClass="entr" presetSubtype="0" fill="hold" nodeType="withEffect">
+                                  <p:stCondLst>
+                                    <p:cond delay="0"/>
+                                  </p:stCondLst>
+                                  <p:childTnLst>
+                                    <p:set>
+                                      <p:cBhvr>
+                                        <p:cTn id="10" dur="1" fill="hold">
+                                          <p:stCondLst>
+                                            <p:cond delay="0"/>
+                                          </p:stCondLst>
+                                        </p:cTn>
+                                        <p:tgtEl>
+                                          <p:spTgt spid="3">
+                                            <p:txEl>
+                                              <p:pRg st="3" end="3"/>
+                                            </p:txEl>
+                                          </p:spTgt>
+                                        </p:tgtEl>
+                                        <p:attrNameLst>
+                                          <p:attrName>style.visibility</p:attrName>
+                                        </p:attrNameLst>
+                                      </p:cBhvr>
+                                      <p:to>
+                                        <p:strVal val="visible"/>
+                                      </p:to>
+                                    </p:set>
+                                  </p:childTnLst>
+                                </p:cTn>
+                              </p:par>
+                            </p:childTnLst>
+                          </p:cTn>
+                        </p:par>
+                      </p:childTnLst>
+                    </p:cTn>
+                  </p:par>
+                </p:childTnLst>
+              </p:cTn>
+              <p:prevCondLst>
+                <p:cond evt="onPrev" delay="0">
+                  <p:tgtEl>
+                    <p:sldTgt/>
+                  </p:tgtEl>
+                </p:cond>
+              </p:prevCondLst>
+              <p:nextCondLst>
+                <p:cond evt="onNext" delay="0">
+                  <p:tgtEl>
+                    <p:sldTgt/>
+                  </p:tgtEl>
+                </p:cond>
+              </p:nextCondLst>
+            </p:seq>
+          </p:childTnLst>
+        </p:cTn>
+      </p:par>
+    </p:tnLst>
+  </p:timing>
+</p:sld>
+</file>
+
+<file path=ppt/slides/slide30.xml><?xml version="1.0" encoding="utf-8"?>
 <p:sld xmlns:a="http://schemas.openxmlformats.org/drawingml/2006/main" xmlns:r="http://schemas.openxmlformats.org/officeDocument/2006/relationships" xmlns:p="http://schemas.openxmlformats.org/presentationml/2006/main">
   <p:cSld>
     <p:spTree>
@@ -27400,7 +31099,7 @@
           <a:p>
             <a:fld id="{D4438207-9E20-42FC-82B6-02A8A94D7FE7}" type="slidenum">
               <a:rPr lang="en-US" smtClean="0"/>
-              <a:t>27</a:t>
+              <a:t>30</a:t>
             </a:fld>
             <a:endParaRPr lang="en-US"/>
           </a:p>
@@ -27583,7 +31282,7 @@
 </p:sld>
 </file>
 
-<file path=ppt/slides/slide28.xml><?xml version="1.0" encoding="utf-8"?>
+<file path=ppt/slides/slide31.xml><?xml version="1.0" encoding="utf-8"?>
 <p:sld xmlns:a="http://schemas.openxmlformats.org/drawingml/2006/main" xmlns:r="http://schemas.openxmlformats.org/officeDocument/2006/relationships" xmlns:p="http://schemas.openxmlformats.org/presentationml/2006/main">
   <p:cSld>
     <p:spTree>
@@ -28051,7 +31750,7 @@
           <a:p>
             <a:fld id="{64B9C3A9-27DF-40B5-9FC7-1DF96985BC5A}" type="slidenum">
               <a:rPr lang="en-US" smtClean="0"/>
-              <a:t>28</a:t>
+              <a:t>31</a:t>
             </a:fld>
             <a:endParaRPr lang="en-US"/>
           </a:p>
@@ -28575,8 +32274,8 @@
           </p:style>
         </p:cxnSp>
       </p:grpSp>
-      <mc:AlternateContent xmlns:mc="http://schemas.openxmlformats.org/markup-compatibility/2006" xmlns:a14="http://schemas.microsoft.com/office/drawing/2010/main">
-        <mc:Choice Requires="a14">
+      <mc:AlternateContent xmlns:mc="http://schemas.openxmlformats.org/markup-compatibility/2006">
+        <mc:Choice xmlns:a14="http://schemas.microsoft.com/office/drawing/2010/main" Requires="a14">
           <p:sp>
             <p:nvSpPr>
               <p:cNvPr id="12" name="TextBox 11"/>
@@ -28585,8 +32284,8 @@
             </p:nvSpPr>
             <p:spPr>
               <a:xfrm>
-                <a:off x="4720281" y="3079347"/>
-                <a:ext cx="3175741" cy="628185"/>
+                <a:off x="4768066" y="3108318"/>
+                <a:ext cx="2953886" cy="628185"/>
               </a:xfrm>
               <a:prstGeom prst="rect">
                 <a:avLst/>
@@ -28660,12 +32359,6 @@
                           </m:r>
                         </m:num>
                         <m:den>
-                          <m:r>
-                            <a:rPr lang="en-US" b="0" i="1" smtClean="0">
-                              <a:latin typeface="Cambria Math" panose="02040503050406030204" pitchFamily="18" charset="0"/>
-                            </a:rPr>
-                            <m:t>𝛿</m:t>
-                          </m:r>
                           <m:rad>
                             <m:radPr>
                               <m:degHide m:val="on"/>
@@ -28849,31 +32542,6 @@
                                 </a:rPr>
                                 <m:t>2</m:t>
                               </m:r>
-                              <m:sSup>
-                                <m:sSupPr>
-                                  <m:ctrlPr>
-                                    <a:rPr lang="en-US" b="0" i="1" smtClean="0">
-                                      <a:latin typeface="Cambria Math" panose="02040503050406030204" pitchFamily="18" charset="0"/>
-                                    </a:rPr>
-                                  </m:ctrlPr>
-                                </m:sSupPr>
-                                <m:e>
-                                  <m:r>
-                                    <a:rPr lang="en-US" b="0" i="1" smtClean="0">
-                                      <a:latin typeface="Cambria Math" panose="02040503050406030204" pitchFamily="18" charset="0"/>
-                                    </a:rPr>
-                                    <m:t>𝛿</m:t>
-                                  </m:r>
-                                </m:e>
-                                <m:sup>
-                                  <m:r>
-                                    <a:rPr lang="en-US" b="0" i="1" smtClean="0">
-                                      <a:latin typeface="Cambria Math" panose="02040503050406030204" pitchFamily="18" charset="0"/>
-                                    </a:rPr>
-                                    <m:t>2</m:t>
-                                  </m:r>
-                                </m:sup>
-                              </m:sSup>
                             </m:den>
                           </m:f>
                         </m:sup>
@@ -28886,7 +32554,7 @@
             </p:txBody>
           </p:sp>
         </mc:Choice>
-        <mc:Fallback xmlns="">
+        <mc:Fallback>
           <p:sp>
             <p:nvSpPr>
               <p:cNvPr id="12" name="TextBox 11"/>
@@ -28897,8 +32565,8 @@
             </p:nvSpPr>
             <p:spPr>
               <a:xfrm>
-                <a:off x="4720281" y="3079347"/>
-                <a:ext cx="3175741" cy="628185"/>
+                <a:off x="4768066" y="3108318"/>
+                <a:ext cx="2953886" cy="628185"/>
               </a:xfrm>
               <a:prstGeom prst="rect">
                 <a:avLst/>
@@ -29555,7 +33223,7 @@
 </p:sld>
 </file>
 
-<file path=ppt/slides/slide29.xml><?xml version="1.0" encoding="utf-8"?>
+<file path=ppt/slides/slide32.xml><?xml version="1.0" encoding="utf-8"?>
 <p:sld xmlns:a="http://schemas.openxmlformats.org/drawingml/2006/main" xmlns:r="http://schemas.openxmlformats.org/officeDocument/2006/relationships" xmlns:p="http://schemas.openxmlformats.org/presentationml/2006/main">
   <p:cSld>
     <p:spTree>
@@ -29700,7 +33368,7 @@
           <a:p>
             <a:fld id="{64B9C3A9-27DF-40B5-9FC7-1DF96985BC5A}" type="slidenum">
               <a:rPr lang="en-US" smtClean="0"/>
-              <a:t>29</a:t>
+              <a:t>32</a:t>
             </a:fld>
             <a:endParaRPr lang="en-US"/>
           </a:p>
@@ -29840,632 +33508,7 @@
 </p:sld>
 </file>
 
-<file path=ppt/slides/slide3.xml><?xml version="1.0" encoding="utf-8"?>
-<p:sld xmlns:a="http://schemas.openxmlformats.org/drawingml/2006/main" xmlns:r="http://schemas.openxmlformats.org/officeDocument/2006/relationships" xmlns:p="http://schemas.openxmlformats.org/presentationml/2006/main">
-  <p:cSld>
-    <p:spTree>
-      <p:nvGrpSpPr>
-        <p:cNvPr id="1" name=""/>
-        <p:cNvGrpSpPr/>
-        <p:nvPr/>
-      </p:nvGrpSpPr>
-      <p:grpSpPr>
-        <a:xfrm>
-          <a:off x="0" y="0"/>
-          <a:ext cx="0" cy="0"/>
-          <a:chOff x="0" y="0"/>
-          <a:chExt cx="0" cy="0"/>
-        </a:xfrm>
-      </p:grpSpPr>
-      <p:sp>
-        <p:nvSpPr>
-          <p:cNvPr id="2" name="Title 1"/>
-          <p:cNvSpPr>
-            <a:spLocks noGrp="1"/>
-          </p:cNvSpPr>
-          <p:nvPr>
-            <p:ph type="title"/>
-          </p:nvPr>
-        </p:nvSpPr>
-        <p:spPr/>
-        <p:txBody>
-          <a:bodyPr>
-            <a:normAutofit/>
-          </a:bodyPr>
-          <a:lstStyle/>
-          <a:p>
-            <a:r>
-              <a:rPr lang="en-US" dirty="0" err="1"/>
-              <a:t>Partitional</a:t>
-            </a:r>
-            <a:r>
-              <a:rPr lang="en-US" dirty="0"/>
-              <a:t> clustering </a:t>
-            </a:r>
-            <a:r>
-              <a:rPr lang="en-US" dirty="0" smtClean="0"/>
-              <a:t>algorithms</a:t>
-            </a:r>
-            <a:endParaRPr lang="en-US" dirty="0"/>
-          </a:p>
-        </p:txBody>
-      </p:sp>
-      <p:sp>
-        <p:nvSpPr>
-          <p:cNvPr id="3" name="Content Placeholder 2"/>
-          <p:cNvSpPr>
-            <a:spLocks noGrp="1"/>
-          </p:cNvSpPr>
-          <p:nvPr>
-            <p:ph idx="1"/>
-          </p:nvPr>
-        </p:nvSpPr>
-        <p:spPr/>
-        <p:txBody>
-          <a:bodyPr/>
-          <a:lstStyle/>
-          <a:p>
-            <a:r>
-              <a:rPr lang="en-US" dirty="0" smtClean="0"/>
-              <a:t>Partition instances into exactly </a:t>
-            </a:r>
-            <a:r>
-              <a:rPr lang="en-US" i="1" dirty="0" smtClean="0"/>
-              <a:t>k</a:t>
-            </a:r>
-            <a:r>
-              <a:rPr lang="en-US" dirty="0" smtClean="0"/>
-              <a:t> non-overlapping clusters</a:t>
-            </a:r>
-          </a:p>
-          <a:p>
-            <a:pPr lvl="1"/>
-            <a:r>
-              <a:rPr lang="en-US" dirty="0" smtClean="0"/>
-              <a:t>Flat structure clustering</a:t>
-            </a:r>
-          </a:p>
-          <a:p>
-            <a:pPr lvl="1"/>
-            <a:r>
-              <a:rPr lang="en-US" dirty="0" smtClean="0"/>
-              <a:t>Users need to specify the cluster size </a:t>
-            </a:r>
-            <a:r>
-              <a:rPr lang="en-US" i="1" dirty="0" smtClean="0"/>
-              <a:t>k</a:t>
-            </a:r>
-          </a:p>
-          <a:p>
-            <a:pPr lvl="1"/>
-            <a:r>
-              <a:rPr lang="en-US" dirty="0" smtClean="0"/>
-              <a:t>Task</a:t>
-            </a:r>
-            <a:r>
-              <a:rPr lang="en-US" dirty="0"/>
-              <a:t>: identify the partition of </a:t>
-            </a:r>
-            <a:r>
-              <a:rPr lang="en-US" i="1" dirty="0"/>
-              <a:t>k</a:t>
-            </a:r>
-            <a:r>
-              <a:rPr lang="en-US" dirty="0"/>
-              <a:t> clusters that optimize the chosen partition criterion</a:t>
-            </a:r>
-          </a:p>
-          <a:p>
-            <a:pPr lvl="1"/>
-            <a:endParaRPr lang="en-US" i="1" dirty="0"/>
-          </a:p>
-        </p:txBody>
-      </p:sp>
-      <p:sp>
-        <p:nvSpPr>
-          <p:cNvPr id="4" name="Date Placeholder 3"/>
-          <p:cNvSpPr>
-            <a:spLocks noGrp="1"/>
-          </p:cNvSpPr>
-          <p:nvPr>
-            <p:ph type="dt" sz="half" idx="10"/>
-          </p:nvPr>
-        </p:nvSpPr>
-        <p:spPr/>
-        <p:txBody>
-          <a:bodyPr/>
-          <a:lstStyle/>
-          <a:p>
-            <a:r>
-              <a:rPr lang="en-US" smtClean="0"/>
-              <a:t>CS@UVa</a:t>
-            </a:r>
-            <a:endParaRPr lang="en-US"/>
-          </a:p>
-        </p:txBody>
-      </p:sp>
-      <p:sp>
-        <p:nvSpPr>
-          <p:cNvPr id="5" name="Footer Placeholder 4"/>
-          <p:cNvSpPr>
-            <a:spLocks noGrp="1"/>
-          </p:cNvSpPr>
-          <p:nvPr>
-            <p:ph type="ftr" sz="quarter" idx="11"/>
-          </p:nvPr>
-        </p:nvSpPr>
-        <p:spPr/>
-        <p:txBody>
-          <a:bodyPr/>
-          <a:lstStyle/>
-          <a:p>
-            <a:r>
-              <a:rPr lang="en-US" smtClean="0"/>
-              <a:t>CS 6501: Text Mining</a:t>
-            </a:r>
-            <a:endParaRPr lang="en-US"/>
-          </a:p>
-        </p:txBody>
-      </p:sp>
-      <p:sp>
-        <p:nvSpPr>
-          <p:cNvPr id="6" name="Slide Number Placeholder 5"/>
-          <p:cNvSpPr>
-            <a:spLocks noGrp="1"/>
-          </p:cNvSpPr>
-          <p:nvPr>
-            <p:ph type="sldNum" sz="quarter" idx="12"/>
-          </p:nvPr>
-        </p:nvSpPr>
-        <p:spPr/>
-        <p:txBody>
-          <a:bodyPr/>
-          <a:lstStyle/>
-          <a:p>
-            <a:fld id="{64B9C3A9-27DF-40B5-9FC7-1DF96985BC5A}" type="slidenum">
-              <a:rPr lang="en-US" smtClean="0"/>
-              <a:t>3</a:t>
-            </a:fld>
-            <a:endParaRPr lang="en-US"/>
-          </a:p>
-        </p:txBody>
-      </p:sp>
-      <p:grpSp>
-        <p:nvGrpSpPr>
-          <p:cNvPr id="16" name="Group 15"/>
-          <p:cNvGrpSpPr/>
-          <p:nvPr/>
-        </p:nvGrpSpPr>
-        <p:grpSpPr>
-          <a:xfrm>
-            <a:off x="2317173" y="3665268"/>
-            <a:ext cx="4374572" cy="1280601"/>
-            <a:chOff x="2317173" y="3665268"/>
-            <a:chExt cx="4374572" cy="1280601"/>
-          </a:xfrm>
-        </p:grpSpPr>
-        <p:pic>
-          <p:nvPicPr>
-            <p:cNvPr id="7" name="Picture 6"/>
-            <p:cNvPicPr>
-              <a:picLocks noChangeAspect="1"/>
-            </p:cNvPicPr>
-            <p:nvPr/>
-          </p:nvPicPr>
-          <p:blipFill>
-            <a:blip r:embed="rId2"/>
-            <a:stretch>
-              <a:fillRect/>
-            </a:stretch>
-          </p:blipFill>
-          <p:spPr>
-            <a:xfrm>
-              <a:off x="2590800" y="3665268"/>
-              <a:ext cx="863043" cy="1268674"/>
-            </a:xfrm>
-            <a:prstGeom prst="rect">
-              <a:avLst/>
-            </a:prstGeom>
-          </p:spPr>
-        </p:pic>
-        <p:pic>
-          <p:nvPicPr>
-            <p:cNvPr id="8" name="Picture 7"/>
-            <p:cNvPicPr>
-              <a:picLocks noChangeAspect="1"/>
-            </p:cNvPicPr>
-            <p:nvPr/>
-          </p:nvPicPr>
-          <p:blipFill>
-            <a:blip r:embed="rId3"/>
-            <a:stretch>
-              <a:fillRect/>
-            </a:stretch>
-          </p:blipFill>
-          <p:spPr>
-            <a:xfrm>
-              <a:off x="3727438" y="3678038"/>
-              <a:ext cx="621391" cy="1260043"/>
-            </a:xfrm>
-            <a:prstGeom prst="rect">
-              <a:avLst/>
-            </a:prstGeom>
-          </p:spPr>
-        </p:pic>
-        <p:pic>
-          <p:nvPicPr>
-            <p:cNvPr id="9" name="Picture 8"/>
-            <p:cNvPicPr>
-              <a:picLocks noChangeAspect="1"/>
-            </p:cNvPicPr>
-            <p:nvPr/>
-          </p:nvPicPr>
-          <p:blipFill>
-            <a:blip r:embed="rId4"/>
-            <a:stretch>
-              <a:fillRect/>
-            </a:stretch>
-          </p:blipFill>
-          <p:spPr>
-            <a:xfrm>
-              <a:off x="4664665" y="3763501"/>
-              <a:ext cx="716326" cy="1182368"/>
-            </a:xfrm>
-            <a:prstGeom prst="rect">
-              <a:avLst/>
-            </a:prstGeom>
-          </p:spPr>
-        </p:pic>
-        <p:pic>
-          <p:nvPicPr>
-            <p:cNvPr id="10" name="Picture 9"/>
-            <p:cNvPicPr>
-              <a:picLocks noChangeAspect="1"/>
-            </p:cNvPicPr>
-            <p:nvPr/>
-          </p:nvPicPr>
-          <p:blipFill>
-            <a:blip r:embed="rId5"/>
-            <a:stretch>
-              <a:fillRect/>
-            </a:stretch>
-          </p:blipFill>
-          <p:spPr>
-            <a:xfrm>
-              <a:off x="5819529" y="3720224"/>
-              <a:ext cx="655913" cy="1199630"/>
-            </a:xfrm>
-            <a:prstGeom prst="rect">
-              <a:avLst/>
-            </a:prstGeom>
-          </p:spPr>
-        </p:pic>
-        <p:sp>
-          <p:nvSpPr>
-            <p:cNvPr id="14" name="Rectangle 13"/>
-            <p:cNvSpPr/>
-            <p:nvPr/>
-          </p:nvSpPr>
-          <p:spPr>
-            <a:xfrm>
-              <a:off x="2317173" y="3665268"/>
-              <a:ext cx="4374572" cy="1280601"/>
-            </a:xfrm>
-            <a:prstGeom prst="rect">
-              <a:avLst/>
-            </a:prstGeom>
-            <a:noFill/>
-            <a:ln>
-              <a:prstDash val="dash"/>
-            </a:ln>
-          </p:spPr>
-          <p:style>
-            <a:lnRef idx="2">
-              <a:schemeClr val="accent1">
-                <a:shade val="50000"/>
-              </a:schemeClr>
-            </a:lnRef>
-            <a:fillRef idx="1">
-              <a:schemeClr val="accent1"/>
-            </a:fillRef>
-            <a:effectRef idx="0">
-              <a:schemeClr val="accent1"/>
-            </a:effectRef>
-            <a:fontRef idx="minor">
-              <a:schemeClr val="lt1"/>
-            </a:fontRef>
-          </p:style>
-          <p:txBody>
-            <a:bodyPr rtlCol="0" anchor="ctr"/>
-            <a:lstStyle/>
-            <a:p>
-              <a:pPr algn="ctr"/>
-              <a:endParaRPr lang="en-US"/>
-            </a:p>
-          </p:txBody>
-        </p:sp>
-      </p:grpSp>
-      <p:grpSp>
-        <p:nvGrpSpPr>
-          <p:cNvPr id="17" name="Group 16"/>
-          <p:cNvGrpSpPr/>
-          <p:nvPr/>
-        </p:nvGrpSpPr>
-        <p:grpSpPr>
-          <a:xfrm>
-            <a:off x="2317173" y="5034858"/>
-            <a:ext cx="4374572" cy="1380868"/>
-            <a:chOff x="2317173" y="5034858"/>
-            <a:chExt cx="4374572" cy="1380868"/>
-          </a:xfrm>
-        </p:grpSpPr>
-        <p:pic>
-          <p:nvPicPr>
-            <p:cNvPr id="11" name="Picture 10"/>
-            <p:cNvPicPr>
-              <a:picLocks noChangeAspect="1"/>
-            </p:cNvPicPr>
-            <p:nvPr/>
-          </p:nvPicPr>
-          <p:blipFill>
-            <a:blip r:embed="rId6"/>
-            <a:stretch>
-              <a:fillRect/>
-            </a:stretch>
-          </p:blipFill>
-          <p:spPr>
-            <a:xfrm>
-              <a:off x="2916549" y="5136106"/>
-              <a:ext cx="768108" cy="1216891"/>
-            </a:xfrm>
-            <a:prstGeom prst="rect">
-              <a:avLst/>
-            </a:prstGeom>
-          </p:spPr>
-        </p:pic>
-        <p:pic>
-          <p:nvPicPr>
-            <p:cNvPr id="12" name="Picture 11"/>
-            <p:cNvPicPr>
-              <a:picLocks noChangeAspect="1"/>
-            </p:cNvPicPr>
-            <p:nvPr/>
-          </p:nvPicPr>
-          <p:blipFill>
-            <a:blip r:embed="rId7"/>
-            <a:stretch>
-              <a:fillRect/>
-            </a:stretch>
-          </p:blipFill>
-          <p:spPr>
-            <a:xfrm>
-              <a:off x="4062804" y="5034858"/>
-              <a:ext cx="509196" cy="1380868"/>
-            </a:xfrm>
-            <a:prstGeom prst="rect">
-              <a:avLst/>
-            </a:prstGeom>
-          </p:spPr>
-        </p:pic>
-        <p:pic>
-          <p:nvPicPr>
-            <p:cNvPr id="13" name="Picture 12"/>
-            <p:cNvPicPr>
-              <a:picLocks noChangeAspect="1"/>
-            </p:cNvPicPr>
-            <p:nvPr/>
-          </p:nvPicPr>
-          <p:blipFill>
-            <a:blip r:embed="rId8"/>
-            <a:stretch>
-              <a:fillRect/>
-            </a:stretch>
-          </p:blipFill>
-          <p:spPr>
-            <a:xfrm>
-              <a:off x="5131202" y="5102516"/>
-              <a:ext cx="863043" cy="1268674"/>
-            </a:xfrm>
-            <a:prstGeom prst="rect">
-              <a:avLst/>
-            </a:prstGeom>
-          </p:spPr>
-        </p:pic>
-        <p:sp>
-          <p:nvSpPr>
-            <p:cNvPr id="15" name="Rectangle 14"/>
-            <p:cNvSpPr/>
-            <p:nvPr/>
-          </p:nvSpPr>
-          <p:spPr>
-            <a:xfrm>
-              <a:off x="2317173" y="5090589"/>
-              <a:ext cx="4374572" cy="1280601"/>
-            </a:xfrm>
-            <a:prstGeom prst="rect">
-              <a:avLst/>
-            </a:prstGeom>
-            <a:noFill/>
-            <a:ln>
-              <a:solidFill>
-                <a:srgbClr val="FF0000"/>
-              </a:solidFill>
-              <a:prstDash val="dash"/>
-            </a:ln>
-          </p:spPr>
-          <p:style>
-            <a:lnRef idx="2">
-              <a:schemeClr val="accent1">
-                <a:shade val="50000"/>
-              </a:schemeClr>
-            </a:lnRef>
-            <a:fillRef idx="1">
-              <a:schemeClr val="accent1"/>
-            </a:fillRef>
-            <a:effectRef idx="0">
-              <a:schemeClr val="accent1"/>
-            </a:effectRef>
-            <a:fontRef idx="minor">
-              <a:schemeClr val="lt1"/>
-            </a:fontRef>
-          </p:style>
-          <p:txBody>
-            <a:bodyPr rtlCol="0" anchor="ctr"/>
-            <a:lstStyle/>
-            <a:p>
-              <a:pPr algn="ctr"/>
-              <a:endParaRPr lang="en-US"/>
-            </a:p>
-          </p:txBody>
-        </p:sp>
-      </p:grpSp>
-    </p:spTree>
-    <p:extLst>
-      <p:ext uri="{BB962C8B-B14F-4D97-AF65-F5344CB8AC3E}">
-        <p14:creationId xmlns:p14="http://schemas.microsoft.com/office/powerpoint/2010/main" val="1683264302"/>
-      </p:ext>
-    </p:extLst>
-  </p:cSld>
-  <p:clrMapOvr>
-    <a:masterClrMapping/>
-  </p:clrMapOvr>
-  <p:timing>
-    <p:tnLst>
-      <p:par>
-        <p:cTn id="1" dur="indefinite" restart="never" nodeType="tmRoot">
-          <p:childTnLst>
-            <p:seq concurrent="1" nextAc="seek">
-              <p:cTn id="2" dur="indefinite" nodeType="mainSeq">
-                <p:childTnLst>
-                  <p:par>
-                    <p:cTn id="3" fill="hold">
-                      <p:stCondLst>
-                        <p:cond delay="indefinite"/>
-                      </p:stCondLst>
-                      <p:childTnLst>
-                        <p:par>
-                          <p:cTn id="4" fill="hold">
-                            <p:stCondLst>
-                              <p:cond delay="0"/>
-                            </p:stCondLst>
-                            <p:childTnLst>
-                              <p:par>
-                                <p:cTn id="5" presetID="1" presetClass="exit" presetSubtype="0" fill="hold" nodeType="clickEffect">
-                                  <p:stCondLst>
-                                    <p:cond delay="0"/>
-                                  </p:stCondLst>
-                                  <p:childTnLst>
-                                    <p:set>
-                                      <p:cBhvr>
-                                        <p:cTn id="6" dur="1" fill="hold">
-                                          <p:stCondLst>
-                                            <p:cond delay="0"/>
-                                          </p:stCondLst>
-                                        </p:cTn>
-                                        <p:tgtEl>
-                                          <p:spTgt spid="16"/>
-                                        </p:tgtEl>
-                                        <p:attrNameLst>
-                                          <p:attrName>style.visibility</p:attrName>
-                                        </p:attrNameLst>
-                                      </p:cBhvr>
-                                      <p:to>
-                                        <p:strVal val="hidden"/>
-                                      </p:to>
-                                    </p:set>
-                                  </p:childTnLst>
-                                </p:cTn>
-                              </p:par>
-                              <p:par>
-                                <p:cTn id="7" presetID="1" presetClass="exit" presetSubtype="0" fill="hold" nodeType="withEffect">
-                                  <p:stCondLst>
-                                    <p:cond delay="0"/>
-                                  </p:stCondLst>
-                                  <p:childTnLst>
-                                    <p:set>
-                                      <p:cBhvr>
-                                        <p:cTn id="8" dur="1" fill="hold">
-                                          <p:stCondLst>
-                                            <p:cond delay="0"/>
-                                          </p:stCondLst>
-                                        </p:cTn>
-                                        <p:tgtEl>
-                                          <p:spTgt spid="17"/>
-                                        </p:tgtEl>
-                                        <p:attrNameLst>
-                                          <p:attrName>style.visibility</p:attrName>
-                                        </p:attrNameLst>
-                                      </p:cBhvr>
-                                      <p:to>
-                                        <p:strVal val="hidden"/>
-                                      </p:to>
-                                    </p:set>
-                                  </p:childTnLst>
-                                </p:cTn>
-                              </p:par>
-                              <p:par>
-                                <p:cTn id="9" presetID="1" presetClass="entr" presetSubtype="0" fill="hold" nodeType="withEffect">
-                                  <p:stCondLst>
-                                    <p:cond delay="0"/>
-                                  </p:stCondLst>
-                                  <p:childTnLst>
-                                    <p:set>
-                                      <p:cBhvr>
-                                        <p:cTn id="10" dur="1" fill="hold">
-                                          <p:stCondLst>
-                                            <p:cond delay="0"/>
-                                          </p:stCondLst>
-                                        </p:cTn>
-                                        <p:tgtEl>
-                                          <p:spTgt spid="3">
-                                            <p:txEl>
-                                              <p:pRg st="3" end="3"/>
-                                            </p:txEl>
-                                          </p:spTgt>
-                                        </p:tgtEl>
-                                        <p:attrNameLst>
-                                          <p:attrName>style.visibility</p:attrName>
-                                        </p:attrNameLst>
-                                      </p:cBhvr>
-                                      <p:to>
-                                        <p:strVal val="visible"/>
-                                      </p:to>
-                                    </p:set>
-                                  </p:childTnLst>
-                                </p:cTn>
-                              </p:par>
-                            </p:childTnLst>
-                          </p:cTn>
-                        </p:par>
-                      </p:childTnLst>
-                    </p:cTn>
-                  </p:par>
-                </p:childTnLst>
-              </p:cTn>
-              <p:prevCondLst>
-                <p:cond evt="onPrev" delay="0">
-                  <p:tgtEl>
-                    <p:sldTgt/>
-                  </p:tgtEl>
-                </p:cond>
-              </p:prevCondLst>
-              <p:nextCondLst>
-                <p:cond evt="onNext" delay="0">
-                  <p:tgtEl>
-                    <p:sldTgt/>
-                  </p:tgtEl>
-                </p:cond>
-              </p:nextCondLst>
-            </p:seq>
-          </p:childTnLst>
-        </p:cTn>
-      </p:par>
-    </p:tnLst>
-  </p:timing>
-</p:sld>
-</file>
-
-<file path=ppt/slides/slide30.xml><?xml version="1.0" encoding="utf-8"?>
+<file path=ppt/slides/slide33.xml><?xml version="1.0" encoding="utf-8"?>
 <p:sld xmlns:a="http://schemas.openxmlformats.org/drawingml/2006/main" xmlns:r="http://schemas.openxmlformats.org/officeDocument/2006/relationships" xmlns:p="http://schemas.openxmlformats.org/presentationml/2006/main">
   <p:cSld>
     <p:spTree>
@@ -30657,7 +33700,7 @@
           <a:p>
             <a:fld id="{64B9C3A9-27DF-40B5-9FC7-1DF96985BC5A}" type="slidenum">
               <a:rPr lang="en-US" smtClean="0"/>
-              <a:t>30</a:t>
+              <a:t>33</a:t>
             </a:fld>
             <a:endParaRPr lang="en-US"/>
           </a:p>
@@ -30786,7 +33829,7 @@
 </p:sld>
 </file>
 
-<file path=ppt/slides/slide31.xml><?xml version="1.0" encoding="utf-8"?>
+<file path=ppt/slides/slide34.xml><?xml version="1.0" encoding="utf-8"?>
 <p:sld xmlns:a="http://schemas.openxmlformats.org/drawingml/2006/main" xmlns:r="http://schemas.openxmlformats.org/officeDocument/2006/relationships" xmlns:p="http://schemas.openxmlformats.org/presentationml/2006/main">
   <p:cSld>
     <p:spTree>
@@ -31206,7 +34249,7 @@
           <a:p>
             <a:fld id="{64B9C3A9-27DF-40B5-9FC7-1DF96985BC5A}" type="slidenum">
               <a:rPr lang="en-US" smtClean="0"/>
-              <a:t>31</a:t>
+              <a:t>34</a:t>
             </a:fld>
             <a:endParaRPr lang="en-US"/>
           </a:p>
@@ -31389,7 +34432,7 @@
 </p:sld>
 </file>
 
-<file path=ppt/slides/slide32.xml><?xml version="1.0" encoding="utf-8"?>
+<file path=ppt/slides/slide35.xml><?xml version="1.0" encoding="utf-8"?>
 <p:sld xmlns:a="http://schemas.openxmlformats.org/drawingml/2006/main" xmlns:r="http://schemas.openxmlformats.org/officeDocument/2006/relationships" xmlns:p="http://schemas.openxmlformats.org/presentationml/2006/main">
   <p:cSld>
     <p:spTree>
@@ -31599,7 +34642,7 @@
           <a:p>
             <a:fld id="{64B9C3A9-27DF-40B5-9FC7-1DF96985BC5A}" type="slidenum">
               <a:rPr lang="en-US" smtClean="0"/>
-              <a:t>32</a:t>
+              <a:t>35</a:t>
             </a:fld>
             <a:endParaRPr lang="en-US"/>
           </a:p>
@@ -31649,7 +34692,7 @@
 </p:sld>
 </file>
 
-<file path=ppt/slides/slide33.xml><?xml version="1.0" encoding="utf-8"?>
+<file path=ppt/slides/slide36.xml><?xml version="1.0" encoding="utf-8"?>
 <p:sld xmlns:a="http://schemas.openxmlformats.org/drawingml/2006/main" xmlns:r="http://schemas.openxmlformats.org/officeDocument/2006/relationships" xmlns:p="http://schemas.openxmlformats.org/presentationml/2006/main">
   <p:cSld>
     <p:spTree>
@@ -31873,7 +34916,7 @@
           <a:p>
             <a:fld id="{64B9C3A9-27DF-40B5-9FC7-1DF96985BC5A}" type="slidenum">
               <a:rPr lang="en-US" smtClean="0"/>
-              <a:t>33</a:t>
+              <a:t>36</a:t>
             </a:fld>
             <a:endParaRPr lang="en-US"/>
           </a:p>
@@ -31899,7 +34942,7 @@
 </p:sld>
 </file>
 
-<file path=ppt/slides/slide34.xml><?xml version="1.0" encoding="utf-8"?>
+<file path=ppt/slides/slide37.xml><?xml version="1.0" encoding="utf-8"?>
 <p:sld xmlns:a="http://schemas.openxmlformats.org/drawingml/2006/main" xmlns:r="http://schemas.openxmlformats.org/officeDocument/2006/relationships" xmlns:p="http://schemas.openxmlformats.org/presentationml/2006/main">
   <p:cSld>
     <p:spTree>
@@ -32085,7 +35128,7 @@
           <a:p>
             <a:fld id="{64B9C3A9-27DF-40B5-9FC7-1DF96985BC5A}" type="slidenum">
               <a:rPr lang="en-US" smtClean="0"/>
-              <a:t>34</a:t>
+              <a:t>37</a:t>
             </a:fld>
             <a:endParaRPr lang="en-US"/>
           </a:p>
@@ -32111,7 +35154,7 @@
 </p:sld>
 </file>
 
-<file path=ppt/slides/slide35.xml><?xml version="1.0" encoding="utf-8"?>
+<file path=ppt/slides/slide38.xml><?xml version="1.0" encoding="utf-8"?>
 <p:sld xmlns:a="http://schemas.openxmlformats.org/drawingml/2006/main" xmlns:r="http://schemas.openxmlformats.org/officeDocument/2006/relationships" xmlns:p="http://schemas.openxmlformats.org/presentationml/2006/main">
   <p:cSld>
     <p:spTree>
@@ -32266,7 +35309,7 @@
           <a:p>
             <a:fld id="{64B9C3A9-27DF-40B5-9FC7-1DF96985BC5A}" type="slidenum">
               <a:rPr lang="en-US" smtClean="0"/>
-              <a:t>35</a:t>
+              <a:t>38</a:t>
             </a:fld>
             <a:endParaRPr lang="en-US"/>
           </a:p>

--- a/docs/k-means.pptx
+++ b/docs/k-means.pptx
@@ -5,7 +5,7 @@
     <p:sldMasterId id="2147483660" r:id="rId1"/>
   </p:sldMasterIdLst>
   <p:notesMasterIdLst>
-    <p:notesMasterId r:id="rId40"/>
+    <p:notesMasterId r:id="rId37"/>
   </p:notesMasterIdLst>
   <p:sldIdLst>
     <p:sldId id="256" r:id="rId2"/>
@@ -23,29 +23,26 @@
     <p:sldId id="268" r:id="rId14"/>
     <p:sldId id="269" r:id="rId15"/>
     <p:sldId id="270" r:id="rId16"/>
-    <p:sldId id="294" r:id="rId17"/>
-    <p:sldId id="293" r:id="rId18"/>
-    <p:sldId id="295" r:id="rId19"/>
-    <p:sldId id="271" r:id="rId20"/>
-    <p:sldId id="272" r:id="rId21"/>
-    <p:sldId id="273" r:id="rId22"/>
-    <p:sldId id="274" r:id="rId23"/>
-    <p:sldId id="275" r:id="rId24"/>
-    <p:sldId id="276" r:id="rId25"/>
-    <p:sldId id="277" r:id="rId26"/>
-    <p:sldId id="278" r:id="rId27"/>
-    <p:sldId id="279" r:id="rId28"/>
-    <p:sldId id="280" r:id="rId29"/>
-    <p:sldId id="281" r:id="rId30"/>
-    <p:sldId id="282" r:id="rId31"/>
-    <p:sldId id="283" r:id="rId32"/>
-    <p:sldId id="285" r:id="rId33"/>
-    <p:sldId id="284" r:id="rId34"/>
-    <p:sldId id="292" r:id="rId35"/>
-    <p:sldId id="286" r:id="rId36"/>
-    <p:sldId id="287" r:id="rId37"/>
-    <p:sldId id="289" r:id="rId38"/>
-    <p:sldId id="290" r:id="rId39"/>
+    <p:sldId id="271" r:id="rId17"/>
+    <p:sldId id="272" r:id="rId18"/>
+    <p:sldId id="273" r:id="rId19"/>
+    <p:sldId id="274" r:id="rId20"/>
+    <p:sldId id="275" r:id="rId21"/>
+    <p:sldId id="276" r:id="rId22"/>
+    <p:sldId id="277" r:id="rId23"/>
+    <p:sldId id="278" r:id="rId24"/>
+    <p:sldId id="279" r:id="rId25"/>
+    <p:sldId id="280" r:id="rId26"/>
+    <p:sldId id="281" r:id="rId27"/>
+    <p:sldId id="282" r:id="rId28"/>
+    <p:sldId id="283" r:id="rId29"/>
+    <p:sldId id="285" r:id="rId30"/>
+    <p:sldId id="284" r:id="rId31"/>
+    <p:sldId id="292" r:id="rId32"/>
+    <p:sldId id="286" r:id="rId33"/>
+    <p:sldId id="287" r:id="rId34"/>
+    <p:sldId id="289" r:id="rId35"/>
+    <p:sldId id="290" r:id="rId36"/>
   </p:sldIdLst>
   <p:sldSz cx="9144000" cy="6858000" type="screen4x3"/>
   <p:notesSz cx="6858000" cy="9144000"/>
@@ -234,7 +231,7 @@
           <a:p>
             <a:fld id="{1A8B0552-9314-44FC-80A7-241A4FB6D973}" type="datetimeFigureOut">
               <a:rPr lang="en-US" smtClean="0"/>
-              <a:t>4/27/2015</a:t>
+              <a:t>4/19/2016</a:t>
             </a:fld>
             <a:endParaRPr lang="en-US"/>
           </a:p>
@@ -9413,3079 +9410,6 @@
       </p:grpSpPr>
       <p:sp>
         <p:nvSpPr>
-          <p:cNvPr id="2" name="Title 1"/>
-          <p:cNvSpPr>
-            <a:spLocks noGrp="1"/>
-          </p:cNvSpPr>
-          <p:nvPr>
-            <p:ph type="title"/>
-          </p:nvPr>
-        </p:nvSpPr>
-        <p:spPr/>
-        <p:txBody>
-          <a:bodyPr>
-            <a:normAutofit/>
-          </a:bodyPr>
-          <a:lstStyle/>
-          <a:p>
-            <a:r>
-              <a:rPr lang="en-US" sz="3900" dirty="0" smtClean="0"/>
-              <a:t>Recap: </a:t>
-            </a:r>
-            <a:r>
-              <a:rPr lang="en-US" sz="3900" dirty="0" err="1" smtClean="0"/>
-              <a:t>Partitional</a:t>
-            </a:r>
-            <a:r>
-              <a:rPr lang="en-US" sz="3900" dirty="0" smtClean="0"/>
-              <a:t> </a:t>
-            </a:r>
-            <a:r>
-              <a:rPr lang="en-US" sz="3900" dirty="0"/>
-              <a:t>clustering </a:t>
-            </a:r>
-            <a:r>
-              <a:rPr lang="en-US" sz="3900" dirty="0" smtClean="0"/>
-              <a:t>algorithms</a:t>
-            </a:r>
-            <a:endParaRPr lang="en-US" sz="3900" dirty="0"/>
-          </a:p>
-        </p:txBody>
-      </p:sp>
-      <mc:AlternateContent xmlns:mc="http://schemas.openxmlformats.org/markup-compatibility/2006" xmlns:a14="http://schemas.microsoft.com/office/drawing/2010/main">
-        <mc:Choice Requires="a14">
-          <p:sp>
-            <p:nvSpPr>
-              <p:cNvPr id="3" name="Content Placeholder 2"/>
-              <p:cNvSpPr>
-                <a:spLocks noGrp="1"/>
-              </p:cNvSpPr>
-              <p:nvPr>
-                <p:ph idx="1"/>
-              </p:nvPr>
-            </p:nvSpPr>
-            <p:spPr/>
-            <p:txBody>
-              <a:bodyPr/>
-              <a:lstStyle/>
-              <a:p>
-                <a:r>
-                  <a:rPr lang="en-US" dirty="0" smtClean="0"/>
-                  <a:t>Partition instances into exactly </a:t>
-                </a:r>
-                <a:r>
-                  <a:rPr lang="en-US" i="1" dirty="0" smtClean="0"/>
-                  <a:t>k</a:t>
-                </a:r>
-                <a:r>
-                  <a:rPr lang="en-US" dirty="0" smtClean="0"/>
-                  <a:t> non-overlapping clusters</a:t>
-                </a:r>
-              </a:p>
-              <a:p>
-                <a:pPr lvl="1"/>
-                <a:r>
-                  <a:rPr lang="en-US" dirty="0" smtClean="0"/>
-                  <a:t>Typical criterion</a:t>
-                </a:r>
-              </a:p>
-              <a:p>
-                <a:pPr lvl="2"/>
-                <a14:m>
-                  <m:oMath xmlns:m="http://schemas.openxmlformats.org/officeDocument/2006/math">
-                    <m:func>
-                      <m:funcPr>
-                        <m:ctrlPr>
-                          <a:rPr lang="en-US" b="0" i="1" smtClean="0">
-                            <a:latin typeface="Cambria Math" panose="02040503050406030204" pitchFamily="18" charset="0"/>
-                          </a:rPr>
-                        </m:ctrlPr>
-                      </m:funcPr>
-                      <m:fName>
-                        <m:r>
-                          <m:rPr>
-                            <m:sty m:val="p"/>
-                          </m:rPr>
-                          <a:rPr lang="en-US" b="0" i="0" smtClean="0">
-                            <a:latin typeface="Cambria Math" panose="02040503050406030204" pitchFamily="18" charset="0"/>
-                          </a:rPr>
-                          <m:t>max</m:t>
-                        </m:r>
-                      </m:fName>
-                      <m:e>
-                        <m:nary>
-                          <m:naryPr>
-                            <m:chr m:val="∑"/>
-                            <m:supHide m:val="on"/>
-                            <m:ctrlPr>
-                              <a:rPr lang="en-US" i="1">
-                                <a:latin typeface="Cambria Math" panose="02040503050406030204" pitchFamily="18" charset="0"/>
-                              </a:rPr>
-                            </m:ctrlPr>
-                          </m:naryPr>
-                          <m:sub>
-                            <m:r>
-                              <m:rPr>
-                                <m:brk m:alnAt="7"/>
-                              </m:rPr>
-                              <a:rPr lang="en-US" i="1">
-                                <a:latin typeface="Cambria Math" panose="02040503050406030204" pitchFamily="18" charset="0"/>
-                              </a:rPr>
-                              <m:t>𝑖</m:t>
-                            </m:r>
-                            <m:r>
-                              <a:rPr lang="en-US" i="1">
-                                <a:latin typeface="Cambria Math" panose="02040503050406030204" pitchFamily="18" charset="0"/>
-                              </a:rPr>
-                              <m:t>≠</m:t>
-                            </m:r>
-                            <m:r>
-                              <m:rPr>
-                                <m:sty m:val="p"/>
-                              </m:rPr>
-                              <a:rPr lang="en-US" i="1">
-                                <a:latin typeface="Cambria Math" panose="02040503050406030204" pitchFamily="18" charset="0"/>
-                              </a:rPr>
-                              <m:t>j</m:t>
-                            </m:r>
-                          </m:sub>
-                          <m:sup/>
-                          <m:e>
-                            <m:r>
-                              <a:rPr lang="en-US" i="1">
-                                <a:latin typeface="Cambria Math" panose="02040503050406030204" pitchFamily="18" charset="0"/>
-                              </a:rPr>
-                              <m:t>𝑑</m:t>
-                            </m:r>
-                            <m:d>
-                              <m:dPr>
-                                <m:ctrlPr>
-                                  <a:rPr lang="en-US" i="1">
-                                    <a:latin typeface="Cambria Math" panose="02040503050406030204" pitchFamily="18" charset="0"/>
-                                  </a:rPr>
-                                </m:ctrlPr>
-                              </m:dPr>
-                              <m:e>
-                                <m:sSub>
-                                  <m:sSubPr>
-                                    <m:ctrlPr>
-                                      <a:rPr lang="en-US" i="1">
-                                        <a:latin typeface="Cambria Math" panose="02040503050406030204" pitchFamily="18" charset="0"/>
-                                      </a:rPr>
-                                    </m:ctrlPr>
-                                  </m:sSubPr>
-                                  <m:e>
-                                    <m:r>
-                                      <a:rPr lang="en-US" i="1">
-                                        <a:latin typeface="Cambria Math" panose="02040503050406030204" pitchFamily="18" charset="0"/>
-                                      </a:rPr>
-                                      <m:t>𝑐</m:t>
-                                    </m:r>
-                                  </m:e>
-                                  <m:sub>
-                                    <m:r>
-                                      <a:rPr lang="en-US" i="1">
-                                        <a:latin typeface="Cambria Math" panose="02040503050406030204" pitchFamily="18" charset="0"/>
-                                      </a:rPr>
-                                      <m:t>𝑖</m:t>
-                                    </m:r>
-                                  </m:sub>
-                                </m:sSub>
-                                <m:r>
-                                  <a:rPr lang="en-US" i="1">
-                                    <a:latin typeface="Cambria Math" panose="02040503050406030204" pitchFamily="18" charset="0"/>
-                                  </a:rPr>
-                                  <m:t>,</m:t>
-                                </m:r>
-                                <m:sSub>
-                                  <m:sSubPr>
-                                    <m:ctrlPr>
-                                      <a:rPr lang="en-US" i="1">
-                                        <a:latin typeface="Cambria Math" panose="02040503050406030204" pitchFamily="18" charset="0"/>
-                                      </a:rPr>
-                                    </m:ctrlPr>
-                                  </m:sSubPr>
-                                  <m:e>
-                                    <m:r>
-                                      <a:rPr lang="en-US" i="1">
-                                        <a:latin typeface="Cambria Math" panose="02040503050406030204" pitchFamily="18" charset="0"/>
-                                      </a:rPr>
-                                      <m:t>𝑐</m:t>
-                                    </m:r>
-                                  </m:e>
-                                  <m:sub>
-                                    <m:r>
-                                      <a:rPr lang="en-US" i="1">
-                                        <a:latin typeface="Cambria Math" panose="02040503050406030204" pitchFamily="18" charset="0"/>
-                                      </a:rPr>
-                                      <m:t>𝑗</m:t>
-                                    </m:r>
-                                  </m:sub>
-                                </m:sSub>
-                              </m:e>
-                            </m:d>
-                          </m:e>
-                        </m:nary>
-                        <m:r>
-                          <a:rPr lang="en-US" b="0" i="1" smtClean="0">
-                            <a:latin typeface="Cambria Math" panose="02040503050406030204" pitchFamily="18" charset="0"/>
-                          </a:rPr>
-                          <m:t>−</m:t>
-                        </m:r>
-                        <m:r>
-                          <a:rPr lang="en-US" b="0" i="1" smtClean="0">
-                            <a:latin typeface="Cambria Math" panose="02040503050406030204" pitchFamily="18" charset="0"/>
-                          </a:rPr>
-                          <m:t>𝐶</m:t>
-                        </m:r>
-                        <m:nary>
-                          <m:naryPr>
-                            <m:chr m:val="∑"/>
-                            <m:supHide m:val="on"/>
-                            <m:ctrlPr>
-                              <a:rPr lang="en-US" b="0" i="1" smtClean="0">
-                                <a:latin typeface="Cambria Math" panose="02040503050406030204" pitchFamily="18" charset="0"/>
-                              </a:rPr>
-                            </m:ctrlPr>
-                          </m:naryPr>
-                          <m:sub>
-                            <m:r>
-                              <a:rPr lang="en-US" b="0" i="1" smtClean="0">
-                                <a:latin typeface="Cambria Math" panose="02040503050406030204" pitchFamily="18" charset="0"/>
-                              </a:rPr>
-                              <m:t>𝑖</m:t>
-                            </m:r>
-                          </m:sub>
-                          <m:sup/>
-                          <m:e>
-                            <m:sSub>
-                              <m:sSubPr>
-                                <m:ctrlPr>
-                                  <a:rPr lang="en-US" b="0" i="1" smtClean="0">
-                                    <a:latin typeface="Cambria Math" panose="02040503050406030204" pitchFamily="18" charset="0"/>
-                                  </a:rPr>
-                                </m:ctrlPr>
-                              </m:sSubPr>
-                              <m:e>
-                                <m:r>
-                                  <a:rPr lang="en-US" b="0" i="1" smtClean="0">
-                                    <a:latin typeface="Cambria Math" panose="02040503050406030204" pitchFamily="18" charset="0"/>
-                                  </a:rPr>
-                                  <m:t>𝜎</m:t>
-                                </m:r>
-                              </m:e>
-                              <m:sub>
-                                <m:r>
-                                  <a:rPr lang="en-US" b="0" i="1" smtClean="0">
-                                    <a:latin typeface="Cambria Math" panose="02040503050406030204" pitchFamily="18" charset="0"/>
-                                  </a:rPr>
-                                  <m:t>𝑖</m:t>
-                                </m:r>
-                              </m:sub>
-                            </m:sSub>
-                          </m:e>
-                        </m:nary>
-                      </m:e>
-                    </m:func>
-                  </m:oMath>
-                </a14:m>
-                <a:endParaRPr lang="en-US" dirty="0" smtClean="0"/>
-              </a:p>
-              <a:p>
-                <a:pPr lvl="1"/>
-                <a:r>
-                  <a:rPr lang="en-US" dirty="0" smtClean="0"/>
-                  <a:t>Optimal solution: enumerate every possible partition of size </a:t>
-                </a:r>
-                <a:r>
-                  <a:rPr lang="en-US" i="1" dirty="0" smtClean="0"/>
-                  <a:t>k</a:t>
-                </a:r>
-                <a:r>
-                  <a:rPr lang="en-US" dirty="0" smtClean="0"/>
-                  <a:t> and return the one optimizing the criterion</a:t>
-                </a:r>
-                <a:endParaRPr lang="en-US" dirty="0"/>
-              </a:p>
-            </p:txBody>
-          </p:sp>
-        </mc:Choice>
-        <mc:Fallback xmlns="">
-          <p:sp>
-            <p:nvSpPr>
-              <p:cNvPr id="3" name="Content Placeholder 2"/>
-              <p:cNvSpPr>
-                <a:spLocks noGrp="1" noRot="1" noChangeAspect="1" noMove="1" noResize="1" noEditPoints="1" noAdjustHandles="1" noChangeArrowheads="1" noChangeShapeType="1" noTextEdit="1"/>
-              </p:cNvSpPr>
-              <p:nvPr>
-                <p:ph idx="1"/>
-              </p:nvPr>
-            </p:nvSpPr>
-            <p:spPr>
-              <a:blipFill rotWithShape="0">
-                <a:blip r:embed="rId2"/>
-                <a:stretch>
-                  <a:fillRect l="-1704" t="-1752"/>
-                </a:stretch>
-              </a:blipFill>
-            </p:spPr>
-            <p:txBody>
-              <a:bodyPr/>
-              <a:lstStyle/>
-              <a:p>
-                <a:r>
-                  <a:rPr lang="en-US">
-                    <a:noFill/>
-                  </a:rPr>
-                  <a:t> </a:t>
-                </a:r>
-              </a:p>
-            </p:txBody>
-          </p:sp>
-        </mc:Fallback>
-      </mc:AlternateContent>
-      <p:sp>
-        <p:nvSpPr>
-          <p:cNvPr id="4" name="Date Placeholder 3"/>
-          <p:cNvSpPr>
-            <a:spLocks noGrp="1"/>
-          </p:cNvSpPr>
-          <p:nvPr>
-            <p:ph type="dt" sz="half" idx="10"/>
-          </p:nvPr>
-        </p:nvSpPr>
-        <p:spPr/>
-        <p:txBody>
-          <a:bodyPr/>
-          <a:lstStyle/>
-          <a:p>
-            <a:r>
-              <a:rPr lang="en-US" smtClean="0"/>
-              <a:t>CS@UVa</a:t>
-            </a:r>
-            <a:endParaRPr lang="en-US"/>
-          </a:p>
-        </p:txBody>
-      </p:sp>
-      <p:sp>
-        <p:nvSpPr>
-          <p:cNvPr id="5" name="Footer Placeholder 4"/>
-          <p:cNvSpPr>
-            <a:spLocks noGrp="1"/>
-          </p:cNvSpPr>
-          <p:nvPr>
-            <p:ph type="ftr" sz="quarter" idx="11"/>
-          </p:nvPr>
-        </p:nvSpPr>
-        <p:spPr/>
-        <p:txBody>
-          <a:bodyPr/>
-          <a:lstStyle/>
-          <a:p>
-            <a:r>
-              <a:rPr lang="en-US" smtClean="0"/>
-              <a:t>CS 6501: Text Mining</a:t>
-            </a:r>
-            <a:endParaRPr lang="en-US"/>
-          </a:p>
-        </p:txBody>
-      </p:sp>
-      <p:sp>
-        <p:nvSpPr>
-          <p:cNvPr id="6" name="Slide Number Placeholder 5"/>
-          <p:cNvSpPr>
-            <a:spLocks noGrp="1"/>
-          </p:cNvSpPr>
-          <p:nvPr>
-            <p:ph type="sldNum" sz="quarter" idx="12"/>
-          </p:nvPr>
-        </p:nvSpPr>
-        <p:spPr/>
-        <p:txBody>
-          <a:bodyPr/>
-          <a:lstStyle/>
-          <a:p>
-            <a:fld id="{64B9C3A9-27DF-40B5-9FC7-1DF96985BC5A}" type="slidenum">
-              <a:rPr lang="en-US" smtClean="0"/>
-              <a:t>16</a:t>
-            </a:fld>
-            <a:endParaRPr lang="en-US"/>
-          </a:p>
-        </p:txBody>
-      </p:sp>
-      <p:sp>
-        <p:nvSpPr>
-          <p:cNvPr id="16" name="TextBox 15"/>
-          <p:cNvSpPr txBox="1"/>
-          <p:nvPr/>
-        </p:nvSpPr>
-        <p:spPr>
-          <a:xfrm>
-            <a:off x="4233219" y="5346356"/>
-            <a:ext cx="3573162" cy="400110"/>
-          </a:xfrm>
-          <a:prstGeom prst="rect">
-            <a:avLst/>
-          </a:prstGeom>
-          <a:noFill/>
-        </p:spPr>
-        <p:txBody>
-          <a:bodyPr wrap="square" rtlCol="0">
-            <a:spAutoFit/>
-          </a:bodyPr>
-          <a:lstStyle/>
-          <a:p>
-            <a:r>
-              <a:rPr lang="en-US" sz="2000" b="1" i="1" dirty="0" smtClean="0">
-                <a:solidFill>
-                  <a:srgbClr val="FF0000"/>
-                </a:solidFill>
-              </a:rPr>
-              <a:t>Unfortunately, this is NP-hard!</a:t>
-            </a:r>
-            <a:endParaRPr lang="en-US" sz="2000" b="1" i="1" dirty="0">
-              <a:solidFill>
-                <a:srgbClr val="FF0000"/>
-              </a:solidFill>
-            </a:endParaRPr>
-          </a:p>
-        </p:txBody>
-      </p:sp>
-      <p:sp>
-        <p:nvSpPr>
-          <p:cNvPr id="17" name="TextBox 16"/>
-          <p:cNvSpPr txBox="1"/>
-          <p:nvPr/>
-        </p:nvSpPr>
-        <p:spPr>
-          <a:xfrm>
-            <a:off x="1555921" y="5346356"/>
-            <a:ext cx="2677298" cy="400110"/>
-          </a:xfrm>
-          <a:prstGeom prst="rect">
-            <a:avLst/>
-          </a:prstGeom>
-          <a:noFill/>
-        </p:spPr>
-        <p:txBody>
-          <a:bodyPr wrap="square" rtlCol="0">
-            <a:spAutoFit/>
-          </a:bodyPr>
-          <a:lstStyle/>
-          <a:p>
-            <a:r>
-              <a:rPr lang="en-US" sz="2000" dirty="0" smtClean="0">
-                <a:solidFill>
-                  <a:srgbClr val="00B050"/>
-                </a:solidFill>
-              </a:rPr>
-              <a:t>Let’s approximate this!</a:t>
-            </a:r>
-            <a:endParaRPr lang="en-US" sz="2000" dirty="0">
-              <a:solidFill>
-                <a:srgbClr val="00B050"/>
-              </a:solidFill>
-            </a:endParaRPr>
-          </a:p>
-        </p:txBody>
-      </p:sp>
-      <p:grpSp>
-        <p:nvGrpSpPr>
-          <p:cNvPr id="22" name="Group 21"/>
-          <p:cNvGrpSpPr/>
-          <p:nvPr/>
-        </p:nvGrpSpPr>
-        <p:grpSpPr>
-          <a:xfrm>
-            <a:off x="3527854" y="2647327"/>
-            <a:ext cx="3097427" cy="553998"/>
-            <a:chOff x="2677297" y="2669060"/>
-            <a:chExt cx="3097427" cy="553998"/>
-          </a:xfrm>
-        </p:grpSpPr>
-        <p:sp>
-          <p:nvSpPr>
-            <p:cNvPr id="18" name="TextBox 17"/>
-            <p:cNvSpPr txBox="1"/>
-            <p:nvPr/>
-          </p:nvSpPr>
-          <p:spPr>
-            <a:xfrm>
-              <a:off x="2957384" y="2669060"/>
-              <a:ext cx="2817340" cy="369332"/>
-            </a:xfrm>
-            <a:prstGeom prst="rect">
-              <a:avLst/>
-            </a:prstGeom>
-            <a:noFill/>
-          </p:spPr>
-          <p:txBody>
-            <a:bodyPr wrap="square" rtlCol="0">
-              <a:spAutoFit/>
-            </a:bodyPr>
-            <a:lstStyle/>
-            <a:p>
-              <a:r>
-                <a:rPr lang="en-US" dirty="0" smtClean="0">
-                  <a:solidFill>
-                    <a:srgbClr val="0070C0"/>
-                  </a:solidFill>
-                </a:rPr>
-                <a:t>Inter-cluster distance</a:t>
-              </a:r>
-              <a:endParaRPr lang="en-US" dirty="0">
-                <a:solidFill>
-                  <a:srgbClr val="0070C0"/>
-                </a:solidFill>
-              </a:endParaRPr>
-            </a:p>
-          </p:txBody>
-        </p:sp>
-        <p:cxnSp>
-          <p:nvCxnSpPr>
-            <p:cNvPr id="21" name="Straight Arrow Connector 20"/>
-            <p:cNvCxnSpPr/>
-            <p:nvPr/>
-          </p:nvCxnSpPr>
-          <p:spPr>
-            <a:xfrm flipH="1">
-              <a:off x="2677297" y="2853726"/>
-              <a:ext cx="280087" cy="369332"/>
-            </a:xfrm>
-            <a:prstGeom prst="straightConnector1">
-              <a:avLst/>
-            </a:prstGeom>
-            <a:ln w="19050">
-              <a:tailEnd type="triangle"/>
-            </a:ln>
-          </p:spPr>
-          <p:style>
-            <a:lnRef idx="1">
-              <a:schemeClr val="accent1"/>
-            </a:lnRef>
-            <a:fillRef idx="0">
-              <a:schemeClr val="accent1"/>
-            </a:fillRef>
-            <a:effectRef idx="0">
-              <a:schemeClr val="accent1"/>
-            </a:effectRef>
-            <a:fontRef idx="minor">
-              <a:schemeClr val="tx1"/>
-            </a:fontRef>
-          </p:style>
-        </p:cxnSp>
-      </p:grpSp>
-      <p:grpSp>
-        <p:nvGrpSpPr>
-          <p:cNvPr id="26" name="Group 25"/>
-          <p:cNvGrpSpPr/>
-          <p:nvPr/>
-        </p:nvGrpSpPr>
-        <p:grpSpPr>
-          <a:xfrm>
-            <a:off x="5058547" y="2893137"/>
-            <a:ext cx="3133468" cy="477231"/>
-            <a:chOff x="5214551" y="2851624"/>
-            <a:chExt cx="3133468" cy="477231"/>
-          </a:xfrm>
-        </p:grpSpPr>
-        <p:sp>
-          <p:nvSpPr>
-            <p:cNvPr id="19" name="TextBox 18"/>
-            <p:cNvSpPr txBox="1"/>
-            <p:nvPr/>
-          </p:nvSpPr>
-          <p:spPr>
-            <a:xfrm>
-              <a:off x="5530679" y="2851624"/>
-              <a:ext cx="2817340" cy="369332"/>
-            </a:xfrm>
-            <a:prstGeom prst="rect">
-              <a:avLst/>
-            </a:prstGeom>
-            <a:noFill/>
-          </p:spPr>
-          <p:txBody>
-            <a:bodyPr wrap="square" rtlCol="0">
-              <a:spAutoFit/>
-            </a:bodyPr>
-            <a:lstStyle/>
-            <a:p>
-              <a:r>
-                <a:rPr lang="en-US" dirty="0" smtClean="0">
-                  <a:solidFill>
-                    <a:srgbClr val="002060"/>
-                  </a:solidFill>
-                </a:rPr>
-                <a:t>Intra-cluster distance</a:t>
-              </a:r>
-              <a:endParaRPr lang="en-US" dirty="0">
-                <a:solidFill>
-                  <a:srgbClr val="002060"/>
-                </a:solidFill>
-              </a:endParaRPr>
-            </a:p>
-          </p:txBody>
-        </p:sp>
-        <p:cxnSp>
-          <p:nvCxnSpPr>
-            <p:cNvPr id="24" name="Straight Arrow Connector 23"/>
-            <p:cNvCxnSpPr>
-              <a:stCxn id="19" idx="1"/>
-            </p:cNvCxnSpPr>
-            <p:nvPr/>
-          </p:nvCxnSpPr>
-          <p:spPr>
-            <a:xfrm flipH="1">
-              <a:off x="5214551" y="3036290"/>
-              <a:ext cx="316128" cy="292565"/>
-            </a:xfrm>
-            <a:prstGeom prst="straightConnector1">
-              <a:avLst/>
-            </a:prstGeom>
-            <a:ln w="19050">
-              <a:solidFill>
-                <a:srgbClr val="002060"/>
-              </a:solidFill>
-              <a:tailEnd type="triangle"/>
-            </a:ln>
-          </p:spPr>
-          <p:style>
-            <a:lnRef idx="1">
-              <a:schemeClr val="accent1"/>
-            </a:lnRef>
-            <a:fillRef idx="0">
-              <a:schemeClr val="accent1"/>
-            </a:fillRef>
-            <a:effectRef idx="0">
-              <a:schemeClr val="accent1"/>
-            </a:effectRef>
-            <a:fontRef idx="minor">
-              <a:schemeClr val="tx1"/>
-            </a:fontRef>
-          </p:style>
-        </p:cxnSp>
-      </p:grpSp>
-      <p:grpSp>
-        <p:nvGrpSpPr>
-          <p:cNvPr id="10" name="Group 9"/>
-          <p:cNvGrpSpPr/>
-          <p:nvPr/>
-        </p:nvGrpSpPr>
-        <p:grpSpPr>
-          <a:xfrm>
-            <a:off x="4572000" y="2205577"/>
-            <a:ext cx="4268230" cy="993646"/>
-            <a:chOff x="4572000" y="2205577"/>
-            <a:chExt cx="4268230" cy="993646"/>
-          </a:xfrm>
-        </p:grpSpPr>
-        <p:sp>
-          <p:nvSpPr>
-            <p:cNvPr id="7" name="TextBox 6"/>
-            <p:cNvSpPr txBox="1"/>
-            <p:nvPr/>
-          </p:nvSpPr>
-          <p:spPr>
-            <a:xfrm>
-              <a:off x="4902543" y="2205577"/>
-              <a:ext cx="3937687" cy="400110"/>
-            </a:xfrm>
-            <a:prstGeom prst="rect">
-              <a:avLst/>
-            </a:prstGeom>
-            <a:noFill/>
-          </p:spPr>
-          <p:txBody>
-            <a:bodyPr wrap="square" rtlCol="0">
-              <a:spAutoFit/>
-            </a:bodyPr>
-            <a:lstStyle/>
-            <a:p>
-              <a:r>
-                <a:rPr lang="en-US" sz="2000" b="1" dirty="0" smtClean="0">
-                  <a:solidFill>
-                    <a:srgbClr val="FF0000"/>
-                  </a:solidFill>
-                </a:rPr>
-                <a:t>Optimize this in an alternative way</a:t>
-              </a:r>
-              <a:endParaRPr lang="en-US" sz="2000" b="1" dirty="0">
-                <a:solidFill>
-                  <a:srgbClr val="FF0000"/>
-                </a:solidFill>
-              </a:endParaRPr>
-            </a:p>
-          </p:txBody>
-        </p:sp>
-        <p:cxnSp>
-          <p:nvCxnSpPr>
-            <p:cNvPr id="9" name="Straight Arrow Connector 8"/>
-            <p:cNvCxnSpPr/>
-            <p:nvPr/>
-          </p:nvCxnSpPr>
-          <p:spPr>
-            <a:xfrm flipH="1">
-              <a:off x="4572000" y="2577989"/>
-              <a:ext cx="644611" cy="621234"/>
-            </a:xfrm>
-            <a:prstGeom prst="straightConnector1">
-              <a:avLst/>
-            </a:prstGeom>
-            <a:ln w="19050">
-              <a:solidFill>
-                <a:srgbClr val="FF0000"/>
-              </a:solidFill>
-              <a:tailEnd type="triangle"/>
-            </a:ln>
-          </p:spPr>
-          <p:style>
-            <a:lnRef idx="1">
-              <a:schemeClr val="accent1"/>
-            </a:lnRef>
-            <a:fillRef idx="0">
-              <a:schemeClr val="accent1"/>
-            </a:fillRef>
-            <a:effectRef idx="0">
-              <a:schemeClr val="accent1"/>
-            </a:effectRef>
-            <a:fontRef idx="minor">
-              <a:schemeClr val="tx1"/>
-            </a:fontRef>
-          </p:style>
-        </p:cxnSp>
-      </p:grpSp>
-    </p:spTree>
-    <p:extLst>
-      <p:ext uri="{BB962C8B-B14F-4D97-AF65-F5344CB8AC3E}">
-        <p14:creationId xmlns:p14="http://schemas.microsoft.com/office/powerpoint/2010/main" val="3962680618"/>
-      </p:ext>
-    </p:extLst>
-  </p:cSld>
-  <p:clrMapOvr>
-    <a:masterClrMapping/>
-  </p:clrMapOvr>
-  <p:timing>
-    <p:tnLst>
-      <p:par>
-        <p:cTn id="1" dur="indefinite" restart="never" nodeType="tmRoot"/>
-      </p:par>
-    </p:tnLst>
-  </p:timing>
-</p:sld>
-</file>
-
-<file path=ppt/slides/slide17.xml><?xml version="1.0" encoding="utf-8"?>
-<p:sld xmlns:a="http://schemas.openxmlformats.org/drawingml/2006/main" xmlns:r="http://schemas.openxmlformats.org/officeDocument/2006/relationships" xmlns:p="http://schemas.openxmlformats.org/presentationml/2006/main">
-  <p:cSld>
-    <p:spTree>
-      <p:nvGrpSpPr>
-        <p:cNvPr id="1" name=""/>
-        <p:cNvGrpSpPr/>
-        <p:nvPr/>
-      </p:nvGrpSpPr>
-      <p:grpSpPr>
-        <a:xfrm>
-          <a:off x="0" y="0"/>
-          <a:ext cx="0" cy="0"/>
-          <a:chOff x="0" y="0"/>
-          <a:chExt cx="0" cy="0"/>
-        </a:xfrm>
-      </p:grpSpPr>
-      <p:sp>
-        <p:nvSpPr>
-          <p:cNvPr id="2" name="Title 1"/>
-          <p:cNvSpPr>
-            <a:spLocks noGrp="1"/>
-          </p:cNvSpPr>
-          <p:nvPr>
-            <p:ph type="title"/>
-          </p:nvPr>
-        </p:nvSpPr>
-        <p:spPr/>
-        <p:txBody>
-          <a:bodyPr/>
-          <a:lstStyle/>
-          <a:p>
-            <a:r>
-              <a:rPr lang="en-US" dirty="0" smtClean="0"/>
-              <a:t>Recap: </a:t>
-            </a:r>
-            <a:r>
-              <a:rPr lang="en-US" i="1" dirty="0" smtClean="0"/>
-              <a:t>k</a:t>
-            </a:r>
-            <a:r>
-              <a:rPr lang="en-US" dirty="0" smtClean="0"/>
-              <a:t>-means </a:t>
-            </a:r>
-            <a:r>
-              <a:rPr lang="en-US" dirty="0" smtClean="0"/>
-              <a:t>algorithm</a:t>
-            </a:r>
-            <a:endParaRPr lang="en-US" dirty="0"/>
-          </a:p>
-        </p:txBody>
-      </p:sp>
-      <mc:AlternateContent xmlns:mc="http://schemas.openxmlformats.org/markup-compatibility/2006" xmlns:a14="http://schemas.microsoft.com/office/drawing/2010/main">
-        <mc:Choice Requires="a14">
-          <p:sp>
-            <p:nvSpPr>
-              <p:cNvPr id="3" name="Content Placeholder 2"/>
-              <p:cNvSpPr>
-                <a:spLocks noGrp="1"/>
-              </p:cNvSpPr>
-              <p:nvPr>
-                <p:ph idx="1"/>
-              </p:nvPr>
-            </p:nvSpPr>
-            <p:spPr/>
-            <p:txBody>
-              <a:bodyPr>
-                <a:normAutofit fontScale="77500" lnSpcReduction="20000"/>
-              </a:bodyPr>
-              <a:lstStyle/>
-              <a:p>
-                <a:pPr marL="0" indent="0">
-                  <a:buNone/>
-                </a:pPr>
-                <a:r>
-                  <a:rPr lang="en-US" dirty="0" smtClean="0"/>
-                  <a:t>Input: cluster size </a:t>
-                </a:r>
-                <a:r>
-                  <a:rPr lang="en-US" i="1" dirty="0" smtClean="0"/>
-                  <a:t>k</a:t>
-                </a:r>
-                <a:r>
-                  <a:rPr lang="en-US" dirty="0" smtClean="0"/>
-                  <a:t>, instances </a:t>
-                </a:r>
-                <a14:m>
-                  <m:oMath xmlns:m="http://schemas.openxmlformats.org/officeDocument/2006/math">
-                    <m:sSubSup>
-                      <m:sSubSupPr>
-                        <m:ctrlPr>
-                          <a:rPr lang="en-US" i="1">
-                            <a:latin typeface="Cambria Math" panose="02040503050406030204" pitchFamily="18" charset="0"/>
-                          </a:rPr>
-                        </m:ctrlPr>
-                      </m:sSubSupPr>
-                      <m:e>
-                        <m:r>
-                          <a:rPr lang="en-US" i="1">
-                            <a:latin typeface="Cambria Math" panose="02040503050406030204" pitchFamily="18" charset="0"/>
-                          </a:rPr>
-                          <m:t>{</m:t>
-                        </m:r>
-                        <m:sSub>
-                          <m:sSubPr>
-                            <m:ctrlPr>
-                              <a:rPr lang="en-US" i="1">
-                                <a:latin typeface="Cambria Math" panose="02040503050406030204" pitchFamily="18" charset="0"/>
-                              </a:rPr>
-                            </m:ctrlPr>
-                          </m:sSubPr>
-                          <m:e>
-                            <m:r>
-                              <a:rPr lang="en-US" b="0" i="1" smtClean="0">
-                                <a:latin typeface="Cambria Math" panose="02040503050406030204" pitchFamily="18" charset="0"/>
-                              </a:rPr>
-                              <m:t>𝑥</m:t>
-                            </m:r>
-                          </m:e>
-                          <m:sub>
-                            <m:r>
-                              <a:rPr lang="en-US" i="1">
-                                <a:latin typeface="Cambria Math" panose="02040503050406030204" pitchFamily="18" charset="0"/>
-                              </a:rPr>
-                              <m:t>𝑖</m:t>
-                            </m:r>
-                          </m:sub>
-                        </m:sSub>
-                        <m:r>
-                          <a:rPr lang="en-US" i="1">
-                            <a:latin typeface="Cambria Math" panose="02040503050406030204" pitchFamily="18" charset="0"/>
-                          </a:rPr>
-                          <m:t>}</m:t>
-                        </m:r>
-                      </m:e>
-                      <m:sub>
-                        <m:r>
-                          <a:rPr lang="en-US" i="1">
-                            <a:latin typeface="Cambria Math" panose="02040503050406030204" pitchFamily="18" charset="0"/>
-                          </a:rPr>
-                          <m:t>𝑖</m:t>
-                        </m:r>
-                        <m:r>
-                          <a:rPr lang="en-US" i="1">
-                            <a:latin typeface="Cambria Math" panose="02040503050406030204" pitchFamily="18" charset="0"/>
-                          </a:rPr>
-                          <m:t>=1</m:t>
-                        </m:r>
-                      </m:sub>
-                      <m:sup>
-                        <m:r>
-                          <a:rPr lang="en-US" i="1">
-                            <a:latin typeface="Cambria Math" panose="02040503050406030204" pitchFamily="18" charset="0"/>
-                          </a:rPr>
-                          <m:t>𝑁</m:t>
-                        </m:r>
-                      </m:sup>
-                    </m:sSubSup>
-                  </m:oMath>
-                </a14:m>
-                <a:r>
-                  <a:rPr lang="en-US" dirty="0" smtClean="0"/>
-                  <a:t>, distance metric </a:t>
-                </a:r>
-                <a14:m>
-                  <m:oMath xmlns:m="http://schemas.openxmlformats.org/officeDocument/2006/math">
-                    <m:r>
-                      <a:rPr lang="en-US" i="1" dirty="0" smtClean="0">
-                        <a:latin typeface="Cambria Math" panose="02040503050406030204" pitchFamily="18" charset="0"/>
-                      </a:rPr>
-                      <m:t>𝑑</m:t>
-                    </m:r>
-                    <m:r>
-                      <a:rPr lang="en-US" i="1" dirty="0" smtClean="0">
-                        <a:latin typeface="Cambria Math" panose="02040503050406030204" pitchFamily="18" charset="0"/>
-                      </a:rPr>
-                      <m:t>(</m:t>
-                    </m:r>
-                    <m:r>
-                      <a:rPr lang="en-US" i="1" dirty="0" err="1" smtClean="0">
-                        <a:latin typeface="Cambria Math" panose="02040503050406030204" pitchFamily="18" charset="0"/>
-                      </a:rPr>
-                      <m:t>𝑥</m:t>
-                    </m:r>
-                    <m:r>
-                      <a:rPr lang="en-US" i="1" dirty="0" err="1" smtClean="0">
-                        <a:latin typeface="Cambria Math" panose="02040503050406030204" pitchFamily="18" charset="0"/>
-                      </a:rPr>
-                      <m:t>,</m:t>
-                    </m:r>
-                    <m:r>
-                      <a:rPr lang="en-US" i="1" dirty="0" err="1" smtClean="0">
-                        <a:latin typeface="Cambria Math" panose="02040503050406030204" pitchFamily="18" charset="0"/>
-                      </a:rPr>
-                      <m:t>𝑦</m:t>
-                    </m:r>
-                    <m:r>
-                      <a:rPr lang="en-US" i="1" dirty="0" smtClean="0">
-                        <a:latin typeface="Cambria Math" panose="02040503050406030204" pitchFamily="18" charset="0"/>
-                      </a:rPr>
-                      <m:t>)</m:t>
-                    </m:r>
-                  </m:oMath>
-                </a14:m>
-                <a:endParaRPr lang="en-US" i="1" dirty="0" smtClean="0"/>
-              </a:p>
-              <a:p>
-                <a:pPr marL="0" indent="0">
-                  <a:buNone/>
-                </a:pPr>
-                <a:r>
-                  <a:rPr lang="en-US" dirty="0" smtClean="0"/>
-                  <a:t>Output: cluster membership assignments </a:t>
-                </a:r>
-                <a14:m>
-                  <m:oMath xmlns:m="http://schemas.openxmlformats.org/officeDocument/2006/math">
-                    <m:sSubSup>
-                      <m:sSubSupPr>
-                        <m:ctrlPr>
-                          <a:rPr lang="en-US" b="0" i="1" smtClean="0">
-                            <a:latin typeface="Cambria Math" panose="02040503050406030204" pitchFamily="18" charset="0"/>
-                          </a:rPr>
-                        </m:ctrlPr>
-                      </m:sSubSupPr>
-                      <m:e>
-                        <m:r>
-                          <a:rPr lang="en-US" b="0" i="1" smtClean="0">
-                            <a:latin typeface="Cambria Math" panose="02040503050406030204" pitchFamily="18" charset="0"/>
-                          </a:rPr>
-                          <m:t>{</m:t>
-                        </m:r>
-                        <m:sSub>
-                          <m:sSubPr>
-                            <m:ctrlPr>
-                              <a:rPr lang="en-US" b="0" i="1" smtClean="0">
-                                <a:latin typeface="Cambria Math" panose="02040503050406030204" pitchFamily="18" charset="0"/>
-                              </a:rPr>
-                            </m:ctrlPr>
-                          </m:sSubPr>
-                          <m:e>
-                            <m:r>
-                              <a:rPr lang="en-US" b="0" i="1" smtClean="0">
-                                <a:latin typeface="Cambria Math" panose="02040503050406030204" pitchFamily="18" charset="0"/>
-                              </a:rPr>
-                              <m:t>𝑧</m:t>
-                            </m:r>
-                          </m:e>
-                          <m:sub>
-                            <m:r>
-                              <a:rPr lang="en-US" b="0" i="1" smtClean="0">
-                                <a:latin typeface="Cambria Math" panose="02040503050406030204" pitchFamily="18" charset="0"/>
-                              </a:rPr>
-                              <m:t>𝑖</m:t>
-                            </m:r>
-                          </m:sub>
-                        </m:sSub>
-                        <m:r>
-                          <a:rPr lang="en-US" b="0" i="1" smtClean="0">
-                            <a:latin typeface="Cambria Math" panose="02040503050406030204" pitchFamily="18" charset="0"/>
-                          </a:rPr>
-                          <m:t>}</m:t>
-                        </m:r>
-                      </m:e>
-                      <m:sub>
-                        <m:r>
-                          <a:rPr lang="en-US" b="0" i="1" smtClean="0">
-                            <a:latin typeface="Cambria Math" panose="02040503050406030204" pitchFamily="18" charset="0"/>
-                          </a:rPr>
-                          <m:t>𝑖</m:t>
-                        </m:r>
-                        <m:r>
-                          <a:rPr lang="en-US" b="0" i="1" smtClean="0">
-                            <a:latin typeface="Cambria Math" panose="02040503050406030204" pitchFamily="18" charset="0"/>
-                          </a:rPr>
-                          <m:t>=1</m:t>
-                        </m:r>
-                      </m:sub>
-                      <m:sup>
-                        <m:r>
-                          <a:rPr lang="en-US" b="0" i="1" smtClean="0">
-                            <a:latin typeface="Cambria Math" panose="02040503050406030204" pitchFamily="18" charset="0"/>
-                          </a:rPr>
-                          <m:t>𝑁</m:t>
-                        </m:r>
-                      </m:sup>
-                    </m:sSubSup>
-                  </m:oMath>
-                </a14:m>
-                <a:endParaRPr lang="en-US" dirty="0" smtClean="0"/>
-              </a:p>
-              <a:p>
-                <a:pPr marL="514350" indent="-514350">
-                  <a:buFont typeface="+mj-lt"/>
-                  <a:buAutoNum type="arabicPeriod"/>
-                </a:pPr>
-                <a:r>
-                  <a:rPr lang="en-US" dirty="0" smtClean="0"/>
-                  <a:t>Initialize </a:t>
-                </a:r>
-                <a:r>
-                  <a:rPr lang="en-US" i="1" dirty="0" smtClean="0"/>
-                  <a:t>k</a:t>
-                </a:r>
-                <a:r>
-                  <a:rPr lang="en-US" dirty="0" smtClean="0"/>
-                  <a:t> cluster </a:t>
-                </a:r>
-                <a:r>
-                  <a:rPr lang="en-US" dirty="0"/>
-                  <a:t>centroids </a:t>
-                </a:r>
-                <a14:m>
-                  <m:oMath xmlns:m="http://schemas.openxmlformats.org/officeDocument/2006/math">
-                    <m:sSubSup>
-                      <m:sSubSupPr>
-                        <m:ctrlPr>
-                          <a:rPr lang="en-US" i="1">
-                            <a:latin typeface="Cambria Math" panose="02040503050406030204" pitchFamily="18" charset="0"/>
-                          </a:rPr>
-                        </m:ctrlPr>
-                      </m:sSubSupPr>
-                      <m:e>
-                        <m:r>
-                          <a:rPr lang="en-US" i="1">
-                            <a:latin typeface="Cambria Math" panose="02040503050406030204" pitchFamily="18" charset="0"/>
-                          </a:rPr>
-                          <m:t>{</m:t>
-                        </m:r>
-                        <m:sSub>
-                          <m:sSubPr>
-                            <m:ctrlPr>
-                              <a:rPr lang="en-US" i="1">
-                                <a:latin typeface="Cambria Math" panose="02040503050406030204" pitchFamily="18" charset="0"/>
-                              </a:rPr>
-                            </m:ctrlPr>
-                          </m:sSubPr>
-                          <m:e>
-                            <m:r>
-                              <a:rPr lang="en-US" b="0" i="1" smtClean="0">
-                                <a:latin typeface="Cambria Math" panose="02040503050406030204" pitchFamily="18" charset="0"/>
-                              </a:rPr>
-                              <m:t>𝑐</m:t>
-                            </m:r>
-                          </m:e>
-                          <m:sub>
-                            <m:r>
-                              <a:rPr lang="en-US" i="1">
-                                <a:latin typeface="Cambria Math" panose="02040503050406030204" pitchFamily="18" charset="0"/>
-                              </a:rPr>
-                              <m:t>𝑖</m:t>
-                            </m:r>
-                          </m:sub>
-                        </m:sSub>
-                        <m:r>
-                          <a:rPr lang="en-US" i="1">
-                            <a:latin typeface="Cambria Math" panose="02040503050406030204" pitchFamily="18" charset="0"/>
-                          </a:rPr>
-                          <m:t>}</m:t>
-                        </m:r>
-                      </m:e>
-                      <m:sub>
-                        <m:r>
-                          <a:rPr lang="en-US" i="1">
-                            <a:latin typeface="Cambria Math" panose="02040503050406030204" pitchFamily="18" charset="0"/>
-                          </a:rPr>
-                          <m:t>𝑖</m:t>
-                        </m:r>
-                        <m:r>
-                          <a:rPr lang="en-US" i="1">
-                            <a:latin typeface="Cambria Math" panose="02040503050406030204" pitchFamily="18" charset="0"/>
-                          </a:rPr>
-                          <m:t>=1</m:t>
-                        </m:r>
-                      </m:sub>
-                      <m:sup>
-                        <m:r>
-                          <a:rPr lang="en-US" b="0" i="1" smtClean="0">
-                            <a:latin typeface="Cambria Math" panose="02040503050406030204" pitchFamily="18" charset="0"/>
-                          </a:rPr>
-                          <m:t>𝑘</m:t>
-                        </m:r>
-                      </m:sup>
-                    </m:sSubSup>
-                  </m:oMath>
-                </a14:m>
-                <a:r>
-                  <a:rPr lang="en-US" dirty="0" smtClean="0"/>
-                  <a:t> (randomly if no domain knowledge available)</a:t>
-                </a:r>
-              </a:p>
-              <a:p>
-                <a:pPr marL="514350" indent="-514350">
-                  <a:buFont typeface="+mj-lt"/>
-                  <a:buAutoNum type="arabicPeriod"/>
-                </a:pPr>
-                <a:r>
-                  <a:rPr lang="en-US" dirty="0" smtClean="0"/>
-                  <a:t>Repeat until no instance changes its cluster membership:</a:t>
-                </a:r>
-              </a:p>
-              <a:p>
-                <a:pPr marL="914400" lvl="1" indent="-514350"/>
-                <a:r>
-                  <a:rPr lang="en-US" dirty="0" smtClean="0"/>
-                  <a:t>Decide the cluster membership of instances by assigning them to the nearest cluster centroid</a:t>
-                </a:r>
-              </a:p>
-              <a:p>
-                <a:pPr marL="400050" lvl="1" indent="0">
-                  <a:buNone/>
-                </a:pPr>
-                <a14:m>
-                  <m:oMathPara xmlns:m="http://schemas.openxmlformats.org/officeDocument/2006/math">
-                    <m:oMathParaPr>
-                      <m:jc m:val="centerGroup"/>
-                    </m:oMathParaPr>
-                    <m:oMath xmlns:m="http://schemas.openxmlformats.org/officeDocument/2006/math">
-                      <m:sSub>
-                        <m:sSubPr>
-                          <m:ctrlPr>
-                            <a:rPr lang="en-US" b="0" i="1" smtClean="0">
-                              <a:latin typeface="Cambria Math" panose="02040503050406030204" pitchFamily="18" charset="0"/>
-                            </a:rPr>
-                          </m:ctrlPr>
-                        </m:sSubPr>
-                        <m:e>
-                          <m:r>
-                            <a:rPr lang="en-US" b="0" i="1" smtClean="0">
-                              <a:latin typeface="Cambria Math" panose="02040503050406030204" pitchFamily="18" charset="0"/>
-                            </a:rPr>
-                            <m:t>𝑧</m:t>
-                          </m:r>
-                        </m:e>
-                        <m:sub>
-                          <m:r>
-                            <a:rPr lang="en-US" b="0" i="1" smtClean="0">
-                              <a:latin typeface="Cambria Math" panose="02040503050406030204" pitchFamily="18" charset="0"/>
-                            </a:rPr>
-                            <m:t>𝑖</m:t>
-                          </m:r>
-                        </m:sub>
-                      </m:sSub>
-                      <m:r>
-                        <a:rPr lang="en-US" b="0" i="1" smtClean="0">
-                          <a:latin typeface="Cambria Math" panose="02040503050406030204" pitchFamily="18" charset="0"/>
-                        </a:rPr>
-                        <m:t>=</m:t>
-                      </m:r>
-                      <m:r>
-                        <a:rPr lang="en-US" b="0" i="1" smtClean="0">
-                          <a:latin typeface="Cambria Math" panose="02040503050406030204" pitchFamily="18" charset="0"/>
-                        </a:rPr>
-                        <m:t>𝑎𝑟𝑔𝑚𝑖</m:t>
-                      </m:r>
-                      <m:sSub>
-                        <m:sSubPr>
-                          <m:ctrlPr>
-                            <a:rPr lang="en-US" b="0" i="1" smtClean="0">
-                              <a:latin typeface="Cambria Math" panose="02040503050406030204" pitchFamily="18" charset="0"/>
-                            </a:rPr>
-                          </m:ctrlPr>
-                        </m:sSubPr>
-                        <m:e>
-                          <m:r>
-                            <a:rPr lang="en-US" b="0" i="1" smtClean="0">
-                              <a:latin typeface="Cambria Math" panose="02040503050406030204" pitchFamily="18" charset="0"/>
-                            </a:rPr>
-                            <m:t>𝑛</m:t>
-                          </m:r>
-                        </m:e>
-                        <m:sub>
-                          <m:r>
-                            <a:rPr lang="en-US" b="0" i="1" smtClean="0">
-                              <a:latin typeface="Cambria Math" panose="02040503050406030204" pitchFamily="18" charset="0"/>
-                            </a:rPr>
-                            <m:t>𝑘</m:t>
-                          </m:r>
-                        </m:sub>
-                      </m:sSub>
-                      <m:r>
-                        <a:rPr lang="en-US" b="0" i="1" smtClean="0">
-                          <a:latin typeface="Cambria Math" panose="02040503050406030204" pitchFamily="18" charset="0"/>
-                        </a:rPr>
-                        <m:t>𝑑</m:t>
-                      </m:r>
-                      <m:r>
-                        <a:rPr lang="en-US" b="0" i="1" smtClean="0">
-                          <a:latin typeface="Cambria Math" panose="02040503050406030204" pitchFamily="18" charset="0"/>
-                        </a:rPr>
-                        <m:t>(</m:t>
-                      </m:r>
-                      <m:sSub>
-                        <m:sSubPr>
-                          <m:ctrlPr>
-                            <a:rPr lang="en-US" b="0" i="1" smtClean="0">
-                              <a:latin typeface="Cambria Math" panose="02040503050406030204" pitchFamily="18" charset="0"/>
-                            </a:rPr>
-                          </m:ctrlPr>
-                        </m:sSubPr>
-                        <m:e>
-                          <m:r>
-                            <a:rPr lang="en-US" b="0" i="1" smtClean="0">
-                              <a:latin typeface="Cambria Math" panose="02040503050406030204" pitchFamily="18" charset="0"/>
-                            </a:rPr>
-                            <m:t>𝑐</m:t>
-                          </m:r>
-                        </m:e>
-                        <m:sub>
-                          <m:r>
-                            <a:rPr lang="en-US" b="0" i="1" smtClean="0">
-                              <a:latin typeface="Cambria Math" panose="02040503050406030204" pitchFamily="18" charset="0"/>
-                            </a:rPr>
-                            <m:t>𝑘</m:t>
-                          </m:r>
-                        </m:sub>
-                      </m:sSub>
-                      <m:r>
-                        <a:rPr lang="en-US" b="0" i="1" smtClean="0">
-                          <a:latin typeface="Cambria Math" panose="02040503050406030204" pitchFamily="18" charset="0"/>
-                        </a:rPr>
-                        <m:t>,</m:t>
-                      </m:r>
-                      <m:sSub>
-                        <m:sSubPr>
-                          <m:ctrlPr>
-                            <a:rPr lang="en-US" b="0" i="1" smtClean="0">
-                              <a:latin typeface="Cambria Math" panose="02040503050406030204" pitchFamily="18" charset="0"/>
-                            </a:rPr>
-                          </m:ctrlPr>
-                        </m:sSubPr>
-                        <m:e>
-                          <m:r>
-                            <a:rPr lang="en-US" b="0" i="1" smtClean="0">
-                              <a:latin typeface="Cambria Math" panose="02040503050406030204" pitchFamily="18" charset="0"/>
-                            </a:rPr>
-                            <m:t>𝑥</m:t>
-                          </m:r>
-                        </m:e>
-                        <m:sub>
-                          <m:r>
-                            <a:rPr lang="en-US" b="0" i="1" smtClean="0">
-                              <a:latin typeface="Cambria Math" panose="02040503050406030204" pitchFamily="18" charset="0"/>
-                            </a:rPr>
-                            <m:t>𝑖</m:t>
-                          </m:r>
-                        </m:sub>
-                      </m:sSub>
-                      <m:r>
-                        <a:rPr lang="en-US" b="0" i="1" smtClean="0">
-                          <a:latin typeface="Cambria Math" panose="02040503050406030204" pitchFamily="18" charset="0"/>
-                        </a:rPr>
-                        <m:t>)</m:t>
-                      </m:r>
-                    </m:oMath>
-                  </m:oMathPara>
-                </a14:m>
-                <a:endParaRPr lang="en-US" dirty="0" smtClean="0"/>
-              </a:p>
-              <a:p>
-                <a:pPr marL="914400" lvl="1" indent="-514350"/>
-                <a:r>
-                  <a:rPr lang="en-US" dirty="0" smtClean="0"/>
-                  <a:t>Update the </a:t>
-                </a:r>
-                <a:r>
-                  <a:rPr lang="en-US" i="1" dirty="0" smtClean="0"/>
-                  <a:t>k</a:t>
-                </a:r>
-                <a:r>
-                  <a:rPr lang="en-US" dirty="0" smtClean="0"/>
-                  <a:t> cluster centroids based on the assigned cluster membership</a:t>
-                </a:r>
-              </a:p>
-              <a:p>
-                <a:pPr marL="800100" lvl="2" indent="0">
-                  <a:buNone/>
-                </a:pPr>
-                <a14:m>
-                  <m:oMathPara xmlns:m="http://schemas.openxmlformats.org/officeDocument/2006/math">
-                    <m:oMathParaPr>
-                      <m:jc m:val="centerGroup"/>
-                    </m:oMathParaPr>
-                    <m:oMath xmlns:m="http://schemas.openxmlformats.org/officeDocument/2006/math">
-                      <m:sSub>
-                        <m:sSubPr>
-                          <m:ctrlPr>
-                            <a:rPr lang="en-US" b="0" i="1" smtClean="0">
-                              <a:latin typeface="Cambria Math" panose="02040503050406030204" pitchFamily="18" charset="0"/>
-                            </a:rPr>
-                          </m:ctrlPr>
-                        </m:sSubPr>
-                        <m:e>
-                          <m:r>
-                            <a:rPr lang="en-US" b="0" i="1" smtClean="0">
-                              <a:latin typeface="Cambria Math" panose="02040503050406030204" pitchFamily="18" charset="0"/>
-                            </a:rPr>
-                            <m:t>𝑐</m:t>
-                          </m:r>
-                        </m:e>
-                        <m:sub>
-                          <m:r>
-                            <a:rPr lang="en-US" b="0" i="1" smtClean="0">
-                              <a:latin typeface="Cambria Math" panose="02040503050406030204" pitchFamily="18" charset="0"/>
-                            </a:rPr>
-                            <m:t>𝑘</m:t>
-                          </m:r>
-                        </m:sub>
-                      </m:sSub>
-                      <m:r>
-                        <a:rPr lang="en-US" b="0" i="1" smtClean="0">
-                          <a:latin typeface="Cambria Math" panose="02040503050406030204" pitchFamily="18" charset="0"/>
-                        </a:rPr>
-                        <m:t>=</m:t>
-                      </m:r>
-                      <m:f>
-                        <m:fPr>
-                          <m:ctrlPr>
-                            <a:rPr lang="en-US" b="0" i="1" smtClean="0">
-                              <a:latin typeface="Cambria Math" panose="02040503050406030204" pitchFamily="18" charset="0"/>
-                            </a:rPr>
-                          </m:ctrlPr>
-                        </m:fPr>
-                        <m:num>
-                          <m:nary>
-                            <m:naryPr>
-                              <m:chr m:val="∑"/>
-                              <m:supHide m:val="on"/>
-                              <m:ctrlPr>
-                                <a:rPr lang="en-US" b="0" i="1" smtClean="0">
-                                  <a:latin typeface="Cambria Math" panose="02040503050406030204" pitchFamily="18" charset="0"/>
-                                </a:rPr>
-                              </m:ctrlPr>
-                            </m:naryPr>
-                            <m:sub>
-                              <m:r>
-                                <a:rPr lang="en-US" b="0" i="1" smtClean="0">
-                                  <a:latin typeface="Cambria Math" panose="02040503050406030204" pitchFamily="18" charset="0"/>
-                                </a:rPr>
-                                <m:t>𝑖</m:t>
-                              </m:r>
-                            </m:sub>
-                            <m:sup/>
-                            <m:e>
-                              <m:r>
-                                <a:rPr lang="en-US" i="1">
-                                  <a:latin typeface="Cambria Math" panose="02040503050406030204" pitchFamily="18" charset="0"/>
-                                </a:rPr>
-                                <m:t>𝛿</m:t>
-                              </m:r>
-                              <m:d>
-                                <m:dPr>
-                                  <m:ctrlPr>
-                                    <a:rPr lang="en-US" i="1">
-                                      <a:latin typeface="Cambria Math" panose="02040503050406030204" pitchFamily="18" charset="0"/>
-                                    </a:rPr>
-                                  </m:ctrlPr>
-                                </m:dPr>
-                                <m:e>
-                                  <m:sSub>
-                                    <m:sSubPr>
-                                      <m:ctrlPr>
-                                        <a:rPr lang="en-US" i="1">
-                                          <a:latin typeface="Cambria Math" panose="02040503050406030204" pitchFamily="18" charset="0"/>
-                                        </a:rPr>
-                                      </m:ctrlPr>
-                                    </m:sSubPr>
-                                    <m:e>
-                                      <m:r>
-                                        <a:rPr lang="en-US" i="1">
-                                          <a:latin typeface="Cambria Math" panose="02040503050406030204" pitchFamily="18" charset="0"/>
-                                        </a:rPr>
-                                        <m:t>𝑧</m:t>
-                                      </m:r>
-                                    </m:e>
-                                    <m:sub>
-                                      <m:r>
-                                        <a:rPr lang="en-US" i="1">
-                                          <a:latin typeface="Cambria Math" panose="02040503050406030204" pitchFamily="18" charset="0"/>
-                                        </a:rPr>
-                                        <m:t>𝑖</m:t>
-                                      </m:r>
-                                    </m:sub>
-                                  </m:sSub>
-                                  <m:r>
-                                    <a:rPr lang="en-US" i="1">
-                                      <a:latin typeface="Cambria Math" panose="02040503050406030204" pitchFamily="18" charset="0"/>
-                                    </a:rPr>
-                                    <m:t>=</m:t>
-                                  </m:r>
-                                  <m:sSub>
-                                    <m:sSubPr>
-                                      <m:ctrlPr>
-                                        <a:rPr lang="en-US" i="1">
-                                          <a:latin typeface="Cambria Math" panose="02040503050406030204" pitchFamily="18" charset="0"/>
-                                        </a:rPr>
-                                      </m:ctrlPr>
-                                    </m:sSubPr>
-                                    <m:e>
-                                      <m:r>
-                                        <a:rPr lang="en-US" i="1">
-                                          <a:latin typeface="Cambria Math" panose="02040503050406030204" pitchFamily="18" charset="0"/>
-                                        </a:rPr>
-                                        <m:t>𝑐</m:t>
-                                      </m:r>
-                                    </m:e>
-                                    <m:sub>
-                                      <m:r>
-                                        <a:rPr lang="en-US" i="1">
-                                          <a:latin typeface="Cambria Math" panose="02040503050406030204" pitchFamily="18" charset="0"/>
-                                        </a:rPr>
-                                        <m:t>𝑘</m:t>
-                                      </m:r>
-                                    </m:sub>
-                                  </m:sSub>
-                                </m:e>
-                              </m:d>
-                              <m:sSub>
-                                <m:sSubPr>
-                                  <m:ctrlPr>
-                                    <a:rPr lang="en-US" b="0" i="1" smtClean="0">
-                                      <a:latin typeface="Cambria Math" panose="02040503050406030204" pitchFamily="18" charset="0"/>
-                                    </a:rPr>
-                                  </m:ctrlPr>
-                                </m:sSubPr>
-                                <m:e>
-                                  <m:r>
-                                    <a:rPr lang="en-US" b="0" i="1" smtClean="0">
-                                      <a:latin typeface="Cambria Math" panose="02040503050406030204" pitchFamily="18" charset="0"/>
-                                    </a:rPr>
-                                    <m:t>𝑥</m:t>
-                                  </m:r>
-                                </m:e>
-                                <m:sub>
-                                  <m:r>
-                                    <a:rPr lang="en-US" b="0" i="1" smtClean="0">
-                                      <a:latin typeface="Cambria Math" panose="02040503050406030204" pitchFamily="18" charset="0"/>
-                                    </a:rPr>
-                                    <m:t>𝑖</m:t>
-                                  </m:r>
-                                </m:sub>
-                              </m:sSub>
-                            </m:e>
-                          </m:nary>
-                        </m:num>
-                        <m:den>
-                          <m:nary>
-                            <m:naryPr>
-                              <m:chr m:val="∑"/>
-                              <m:supHide m:val="on"/>
-                              <m:ctrlPr>
-                                <a:rPr lang="en-US" b="0" i="1" smtClean="0">
-                                  <a:latin typeface="Cambria Math" panose="02040503050406030204" pitchFamily="18" charset="0"/>
-                                </a:rPr>
-                              </m:ctrlPr>
-                            </m:naryPr>
-                            <m:sub>
-                              <m:r>
-                                <a:rPr lang="en-US" b="0" i="1" smtClean="0">
-                                  <a:latin typeface="Cambria Math" panose="02040503050406030204" pitchFamily="18" charset="0"/>
-                                </a:rPr>
-                                <m:t>𝑖</m:t>
-                              </m:r>
-                            </m:sub>
-                            <m:sup/>
-                            <m:e>
-                              <m:r>
-                                <a:rPr lang="en-US" b="0" i="1" smtClean="0">
-                                  <a:latin typeface="Cambria Math" panose="02040503050406030204" pitchFamily="18" charset="0"/>
-                                </a:rPr>
-                                <m:t>𝛿</m:t>
-                              </m:r>
-                              <m:r>
-                                <a:rPr lang="en-US" b="0" i="1" smtClean="0">
-                                  <a:latin typeface="Cambria Math" panose="02040503050406030204" pitchFamily="18" charset="0"/>
-                                </a:rPr>
-                                <m:t>(</m:t>
-                              </m:r>
-                              <m:sSub>
-                                <m:sSubPr>
-                                  <m:ctrlPr>
-                                    <a:rPr lang="en-US" b="0" i="1" smtClean="0">
-                                      <a:latin typeface="Cambria Math" panose="02040503050406030204" pitchFamily="18" charset="0"/>
-                                    </a:rPr>
-                                  </m:ctrlPr>
-                                </m:sSubPr>
-                                <m:e>
-                                  <m:r>
-                                    <a:rPr lang="en-US" b="0" i="1" smtClean="0">
-                                      <a:latin typeface="Cambria Math" panose="02040503050406030204" pitchFamily="18" charset="0"/>
-                                    </a:rPr>
-                                    <m:t>𝑧</m:t>
-                                  </m:r>
-                                </m:e>
-                                <m:sub>
-                                  <m:r>
-                                    <a:rPr lang="en-US" b="0" i="1" smtClean="0">
-                                      <a:latin typeface="Cambria Math" panose="02040503050406030204" pitchFamily="18" charset="0"/>
-                                    </a:rPr>
-                                    <m:t>𝑖</m:t>
-                                  </m:r>
-                                </m:sub>
-                              </m:sSub>
-                              <m:r>
-                                <a:rPr lang="en-US" b="0" i="1" smtClean="0">
-                                  <a:latin typeface="Cambria Math" panose="02040503050406030204" pitchFamily="18" charset="0"/>
-                                </a:rPr>
-                                <m:t>=</m:t>
-                              </m:r>
-                              <m:sSub>
-                                <m:sSubPr>
-                                  <m:ctrlPr>
-                                    <a:rPr lang="en-US" b="0" i="1" smtClean="0">
-                                      <a:latin typeface="Cambria Math" panose="02040503050406030204" pitchFamily="18" charset="0"/>
-                                    </a:rPr>
-                                  </m:ctrlPr>
-                                </m:sSubPr>
-                                <m:e>
-                                  <m:r>
-                                    <a:rPr lang="en-US" b="0" i="1" smtClean="0">
-                                      <a:latin typeface="Cambria Math" panose="02040503050406030204" pitchFamily="18" charset="0"/>
-                                    </a:rPr>
-                                    <m:t>𝑐</m:t>
-                                  </m:r>
-                                </m:e>
-                                <m:sub>
-                                  <m:r>
-                                    <a:rPr lang="en-US" b="0" i="1" smtClean="0">
-                                      <a:latin typeface="Cambria Math" panose="02040503050406030204" pitchFamily="18" charset="0"/>
-                                    </a:rPr>
-                                    <m:t>𝑘</m:t>
-                                  </m:r>
-                                </m:sub>
-                              </m:sSub>
-                              <m:r>
-                                <a:rPr lang="en-US" b="0" i="1" smtClean="0">
-                                  <a:latin typeface="Cambria Math" panose="02040503050406030204" pitchFamily="18" charset="0"/>
-                                </a:rPr>
-                                <m:t>)</m:t>
-                              </m:r>
-                            </m:e>
-                          </m:nary>
-                        </m:den>
-                      </m:f>
-                    </m:oMath>
-                  </m:oMathPara>
-                </a14:m>
-                <a:endParaRPr lang="en-US" dirty="0"/>
-              </a:p>
-            </p:txBody>
-          </p:sp>
-        </mc:Choice>
-        <mc:Fallback xmlns="">
-          <p:sp>
-            <p:nvSpPr>
-              <p:cNvPr id="3" name="Content Placeholder 2"/>
-              <p:cNvSpPr>
-                <a:spLocks noGrp="1" noRot="1" noChangeAspect="1" noMove="1" noResize="1" noEditPoints="1" noAdjustHandles="1" noChangeArrowheads="1" noChangeShapeType="1" noTextEdit="1"/>
-              </p:cNvSpPr>
-              <p:nvPr>
-                <p:ph idx="1"/>
-              </p:nvPr>
-            </p:nvSpPr>
-            <p:spPr>
-              <a:blipFill rotWithShape="0">
-                <a:blip r:embed="rId2"/>
-                <a:stretch>
-                  <a:fillRect l="-1259" t="-2291" r="-741"/>
-                </a:stretch>
-              </a:blipFill>
-            </p:spPr>
-            <p:txBody>
-              <a:bodyPr/>
-              <a:lstStyle/>
-              <a:p>
-                <a:r>
-                  <a:rPr lang="en-US">
-                    <a:noFill/>
-                  </a:rPr>
-                  <a:t> </a:t>
-                </a:r>
-              </a:p>
-            </p:txBody>
-          </p:sp>
-        </mc:Fallback>
-      </mc:AlternateContent>
-      <p:sp>
-        <p:nvSpPr>
-          <p:cNvPr id="4" name="Date Placeholder 3"/>
-          <p:cNvSpPr>
-            <a:spLocks noGrp="1"/>
-          </p:cNvSpPr>
-          <p:nvPr>
-            <p:ph type="dt" sz="half" idx="10"/>
-          </p:nvPr>
-        </p:nvSpPr>
-        <p:spPr/>
-        <p:txBody>
-          <a:bodyPr/>
-          <a:lstStyle/>
-          <a:p>
-            <a:r>
-              <a:rPr lang="en-US" smtClean="0"/>
-              <a:t>CS@UVa</a:t>
-            </a:r>
-            <a:endParaRPr lang="en-US"/>
-          </a:p>
-        </p:txBody>
-      </p:sp>
-      <p:sp>
-        <p:nvSpPr>
-          <p:cNvPr id="5" name="Footer Placeholder 4"/>
-          <p:cNvSpPr>
-            <a:spLocks noGrp="1"/>
-          </p:cNvSpPr>
-          <p:nvPr>
-            <p:ph type="ftr" sz="quarter" idx="11"/>
-          </p:nvPr>
-        </p:nvSpPr>
-        <p:spPr/>
-        <p:txBody>
-          <a:bodyPr/>
-          <a:lstStyle/>
-          <a:p>
-            <a:r>
-              <a:rPr lang="en-US" smtClean="0"/>
-              <a:t>CS 6501: Text Mining</a:t>
-            </a:r>
-            <a:endParaRPr lang="en-US"/>
-          </a:p>
-        </p:txBody>
-      </p:sp>
-      <p:sp>
-        <p:nvSpPr>
-          <p:cNvPr id="6" name="Slide Number Placeholder 5"/>
-          <p:cNvSpPr>
-            <a:spLocks noGrp="1"/>
-          </p:cNvSpPr>
-          <p:nvPr>
-            <p:ph type="sldNum" sz="quarter" idx="12"/>
-          </p:nvPr>
-        </p:nvSpPr>
-        <p:spPr/>
-        <p:txBody>
-          <a:bodyPr/>
-          <a:lstStyle/>
-          <a:p>
-            <a:fld id="{64B9C3A9-27DF-40B5-9FC7-1DF96985BC5A}" type="slidenum">
-              <a:rPr lang="en-US" smtClean="0"/>
-              <a:t>17</a:t>
-            </a:fld>
-            <a:endParaRPr lang="en-US"/>
-          </a:p>
-        </p:txBody>
-      </p:sp>
-      <p:sp>
-        <p:nvSpPr>
-          <p:cNvPr id="7" name="TextBox 6"/>
-          <p:cNvSpPr txBox="1"/>
-          <p:nvPr/>
-        </p:nvSpPr>
-        <p:spPr>
-          <a:xfrm>
-            <a:off x="6184556" y="4085968"/>
-            <a:ext cx="2667000" cy="369332"/>
-          </a:xfrm>
-          <a:prstGeom prst="rect">
-            <a:avLst/>
-          </a:prstGeom>
-          <a:noFill/>
-        </p:spPr>
-        <p:txBody>
-          <a:bodyPr wrap="square" rtlCol="0">
-            <a:spAutoFit/>
-          </a:bodyPr>
-          <a:lstStyle/>
-          <a:p>
-            <a:r>
-              <a:rPr lang="en-US" i="1" dirty="0" smtClean="0">
-                <a:solidFill>
-                  <a:srgbClr val="FF0000"/>
-                </a:solidFill>
-              </a:rPr>
-              <a:t>Minimize intra distance</a:t>
-            </a:r>
-            <a:endParaRPr lang="en-US" i="1" dirty="0">
-              <a:solidFill>
-                <a:srgbClr val="FF0000"/>
-              </a:solidFill>
-            </a:endParaRPr>
-          </a:p>
-        </p:txBody>
-      </p:sp>
-      <p:sp>
-        <p:nvSpPr>
-          <p:cNvPr id="8" name="TextBox 7"/>
-          <p:cNvSpPr txBox="1"/>
-          <p:nvPr/>
-        </p:nvSpPr>
-        <p:spPr>
-          <a:xfrm>
-            <a:off x="6184556" y="5106066"/>
-            <a:ext cx="2667000" cy="369332"/>
-          </a:xfrm>
-          <a:prstGeom prst="rect">
-            <a:avLst/>
-          </a:prstGeom>
-          <a:noFill/>
-        </p:spPr>
-        <p:txBody>
-          <a:bodyPr wrap="square" rtlCol="0">
-            <a:spAutoFit/>
-          </a:bodyPr>
-          <a:lstStyle/>
-          <a:p>
-            <a:r>
-              <a:rPr lang="en-US" i="1" dirty="0" smtClean="0">
-                <a:solidFill>
-                  <a:srgbClr val="FF0000"/>
-                </a:solidFill>
-              </a:rPr>
-              <a:t>Maximize inter distance</a:t>
-            </a:r>
-            <a:endParaRPr lang="en-US" i="1" dirty="0">
-              <a:solidFill>
-                <a:srgbClr val="FF0000"/>
-              </a:solidFill>
-            </a:endParaRPr>
-          </a:p>
-        </p:txBody>
-      </p:sp>
-    </p:spTree>
-    <p:extLst>
-      <p:ext uri="{BB962C8B-B14F-4D97-AF65-F5344CB8AC3E}">
-        <p14:creationId xmlns:p14="http://schemas.microsoft.com/office/powerpoint/2010/main" val="3849503137"/>
-      </p:ext>
-    </p:extLst>
-  </p:cSld>
-  <p:clrMapOvr>
-    <a:masterClrMapping/>
-  </p:clrMapOvr>
-  <p:timing>
-    <p:tnLst>
-      <p:par>
-        <p:cTn id="1" dur="indefinite" restart="never" nodeType="tmRoot"/>
-      </p:par>
-    </p:tnLst>
-  </p:timing>
-</p:sld>
-</file>
-
-<file path=ppt/slides/slide18.xml><?xml version="1.0" encoding="utf-8"?>
-<p:sld xmlns:a="http://schemas.openxmlformats.org/drawingml/2006/main" xmlns:r="http://schemas.openxmlformats.org/officeDocument/2006/relationships" xmlns:p="http://schemas.openxmlformats.org/presentationml/2006/main">
-  <p:cSld>
-    <p:spTree>
-      <p:nvGrpSpPr>
-        <p:cNvPr id="1" name=""/>
-        <p:cNvGrpSpPr/>
-        <p:nvPr/>
-      </p:nvGrpSpPr>
-      <p:grpSpPr>
-        <a:xfrm>
-          <a:off x="0" y="0"/>
-          <a:ext cx="0" cy="0"/>
-          <a:chOff x="0" y="0"/>
-          <a:chExt cx="0" cy="0"/>
-        </a:xfrm>
-      </p:grpSpPr>
-      <p:sp>
-        <p:nvSpPr>
-          <p:cNvPr id="2" name="Title 1"/>
-          <p:cNvSpPr>
-            <a:spLocks noGrp="1"/>
-          </p:cNvSpPr>
-          <p:nvPr>
-            <p:ph type="title"/>
-          </p:nvPr>
-        </p:nvSpPr>
-        <p:spPr/>
-        <p:txBody>
-          <a:bodyPr>
-            <a:normAutofit fontScale="90000"/>
-          </a:bodyPr>
-          <a:lstStyle/>
-          <a:p>
-            <a:r>
-              <a:rPr lang="en-US" sz="3800" dirty="0" smtClean="0"/>
-              <a:t>Recap: Probabilistic </a:t>
-            </a:r>
-            <a:r>
-              <a:rPr lang="en-US" sz="3800" dirty="0"/>
-              <a:t>interpretation of clustering</a:t>
-            </a:r>
-          </a:p>
-        </p:txBody>
-      </p:sp>
-      <mc:AlternateContent xmlns:mc="http://schemas.openxmlformats.org/markup-compatibility/2006" xmlns:a14="http://schemas.microsoft.com/office/drawing/2010/main">
-        <mc:Choice Requires="a14">
-          <p:sp>
-            <p:nvSpPr>
-              <p:cNvPr id="3" name="Content Placeholder 2"/>
-              <p:cNvSpPr>
-                <a:spLocks noGrp="1"/>
-              </p:cNvSpPr>
-              <p:nvPr>
-                <p:ph idx="1"/>
-              </p:nvPr>
-            </p:nvSpPr>
-            <p:spPr/>
-            <p:txBody>
-              <a:bodyPr/>
-              <a:lstStyle/>
-              <a:p>
-                <a:r>
-                  <a:rPr lang="en-US" dirty="0" smtClean="0"/>
-                  <a:t>The density model of </a:t>
-                </a:r>
-                <a14:m>
-                  <m:oMath xmlns:m="http://schemas.openxmlformats.org/officeDocument/2006/math">
-                    <m:r>
-                      <a:rPr lang="en-US" b="0" i="1" smtClean="0">
-                        <a:latin typeface="Cambria Math" panose="02040503050406030204" pitchFamily="18" charset="0"/>
-                      </a:rPr>
-                      <m:t>𝑝</m:t>
-                    </m:r>
-                    <m:d>
-                      <m:dPr>
-                        <m:ctrlPr>
-                          <a:rPr lang="en-US" b="0" i="1" smtClean="0">
-                            <a:latin typeface="Cambria Math" panose="02040503050406030204" pitchFamily="18" charset="0"/>
-                          </a:rPr>
-                        </m:ctrlPr>
-                      </m:dPr>
-                      <m:e>
-                        <m:r>
-                          <a:rPr lang="en-US" b="0" i="1" smtClean="0">
-                            <a:latin typeface="Cambria Math" panose="02040503050406030204" pitchFamily="18" charset="0"/>
-                          </a:rPr>
-                          <m:t>𝑥</m:t>
-                        </m:r>
-                      </m:e>
-                    </m:d>
-                  </m:oMath>
-                </a14:m>
-                <a:r>
-                  <a:rPr lang="en-US" dirty="0" smtClean="0"/>
-                  <a:t> is multi-modal</a:t>
-                </a:r>
-              </a:p>
-              <a:p>
-                <a:r>
-                  <a:rPr lang="en-US" dirty="0" smtClean="0"/>
-                  <a:t>Each mode represents a sub-population</a:t>
-                </a:r>
-              </a:p>
-              <a:p>
-                <a:pPr lvl="1"/>
-                <a:r>
-                  <a:rPr lang="en-US" dirty="0" smtClean="0"/>
-                  <a:t>E.g., unimodal Gaussian for each group</a:t>
-                </a:r>
-                <a:endParaRPr lang="en-US" dirty="0"/>
-              </a:p>
-            </p:txBody>
-          </p:sp>
-        </mc:Choice>
-        <mc:Fallback xmlns="">
-          <p:sp>
-            <p:nvSpPr>
-              <p:cNvPr id="3" name="Content Placeholder 2"/>
-              <p:cNvSpPr>
-                <a:spLocks noGrp="1" noRot="1" noChangeAspect="1" noMove="1" noResize="1" noEditPoints="1" noAdjustHandles="1" noChangeArrowheads="1" noChangeShapeType="1" noTextEdit="1"/>
-              </p:cNvSpPr>
-              <p:nvPr>
-                <p:ph idx="1"/>
-              </p:nvPr>
-            </p:nvSpPr>
-            <p:spPr>
-              <a:blipFill rotWithShape="0">
-                <a:blip r:embed="rId2"/>
-                <a:stretch>
-                  <a:fillRect l="-1704" t="-1617"/>
-                </a:stretch>
-              </a:blipFill>
-            </p:spPr>
-            <p:txBody>
-              <a:bodyPr/>
-              <a:lstStyle/>
-              <a:p>
-                <a:r>
-                  <a:rPr lang="en-US">
-                    <a:noFill/>
-                  </a:rPr>
-                  <a:t> </a:t>
-                </a:r>
-              </a:p>
-            </p:txBody>
-          </p:sp>
-        </mc:Fallback>
-      </mc:AlternateContent>
-      <p:sp>
-        <p:nvSpPr>
-          <p:cNvPr id="4" name="Date Placeholder 3"/>
-          <p:cNvSpPr>
-            <a:spLocks noGrp="1"/>
-          </p:cNvSpPr>
-          <p:nvPr>
-            <p:ph type="dt" sz="half" idx="10"/>
-          </p:nvPr>
-        </p:nvSpPr>
-        <p:spPr/>
-        <p:txBody>
-          <a:bodyPr/>
-          <a:lstStyle/>
-          <a:p>
-            <a:r>
-              <a:rPr lang="en-US" smtClean="0"/>
-              <a:t>CS@UVa</a:t>
-            </a:r>
-            <a:endParaRPr lang="en-US"/>
-          </a:p>
-        </p:txBody>
-      </p:sp>
-      <p:sp>
-        <p:nvSpPr>
-          <p:cNvPr id="5" name="Footer Placeholder 4"/>
-          <p:cNvSpPr>
-            <a:spLocks noGrp="1"/>
-          </p:cNvSpPr>
-          <p:nvPr>
-            <p:ph type="ftr" sz="quarter" idx="11"/>
-          </p:nvPr>
-        </p:nvSpPr>
-        <p:spPr/>
-        <p:txBody>
-          <a:bodyPr/>
-          <a:lstStyle/>
-          <a:p>
-            <a:r>
-              <a:rPr lang="en-US" smtClean="0"/>
-              <a:t>CS 6501: Text Mining</a:t>
-            </a:r>
-            <a:endParaRPr lang="en-US"/>
-          </a:p>
-        </p:txBody>
-      </p:sp>
-      <p:sp>
-        <p:nvSpPr>
-          <p:cNvPr id="6" name="Slide Number Placeholder 5"/>
-          <p:cNvSpPr>
-            <a:spLocks noGrp="1"/>
-          </p:cNvSpPr>
-          <p:nvPr>
-            <p:ph type="sldNum" sz="quarter" idx="12"/>
-          </p:nvPr>
-        </p:nvSpPr>
-        <p:spPr/>
-        <p:txBody>
-          <a:bodyPr/>
-          <a:lstStyle/>
-          <a:p>
-            <a:fld id="{64B9C3A9-27DF-40B5-9FC7-1DF96985BC5A}" type="slidenum">
-              <a:rPr lang="en-US" smtClean="0"/>
-              <a:t>18</a:t>
-            </a:fld>
-            <a:endParaRPr lang="en-US"/>
-          </a:p>
-        </p:txBody>
-      </p:sp>
-      <p:pic>
-        <p:nvPicPr>
-          <p:cNvPr id="7" name="Picture 6"/>
-          <p:cNvPicPr>
-            <a:picLocks noChangeAspect="1"/>
-          </p:cNvPicPr>
-          <p:nvPr/>
-        </p:nvPicPr>
-        <p:blipFill>
-          <a:blip r:embed="rId3"/>
-          <a:stretch>
-            <a:fillRect/>
-          </a:stretch>
-        </p:blipFill>
-        <p:spPr>
-          <a:xfrm>
-            <a:off x="2672078" y="3789642"/>
-            <a:ext cx="3213855" cy="2336523"/>
-          </a:xfrm>
-          <a:prstGeom prst="rect">
-            <a:avLst/>
-          </a:prstGeom>
-        </p:spPr>
-      </p:pic>
-      <p:grpSp>
-        <p:nvGrpSpPr>
-          <p:cNvPr id="11" name="Group 10"/>
-          <p:cNvGrpSpPr/>
-          <p:nvPr/>
-        </p:nvGrpSpPr>
-        <p:grpSpPr>
-          <a:xfrm>
-            <a:off x="6019800" y="4192570"/>
-            <a:ext cx="2470526" cy="984184"/>
-            <a:chOff x="6019800" y="4192570"/>
-            <a:chExt cx="2470526" cy="984184"/>
-          </a:xfrm>
-        </p:grpSpPr>
-        <p:sp>
-          <p:nvSpPr>
-            <p:cNvPr id="8" name="TextBox 7"/>
-            <p:cNvSpPr txBox="1"/>
-            <p:nvPr/>
-          </p:nvSpPr>
-          <p:spPr>
-            <a:xfrm>
-              <a:off x="6019800" y="4192570"/>
-              <a:ext cx="1598140" cy="369332"/>
-            </a:xfrm>
-            <a:prstGeom prst="rect">
-              <a:avLst/>
-            </a:prstGeom>
-            <a:noFill/>
-          </p:spPr>
-          <p:txBody>
-            <a:bodyPr wrap="square" rtlCol="0">
-              <a:spAutoFit/>
-            </a:bodyPr>
-            <a:lstStyle/>
-            <a:p>
-              <a:r>
-                <a:rPr lang="en-US" dirty="0" smtClean="0"/>
-                <a:t>Mixture model</a:t>
-              </a:r>
-              <a:endParaRPr lang="en-US" dirty="0"/>
-            </a:p>
-          </p:txBody>
-        </p:sp>
-        <mc:AlternateContent xmlns:mc="http://schemas.openxmlformats.org/markup-compatibility/2006" xmlns:a14="http://schemas.microsoft.com/office/drawing/2010/main">
-          <mc:Choice Requires="a14">
-            <p:sp>
-              <p:nvSpPr>
-                <p:cNvPr id="9" name="TextBox 8"/>
-                <p:cNvSpPr txBox="1"/>
-                <p:nvPr/>
-              </p:nvSpPr>
-              <p:spPr>
-                <a:xfrm>
-                  <a:off x="6256638" y="4506058"/>
-                  <a:ext cx="2233688" cy="670696"/>
-                </a:xfrm>
-                <a:prstGeom prst="rect">
-                  <a:avLst/>
-                </a:prstGeom>
-                <a:noFill/>
-              </p:spPr>
-              <p:txBody>
-                <a:bodyPr wrap="none" lIns="0" tIns="0" rIns="0" bIns="0" rtlCol="0">
-                  <a:spAutoFit/>
-                </a:bodyPr>
-                <a:lstStyle/>
-                <a:p>
-                  <a:pPr/>
-                  <a14:m>
-                    <m:oMathPara xmlns:m="http://schemas.openxmlformats.org/officeDocument/2006/math">
-                      <m:oMathParaPr>
-                        <m:jc m:val="centerGroup"/>
-                      </m:oMathParaPr>
-                      <m:oMath xmlns:m="http://schemas.openxmlformats.org/officeDocument/2006/math">
-                        <m:r>
-                          <a:rPr lang="en-US" b="0" i="1" smtClean="0">
-                            <a:latin typeface="Cambria Math" panose="02040503050406030204" pitchFamily="18" charset="0"/>
-                          </a:rPr>
-                          <m:t>𝑝</m:t>
-                        </m:r>
-                        <m:d>
-                          <m:dPr>
-                            <m:ctrlPr>
-                              <a:rPr lang="en-US" b="0" i="1" smtClean="0">
-                                <a:latin typeface="Cambria Math" panose="02040503050406030204" pitchFamily="18" charset="0"/>
-                              </a:rPr>
-                            </m:ctrlPr>
-                          </m:dPr>
-                          <m:e>
-                            <m:r>
-                              <a:rPr lang="en-US" b="0" i="1" smtClean="0">
-                                <a:latin typeface="Cambria Math" panose="02040503050406030204" pitchFamily="18" charset="0"/>
-                              </a:rPr>
-                              <m:t>𝑥</m:t>
-                            </m:r>
-                          </m:e>
-                        </m:d>
-                        <m:r>
-                          <a:rPr lang="en-US" b="0" i="1" smtClean="0">
-                            <a:latin typeface="Cambria Math" panose="02040503050406030204" pitchFamily="18" charset="0"/>
-                          </a:rPr>
-                          <m:t>=</m:t>
-                        </m:r>
-                        <m:nary>
-                          <m:naryPr>
-                            <m:chr m:val="∑"/>
-                            <m:supHide m:val="on"/>
-                            <m:ctrlPr>
-                              <a:rPr lang="en-US" b="0" i="1" smtClean="0">
-                                <a:latin typeface="Cambria Math" panose="02040503050406030204" pitchFamily="18" charset="0"/>
-                              </a:rPr>
-                            </m:ctrlPr>
-                          </m:naryPr>
-                          <m:sub>
-                            <m:r>
-                              <a:rPr lang="en-US" b="0" i="1" smtClean="0">
-                                <a:latin typeface="Cambria Math" panose="02040503050406030204" pitchFamily="18" charset="0"/>
-                              </a:rPr>
-                              <m:t>𝑧</m:t>
-                            </m:r>
-                          </m:sub>
-                          <m:sup/>
-                          <m:e>
-                            <m:r>
-                              <a:rPr lang="en-US" b="0" i="1" smtClean="0">
-                                <a:latin typeface="Cambria Math" panose="02040503050406030204" pitchFamily="18" charset="0"/>
-                              </a:rPr>
-                              <m:t>𝑝</m:t>
-                            </m:r>
-                            <m:d>
-                              <m:dPr>
-                                <m:ctrlPr>
-                                  <a:rPr lang="en-US" b="0" i="1" smtClean="0">
-                                    <a:latin typeface="Cambria Math" panose="02040503050406030204" pitchFamily="18" charset="0"/>
-                                  </a:rPr>
-                                </m:ctrlPr>
-                              </m:dPr>
-                              <m:e>
-                                <m:r>
-                                  <a:rPr lang="en-US" b="0" i="1" smtClean="0">
-                                    <a:latin typeface="Cambria Math" panose="02040503050406030204" pitchFamily="18" charset="0"/>
-                                  </a:rPr>
-                                  <m:t>𝑥</m:t>
-                                </m:r>
-                              </m:e>
-                              <m:e>
-                                <m:r>
-                                  <a:rPr lang="en-US" b="0" i="1" smtClean="0">
-                                    <a:latin typeface="Cambria Math" panose="02040503050406030204" pitchFamily="18" charset="0"/>
-                                  </a:rPr>
-                                  <m:t>𝑧</m:t>
-                                </m:r>
-                              </m:e>
-                            </m:d>
-                            <m:r>
-                              <a:rPr lang="en-US" b="0" i="1" smtClean="0">
-                                <a:latin typeface="Cambria Math" panose="02040503050406030204" pitchFamily="18" charset="0"/>
-                              </a:rPr>
-                              <m:t>𝑝</m:t>
-                            </m:r>
-                            <m:r>
-                              <a:rPr lang="en-US" b="0" i="1" smtClean="0">
-                                <a:latin typeface="Cambria Math" panose="02040503050406030204" pitchFamily="18" charset="0"/>
-                              </a:rPr>
-                              <m:t>(</m:t>
-                            </m:r>
-                            <m:r>
-                              <a:rPr lang="en-US" b="0" i="1" smtClean="0">
-                                <a:latin typeface="Cambria Math" panose="02040503050406030204" pitchFamily="18" charset="0"/>
-                              </a:rPr>
-                              <m:t>𝑧</m:t>
-                            </m:r>
-                            <m:r>
-                              <a:rPr lang="en-US" b="0" i="1" smtClean="0">
-                                <a:latin typeface="Cambria Math" panose="02040503050406030204" pitchFamily="18" charset="0"/>
-                              </a:rPr>
-                              <m:t>)</m:t>
-                            </m:r>
-                          </m:e>
-                        </m:nary>
-                      </m:oMath>
-                    </m:oMathPara>
-                  </a14:m>
-                  <a:endParaRPr lang="en-US" dirty="0"/>
-                </a:p>
-              </p:txBody>
-            </p:sp>
-          </mc:Choice>
-          <mc:Fallback xmlns="">
-            <p:sp>
-              <p:nvSpPr>
-                <p:cNvPr id="9" name="TextBox 8"/>
-                <p:cNvSpPr txBox="1">
-                  <a:spLocks noRot="1" noChangeAspect="1" noMove="1" noResize="1" noEditPoints="1" noAdjustHandles="1" noChangeArrowheads="1" noChangeShapeType="1" noTextEdit="1"/>
-                </p:cNvSpPr>
-                <p:nvPr/>
-              </p:nvSpPr>
-              <p:spPr>
-                <a:xfrm>
-                  <a:off x="6256638" y="4506058"/>
-                  <a:ext cx="2233688" cy="670696"/>
-                </a:xfrm>
-                <a:prstGeom prst="rect">
-                  <a:avLst/>
-                </a:prstGeom>
-                <a:blipFill rotWithShape="0">
-                  <a:blip r:embed="rId4"/>
-                  <a:stretch>
-                    <a:fillRect/>
-                  </a:stretch>
-                </a:blipFill>
-              </p:spPr>
-              <p:txBody>
-                <a:bodyPr/>
-                <a:lstStyle/>
-                <a:p>
-                  <a:r>
-                    <a:rPr lang="en-US">
-                      <a:noFill/>
-                    </a:rPr>
-                    <a:t> </a:t>
-                  </a:r>
-                </a:p>
-              </p:txBody>
-            </p:sp>
-          </mc:Fallback>
-        </mc:AlternateContent>
-      </p:grpSp>
-      <p:grpSp>
-        <p:nvGrpSpPr>
-          <p:cNvPr id="15" name="Group 14"/>
-          <p:cNvGrpSpPr/>
-          <p:nvPr/>
-        </p:nvGrpSpPr>
-        <p:grpSpPr>
-          <a:xfrm>
-            <a:off x="6019800" y="4987078"/>
-            <a:ext cx="2327189" cy="735570"/>
-            <a:chOff x="6019800" y="4987078"/>
-            <a:chExt cx="2327189" cy="735570"/>
-          </a:xfrm>
-        </p:grpSpPr>
-        <p:sp>
-          <p:nvSpPr>
-            <p:cNvPr id="10" name="TextBox 9"/>
-            <p:cNvSpPr txBox="1"/>
-            <p:nvPr/>
-          </p:nvSpPr>
-          <p:spPr>
-            <a:xfrm>
-              <a:off x="6019800" y="5353316"/>
-              <a:ext cx="2327189" cy="369332"/>
-            </a:xfrm>
-            <a:prstGeom prst="rect">
-              <a:avLst/>
-            </a:prstGeom>
-            <a:noFill/>
-          </p:spPr>
-          <p:txBody>
-            <a:bodyPr wrap="square" rtlCol="0">
-              <a:spAutoFit/>
-            </a:bodyPr>
-            <a:lstStyle/>
-            <a:p>
-              <a:r>
-                <a:rPr lang="en-US" dirty="0" smtClean="0"/>
-                <a:t>Unimodal distribution</a:t>
-              </a:r>
-              <a:endParaRPr lang="en-US" dirty="0"/>
-            </a:p>
-          </p:txBody>
-        </p:sp>
-        <p:cxnSp>
-          <p:nvCxnSpPr>
-            <p:cNvPr id="12" name="Straight Arrow Connector 11"/>
-            <p:cNvCxnSpPr>
-              <a:stCxn id="10" idx="0"/>
-            </p:cNvCxnSpPr>
-            <p:nvPr/>
-          </p:nvCxnSpPr>
-          <p:spPr>
-            <a:xfrm flipV="1">
-              <a:off x="7183395" y="4987078"/>
-              <a:ext cx="313037" cy="366238"/>
-            </a:xfrm>
-            <a:prstGeom prst="straightConnector1">
-              <a:avLst/>
-            </a:prstGeom>
-            <a:ln w="19050">
-              <a:tailEnd type="triangle"/>
-            </a:ln>
-          </p:spPr>
-          <p:style>
-            <a:lnRef idx="1">
-              <a:schemeClr val="accent1"/>
-            </a:lnRef>
-            <a:fillRef idx="0">
-              <a:schemeClr val="accent1"/>
-            </a:fillRef>
-            <a:effectRef idx="0">
-              <a:schemeClr val="accent1"/>
-            </a:effectRef>
-            <a:fontRef idx="minor">
-              <a:schemeClr val="tx1"/>
-            </a:fontRef>
-          </p:style>
-        </p:cxnSp>
-      </p:grpSp>
-      <p:grpSp>
-        <p:nvGrpSpPr>
-          <p:cNvPr id="16" name="Group 15"/>
-          <p:cNvGrpSpPr/>
-          <p:nvPr/>
-        </p:nvGrpSpPr>
-        <p:grpSpPr>
-          <a:xfrm>
-            <a:off x="7286368" y="4987078"/>
-            <a:ext cx="2327189" cy="1104902"/>
-            <a:chOff x="7286368" y="4987078"/>
-            <a:chExt cx="2327189" cy="1104902"/>
-          </a:xfrm>
-        </p:grpSpPr>
-        <p:sp>
-          <p:nvSpPr>
-            <p:cNvPr id="13" name="TextBox 12"/>
-            <p:cNvSpPr txBox="1"/>
-            <p:nvPr/>
-          </p:nvSpPr>
-          <p:spPr>
-            <a:xfrm>
-              <a:off x="7286368" y="5722648"/>
-              <a:ext cx="2327189" cy="369332"/>
-            </a:xfrm>
-            <a:prstGeom prst="rect">
-              <a:avLst/>
-            </a:prstGeom>
-            <a:noFill/>
-          </p:spPr>
-          <p:txBody>
-            <a:bodyPr wrap="square" rtlCol="0">
-              <a:spAutoFit/>
-            </a:bodyPr>
-            <a:lstStyle/>
-            <a:p>
-              <a:r>
-                <a:rPr lang="en-US" dirty="0" smtClean="0"/>
-                <a:t>Mixing proportion</a:t>
-              </a:r>
-              <a:endParaRPr lang="en-US" dirty="0"/>
-            </a:p>
-          </p:txBody>
-        </p:sp>
-        <p:cxnSp>
-          <p:nvCxnSpPr>
-            <p:cNvPr id="14" name="Straight Arrow Connector 13"/>
-            <p:cNvCxnSpPr>
-              <a:stCxn id="13" idx="0"/>
-            </p:cNvCxnSpPr>
-            <p:nvPr/>
-          </p:nvCxnSpPr>
-          <p:spPr>
-            <a:xfrm flipH="1" flipV="1">
-              <a:off x="8262551" y="4987078"/>
-              <a:ext cx="187412" cy="735570"/>
-            </a:xfrm>
-            <a:prstGeom prst="straightConnector1">
-              <a:avLst/>
-            </a:prstGeom>
-            <a:ln w="19050">
-              <a:tailEnd type="triangle"/>
-            </a:ln>
-          </p:spPr>
-          <p:style>
-            <a:lnRef idx="1">
-              <a:schemeClr val="accent1"/>
-            </a:lnRef>
-            <a:fillRef idx="0">
-              <a:schemeClr val="accent1"/>
-            </a:fillRef>
-            <a:effectRef idx="0">
-              <a:schemeClr val="accent1"/>
-            </a:effectRef>
-            <a:fontRef idx="minor">
-              <a:schemeClr val="tx1"/>
-            </a:fontRef>
-          </p:style>
-        </p:cxnSp>
-      </p:grpSp>
-      <p:grpSp>
-        <p:nvGrpSpPr>
-          <p:cNvPr id="17" name="Group 16"/>
-          <p:cNvGrpSpPr/>
-          <p:nvPr/>
-        </p:nvGrpSpPr>
-        <p:grpSpPr>
-          <a:xfrm>
-            <a:off x="1336072" y="4100531"/>
-            <a:ext cx="2329766" cy="1714744"/>
-            <a:chOff x="1336072" y="4100531"/>
-            <a:chExt cx="2329766" cy="1714744"/>
-          </a:xfrm>
-        </p:grpSpPr>
-        <p:sp>
-          <p:nvSpPr>
-            <p:cNvPr id="19" name="Oval 18"/>
-            <p:cNvSpPr/>
-            <p:nvPr/>
-          </p:nvSpPr>
-          <p:spPr>
-            <a:xfrm>
-              <a:off x="2949146" y="4100531"/>
-              <a:ext cx="716692" cy="1714744"/>
-            </a:xfrm>
-            <a:prstGeom prst="ellipse">
-              <a:avLst/>
-            </a:prstGeom>
-            <a:noFill/>
-            <a:ln>
-              <a:solidFill>
-                <a:srgbClr val="FF0000"/>
-              </a:solidFill>
-            </a:ln>
-          </p:spPr>
-          <p:style>
-            <a:lnRef idx="2">
-              <a:schemeClr val="accent1">
-                <a:shade val="50000"/>
-              </a:schemeClr>
-            </a:lnRef>
-            <a:fillRef idx="1">
-              <a:schemeClr val="accent1"/>
-            </a:fillRef>
-            <a:effectRef idx="0">
-              <a:schemeClr val="accent1"/>
-            </a:effectRef>
-            <a:fontRef idx="minor">
-              <a:schemeClr val="lt1"/>
-            </a:fontRef>
-          </p:style>
-          <p:txBody>
-            <a:bodyPr rtlCol="0" anchor="ctr"/>
-            <a:lstStyle/>
-            <a:p>
-              <a:pPr algn="ctr"/>
-              <a:endParaRPr lang="en-US"/>
-            </a:p>
-          </p:txBody>
-        </p:sp>
-        <mc:AlternateContent xmlns:mc="http://schemas.openxmlformats.org/markup-compatibility/2006" xmlns:a14="http://schemas.microsoft.com/office/drawing/2010/main">
-          <mc:Choice Requires="a14">
-            <p:sp>
-              <p:nvSpPr>
-                <p:cNvPr id="22" name="TextBox 21"/>
-                <p:cNvSpPr txBox="1"/>
-                <p:nvPr/>
-              </p:nvSpPr>
-              <p:spPr>
-                <a:xfrm>
-                  <a:off x="1336072" y="4561902"/>
-                  <a:ext cx="1126270" cy="276999"/>
-                </a:xfrm>
-                <a:prstGeom prst="rect">
-                  <a:avLst/>
-                </a:prstGeom>
-                <a:noFill/>
-              </p:spPr>
-              <p:txBody>
-                <a:bodyPr wrap="none" lIns="0" tIns="0" rIns="0" bIns="0" rtlCol="0">
-                  <a:spAutoFit/>
-                </a:bodyPr>
-                <a:lstStyle/>
-                <a:p>
-                  <a:pPr/>
-                  <a14:m>
-                    <m:oMathPara xmlns:m="http://schemas.openxmlformats.org/officeDocument/2006/math">
-                      <m:oMathParaPr>
-                        <m:jc m:val="centerGroup"/>
-                      </m:oMathParaPr>
-                      <m:oMath xmlns:m="http://schemas.openxmlformats.org/officeDocument/2006/math">
-                        <m:r>
-                          <a:rPr lang="en-US" b="0" i="1" smtClean="0">
-                            <a:solidFill>
-                              <a:srgbClr val="FF0000"/>
-                            </a:solidFill>
-                            <a:latin typeface="Cambria Math" panose="02040503050406030204" pitchFamily="18" charset="0"/>
-                          </a:rPr>
-                          <m:t>𝑝</m:t>
-                        </m:r>
-                        <m:r>
-                          <a:rPr lang="en-US" b="0" i="1" smtClean="0">
-                            <a:solidFill>
-                              <a:srgbClr val="FF0000"/>
-                            </a:solidFill>
-                            <a:latin typeface="Cambria Math" panose="02040503050406030204" pitchFamily="18" charset="0"/>
-                          </a:rPr>
-                          <m:t>(</m:t>
-                        </m:r>
-                        <m:r>
-                          <a:rPr lang="en-US" b="0" i="1" smtClean="0">
-                            <a:solidFill>
-                              <a:srgbClr val="FF0000"/>
-                            </a:solidFill>
-                            <a:latin typeface="Cambria Math" panose="02040503050406030204" pitchFamily="18" charset="0"/>
-                          </a:rPr>
-                          <m:t>𝑥</m:t>
-                        </m:r>
-                        <m:r>
-                          <a:rPr lang="en-US" b="0" i="1" smtClean="0">
-                            <a:solidFill>
-                              <a:srgbClr val="FF0000"/>
-                            </a:solidFill>
-                            <a:latin typeface="Cambria Math" panose="02040503050406030204" pitchFamily="18" charset="0"/>
-                          </a:rPr>
-                          <m:t>|</m:t>
-                        </m:r>
-                        <m:r>
-                          <a:rPr lang="en-US" b="0" i="1" smtClean="0">
-                            <a:solidFill>
-                              <a:srgbClr val="FF0000"/>
-                            </a:solidFill>
-                            <a:latin typeface="Cambria Math" panose="02040503050406030204" pitchFamily="18" charset="0"/>
-                          </a:rPr>
-                          <m:t>𝑧</m:t>
-                        </m:r>
-                        <m:r>
-                          <a:rPr lang="en-US" b="0" i="1" smtClean="0">
-                            <a:solidFill>
-                              <a:srgbClr val="FF0000"/>
-                            </a:solidFill>
-                            <a:latin typeface="Cambria Math" panose="02040503050406030204" pitchFamily="18" charset="0"/>
-                          </a:rPr>
-                          <m:t>=1)</m:t>
-                        </m:r>
-                      </m:oMath>
-                    </m:oMathPara>
-                  </a14:m>
-                  <a:endParaRPr lang="en-US" dirty="0">
-                    <a:solidFill>
-                      <a:srgbClr val="FF0000"/>
-                    </a:solidFill>
-                  </a:endParaRPr>
-                </a:p>
-              </p:txBody>
-            </p:sp>
-          </mc:Choice>
-          <mc:Fallback xmlns="">
-            <p:sp>
-              <p:nvSpPr>
-                <p:cNvPr id="22" name="TextBox 21"/>
-                <p:cNvSpPr txBox="1">
-                  <a:spLocks noRot="1" noChangeAspect="1" noMove="1" noResize="1" noEditPoints="1" noAdjustHandles="1" noChangeArrowheads="1" noChangeShapeType="1" noTextEdit="1"/>
-                </p:cNvSpPr>
-                <p:nvPr/>
-              </p:nvSpPr>
-              <p:spPr>
-                <a:xfrm>
-                  <a:off x="1336072" y="4561902"/>
-                  <a:ext cx="1126270" cy="276999"/>
-                </a:xfrm>
-                <a:prstGeom prst="rect">
-                  <a:avLst/>
-                </a:prstGeom>
-                <a:blipFill rotWithShape="0">
-                  <a:blip r:embed="rId5"/>
-                  <a:stretch>
-                    <a:fillRect l="-4865" t="-2174" r="-7027" b="-32609"/>
-                  </a:stretch>
-                </a:blipFill>
-              </p:spPr>
-              <p:txBody>
-                <a:bodyPr/>
-                <a:lstStyle/>
-                <a:p>
-                  <a:r>
-                    <a:rPr lang="en-US">
-                      <a:noFill/>
-                    </a:rPr>
-                    <a:t> </a:t>
-                  </a:r>
-                </a:p>
-              </p:txBody>
-            </p:sp>
-          </mc:Fallback>
-        </mc:AlternateContent>
-      </p:grpSp>
-      <p:grpSp>
-        <p:nvGrpSpPr>
-          <p:cNvPr id="25" name="Group 24"/>
-          <p:cNvGrpSpPr/>
-          <p:nvPr/>
-        </p:nvGrpSpPr>
-        <p:grpSpPr>
-          <a:xfrm>
-            <a:off x="4616110" y="3706141"/>
-            <a:ext cx="2440304" cy="821009"/>
-            <a:chOff x="4616110" y="3706141"/>
-            <a:chExt cx="2440304" cy="821009"/>
-          </a:xfrm>
-        </p:grpSpPr>
-        <p:sp>
-          <p:nvSpPr>
-            <p:cNvPr id="20" name="Oval 19"/>
-            <p:cNvSpPr/>
-            <p:nvPr/>
-          </p:nvSpPr>
-          <p:spPr>
-            <a:xfrm rot="17725057">
-              <a:off x="4950594" y="3611772"/>
-              <a:ext cx="580894" cy="1249861"/>
-            </a:xfrm>
-            <a:prstGeom prst="ellipse">
-              <a:avLst/>
-            </a:prstGeom>
-            <a:noFill/>
-            <a:ln>
-              <a:solidFill>
-                <a:srgbClr val="00B050"/>
-              </a:solidFill>
-            </a:ln>
-          </p:spPr>
-          <p:style>
-            <a:lnRef idx="2">
-              <a:schemeClr val="accent1">
-                <a:shade val="50000"/>
-              </a:schemeClr>
-            </a:lnRef>
-            <a:fillRef idx="1">
-              <a:schemeClr val="accent1"/>
-            </a:fillRef>
-            <a:effectRef idx="0">
-              <a:schemeClr val="accent1"/>
-            </a:effectRef>
-            <a:fontRef idx="minor">
-              <a:schemeClr val="lt1"/>
-            </a:fontRef>
-          </p:style>
-          <p:txBody>
-            <a:bodyPr rtlCol="0" anchor="ctr"/>
-            <a:lstStyle/>
-            <a:p>
-              <a:pPr algn="ctr"/>
-              <a:endParaRPr lang="en-US"/>
-            </a:p>
-          </p:txBody>
-        </p:sp>
-        <mc:AlternateContent xmlns:mc="http://schemas.openxmlformats.org/markup-compatibility/2006" xmlns:a14="http://schemas.microsoft.com/office/drawing/2010/main">
-          <mc:Choice Requires="a14">
-            <p:sp>
-              <p:nvSpPr>
-                <p:cNvPr id="23" name="TextBox 22"/>
-                <p:cNvSpPr txBox="1"/>
-                <p:nvPr/>
-              </p:nvSpPr>
-              <p:spPr>
-                <a:xfrm>
-                  <a:off x="5930144" y="3706141"/>
-                  <a:ext cx="1126270" cy="276999"/>
-                </a:xfrm>
-                <a:prstGeom prst="rect">
-                  <a:avLst/>
-                </a:prstGeom>
-                <a:noFill/>
-              </p:spPr>
-              <p:txBody>
-                <a:bodyPr wrap="none" lIns="0" tIns="0" rIns="0" bIns="0" rtlCol="0">
-                  <a:spAutoFit/>
-                </a:bodyPr>
-                <a:lstStyle/>
-                <a:p>
-                  <a:pPr/>
-                  <a14:m>
-                    <m:oMathPara xmlns:m="http://schemas.openxmlformats.org/officeDocument/2006/math">
-                      <m:oMathParaPr>
-                        <m:jc m:val="centerGroup"/>
-                      </m:oMathParaPr>
-                      <m:oMath xmlns:m="http://schemas.openxmlformats.org/officeDocument/2006/math">
-                        <m:r>
-                          <a:rPr lang="en-US" b="0" i="1" smtClean="0">
-                            <a:solidFill>
-                              <a:srgbClr val="00B050"/>
-                            </a:solidFill>
-                            <a:latin typeface="Cambria Math" panose="02040503050406030204" pitchFamily="18" charset="0"/>
-                          </a:rPr>
-                          <m:t>𝑝</m:t>
-                        </m:r>
-                        <m:r>
-                          <a:rPr lang="en-US" b="0" i="1" smtClean="0">
-                            <a:solidFill>
-                              <a:srgbClr val="00B050"/>
-                            </a:solidFill>
-                            <a:latin typeface="Cambria Math" panose="02040503050406030204" pitchFamily="18" charset="0"/>
-                          </a:rPr>
-                          <m:t>(</m:t>
-                        </m:r>
-                        <m:r>
-                          <a:rPr lang="en-US" b="0" i="1" smtClean="0">
-                            <a:solidFill>
-                              <a:srgbClr val="00B050"/>
-                            </a:solidFill>
-                            <a:latin typeface="Cambria Math" panose="02040503050406030204" pitchFamily="18" charset="0"/>
-                          </a:rPr>
-                          <m:t>𝑥</m:t>
-                        </m:r>
-                        <m:r>
-                          <a:rPr lang="en-US" b="0" i="1" smtClean="0">
-                            <a:solidFill>
-                              <a:srgbClr val="00B050"/>
-                            </a:solidFill>
-                            <a:latin typeface="Cambria Math" panose="02040503050406030204" pitchFamily="18" charset="0"/>
-                          </a:rPr>
-                          <m:t>|</m:t>
-                        </m:r>
-                        <m:r>
-                          <a:rPr lang="en-US" b="0" i="1" smtClean="0">
-                            <a:solidFill>
-                              <a:srgbClr val="00B050"/>
-                            </a:solidFill>
-                            <a:latin typeface="Cambria Math" panose="02040503050406030204" pitchFamily="18" charset="0"/>
-                          </a:rPr>
-                          <m:t>𝑧</m:t>
-                        </m:r>
-                        <m:r>
-                          <a:rPr lang="en-US" b="0" i="1" smtClean="0">
-                            <a:solidFill>
-                              <a:srgbClr val="00B050"/>
-                            </a:solidFill>
-                            <a:latin typeface="Cambria Math" panose="02040503050406030204" pitchFamily="18" charset="0"/>
-                          </a:rPr>
-                          <m:t>=2)</m:t>
-                        </m:r>
-                      </m:oMath>
-                    </m:oMathPara>
-                  </a14:m>
-                  <a:endParaRPr lang="en-US" dirty="0">
-                    <a:solidFill>
-                      <a:srgbClr val="00B050"/>
-                    </a:solidFill>
-                  </a:endParaRPr>
-                </a:p>
-              </p:txBody>
-            </p:sp>
-          </mc:Choice>
-          <mc:Fallback xmlns="">
-            <p:sp>
-              <p:nvSpPr>
-                <p:cNvPr id="23" name="TextBox 22"/>
-                <p:cNvSpPr txBox="1">
-                  <a:spLocks noRot="1" noChangeAspect="1" noMove="1" noResize="1" noEditPoints="1" noAdjustHandles="1" noChangeArrowheads="1" noChangeShapeType="1" noTextEdit="1"/>
-                </p:cNvSpPr>
-                <p:nvPr/>
-              </p:nvSpPr>
-              <p:spPr>
-                <a:xfrm>
-                  <a:off x="5930144" y="3706141"/>
-                  <a:ext cx="1126270" cy="276999"/>
-                </a:xfrm>
-                <a:prstGeom prst="rect">
-                  <a:avLst/>
-                </a:prstGeom>
-                <a:blipFill rotWithShape="0">
-                  <a:blip r:embed="rId6"/>
-                  <a:stretch>
-                    <a:fillRect l="-4865" t="-2222" r="-7027" b="-35556"/>
-                  </a:stretch>
-                </a:blipFill>
-              </p:spPr>
-              <p:txBody>
-                <a:bodyPr/>
-                <a:lstStyle/>
-                <a:p>
-                  <a:r>
-                    <a:rPr lang="en-US">
-                      <a:noFill/>
-                    </a:rPr>
-                    <a:t> </a:t>
-                  </a:r>
-                </a:p>
-              </p:txBody>
-            </p:sp>
-          </mc:Fallback>
-        </mc:AlternateContent>
-      </p:grpSp>
-      <p:grpSp>
-        <p:nvGrpSpPr>
-          <p:cNvPr id="18" name="Group 17"/>
-          <p:cNvGrpSpPr/>
-          <p:nvPr/>
-        </p:nvGrpSpPr>
-        <p:grpSpPr>
-          <a:xfrm>
-            <a:off x="3923622" y="4828818"/>
-            <a:ext cx="2689346" cy="1604772"/>
-            <a:chOff x="3923622" y="4828818"/>
-            <a:chExt cx="2689346" cy="1604772"/>
-          </a:xfrm>
-        </p:grpSpPr>
-        <p:sp>
-          <p:nvSpPr>
-            <p:cNvPr id="21" name="Oval 20"/>
-            <p:cNvSpPr/>
-            <p:nvPr/>
-          </p:nvSpPr>
-          <p:spPr>
-            <a:xfrm rot="18244946">
-              <a:off x="4433253" y="4319187"/>
-              <a:ext cx="916862" cy="1936123"/>
-            </a:xfrm>
-            <a:prstGeom prst="ellipse">
-              <a:avLst/>
-            </a:prstGeom>
-            <a:noFill/>
-            <a:ln>
-              <a:solidFill>
-                <a:srgbClr val="0070C0"/>
-              </a:solidFill>
-            </a:ln>
-          </p:spPr>
-          <p:style>
-            <a:lnRef idx="2">
-              <a:schemeClr val="accent1">
-                <a:shade val="50000"/>
-              </a:schemeClr>
-            </a:lnRef>
-            <a:fillRef idx="1">
-              <a:schemeClr val="accent1"/>
-            </a:fillRef>
-            <a:effectRef idx="0">
-              <a:schemeClr val="accent1"/>
-            </a:effectRef>
-            <a:fontRef idx="minor">
-              <a:schemeClr val="lt1"/>
-            </a:fontRef>
-          </p:style>
-          <p:txBody>
-            <a:bodyPr rtlCol="0" anchor="ctr"/>
-            <a:lstStyle/>
-            <a:p>
-              <a:pPr algn="ctr"/>
-              <a:endParaRPr lang="en-US"/>
-            </a:p>
-          </p:txBody>
-        </p:sp>
-        <mc:AlternateContent xmlns:mc="http://schemas.openxmlformats.org/markup-compatibility/2006" xmlns:a14="http://schemas.microsoft.com/office/drawing/2010/main">
-          <mc:Choice Requires="a14">
-            <p:sp>
-              <p:nvSpPr>
-                <p:cNvPr id="24" name="TextBox 23"/>
-                <p:cNvSpPr txBox="1"/>
-                <p:nvPr/>
-              </p:nvSpPr>
-              <p:spPr>
-                <a:xfrm>
-                  <a:off x="5486698" y="6156591"/>
-                  <a:ext cx="1126270" cy="276999"/>
-                </a:xfrm>
-                <a:prstGeom prst="rect">
-                  <a:avLst/>
-                </a:prstGeom>
-                <a:noFill/>
-              </p:spPr>
-              <p:txBody>
-                <a:bodyPr wrap="none" lIns="0" tIns="0" rIns="0" bIns="0" rtlCol="0">
-                  <a:spAutoFit/>
-                </a:bodyPr>
-                <a:lstStyle/>
-                <a:p>
-                  <a:pPr/>
-                  <a14:m>
-                    <m:oMathPara xmlns:m="http://schemas.openxmlformats.org/officeDocument/2006/math">
-                      <m:oMathParaPr>
-                        <m:jc m:val="centerGroup"/>
-                      </m:oMathParaPr>
-                      <m:oMath xmlns:m="http://schemas.openxmlformats.org/officeDocument/2006/math">
-                        <m:r>
-                          <a:rPr lang="en-US" b="0" i="1" smtClean="0">
-                            <a:solidFill>
-                              <a:srgbClr val="0070C0"/>
-                            </a:solidFill>
-                            <a:latin typeface="Cambria Math" panose="02040503050406030204" pitchFamily="18" charset="0"/>
-                          </a:rPr>
-                          <m:t>𝑝</m:t>
-                        </m:r>
-                        <m:r>
-                          <a:rPr lang="en-US" b="0" i="1" smtClean="0">
-                            <a:solidFill>
-                              <a:srgbClr val="0070C0"/>
-                            </a:solidFill>
-                            <a:latin typeface="Cambria Math" panose="02040503050406030204" pitchFamily="18" charset="0"/>
-                          </a:rPr>
-                          <m:t>(</m:t>
-                        </m:r>
-                        <m:r>
-                          <a:rPr lang="en-US" b="0" i="1" smtClean="0">
-                            <a:solidFill>
-                              <a:srgbClr val="0070C0"/>
-                            </a:solidFill>
-                            <a:latin typeface="Cambria Math" panose="02040503050406030204" pitchFamily="18" charset="0"/>
-                          </a:rPr>
-                          <m:t>𝑥</m:t>
-                        </m:r>
-                        <m:r>
-                          <a:rPr lang="en-US" b="0" i="1" smtClean="0">
-                            <a:solidFill>
-                              <a:srgbClr val="0070C0"/>
-                            </a:solidFill>
-                            <a:latin typeface="Cambria Math" panose="02040503050406030204" pitchFamily="18" charset="0"/>
-                          </a:rPr>
-                          <m:t>|</m:t>
-                        </m:r>
-                        <m:r>
-                          <a:rPr lang="en-US" b="0" i="1" smtClean="0">
-                            <a:solidFill>
-                              <a:srgbClr val="0070C0"/>
-                            </a:solidFill>
-                            <a:latin typeface="Cambria Math" panose="02040503050406030204" pitchFamily="18" charset="0"/>
-                          </a:rPr>
-                          <m:t>𝑧</m:t>
-                        </m:r>
-                        <m:r>
-                          <a:rPr lang="en-US" b="0" i="1" smtClean="0">
-                            <a:solidFill>
-                              <a:srgbClr val="0070C0"/>
-                            </a:solidFill>
-                            <a:latin typeface="Cambria Math" panose="02040503050406030204" pitchFamily="18" charset="0"/>
-                          </a:rPr>
-                          <m:t>=3)</m:t>
-                        </m:r>
-                      </m:oMath>
-                    </m:oMathPara>
-                  </a14:m>
-                  <a:endParaRPr lang="en-US" dirty="0">
-                    <a:solidFill>
-                      <a:srgbClr val="0070C0"/>
-                    </a:solidFill>
-                  </a:endParaRPr>
-                </a:p>
-              </p:txBody>
-            </p:sp>
-          </mc:Choice>
-          <mc:Fallback xmlns="">
-            <p:sp>
-              <p:nvSpPr>
-                <p:cNvPr id="24" name="TextBox 23"/>
-                <p:cNvSpPr txBox="1">
-                  <a:spLocks noRot="1" noChangeAspect="1" noMove="1" noResize="1" noEditPoints="1" noAdjustHandles="1" noChangeArrowheads="1" noChangeShapeType="1" noTextEdit="1"/>
-                </p:cNvSpPr>
-                <p:nvPr/>
-              </p:nvSpPr>
-              <p:spPr>
-                <a:xfrm>
-                  <a:off x="5486698" y="6156591"/>
-                  <a:ext cx="1126270" cy="276999"/>
-                </a:xfrm>
-                <a:prstGeom prst="rect">
-                  <a:avLst/>
-                </a:prstGeom>
-                <a:blipFill rotWithShape="0">
-                  <a:blip r:embed="rId7"/>
-                  <a:stretch>
-                    <a:fillRect l="-4865" t="-2222" r="-7027" b="-35556"/>
-                  </a:stretch>
-                </a:blipFill>
-              </p:spPr>
-              <p:txBody>
-                <a:bodyPr/>
-                <a:lstStyle/>
-                <a:p>
-                  <a:r>
-                    <a:rPr lang="en-US">
-                      <a:noFill/>
-                    </a:rPr>
-                    <a:t> </a:t>
-                  </a:r>
-                </a:p>
-              </p:txBody>
-            </p:sp>
-          </mc:Fallback>
-        </mc:AlternateContent>
-      </p:grpSp>
-    </p:spTree>
-    <p:extLst>
-      <p:ext uri="{BB962C8B-B14F-4D97-AF65-F5344CB8AC3E}">
-        <p14:creationId xmlns:p14="http://schemas.microsoft.com/office/powerpoint/2010/main" val="3208608392"/>
-      </p:ext>
-    </p:extLst>
-  </p:cSld>
-  <p:clrMapOvr>
-    <a:masterClrMapping/>
-  </p:clrMapOvr>
-  <p:timing>
-    <p:tnLst>
-      <p:par>
-        <p:cTn id="1" dur="indefinite" restart="never" nodeType="tmRoot"/>
-      </p:par>
-    </p:tnLst>
-  </p:timing>
-</p:sld>
-</file>
-
-<file path=ppt/slides/slide19.xml><?xml version="1.0" encoding="utf-8"?>
-<p:sld xmlns:a="http://schemas.openxmlformats.org/drawingml/2006/main" xmlns:r="http://schemas.openxmlformats.org/officeDocument/2006/relationships" xmlns:p="http://schemas.openxmlformats.org/presentationml/2006/main">
-  <p:cSld>
-    <p:spTree>
-      <p:nvGrpSpPr>
-        <p:cNvPr id="1" name=""/>
-        <p:cNvGrpSpPr/>
-        <p:nvPr/>
-      </p:nvGrpSpPr>
-      <p:grpSpPr>
-        <a:xfrm>
-          <a:off x="0" y="0"/>
-          <a:ext cx="0" cy="0"/>
-          <a:chOff x="0" y="0"/>
-          <a:chExt cx="0" cy="0"/>
-        </a:xfrm>
-      </p:grpSpPr>
-      <p:sp>
-        <p:nvSpPr>
           <p:cNvPr id="89091" name="Rectangle 2"/>
           <p:cNvSpPr>
             <a:spLocks noGrp="1" noChangeArrowheads="1"/>
@@ -12506,8 +9430,8 @@
           </a:p>
         </p:txBody>
       </p:sp>
-      <mc:AlternateContent xmlns:mc="http://schemas.openxmlformats.org/markup-compatibility/2006">
-        <mc:Choice xmlns:a14="http://schemas.microsoft.com/office/drawing/2010/main" Requires="a14">
+      <mc:AlternateContent xmlns:mc="http://schemas.openxmlformats.org/markup-compatibility/2006" xmlns:a14="http://schemas.microsoft.com/office/drawing/2010/main">
+        <mc:Choice Requires="a14">
           <p:sp>
             <p:nvSpPr>
               <p:cNvPr id="3" name="Content Placeholder 2"/>
@@ -12539,13 +9463,8 @@
                 <a:pPr lvl="2"/>
                 <a:r>
                   <a:rPr lang="en-US" dirty="0" smtClean="0"/>
-                  <a:t>Maximum likelihood </a:t>
+                  <a:t>Maximum likelihood estimator</a:t>
                 </a:r>
-                <a:r>
-                  <a:rPr lang="en-US" dirty="0" smtClean="0"/>
-                  <a:t>estimator</a:t>
-                </a:r>
-                <a:endParaRPr lang="en-US" dirty="0" smtClean="0"/>
               </a:p>
               <a:p>
                 <a:pPr lvl="2"/>
@@ -12807,7 +9726,7 @@
             </p:txBody>
           </p:sp>
         </mc:Choice>
-        <mc:Fallback>
+        <mc:Fallback xmlns="">
           <p:sp>
             <p:nvSpPr>
               <p:cNvPr id="3" name="Content Placeholder 2"/>
@@ -12904,7 +9823,7 @@
           <a:p>
             <a:fld id="{D4438207-9E20-42FC-82B6-02A8A94D7FE7}" type="slidenum">
               <a:rPr lang="en-US" smtClean="0"/>
-              <a:t>19</a:t>
+              <a:t>16</a:t>
             </a:fld>
             <a:endParaRPr lang="en-US" dirty="0"/>
           </a:p>
@@ -13215,212 +10134,7 @@
 </p:sld>
 </file>
 
-<file path=ppt/slides/slide2.xml><?xml version="1.0" encoding="utf-8"?>
-<p:sld xmlns:a="http://schemas.openxmlformats.org/drawingml/2006/main" xmlns:r="http://schemas.openxmlformats.org/officeDocument/2006/relationships" xmlns:p="http://schemas.openxmlformats.org/presentationml/2006/main">
-  <p:cSld>
-    <p:spTree>
-      <p:nvGrpSpPr>
-        <p:cNvPr id="1" name=""/>
-        <p:cNvGrpSpPr/>
-        <p:nvPr/>
-      </p:nvGrpSpPr>
-      <p:grpSpPr>
-        <a:xfrm>
-          <a:off x="0" y="0"/>
-          <a:ext cx="0" cy="0"/>
-          <a:chOff x="0" y="0"/>
-          <a:chExt cx="0" cy="0"/>
-        </a:xfrm>
-      </p:grpSpPr>
-      <p:sp>
-        <p:nvSpPr>
-          <p:cNvPr id="2" name="Title 1"/>
-          <p:cNvSpPr>
-            <a:spLocks noGrp="1"/>
-          </p:cNvSpPr>
-          <p:nvPr>
-            <p:ph type="title"/>
-          </p:nvPr>
-        </p:nvSpPr>
-        <p:spPr/>
-        <p:txBody>
-          <a:bodyPr/>
-          <a:lstStyle/>
-          <a:p>
-            <a:r>
-              <a:rPr lang="en-US" dirty="0"/>
-              <a:t>Today’s lecture</a:t>
-            </a:r>
-          </a:p>
-        </p:txBody>
-      </p:sp>
-      <p:sp>
-        <p:nvSpPr>
-          <p:cNvPr id="3" name="Content Placeholder 2"/>
-          <p:cNvSpPr>
-            <a:spLocks noGrp="1"/>
-          </p:cNvSpPr>
-          <p:nvPr>
-            <p:ph idx="1"/>
-          </p:nvPr>
-        </p:nvSpPr>
-        <p:spPr/>
-        <p:txBody>
-          <a:bodyPr/>
-          <a:lstStyle/>
-          <a:p>
-            <a:r>
-              <a:rPr lang="en-US" i="1" dirty="0" smtClean="0"/>
-              <a:t>k</a:t>
-            </a:r>
-            <a:r>
-              <a:rPr lang="en-US" dirty="0" smtClean="0"/>
-              <a:t>-means clustering </a:t>
-            </a:r>
-          </a:p>
-          <a:p>
-            <a:pPr lvl="1"/>
-            <a:r>
-              <a:rPr lang="en-US" dirty="0" smtClean="0"/>
-              <a:t>A typical </a:t>
-            </a:r>
-            <a:r>
-              <a:rPr lang="en-US" dirty="0" err="1" smtClean="0"/>
-              <a:t>partitional</a:t>
-            </a:r>
-            <a:r>
-              <a:rPr lang="en-US" dirty="0" smtClean="0"/>
-              <a:t> </a:t>
-            </a:r>
-            <a:r>
-              <a:rPr lang="en-US" dirty="0"/>
-              <a:t>clustering </a:t>
-            </a:r>
-            <a:r>
-              <a:rPr lang="en-US" dirty="0" smtClean="0"/>
-              <a:t>algorithm</a:t>
-            </a:r>
-          </a:p>
-          <a:p>
-            <a:pPr lvl="1"/>
-            <a:r>
-              <a:rPr lang="en-US" dirty="0" smtClean="0"/>
-              <a:t>Convergence property</a:t>
-            </a:r>
-          </a:p>
-          <a:p>
-            <a:pPr lvl="2"/>
-            <a:r>
-              <a:rPr lang="en-US" dirty="0" smtClean="0"/>
-              <a:t>Expectation Maximization algorithm</a:t>
-            </a:r>
-          </a:p>
-          <a:p>
-            <a:pPr lvl="1"/>
-            <a:r>
-              <a:rPr lang="en-US" dirty="0" smtClean="0"/>
-              <a:t>Gaussian mixture model</a:t>
-            </a:r>
-            <a:br>
-              <a:rPr lang="en-US" dirty="0" smtClean="0"/>
-            </a:br>
-            <a:r>
-              <a:rPr lang="en-US" dirty="0" smtClean="0"/>
-              <a:t>	</a:t>
-            </a:r>
-          </a:p>
-        </p:txBody>
-      </p:sp>
-      <p:sp>
-        <p:nvSpPr>
-          <p:cNvPr id="4" name="Date Placeholder 3"/>
-          <p:cNvSpPr>
-            <a:spLocks noGrp="1"/>
-          </p:cNvSpPr>
-          <p:nvPr>
-            <p:ph type="dt" sz="half" idx="10"/>
-          </p:nvPr>
-        </p:nvSpPr>
-        <p:spPr/>
-        <p:txBody>
-          <a:bodyPr/>
-          <a:lstStyle/>
-          <a:p>
-            <a:r>
-              <a:rPr lang="en-US" smtClean="0"/>
-              <a:t>CS@UVa</a:t>
-            </a:r>
-            <a:endParaRPr lang="en-US"/>
-          </a:p>
-        </p:txBody>
-      </p:sp>
-      <p:sp>
-        <p:nvSpPr>
-          <p:cNvPr id="5" name="Footer Placeholder 4"/>
-          <p:cNvSpPr>
-            <a:spLocks noGrp="1"/>
-          </p:cNvSpPr>
-          <p:nvPr>
-            <p:ph type="ftr" sz="quarter" idx="11"/>
-          </p:nvPr>
-        </p:nvSpPr>
-        <p:spPr/>
-        <p:txBody>
-          <a:bodyPr/>
-          <a:lstStyle/>
-          <a:p>
-            <a:r>
-              <a:rPr lang="en-US" smtClean="0"/>
-              <a:t>CS 6501: Text Mining</a:t>
-            </a:r>
-            <a:endParaRPr lang="en-US"/>
-          </a:p>
-        </p:txBody>
-      </p:sp>
-      <p:sp>
-        <p:nvSpPr>
-          <p:cNvPr id="6" name="Slide Number Placeholder 5"/>
-          <p:cNvSpPr>
-            <a:spLocks noGrp="1"/>
-          </p:cNvSpPr>
-          <p:nvPr>
-            <p:ph type="sldNum" sz="quarter" idx="12"/>
-          </p:nvPr>
-        </p:nvSpPr>
-        <p:spPr/>
-        <p:txBody>
-          <a:bodyPr/>
-          <a:lstStyle/>
-          <a:p>
-            <a:fld id="{352A74FD-6B0D-4729-BD55-80C1D3622ABF}" type="slidenum">
-              <a:rPr lang="en-US" smtClean="0"/>
-              <a:t>2</a:t>
-            </a:fld>
-            <a:endParaRPr lang="en-US"/>
-          </a:p>
-        </p:txBody>
-      </p:sp>
-    </p:spTree>
-    <p:extLst>
-      <p:ext uri="{BB962C8B-B14F-4D97-AF65-F5344CB8AC3E}">
-        <p14:creationId xmlns:p14="http://schemas.microsoft.com/office/powerpoint/2010/main" val="4027739531"/>
-      </p:ext>
-    </p:extLst>
-  </p:cSld>
-  <p:clrMapOvr>
-    <a:masterClrMapping/>
-  </p:clrMapOvr>
-  <p:timing>
-    <p:tnLst>
-      <p:par>
-        <p:cTn id="1" dur="indefinite" restart="never" nodeType="tmRoot"/>
-      </p:par>
-    </p:tnLst>
-  </p:timing>
-</p:sld>
-</file>
-
-<file path=ppt/slides/slide20.xml><?xml version="1.0" encoding="utf-8"?>
+<file path=ppt/slides/slide17.xml><?xml version="1.0" encoding="utf-8"?>
 <p:sld xmlns:a="http://schemas.openxmlformats.org/drawingml/2006/main" xmlns:r="http://schemas.openxmlformats.org/officeDocument/2006/relationships" xmlns:p="http://schemas.openxmlformats.org/presentationml/2006/main">
   <p:cSld>
     <p:spTree>
@@ -13638,7 +10352,7 @@
           <a:p>
             <a:fld id="{D4438207-9E20-42FC-82B6-02A8A94D7FE7}" type="slidenum">
               <a:rPr lang="en-US" smtClean="0"/>
-              <a:t>20</a:t>
+              <a:t>17</a:t>
             </a:fld>
             <a:endParaRPr lang="en-US"/>
           </a:p>
@@ -14099,7 +10813,7 @@
 </p:sld>
 </file>
 
-<file path=ppt/slides/slide21.xml><?xml version="1.0" encoding="utf-8"?>
+<file path=ppt/slides/slide18.xml><?xml version="1.0" encoding="utf-8"?>
 <p:sld xmlns:a="http://schemas.openxmlformats.org/drawingml/2006/main" xmlns:r="http://schemas.openxmlformats.org/officeDocument/2006/relationships" xmlns:p="http://schemas.openxmlformats.org/presentationml/2006/main">
   <p:cSld>
     <p:spTree>
@@ -14543,7 +11257,7 @@
           <a:p>
             <a:fld id="{D4438207-9E20-42FC-82B6-02A8A94D7FE7}" type="slidenum">
               <a:rPr lang="en-US" smtClean="0"/>
-              <a:t>21</a:t>
+              <a:t>18</a:t>
             </a:fld>
             <a:endParaRPr lang="en-US"/>
           </a:p>
@@ -15877,7 +12591,7 @@
 </p:sld>
 </file>
 
-<file path=ppt/slides/slide22.xml><?xml version="1.0" encoding="utf-8"?>
+<file path=ppt/slides/slide19.xml><?xml version="1.0" encoding="utf-8"?>
 <p:sld xmlns:a="http://schemas.openxmlformats.org/drawingml/2006/main" xmlns:r="http://schemas.openxmlformats.org/officeDocument/2006/relationships" xmlns:p="http://schemas.openxmlformats.org/presentationml/2006/main">
   <p:cSld>
     <p:spTree>
@@ -16580,7 +13294,7 @@
           <a:p>
             <a:fld id="{D4438207-9E20-42FC-82B6-02A8A94D7FE7}" type="slidenum">
               <a:rPr lang="en-US" smtClean="0"/>
-              <a:t>22</a:t>
+              <a:t>19</a:t>
             </a:fld>
             <a:endParaRPr lang="en-US"/>
           </a:p>
@@ -17145,7 +13859,212 @@
 </p:sld>
 </file>
 
-<file path=ppt/slides/slide23.xml><?xml version="1.0" encoding="utf-8"?>
+<file path=ppt/slides/slide2.xml><?xml version="1.0" encoding="utf-8"?>
+<p:sld xmlns:a="http://schemas.openxmlformats.org/drawingml/2006/main" xmlns:r="http://schemas.openxmlformats.org/officeDocument/2006/relationships" xmlns:p="http://schemas.openxmlformats.org/presentationml/2006/main">
+  <p:cSld>
+    <p:spTree>
+      <p:nvGrpSpPr>
+        <p:cNvPr id="1" name=""/>
+        <p:cNvGrpSpPr/>
+        <p:nvPr/>
+      </p:nvGrpSpPr>
+      <p:grpSpPr>
+        <a:xfrm>
+          <a:off x="0" y="0"/>
+          <a:ext cx="0" cy="0"/>
+          <a:chOff x="0" y="0"/>
+          <a:chExt cx="0" cy="0"/>
+        </a:xfrm>
+      </p:grpSpPr>
+      <p:sp>
+        <p:nvSpPr>
+          <p:cNvPr id="2" name="Title 1"/>
+          <p:cNvSpPr>
+            <a:spLocks noGrp="1"/>
+          </p:cNvSpPr>
+          <p:nvPr>
+            <p:ph type="title"/>
+          </p:nvPr>
+        </p:nvSpPr>
+        <p:spPr/>
+        <p:txBody>
+          <a:bodyPr/>
+          <a:lstStyle/>
+          <a:p>
+            <a:r>
+              <a:rPr lang="en-US" dirty="0"/>
+              <a:t>Today’s lecture</a:t>
+            </a:r>
+          </a:p>
+        </p:txBody>
+      </p:sp>
+      <p:sp>
+        <p:nvSpPr>
+          <p:cNvPr id="3" name="Content Placeholder 2"/>
+          <p:cNvSpPr>
+            <a:spLocks noGrp="1"/>
+          </p:cNvSpPr>
+          <p:nvPr>
+            <p:ph idx="1"/>
+          </p:nvPr>
+        </p:nvSpPr>
+        <p:spPr/>
+        <p:txBody>
+          <a:bodyPr/>
+          <a:lstStyle/>
+          <a:p>
+            <a:r>
+              <a:rPr lang="en-US" i="1" dirty="0" smtClean="0"/>
+              <a:t>k</a:t>
+            </a:r>
+            <a:r>
+              <a:rPr lang="en-US" dirty="0" smtClean="0"/>
+              <a:t>-means clustering </a:t>
+            </a:r>
+          </a:p>
+          <a:p>
+            <a:pPr lvl="1"/>
+            <a:r>
+              <a:rPr lang="en-US" dirty="0" smtClean="0"/>
+              <a:t>A typical </a:t>
+            </a:r>
+            <a:r>
+              <a:rPr lang="en-US" dirty="0" err="1" smtClean="0"/>
+              <a:t>partitional</a:t>
+            </a:r>
+            <a:r>
+              <a:rPr lang="en-US" dirty="0" smtClean="0"/>
+              <a:t> </a:t>
+            </a:r>
+            <a:r>
+              <a:rPr lang="en-US" dirty="0"/>
+              <a:t>clustering </a:t>
+            </a:r>
+            <a:r>
+              <a:rPr lang="en-US" dirty="0" smtClean="0"/>
+              <a:t>algorithm</a:t>
+            </a:r>
+          </a:p>
+          <a:p>
+            <a:pPr lvl="1"/>
+            <a:r>
+              <a:rPr lang="en-US" dirty="0" smtClean="0"/>
+              <a:t>Convergence property</a:t>
+            </a:r>
+          </a:p>
+          <a:p>
+            <a:pPr lvl="2"/>
+            <a:r>
+              <a:rPr lang="en-US" dirty="0" smtClean="0"/>
+              <a:t>Expectation Maximization algorithm</a:t>
+            </a:r>
+          </a:p>
+          <a:p>
+            <a:pPr lvl="1"/>
+            <a:r>
+              <a:rPr lang="en-US" dirty="0" smtClean="0"/>
+              <a:t>Gaussian mixture model</a:t>
+            </a:r>
+            <a:br>
+              <a:rPr lang="en-US" dirty="0" smtClean="0"/>
+            </a:br>
+            <a:r>
+              <a:rPr lang="en-US" dirty="0" smtClean="0"/>
+              <a:t>	</a:t>
+            </a:r>
+          </a:p>
+        </p:txBody>
+      </p:sp>
+      <p:sp>
+        <p:nvSpPr>
+          <p:cNvPr id="4" name="Date Placeholder 3"/>
+          <p:cNvSpPr>
+            <a:spLocks noGrp="1"/>
+          </p:cNvSpPr>
+          <p:nvPr>
+            <p:ph type="dt" sz="half" idx="10"/>
+          </p:nvPr>
+        </p:nvSpPr>
+        <p:spPr/>
+        <p:txBody>
+          <a:bodyPr/>
+          <a:lstStyle/>
+          <a:p>
+            <a:r>
+              <a:rPr lang="en-US" smtClean="0"/>
+              <a:t>CS@UVa</a:t>
+            </a:r>
+            <a:endParaRPr lang="en-US"/>
+          </a:p>
+        </p:txBody>
+      </p:sp>
+      <p:sp>
+        <p:nvSpPr>
+          <p:cNvPr id="5" name="Footer Placeholder 4"/>
+          <p:cNvSpPr>
+            <a:spLocks noGrp="1"/>
+          </p:cNvSpPr>
+          <p:nvPr>
+            <p:ph type="ftr" sz="quarter" idx="11"/>
+          </p:nvPr>
+        </p:nvSpPr>
+        <p:spPr/>
+        <p:txBody>
+          <a:bodyPr/>
+          <a:lstStyle/>
+          <a:p>
+            <a:r>
+              <a:rPr lang="en-US" smtClean="0"/>
+              <a:t>CS 6501: Text Mining</a:t>
+            </a:r>
+            <a:endParaRPr lang="en-US"/>
+          </a:p>
+        </p:txBody>
+      </p:sp>
+      <p:sp>
+        <p:nvSpPr>
+          <p:cNvPr id="6" name="Slide Number Placeholder 5"/>
+          <p:cNvSpPr>
+            <a:spLocks noGrp="1"/>
+          </p:cNvSpPr>
+          <p:nvPr>
+            <p:ph type="sldNum" sz="quarter" idx="12"/>
+          </p:nvPr>
+        </p:nvSpPr>
+        <p:spPr/>
+        <p:txBody>
+          <a:bodyPr/>
+          <a:lstStyle/>
+          <a:p>
+            <a:fld id="{352A74FD-6B0D-4729-BD55-80C1D3622ABF}" type="slidenum">
+              <a:rPr lang="en-US" smtClean="0"/>
+              <a:t>2</a:t>
+            </a:fld>
+            <a:endParaRPr lang="en-US"/>
+          </a:p>
+        </p:txBody>
+      </p:sp>
+    </p:spTree>
+    <p:extLst>
+      <p:ext uri="{BB962C8B-B14F-4D97-AF65-F5344CB8AC3E}">
+        <p14:creationId xmlns:p14="http://schemas.microsoft.com/office/powerpoint/2010/main" val="4027739531"/>
+      </p:ext>
+    </p:extLst>
+  </p:cSld>
+  <p:clrMapOvr>
+    <a:masterClrMapping/>
+  </p:clrMapOvr>
+  <p:timing>
+    <p:tnLst>
+      <p:par>
+        <p:cTn id="1" dur="indefinite" restart="never" nodeType="tmRoot"/>
+      </p:par>
+    </p:tnLst>
+  </p:timing>
+</p:sld>
+</file>
+
+<file path=ppt/slides/slide20.xml><?xml version="1.0" encoding="utf-8"?>
 <p:sld xmlns:a="http://schemas.openxmlformats.org/drawingml/2006/main" xmlns:r="http://schemas.openxmlformats.org/officeDocument/2006/relationships" xmlns:p="http://schemas.openxmlformats.org/presentationml/2006/main">
   <p:cSld>
     <p:spTree>
@@ -17600,7 +14519,7 @@
           <a:p>
             <a:fld id="{D4438207-9E20-42FC-82B6-02A8A94D7FE7}" type="slidenum">
               <a:rPr lang="en-US" smtClean="0"/>
-              <a:t>23</a:t>
+              <a:t>20</a:t>
             </a:fld>
             <a:endParaRPr lang="en-US"/>
           </a:p>
@@ -18275,8 +15194,8 @@
             <a:chExt cx="5135026" cy="750332"/>
           </a:xfrm>
         </p:grpSpPr>
-        <mc:AlternateContent xmlns:mc="http://schemas.openxmlformats.org/markup-compatibility/2006">
-          <mc:Choice xmlns:a14="http://schemas.microsoft.com/office/drawing/2010/main" Requires="a14">
+        <mc:AlternateContent xmlns:mc="http://schemas.openxmlformats.org/markup-compatibility/2006" xmlns:a14="http://schemas.microsoft.com/office/drawing/2010/main">
+          <mc:Choice Requires="a14">
             <p:sp>
               <p:nvSpPr>
                 <p:cNvPr id="10" name="TextBox 9"/>
@@ -18305,23 +15224,7 @@
                         <a:srgbClr val="FF0000"/>
                       </a:solidFill>
                     </a:rPr>
-                    <a:t>negative </a:t>
-                  </a:r>
-                  <a:r>
-                    <a:rPr lang="en-US" dirty="0" smtClean="0">
-                      <a:solidFill>
-                        <a:srgbClr val="FF0000"/>
-                      </a:solidFill>
-                    </a:rPr>
-                    <a:t>KL-divergence </a:t>
-                  </a:r>
-                  <a:r>
-                    <a:rPr lang="en-US" dirty="0" smtClean="0">
-                      <a:solidFill>
-                        <a:srgbClr val="FF0000"/>
-                      </a:solidFill>
-                    </a:rPr>
-                    <a:t>between </a:t>
+                    <a:t>negative KL-divergence between </a:t>
                   </a:r>
                   <a14:m>
                     <m:oMath xmlns:m="http://schemas.openxmlformats.org/officeDocument/2006/math">
@@ -18453,7 +15356,7 @@
               </p:txBody>
             </p:sp>
           </mc:Choice>
-          <mc:Fallback>
+          <mc:Fallback xmlns="">
             <p:sp>
               <p:nvSpPr>
                 <p:cNvPr id="10" name="TextBox 9"/>
@@ -19591,7 +16494,7 @@
 </p:sld>
 </file>
 
-<file path=ppt/slides/slide24.xml><?xml version="1.0" encoding="utf-8"?>
+<file path=ppt/slides/slide21.xml><?xml version="1.0" encoding="utf-8"?>
 <p:sld xmlns:a="http://schemas.openxmlformats.org/drawingml/2006/main" xmlns:r="http://schemas.openxmlformats.org/officeDocument/2006/relationships" xmlns:p="http://schemas.openxmlformats.org/presentationml/2006/main">
   <p:cSld>
     <p:spTree>
@@ -20318,7 +17221,7 @@
           <a:p>
             <a:fld id="{D4438207-9E20-42FC-82B6-02A8A94D7FE7}" type="slidenum">
               <a:rPr lang="en-US" smtClean="0"/>
-              <a:t>24</a:t>
+              <a:t>21</a:t>
             </a:fld>
             <a:endParaRPr lang="en-US"/>
           </a:p>
@@ -20563,7 +17466,7 @@
 </p:sld>
 </file>
 
-<file path=ppt/slides/slide25.xml><?xml version="1.0" encoding="utf-8"?>
+<file path=ppt/slides/slide22.xml><?xml version="1.0" encoding="utf-8"?>
 <p:sld xmlns:a="http://schemas.openxmlformats.org/drawingml/2006/main" xmlns:r="http://schemas.openxmlformats.org/officeDocument/2006/relationships" xmlns:p="http://schemas.openxmlformats.org/presentationml/2006/main">
   <p:cSld>
     <p:spTree>
@@ -20875,7 +17778,7 @@
           <a:p>
             <a:fld id="{D4438207-9E20-42FC-82B6-02A8A94D7FE7}" type="slidenum">
               <a:rPr lang="en-US" smtClean="0"/>
-              <a:t>25</a:t>
+              <a:t>22</a:t>
             </a:fld>
             <a:endParaRPr lang="en-US"/>
           </a:p>
@@ -21570,7 +18473,7 @@
 </p:sld>
 </file>
 
-<file path=ppt/slides/slide26.xml><?xml version="1.0" encoding="utf-8"?>
+<file path=ppt/slides/slide23.xml><?xml version="1.0" encoding="utf-8"?>
 <p:sld xmlns:a="http://schemas.openxmlformats.org/drawingml/2006/main" xmlns:r="http://schemas.openxmlformats.org/officeDocument/2006/relationships" xmlns:p="http://schemas.openxmlformats.org/presentationml/2006/main">
   <p:cSld>
     <p:spTree>
@@ -22384,7 +19287,7 @@
           <a:p>
             <a:fld id="{D4438207-9E20-42FC-82B6-02A8A94D7FE7}" type="slidenum">
               <a:rPr lang="en-US" smtClean="0"/>
-              <a:t>26</a:t>
+              <a:t>23</a:t>
             </a:fld>
             <a:endParaRPr lang="en-US"/>
           </a:p>
@@ -23589,7 +20492,7 @@
 </p:sld>
 </file>
 
-<file path=ppt/slides/slide27.xml><?xml version="1.0" encoding="utf-8"?>
+<file path=ppt/slides/slide24.xml><?xml version="1.0" encoding="utf-8"?>
 <p:sld xmlns:a="http://schemas.openxmlformats.org/drawingml/2006/main" xmlns:r="http://schemas.openxmlformats.org/officeDocument/2006/relationships" xmlns:p="http://schemas.openxmlformats.org/presentationml/2006/main">
   <p:cSld>
     <p:spTree>
@@ -23628,8 +20531,8 @@
           </a:p>
         </p:txBody>
       </p:sp>
-      <mc:AlternateContent xmlns:mc="http://schemas.openxmlformats.org/markup-compatibility/2006">
-        <mc:Choice xmlns:a14="http://schemas.microsoft.com/office/drawing/2010/main" Requires="a14">
+      <mc:AlternateContent xmlns:mc="http://schemas.openxmlformats.org/markup-compatibility/2006" xmlns:a14="http://schemas.microsoft.com/office/drawing/2010/main">
+        <mc:Choice Requires="a14">
           <p:sp>
             <p:nvSpPr>
               <p:cNvPr id="13" name="Content Placeholder 12"/>
@@ -23889,7 +20792,7 @@
             </p:txBody>
           </p:sp>
         </mc:Choice>
-        <mc:Fallback>
+        <mc:Fallback xmlns="">
           <p:sp>
             <p:nvSpPr>
               <p:cNvPr id="13" name="Content Placeholder 12"/>
@@ -23986,14 +20889,14 @@
           <a:p>
             <a:fld id="{D4438207-9E20-42FC-82B6-02A8A94D7FE7}" type="slidenum">
               <a:rPr lang="en-US" smtClean="0"/>
-              <a:t>27</a:t>
+              <a:t>24</a:t>
             </a:fld>
             <a:endParaRPr lang="en-US"/>
           </a:p>
         </p:txBody>
       </p:sp>
-      <mc:AlternateContent xmlns:mc="http://schemas.openxmlformats.org/markup-compatibility/2006">
-        <mc:Choice xmlns:a14="http://schemas.microsoft.com/office/drawing/2010/main" Requires="a14">
+      <mc:AlternateContent xmlns:mc="http://schemas.openxmlformats.org/markup-compatibility/2006" xmlns:a14="http://schemas.microsoft.com/office/drawing/2010/main">
+        <mc:Choice Requires="a14">
           <p:sp>
             <p:nvSpPr>
               <p:cNvPr id="2" name="TextBox 1"/>
@@ -24378,7 +21281,7 @@
             </p:txBody>
           </p:sp>
         </mc:Choice>
-        <mc:Fallback>
+        <mc:Fallback xmlns="">
           <p:sp>
             <p:nvSpPr>
               <p:cNvPr id="2" name="TextBox 1"/>
@@ -24822,7 +21725,7 @@
 </p:sld>
 </file>
 
-<file path=ppt/slides/slide28.xml><?xml version="1.0" encoding="utf-8"?>
+<file path=ppt/slides/slide25.xml><?xml version="1.0" encoding="utf-8"?>
 <p:sld xmlns:a="http://schemas.openxmlformats.org/drawingml/2006/main" xmlns:r="http://schemas.openxmlformats.org/officeDocument/2006/relationships" xmlns:p="http://schemas.openxmlformats.org/presentationml/2006/main">
   <p:cSld>
     <p:spTree>
@@ -24980,7 +21883,7 @@
             <a:fld id="{87609FA8-9FC5-4BB7-93A4-52C6D4E75633}" type="slidenum">
               <a:rPr lang="en-US" altLang="en-US" sz="1400" b="0"/>
               <a:pPr/>
-              <a:t>28</a:t>
+              <a:t>25</a:t>
             </a:fld>
             <a:endParaRPr lang="en-US" altLang="en-US" sz="1400" b="0"/>
           </a:p>
@@ -26959,7 +23862,7 @@
 </p:sld>
 </file>
 
-<file path=ppt/slides/slide29.xml><?xml version="1.0" encoding="utf-8"?>
+<file path=ppt/slides/slide26.xml><?xml version="1.0" encoding="utf-8"?>
 <p:sld xmlns:a="http://schemas.openxmlformats.org/drawingml/2006/main" xmlns:r="http://schemas.openxmlformats.org/officeDocument/2006/relationships" xmlns:p="http://schemas.openxmlformats.org/presentationml/2006/main">
   <p:cSld>
     <p:spTree>
@@ -27084,7 +23987,7 @@
           <a:p>
             <a:fld id="{D4438207-9E20-42FC-82B6-02A8A94D7FE7}" type="slidenum">
               <a:rPr lang="en-US" smtClean="0"/>
-              <a:t>29</a:t>
+              <a:t>26</a:t>
             </a:fld>
             <a:endParaRPr lang="en-US"/>
           </a:p>
@@ -29885,632 +26788,7 @@
 </p:sld>
 </file>
 
-<file path=ppt/slides/slide3.xml><?xml version="1.0" encoding="utf-8"?>
-<p:sld xmlns:a="http://schemas.openxmlformats.org/drawingml/2006/main" xmlns:r="http://schemas.openxmlformats.org/officeDocument/2006/relationships" xmlns:p="http://schemas.openxmlformats.org/presentationml/2006/main">
-  <p:cSld>
-    <p:spTree>
-      <p:nvGrpSpPr>
-        <p:cNvPr id="1" name=""/>
-        <p:cNvGrpSpPr/>
-        <p:nvPr/>
-      </p:nvGrpSpPr>
-      <p:grpSpPr>
-        <a:xfrm>
-          <a:off x="0" y="0"/>
-          <a:ext cx="0" cy="0"/>
-          <a:chOff x="0" y="0"/>
-          <a:chExt cx="0" cy="0"/>
-        </a:xfrm>
-      </p:grpSpPr>
-      <p:sp>
-        <p:nvSpPr>
-          <p:cNvPr id="2" name="Title 1"/>
-          <p:cNvSpPr>
-            <a:spLocks noGrp="1"/>
-          </p:cNvSpPr>
-          <p:nvPr>
-            <p:ph type="title"/>
-          </p:nvPr>
-        </p:nvSpPr>
-        <p:spPr/>
-        <p:txBody>
-          <a:bodyPr>
-            <a:normAutofit/>
-          </a:bodyPr>
-          <a:lstStyle/>
-          <a:p>
-            <a:r>
-              <a:rPr lang="en-US" dirty="0" err="1"/>
-              <a:t>Partitional</a:t>
-            </a:r>
-            <a:r>
-              <a:rPr lang="en-US" dirty="0"/>
-              <a:t> clustering </a:t>
-            </a:r>
-            <a:r>
-              <a:rPr lang="en-US" dirty="0" smtClean="0"/>
-              <a:t>algorithms</a:t>
-            </a:r>
-            <a:endParaRPr lang="en-US" dirty="0"/>
-          </a:p>
-        </p:txBody>
-      </p:sp>
-      <p:sp>
-        <p:nvSpPr>
-          <p:cNvPr id="3" name="Content Placeholder 2"/>
-          <p:cNvSpPr>
-            <a:spLocks noGrp="1"/>
-          </p:cNvSpPr>
-          <p:nvPr>
-            <p:ph idx="1"/>
-          </p:nvPr>
-        </p:nvSpPr>
-        <p:spPr/>
-        <p:txBody>
-          <a:bodyPr/>
-          <a:lstStyle/>
-          <a:p>
-            <a:r>
-              <a:rPr lang="en-US" dirty="0" smtClean="0"/>
-              <a:t>Partition instances into exactly </a:t>
-            </a:r>
-            <a:r>
-              <a:rPr lang="en-US" i="1" dirty="0" smtClean="0"/>
-              <a:t>k</a:t>
-            </a:r>
-            <a:r>
-              <a:rPr lang="en-US" dirty="0" smtClean="0"/>
-              <a:t> non-overlapping clusters</a:t>
-            </a:r>
-          </a:p>
-          <a:p>
-            <a:pPr lvl="1"/>
-            <a:r>
-              <a:rPr lang="en-US" dirty="0" smtClean="0"/>
-              <a:t>Flat structure clustering</a:t>
-            </a:r>
-          </a:p>
-          <a:p>
-            <a:pPr lvl="1"/>
-            <a:r>
-              <a:rPr lang="en-US" dirty="0" smtClean="0"/>
-              <a:t>Users need to specify the cluster size </a:t>
-            </a:r>
-            <a:r>
-              <a:rPr lang="en-US" i="1" dirty="0" smtClean="0"/>
-              <a:t>k</a:t>
-            </a:r>
-          </a:p>
-          <a:p>
-            <a:pPr lvl="1"/>
-            <a:r>
-              <a:rPr lang="en-US" dirty="0" smtClean="0"/>
-              <a:t>Task</a:t>
-            </a:r>
-            <a:r>
-              <a:rPr lang="en-US" dirty="0"/>
-              <a:t>: identify the partition of </a:t>
-            </a:r>
-            <a:r>
-              <a:rPr lang="en-US" i="1" dirty="0"/>
-              <a:t>k</a:t>
-            </a:r>
-            <a:r>
-              <a:rPr lang="en-US" dirty="0"/>
-              <a:t> clusters that optimize the chosen partition criterion</a:t>
-            </a:r>
-          </a:p>
-          <a:p>
-            <a:pPr lvl="1"/>
-            <a:endParaRPr lang="en-US" i="1" dirty="0"/>
-          </a:p>
-        </p:txBody>
-      </p:sp>
-      <p:sp>
-        <p:nvSpPr>
-          <p:cNvPr id="4" name="Date Placeholder 3"/>
-          <p:cNvSpPr>
-            <a:spLocks noGrp="1"/>
-          </p:cNvSpPr>
-          <p:nvPr>
-            <p:ph type="dt" sz="half" idx="10"/>
-          </p:nvPr>
-        </p:nvSpPr>
-        <p:spPr/>
-        <p:txBody>
-          <a:bodyPr/>
-          <a:lstStyle/>
-          <a:p>
-            <a:r>
-              <a:rPr lang="en-US" smtClean="0"/>
-              <a:t>CS@UVa</a:t>
-            </a:r>
-            <a:endParaRPr lang="en-US"/>
-          </a:p>
-        </p:txBody>
-      </p:sp>
-      <p:sp>
-        <p:nvSpPr>
-          <p:cNvPr id="5" name="Footer Placeholder 4"/>
-          <p:cNvSpPr>
-            <a:spLocks noGrp="1"/>
-          </p:cNvSpPr>
-          <p:nvPr>
-            <p:ph type="ftr" sz="quarter" idx="11"/>
-          </p:nvPr>
-        </p:nvSpPr>
-        <p:spPr/>
-        <p:txBody>
-          <a:bodyPr/>
-          <a:lstStyle/>
-          <a:p>
-            <a:r>
-              <a:rPr lang="en-US" smtClean="0"/>
-              <a:t>CS 6501: Text Mining</a:t>
-            </a:r>
-            <a:endParaRPr lang="en-US"/>
-          </a:p>
-        </p:txBody>
-      </p:sp>
-      <p:sp>
-        <p:nvSpPr>
-          <p:cNvPr id="6" name="Slide Number Placeholder 5"/>
-          <p:cNvSpPr>
-            <a:spLocks noGrp="1"/>
-          </p:cNvSpPr>
-          <p:nvPr>
-            <p:ph type="sldNum" sz="quarter" idx="12"/>
-          </p:nvPr>
-        </p:nvSpPr>
-        <p:spPr/>
-        <p:txBody>
-          <a:bodyPr/>
-          <a:lstStyle/>
-          <a:p>
-            <a:fld id="{64B9C3A9-27DF-40B5-9FC7-1DF96985BC5A}" type="slidenum">
-              <a:rPr lang="en-US" smtClean="0"/>
-              <a:t>3</a:t>
-            </a:fld>
-            <a:endParaRPr lang="en-US"/>
-          </a:p>
-        </p:txBody>
-      </p:sp>
-      <p:grpSp>
-        <p:nvGrpSpPr>
-          <p:cNvPr id="16" name="Group 15"/>
-          <p:cNvGrpSpPr/>
-          <p:nvPr/>
-        </p:nvGrpSpPr>
-        <p:grpSpPr>
-          <a:xfrm>
-            <a:off x="2317173" y="3665268"/>
-            <a:ext cx="4374572" cy="1280601"/>
-            <a:chOff x="2317173" y="3665268"/>
-            <a:chExt cx="4374572" cy="1280601"/>
-          </a:xfrm>
-        </p:grpSpPr>
-        <p:pic>
-          <p:nvPicPr>
-            <p:cNvPr id="7" name="Picture 6"/>
-            <p:cNvPicPr>
-              <a:picLocks noChangeAspect="1"/>
-            </p:cNvPicPr>
-            <p:nvPr/>
-          </p:nvPicPr>
-          <p:blipFill>
-            <a:blip r:embed="rId2"/>
-            <a:stretch>
-              <a:fillRect/>
-            </a:stretch>
-          </p:blipFill>
-          <p:spPr>
-            <a:xfrm>
-              <a:off x="2590800" y="3665268"/>
-              <a:ext cx="863043" cy="1268674"/>
-            </a:xfrm>
-            <a:prstGeom prst="rect">
-              <a:avLst/>
-            </a:prstGeom>
-          </p:spPr>
-        </p:pic>
-        <p:pic>
-          <p:nvPicPr>
-            <p:cNvPr id="8" name="Picture 7"/>
-            <p:cNvPicPr>
-              <a:picLocks noChangeAspect="1"/>
-            </p:cNvPicPr>
-            <p:nvPr/>
-          </p:nvPicPr>
-          <p:blipFill>
-            <a:blip r:embed="rId3"/>
-            <a:stretch>
-              <a:fillRect/>
-            </a:stretch>
-          </p:blipFill>
-          <p:spPr>
-            <a:xfrm>
-              <a:off x="3727438" y="3678038"/>
-              <a:ext cx="621391" cy="1260043"/>
-            </a:xfrm>
-            <a:prstGeom prst="rect">
-              <a:avLst/>
-            </a:prstGeom>
-          </p:spPr>
-        </p:pic>
-        <p:pic>
-          <p:nvPicPr>
-            <p:cNvPr id="9" name="Picture 8"/>
-            <p:cNvPicPr>
-              <a:picLocks noChangeAspect="1"/>
-            </p:cNvPicPr>
-            <p:nvPr/>
-          </p:nvPicPr>
-          <p:blipFill>
-            <a:blip r:embed="rId4"/>
-            <a:stretch>
-              <a:fillRect/>
-            </a:stretch>
-          </p:blipFill>
-          <p:spPr>
-            <a:xfrm>
-              <a:off x="4664665" y="3763501"/>
-              <a:ext cx="716326" cy="1182368"/>
-            </a:xfrm>
-            <a:prstGeom prst="rect">
-              <a:avLst/>
-            </a:prstGeom>
-          </p:spPr>
-        </p:pic>
-        <p:pic>
-          <p:nvPicPr>
-            <p:cNvPr id="10" name="Picture 9"/>
-            <p:cNvPicPr>
-              <a:picLocks noChangeAspect="1"/>
-            </p:cNvPicPr>
-            <p:nvPr/>
-          </p:nvPicPr>
-          <p:blipFill>
-            <a:blip r:embed="rId5"/>
-            <a:stretch>
-              <a:fillRect/>
-            </a:stretch>
-          </p:blipFill>
-          <p:spPr>
-            <a:xfrm>
-              <a:off x="5819529" y="3720224"/>
-              <a:ext cx="655913" cy="1199630"/>
-            </a:xfrm>
-            <a:prstGeom prst="rect">
-              <a:avLst/>
-            </a:prstGeom>
-          </p:spPr>
-        </p:pic>
-        <p:sp>
-          <p:nvSpPr>
-            <p:cNvPr id="14" name="Rectangle 13"/>
-            <p:cNvSpPr/>
-            <p:nvPr/>
-          </p:nvSpPr>
-          <p:spPr>
-            <a:xfrm>
-              <a:off x="2317173" y="3665268"/>
-              <a:ext cx="4374572" cy="1280601"/>
-            </a:xfrm>
-            <a:prstGeom prst="rect">
-              <a:avLst/>
-            </a:prstGeom>
-            <a:noFill/>
-            <a:ln>
-              <a:prstDash val="dash"/>
-            </a:ln>
-          </p:spPr>
-          <p:style>
-            <a:lnRef idx="2">
-              <a:schemeClr val="accent1">
-                <a:shade val="50000"/>
-              </a:schemeClr>
-            </a:lnRef>
-            <a:fillRef idx="1">
-              <a:schemeClr val="accent1"/>
-            </a:fillRef>
-            <a:effectRef idx="0">
-              <a:schemeClr val="accent1"/>
-            </a:effectRef>
-            <a:fontRef idx="minor">
-              <a:schemeClr val="lt1"/>
-            </a:fontRef>
-          </p:style>
-          <p:txBody>
-            <a:bodyPr rtlCol="0" anchor="ctr"/>
-            <a:lstStyle/>
-            <a:p>
-              <a:pPr algn="ctr"/>
-              <a:endParaRPr lang="en-US"/>
-            </a:p>
-          </p:txBody>
-        </p:sp>
-      </p:grpSp>
-      <p:grpSp>
-        <p:nvGrpSpPr>
-          <p:cNvPr id="17" name="Group 16"/>
-          <p:cNvGrpSpPr/>
-          <p:nvPr/>
-        </p:nvGrpSpPr>
-        <p:grpSpPr>
-          <a:xfrm>
-            <a:off x="2317173" y="5034858"/>
-            <a:ext cx="4374572" cy="1380868"/>
-            <a:chOff x="2317173" y="5034858"/>
-            <a:chExt cx="4374572" cy="1380868"/>
-          </a:xfrm>
-        </p:grpSpPr>
-        <p:pic>
-          <p:nvPicPr>
-            <p:cNvPr id="11" name="Picture 10"/>
-            <p:cNvPicPr>
-              <a:picLocks noChangeAspect="1"/>
-            </p:cNvPicPr>
-            <p:nvPr/>
-          </p:nvPicPr>
-          <p:blipFill>
-            <a:blip r:embed="rId6"/>
-            <a:stretch>
-              <a:fillRect/>
-            </a:stretch>
-          </p:blipFill>
-          <p:spPr>
-            <a:xfrm>
-              <a:off x="2916549" y="5136106"/>
-              <a:ext cx="768108" cy="1216891"/>
-            </a:xfrm>
-            <a:prstGeom prst="rect">
-              <a:avLst/>
-            </a:prstGeom>
-          </p:spPr>
-        </p:pic>
-        <p:pic>
-          <p:nvPicPr>
-            <p:cNvPr id="12" name="Picture 11"/>
-            <p:cNvPicPr>
-              <a:picLocks noChangeAspect="1"/>
-            </p:cNvPicPr>
-            <p:nvPr/>
-          </p:nvPicPr>
-          <p:blipFill>
-            <a:blip r:embed="rId7"/>
-            <a:stretch>
-              <a:fillRect/>
-            </a:stretch>
-          </p:blipFill>
-          <p:spPr>
-            <a:xfrm>
-              <a:off x="4062804" y="5034858"/>
-              <a:ext cx="509196" cy="1380868"/>
-            </a:xfrm>
-            <a:prstGeom prst="rect">
-              <a:avLst/>
-            </a:prstGeom>
-          </p:spPr>
-        </p:pic>
-        <p:pic>
-          <p:nvPicPr>
-            <p:cNvPr id="13" name="Picture 12"/>
-            <p:cNvPicPr>
-              <a:picLocks noChangeAspect="1"/>
-            </p:cNvPicPr>
-            <p:nvPr/>
-          </p:nvPicPr>
-          <p:blipFill>
-            <a:blip r:embed="rId8"/>
-            <a:stretch>
-              <a:fillRect/>
-            </a:stretch>
-          </p:blipFill>
-          <p:spPr>
-            <a:xfrm>
-              <a:off x="5131202" y="5102516"/>
-              <a:ext cx="863043" cy="1268674"/>
-            </a:xfrm>
-            <a:prstGeom prst="rect">
-              <a:avLst/>
-            </a:prstGeom>
-          </p:spPr>
-        </p:pic>
-        <p:sp>
-          <p:nvSpPr>
-            <p:cNvPr id="15" name="Rectangle 14"/>
-            <p:cNvSpPr/>
-            <p:nvPr/>
-          </p:nvSpPr>
-          <p:spPr>
-            <a:xfrm>
-              <a:off x="2317173" y="5090589"/>
-              <a:ext cx="4374572" cy="1280601"/>
-            </a:xfrm>
-            <a:prstGeom prst="rect">
-              <a:avLst/>
-            </a:prstGeom>
-            <a:noFill/>
-            <a:ln>
-              <a:solidFill>
-                <a:srgbClr val="FF0000"/>
-              </a:solidFill>
-              <a:prstDash val="dash"/>
-            </a:ln>
-          </p:spPr>
-          <p:style>
-            <a:lnRef idx="2">
-              <a:schemeClr val="accent1">
-                <a:shade val="50000"/>
-              </a:schemeClr>
-            </a:lnRef>
-            <a:fillRef idx="1">
-              <a:schemeClr val="accent1"/>
-            </a:fillRef>
-            <a:effectRef idx="0">
-              <a:schemeClr val="accent1"/>
-            </a:effectRef>
-            <a:fontRef idx="minor">
-              <a:schemeClr val="lt1"/>
-            </a:fontRef>
-          </p:style>
-          <p:txBody>
-            <a:bodyPr rtlCol="0" anchor="ctr"/>
-            <a:lstStyle/>
-            <a:p>
-              <a:pPr algn="ctr"/>
-              <a:endParaRPr lang="en-US"/>
-            </a:p>
-          </p:txBody>
-        </p:sp>
-      </p:grpSp>
-    </p:spTree>
-    <p:extLst>
-      <p:ext uri="{BB962C8B-B14F-4D97-AF65-F5344CB8AC3E}">
-        <p14:creationId xmlns:p14="http://schemas.microsoft.com/office/powerpoint/2010/main" val="1683264302"/>
-      </p:ext>
-    </p:extLst>
-  </p:cSld>
-  <p:clrMapOvr>
-    <a:masterClrMapping/>
-  </p:clrMapOvr>
-  <p:timing>
-    <p:tnLst>
-      <p:par>
-        <p:cTn id="1" dur="indefinite" restart="never" nodeType="tmRoot">
-          <p:childTnLst>
-            <p:seq concurrent="1" nextAc="seek">
-              <p:cTn id="2" dur="indefinite" nodeType="mainSeq">
-                <p:childTnLst>
-                  <p:par>
-                    <p:cTn id="3" fill="hold">
-                      <p:stCondLst>
-                        <p:cond delay="indefinite"/>
-                      </p:stCondLst>
-                      <p:childTnLst>
-                        <p:par>
-                          <p:cTn id="4" fill="hold">
-                            <p:stCondLst>
-                              <p:cond delay="0"/>
-                            </p:stCondLst>
-                            <p:childTnLst>
-                              <p:par>
-                                <p:cTn id="5" presetID="1" presetClass="exit" presetSubtype="0" fill="hold" nodeType="clickEffect">
-                                  <p:stCondLst>
-                                    <p:cond delay="0"/>
-                                  </p:stCondLst>
-                                  <p:childTnLst>
-                                    <p:set>
-                                      <p:cBhvr>
-                                        <p:cTn id="6" dur="1" fill="hold">
-                                          <p:stCondLst>
-                                            <p:cond delay="0"/>
-                                          </p:stCondLst>
-                                        </p:cTn>
-                                        <p:tgtEl>
-                                          <p:spTgt spid="16"/>
-                                        </p:tgtEl>
-                                        <p:attrNameLst>
-                                          <p:attrName>style.visibility</p:attrName>
-                                        </p:attrNameLst>
-                                      </p:cBhvr>
-                                      <p:to>
-                                        <p:strVal val="hidden"/>
-                                      </p:to>
-                                    </p:set>
-                                  </p:childTnLst>
-                                </p:cTn>
-                              </p:par>
-                              <p:par>
-                                <p:cTn id="7" presetID="1" presetClass="exit" presetSubtype="0" fill="hold" nodeType="withEffect">
-                                  <p:stCondLst>
-                                    <p:cond delay="0"/>
-                                  </p:stCondLst>
-                                  <p:childTnLst>
-                                    <p:set>
-                                      <p:cBhvr>
-                                        <p:cTn id="8" dur="1" fill="hold">
-                                          <p:stCondLst>
-                                            <p:cond delay="0"/>
-                                          </p:stCondLst>
-                                        </p:cTn>
-                                        <p:tgtEl>
-                                          <p:spTgt spid="17"/>
-                                        </p:tgtEl>
-                                        <p:attrNameLst>
-                                          <p:attrName>style.visibility</p:attrName>
-                                        </p:attrNameLst>
-                                      </p:cBhvr>
-                                      <p:to>
-                                        <p:strVal val="hidden"/>
-                                      </p:to>
-                                    </p:set>
-                                  </p:childTnLst>
-                                </p:cTn>
-                              </p:par>
-                              <p:par>
-                                <p:cTn id="9" presetID="1" presetClass="entr" presetSubtype="0" fill="hold" nodeType="withEffect">
-                                  <p:stCondLst>
-                                    <p:cond delay="0"/>
-                                  </p:stCondLst>
-                                  <p:childTnLst>
-                                    <p:set>
-                                      <p:cBhvr>
-                                        <p:cTn id="10" dur="1" fill="hold">
-                                          <p:stCondLst>
-                                            <p:cond delay="0"/>
-                                          </p:stCondLst>
-                                        </p:cTn>
-                                        <p:tgtEl>
-                                          <p:spTgt spid="3">
-                                            <p:txEl>
-                                              <p:pRg st="3" end="3"/>
-                                            </p:txEl>
-                                          </p:spTgt>
-                                        </p:tgtEl>
-                                        <p:attrNameLst>
-                                          <p:attrName>style.visibility</p:attrName>
-                                        </p:attrNameLst>
-                                      </p:cBhvr>
-                                      <p:to>
-                                        <p:strVal val="visible"/>
-                                      </p:to>
-                                    </p:set>
-                                  </p:childTnLst>
-                                </p:cTn>
-                              </p:par>
-                            </p:childTnLst>
-                          </p:cTn>
-                        </p:par>
-                      </p:childTnLst>
-                    </p:cTn>
-                  </p:par>
-                </p:childTnLst>
-              </p:cTn>
-              <p:prevCondLst>
-                <p:cond evt="onPrev" delay="0">
-                  <p:tgtEl>
-                    <p:sldTgt/>
-                  </p:tgtEl>
-                </p:cond>
-              </p:prevCondLst>
-              <p:nextCondLst>
-                <p:cond evt="onNext" delay="0">
-                  <p:tgtEl>
-                    <p:sldTgt/>
-                  </p:tgtEl>
-                </p:cond>
-              </p:nextCondLst>
-            </p:seq>
-          </p:childTnLst>
-        </p:cTn>
-      </p:par>
-    </p:tnLst>
-  </p:timing>
-</p:sld>
-</file>
-
-<file path=ppt/slides/slide30.xml><?xml version="1.0" encoding="utf-8"?>
+<file path=ppt/slides/slide27.xml><?xml version="1.0" encoding="utf-8"?>
 <p:sld xmlns:a="http://schemas.openxmlformats.org/drawingml/2006/main" xmlns:r="http://schemas.openxmlformats.org/officeDocument/2006/relationships" xmlns:p="http://schemas.openxmlformats.org/presentationml/2006/main">
   <p:cSld>
     <p:spTree>
@@ -31099,7 +27377,7 @@
           <a:p>
             <a:fld id="{D4438207-9E20-42FC-82B6-02A8A94D7FE7}" type="slidenum">
               <a:rPr lang="en-US" smtClean="0"/>
-              <a:t>30</a:t>
+              <a:t>27</a:t>
             </a:fld>
             <a:endParaRPr lang="en-US"/>
           </a:p>
@@ -31282,7 +27560,7 @@
 </p:sld>
 </file>
 
-<file path=ppt/slides/slide31.xml><?xml version="1.0" encoding="utf-8"?>
+<file path=ppt/slides/slide28.xml><?xml version="1.0" encoding="utf-8"?>
 <p:sld xmlns:a="http://schemas.openxmlformats.org/drawingml/2006/main" xmlns:r="http://schemas.openxmlformats.org/officeDocument/2006/relationships" xmlns:p="http://schemas.openxmlformats.org/presentationml/2006/main">
   <p:cSld>
     <p:spTree>
@@ -31750,7 +28028,7 @@
           <a:p>
             <a:fld id="{64B9C3A9-27DF-40B5-9FC7-1DF96985BC5A}" type="slidenum">
               <a:rPr lang="en-US" smtClean="0"/>
-              <a:t>31</a:t>
+              <a:t>28</a:t>
             </a:fld>
             <a:endParaRPr lang="en-US"/>
           </a:p>
@@ -32274,8 +28552,8 @@
           </p:style>
         </p:cxnSp>
       </p:grpSp>
-      <mc:AlternateContent xmlns:mc="http://schemas.openxmlformats.org/markup-compatibility/2006">
-        <mc:Choice xmlns:a14="http://schemas.microsoft.com/office/drawing/2010/main" Requires="a14">
+      <mc:AlternateContent xmlns:mc="http://schemas.openxmlformats.org/markup-compatibility/2006" xmlns:a14="http://schemas.microsoft.com/office/drawing/2010/main">
+        <mc:Choice Requires="a14">
           <p:sp>
             <p:nvSpPr>
               <p:cNvPr id="12" name="TextBox 11"/>
@@ -32554,7 +28832,7 @@
             </p:txBody>
           </p:sp>
         </mc:Choice>
-        <mc:Fallback>
+        <mc:Fallback xmlns="">
           <p:sp>
             <p:nvSpPr>
               <p:cNvPr id="12" name="TextBox 11"/>
@@ -33223,7 +29501,7 @@
 </p:sld>
 </file>
 
-<file path=ppt/slides/slide32.xml><?xml version="1.0" encoding="utf-8"?>
+<file path=ppt/slides/slide29.xml><?xml version="1.0" encoding="utf-8"?>
 <p:sld xmlns:a="http://schemas.openxmlformats.org/drawingml/2006/main" xmlns:r="http://schemas.openxmlformats.org/officeDocument/2006/relationships" xmlns:p="http://schemas.openxmlformats.org/presentationml/2006/main">
   <p:cSld>
     <p:spTree>
@@ -33368,7 +29646,7 @@
           <a:p>
             <a:fld id="{64B9C3A9-27DF-40B5-9FC7-1DF96985BC5A}" type="slidenum">
               <a:rPr lang="en-US" smtClean="0"/>
-              <a:t>32</a:t>
+              <a:t>29</a:t>
             </a:fld>
             <a:endParaRPr lang="en-US"/>
           </a:p>
@@ -33508,7 +29786,632 @@
 </p:sld>
 </file>
 
-<file path=ppt/slides/slide33.xml><?xml version="1.0" encoding="utf-8"?>
+<file path=ppt/slides/slide3.xml><?xml version="1.0" encoding="utf-8"?>
+<p:sld xmlns:a="http://schemas.openxmlformats.org/drawingml/2006/main" xmlns:r="http://schemas.openxmlformats.org/officeDocument/2006/relationships" xmlns:p="http://schemas.openxmlformats.org/presentationml/2006/main">
+  <p:cSld>
+    <p:spTree>
+      <p:nvGrpSpPr>
+        <p:cNvPr id="1" name=""/>
+        <p:cNvGrpSpPr/>
+        <p:nvPr/>
+      </p:nvGrpSpPr>
+      <p:grpSpPr>
+        <a:xfrm>
+          <a:off x="0" y="0"/>
+          <a:ext cx="0" cy="0"/>
+          <a:chOff x="0" y="0"/>
+          <a:chExt cx="0" cy="0"/>
+        </a:xfrm>
+      </p:grpSpPr>
+      <p:sp>
+        <p:nvSpPr>
+          <p:cNvPr id="2" name="Title 1"/>
+          <p:cNvSpPr>
+            <a:spLocks noGrp="1"/>
+          </p:cNvSpPr>
+          <p:nvPr>
+            <p:ph type="title"/>
+          </p:nvPr>
+        </p:nvSpPr>
+        <p:spPr/>
+        <p:txBody>
+          <a:bodyPr>
+            <a:normAutofit/>
+          </a:bodyPr>
+          <a:lstStyle/>
+          <a:p>
+            <a:r>
+              <a:rPr lang="en-US" dirty="0" err="1"/>
+              <a:t>Partitional</a:t>
+            </a:r>
+            <a:r>
+              <a:rPr lang="en-US" dirty="0"/>
+              <a:t> clustering </a:t>
+            </a:r>
+            <a:r>
+              <a:rPr lang="en-US" dirty="0" smtClean="0"/>
+              <a:t>algorithms</a:t>
+            </a:r>
+            <a:endParaRPr lang="en-US" dirty="0"/>
+          </a:p>
+        </p:txBody>
+      </p:sp>
+      <p:sp>
+        <p:nvSpPr>
+          <p:cNvPr id="3" name="Content Placeholder 2"/>
+          <p:cNvSpPr>
+            <a:spLocks noGrp="1"/>
+          </p:cNvSpPr>
+          <p:nvPr>
+            <p:ph idx="1"/>
+          </p:nvPr>
+        </p:nvSpPr>
+        <p:spPr/>
+        <p:txBody>
+          <a:bodyPr/>
+          <a:lstStyle/>
+          <a:p>
+            <a:r>
+              <a:rPr lang="en-US" dirty="0" smtClean="0"/>
+              <a:t>Partition instances into exactly </a:t>
+            </a:r>
+            <a:r>
+              <a:rPr lang="en-US" i="1" dirty="0" smtClean="0"/>
+              <a:t>k</a:t>
+            </a:r>
+            <a:r>
+              <a:rPr lang="en-US" dirty="0" smtClean="0"/>
+              <a:t> non-overlapping clusters</a:t>
+            </a:r>
+          </a:p>
+          <a:p>
+            <a:pPr lvl="1"/>
+            <a:r>
+              <a:rPr lang="en-US" dirty="0" smtClean="0"/>
+              <a:t>Flat structure clustering</a:t>
+            </a:r>
+          </a:p>
+          <a:p>
+            <a:pPr lvl="1"/>
+            <a:r>
+              <a:rPr lang="en-US" dirty="0" smtClean="0"/>
+              <a:t>Users need to specify the cluster size </a:t>
+            </a:r>
+            <a:r>
+              <a:rPr lang="en-US" i="1" dirty="0" smtClean="0"/>
+              <a:t>k</a:t>
+            </a:r>
+          </a:p>
+          <a:p>
+            <a:pPr lvl="1"/>
+            <a:r>
+              <a:rPr lang="en-US" dirty="0" smtClean="0"/>
+              <a:t>Task</a:t>
+            </a:r>
+            <a:r>
+              <a:rPr lang="en-US" dirty="0"/>
+              <a:t>: identify the partition of </a:t>
+            </a:r>
+            <a:r>
+              <a:rPr lang="en-US" i="1" dirty="0"/>
+              <a:t>k</a:t>
+            </a:r>
+            <a:r>
+              <a:rPr lang="en-US" dirty="0"/>
+              <a:t> clusters that optimize the chosen partition criterion</a:t>
+            </a:r>
+          </a:p>
+          <a:p>
+            <a:pPr lvl="1"/>
+            <a:endParaRPr lang="en-US" i="1" dirty="0"/>
+          </a:p>
+        </p:txBody>
+      </p:sp>
+      <p:sp>
+        <p:nvSpPr>
+          <p:cNvPr id="4" name="Date Placeholder 3"/>
+          <p:cNvSpPr>
+            <a:spLocks noGrp="1"/>
+          </p:cNvSpPr>
+          <p:nvPr>
+            <p:ph type="dt" sz="half" idx="10"/>
+          </p:nvPr>
+        </p:nvSpPr>
+        <p:spPr/>
+        <p:txBody>
+          <a:bodyPr/>
+          <a:lstStyle/>
+          <a:p>
+            <a:r>
+              <a:rPr lang="en-US" smtClean="0"/>
+              <a:t>CS@UVa</a:t>
+            </a:r>
+            <a:endParaRPr lang="en-US"/>
+          </a:p>
+        </p:txBody>
+      </p:sp>
+      <p:sp>
+        <p:nvSpPr>
+          <p:cNvPr id="5" name="Footer Placeholder 4"/>
+          <p:cNvSpPr>
+            <a:spLocks noGrp="1"/>
+          </p:cNvSpPr>
+          <p:nvPr>
+            <p:ph type="ftr" sz="quarter" idx="11"/>
+          </p:nvPr>
+        </p:nvSpPr>
+        <p:spPr/>
+        <p:txBody>
+          <a:bodyPr/>
+          <a:lstStyle/>
+          <a:p>
+            <a:r>
+              <a:rPr lang="en-US" smtClean="0"/>
+              <a:t>CS 6501: Text Mining</a:t>
+            </a:r>
+            <a:endParaRPr lang="en-US"/>
+          </a:p>
+        </p:txBody>
+      </p:sp>
+      <p:sp>
+        <p:nvSpPr>
+          <p:cNvPr id="6" name="Slide Number Placeholder 5"/>
+          <p:cNvSpPr>
+            <a:spLocks noGrp="1"/>
+          </p:cNvSpPr>
+          <p:nvPr>
+            <p:ph type="sldNum" sz="quarter" idx="12"/>
+          </p:nvPr>
+        </p:nvSpPr>
+        <p:spPr/>
+        <p:txBody>
+          <a:bodyPr/>
+          <a:lstStyle/>
+          <a:p>
+            <a:fld id="{64B9C3A9-27DF-40B5-9FC7-1DF96985BC5A}" type="slidenum">
+              <a:rPr lang="en-US" smtClean="0"/>
+              <a:t>3</a:t>
+            </a:fld>
+            <a:endParaRPr lang="en-US"/>
+          </a:p>
+        </p:txBody>
+      </p:sp>
+      <p:grpSp>
+        <p:nvGrpSpPr>
+          <p:cNvPr id="16" name="Group 15"/>
+          <p:cNvGrpSpPr/>
+          <p:nvPr/>
+        </p:nvGrpSpPr>
+        <p:grpSpPr>
+          <a:xfrm>
+            <a:off x="2317173" y="3665268"/>
+            <a:ext cx="4374572" cy="1280601"/>
+            <a:chOff x="2317173" y="3665268"/>
+            <a:chExt cx="4374572" cy="1280601"/>
+          </a:xfrm>
+        </p:grpSpPr>
+        <p:pic>
+          <p:nvPicPr>
+            <p:cNvPr id="7" name="Picture 6"/>
+            <p:cNvPicPr>
+              <a:picLocks noChangeAspect="1"/>
+            </p:cNvPicPr>
+            <p:nvPr/>
+          </p:nvPicPr>
+          <p:blipFill>
+            <a:blip r:embed="rId2"/>
+            <a:stretch>
+              <a:fillRect/>
+            </a:stretch>
+          </p:blipFill>
+          <p:spPr>
+            <a:xfrm>
+              <a:off x="2590800" y="3665268"/>
+              <a:ext cx="863043" cy="1268674"/>
+            </a:xfrm>
+            <a:prstGeom prst="rect">
+              <a:avLst/>
+            </a:prstGeom>
+          </p:spPr>
+        </p:pic>
+        <p:pic>
+          <p:nvPicPr>
+            <p:cNvPr id="8" name="Picture 7"/>
+            <p:cNvPicPr>
+              <a:picLocks noChangeAspect="1"/>
+            </p:cNvPicPr>
+            <p:nvPr/>
+          </p:nvPicPr>
+          <p:blipFill>
+            <a:blip r:embed="rId3"/>
+            <a:stretch>
+              <a:fillRect/>
+            </a:stretch>
+          </p:blipFill>
+          <p:spPr>
+            <a:xfrm>
+              <a:off x="3727438" y="3678038"/>
+              <a:ext cx="621391" cy="1260043"/>
+            </a:xfrm>
+            <a:prstGeom prst="rect">
+              <a:avLst/>
+            </a:prstGeom>
+          </p:spPr>
+        </p:pic>
+        <p:pic>
+          <p:nvPicPr>
+            <p:cNvPr id="9" name="Picture 8"/>
+            <p:cNvPicPr>
+              <a:picLocks noChangeAspect="1"/>
+            </p:cNvPicPr>
+            <p:nvPr/>
+          </p:nvPicPr>
+          <p:blipFill>
+            <a:blip r:embed="rId4"/>
+            <a:stretch>
+              <a:fillRect/>
+            </a:stretch>
+          </p:blipFill>
+          <p:spPr>
+            <a:xfrm>
+              <a:off x="4664665" y="3763501"/>
+              <a:ext cx="716326" cy="1182368"/>
+            </a:xfrm>
+            <a:prstGeom prst="rect">
+              <a:avLst/>
+            </a:prstGeom>
+          </p:spPr>
+        </p:pic>
+        <p:pic>
+          <p:nvPicPr>
+            <p:cNvPr id="10" name="Picture 9"/>
+            <p:cNvPicPr>
+              <a:picLocks noChangeAspect="1"/>
+            </p:cNvPicPr>
+            <p:nvPr/>
+          </p:nvPicPr>
+          <p:blipFill>
+            <a:blip r:embed="rId5"/>
+            <a:stretch>
+              <a:fillRect/>
+            </a:stretch>
+          </p:blipFill>
+          <p:spPr>
+            <a:xfrm>
+              <a:off x="5819529" y="3720224"/>
+              <a:ext cx="655913" cy="1199630"/>
+            </a:xfrm>
+            <a:prstGeom prst="rect">
+              <a:avLst/>
+            </a:prstGeom>
+          </p:spPr>
+        </p:pic>
+        <p:sp>
+          <p:nvSpPr>
+            <p:cNvPr id="14" name="Rectangle 13"/>
+            <p:cNvSpPr/>
+            <p:nvPr/>
+          </p:nvSpPr>
+          <p:spPr>
+            <a:xfrm>
+              <a:off x="2317173" y="3665268"/>
+              <a:ext cx="4374572" cy="1280601"/>
+            </a:xfrm>
+            <a:prstGeom prst="rect">
+              <a:avLst/>
+            </a:prstGeom>
+            <a:noFill/>
+            <a:ln>
+              <a:prstDash val="dash"/>
+            </a:ln>
+          </p:spPr>
+          <p:style>
+            <a:lnRef idx="2">
+              <a:schemeClr val="accent1">
+                <a:shade val="50000"/>
+              </a:schemeClr>
+            </a:lnRef>
+            <a:fillRef idx="1">
+              <a:schemeClr val="accent1"/>
+            </a:fillRef>
+            <a:effectRef idx="0">
+              <a:schemeClr val="accent1"/>
+            </a:effectRef>
+            <a:fontRef idx="minor">
+              <a:schemeClr val="lt1"/>
+            </a:fontRef>
+          </p:style>
+          <p:txBody>
+            <a:bodyPr rtlCol="0" anchor="ctr"/>
+            <a:lstStyle/>
+            <a:p>
+              <a:pPr algn="ctr"/>
+              <a:endParaRPr lang="en-US"/>
+            </a:p>
+          </p:txBody>
+        </p:sp>
+      </p:grpSp>
+      <p:grpSp>
+        <p:nvGrpSpPr>
+          <p:cNvPr id="17" name="Group 16"/>
+          <p:cNvGrpSpPr/>
+          <p:nvPr/>
+        </p:nvGrpSpPr>
+        <p:grpSpPr>
+          <a:xfrm>
+            <a:off x="2317173" y="5034858"/>
+            <a:ext cx="4374572" cy="1380868"/>
+            <a:chOff x="2317173" y="5034858"/>
+            <a:chExt cx="4374572" cy="1380868"/>
+          </a:xfrm>
+        </p:grpSpPr>
+        <p:pic>
+          <p:nvPicPr>
+            <p:cNvPr id="11" name="Picture 10"/>
+            <p:cNvPicPr>
+              <a:picLocks noChangeAspect="1"/>
+            </p:cNvPicPr>
+            <p:nvPr/>
+          </p:nvPicPr>
+          <p:blipFill>
+            <a:blip r:embed="rId6"/>
+            <a:stretch>
+              <a:fillRect/>
+            </a:stretch>
+          </p:blipFill>
+          <p:spPr>
+            <a:xfrm>
+              <a:off x="2916549" y="5136106"/>
+              <a:ext cx="768108" cy="1216891"/>
+            </a:xfrm>
+            <a:prstGeom prst="rect">
+              <a:avLst/>
+            </a:prstGeom>
+          </p:spPr>
+        </p:pic>
+        <p:pic>
+          <p:nvPicPr>
+            <p:cNvPr id="12" name="Picture 11"/>
+            <p:cNvPicPr>
+              <a:picLocks noChangeAspect="1"/>
+            </p:cNvPicPr>
+            <p:nvPr/>
+          </p:nvPicPr>
+          <p:blipFill>
+            <a:blip r:embed="rId7"/>
+            <a:stretch>
+              <a:fillRect/>
+            </a:stretch>
+          </p:blipFill>
+          <p:spPr>
+            <a:xfrm>
+              <a:off x="4062804" y="5034858"/>
+              <a:ext cx="509196" cy="1380868"/>
+            </a:xfrm>
+            <a:prstGeom prst="rect">
+              <a:avLst/>
+            </a:prstGeom>
+          </p:spPr>
+        </p:pic>
+        <p:pic>
+          <p:nvPicPr>
+            <p:cNvPr id="13" name="Picture 12"/>
+            <p:cNvPicPr>
+              <a:picLocks noChangeAspect="1"/>
+            </p:cNvPicPr>
+            <p:nvPr/>
+          </p:nvPicPr>
+          <p:blipFill>
+            <a:blip r:embed="rId8"/>
+            <a:stretch>
+              <a:fillRect/>
+            </a:stretch>
+          </p:blipFill>
+          <p:spPr>
+            <a:xfrm>
+              <a:off x="5131202" y="5102516"/>
+              <a:ext cx="863043" cy="1268674"/>
+            </a:xfrm>
+            <a:prstGeom prst="rect">
+              <a:avLst/>
+            </a:prstGeom>
+          </p:spPr>
+        </p:pic>
+        <p:sp>
+          <p:nvSpPr>
+            <p:cNvPr id="15" name="Rectangle 14"/>
+            <p:cNvSpPr/>
+            <p:nvPr/>
+          </p:nvSpPr>
+          <p:spPr>
+            <a:xfrm>
+              <a:off x="2317173" y="5090589"/>
+              <a:ext cx="4374572" cy="1280601"/>
+            </a:xfrm>
+            <a:prstGeom prst="rect">
+              <a:avLst/>
+            </a:prstGeom>
+            <a:noFill/>
+            <a:ln>
+              <a:solidFill>
+                <a:srgbClr val="FF0000"/>
+              </a:solidFill>
+              <a:prstDash val="dash"/>
+            </a:ln>
+          </p:spPr>
+          <p:style>
+            <a:lnRef idx="2">
+              <a:schemeClr val="accent1">
+                <a:shade val="50000"/>
+              </a:schemeClr>
+            </a:lnRef>
+            <a:fillRef idx="1">
+              <a:schemeClr val="accent1"/>
+            </a:fillRef>
+            <a:effectRef idx="0">
+              <a:schemeClr val="accent1"/>
+            </a:effectRef>
+            <a:fontRef idx="minor">
+              <a:schemeClr val="lt1"/>
+            </a:fontRef>
+          </p:style>
+          <p:txBody>
+            <a:bodyPr rtlCol="0" anchor="ctr"/>
+            <a:lstStyle/>
+            <a:p>
+              <a:pPr algn="ctr"/>
+              <a:endParaRPr lang="en-US"/>
+            </a:p>
+          </p:txBody>
+        </p:sp>
+      </p:grpSp>
+    </p:spTree>
+    <p:extLst>
+      <p:ext uri="{BB962C8B-B14F-4D97-AF65-F5344CB8AC3E}">
+        <p14:creationId xmlns:p14="http://schemas.microsoft.com/office/powerpoint/2010/main" val="1683264302"/>
+      </p:ext>
+    </p:extLst>
+  </p:cSld>
+  <p:clrMapOvr>
+    <a:masterClrMapping/>
+  </p:clrMapOvr>
+  <p:timing>
+    <p:tnLst>
+      <p:par>
+        <p:cTn id="1" dur="indefinite" restart="never" nodeType="tmRoot">
+          <p:childTnLst>
+            <p:seq concurrent="1" nextAc="seek">
+              <p:cTn id="2" dur="indefinite" nodeType="mainSeq">
+                <p:childTnLst>
+                  <p:par>
+                    <p:cTn id="3" fill="hold">
+                      <p:stCondLst>
+                        <p:cond delay="indefinite"/>
+                      </p:stCondLst>
+                      <p:childTnLst>
+                        <p:par>
+                          <p:cTn id="4" fill="hold">
+                            <p:stCondLst>
+                              <p:cond delay="0"/>
+                            </p:stCondLst>
+                            <p:childTnLst>
+                              <p:par>
+                                <p:cTn id="5" presetID="1" presetClass="exit" presetSubtype="0" fill="hold" nodeType="clickEffect">
+                                  <p:stCondLst>
+                                    <p:cond delay="0"/>
+                                  </p:stCondLst>
+                                  <p:childTnLst>
+                                    <p:set>
+                                      <p:cBhvr>
+                                        <p:cTn id="6" dur="1" fill="hold">
+                                          <p:stCondLst>
+                                            <p:cond delay="0"/>
+                                          </p:stCondLst>
+                                        </p:cTn>
+                                        <p:tgtEl>
+                                          <p:spTgt spid="16"/>
+                                        </p:tgtEl>
+                                        <p:attrNameLst>
+                                          <p:attrName>style.visibility</p:attrName>
+                                        </p:attrNameLst>
+                                      </p:cBhvr>
+                                      <p:to>
+                                        <p:strVal val="hidden"/>
+                                      </p:to>
+                                    </p:set>
+                                  </p:childTnLst>
+                                </p:cTn>
+                              </p:par>
+                              <p:par>
+                                <p:cTn id="7" presetID="1" presetClass="exit" presetSubtype="0" fill="hold" nodeType="withEffect">
+                                  <p:stCondLst>
+                                    <p:cond delay="0"/>
+                                  </p:stCondLst>
+                                  <p:childTnLst>
+                                    <p:set>
+                                      <p:cBhvr>
+                                        <p:cTn id="8" dur="1" fill="hold">
+                                          <p:stCondLst>
+                                            <p:cond delay="0"/>
+                                          </p:stCondLst>
+                                        </p:cTn>
+                                        <p:tgtEl>
+                                          <p:spTgt spid="17"/>
+                                        </p:tgtEl>
+                                        <p:attrNameLst>
+                                          <p:attrName>style.visibility</p:attrName>
+                                        </p:attrNameLst>
+                                      </p:cBhvr>
+                                      <p:to>
+                                        <p:strVal val="hidden"/>
+                                      </p:to>
+                                    </p:set>
+                                  </p:childTnLst>
+                                </p:cTn>
+                              </p:par>
+                              <p:par>
+                                <p:cTn id="9" presetID="1" presetClass="entr" presetSubtype="0" fill="hold" nodeType="withEffect">
+                                  <p:stCondLst>
+                                    <p:cond delay="0"/>
+                                  </p:stCondLst>
+                                  <p:childTnLst>
+                                    <p:set>
+                                      <p:cBhvr>
+                                        <p:cTn id="10" dur="1" fill="hold">
+                                          <p:stCondLst>
+                                            <p:cond delay="0"/>
+                                          </p:stCondLst>
+                                        </p:cTn>
+                                        <p:tgtEl>
+                                          <p:spTgt spid="3">
+                                            <p:txEl>
+                                              <p:pRg st="3" end="3"/>
+                                            </p:txEl>
+                                          </p:spTgt>
+                                        </p:tgtEl>
+                                        <p:attrNameLst>
+                                          <p:attrName>style.visibility</p:attrName>
+                                        </p:attrNameLst>
+                                      </p:cBhvr>
+                                      <p:to>
+                                        <p:strVal val="visible"/>
+                                      </p:to>
+                                    </p:set>
+                                  </p:childTnLst>
+                                </p:cTn>
+                              </p:par>
+                            </p:childTnLst>
+                          </p:cTn>
+                        </p:par>
+                      </p:childTnLst>
+                    </p:cTn>
+                  </p:par>
+                </p:childTnLst>
+              </p:cTn>
+              <p:prevCondLst>
+                <p:cond evt="onPrev" delay="0">
+                  <p:tgtEl>
+                    <p:sldTgt/>
+                  </p:tgtEl>
+                </p:cond>
+              </p:prevCondLst>
+              <p:nextCondLst>
+                <p:cond evt="onNext" delay="0">
+                  <p:tgtEl>
+                    <p:sldTgt/>
+                  </p:tgtEl>
+                </p:cond>
+              </p:nextCondLst>
+            </p:seq>
+          </p:childTnLst>
+        </p:cTn>
+      </p:par>
+    </p:tnLst>
+  </p:timing>
+</p:sld>
+</file>
+
+<file path=ppt/slides/slide30.xml><?xml version="1.0" encoding="utf-8"?>
 <p:sld xmlns:a="http://schemas.openxmlformats.org/drawingml/2006/main" xmlns:r="http://schemas.openxmlformats.org/officeDocument/2006/relationships" xmlns:p="http://schemas.openxmlformats.org/presentationml/2006/main">
   <p:cSld>
     <p:spTree>
@@ -33700,7 +30603,7 @@
           <a:p>
             <a:fld id="{64B9C3A9-27DF-40B5-9FC7-1DF96985BC5A}" type="slidenum">
               <a:rPr lang="en-US" smtClean="0"/>
-              <a:t>33</a:t>
+              <a:t>30</a:t>
             </a:fld>
             <a:endParaRPr lang="en-US"/>
           </a:p>
@@ -33829,7 +30732,7 @@
 </p:sld>
 </file>
 
-<file path=ppt/slides/slide34.xml><?xml version="1.0" encoding="utf-8"?>
+<file path=ppt/slides/slide31.xml><?xml version="1.0" encoding="utf-8"?>
 <p:sld xmlns:a="http://schemas.openxmlformats.org/drawingml/2006/main" xmlns:r="http://schemas.openxmlformats.org/officeDocument/2006/relationships" xmlns:p="http://schemas.openxmlformats.org/presentationml/2006/main">
   <p:cSld>
     <p:spTree>
@@ -34249,7 +31152,7 @@
           <a:p>
             <a:fld id="{64B9C3A9-27DF-40B5-9FC7-1DF96985BC5A}" type="slidenum">
               <a:rPr lang="en-US" smtClean="0"/>
-              <a:t>34</a:t>
+              <a:t>31</a:t>
             </a:fld>
             <a:endParaRPr lang="en-US"/>
           </a:p>
@@ -34432,7 +31335,7 @@
 </p:sld>
 </file>
 
-<file path=ppt/slides/slide35.xml><?xml version="1.0" encoding="utf-8"?>
+<file path=ppt/slides/slide32.xml><?xml version="1.0" encoding="utf-8"?>
 <p:sld xmlns:a="http://schemas.openxmlformats.org/drawingml/2006/main" xmlns:r="http://schemas.openxmlformats.org/officeDocument/2006/relationships" xmlns:p="http://schemas.openxmlformats.org/presentationml/2006/main">
   <p:cSld>
     <p:spTree>
@@ -34642,7 +31545,7 @@
           <a:p>
             <a:fld id="{64B9C3A9-27DF-40B5-9FC7-1DF96985BC5A}" type="slidenum">
               <a:rPr lang="en-US" smtClean="0"/>
-              <a:t>35</a:t>
+              <a:t>32</a:t>
             </a:fld>
             <a:endParaRPr lang="en-US"/>
           </a:p>
@@ -34692,7 +31595,7 @@
 </p:sld>
 </file>
 
-<file path=ppt/slides/slide36.xml><?xml version="1.0" encoding="utf-8"?>
+<file path=ppt/slides/slide33.xml><?xml version="1.0" encoding="utf-8"?>
 <p:sld xmlns:a="http://schemas.openxmlformats.org/drawingml/2006/main" xmlns:r="http://schemas.openxmlformats.org/officeDocument/2006/relationships" xmlns:p="http://schemas.openxmlformats.org/presentationml/2006/main">
   <p:cSld>
     <p:spTree>
@@ -34916,7 +31819,7 @@
           <a:p>
             <a:fld id="{64B9C3A9-27DF-40B5-9FC7-1DF96985BC5A}" type="slidenum">
               <a:rPr lang="en-US" smtClean="0"/>
-              <a:t>36</a:t>
+              <a:t>33</a:t>
             </a:fld>
             <a:endParaRPr lang="en-US"/>
           </a:p>
@@ -34942,7 +31845,7 @@
 </p:sld>
 </file>
 
-<file path=ppt/slides/slide37.xml><?xml version="1.0" encoding="utf-8"?>
+<file path=ppt/slides/slide34.xml><?xml version="1.0" encoding="utf-8"?>
 <p:sld xmlns:a="http://schemas.openxmlformats.org/drawingml/2006/main" xmlns:r="http://schemas.openxmlformats.org/officeDocument/2006/relationships" xmlns:p="http://schemas.openxmlformats.org/presentationml/2006/main">
   <p:cSld>
     <p:spTree>
@@ -35128,7 +32031,7 @@
           <a:p>
             <a:fld id="{64B9C3A9-27DF-40B5-9FC7-1DF96985BC5A}" type="slidenum">
               <a:rPr lang="en-US" smtClean="0"/>
-              <a:t>37</a:t>
+              <a:t>34</a:t>
             </a:fld>
             <a:endParaRPr lang="en-US"/>
           </a:p>
@@ -35154,7 +32057,7 @@
 </p:sld>
 </file>
 
-<file path=ppt/slides/slide38.xml><?xml version="1.0" encoding="utf-8"?>
+<file path=ppt/slides/slide35.xml><?xml version="1.0" encoding="utf-8"?>
 <p:sld xmlns:a="http://schemas.openxmlformats.org/drawingml/2006/main" xmlns:r="http://schemas.openxmlformats.org/officeDocument/2006/relationships" xmlns:p="http://schemas.openxmlformats.org/presentationml/2006/main">
   <p:cSld>
     <p:spTree>
@@ -35309,7 +32212,7 @@
           <a:p>
             <a:fld id="{64B9C3A9-27DF-40B5-9FC7-1DF96985BC5A}" type="slidenum">
               <a:rPr lang="en-US" smtClean="0"/>
-              <a:t>38</a:t>
+              <a:t>35</a:t>
             </a:fld>
             <a:endParaRPr lang="en-US"/>
           </a:p>

--- a/docs/k-means.pptx
+++ b/docs/k-means.pptx
@@ -231,7 +231,7 @@
           <a:p>
             <a:fld id="{1A8B0552-9314-44FC-80A7-241A4FB6D973}" type="datetimeFigureOut">
               <a:rPr lang="en-US" smtClean="0"/>
-              <a:t>4/19/2016</a:t>
+              <a:t>4/20/2016</a:t>
             </a:fld>
             <a:endParaRPr lang="en-US"/>
           </a:p>
@@ -32288,8 +32288,8 @@
           </a:p>
         </p:txBody>
       </p:sp>
-      <mc:AlternateContent xmlns:mc="http://schemas.openxmlformats.org/markup-compatibility/2006" xmlns:a14="http://schemas.microsoft.com/office/drawing/2010/main">
-        <mc:Choice Requires="a14">
+      <mc:AlternateContent xmlns:mc="http://schemas.openxmlformats.org/markup-compatibility/2006">
+        <mc:Choice xmlns:a14="http://schemas.microsoft.com/office/drawing/2010/main" Requires="a14">
           <p:sp>
             <p:nvSpPr>
               <p:cNvPr id="3" name="Content Placeholder 2"/>
@@ -32539,14 +32539,22 @@
                 </a:r>
                 <a:r>
                   <a:rPr lang="en-US" dirty="0" smtClean="0"/>
-                  <a:t> and return the one optimizing the criterion</a:t>
+                  <a:t> and return the one </a:t>
+                </a:r>
+                <a:r>
+                  <a:rPr lang="en-US" dirty="0" smtClean="0"/>
+                  <a:t>maximizing the </a:t>
+                </a:r>
+                <a:r>
+                  <a:rPr lang="en-US" dirty="0" smtClean="0"/>
+                  <a:t>criterion</a:t>
                 </a:r>
                 <a:endParaRPr lang="en-US" dirty="0"/>
               </a:p>
             </p:txBody>
           </p:sp>
         </mc:Choice>
-        <mc:Fallback xmlns="">
+        <mc:Fallback>
           <p:sp>
             <p:nvSpPr>
               <p:cNvPr id="3" name="Content Placeholder 2"/>
@@ -33338,8 +33346,8 @@
           </a:p>
         </p:txBody>
       </p:sp>
-      <mc:AlternateContent xmlns:mc="http://schemas.openxmlformats.org/markup-compatibility/2006" xmlns:a14="http://schemas.microsoft.com/office/drawing/2010/main">
-        <mc:Choice Requires="a14">
+      <mc:AlternateContent xmlns:mc="http://schemas.openxmlformats.org/markup-compatibility/2006">
+        <mc:Choice xmlns:a14="http://schemas.microsoft.com/office/drawing/2010/main" Requires="a14">
           <p:sp>
             <p:nvSpPr>
               <p:cNvPr id="3" name="Content Placeholder 2"/>
@@ -33462,31 +33470,7 @@
                       <a:rPr lang="en-US" i="1" dirty="0" smtClean="0">
                         <a:latin typeface="Cambria Math" panose="02040503050406030204" pitchFamily="18" charset="0"/>
                       </a:rPr>
-                      <m:t>(</m:t>
-                    </m:r>
-                    <m:r>
-                      <a:rPr lang="en-US" i="1" dirty="0" err="1" smtClean="0">
-                        <a:latin typeface="Cambria Math" panose="02040503050406030204" pitchFamily="18" charset="0"/>
-                      </a:rPr>
-                      <m:t>𝑥</m:t>
-                    </m:r>
-                    <m:r>
-                      <a:rPr lang="en-US" i="1" dirty="0" err="1" smtClean="0">
-                        <a:latin typeface="Cambria Math" panose="02040503050406030204" pitchFamily="18" charset="0"/>
-                      </a:rPr>
-                      <m:t>,</m:t>
-                    </m:r>
-                    <m:r>
-                      <a:rPr lang="en-US" i="1" dirty="0" err="1" smtClean="0">
-                        <a:latin typeface="Cambria Math" panose="02040503050406030204" pitchFamily="18" charset="0"/>
-                      </a:rPr>
-                      <m:t>𝑦</m:t>
-                    </m:r>
-                    <m:r>
-                      <a:rPr lang="en-US" i="1" dirty="0" smtClean="0">
-                        <a:latin typeface="Cambria Math" panose="02040503050406030204" pitchFamily="18" charset="0"/>
-                      </a:rPr>
-                      <m:t>)</m:t>
+                      <m:t>(⋅,⋅)</m:t>
                     </m:r>
                   </m:oMath>
                 </a14:m>
@@ -34137,7 +34121,7 @@
             </p:txBody>
           </p:sp>
         </mc:Choice>
-        <mc:Fallback xmlns="">
+        <mc:Fallback>
           <p:sp>
             <p:nvSpPr>
               <p:cNvPr id="3" name="Content Placeholder 2"/>
@@ -34347,7 +34331,7 @@
                             </p:stCondLst>
                             <p:childTnLst>
                               <p:par>
-                                <p:cTn id="5" presetID="1" presetClass="entr" presetSubtype="0" fill="hold" nodeType="clickEffect">
+                                <p:cTn id="5" presetID="1" presetClass="entr" presetSubtype="0" fill="hold" grpId="0" nodeType="clickEffect">
                                   <p:stCondLst>
                                     <p:cond delay="0"/>
                                   </p:stCondLst>
@@ -34360,11 +34344,7 @@
                                           </p:stCondLst>
                                         </p:cTn>
                                         <p:tgtEl>
-                                          <p:spTgt spid="3">
-                                            <p:txEl>
-                                              <p:pRg st="2" end="2"/>
-                                            </p:txEl>
-                                          </p:spTgt>
+                                          <p:spTgt spid="7"/>
                                         </p:tgtEl>
                                         <p:attrNameLst>
                                           <p:attrName>style.visibility</p:attrName>
@@ -34396,7 +34376,7 @@
                             </p:stCondLst>
                             <p:childTnLst>
                               <p:par>
-                                <p:cTn id="9" presetID="1" presetClass="entr" presetSubtype="0" fill="hold" nodeType="clickEffect">
+                                <p:cTn id="9" presetID="1" presetClass="entr" presetSubtype="0" fill="hold" grpId="0" nodeType="clickEffect">
                                   <p:stCondLst>
                                     <p:cond delay="0"/>
                                   </p:stCondLst>
@@ -34404,260 +34384,6 @@
                                     <p:set>
                                       <p:cBhvr>
                                         <p:cTn id="10" dur="1" fill="hold">
-                                          <p:stCondLst>
-                                            <p:cond delay="0"/>
-                                          </p:stCondLst>
-                                        </p:cTn>
-                                        <p:tgtEl>
-                                          <p:spTgt spid="3">
-                                            <p:txEl>
-                                              <p:pRg st="3" end="3"/>
-                                            </p:txEl>
-                                          </p:spTgt>
-                                        </p:tgtEl>
-                                        <p:attrNameLst>
-                                          <p:attrName>style.visibility</p:attrName>
-                                        </p:attrNameLst>
-                                      </p:cBhvr>
-                                      <p:to>
-                                        <p:strVal val="visible"/>
-                                      </p:to>
-                                    </p:set>
-                                  </p:childTnLst>
-                                </p:cTn>
-                              </p:par>
-                            </p:childTnLst>
-                          </p:cTn>
-                        </p:par>
-                      </p:childTnLst>
-                    </p:cTn>
-                  </p:par>
-                  <p:par>
-                    <p:cTn id="11" fill="hold">
-                      <p:stCondLst>
-                        <p:cond delay="indefinite"/>
-                      </p:stCondLst>
-                      <p:childTnLst>
-                        <p:par>
-                          <p:cTn id="12" fill="hold">
-                            <p:stCondLst>
-                              <p:cond delay="0"/>
-                            </p:stCondLst>
-                            <p:childTnLst>
-                              <p:par>
-                                <p:cTn id="13" presetID="1" presetClass="entr" presetSubtype="0" fill="hold" nodeType="clickEffect">
-                                  <p:stCondLst>
-                                    <p:cond delay="0"/>
-                                  </p:stCondLst>
-                                  <p:childTnLst>
-                                    <p:set>
-                                      <p:cBhvr>
-                                        <p:cTn id="14" dur="1" fill="hold">
-                                          <p:stCondLst>
-                                            <p:cond delay="0"/>
-                                          </p:stCondLst>
-                                        </p:cTn>
-                                        <p:tgtEl>
-                                          <p:spTgt spid="3">
-                                            <p:txEl>
-                                              <p:pRg st="4" end="4"/>
-                                            </p:txEl>
-                                          </p:spTgt>
-                                        </p:tgtEl>
-                                        <p:attrNameLst>
-                                          <p:attrName>style.visibility</p:attrName>
-                                        </p:attrNameLst>
-                                      </p:cBhvr>
-                                      <p:to>
-                                        <p:strVal val="visible"/>
-                                      </p:to>
-                                    </p:set>
-                                  </p:childTnLst>
-                                </p:cTn>
-                              </p:par>
-                              <p:par>
-                                <p:cTn id="15" presetID="1" presetClass="entr" presetSubtype="0" fill="hold" nodeType="withEffect">
-                                  <p:stCondLst>
-                                    <p:cond delay="0"/>
-                                  </p:stCondLst>
-                                  <p:childTnLst>
-                                    <p:set>
-                                      <p:cBhvr>
-                                        <p:cTn id="16" dur="1" fill="hold">
-                                          <p:stCondLst>
-                                            <p:cond delay="0"/>
-                                          </p:stCondLst>
-                                        </p:cTn>
-                                        <p:tgtEl>
-                                          <p:spTgt spid="3">
-                                            <p:txEl>
-                                              <p:pRg st="5" end="5"/>
-                                            </p:txEl>
-                                          </p:spTgt>
-                                        </p:tgtEl>
-                                        <p:attrNameLst>
-                                          <p:attrName>style.visibility</p:attrName>
-                                        </p:attrNameLst>
-                                      </p:cBhvr>
-                                      <p:to>
-                                        <p:strVal val="visible"/>
-                                      </p:to>
-                                    </p:set>
-                                  </p:childTnLst>
-                                </p:cTn>
-                              </p:par>
-                            </p:childTnLst>
-                          </p:cTn>
-                        </p:par>
-                      </p:childTnLst>
-                    </p:cTn>
-                  </p:par>
-                  <p:par>
-                    <p:cTn id="17" fill="hold">
-                      <p:stCondLst>
-                        <p:cond delay="indefinite"/>
-                      </p:stCondLst>
-                      <p:childTnLst>
-                        <p:par>
-                          <p:cTn id="18" fill="hold">
-                            <p:stCondLst>
-                              <p:cond delay="0"/>
-                            </p:stCondLst>
-                            <p:childTnLst>
-                              <p:par>
-                                <p:cTn id="19" presetID="1" presetClass="entr" presetSubtype="0" fill="hold" grpId="0" nodeType="clickEffect">
-                                  <p:stCondLst>
-                                    <p:cond delay="0"/>
-                                  </p:stCondLst>
-                                  <p:childTnLst>
-                                    <p:set>
-                                      <p:cBhvr>
-                                        <p:cTn id="20" dur="1" fill="hold">
-                                          <p:stCondLst>
-                                            <p:cond delay="0"/>
-                                          </p:stCondLst>
-                                        </p:cTn>
-                                        <p:tgtEl>
-                                          <p:spTgt spid="7"/>
-                                        </p:tgtEl>
-                                        <p:attrNameLst>
-                                          <p:attrName>style.visibility</p:attrName>
-                                        </p:attrNameLst>
-                                      </p:cBhvr>
-                                      <p:to>
-                                        <p:strVal val="visible"/>
-                                      </p:to>
-                                    </p:set>
-                                  </p:childTnLst>
-                                </p:cTn>
-                              </p:par>
-                            </p:childTnLst>
-                          </p:cTn>
-                        </p:par>
-                      </p:childTnLst>
-                    </p:cTn>
-                  </p:par>
-                  <p:par>
-                    <p:cTn id="21" fill="hold">
-                      <p:stCondLst>
-                        <p:cond delay="indefinite"/>
-                      </p:stCondLst>
-                      <p:childTnLst>
-                        <p:par>
-                          <p:cTn id="22" fill="hold">
-                            <p:stCondLst>
-                              <p:cond delay="0"/>
-                            </p:stCondLst>
-                            <p:childTnLst>
-                              <p:par>
-                                <p:cTn id="23" presetID="1" presetClass="entr" presetSubtype="0" fill="hold" nodeType="clickEffect">
-                                  <p:stCondLst>
-                                    <p:cond delay="0"/>
-                                  </p:stCondLst>
-                                  <p:childTnLst>
-                                    <p:set>
-                                      <p:cBhvr>
-                                        <p:cTn id="24" dur="1" fill="hold">
-                                          <p:stCondLst>
-                                            <p:cond delay="0"/>
-                                          </p:stCondLst>
-                                        </p:cTn>
-                                        <p:tgtEl>
-                                          <p:spTgt spid="3">
-                                            <p:txEl>
-                                              <p:pRg st="6" end="6"/>
-                                            </p:txEl>
-                                          </p:spTgt>
-                                        </p:tgtEl>
-                                        <p:attrNameLst>
-                                          <p:attrName>style.visibility</p:attrName>
-                                        </p:attrNameLst>
-                                      </p:cBhvr>
-                                      <p:to>
-                                        <p:strVal val="visible"/>
-                                      </p:to>
-                                    </p:set>
-                                  </p:childTnLst>
-                                </p:cTn>
-                              </p:par>
-                              <p:par>
-                                <p:cTn id="25" presetID="1" presetClass="entr" presetSubtype="0" fill="hold" nodeType="withEffect">
-                                  <p:stCondLst>
-                                    <p:cond delay="0"/>
-                                  </p:stCondLst>
-                                  <p:childTnLst>
-                                    <p:set>
-                                      <p:cBhvr>
-                                        <p:cTn id="26" dur="1" fill="hold">
-                                          <p:stCondLst>
-                                            <p:cond delay="0"/>
-                                          </p:stCondLst>
-                                        </p:cTn>
-                                        <p:tgtEl>
-                                          <p:spTgt spid="3">
-                                            <p:txEl>
-                                              <p:pRg st="7" end="7"/>
-                                            </p:txEl>
-                                          </p:spTgt>
-                                        </p:tgtEl>
-                                        <p:attrNameLst>
-                                          <p:attrName>style.visibility</p:attrName>
-                                        </p:attrNameLst>
-                                      </p:cBhvr>
-                                      <p:to>
-                                        <p:strVal val="visible"/>
-                                      </p:to>
-                                    </p:set>
-                                  </p:childTnLst>
-                                </p:cTn>
-                              </p:par>
-                            </p:childTnLst>
-                          </p:cTn>
-                        </p:par>
-                      </p:childTnLst>
-                    </p:cTn>
-                  </p:par>
-                  <p:par>
-                    <p:cTn id="27" fill="hold">
-                      <p:stCondLst>
-                        <p:cond delay="indefinite"/>
-                      </p:stCondLst>
-                      <p:childTnLst>
-                        <p:par>
-                          <p:cTn id="28" fill="hold">
-                            <p:stCondLst>
-                              <p:cond delay="0"/>
-                            </p:stCondLst>
-                            <p:childTnLst>
-                              <p:par>
-                                <p:cTn id="29" presetID="1" presetClass="entr" presetSubtype="0" fill="hold" grpId="0" nodeType="clickEffect">
-                                  <p:stCondLst>
-                                    <p:cond delay="0"/>
-                                  </p:stCondLst>
-                                  <p:childTnLst>
-                                    <p:set>
-                                      <p:cBhvr>
-                                        <p:cTn id="30" dur="1" fill="hold">
                                           <p:stCondLst>
                                             <p:cond delay="0"/>
                                           </p:stCondLst>

--- a/docs/k-means.pptx
+++ b/docs/k-means.pptx
@@ -5,7 +5,7 @@
     <p:sldMasterId id="2147483660" r:id="rId1"/>
   </p:sldMasterIdLst>
   <p:notesMasterIdLst>
-    <p:notesMasterId r:id="rId37"/>
+    <p:notesMasterId r:id="rId42"/>
   </p:notesMasterIdLst>
   <p:sldIdLst>
     <p:sldId id="256" r:id="rId2"/>
@@ -23,26 +23,31 @@
     <p:sldId id="268" r:id="rId14"/>
     <p:sldId id="269" r:id="rId15"/>
     <p:sldId id="270" r:id="rId16"/>
-    <p:sldId id="271" r:id="rId17"/>
-    <p:sldId id="272" r:id="rId18"/>
-    <p:sldId id="273" r:id="rId19"/>
-    <p:sldId id="274" r:id="rId20"/>
-    <p:sldId id="275" r:id="rId21"/>
-    <p:sldId id="276" r:id="rId22"/>
-    <p:sldId id="277" r:id="rId23"/>
-    <p:sldId id="278" r:id="rId24"/>
-    <p:sldId id="279" r:id="rId25"/>
-    <p:sldId id="280" r:id="rId26"/>
-    <p:sldId id="281" r:id="rId27"/>
-    <p:sldId id="282" r:id="rId28"/>
-    <p:sldId id="283" r:id="rId29"/>
-    <p:sldId id="285" r:id="rId30"/>
-    <p:sldId id="284" r:id="rId31"/>
-    <p:sldId id="292" r:id="rId32"/>
-    <p:sldId id="286" r:id="rId33"/>
-    <p:sldId id="287" r:id="rId34"/>
-    <p:sldId id="289" r:id="rId35"/>
-    <p:sldId id="290" r:id="rId36"/>
+    <p:sldId id="293" r:id="rId17"/>
+    <p:sldId id="294" r:id="rId18"/>
+    <p:sldId id="298" r:id="rId19"/>
+    <p:sldId id="296" r:id="rId20"/>
+    <p:sldId id="297" r:id="rId21"/>
+    <p:sldId id="271" r:id="rId22"/>
+    <p:sldId id="272" r:id="rId23"/>
+    <p:sldId id="273" r:id="rId24"/>
+    <p:sldId id="274" r:id="rId25"/>
+    <p:sldId id="275" r:id="rId26"/>
+    <p:sldId id="276" r:id="rId27"/>
+    <p:sldId id="277" r:id="rId28"/>
+    <p:sldId id="278" r:id="rId29"/>
+    <p:sldId id="279" r:id="rId30"/>
+    <p:sldId id="280" r:id="rId31"/>
+    <p:sldId id="281" r:id="rId32"/>
+    <p:sldId id="282" r:id="rId33"/>
+    <p:sldId id="283" r:id="rId34"/>
+    <p:sldId id="285" r:id="rId35"/>
+    <p:sldId id="284" r:id="rId36"/>
+    <p:sldId id="292" r:id="rId37"/>
+    <p:sldId id="286" r:id="rId38"/>
+    <p:sldId id="287" r:id="rId39"/>
+    <p:sldId id="289" r:id="rId40"/>
+    <p:sldId id="290" r:id="rId41"/>
   </p:sldIdLst>
   <p:sldSz cx="9144000" cy="6858000" type="screen4x3"/>
   <p:notesSz cx="6858000" cy="9144000"/>
@@ -231,7 +236,7 @@
           <a:p>
             <a:fld id="{1A8B0552-9314-44FC-80A7-241A4FB6D973}" type="datetimeFigureOut">
               <a:rPr lang="en-US" smtClean="0"/>
-              <a:t>4/20/2016</a:t>
+              <a:t>4/25/2016</a:t>
             </a:fld>
             <a:endParaRPr lang="en-US"/>
           </a:p>
@@ -9410,6 +9415,5985 @@
       </p:grpSpPr>
       <p:sp>
         <p:nvSpPr>
+          <p:cNvPr id="2" name="Title 1"/>
+          <p:cNvSpPr>
+            <a:spLocks noGrp="1"/>
+          </p:cNvSpPr>
+          <p:nvPr>
+            <p:ph type="title"/>
+          </p:nvPr>
+        </p:nvSpPr>
+        <p:spPr/>
+        <p:txBody>
+          <a:bodyPr/>
+          <a:lstStyle/>
+          <a:p>
+            <a:r>
+              <a:rPr lang="en-US" dirty="0" smtClean="0"/>
+              <a:t>Recap: external validation</a:t>
+            </a:r>
+            <a:endParaRPr lang="en-US" dirty="0"/>
+          </a:p>
+        </p:txBody>
+      </p:sp>
+      <mc:AlternateContent xmlns:mc="http://schemas.openxmlformats.org/markup-compatibility/2006" xmlns:a14="http://schemas.microsoft.com/office/drawing/2010/main">
+        <mc:Choice Requires="a14">
+          <p:sp>
+            <p:nvSpPr>
+              <p:cNvPr id="3" name="Content Placeholder 2"/>
+              <p:cNvSpPr>
+                <a:spLocks noGrp="1"/>
+              </p:cNvSpPr>
+              <p:nvPr>
+                <p:ph idx="1"/>
+              </p:nvPr>
+            </p:nvSpPr>
+            <p:spPr/>
+            <p:txBody>
+              <a:bodyPr/>
+              <a:lstStyle/>
+              <a:p>
+                <a:r>
+                  <a:rPr lang="en-US" dirty="0" smtClean="0"/>
+                  <a:t>Given class label </a:t>
+                </a:r>
+                <a14:m>
+                  <m:oMath xmlns:m="http://schemas.openxmlformats.org/officeDocument/2006/math">
+                    <m:r>
+                      <m:rPr>
+                        <m:sty m:val="p"/>
+                      </m:rPr>
+                      <a:rPr lang="en-US" b="0" i="0" smtClean="0">
+                        <a:latin typeface="Cambria Math" panose="02040503050406030204" pitchFamily="18" charset="0"/>
+                      </a:rPr>
+                      <m:t>Ω</m:t>
+                    </m:r>
+                  </m:oMath>
+                </a14:m>
+                <a:r>
+                  <a:rPr lang="en-US" dirty="0" smtClean="0"/>
+                  <a:t> on each instance</a:t>
+                </a:r>
+              </a:p>
+              <a:p>
+                <a:pPr lvl="1"/>
+                <a:r>
+                  <a:rPr lang="en-US" dirty="0" smtClean="0"/>
+                  <a:t>Purity: correctly clustered documents in each cluster</a:t>
+                </a:r>
+              </a:p>
+              <a:p>
+                <a:pPr lvl="2"/>
+                <a14:m>
+                  <m:oMath xmlns:m="http://schemas.openxmlformats.org/officeDocument/2006/math">
+                    <m:r>
+                      <a:rPr lang="en-US" i="1" dirty="0" smtClean="0">
+                        <a:latin typeface="Cambria Math" panose="02040503050406030204" pitchFamily="18" charset="0"/>
+                      </a:rPr>
+                      <m:t>𝑝𝑢𝑟𝑖𝑡𝑦</m:t>
+                    </m:r>
+                    <m:r>
+                      <a:rPr lang="en-US" i="1" dirty="0" smtClean="0">
+                        <a:latin typeface="Cambria Math" panose="02040503050406030204" pitchFamily="18" charset="0"/>
+                      </a:rPr>
+                      <m:t>(</m:t>
+                    </m:r>
+                    <m:r>
+                      <m:rPr>
+                        <m:sty m:val="p"/>
+                      </m:rPr>
+                      <a:rPr lang="en-US" b="0" i="0" dirty="0" smtClean="0">
+                        <a:latin typeface="Cambria Math" panose="02040503050406030204" pitchFamily="18" charset="0"/>
+                      </a:rPr>
+                      <m:t>Ω</m:t>
+                    </m:r>
+                    <m:r>
+                      <a:rPr lang="en-US" b="0" i="1" dirty="0" smtClean="0">
+                        <a:latin typeface="Cambria Math" panose="02040503050406030204" pitchFamily="18" charset="0"/>
+                      </a:rPr>
+                      <m:t>,</m:t>
+                    </m:r>
+                    <m:r>
+                      <a:rPr lang="en-US" b="0" i="1" dirty="0" smtClean="0">
+                        <a:latin typeface="Cambria Math" panose="02040503050406030204" pitchFamily="18" charset="0"/>
+                      </a:rPr>
+                      <m:t>𝐶</m:t>
+                    </m:r>
+                    <m:r>
+                      <a:rPr lang="en-US" i="1" dirty="0" smtClean="0">
+                        <a:latin typeface="Cambria Math" panose="02040503050406030204" pitchFamily="18" charset="0"/>
+                      </a:rPr>
+                      <m:t>) = </m:t>
+                    </m:r>
+                    <m:f>
+                      <m:fPr>
+                        <m:ctrlPr>
+                          <a:rPr lang="en-US" i="1" dirty="0" smtClean="0">
+                            <a:latin typeface="Cambria Math" panose="02040503050406030204" pitchFamily="18" charset="0"/>
+                          </a:rPr>
+                        </m:ctrlPr>
+                      </m:fPr>
+                      <m:num>
+                        <m:r>
+                          <a:rPr lang="en-US" b="0" i="1" dirty="0" smtClean="0">
+                            <a:latin typeface="Cambria Math" panose="02040503050406030204" pitchFamily="18" charset="0"/>
+                          </a:rPr>
+                          <m:t>1</m:t>
+                        </m:r>
+                      </m:num>
+                      <m:den>
+                        <m:r>
+                          <a:rPr lang="en-US" b="0" i="1" dirty="0" smtClean="0">
+                            <a:latin typeface="Cambria Math" panose="02040503050406030204" pitchFamily="18" charset="0"/>
+                          </a:rPr>
+                          <m:t>𝑁</m:t>
+                        </m:r>
+                      </m:den>
+                    </m:f>
+                    <m:nary>
+                      <m:naryPr>
+                        <m:chr m:val="∑"/>
+                        <m:ctrlPr>
+                          <a:rPr lang="en-US" i="1" dirty="0" smtClean="0">
+                            <a:latin typeface="Cambria Math" panose="02040503050406030204" pitchFamily="18" charset="0"/>
+                          </a:rPr>
+                        </m:ctrlPr>
+                      </m:naryPr>
+                      <m:sub>
+                        <m:r>
+                          <m:rPr>
+                            <m:brk m:alnAt="23"/>
+                          </m:rPr>
+                          <a:rPr lang="en-US" b="0" i="1" dirty="0" smtClean="0">
+                            <a:latin typeface="Cambria Math" panose="02040503050406030204" pitchFamily="18" charset="0"/>
+                          </a:rPr>
+                          <m:t>𝑖</m:t>
+                        </m:r>
+                        <m:r>
+                          <a:rPr lang="en-US" b="0" i="1" dirty="0" smtClean="0">
+                            <a:latin typeface="Cambria Math" panose="02040503050406030204" pitchFamily="18" charset="0"/>
+                          </a:rPr>
+                          <m:t>=1</m:t>
+                        </m:r>
+                      </m:sub>
+                      <m:sup>
+                        <m:r>
+                          <a:rPr lang="en-US" b="0" i="1" dirty="0" smtClean="0">
+                            <a:latin typeface="Cambria Math" panose="02040503050406030204" pitchFamily="18" charset="0"/>
+                          </a:rPr>
+                          <m:t>𝑘</m:t>
+                        </m:r>
+                      </m:sup>
+                      <m:e>
+                        <m:func>
+                          <m:funcPr>
+                            <m:ctrlPr>
+                              <a:rPr lang="en-US" b="0" i="1" dirty="0" smtClean="0">
+                                <a:latin typeface="Cambria Math" panose="02040503050406030204" pitchFamily="18" charset="0"/>
+                              </a:rPr>
+                            </m:ctrlPr>
+                          </m:funcPr>
+                          <m:fName>
+                            <m:limLow>
+                              <m:limLowPr>
+                                <m:ctrlPr>
+                                  <a:rPr lang="en-US" b="0" i="1" dirty="0" smtClean="0">
+                                    <a:latin typeface="Cambria Math" panose="02040503050406030204" pitchFamily="18" charset="0"/>
+                                  </a:rPr>
+                                </m:ctrlPr>
+                              </m:limLowPr>
+                              <m:e>
+                                <m:r>
+                                  <m:rPr>
+                                    <m:sty m:val="p"/>
+                                  </m:rPr>
+                                  <a:rPr lang="en-US" b="0" i="0" dirty="0" smtClean="0">
+                                    <a:latin typeface="Cambria Math" panose="02040503050406030204" pitchFamily="18" charset="0"/>
+                                  </a:rPr>
+                                  <m:t>max</m:t>
+                                </m:r>
+                              </m:e>
+                              <m:lim>
+                                <m:r>
+                                  <a:rPr lang="en-US" b="0" i="1" dirty="0" smtClean="0">
+                                    <a:latin typeface="Cambria Math" panose="02040503050406030204" pitchFamily="18" charset="0"/>
+                                  </a:rPr>
+                                  <m:t>𝑗</m:t>
+                                </m:r>
+                              </m:lim>
+                            </m:limLow>
+                          </m:fName>
+                          <m:e>
+                            <m:r>
+                              <a:rPr lang="en-US" b="0" i="1" dirty="0" smtClean="0">
+                                <a:latin typeface="Cambria Math" panose="02040503050406030204" pitchFamily="18" charset="0"/>
+                              </a:rPr>
+                              <m:t>|</m:t>
+                            </m:r>
+                            <m:sSub>
+                              <m:sSubPr>
+                                <m:ctrlPr>
+                                  <a:rPr lang="en-US" b="0" i="1" dirty="0" smtClean="0">
+                                    <a:latin typeface="Cambria Math" panose="02040503050406030204" pitchFamily="18" charset="0"/>
+                                  </a:rPr>
+                                </m:ctrlPr>
+                              </m:sSubPr>
+                              <m:e>
+                                <m:r>
+                                  <a:rPr lang="en-US" b="0" i="1" dirty="0" smtClean="0">
+                                    <a:latin typeface="Cambria Math" panose="02040503050406030204" pitchFamily="18" charset="0"/>
+                                  </a:rPr>
+                                  <m:t>𝑐</m:t>
+                                </m:r>
+                              </m:e>
+                              <m:sub>
+                                <m:r>
+                                  <a:rPr lang="en-US" b="0" i="1" dirty="0" smtClean="0">
+                                    <a:latin typeface="Cambria Math" panose="02040503050406030204" pitchFamily="18" charset="0"/>
+                                  </a:rPr>
+                                  <m:t>𝑖</m:t>
+                                </m:r>
+                              </m:sub>
+                            </m:sSub>
+                            <m:r>
+                              <a:rPr lang="en-US" b="0" i="1" dirty="0" smtClean="0">
+                                <a:latin typeface="Cambria Math" panose="02040503050406030204" pitchFamily="18" charset="0"/>
+                              </a:rPr>
+                              <m:t>∩</m:t>
+                            </m:r>
+                            <m:sSub>
+                              <m:sSubPr>
+                                <m:ctrlPr>
+                                  <a:rPr lang="en-US" b="0" i="1" dirty="0" smtClean="0">
+                                    <a:latin typeface="Cambria Math" panose="02040503050406030204" pitchFamily="18" charset="0"/>
+                                  </a:rPr>
+                                </m:ctrlPr>
+                              </m:sSubPr>
+                              <m:e>
+                                <m:r>
+                                  <a:rPr lang="en-US" b="0" i="1" dirty="0" smtClean="0">
+                                    <a:latin typeface="Cambria Math" panose="02040503050406030204" pitchFamily="18" charset="0"/>
+                                  </a:rPr>
+                                  <m:t>𝑤</m:t>
+                                </m:r>
+                              </m:e>
+                              <m:sub>
+                                <m:r>
+                                  <a:rPr lang="en-US" b="0" i="1" dirty="0" smtClean="0">
+                                    <a:latin typeface="Cambria Math" panose="02040503050406030204" pitchFamily="18" charset="0"/>
+                                  </a:rPr>
+                                  <m:t>𝑗</m:t>
+                                </m:r>
+                              </m:sub>
+                            </m:sSub>
+                            <m:r>
+                              <a:rPr lang="en-US" b="0" i="1" dirty="0" smtClean="0">
+                                <a:latin typeface="Cambria Math" panose="02040503050406030204" pitchFamily="18" charset="0"/>
+                              </a:rPr>
+                              <m:t>|</m:t>
+                            </m:r>
+                          </m:e>
+                        </m:func>
+                      </m:e>
+                    </m:nary>
+                  </m:oMath>
+                </a14:m>
+                <a:endParaRPr lang="en-US" dirty="0" smtClean="0"/>
+              </a:p>
+              <a:p>
+                <a:pPr lvl="3"/>
+                <a:r>
+                  <a:rPr lang="en-US" dirty="0" smtClean="0"/>
+                  <a:t>where </a:t>
+                </a:r>
+                <a14:m>
+                  <m:oMath xmlns:m="http://schemas.openxmlformats.org/officeDocument/2006/math">
+                    <m:sSub>
+                      <m:sSubPr>
+                        <m:ctrlPr>
+                          <a:rPr lang="en-US" i="1" dirty="0">
+                            <a:latin typeface="Cambria Math" panose="02040503050406030204" pitchFamily="18" charset="0"/>
+                          </a:rPr>
+                        </m:ctrlPr>
+                      </m:sSubPr>
+                      <m:e>
+                        <m:r>
+                          <a:rPr lang="en-US" b="0" i="1" dirty="0" smtClean="0">
+                            <a:latin typeface="Cambria Math" panose="02040503050406030204" pitchFamily="18" charset="0"/>
+                          </a:rPr>
+                          <m:t>𝑐</m:t>
+                        </m:r>
+                      </m:e>
+                      <m:sub>
+                        <m:r>
+                          <a:rPr lang="en-US" i="1" dirty="0">
+                            <a:latin typeface="Cambria Math" panose="02040503050406030204" pitchFamily="18" charset="0"/>
+                          </a:rPr>
+                          <m:t>𝑖</m:t>
+                        </m:r>
+                      </m:sub>
+                    </m:sSub>
+                  </m:oMath>
+                </a14:m>
+                <a:r>
+                  <a:rPr lang="en-US" dirty="0" smtClean="0"/>
+                  <a:t> is a set of documents in cluster </a:t>
+                </a:r>
+                <a14:m>
+                  <m:oMath xmlns:m="http://schemas.openxmlformats.org/officeDocument/2006/math">
+                    <m:r>
+                      <a:rPr lang="en-US" i="1" dirty="0" smtClean="0">
+                        <a:latin typeface="Cambria Math" panose="02040503050406030204" pitchFamily="18" charset="0"/>
+                      </a:rPr>
+                      <m:t>𝑖</m:t>
+                    </m:r>
+                  </m:oMath>
+                </a14:m>
+                <a:r>
+                  <a:rPr lang="en-US" dirty="0" smtClean="0"/>
+                  <a:t>, and </a:t>
+                </a:r>
+                <a14:m>
+                  <m:oMath xmlns:m="http://schemas.openxmlformats.org/officeDocument/2006/math">
+                    <m:sSub>
+                      <m:sSubPr>
+                        <m:ctrlPr>
+                          <a:rPr lang="en-US" i="1" dirty="0">
+                            <a:latin typeface="Cambria Math" panose="02040503050406030204" pitchFamily="18" charset="0"/>
+                          </a:rPr>
+                        </m:ctrlPr>
+                      </m:sSubPr>
+                      <m:e>
+                        <m:r>
+                          <a:rPr lang="en-US" i="1" dirty="0">
+                            <a:latin typeface="Cambria Math" panose="02040503050406030204" pitchFamily="18" charset="0"/>
+                          </a:rPr>
+                          <m:t>𝑤</m:t>
+                        </m:r>
+                      </m:e>
+                      <m:sub>
+                        <m:r>
+                          <a:rPr lang="en-US" i="1" dirty="0">
+                            <a:latin typeface="Cambria Math" panose="02040503050406030204" pitchFamily="18" charset="0"/>
+                          </a:rPr>
+                          <m:t>𝑗</m:t>
+                        </m:r>
+                      </m:sub>
+                    </m:sSub>
+                  </m:oMath>
+                </a14:m>
+                <a:r>
+                  <a:rPr lang="en-US" dirty="0" smtClean="0"/>
+                  <a:t> is a set of documents in class </a:t>
+                </a:r>
+                <a14:m>
+                  <m:oMath xmlns:m="http://schemas.openxmlformats.org/officeDocument/2006/math">
+                    <m:r>
+                      <a:rPr lang="en-US" i="1" dirty="0" smtClean="0">
+                        <a:latin typeface="Cambria Math" panose="02040503050406030204" pitchFamily="18" charset="0"/>
+                      </a:rPr>
+                      <m:t>𝑗</m:t>
+                    </m:r>
+                  </m:oMath>
+                </a14:m>
+                <a:endParaRPr lang="en-US" dirty="0" smtClean="0"/>
+              </a:p>
+              <a:p>
+                <a:pPr lvl="1"/>
+                <a:endParaRPr lang="en-US" dirty="0"/>
+              </a:p>
+            </p:txBody>
+          </p:sp>
+        </mc:Choice>
+        <mc:Fallback xmlns="">
+          <p:sp>
+            <p:nvSpPr>
+              <p:cNvPr id="3" name="Content Placeholder 2"/>
+              <p:cNvSpPr>
+                <a:spLocks noGrp="1" noRot="1" noChangeAspect="1" noMove="1" noResize="1" noEditPoints="1" noAdjustHandles="1" noChangeArrowheads="1" noChangeShapeType="1" noTextEdit="1"/>
+              </p:cNvSpPr>
+              <p:nvPr>
+                <p:ph idx="1"/>
+              </p:nvPr>
+            </p:nvSpPr>
+            <p:spPr>
+              <a:blipFill rotWithShape="0">
+                <a:blip r:embed="rId2"/>
+                <a:stretch>
+                  <a:fillRect l="-1704" t="-1617"/>
+                </a:stretch>
+              </a:blipFill>
+            </p:spPr>
+            <p:txBody>
+              <a:bodyPr/>
+              <a:lstStyle/>
+              <a:p>
+                <a:r>
+                  <a:rPr lang="en-US">
+                    <a:noFill/>
+                  </a:rPr>
+                  <a:t> </a:t>
+                </a:r>
+              </a:p>
+            </p:txBody>
+          </p:sp>
+        </mc:Fallback>
+      </mc:AlternateContent>
+      <p:sp>
+        <p:nvSpPr>
+          <p:cNvPr id="4" name="Date Placeholder 3"/>
+          <p:cNvSpPr>
+            <a:spLocks noGrp="1"/>
+          </p:cNvSpPr>
+          <p:nvPr>
+            <p:ph type="dt" sz="half" idx="10"/>
+          </p:nvPr>
+        </p:nvSpPr>
+        <p:spPr/>
+        <p:txBody>
+          <a:bodyPr/>
+          <a:lstStyle/>
+          <a:p>
+            <a:r>
+              <a:rPr lang="en-US" smtClean="0"/>
+              <a:t>CS@UVa</a:t>
+            </a:r>
+            <a:endParaRPr lang="en-US"/>
+          </a:p>
+        </p:txBody>
+      </p:sp>
+      <p:sp>
+        <p:nvSpPr>
+          <p:cNvPr id="5" name="Footer Placeholder 4"/>
+          <p:cNvSpPr>
+            <a:spLocks noGrp="1"/>
+          </p:cNvSpPr>
+          <p:nvPr>
+            <p:ph type="ftr" sz="quarter" idx="11"/>
+          </p:nvPr>
+        </p:nvSpPr>
+        <p:spPr/>
+        <p:txBody>
+          <a:bodyPr/>
+          <a:lstStyle/>
+          <a:p>
+            <a:r>
+              <a:rPr lang="en-US" smtClean="0"/>
+              <a:t>CS 6501: Text Mining</a:t>
+            </a:r>
+            <a:endParaRPr lang="en-US"/>
+          </a:p>
+        </p:txBody>
+      </p:sp>
+      <p:sp>
+        <p:nvSpPr>
+          <p:cNvPr id="6" name="Slide Number Placeholder 5"/>
+          <p:cNvSpPr>
+            <a:spLocks noGrp="1"/>
+          </p:cNvSpPr>
+          <p:nvPr>
+            <p:ph type="sldNum" sz="quarter" idx="12"/>
+          </p:nvPr>
+        </p:nvSpPr>
+        <p:spPr/>
+        <p:txBody>
+          <a:bodyPr/>
+          <a:lstStyle/>
+          <a:p>
+            <a:fld id="{8CCF9448-AE08-4396-8002-720D44A77F1C}" type="slidenum">
+              <a:rPr lang="en-US" smtClean="0"/>
+              <a:t>16</a:t>
+            </a:fld>
+            <a:endParaRPr lang="en-US"/>
+          </a:p>
+        </p:txBody>
+      </p:sp>
+      <p:pic>
+        <p:nvPicPr>
+          <p:cNvPr id="7" name="Picture 6"/>
+          <p:cNvPicPr>
+            <a:picLocks noChangeAspect="1"/>
+          </p:cNvPicPr>
+          <p:nvPr/>
+        </p:nvPicPr>
+        <p:blipFill>
+          <a:blip r:embed="rId3"/>
+          <a:stretch>
+            <a:fillRect/>
+          </a:stretch>
+        </p:blipFill>
+        <p:spPr>
+          <a:xfrm>
+            <a:off x="2257168" y="4467627"/>
+            <a:ext cx="5004872" cy="1888725"/>
+          </a:xfrm>
+          <a:prstGeom prst="rect">
+            <a:avLst/>
+          </a:prstGeom>
+        </p:spPr>
+      </p:pic>
+      <p:grpSp>
+        <p:nvGrpSpPr>
+          <p:cNvPr id="10" name="Group 9"/>
+          <p:cNvGrpSpPr/>
+          <p:nvPr/>
+        </p:nvGrpSpPr>
+        <p:grpSpPr>
+          <a:xfrm>
+            <a:off x="247154" y="4620053"/>
+            <a:ext cx="1940162" cy="982245"/>
+            <a:chOff x="247154" y="4620053"/>
+            <a:chExt cx="1940162" cy="982245"/>
+          </a:xfrm>
+        </p:grpSpPr>
+        <mc:AlternateContent xmlns:mc="http://schemas.openxmlformats.org/markup-compatibility/2006" xmlns:a14="http://schemas.microsoft.com/office/drawing/2010/main">
+          <mc:Choice Requires="a14">
+            <p:sp>
+              <p:nvSpPr>
+                <p:cNvPr id="8" name="Rectangle 7"/>
+                <p:cNvSpPr/>
+                <p:nvPr/>
+              </p:nvSpPr>
+              <p:spPr>
+                <a:xfrm>
+                  <a:off x="247154" y="4620053"/>
+                  <a:ext cx="1779333" cy="369332"/>
+                </a:xfrm>
+                <a:prstGeom prst="rect">
+                  <a:avLst/>
+                </a:prstGeom>
+              </p:spPr>
+              <p:txBody>
+                <a:bodyPr wrap="none">
+                  <a:spAutoFit/>
+                </a:bodyPr>
+                <a:lstStyle/>
+                <a:p>
+                  <a:pPr/>
+                  <a14:m>
+                    <m:oMathPara xmlns:m="http://schemas.openxmlformats.org/officeDocument/2006/math">
+                      <m:oMathParaPr>
+                        <m:jc m:val="centerGroup"/>
+                      </m:oMathParaPr>
+                      <m:oMath xmlns:m="http://schemas.openxmlformats.org/officeDocument/2006/math">
+                        <m:r>
+                          <a:rPr lang="en-US" i="1" dirty="0">
+                            <a:latin typeface="Cambria Math" panose="02040503050406030204" pitchFamily="18" charset="0"/>
+                          </a:rPr>
+                          <m:t>𝑝𝑢𝑟𝑖𝑡𝑦</m:t>
+                        </m:r>
+                        <m:r>
+                          <a:rPr lang="en-US" i="1" dirty="0">
+                            <a:latin typeface="Cambria Math" panose="02040503050406030204" pitchFamily="18" charset="0"/>
+                          </a:rPr>
+                          <m:t>(</m:t>
+                        </m:r>
+                        <m:r>
+                          <m:rPr>
+                            <m:sty m:val="p"/>
+                          </m:rPr>
+                          <a:rPr lang="en-US" dirty="0">
+                            <a:latin typeface="Cambria Math" panose="02040503050406030204" pitchFamily="18" charset="0"/>
+                          </a:rPr>
+                          <m:t>Ω</m:t>
+                        </m:r>
+                        <m:r>
+                          <a:rPr lang="en-US" i="1" dirty="0">
+                            <a:latin typeface="Cambria Math" panose="02040503050406030204" pitchFamily="18" charset="0"/>
+                          </a:rPr>
+                          <m:t>,</m:t>
+                        </m:r>
+                        <m:r>
+                          <a:rPr lang="en-US" i="1" dirty="0">
+                            <a:latin typeface="Cambria Math" panose="02040503050406030204" pitchFamily="18" charset="0"/>
+                          </a:rPr>
+                          <m:t>𝐶</m:t>
+                        </m:r>
+                        <m:r>
+                          <a:rPr lang="en-US" i="1" dirty="0">
+                            <a:latin typeface="Cambria Math" panose="02040503050406030204" pitchFamily="18" charset="0"/>
+                          </a:rPr>
+                          <m:t>) =</m:t>
+                        </m:r>
+                      </m:oMath>
+                    </m:oMathPara>
+                  </a14:m>
+                  <a:endParaRPr lang="en-US" dirty="0"/>
+                </a:p>
+              </p:txBody>
+            </p:sp>
+          </mc:Choice>
+          <mc:Fallback xmlns="">
+            <p:sp>
+              <p:nvSpPr>
+                <p:cNvPr id="8" name="Rectangle 7"/>
+                <p:cNvSpPr>
+                  <a:spLocks noRot="1" noChangeAspect="1" noMove="1" noResize="1" noEditPoints="1" noAdjustHandles="1" noChangeArrowheads="1" noChangeShapeType="1" noTextEdit="1"/>
+                </p:cNvSpPr>
+                <p:nvPr/>
+              </p:nvSpPr>
+              <p:spPr>
+                <a:xfrm>
+                  <a:off x="247154" y="4620053"/>
+                  <a:ext cx="1779333" cy="369332"/>
+                </a:xfrm>
+                <a:prstGeom prst="rect">
+                  <a:avLst/>
+                </a:prstGeom>
+                <a:blipFill rotWithShape="0">
+                  <a:blip r:embed="rId4"/>
+                  <a:stretch>
+                    <a:fillRect b="-13333"/>
+                  </a:stretch>
+                </a:blipFill>
+              </p:spPr>
+              <p:txBody>
+                <a:bodyPr/>
+                <a:lstStyle/>
+                <a:p>
+                  <a:r>
+                    <a:rPr lang="en-US">
+                      <a:noFill/>
+                    </a:rPr>
+                    <a:t> </a:t>
+                  </a:r>
+                </a:p>
+              </p:txBody>
+            </p:sp>
+          </mc:Fallback>
+        </mc:AlternateContent>
+        <mc:AlternateContent xmlns:mc="http://schemas.openxmlformats.org/markup-compatibility/2006" xmlns:a14="http://schemas.microsoft.com/office/drawing/2010/main">
+          <mc:Choice Requires="a14">
+            <p:sp>
+              <p:nvSpPr>
+                <p:cNvPr id="9" name="Rectangle 8"/>
+                <p:cNvSpPr/>
+                <p:nvPr/>
+              </p:nvSpPr>
+              <p:spPr>
+                <a:xfrm>
+                  <a:off x="527053" y="4990527"/>
+                  <a:ext cx="1660263" cy="611771"/>
+                </a:xfrm>
+                <a:prstGeom prst="rect">
+                  <a:avLst/>
+                </a:prstGeom>
+              </p:spPr>
+              <p:txBody>
+                <a:bodyPr wrap="none">
+                  <a:spAutoFit/>
+                </a:bodyPr>
+                <a:lstStyle/>
+                <a:p>
+                  <a:pPr/>
+                  <a14:m>
+                    <m:oMathPara xmlns:m="http://schemas.openxmlformats.org/officeDocument/2006/math">
+                      <m:oMathParaPr>
+                        <m:jc m:val="centerGroup"/>
+                      </m:oMathParaPr>
+                      <m:oMath xmlns:m="http://schemas.openxmlformats.org/officeDocument/2006/math">
+                        <m:f>
+                          <m:fPr>
+                            <m:ctrlPr>
+                              <a:rPr lang="en-US" i="1" dirty="0" smtClean="0">
+                                <a:latin typeface="Cambria Math" panose="02040503050406030204" pitchFamily="18" charset="0"/>
+                              </a:rPr>
+                            </m:ctrlPr>
+                          </m:fPr>
+                          <m:num>
+                            <m:r>
+                              <a:rPr lang="en-US" b="0" i="1" dirty="0" smtClean="0">
+                                <a:latin typeface="Cambria Math" panose="02040503050406030204" pitchFamily="18" charset="0"/>
+                              </a:rPr>
+                              <m:t>1</m:t>
+                            </m:r>
+                          </m:num>
+                          <m:den>
+                            <m:r>
+                              <a:rPr lang="en-US" b="0" i="1" dirty="0" smtClean="0">
+                                <a:latin typeface="Cambria Math" panose="02040503050406030204" pitchFamily="18" charset="0"/>
+                              </a:rPr>
+                              <m:t>17</m:t>
+                            </m:r>
+                          </m:den>
+                        </m:f>
+                        <m:d>
+                          <m:dPr>
+                            <m:ctrlPr>
+                              <a:rPr lang="en-US" b="0" i="1" dirty="0" smtClean="0">
+                                <a:latin typeface="Cambria Math" panose="02040503050406030204" pitchFamily="18" charset="0"/>
+                              </a:rPr>
+                            </m:ctrlPr>
+                          </m:dPr>
+                          <m:e>
+                            <m:r>
+                              <a:rPr lang="en-US" b="0" i="1" dirty="0" smtClean="0">
+                                <a:latin typeface="Cambria Math" panose="02040503050406030204" pitchFamily="18" charset="0"/>
+                              </a:rPr>
+                              <m:t>5+4+3</m:t>
+                            </m:r>
+                          </m:e>
+                        </m:d>
+                      </m:oMath>
+                    </m:oMathPara>
+                  </a14:m>
+                  <a:endParaRPr lang="en-US" dirty="0"/>
+                </a:p>
+              </p:txBody>
+            </p:sp>
+          </mc:Choice>
+          <mc:Fallback xmlns="">
+            <p:sp>
+              <p:nvSpPr>
+                <p:cNvPr id="9" name="Rectangle 8"/>
+                <p:cNvSpPr>
+                  <a:spLocks noRot="1" noChangeAspect="1" noMove="1" noResize="1" noEditPoints="1" noAdjustHandles="1" noChangeArrowheads="1" noChangeShapeType="1" noTextEdit="1"/>
+                </p:cNvSpPr>
+                <p:nvPr/>
+              </p:nvSpPr>
+              <p:spPr>
+                <a:xfrm>
+                  <a:off x="527053" y="4990527"/>
+                  <a:ext cx="1660263" cy="611771"/>
+                </a:xfrm>
+                <a:prstGeom prst="rect">
+                  <a:avLst/>
+                </a:prstGeom>
+                <a:blipFill rotWithShape="0">
+                  <a:blip r:embed="rId5"/>
+                  <a:stretch>
+                    <a:fillRect/>
+                  </a:stretch>
+                </a:blipFill>
+              </p:spPr>
+              <p:txBody>
+                <a:bodyPr/>
+                <a:lstStyle/>
+                <a:p>
+                  <a:r>
+                    <a:rPr lang="en-US">
+                      <a:noFill/>
+                    </a:rPr>
+                    <a:t> </a:t>
+                  </a:r>
+                </a:p>
+              </p:txBody>
+            </p:sp>
+          </mc:Fallback>
+        </mc:AlternateContent>
+      </p:grpSp>
+      <p:grpSp>
+        <p:nvGrpSpPr>
+          <p:cNvPr id="14" name="Group 13"/>
+          <p:cNvGrpSpPr/>
+          <p:nvPr/>
+        </p:nvGrpSpPr>
+        <p:grpSpPr>
+          <a:xfrm>
+            <a:off x="4637903" y="2620133"/>
+            <a:ext cx="4506097" cy="646331"/>
+            <a:chOff x="4637903" y="2620133"/>
+            <a:chExt cx="4506097" cy="646331"/>
+          </a:xfrm>
+        </p:grpSpPr>
+        <p:sp>
+          <p:nvSpPr>
+            <p:cNvPr id="11" name="TextBox 10"/>
+            <p:cNvSpPr txBox="1"/>
+            <p:nvPr/>
+          </p:nvSpPr>
+          <p:spPr>
+            <a:xfrm>
+              <a:off x="5583388" y="2620133"/>
+              <a:ext cx="3560612" cy="646331"/>
+            </a:xfrm>
+            <a:prstGeom prst="rect">
+              <a:avLst/>
+            </a:prstGeom>
+            <a:noFill/>
+          </p:spPr>
+          <p:txBody>
+            <a:bodyPr wrap="square" rtlCol="0">
+              <a:spAutoFit/>
+            </a:bodyPr>
+            <a:lstStyle/>
+            <a:p>
+              <a:r>
+                <a:rPr lang="en-US" i="1" dirty="0" smtClean="0">
+                  <a:solidFill>
+                    <a:srgbClr val="FF0000"/>
+                  </a:solidFill>
+                </a:rPr>
+                <a:t>Not a good metric if we assign each document into a single cluster</a:t>
+              </a:r>
+              <a:endParaRPr lang="en-US" i="1" dirty="0">
+                <a:solidFill>
+                  <a:srgbClr val="FF0000"/>
+                </a:solidFill>
+              </a:endParaRPr>
+            </a:p>
+          </p:txBody>
+        </p:sp>
+        <p:cxnSp>
+          <p:nvCxnSpPr>
+            <p:cNvPr id="13" name="Straight Arrow Connector 12"/>
+            <p:cNvCxnSpPr/>
+            <p:nvPr/>
+          </p:nvCxnSpPr>
+          <p:spPr>
+            <a:xfrm flipH="1">
+              <a:off x="4637903" y="2940908"/>
+              <a:ext cx="897924" cy="304800"/>
+            </a:xfrm>
+            <a:prstGeom prst="straightConnector1">
+              <a:avLst/>
+            </a:prstGeom>
+            <a:ln w="19050">
+              <a:solidFill>
+                <a:srgbClr val="FF0000"/>
+              </a:solidFill>
+              <a:tailEnd type="triangle"/>
+            </a:ln>
+          </p:spPr>
+          <p:style>
+            <a:lnRef idx="1">
+              <a:schemeClr val="accent1"/>
+            </a:lnRef>
+            <a:fillRef idx="0">
+              <a:schemeClr val="accent1"/>
+            </a:fillRef>
+            <a:effectRef idx="0">
+              <a:schemeClr val="accent1"/>
+            </a:effectRef>
+            <a:fontRef idx="minor">
+              <a:schemeClr val="tx1"/>
+            </a:fontRef>
+          </p:style>
+        </p:cxnSp>
+      </p:grpSp>
+      <p:grpSp>
+        <p:nvGrpSpPr>
+          <p:cNvPr id="18" name="Group 17"/>
+          <p:cNvGrpSpPr/>
+          <p:nvPr/>
+        </p:nvGrpSpPr>
+        <p:grpSpPr>
+          <a:xfrm>
+            <a:off x="3847070" y="1278493"/>
+            <a:ext cx="3772930" cy="443215"/>
+            <a:chOff x="3847070" y="1278493"/>
+            <a:chExt cx="3772930" cy="443215"/>
+          </a:xfrm>
+        </p:grpSpPr>
+        <p:sp>
+          <p:nvSpPr>
+            <p:cNvPr id="15" name="TextBox 14"/>
+            <p:cNvSpPr txBox="1"/>
+            <p:nvPr/>
+          </p:nvSpPr>
+          <p:spPr>
+            <a:xfrm>
+              <a:off x="4110681" y="1278493"/>
+              <a:ext cx="3509319" cy="369332"/>
+            </a:xfrm>
+            <a:prstGeom prst="rect">
+              <a:avLst/>
+            </a:prstGeom>
+            <a:noFill/>
+          </p:spPr>
+          <p:txBody>
+            <a:bodyPr wrap="square" rtlCol="0">
+              <a:spAutoFit/>
+            </a:bodyPr>
+            <a:lstStyle/>
+            <a:p>
+              <a:r>
+                <a:rPr lang="en-US" i="1" dirty="0" smtClean="0">
+                  <a:solidFill>
+                    <a:srgbClr val="0070C0"/>
+                  </a:solidFill>
+                </a:rPr>
+                <a:t>Required, might need extra cost</a:t>
+              </a:r>
+              <a:endParaRPr lang="en-US" i="1" dirty="0">
+                <a:solidFill>
+                  <a:srgbClr val="0070C0"/>
+                </a:solidFill>
+              </a:endParaRPr>
+            </a:p>
+          </p:txBody>
+        </p:sp>
+        <p:cxnSp>
+          <p:nvCxnSpPr>
+            <p:cNvPr id="17" name="Straight Arrow Connector 16"/>
+            <p:cNvCxnSpPr/>
+            <p:nvPr/>
+          </p:nvCxnSpPr>
+          <p:spPr>
+            <a:xfrm flipH="1">
+              <a:off x="3847070" y="1463159"/>
+              <a:ext cx="263611" cy="258549"/>
+            </a:xfrm>
+            <a:prstGeom prst="straightConnector1">
+              <a:avLst/>
+            </a:prstGeom>
+            <a:ln w="19050">
+              <a:tailEnd type="triangle"/>
+            </a:ln>
+          </p:spPr>
+          <p:style>
+            <a:lnRef idx="1">
+              <a:schemeClr val="accent1"/>
+            </a:lnRef>
+            <a:fillRef idx="0">
+              <a:schemeClr val="accent1"/>
+            </a:fillRef>
+            <a:effectRef idx="0">
+              <a:schemeClr val="accent1"/>
+            </a:effectRef>
+            <a:fontRef idx="minor">
+              <a:schemeClr val="tx1"/>
+            </a:fontRef>
+          </p:style>
+        </p:cxnSp>
+      </p:grpSp>
+    </p:spTree>
+    <p:extLst>
+      <p:ext uri="{BB962C8B-B14F-4D97-AF65-F5344CB8AC3E}">
+        <p14:creationId xmlns:p14="http://schemas.microsoft.com/office/powerpoint/2010/main" val="357923666"/>
+      </p:ext>
+    </p:extLst>
+  </p:cSld>
+  <p:clrMapOvr>
+    <a:masterClrMapping/>
+  </p:clrMapOvr>
+  <p:timing>
+    <p:tnLst>
+      <p:par>
+        <p:cTn id="1" dur="indefinite" restart="never" nodeType="tmRoot">
+          <p:childTnLst>
+            <p:seq concurrent="1" nextAc="seek">
+              <p:cTn id="2" dur="indefinite" nodeType="mainSeq">
+                <p:childTnLst>
+                  <p:par>
+                    <p:cTn id="3" fill="hold">
+                      <p:stCondLst>
+                        <p:cond delay="indefinite"/>
+                      </p:stCondLst>
+                      <p:childTnLst>
+                        <p:par>
+                          <p:cTn id="4" fill="hold">
+                            <p:stCondLst>
+                              <p:cond delay="0"/>
+                            </p:stCondLst>
+                            <p:childTnLst>
+                              <p:par>
+                                <p:cTn id="5" presetID="1" presetClass="entr" presetSubtype="0" fill="hold" nodeType="clickEffect">
+                                  <p:stCondLst>
+                                    <p:cond delay="0"/>
+                                  </p:stCondLst>
+                                  <p:childTnLst>
+                                    <p:set>
+                                      <p:cBhvr>
+                                        <p:cTn id="6" dur="1" fill="hold">
+                                          <p:stCondLst>
+                                            <p:cond delay="0"/>
+                                          </p:stCondLst>
+                                        </p:cTn>
+                                        <p:tgtEl>
+                                          <p:spTgt spid="18"/>
+                                        </p:tgtEl>
+                                        <p:attrNameLst>
+                                          <p:attrName>style.visibility</p:attrName>
+                                        </p:attrNameLst>
+                                      </p:cBhvr>
+                                      <p:to>
+                                        <p:strVal val="visible"/>
+                                      </p:to>
+                                    </p:set>
+                                  </p:childTnLst>
+                                </p:cTn>
+                              </p:par>
+                            </p:childTnLst>
+                          </p:cTn>
+                        </p:par>
+                      </p:childTnLst>
+                    </p:cTn>
+                  </p:par>
+                  <p:par>
+                    <p:cTn id="7" fill="hold">
+                      <p:stCondLst>
+                        <p:cond delay="indefinite"/>
+                      </p:stCondLst>
+                      <p:childTnLst>
+                        <p:par>
+                          <p:cTn id="8" fill="hold">
+                            <p:stCondLst>
+                              <p:cond delay="0"/>
+                            </p:stCondLst>
+                            <p:childTnLst>
+                              <p:par>
+                                <p:cTn id="9" presetID="1" presetClass="entr" presetSubtype="0" fill="hold" nodeType="clickEffect">
+                                  <p:stCondLst>
+                                    <p:cond delay="0"/>
+                                  </p:stCondLst>
+                                  <p:childTnLst>
+                                    <p:set>
+                                      <p:cBhvr>
+                                        <p:cTn id="10" dur="1" fill="hold">
+                                          <p:stCondLst>
+                                            <p:cond delay="0"/>
+                                          </p:stCondLst>
+                                        </p:cTn>
+                                        <p:tgtEl>
+                                          <p:spTgt spid="7"/>
+                                        </p:tgtEl>
+                                        <p:attrNameLst>
+                                          <p:attrName>style.visibility</p:attrName>
+                                        </p:attrNameLst>
+                                      </p:cBhvr>
+                                      <p:to>
+                                        <p:strVal val="visible"/>
+                                      </p:to>
+                                    </p:set>
+                                  </p:childTnLst>
+                                </p:cTn>
+                              </p:par>
+                            </p:childTnLst>
+                          </p:cTn>
+                        </p:par>
+                      </p:childTnLst>
+                    </p:cTn>
+                  </p:par>
+                  <p:par>
+                    <p:cTn id="11" fill="hold">
+                      <p:stCondLst>
+                        <p:cond delay="indefinite"/>
+                      </p:stCondLst>
+                      <p:childTnLst>
+                        <p:par>
+                          <p:cTn id="12" fill="hold">
+                            <p:stCondLst>
+                              <p:cond delay="0"/>
+                            </p:stCondLst>
+                            <p:childTnLst>
+                              <p:par>
+                                <p:cTn id="13" presetID="1" presetClass="entr" presetSubtype="0" fill="hold" nodeType="clickEffect">
+                                  <p:stCondLst>
+                                    <p:cond delay="0"/>
+                                  </p:stCondLst>
+                                  <p:childTnLst>
+                                    <p:set>
+                                      <p:cBhvr>
+                                        <p:cTn id="14" dur="1" fill="hold">
+                                          <p:stCondLst>
+                                            <p:cond delay="0"/>
+                                          </p:stCondLst>
+                                        </p:cTn>
+                                        <p:tgtEl>
+                                          <p:spTgt spid="10"/>
+                                        </p:tgtEl>
+                                        <p:attrNameLst>
+                                          <p:attrName>style.visibility</p:attrName>
+                                        </p:attrNameLst>
+                                      </p:cBhvr>
+                                      <p:to>
+                                        <p:strVal val="visible"/>
+                                      </p:to>
+                                    </p:set>
+                                  </p:childTnLst>
+                                </p:cTn>
+                              </p:par>
+                            </p:childTnLst>
+                          </p:cTn>
+                        </p:par>
+                      </p:childTnLst>
+                    </p:cTn>
+                  </p:par>
+                  <p:par>
+                    <p:cTn id="15" fill="hold">
+                      <p:stCondLst>
+                        <p:cond delay="indefinite"/>
+                      </p:stCondLst>
+                      <p:childTnLst>
+                        <p:par>
+                          <p:cTn id="16" fill="hold">
+                            <p:stCondLst>
+                              <p:cond delay="0"/>
+                            </p:stCondLst>
+                            <p:childTnLst>
+                              <p:par>
+                                <p:cTn id="17" presetID="1" presetClass="entr" presetSubtype="0" fill="hold" nodeType="clickEffect">
+                                  <p:stCondLst>
+                                    <p:cond delay="0"/>
+                                  </p:stCondLst>
+                                  <p:childTnLst>
+                                    <p:set>
+                                      <p:cBhvr>
+                                        <p:cTn id="18" dur="1" fill="hold">
+                                          <p:stCondLst>
+                                            <p:cond delay="0"/>
+                                          </p:stCondLst>
+                                        </p:cTn>
+                                        <p:tgtEl>
+                                          <p:spTgt spid="14"/>
+                                        </p:tgtEl>
+                                        <p:attrNameLst>
+                                          <p:attrName>style.visibility</p:attrName>
+                                        </p:attrNameLst>
+                                      </p:cBhvr>
+                                      <p:to>
+                                        <p:strVal val="visible"/>
+                                      </p:to>
+                                    </p:set>
+                                  </p:childTnLst>
+                                </p:cTn>
+                              </p:par>
+                            </p:childTnLst>
+                          </p:cTn>
+                        </p:par>
+                      </p:childTnLst>
+                    </p:cTn>
+                  </p:par>
+                </p:childTnLst>
+              </p:cTn>
+              <p:prevCondLst>
+                <p:cond evt="onPrev" delay="0">
+                  <p:tgtEl>
+                    <p:sldTgt/>
+                  </p:tgtEl>
+                </p:cond>
+              </p:prevCondLst>
+              <p:nextCondLst>
+                <p:cond evt="onNext" delay="0">
+                  <p:tgtEl>
+                    <p:sldTgt/>
+                  </p:tgtEl>
+                </p:cond>
+              </p:nextCondLst>
+            </p:seq>
+          </p:childTnLst>
+        </p:cTn>
+      </p:par>
+    </p:tnLst>
+  </p:timing>
+</p:sld>
+</file>
+
+<file path=ppt/slides/slide17.xml><?xml version="1.0" encoding="utf-8"?>
+<p:sld xmlns:a="http://schemas.openxmlformats.org/drawingml/2006/main" xmlns:r="http://schemas.openxmlformats.org/officeDocument/2006/relationships" xmlns:p="http://schemas.openxmlformats.org/presentationml/2006/main">
+  <p:cSld>
+    <p:spTree>
+      <p:nvGrpSpPr>
+        <p:cNvPr id="1" name=""/>
+        <p:cNvGrpSpPr/>
+        <p:nvPr/>
+      </p:nvGrpSpPr>
+      <p:grpSpPr>
+        <a:xfrm>
+          <a:off x="0" y="0"/>
+          <a:ext cx="0" cy="0"/>
+          <a:chOff x="0" y="0"/>
+          <a:chExt cx="0" cy="0"/>
+        </a:xfrm>
+      </p:grpSpPr>
+      <p:sp>
+        <p:nvSpPr>
+          <p:cNvPr id="2" name="Title 1"/>
+          <p:cNvSpPr>
+            <a:spLocks noGrp="1"/>
+          </p:cNvSpPr>
+          <p:nvPr>
+            <p:ph type="title"/>
+          </p:nvPr>
+        </p:nvSpPr>
+        <p:spPr/>
+        <p:txBody>
+          <a:bodyPr/>
+          <a:lstStyle/>
+          <a:p>
+            <a:r>
+              <a:rPr lang="en-US" dirty="0" smtClean="0"/>
+              <a:t>Recap: external </a:t>
+            </a:r>
+            <a:r>
+              <a:rPr lang="en-US" dirty="0"/>
+              <a:t>validation</a:t>
+            </a:r>
+          </a:p>
+        </p:txBody>
+      </p:sp>
+      <mc:AlternateContent xmlns:mc="http://schemas.openxmlformats.org/markup-compatibility/2006" xmlns:a14="http://schemas.microsoft.com/office/drawing/2010/main">
+        <mc:Choice Requires="a14">
+          <p:sp>
+            <p:nvSpPr>
+              <p:cNvPr id="3" name="Content Placeholder 2"/>
+              <p:cNvSpPr>
+                <a:spLocks noGrp="1"/>
+              </p:cNvSpPr>
+              <p:nvPr>
+                <p:ph idx="1"/>
+              </p:nvPr>
+            </p:nvSpPr>
+            <p:spPr/>
+            <p:txBody>
+              <a:bodyPr/>
+              <a:lstStyle/>
+              <a:p>
+                <a:r>
+                  <a:rPr lang="en-US" dirty="0" smtClean="0"/>
+                  <a:t>Given class label </a:t>
+                </a:r>
+                <a14:m>
+                  <m:oMath xmlns:m="http://schemas.openxmlformats.org/officeDocument/2006/math">
+                    <m:r>
+                      <m:rPr>
+                        <m:sty m:val="p"/>
+                      </m:rPr>
+                      <a:rPr lang="en-US">
+                        <a:latin typeface="Cambria Math" panose="02040503050406030204" pitchFamily="18" charset="0"/>
+                      </a:rPr>
+                      <m:t>Ω</m:t>
+                    </m:r>
+                  </m:oMath>
+                </a14:m>
+                <a:r>
+                  <a:rPr lang="en-US" dirty="0"/>
+                  <a:t> on each </a:t>
+                </a:r>
+                <a:r>
+                  <a:rPr lang="en-US" dirty="0" smtClean="0"/>
+                  <a:t>instance</a:t>
+                </a:r>
+              </a:p>
+              <a:p>
+                <a:pPr lvl="1"/>
+                <a:r>
+                  <a:rPr lang="en-US" dirty="0" smtClean="0"/>
+                  <a:t>Normalized mutual information (NMI)</a:t>
+                </a:r>
+              </a:p>
+              <a:p>
+                <a:pPr lvl="2"/>
+                <a14:m>
+                  <m:oMath xmlns:m="http://schemas.openxmlformats.org/officeDocument/2006/math">
+                    <m:r>
+                      <a:rPr lang="en-US" b="0" i="1" dirty="0" smtClean="0">
+                        <a:latin typeface="Cambria Math" panose="02040503050406030204" pitchFamily="18" charset="0"/>
+                      </a:rPr>
+                      <m:t>𝑁𝑀𝐼</m:t>
+                    </m:r>
+                    <m:r>
+                      <a:rPr lang="en-US" b="0" i="1" dirty="0" smtClean="0">
+                        <a:latin typeface="Cambria Math" panose="02040503050406030204" pitchFamily="18" charset="0"/>
+                      </a:rPr>
+                      <m:t>(</m:t>
+                    </m:r>
+                    <m:r>
+                      <m:rPr>
+                        <m:sty m:val="p"/>
+                      </m:rPr>
+                      <a:rPr lang="en-US" dirty="0">
+                        <a:latin typeface="Cambria Math" panose="02040503050406030204" pitchFamily="18" charset="0"/>
+                      </a:rPr>
+                      <m:t>Ω</m:t>
+                    </m:r>
+                    <m:r>
+                      <a:rPr lang="en-US" i="1" dirty="0">
+                        <a:latin typeface="Cambria Math" panose="02040503050406030204" pitchFamily="18" charset="0"/>
+                      </a:rPr>
+                      <m:t>,</m:t>
+                    </m:r>
+                    <m:r>
+                      <a:rPr lang="en-US" i="1" dirty="0">
+                        <a:latin typeface="Cambria Math" panose="02040503050406030204" pitchFamily="18" charset="0"/>
+                      </a:rPr>
+                      <m:t>𝐶</m:t>
+                    </m:r>
+                    <m:r>
+                      <a:rPr lang="en-US" i="1" dirty="0">
+                        <a:latin typeface="Cambria Math" panose="02040503050406030204" pitchFamily="18" charset="0"/>
+                      </a:rPr>
+                      <m:t>) = </m:t>
+                    </m:r>
+                    <m:f>
+                      <m:fPr>
+                        <m:ctrlPr>
+                          <a:rPr lang="en-US" i="1" dirty="0" smtClean="0">
+                            <a:latin typeface="Cambria Math" panose="02040503050406030204" pitchFamily="18" charset="0"/>
+                          </a:rPr>
+                        </m:ctrlPr>
+                      </m:fPr>
+                      <m:num>
+                        <m:r>
+                          <a:rPr lang="en-US" b="0" i="1" dirty="0" smtClean="0">
+                            <a:latin typeface="Cambria Math" panose="02040503050406030204" pitchFamily="18" charset="0"/>
+                          </a:rPr>
+                          <m:t>𝐼</m:t>
+                        </m:r>
+                        <m:r>
+                          <a:rPr lang="en-US" b="0" i="1" dirty="0" smtClean="0">
+                            <a:latin typeface="Cambria Math" panose="02040503050406030204" pitchFamily="18" charset="0"/>
+                          </a:rPr>
+                          <m:t>(</m:t>
+                        </m:r>
+                        <m:r>
+                          <m:rPr>
+                            <m:sty m:val="p"/>
+                          </m:rPr>
+                          <a:rPr lang="en-US" dirty="0">
+                            <a:latin typeface="Cambria Math" panose="02040503050406030204" pitchFamily="18" charset="0"/>
+                          </a:rPr>
+                          <m:t>Ω</m:t>
+                        </m:r>
+                        <m:r>
+                          <a:rPr lang="en-US" i="1" dirty="0">
+                            <a:latin typeface="Cambria Math" panose="02040503050406030204" pitchFamily="18" charset="0"/>
+                          </a:rPr>
+                          <m:t>,</m:t>
+                        </m:r>
+                        <m:r>
+                          <a:rPr lang="en-US" i="1" dirty="0">
+                            <a:latin typeface="Cambria Math" panose="02040503050406030204" pitchFamily="18" charset="0"/>
+                          </a:rPr>
+                          <m:t>𝐶</m:t>
+                        </m:r>
+                        <m:r>
+                          <a:rPr lang="en-US" b="0" i="1" dirty="0" smtClean="0">
+                            <a:latin typeface="Cambria Math" panose="02040503050406030204" pitchFamily="18" charset="0"/>
+                          </a:rPr>
+                          <m:t>)</m:t>
+                        </m:r>
+                      </m:num>
+                      <m:den>
+                        <m:d>
+                          <m:dPr>
+                            <m:begChr m:val="["/>
+                            <m:endChr m:val="]"/>
+                            <m:ctrlPr>
+                              <a:rPr lang="en-US" b="0" i="1" dirty="0" smtClean="0">
+                                <a:latin typeface="Cambria Math" panose="02040503050406030204" pitchFamily="18" charset="0"/>
+                              </a:rPr>
+                            </m:ctrlPr>
+                          </m:dPr>
+                          <m:e>
+                            <m:r>
+                              <a:rPr lang="en-US" b="0" i="1" dirty="0" smtClean="0">
+                                <a:latin typeface="Cambria Math" panose="02040503050406030204" pitchFamily="18" charset="0"/>
+                              </a:rPr>
+                              <m:t>𝐻</m:t>
+                            </m:r>
+                            <m:d>
+                              <m:dPr>
+                                <m:ctrlPr>
+                                  <a:rPr lang="en-US" b="0" i="1" dirty="0" smtClean="0">
+                                    <a:latin typeface="Cambria Math" panose="02040503050406030204" pitchFamily="18" charset="0"/>
+                                  </a:rPr>
+                                </m:ctrlPr>
+                              </m:dPr>
+                              <m:e>
+                                <m:r>
+                                  <m:rPr>
+                                    <m:sty m:val="p"/>
+                                  </m:rPr>
+                                  <a:rPr lang="en-US" b="0" i="0" dirty="0" smtClean="0">
+                                    <a:latin typeface="Cambria Math" panose="02040503050406030204" pitchFamily="18" charset="0"/>
+                                  </a:rPr>
+                                  <m:t>Ω</m:t>
+                                </m:r>
+                              </m:e>
+                            </m:d>
+                            <m:r>
+                              <a:rPr lang="en-US" b="0" i="1" dirty="0" smtClean="0">
+                                <a:latin typeface="Cambria Math" panose="02040503050406030204" pitchFamily="18" charset="0"/>
+                              </a:rPr>
+                              <m:t>+</m:t>
+                            </m:r>
+                            <m:r>
+                              <a:rPr lang="en-US" b="0" i="1" dirty="0" smtClean="0">
+                                <a:latin typeface="Cambria Math" panose="02040503050406030204" pitchFamily="18" charset="0"/>
+                              </a:rPr>
+                              <m:t>𝐻</m:t>
+                            </m:r>
+                            <m:r>
+                              <a:rPr lang="en-US" b="0" i="1" dirty="0" smtClean="0">
+                                <a:latin typeface="Cambria Math" panose="02040503050406030204" pitchFamily="18" charset="0"/>
+                              </a:rPr>
+                              <m:t>(</m:t>
+                            </m:r>
+                            <m:r>
+                              <a:rPr lang="en-US" b="0" i="1" dirty="0" smtClean="0">
+                                <a:latin typeface="Cambria Math" panose="02040503050406030204" pitchFamily="18" charset="0"/>
+                              </a:rPr>
+                              <m:t>𝐶</m:t>
+                            </m:r>
+                            <m:r>
+                              <a:rPr lang="en-US" b="0" i="1" dirty="0" smtClean="0">
+                                <a:latin typeface="Cambria Math" panose="02040503050406030204" pitchFamily="18" charset="0"/>
+                              </a:rPr>
+                              <m:t>)</m:t>
+                            </m:r>
+                          </m:e>
+                        </m:d>
+                        <m:r>
+                          <a:rPr lang="en-US" b="0" i="1" dirty="0" smtClean="0">
+                            <a:latin typeface="Cambria Math" panose="02040503050406030204" pitchFamily="18" charset="0"/>
+                          </a:rPr>
+                          <m:t>/2</m:t>
+                        </m:r>
+                      </m:den>
+                    </m:f>
+                  </m:oMath>
+                </a14:m>
+                <a:endParaRPr lang="en-US" dirty="0" smtClean="0"/>
+              </a:p>
+              <a:p>
+                <a:pPr lvl="3"/>
+                <a:r>
+                  <a:rPr lang="en-US" dirty="0" smtClean="0"/>
+                  <a:t>where </a:t>
+                </a:r>
+                <a14:m>
+                  <m:oMath xmlns:m="http://schemas.openxmlformats.org/officeDocument/2006/math">
+                    <m:r>
+                      <a:rPr lang="en-US" i="1" dirty="0">
+                        <a:latin typeface="Cambria Math" panose="02040503050406030204" pitchFamily="18" charset="0"/>
+                      </a:rPr>
+                      <m:t>𝐼</m:t>
+                    </m:r>
+                    <m:d>
+                      <m:dPr>
+                        <m:ctrlPr>
+                          <a:rPr lang="en-US" i="1" dirty="0">
+                            <a:latin typeface="Cambria Math" panose="02040503050406030204" pitchFamily="18" charset="0"/>
+                          </a:rPr>
+                        </m:ctrlPr>
+                      </m:dPr>
+                      <m:e>
+                        <m:r>
+                          <m:rPr>
+                            <m:sty m:val="p"/>
+                          </m:rPr>
+                          <a:rPr lang="en-US" dirty="0">
+                            <a:latin typeface="Cambria Math" panose="02040503050406030204" pitchFamily="18" charset="0"/>
+                          </a:rPr>
+                          <m:t>Ω</m:t>
+                        </m:r>
+                        <m:r>
+                          <a:rPr lang="en-US" i="1" dirty="0">
+                            <a:latin typeface="Cambria Math" panose="02040503050406030204" pitchFamily="18" charset="0"/>
+                          </a:rPr>
+                          <m:t>,</m:t>
+                        </m:r>
+                        <m:r>
+                          <a:rPr lang="en-US" i="1" dirty="0">
+                            <a:latin typeface="Cambria Math" panose="02040503050406030204" pitchFamily="18" charset="0"/>
+                          </a:rPr>
+                          <m:t>𝐶</m:t>
+                        </m:r>
+                      </m:e>
+                    </m:d>
+                    <m:r>
+                      <a:rPr lang="en-US" b="0" i="1" dirty="0" smtClean="0">
+                        <a:latin typeface="Cambria Math" panose="02040503050406030204" pitchFamily="18" charset="0"/>
+                      </a:rPr>
+                      <m:t>=</m:t>
+                    </m:r>
+                    <m:nary>
+                      <m:naryPr>
+                        <m:chr m:val="∑"/>
+                        <m:supHide m:val="on"/>
+                        <m:ctrlPr>
+                          <a:rPr lang="en-US" b="0" i="1" dirty="0" smtClean="0">
+                            <a:latin typeface="Cambria Math" panose="02040503050406030204" pitchFamily="18" charset="0"/>
+                          </a:rPr>
+                        </m:ctrlPr>
+                      </m:naryPr>
+                      <m:sub>
+                        <m:r>
+                          <a:rPr lang="en-US" b="0" i="1" dirty="0" smtClean="0">
+                            <a:latin typeface="Cambria Math" panose="02040503050406030204" pitchFamily="18" charset="0"/>
+                          </a:rPr>
+                          <m:t>𝑖</m:t>
+                        </m:r>
+                      </m:sub>
+                      <m:sup/>
+                      <m:e>
+                        <m:nary>
+                          <m:naryPr>
+                            <m:chr m:val="∑"/>
+                            <m:supHide m:val="on"/>
+                            <m:ctrlPr>
+                              <a:rPr lang="en-US" b="0" i="1" dirty="0" smtClean="0">
+                                <a:latin typeface="Cambria Math" panose="02040503050406030204" pitchFamily="18" charset="0"/>
+                              </a:rPr>
+                            </m:ctrlPr>
+                          </m:naryPr>
+                          <m:sub>
+                            <m:r>
+                              <a:rPr lang="en-US" b="0" i="1" dirty="0" smtClean="0">
+                                <a:latin typeface="Cambria Math" panose="02040503050406030204" pitchFamily="18" charset="0"/>
+                              </a:rPr>
+                              <m:t>𝑗</m:t>
+                            </m:r>
+                          </m:sub>
+                          <m:sup/>
+                          <m:e>
+                            <m:r>
+                              <a:rPr lang="en-US" b="0" i="1" dirty="0" smtClean="0">
+                                <a:latin typeface="Cambria Math" panose="02040503050406030204" pitchFamily="18" charset="0"/>
+                              </a:rPr>
+                              <m:t>𝑃</m:t>
+                            </m:r>
+                            <m:d>
+                              <m:dPr>
+                                <m:ctrlPr>
+                                  <a:rPr lang="en-US" b="0" i="1" dirty="0" smtClean="0">
+                                    <a:latin typeface="Cambria Math" panose="02040503050406030204" pitchFamily="18" charset="0"/>
+                                  </a:rPr>
+                                </m:ctrlPr>
+                              </m:dPr>
+                              <m:e>
+                                <m:sSub>
+                                  <m:sSubPr>
+                                    <m:ctrlPr>
+                                      <a:rPr lang="en-US" b="0" i="1" dirty="0" smtClean="0">
+                                        <a:latin typeface="Cambria Math" panose="02040503050406030204" pitchFamily="18" charset="0"/>
+                                      </a:rPr>
+                                    </m:ctrlPr>
+                                  </m:sSubPr>
+                                  <m:e>
+                                    <m:r>
+                                      <a:rPr lang="en-US" b="0" i="1" dirty="0" smtClean="0">
+                                        <a:latin typeface="Cambria Math" panose="02040503050406030204" pitchFamily="18" charset="0"/>
+                                      </a:rPr>
+                                      <m:t>𝑤</m:t>
+                                    </m:r>
+                                  </m:e>
+                                  <m:sub>
+                                    <m:r>
+                                      <a:rPr lang="en-US" b="0" i="1" dirty="0" smtClean="0">
+                                        <a:latin typeface="Cambria Math" panose="02040503050406030204" pitchFamily="18" charset="0"/>
+                                      </a:rPr>
+                                      <m:t>𝑖</m:t>
+                                    </m:r>
+                                  </m:sub>
+                                </m:sSub>
+                                <m:r>
+                                  <a:rPr lang="en-US" b="0" i="1" dirty="0" smtClean="0">
+                                    <a:latin typeface="Cambria Math" panose="02040503050406030204" pitchFamily="18" charset="0"/>
+                                  </a:rPr>
+                                  <m:t>∩</m:t>
+                                </m:r>
+                                <m:sSub>
+                                  <m:sSubPr>
+                                    <m:ctrlPr>
+                                      <a:rPr lang="en-US" b="0" i="1" dirty="0" smtClean="0">
+                                        <a:latin typeface="Cambria Math" panose="02040503050406030204" pitchFamily="18" charset="0"/>
+                                      </a:rPr>
+                                    </m:ctrlPr>
+                                  </m:sSubPr>
+                                  <m:e>
+                                    <m:r>
+                                      <a:rPr lang="en-US" b="0" i="1" dirty="0" smtClean="0">
+                                        <a:latin typeface="Cambria Math" panose="02040503050406030204" pitchFamily="18" charset="0"/>
+                                      </a:rPr>
+                                      <m:t>𝑐</m:t>
+                                    </m:r>
+                                  </m:e>
+                                  <m:sub>
+                                    <m:r>
+                                      <a:rPr lang="en-US" b="0" i="1" dirty="0" smtClean="0">
+                                        <a:latin typeface="Cambria Math" panose="02040503050406030204" pitchFamily="18" charset="0"/>
+                                      </a:rPr>
+                                      <m:t>𝑗</m:t>
+                                    </m:r>
+                                  </m:sub>
+                                </m:sSub>
+                              </m:e>
+                            </m:d>
+                            <m:func>
+                              <m:funcPr>
+                                <m:ctrlPr>
+                                  <a:rPr lang="en-US" b="0" i="1" dirty="0" smtClean="0">
+                                    <a:latin typeface="Cambria Math" panose="02040503050406030204" pitchFamily="18" charset="0"/>
+                                  </a:rPr>
+                                </m:ctrlPr>
+                              </m:funcPr>
+                              <m:fName>
+                                <m:r>
+                                  <m:rPr>
+                                    <m:sty m:val="p"/>
+                                  </m:rPr>
+                                  <a:rPr lang="en-US" b="0" i="0" dirty="0" smtClean="0">
+                                    <a:latin typeface="Cambria Math" panose="02040503050406030204" pitchFamily="18" charset="0"/>
+                                  </a:rPr>
+                                  <m:t>log</m:t>
+                                </m:r>
+                              </m:fName>
+                              <m:e>
+                                <m:f>
+                                  <m:fPr>
+                                    <m:ctrlPr>
+                                      <a:rPr lang="en-US" b="0" i="1" dirty="0" smtClean="0">
+                                        <a:latin typeface="Cambria Math" panose="02040503050406030204" pitchFamily="18" charset="0"/>
+                                      </a:rPr>
+                                    </m:ctrlPr>
+                                  </m:fPr>
+                                  <m:num>
+                                    <m:r>
+                                      <a:rPr lang="en-US" i="1" dirty="0">
+                                        <a:latin typeface="Cambria Math" panose="02040503050406030204" pitchFamily="18" charset="0"/>
+                                      </a:rPr>
+                                      <m:t>𝑃</m:t>
+                                    </m:r>
+                                    <m:d>
+                                      <m:dPr>
+                                        <m:ctrlPr>
+                                          <a:rPr lang="en-US" i="1" dirty="0">
+                                            <a:latin typeface="Cambria Math" panose="02040503050406030204" pitchFamily="18" charset="0"/>
+                                          </a:rPr>
+                                        </m:ctrlPr>
+                                      </m:dPr>
+                                      <m:e>
+                                        <m:sSub>
+                                          <m:sSubPr>
+                                            <m:ctrlPr>
+                                              <a:rPr lang="en-US" i="1" dirty="0">
+                                                <a:latin typeface="Cambria Math" panose="02040503050406030204" pitchFamily="18" charset="0"/>
+                                              </a:rPr>
+                                            </m:ctrlPr>
+                                          </m:sSubPr>
+                                          <m:e>
+                                            <m:r>
+                                              <a:rPr lang="en-US" i="1" dirty="0">
+                                                <a:latin typeface="Cambria Math" panose="02040503050406030204" pitchFamily="18" charset="0"/>
+                                              </a:rPr>
+                                              <m:t>𝑤</m:t>
+                                            </m:r>
+                                          </m:e>
+                                          <m:sub>
+                                            <m:r>
+                                              <a:rPr lang="en-US" i="1" dirty="0">
+                                                <a:latin typeface="Cambria Math" panose="02040503050406030204" pitchFamily="18" charset="0"/>
+                                              </a:rPr>
+                                              <m:t>𝑖</m:t>
+                                            </m:r>
+                                          </m:sub>
+                                        </m:sSub>
+                                        <m:r>
+                                          <a:rPr lang="en-US" i="1" dirty="0">
+                                            <a:latin typeface="Cambria Math" panose="02040503050406030204" pitchFamily="18" charset="0"/>
+                                          </a:rPr>
+                                          <m:t>∩</m:t>
+                                        </m:r>
+                                        <m:sSub>
+                                          <m:sSubPr>
+                                            <m:ctrlPr>
+                                              <a:rPr lang="en-US" i="1" dirty="0">
+                                                <a:latin typeface="Cambria Math" panose="02040503050406030204" pitchFamily="18" charset="0"/>
+                                              </a:rPr>
+                                            </m:ctrlPr>
+                                          </m:sSubPr>
+                                          <m:e>
+                                            <m:r>
+                                              <a:rPr lang="en-US" i="1" dirty="0">
+                                                <a:latin typeface="Cambria Math" panose="02040503050406030204" pitchFamily="18" charset="0"/>
+                                              </a:rPr>
+                                              <m:t>𝑐</m:t>
+                                            </m:r>
+                                          </m:e>
+                                          <m:sub>
+                                            <m:r>
+                                              <a:rPr lang="en-US" i="1" dirty="0">
+                                                <a:latin typeface="Cambria Math" panose="02040503050406030204" pitchFamily="18" charset="0"/>
+                                              </a:rPr>
+                                              <m:t>𝑗</m:t>
+                                            </m:r>
+                                          </m:sub>
+                                        </m:sSub>
+                                      </m:e>
+                                    </m:d>
+                                  </m:num>
+                                  <m:den>
+                                    <m:r>
+                                      <a:rPr lang="en-US" i="1" dirty="0">
+                                        <a:latin typeface="Cambria Math" panose="02040503050406030204" pitchFamily="18" charset="0"/>
+                                      </a:rPr>
+                                      <m:t>𝑃</m:t>
+                                    </m:r>
+                                    <m:d>
+                                      <m:dPr>
+                                        <m:ctrlPr>
+                                          <a:rPr lang="en-US" i="1" dirty="0">
+                                            <a:latin typeface="Cambria Math" panose="02040503050406030204" pitchFamily="18" charset="0"/>
+                                          </a:rPr>
+                                        </m:ctrlPr>
+                                      </m:dPr>
+                                      <m:e>
+                                        <m:sSub>
+                                          <m:sSubPr>
+                                            <m:ctrlPr>
+                                              <a:rPr lang="en-US" i="1" dirty="0">
+                                                <a:latin typeface="Cambria Math" panose="02040503050406030204" pitchFamily="18" charset="0"/>
+                                              </a:rPr>
+                                            </m:ctrlPr>
+                                          </m:sSubPr>
+                                          <m:e>
+                                            <m:r>
+                                              <a:rPr lang="en-US" i="1" dirty="0">
+                                                <a:latin typeface="Cambria Math" panose="02040503050406030204" pitchFamily="18" charset="0"/>
+                                              </a:rPr>
+                                              <m:t>𝑤</m:t>
+                                            </m:r>
+                                          </m:e>
+                                          <m:sub>
+                                            <m:r>
+                                              <a:rPr lang="en-US" i="1" dirty="0">
+                                                <a:latin typeface="Cambria Math" panose="02040503050406030204" pitchFamily="18" charset="0"/>
+                                              </a:rPr>
+                                              <m:t>𝑖</m:t>
+                                            </m:r>
+                                          </m:sub>
+                                        </m:sSub>
+                                      </m:e>
+                                    </m:d>
+                                    <m:r>
+                                      <a:rPr lang="en-US" b="0" i="1" dirty="0" smtClean="0">
+                                        <a:latin typeface="Cambria Math" panose="02040503050406030204" pitchFamily="18" charset="0"/>
+                                      </a:rPr>
+                                      <m:t>𝑃</m:t>
+                                    </m:r>
+                                    <m:d>
+                                      <m:dPr>
+                                        <m:ctrlPr>
+                                          <a:rPr lang="en-US" b="0" i="1" dirty="0" smtClean="0">
+                                            <a:latin typeface="Cambria Math" panose="02040503050406030204" pitchFamily="18" charset="0"/>
+                                          </a:rPr>
+                                        </m:ctrlPr>
+                                      </m:dPr>
+                                      <m:e>
+                                        <m:sSub>
+                                          <m:sSubPr>
+                                            <m:ctrlPr>
+                                              <a:rPr lang="en-US" i="1" dirty="0">
+                                                <a:latin typeface="Cambria Math" panose="02040503050406030204" pitchFamily="18" charset="0"/>
+                                              </a:rPr>
+                                            </m:ctrlPr>
+                                          </m:sSubPr>
+                                          <m:e>
+                                            <m:r>
+                                              <a:rPr lang="en-US" i="1" dirty="0">
+                                                <a:latin typeface="Cambria Math" panose="02040503050406030204" pitchFamily="18" charset="0"/>
+                                              </a:rPr>
+                                              <m:t>𝑐</m:t>
+                                            </m:r>
+                                          </m:e>
+                                          <m:sub>
+                                            <m:r>
+                                              <a:rPr lang="en-US" i="1" dirty="0">
+                                                <a:latin typeface="Cambria Math" panose="02040503050406030204" pitchFamily="18" charset="0"/>
+                                              </a:rPr>
+                                              <m:t>𝑗</m:t>
+                                            </m:r>
+                                          </m:sub>
+                                        </m:sSub>
+                                      </m:e>
+                                    </m:d>
+                                  </m:den>
+                                </m:f>
+                              </m:e>
+                            </m:func>
+                          </m:e>
+                        </m:nary>
+                      </m:e>
+                    </m:nary>
+                  </m:oMath>
+                </a14:m>
+                <a:r>
+                  <a:rPr lang="en-US" dirty="0" smtClean="0"/>
+                  <a:t>, </a:t>
+                </a:r>
+                <a14:m>
+                  <m:oMath xmlns:m="http://schemas.openxmlformats.org/officeDocument/2006/math">
+                    <m:r>
+                      <a:rPr lang="en-US" i="1" dirty="0">
+                        <a:latin typeface="Cambria Math" panose="02040503050406030204" pitchFamily="18" charset="0"/>
+                      </a:rPr>
+                      <m:t>𝐻</m:t>
+                    </m:r>
+                    <m:d>
+                      <m:dPr>
+                        <m:ctrlPr>
+                          <a:rPr lang="en-US" i="1" dirty="0">
+                            <a:latin typeface="Cambria Math" panose="02040503050406030204" pitchFamily="18" charset="0"/>
+                          </a:rPr>
+                        </m:ctrlPr>
+                      </m:dPr>
+                      <m:e>
+                        <m:r>
+                          <m:rPr>
+                            <m:sty m:val="p"/>
+                          </m:rPr>
+                          <a:rPr lang="en-US" dirty="0">
+                            <a:latin typeface="Cambria Math" panose="02040503050406030204" pitchFamily="18" charset="0"/>
+                          </a:rPr>
+                          <m:t>Ω</m:t>
+                        </m:r>
+                      </m:e>
+                    </m:d>
+                    <m:r>
+                      <a:rPr lang="en-US" b="0" i="1" dirty="0" smtClean="0">
+                        <a:latin typeface="Cambria Math" panose="02040503050406030204" pitchFamily="18" charset="0"/>
+                      </a:rPr>
+                      <m:t>=</m:t>
+                    </m:r>
+                    <m:nary>
+                      <m:naryPr>
+                        <m:chr m:val="∑"/>
+                        <m:supHide m:val="on"/>
+                        <m:ctrlPr>
+                          <a:rPr lang="en-US" b="0" i="1" dirty="0" smtClean="0">
+                            <a:latin typeface="Cambria Math" panose="02040503050406030204" pitchFamily="18" charset="0"/>
+                          </a:rPr>
+                        </m:ctrlPr>
+                      </m:naryPr>
+                      <m:sub>
+                        <m:r>
+                          <a:rPr lang="en-US" b="0" i="1" dirty="0" smtClean="0">
+                            <a:latin typeface="Cambria Math" panose="02040503050406030204" pitchFamily="18" charset="0"/>
+                          </a:rPr>
+                          <m:t>𝑖</m:t>
+                        </m:r>
+                      </m:sub>
+                      <m:sup/>
+                      <m:e>
+                        <m:r>
+                          <a:rPr lang="en-US" b="0" i="1" dirty="0" smtClean="0">
+                            <a:latin typeface="Cambria Math" panose="02040503050406030204" pitchFamily="18" charset="0"/>
+                          </a:rPr>
+                          <m:t>𝑃</m:t>
+                        </m:r>
+                        <m:d>
+                          <m:dPr>
+                            <m:ctrlPr>
+                              <a:rPr lang="en-US" b="0" i="1" dirty="0" smtClean="0">
+                                <a:latin typeface="Cambria Math" panose="02040503050406030204" pitchFamily="18" charset="0"/>
+                              </a:rPr>
+                            </m:ctrlPr>
+                          </m:dPr>
+                          <m:e>
+                            <m:sSub>
+                              <m:sSubPr>
+                                <m:ctrlPr>
+                                  <a:rPr lang="en-US" b="0" i="1" dirty="0" smtClean="0">
+                                    <a:latin typeface="Cambria Math" panose="02040503050406030204" pitchFamily="18" charset="0"/>
+                                  </a:rPr>
+                                </m:ctrlPr>
+                              </m:sSubPr>
+                              <m:e>
+                                <m:r>
+                                  <a:rPr lang="en-US" b="0" i="1" dirty="0" smtClean="0">
+                                    <a:latin typeface="Cambria Math" panose="02040503050406030204" pitchFamily="18" charset="0"/>
+                                  </a:rPr>
+                                  <m:t>𝑤</m:t>
+                                </m:r>
+                              </m:e>
+                              <m:sub>
+                                <m:r>
+                                  <a:rPr lang="en-US" b="0" i="1" dirty="0" smtClean="0">
+                                    <a:latin typeface="Cambria Math" panose="02040503050406030204" pitchFamily="18" charset="0"/>
+                                  </a:rPr>
+                                  <m:t>𝑖</m:t>
+                                </m:r>
+                              </m:sub>
+                            </m:sSub>
+                          </m:e>
+                        </m:d>
+                        <m:func>
+                          <m:funcPr>
+                            <m:ctrlPr>
+                              <a:rPr lang="en-US" b="0" i="1" dirty="0" smtClean="0">
+                                <a:latin typeface="Cambria Math" panose="02040503050406030204" pitchFamily="18" charset="0"/>
+                              </a:rPr>
+                            </m:ctrlPr>
+                          </m:funcPr>
+                          <m:fName>
+                            <m:r>
+                              <m:rPr>
+                                <m:sty m:val="p"/>
+                              </m:rPr>
+                              <a:rPr lang="en-US" b="0" i="0" dirty="0" smtClean="0">
+                                <a:latin typeface="Cambria Math" panose="02040503050406030204" pitchFamily="18" charset="0"/>
+                              </a:rPr>
+                              <m:t>log</m:t>
+                            </m:r>
+                          </m:fName>
+                          <m:e>
+                            <m:r>
+                              <a:rPr lang="en-US" b="0" i="1" dirty="0" smtClean="0">
+                                <a:latin typeface="Cambria Math" panose="02040503050406030204" pitchFamily="18" charset="0"/>
+                              </a:rPr>
+                              <m:t>𝑃</m:t>
+                            </m:r>
+                            <m:r>
+                              <a:rPr lang="en-US" b="0" i="1" dirty="0" smtClean="0">
+                                <a:latin typeface="Cambria Math" panose="02040503050406030204" pitchFamily="18" charset="0"/>
+                              </a:rPr>
+                              <m:t>(</m:t>
+                            </m:r>
+                            <m:sSub>
+                              <m:sSubPr>
+                                <m:ctrlPr>
+                                  <a:rPr lang="en-US" b="0" i="1" dirty="0" smtClean="0">
+                                    <a:latin typeface="Cambria Math" panose="02040503050406030204" pitchFamily="18" charset="0"/>
+                                  </a:rPr>
+                                </m:ctrlPr>
+                              </m:sSubPr>
+                              <m:e>
+                                <m:r>
+                                  <a:rPr lang="en-US" b="0" i="1" dirty="0" smtClean="0">
+                                    <a:latin typeface="Cambria Math" panose="02040503050406030204" pitchFamily="18" charset="0"/>
+                                  </a:rPr>
+                                  <m:t>𝑤</m:t>
+                                </m:r>
+                              </m:e>
+                              <m:sub>
+                                <m:r>
+                                  <a:rPr lang="en-US" b="0" i="1" dirty="0" smtClean="0">
+                                    <a:latin typeface="Cambria Math" panose="02040503050406030204" pitchFamily="18" charset="0"/>
+                                  </a:rPr>
+                                  <m:t>𝑖</m:t>
+                                </m:r>
+                              </m:sub>
+                            </m:sSub>
+                            <m:r>
+                              <a:rPr lang="en-US" b="0" i="1" dirty="0" smtClean="0">
+                                <a:latin typeface="Cambria Math" panose="02040503050406030204" pitchFamily="18" charset="0"/>
+                              </a:rPr>
+                              <m:t>)</m:t>
+                            </m:r>
+                          </m:e>
+                        </m:func>
+                      </m:e>
+                    </m:nary>
+                  </m:oMath>
+                </a14:m>
+                <a:r>
+                  <a:rPr lang="en-US" dirty="0" smtClean="0"/>
+                  <a:t> and </a:t>
+                </a:r>
+                <a14:m>
+                  <m:oMath xmlns:m="http://schemas.openxmlformats.org/officeDocument/2006/math">
+                    <m:r>
+                      <a:rPr lang="en-US" i="1" dirty="0">
+                        <a:latin typeface="Cambria Math" panose="02040503050406030204" pitchFamily="18" charset="0"/>
+                      </a:rPr>
+                      <m:t>𝐻</m:t>
+                    </m:r>
+                    <m:d>
+                      <m:dPr>
+                        <m:ctrlPr>
+                          <a:rPr lang="en-US" i="1" dirty="0">
+                            <a:latin typeface="Cambria Math" panose="02040503050406030204" pitchFamily="18" charset="0"/>
+                          </a:rPr>
+                        </m:ctrlPr>
+                      </m:dPr>
+                      <m:e>
+                        <m:r>
+                          <m:rPr>
+                            <m:sty m:val="p"/>
+                          </m:rPr>
+                          <a:rPr lang="en-US" b="0" i="0" dirty="0" smtClean="0">
+                            <a:latin typeface="Cambria Math" panose="02040503050406030204" pitchFamily="18" charset="0"/>
+                          </a:rPr>
+                          <m:t>C</m:t>
+                        </m:r>
+                      </m:e>
+                    </m:d>
+                    <m:r>
+                      <a:rPr lang="en-US" i="1" dirty="0">
+                        <a:latin typeface="Cambria Math" panose="02040503050406030204" pitchFamily="18" charset="0"/>
+                      </a:rPr>
+                      <m:t>=</m:t>
+                    </m:r>
+                    <m:nary>
+                      <m:naryPr>
+                        <m:chr m:val="∑"/>
+                        <m:supHide m:val="on"/>
+                        <m:ctrlPr>
+                          <a:rPr lang="en-US" i="1" dirty="0">
+                            <a:latin typeface="Cambria Math" panose="02040503050406030204" pitchFamily="18" charset="0"/>
+                          </a:rPr>
+                        </m:ctrlPr>
+                      </m:naryPr>
+                      <m:sub>
+                        <m:r>
+                          <a:rPr lang="en-US" b="0" i="1" dirty="0" smtClean="0">
+                            <a:latin typeface="Cambria Math" panose="02040503050406030204" pitchFamily="18" charset="0"/>
+                          </a:rPr>
+                          <m:t>𝑗</m:t>
+                        </m:r>
+                      </m:sub>
+                      <m:sup/>
+                      <m:e>
+                        <m:r>
+                          <a:rPr lang="en-US" i="1" dirty="0">
+                            <a:latin typeface="Cambria Math" panose="02040503050406030204" pitchFamily="18" charset="0"/>
+                          </a:rPr>
+                          <m:t>𝑃</m:t>
+                        </m:r>
+                        <m:d>
+                          <m:dPr>
+                            <m:ctrlPr>
+                              <a:rPr lang="en-US" i="1" dirty="0">
+                                <a:latin typeface="Cambria Math" panose="02040503050406030204" pitchFamily="18" charset="0"/>
+                              </a:rPr>
+                            </m:ctrlPr>
+                          </m:dPr>
+                          <m:e>
+                            <m:sSub>
+                              <m:sSubPr>
+                                <m:ctrlPr>
+                                  <a:rPr lang="en-US" i="1" dirty="0">
+                                    <a:latin typeface="Cambria Math" panose="02040503050406030204" pitchFamily="18" charset="0"/>
+                                  </a:rPr>
+                                </m:ctrlPr>
+                              </m:sSubPr>
+                              <m:e>
+                                <m:r>
+                                  <a:rPr lang="en-US" b="0" i="1" dirty="0" smtClean="0">
+                                    <a:latin typeface="Cambria Math" panose="02040503050406030204" pitchFamily="18" charset="0"/>
+                                  </a:rPr>
+                                  <m:t>𝑐</m:t>
+                                </m:r>
+                              </m:e>
+                              <m:sub>
+                                <m:r>
+                                  <a:rPr lang="en-US" b="0" i="1" dirty="0" smtClean="0">
+                                    <a:latin typeface="Cambria Math" panose="02040503050406030204" pitchFamily="18" charset="0"/>
+                                  </a:rPr>
+                                  <m:t>𝑗</m:t>
+                                </m:r>
+                              </m:sub>
+                            </m:sSub>
+                          </m:e>
+                        </m:d>
+                        <m:func>
+                          <m:funcPr>
+                            <m:ctrlPr>
+                              <a:rPr lang="en-US" i="1" dirty="0">
+                                <a:latin typeface="Cambria Math" panose="02040503050406030204" pitchFamily="18" charset="0"/>
+                              </a:rPr>
+                            </m:ctrlPr>
+                          </m:funcPr>
+                          <m:fName>
+                            <m:r>
+                              <m:rPr>
+                                <m:sty m:val="p"/>
+                              </m:rPr>
+                              <a:rPr lang="en-US" dirty="0">
+                                <a:latin typeface="Cambria Math" panose="02040503050406030204" pitchFamily="18" charset="0"/>
+                              </a:rPr>
+                              <m:t>log</m:t>
+                            </m:r>
+                          </m:fName>
+                          <m:e>
+                            <m:r>
+                              <a:rPr lang="en-US" i="1" dirty="0">
+                                <a:latin typeface="Cambria Math" panose="02040503050406030204" pitchFamily="18" charset="0"/>
+                              </a:rPr>
+                              <m:t>𝑃</m:t>
+                            </m:r>
+                            <m:r>
+                              <a:rPr lang="en-US" i="1" dirty="0">
+                                <a:latin typeface="Cambria Math" panose="02040503050406030204" pitchFamily="18" charset="0"/>
+                              </a:rPr>
+                              <m:t>(</m:t>
+                            </m:r>
+                            <m:sSub>
+                              <m:sSubPr>
+                                <m:ctrlPr>
+                                  <a:rPr lang="en-US" i="1" dirty="0">
+                                    <a:latin typeface="Cambria Math" panose="02040503050406030204" pitchFamily="18" charset="0"/>
+                                  </a:rPr>
+                                </m:ctrlPr>
+                              </m:sSubPr>
+                              <m:e>
+                                <m:r>
+                                  <a:rPr lang="en-US" b="0" i="1" dirty="0" smtClean="0">
+                                    <a:latin typeface="Cambria Math" panose="02040503050406030204" pitchFamily="18" charset="0"/>
+                                  </a:rPr>
+                                  <m:t>𝑐</m:t>
+                                </m:r>
+                              </m:e>
+                              <m:sub>
+                                <m:r>
+                                  <a:rPr lang="en-US" b="0" i="1" dirty="0" smtClean="0">
+                                    <a:latin typeface="Cambria Math" panose="02040503050406030204" pitchFamily="18" charset="0"/>
+                                  </a:rPr>
+                                  <m:t>𝑗</m:t>
+                                </m:r>
+                              </m:sub>
+                            </m:sSub>
+                            <m:r>
+                              <a:rPr lang="en-US" i="1" dirty="0">
+                                <a:latin typeface="Cambria Math" panose="02040503050406030204" pitchFamily="18" charset="0"/>
+                              </a:rPr>
+                              <m:t>)</m:t>
+                            </m:r>
+                          </m:e>
+                        </m:func>
+                      </m:e>
+                    </m:nary>
+                  </m:oMath>
+                </a14:m>
+                <a:endParaRPr lang="en-US" dirty="0" smtClean="0"/>
+              </a:p>
+              <a:p>
+                <a:pPr lvl="2"/>
+                <a:r>
+                  <a:rPr lang="en-US" dirty="0" smtClean="0"/>
+                  <a:t>Indicate the increase of knowledge about classes when we know the clustering results</a:t>
+                </a:r>
+                <a:endParaRPr lang="en-US" dirty="0"/>
+              </a:p>
+              <a:p>
+                <a:endParaRPr lang="en-US" dirty="0"/>
+              </a:p>
+            </p:txBody>
+          </p:sp>
+        </mc:Choice>
+        <mc:Fallback xmlns="">
+          <p:sp>
+            <p:nvSpPr>
+              <p:cNvPr id="3" name="Content Placeholder 2"/>
+              <p:cNvSpPr>
+                <a:spLocks noGrp="1" noRot="1" noChangeAspect="1" noMove="1" noResize="1" noEditPoints="1" noAdjustHandles="1" noChangeArrowheads="1" noChangeShapeType="1" noTextEdit="1"/>
+              </p:cNvSpPr>
+              <p:nvPr>
+                <p:ph idx="1"/>
+              </p:nvPr>
+            </p:nvSpPr>
+            <p:spPr>
+              <a:blipFill rotWithShape="0">
+                <a:blip r:embed="rId2"/>
+                <a:stretch>
+                  <a:fillRect l="-1704" t="-1617" r="-593"/>
+                </a:stretch>
+              </a:blipFill>
+            </p:spPr>
+            <p:txBody>
+              <a:bodyPr/>
+              <a:lstStyle/>
+              <a:p>
+                <a:r>
+                  <a:rPr lang="en-US">
+                    <a:noFill/>
+                  </a:rPr>
+                  <a:t> </a:t>
+                </a:r>
+              </a:p>
+            </p:txBody>
+          </p:sp>
+        </mc:Fallback>
+      </mc:AlternateContent>
+      <p:sp>
+        <p:nvSpPr>
+          <p:cNvPr id="4" name="Date Placeholder 3"/>
+          <p:cNvSpPr>
+            <a:spLocks noGrp="1"/>
+          </p:cNvSpPr>
+          <p:nvPr>
+            <p:ph type="dt" sz="half" idx="10"/>
+          </p:nvPr>
+        </p:nvSpPr>
+        <p:spPr/>
+        <p:txBody>
+          <a:bodyPr/>
+          <a:lstStyle/>
+          <a:p>
+            <a:r>
+              <a:rPr lang="en-US" smtClean="0"/>
+              <a:t>CS@UVa</a:t>
+            </a:r>
+            <a:endParaRPr lang="en-US"/>
+          </a:p>
+        </p:txBody>
+      </p:sp>
+      <p:sp>
+        <p:nvSpPr>
+          <p:cNvPr id="5" name="Footer Placeholder 4"/>
+          <p:cNvSpPr>
+            <a:spLocks noGrp="1"/>
+          </p:cNvSpPr>
+          <p:nvPr>
+            <p:ph type="ftr" sz="quarter" idx="11"/>
+          </p:nvPr>
+        </p:nvSpPr>
+        <p:spPr/>
+        <p:txBody>
+          <a:bodyPr/>
+          <a:lstStyle/>
+          <a:p>
+            <a:r>
+              <a:rPr lang="en-US" smtClean="0"/>
+              <a:t>CS 6501: Text Mining</a:t>
+            </a:r>
+            <a:endParaRPr lang="en-US"/>
+          </a:p>
+        </p:txBody>
+      </p:sp>
+      <p:sp>
+        <p:nvSpPr>
+          <p:cNvPr id="6" name="Slide Number Placeholder 5"/>
+          <p:cNvSpPr>
+            <a:spLocks noGrp="1"/>
+          </p:cNvSpPr>
+          <p:nvPr>
+            <p:ph type="sldNum" sz="quarter" idx="12"/>
+          </p:nvPr>
+        </p:nvSpPr>
+        <p:spPr/>
+        <p:txBody>
+          <a:bodyPr/>
+          <a:lstStyle/>
+          <a:p>
+            <a:fld id="{8CCF9448-AE08-4396-8002-720D44A77F1C}" type="slidenum">
+              <a:rPr lang="en-US" smtClean="0"/>
+              <a:t>17</a:t>
+            </a:fld>
+            <a:endParaRPr lang="en-US"/>
+          </a:p>
+        </p:txBody>
+      </p:sp>
+      <p:grpSp>
+        <p:nvGrpSpPr>
+          <p:cNvPr id="10" name="Group 9"/>
+          <p:cNvGrpSpPr/>
+          <p:nvPr/>
+        </p:nvGrpSpPr>
+        <p:grpSpPr>
+          <a:xfrm>
+            <a:off x="5214551" y="2751439"/>
+            <a:ext cx="3534033" cy="646331"/>
+            <a:chOff x="5214551" y="2751439"/>
+            <a:chExt cx="3534033" cy="646331"/>
+          </a:xfrm>
+        </p:grpSpPr>
+        <p:sp>
+          <p:nvSpPr>
+            <p:cNvPr id="7" name="TextBox 6"/>
+            <p:cNvSpPr txBox="1"/>
+            <p:nvPr/>
+          </p:nvSpPr>
+          <p:spPr>
+            <a:xfrm>
+              <a:off x="5671752" y="2751439"/>
+              <a:ext cx="3076832" cy="646331"/>
+            </a:xfrm>
+            <a:prstGeom prst="rect">
+              <a:avLst/>
+            </a:prstGeom>
+            <a:noFill/>
+          </p:spPr>
+          <p:txBody>
+            <a:bodyPr wrap="square" rtlCol="0">
+              <a:spAutoFit/>
+            </a:bodyPr>
+            <a:lstStyle/>
+            <a:p>
+              <a:r>
+                <a:rPr lang="en-US" i="1" dirty="0" smtClean="0">
+                  <a:solidFill>
+                    <a:srgbClr val="FF0000"/>
+                  </a:solidFill>
+                </a:rPr>
+                <a:t>Normalization by entropy will penalize too many clusters</a:t>
+              </a:r>
+              <a:endParaRPr lang="en-US" i="1" dirty="0">
+                <a:solidFill>
+                  <a:srgbClr val="FF0000"/>
+                </a:solidFill>
+              </a:endParaRPr>
+            </a:p>
+          </p:txBody>
+        </p:sp>
+        <p:cxnSp>
+          <p:nvCxnSpPr>
+            <p:cNvPr id="9" name="Straight Arrow Connector 8"/>
+            <p:cNvCxnSpPr>
+              <a:stCxn id="7" idx="1"/>
+            </p:cNvCxnSpPr>
+            <p:nvPr/>
+          </p:nvCxnSpPr>
+          <p:spPr>
+            <a:xfrm flipH="1">
+              <a:off x="5214551" y="3074605"/>
+              <a:ext cx="457201" cy="121676"/>
+            </a:xfrm>
+            <a:prstGeom prst="straightConnector1">
+              <a:avLst/>
+            </a:prstGeom>
+            <a:ln w="12700">
+              <a:solidFill>
+                <a:srgbClr val="FF0000"/>
+              </a:solidFill>
+              <a:tailEnd type="triangle"/>
+            </a:ln>
+          </p:spPr>
+          <p:style>
+            <a:lnRef idx="1">
+              <a:schemeClr val="accent1"/>
+            </a:lnRef>
+            <a:fillRef idx="0">
+              <a:schemeClr val="accent1"/>
+            </a:fillRef>
+            <a:effectRef idx="0">
+              <a:schemeClr val="accent1"/>
+            </a:effectRef>
+            <a:fontRef idx="minor">
+              <a:schemeClr val="tx1"/>
+            </a:fontRef>
+          </p:style>
+        </p:cxnSp>
+      </p:grpSp>
+    </p:spTree>
+    <p:extLst>
+      <p:ext uri="{BB962C8B-B14F-4D97-AF65-F5344CB8AC3E}">
+        <p14:creationId xmlns:p14="http://schemas.microsoft.com/office/powerpoint/2010/main" val="2398353222"/>
+      </p:ext>
+    </p:extLst>
+  </p:cSld>
+  <p:clrMapOvr>
+    <a:masterClrMapping/>
+  </p:clrMapOvr>
+  <p:timing>
+    <p:tnLst>
+      <p:par>
+        <p:cTn id="1" dur="indefinite" restart="never" nodeType="tmRoot">
+          <p:childTnLst>
+            <p:seq concurrent="1" nextAc="seek">
+              <p:cTn id="2" dur="indefinite" nodeType="mainSeq">
+                <p:childTnLst>
+                  <p:par>
+                    <p:cTn id="3" fill="hold">
+                      <p:stCondLst>
+                        <p:cond delay="indefinite"/>
+                      </p:stCondLst>
+                      <p:childTnLst>
+                        <p:par>
+                          <p:cTn id="4" fill="hold">
+                            <p:stCondLst>
+                              <p:cond delay="0"/>
+                            </p:stCondLst>
+                            <p:childTnLst>
+                              <p:par>
+                                <p:cTn id="5" presetID="1" presetClass="entr" presetSubtype="0" fill="hold" nodeType="clickEffect">
+                                  <p:stCondLst>
+                                    <p:cond delay="0"/>
+                                  </p:stCondLst>
+                                  <p:childTnLst>
+                                    <p:set>
+                                      <p:cBhvr>
+                                        <p:cTn id="6" dur="1" fill="hold">
+                                          <p:stCondLst>
+                                            <p:cond delay="0"/>
+                                          </p:stCondLst>
+                                        </p:cTn>
+                                        <p:tgtEl>
+                                          <p:spTgt spid="10"/>
+                                        </p:tgtEl>
+                                        <p:attrNameLst>
+                                          <p:attrName>style.visibility</p:attrName>
+                                        </p:attrNameLst>
+                                      </p:cBhvr>
+                                      <p:to>
+                                        <p:strVal val="visible"/>
+                                      </p:to>
+                                    </p:set>
+                                  </p:childTnLst>
+                                </p:cTn>
+                              </p:par>
+                            </p:childTnLst>
+                          </p:cTn>
+                        </p:par>
+                      </p:childTnLst>
+                    </p:cTn>
+                  </p:par>
+                  <p:par>
+                    <p:cTn id="7" fill="hold">
+                      <p:stCondLst>
+                        <p:cond delay="indefinite"/>
+                      </p:stCondLst>
+                      <p:childTnLst>
+                        <p:par>
+                          <p:cTn id="8" fill="hold">
+                            <p:stCondLst>
+                              <p:cond delay="0"/>
+                            </p:stCondLst>
+                            <p:childTnLst>
+                              <p:par>
+                                <p:cTn id="9" presetID="1" presetClass="entr" presetSubtype="0" fill="hold" nodeType="clickEffect">
+                                  <p:stCondLst>
+                                    <p:cond delay="0"/>
+                                  </p:stCondLst>
+                                  <p:childTnLst>
+                                    <p:set>
+                                      <p:cBhvr>
+                                        <p:cTn id="10" dur="1" fill="hold">
+                                          <p:stCondLst>
+                                            <p:cond delay="0"/>
+                                          </p:stCondLst>
+                                        </p:cTn>
+                                        <p:tgtEl>
+                                          <p:spTgt spid="3">
+                                            <p:txEl>
+                                              <p:pRg st="4" end="4"/>
+                                            </p:txEl>
+                                          </p:spTgt>
+                                        </p:tgtEl>
+                                        <p:attrNameLst>
+                                          <p:attrName>style.visibility</p:attrName>
+                                        </p:attrNameLst>
+                                      </p:cBhvr>
+                                      <p:to>
+                                        <p:strVal val="visible"/>
+                                      </p:to>
+                                    </p:set>
+                                  </p:childTnLst>
+                                </p:cTn>
+                              </p:par>
+                            </p:childTnLst>
+                          </p:cTn>
+                        </p:par>
+                      </p:childTnLst>
+                    </p:cTn>
+                  </p:par>
+                </p:childTnLst>
+              </p:cTn>
+              <p:prevCondLst>
+                <p:cond evt="onPrev" delay="0">
+                  <p:tgtEl>
+                    <p:sldTgt/>
+                  </p:tgtEl>
+                </p:cond>
+              </p:prevCondLst>
+              <p:nextCondLst>
+                <p:cond evt="onNext" delay="0">
+                  <p:tgtEl>
+                    <p:sldTgt/>
+                  </p:tgtEl>
+                </p:cond>
+              </p:nextCondLst>
+            </p:seq>
+          </p:childTnLst>
+        </p:cTn>
+      </p:par>
+    </p:tnLst>
+  </p:timing>
+</p:sld>
+</file>
+
+<file path=ppt/slides/slide18.xml><?xml version="1.0" encoding="utf-8"?>
+<p:sld xmlns:a="http://schemas.openxmlformats.org/drawingml/2006/main" xmlns:r="http://schemas.openxmlformats.org/officeDocument/2006/relationships" xmlns:p="http://schemas.openxmlformats.org/presentationml/2006/main">
+  <p:cSld>
+    <p:spTree>
+      <p:nvGrpSpPr>
+        <p:cNvPr id="1" name=""/>
+        <p:cNvGrpSpPr/>
+        <p:nvPr/>
+      </p:nvGrpSpPr>
+      <p:grpSpPr>
+        <a:xfrm>
+          <a:off x="0" y="0"/>
+          <a:ext cx="0" cy="0"/>
+          <a:chOff x="0" y="0"/>
+          <a:chExt cx="0" cy="0"/>
+        </a:xfrm>
+      </p:grpSpPr>
+      <p:sp>
+        <p:nvSpPr>
+          <p:cNvPr id="2" name="Title 1"/>
+          <p:cNvSpPr>
+            <a:spLocks noGrp="1"/>
+          </p:cNvSpPr>
+          <p:nvPr>
+            <p:ph type="title"/>
+          </p:nvPr>
+        </p:nvSpPr>
+        <p:spPr/>
+        <p:txBody>
+          <a:bodyPr/>
+          <a:lstStyle/>
+          <a:p>
+            <a:r>
+              <a:rPr lang="en-US" dirty="0" smtClean="0"/>
+              <a:t>Recap: external </a:t>
+            </a:r>
+            <a:r>
+              <a:rPr lang="en-US" dirty="0"/>
+              <a:t>validation</a:t>
+            </a:r>
+          </a:p>
+        </p:txBody>
+      </p:sp>
+      <mc:AlternateContent xmlns:mc="http://schemas.openxmlformats.org/markup-compatibility/2006" xmlns:a14="http://schemas.microsoft.com/office/drawing/2010/main">
+        <mc:Choice Requires="a14">
+          <p:sp>
+            <p:nvSpPr>
+              <p:cNvPr id="3" name="Content Placeholder 2"/>
+              <p:cNvSpPr>
+                <a:spLocks noGrp="1"/>
+              </p:cNvSpPr>
+              <p:nvPr>
+                <p:ph idx="1"/>
+              </p:nvPr>
+            </p:nvSpPr>
+            <p:spPr/>
+            <p:txBody>
+              <a:bodyPr>
+                <a:normAutofit/>
+              </a:bodyPr>
+              <a:lstStyle/>
+              <a:p>
+                <a:r>
+                  <a:rPr lang="en-US" dirty="0" smtClean="0"/>
+                  <a:t>Given class label </a:t>
+                </a:r>
+                <a14:m>
+                  <m:oMath xmlns:m="http://schemas.openxmlformats.org/officeDocument/2006/math">
+                    <m:r>
+                      <m:rPr>
+                        <m:sty m:val="p"/>
+                      </m:rPr>
+                      <a:rPr lang="en-US">
+                        <a:latin typeface="Cambria Math" panose="02040503050406030204" pitchFamily="18" charset="0"/>
+                      </a:rPr>
+                      <m:t>Ω</m:t>
+                    </m:r>
+                  </m:oMath>
+                </a14:m>
+                <a:r>
+                  <a:rPr lang="en-US" dirty="0"/>
+                  <a:t> on each instance</a:t>
+                </a:r>
+              </a:p>
+              <a:p>
+                <a:pPr lvl="1"/>
+                <a:r>
+                  <a:rPr lang="en-US" dirty="0" smtClean="0"/>
+                  <a:t>Rand index</a:t>
+                </a:r>
+              </a:p>
+              <a:p>
+                <a:pPr lvl="2"/>
+                <a:endParaRPr lang="en-US" dirty="0" smtClean="0"/>
+              </a:p>
+              <a:p>
+                <a:pPr lvl="2"/>
+                <a:endParaRPr lang="en-US" dirty="0"/>
+              </a:p>
+            </p:txBody>
+          </p:sp>
+        </mc:Choice>
+        <mc:Fallback xmlns="">
+          <p:sp>
+            <p:nvSpPr>
+              <p:cNvPr id="3" name="Content Placeholder 2"/>
+              <p:cNvSpPr>
+                <a:spLocks noGrp="1" noRot="1" noChangeAspect="1" noMove="1" noResize="1" noEditPoints="1" noAdjustHandles="1" noChangeArrowheads="1" noChangeShapeType="1" noTextEdit="1"/>
+              </p:cNvSpPr>
+              <p:nvPr>
+                <p:ph idx="1"/>
+              </p:nvPr>
+            </p:nvSpPr>
+            <p:spPr>
+              <a:blipFill rotWithShape="0">
+                <a:blip r:embed="rId2"/>
+                <a:stretch>
+                  <a:fillRect l="-1704" t="-1617"/>
+                </a:stretch>
+              </a:blipFill>
+            </p:spPr>
+            <p:txBody>
+              <a:bodyPr/>
+              <a:lstStyle/>
+              <a:p>
+                <a:r>
+                  <a:rPr lang="en-US">
+                    <a:noFill/>
+                  </a:rPr>
+                  <a:t> </a:t>
+                </a:r>
+              </a:p>
+            </p:txBody>
+          </p:sp>
+        </mc:Fallback>
+      </mc:AlternateContent>
+      <p:sp>
+        <p:nvSpPr>
+          <p:cNvPr id="4" name="Date Placeholder 3"/>
+          <p:cNvSpPr>
+            <a:spLocks noGrp="1"/>
+          </p:cNvSpPr>
+          <p:nvPr>
+            <p:ph type="dt" sz="half" idx="10"/>
+          </p:nvPr>
+        </p:nvSpPr>
+        <p:spPr/>
+        <p:txBody>
+          <a:bodyPr/>
+          <a:lstStyle/>
+          <a:p>
+            <a:r>
+              <a:rPr lang="en-US" smtClean="0"/>
+              <a:t>CS@UVa</a:t>
+            </a:r>
+            <a:endParaRPr lang="en-US"/>
+          </a:p>
+        </p:txBody>
+      </p:sp>
+      <p:sp>
+        <p:nvSpPr>
+          <p:cNvPr id="5" name="Footer Placeholder 4"/>
+          <p:cNvSpPr>
+            <a:spLocks noGrp="1"/>
+          </p:cNvSpPr>
+          <p:nvPr>
+            <p:ph type="ftr" sz="quarter" idx="11"/>
+          </p:nvPr>
+        </p:nvSpPr>
+        <p:spPr/>
+        <p:txBody>
+          <a:bodyPr/>
+          <a:lstStyle/>
+          <a:p>
+            <a:r>
+              <a:rPr lang="en-US" smtClean="0"/>
+              <a:t>CS 6501: Text Mining</a:t>
+            </a:r>
+            <a:endParaRPr lang="en-US"/>
+          </a:p>
+        </p:txBody>
+      </p:sp>
+      <p:sp>
+        <p:nvSpPr>
+          <p:cNvPr id="6" name="Slide Number Placeholder 5"/>
+          <p:cNvSpPr>
+            <a:spLocks noGrp="1"/>
+          </p:cNvSpPr>
+          <p:nvPr>
+            <p:ph type="sldNum" sz="quarter" idx="12"/>
+          </p:nvPr>
+        </p:nvSpPr>
+        <p:spPr/>
+        <p:txBody>
+          <a:bodyPr/>
+          <a:lstStyle/>
+          <a:p>
+            <a:fld id="{8CCF9448-AE08-4396-8002-720D44A77F1C}" type="slidenum">
+              <a:rPr lang="en-US" smtClean="0"/>
+              <a:t>18</a:t>
+            </a:fld>
+            <a:endParaRPr lang="en-US"/>
+          </a:p>
+        </p:txBody>
+      </p:sp>
+      <mc:AlternateContent xmlns:mc="http://schemas.openxmlformats.org/markup-compatibility/2006" xmlns:a14="http://schemas.microsoft.com/office/drawing/2010/main">
+        <mc:Choice Requires="a14">
+          <p:graphicFrame>
+            <p:nvGraphicFramePr>
+              <p:cNvPr id="7" name="Table 6"/>
+              <p:cNvGraphicFramePr>
+                <a:graphicFrameLocks noGrp="1"/>
+              </p:cNvGraphicFramePr>
+              <p:nvPr>
+                <p:extLst/>
+              </p:nvPr>
+            </p:nvGraphicFramePr>
+            <p:xfrm>
+              <a:off x="2390333" y="2683112"/>
+              <a:ext cx="3836113" cy="1166940"/>
+            </p:xfrm>
+            <a:graphic>
+              <a:graphicData uri="http://schemas.openxmlformats.org/drawingml/2006/table">
+                <a:tbl>
+                  <a:tblPr firstRow="1" bandRow="1">
+                    <a:tableStyleId>{5940675A-B579-460E-94D1-54222C63F5DA}</a:tableStyleId>
+                  </a:tblPr>
+                  <a:tblGrid>
+                    <a:gridCol w="1065587"/>
+                    <a:gridCol w="1385263"/>
+                    <a:gridCol w="1385263"/>
+                  </a:tblGrid>
+                  <a:tr h="370840">
+                    <a:tc>
+                      <a:txBody>
+                        <a:bodyPr/>
+                        <a:lstStyle/>
+                        <a:p>
+                          <a:pPr algn="ctr"/>
+                          <a:endParaRPr lang="en-US" dirty="0"/>
+                        </a:p>
+                      </a:txBody>
+                      <a:tcPr anchor="ctr"/>
+                    </a:tc>
+                    <a:tc>
+                      <a:txBody>
+                        <a:bodyPr/>
+                        <a:lstStyle/>
+                        <a:p>
+                          <a:pPr algn="ctr"/>
+                          <a14:m>
+                            <m:oMathPara xmlns:m="http://schemas.openxmlformats.org/officeDocument/2006/math">
+                              <m:oMathParaPr>
+                                <m:jc m:val="centerGroup"/>
+                              </m:oMathParaPr>
+                              <m:oMath xmlns:m="http://schemas.openxmlformats.org/officeDocument/2006/math">
+                                <m:sSub>
+                                  <m:sSubPr>
+                                    <m:ctrlPr>
+                                      <a:rPr lang="en-US" b="0" i="1" smtClean="0">
+                                        <a:latin typeface="Cambria Math" panose="02040503050406030204" pitchFamily="18" charset="0"/>
+                                      </a:rPr>
+                                    </m:ctrlPr>
+                                  </m:sSubPr>
+                                  <m:e>
+                                    <m:r>
+                                      <a:rPr lang="en-US" b="0" i="1" smtClean="0">
+                                        <a:latin typeface="Cambria Math" panose="02040503050406030204" pitchFamily="18" charset="0"/>
+                                      </a:rPr>
+                                      <m:t>𝑤</m:t>
+                                    </m:r>
+                                  </m:e>
+                                  <m:sub>
+                                    <m:r>
+                                      <a:rPr lang="en-US" b="0" i="1" smtClean="0">
+                                        <a:latin typeface="Cambria Math" panose="02040503050406030204" pitchFamily="18" charset="0"/>
+                                      </a:rPr>
+                                      <m:t>𝑖</m:t>
+                                    </m:r>
+                                  </m:sub>
+                                </m:sSub>
+                                <m:r>
+                                  <a:rPr lang="en-US" b="0" i="0" smtClean="0">
+                                    <a:latin typeface="Cambria Math" panose="02040503050406030204" pitchFamily="18" charset="0"/>
+                                  </a:rPr>
+                                  <m:t>=</m:t>
+                                </m:r>
+                                <m:sSub>
+                                  <m:sSubPr>
+                                    <m:ctrlPr>
+                                      <a:rPr lang="en-US" b="0" i="1" smtClean="0">
+                                        <a:latin typeface="Cambria Math" panose="02040503050406030204" pitchFamily="18" charset="0"/>
+                                      </a:rPr>
+                                    </m:ctrlPr>
+                                  </m:sSubPr>
+                                  <m:e>
+                                    <m:r>
+                                      <m:rPr>
+                                        <m:sty m:val="p"/>
+                                      </m:rPr>
+                                      <a:rPr lang="en-US" b="0" i="0" smtClean="0">
+                                        <a:latin typeface="Cambria Math" panose="02040503050406030204" pitchFamily="18" charset="0"/>
+                                      </a:rPr>
+                                      <m:t>w</m:t>
+                                    </m:r>
+                                  </m:e>
+                                  <m:sub>
+                                    <m:r>
+                                      <m:rPr>
+                                        <m:sty m:val="p"/>
+                                      </m:rPr>
+                                      <a:rPr lang="en-US" b="0" i="0" smtClean="0">
+                                        <a:latin typeface="Cambria Math" panose="02040503050406030204" pitchFamily="18" charset="0"/>
+                                      </a:rPr>
+                                      <m:t>j</m:t>
+                                    </m:r>
+                                  </m:sub>
+                                </m:sSub>
+                              </m:oMath>
+                            </m:oMathPara>
+                          </a14:m>
+                          <a:endParaRPr lang="en-US" dirty="0"/>
+                        </a:p>
+                      </a:txBody>
+                      <a:tcPr anchor="ctr"/>
+                    </a:tc>
+                    <a:tc>
+                      <a:txBody>
+                        <a:bodyPr/>
+                        <a:lstStyle/>
+                        <a:p>
+                          <a:pPr algn="ctr"/>
+                          <a14:m>
+                            <m:oMathPara xmlns:m="http://schemas.openxmlformats.org/officeDocument/2006/math">
+                              <m:oMathParaPr>
+                                <m:jc m:val="centerGroup"/>
+                              </m:oMathParaPr>
+                              <m:oMath xmlns:m="http://schemas.openxmlformats.org/officeDocument/2006/math">
+                                <m:sSub>
+                                  <m:sSubPr>
+                                    <m:ctrlPr>
+                                      <a:rPr lang="en-US" b="0" i="1" smtClean="0">
+                                        <a:latin typeface="Cambria Math" panose="02040503050406030204" pitchFamily="18" charset="0"/>
+                                      </a:rPr>
+                                    </m:ctrlPr>
+                                  </m:sSubPr>
+                                  <m:e>
+                                    <m:r>
+                                      <a:rPr lang="en-US" b="0" i="1" smtClean="0">
+                                        <a:latin typeface="Cambria Math" panose="02040503050406030204" pitchFamily="18" charset="0"/>
+                                      </a:rPr>
+                                      <m:t>𝑤</m:t>
+                                    </m:r>
+                                  </m:e>
+                                  <m:sub>
+                                    <m:r>
+                                      <a:rPr lang="en-US" b="0" i="1" smtClean="0">
+                                        <a:latin typeface="Cambria Math" panose="02040503050406030204" pitchFamily="18" charset="0"/>
+                                      </a:rPr>
+                                      <m:t>𝑖</m:t>
+                                    </m:r>
+                                  </m:sub>
+                                </m:sSub>
+                                <m:r>
+                                  <a:rPr lang="en-US" b="0" i="1" smtClean="0">
+                                    <a:latin typeface="Cambria Math" panose="02040503050406030204" pitchFamily="18" charset="0"/>
+                                  </a:rPr>
+                                  <m:t>≠</m:t>
+                                </m:r>
+                                <m:sSub>
+                                  <m:sSubPr>
+                                    <m:ctrlPr>
+                                      <a:rPr lang="en-US" b="0" i="1" smtClean="0">
+                                        <a:latin typeface="Cambria Math" panose="02040503050406030204" pitchFamily="18" charset="0"/>
+                                      </a:rPr>
+                                    </m:ctrlPr>
+                                  </m:sSubPr>
+                                  <m:e>
+                                    <m:r>
+                                      <m:rPr>
+                                        <m:sty m:val="p"/>
+                                      </m:rPr>
+                                      <a:rPr lang="en-US" b="0" i="0" smtClean="0">
+                                        <a:latin typeface="Cambria Math" panose="02040503050406030204" pitchFamily="18" charset="0"/>
+                                      </a:rPr>
+                                      <m:t>w</m:t>
+                                    </m:r>
+                                  </m:e>
+                                  <m:sub>
+                                    <m:r>
+                                      <m:rPr>
+                                        <m:sty m:val="p"/>
+                                      </m:rPr>
+                                      <a:rPr lang="en-US" b="0" i="0" smtClean="0">
+                                        <a:latin typeface="Cambria Math" panose="02040503050406030204" pitchFamily="18" charset="0"/>
+                                      </a:rPr>
+                                      <m:t>j</m:t>
+                                    </m:r>
+                                  </m:sub>
+                                </m:sSub>
+                              </m:oMath>
+                            </m:oMathPara>
+                          </a14:m>
+                          <a:endParaRPr lang="en-US" dirty="0"/>
+                        </a:p>
+                      </a:txBody>
+                      <a:tcPr anchor="ctr"/>
+                    </a:tc>
+                  </a:tr>
+                  <a:tr h="370840">
+                    <a:tc>
+                      <a:txBody>
+                        <a:bodyPr/>
+                        <a:lstStyle/>
+                        <a:p>
+                          <a:pPr algn="ctr"/>
+                          <a14:m>
+                            <m:oMathPara xmlns:m="http://schemas.openxmlformats.org/officeDocument/2006/math">
+                              <m:oMathParaPr>
+                                <m:jc m:val="centerGroup"/>
+                              </m:oMathParaPr>
+                              <m:oMath xmlns:m="http://schemas.openxmlformats.org/officeDocument/2006/math">
+                                <m:sSub>
+                                  <m:sSubPr>
+                                    <m:ctrlPr>
+                                      <a:rPr lang="en-US" b="0" i="1" dirty="0" smtClean="0">
+                                        <a:latin typeface="Cambria Math" panose="02040503050406030204" pitchFamily="18" charset="0"/>
+                                      </a:rPr>
+                                    </m:ctrlPr>
+                                  </m:sSubPr>
+                                  <m:e>
+                                    <m:r>
+                                      <a:rPr lang="en-US" b="0" i="1" dirty="0" smtClean="0">
+                                        <a:latin typeface="Cambria Math" panose="02040503050406030204" pitchFamily="18" charset="0"/>
+                                      </a:rPr>
+                                      <m:t>𝑐</m:t>
+                                    </m:r>
+                                  </m:e>
+                                  <m:sub>
+                                    <m:r>
+                                      <a:rPr lang="en-US" b="0" i="1" dirty="0" smtClean="0">
+                                        <a:latin typeface="Cambria Math" panose="02040503050406030204" pitchFamily="18" charset="0"/>
+                                      </a:rPr>
+                                      <m:t>𝑖</m:t>
+                                    </m:r>
+                                  </m:sub>
+                                </m:sSub>
+                                <m:r>
+                                  <a:rPr lang="en-US" b="0" i="1" dirty="0" smtClean="0">
+                                    <a:latin typeface="Cambria Math" panose="02040503050406030204" pitchFamily="18" charset="0"/>
+                                  </a:rPr>
+                                  <m:t>=</m:t>
+                                </m:r>
+                                <m:sSub>
+                                  <m:sSubPr>
+                                    <m:ctrlPr>
+                                      <a:rPr lang="en-US" b="0" i="1" dirty="0" smtClean="0">
+                                        <a:latin typeface="Cambria Math" panose="02040503050406030204" pitchFamily="18" charset="0"/>
+                                      </a:rPr>
+                                    </m:ctrlPr>
+                                  </m:sSubPr>
+                                  <m:e>
+                                    <m:r>
+                                      <a:rPr lang="en-US" b="0" i="1" dirty="0" smtClean="0">
+                                        <a:latin typeface="Cambria Math" panose="02040503050406030204" pitchFamily="18" charset="0"/>
+                                      </a:rPr>
+                                      <m:t>𝑐</m:t>
+                                    </m:r>
+                                  </m:e>
+                                  <m:sub>
+                                    <m:r>
+                                      <a:rPr lang="en-US" b="0" i="1" dirty="0" smtClean="0">
+                                        <a:latin typeface="Cambria Math" panose="02040503050406030204" pitchFamily="18" charset="0"/>
+                                      </a:rPr>
+                                      <m:t>𝑗</m:t>
+                                    </m:r>
+                                  </m:sub>
+                                </m:sSub>
+                              </m:oMath>
+                            </m:oMathPara>
+                          </a14:m>
+                          <a:endParaRPr lang="en-US" dirty="0"/>
+                        </a:p>
+                      </a:txBody>
+                      <a:tcPr anchor="ctr"/>
+                    </a:tc>
+                    <a:tc>
+                      <a:txBody>
+                        <a:bodyPr/>
+                        <a:lstStyle/>
+                        <a:p>
+                          <a:pPr algn="ctr"/>
+                          <a:r>
+                            <a:rPr lang="en-US" dirty="0" smtClean="0"/>
+                            <a:t>20</a:t>
+                          </a:r>
+                          <a:endParaRPr lang="en-US" dirty="0"/>
+                        </a:p>
+                      </a:txBody>
+                      <a:tcPr anchor="ctr"/>
+                    </a:tc>
+                    <a:tc>
+                      <a:txBody>
+                        <a:bodyPr/>
+                        <a:lstStyle/>
+                        <a:p>
+                          <a:pPr algn="ctr"/>
+                          <a:r>
+                            <a:rPr lang="en-US" dirty="0" smtClean="0"/>
+                            <a:t>20</a:t>
+                          </a:r>
+                          <a:endParaRPr lang="en-US" dirty="0"/>
+                        </a:p>
+                      </a:txBody>
+                      <a:tcPr anchor="ctr"/>
+                    </a:tc>
+                  </a:tr>
+                  <a:tr h="370840">
+                    <a:tc>
+                      <a:txBody>
+                        <a:bodyPr/>
+                        <a:lstStyle/>
+                        <a:p>
+                          <a:pPr algn="ctr"/>
+                          <a14:m>
+                            <m:oMathPara xmlns:m="http://schemas.openxmlformats.org/officeDocument/2006/math">
+                              <m:oMathParaPr>
+                                <m:jc m:val="centerGroup"/>
+                              </m:oMathParaPr>
+                              <m:oMath xmlns:m="http://schemas.openxmlformats.org/officeDocument/2006/math">
+                                <m:sSub>
+                                  <m:sSubPr>
+                                    <m:ctrlPr>
+                                      <a:rPr lang="en-US" b="0" i="1" dirty="0" smtClean="0">
+                                        <a:latin typeface="Cambria Math" panose="02040503050406030204" pitchFamily="18" charset="0"/>
+                                      </a:rPr>
+                                    </m:ctrlPr>
+                                  </m:sSubPr>
+                                  <m:e>
+                                    <m:r>
+                                      <a:rPr lang="en-US" b="0" i="1" dirty="0" smtClean="0">
+                                        <a:latin typeface="Cambria Math" panose="02040503050406030204" pitchFamily="18" charset="0"/>
+                                      </a:rPr>
+                                      <m:t>𝑐</m:t>
+                                    </m:r>
+                                  </m:e>
+                                  <m:sub>
+                                    <m:r>
+                                      <a:rPr lang="en-US" b="0" i="1" dirty="0" smtClean="0">
+                                        <a:latin typeface="Cambria Math" panose="02040503050406030204" pitchFamily="18" charset="0"/>
+                                      </a:rPr>
+                                      <m:t>𝑖</m:t>
+                                    </m:r>
+                                  </m:sub>
+                                </m:sSub>
+                                <m:r>
+                                  <a:rPr lang="en-US" b="0" i="1" dirty="0" smtClean="0">
+                                    <a:latin typeface="Cambria Math" panose="02040503050406030204" pitchFamily="18" charset="0"/>
+                                  </a:rPr>
+                                  <m:t>≠</m:t>
+                                </m:r>
+                                <m:sSub>
+                                  <m:sSubPr>
+                                    <m:ctrlPr>
+                                      <a:rPr lang="en-US" b="0" i="1" dirty="0" smtClean="0">
+                                        <a:latin typeface="Cambria Math" panose="02040503050406030204" pitchFamily="18" charset="0"/>
+                                      </a:rPr>
+                                    </m:ctrlPr>
+                                  </m:sSubPr>
+                                  <m:e>
+                                    <m:r>
+                                      <a:rPr lang="en-US" b="0" i="1" dirty="0" smtClean="0">
+                                        <a:latin typeface="Cambria Math" panose="02040503050406030204" pitchFamily="18" charset="0"/>
+                                      </a:rPr>
+                                      <m:t>𝑐</m:t>
+                                    </m:r>
+                                  </m:e>
+                                  <m:sub>
+                                    <m:r>
+                                      <a:rPr lang="en-US" b="0" i="1" dirty="0" smtClean="0">
+                                        <a:latin typeface="Cambria Math" panose="02040503050406030204" pitchFamily="18" charset="0"/>
+                                      </a:rPr>
+                                      <m:t>𝑗</m:t>
+                                    </m:r>
+                                  </m:sub>
+                                </m:sSub>
+                              </m:oMath>
+                            </m:oMathPara>
+                          </a14:m>
+                          <a:endParaRPr lang="en-US" dirty="0"/>
+                        </a:p>
+                      </a:txBody>
+                      <a:tcPr anchor="ctr"/>
+                    </a:tc>
+                    <a:tc>
+                      <a:txBody>
+                        <a:bodyPr/>
+                        <a:lstStyle/>
+                        <a:p>
+                          <a:pPr algn="ctr"/>
+                          <a:r>
+                            <a:rPr lang="en-US" dirty="0" smtClean="0"/>
+                            <a:t>24</a:t>
+                          </a:r>
+                          <a:endParaRPr lang="en-US" dirty="0"/>
+                        </a:p>
+                      </a:txBody>
+                      <a:tcPr anchor="ctr"/>
+                    </a:tc>
+                    <a:tc>
+                      <a:txBody>
+                        <a:bodyPr/>
+                        <a:lstStyle/>
+                        <a:p>
+                          <a:pPr algn="ctr"/>
+                          <a:r>
+                            <a:rPr lang="en-US" baseline="0" dirty="0" smtClean="0"/>
+                            <a:t>72</a:t>
+                          </a:r>
+                          <a:endParaRPr lang="en-US" dirty="0"/>
+                        </a:p>
+                      </a:txBody>
+                      <a:tcPr anchor="ctr"/>
+                    </a:tc>
+                  </a:tr>
+                </a:tbl>
+              </a:graphicData>
+            </a:graphic>
+          </p:graphicFrame>
+        </mc:Choice>
+        <mc:Fallback xmlns="">
+          <p:graphicFrame>
+            <p:nvGraphicFramePr>
+              <p:cNvPr id="7" name="Table 6"/>
+              <p:cNvGraphicFramePr>
+                <a:graphicFrameLocks noGrp="1"/>
+              </p:cNvGraphicFramePr>
+              <p:nvPr>
+                <p:extLst>
+                  <p:ext uri="{D42A27DB-BD31-4B8C-83A1-F6EECF244321}">
+                    <p14:modId xmlns:p14="http://schemas.microsoft.com/office/powerpoint/2010/main" val="3964571063"/>
+                  </p:ext>
+                </p:extLst>
+              </p:nvPr>
+            </p:nvGraphicFramePr>
+            <p:xfrm>
+              <a:off x="2390333" y="2683112"/>
+              <a:ext cx="3836113" cy="1166940"/>
+            </p:xfrm>
+            <a:graphic>
+              <a:graphicData uri="http://schemas.openxmlformats.org/drawingml/2006/table">
+                <a:tbl>
+                  <a:tblPr firstRow="1" bandRow="1">
+                    <a:tableStyleId>{5940675A-B579-460E-94D1-54222C63F5DA}</a:tableStyleId>
+                  </a:tblPr>
+                  <a:tblGrid>
+                    <a:gridCol w="1065587"/>
+                    <a:gridCol w="1385263"/>
+                    <a:gridCol w="1385263"/>
+                  </a:tblGrid>
+                  <a:tr h="391224">
+                    <a:tc>
+                      <a:txBody>
+                        <a:bodyPr/>
+                        <a:lstStyle/>
+                        <a:p>
+                          <a:pPr algn="ctr"/>
+                          <a:endParaRPr lang="en-US" dirty="0"/>
+                        </a:p>
+                      </a:txBody>
+                      <a:tcPr anchor="ctr"/>
+                    </a:tc>
+                    <a:tc>
+                      <a:txBody>
+                        <a:bodyPr/>
+                        <a:lstStyle/>
+                        <a:p>
+                          <a:endParaRPr lang="en-US"/>
+                        </a:p>
+                      </a:txBody>
+                      <a:tcPr anchor="ctr">
+                        <a:blipFill rotWithShape="0">
+                          <a:blip r:embed="rId3"/>
+                          <a:stretch>
+                            <a:fillRect l="-77193" t="-1563" r="-100439" b="-221875"/>
+                          </a:stretch>
+                        </a:blipFill>
+                      </a:tcPr>
+                    </a:tc>
+                    <a:tc>
+                      <a:txBody>
+                        <a:bodyPr/>
+                        <a:lstStyle/>
+                        <a:p>
+                          <a:endParaRPr lang="en-US"/>
+                        </a:p>
+                      </a:txBody>
+                      <a:tcPr anchor="ctr">
+                        <a:blipFill rotWithShape="0">
+                          <a:blip r:embed="rId3"/>
+                          <a:stretch>
+                            <a:fillRect l="-177974" t="-1563" r="-881" b="-221875"/>
+                          </a:stretch>
+                        </a:blipFill>
+                      </a:tcPr>
+                    </a:tc>
+                  </a:tr>
+                  <a:tr h="387858">
+                    <a:tc>
+                      <a:txBody>
+                        <a:bodyPr/>
+                        <a:lstStyle/>
+                        <a:p>
+                          <a:endParaRPr lang="en-US"/>
+                        </a:p>
+                      </a:txBody>
+                      <a:tcPr anchor="ctr">
+                        <a:blipFill rotWithShape="0">
+                          <a:blip r:embed="rId3"/>
+                          <a:stretch>
+                            <a:fillRect l="-571" t="-101563" r="-261143" b="-121875"/>
+                          </a:stretch>
+                        </a:blipFill>
+                      </a:tcPr>
+                    </a:tc>
+                    <a:tc>
+                      <a:txBody>
+                        <a:bodyPr/>
+                        <a:lstStyle/>
+                        <a:p>
+                          <a:pPr algn="ctr"/>
+                          <a:r>
+                            <a:rPr lang="en-US" dirty="0" smtClean="0"/>
+                            <a:t>20</a:t>
+                          </a:r>
+                          <a:endParaRPr lang="en-US" dirty="0"/>
+                        </a:p>
+                      </a:txBody>
+                      <a:tcPr anchor="ctr"/>
+                    </a:tc>
+                    <a:tc>
+                      <a:txBody>
+                        <a:bodyPr/>
+                        <a:lstStyle/>
+                        <a:p>
+                          <a:pPr algn="ctr"/>
+                          <a:r>
+                            <a:rPr lang="en-US" dirty="0" smtClean="0"/>
+                            <a:t>20</a:t>
+                          </a:r>
+                          <a:endParaRPr lang="en-US" dirty="0"/>
+                        </a:p>
+                      </a:txBody>
+                      <a:tcPr anchor="ctr"/>
+                    </a:tc>
+                  </a:tr>
+                  <a:tr h="387858">
+                    <a:tc>
+                      <a:txBody>
+                        <a:bodyPr/>
+                        <a:lstStyle/>
+                        <a:p>
+                          <a:endParaRPr lang="en-US"/>
+                        </a:p>
+                      </a:txBody>
+                      <a:tcPr anchor="ctr">
+                        <a:blipFill rotWithShape="0">
+                          <a:blip r:embed="rId3"/>
+                          <a:stretch>
+                            <a:fillRect l="-571" t="-201563" r="-261143" b="-21875"/>
+                          </a:stretch>
+                        </a:blipFill>
+                      </a:tcPr>
+                    </a:tc>
+                    <a:tc>
+                      <a:txBody>
+                        <a:bodyPr/>
+                        <a:lstStyle/>
+                        <a:p>
+                          <a:pPr algn="ctr"/>
+                          <a:r>
+                            <a:rPr lang="en-US" dirty="0" smtClean="0"/>
+                            <a:t>24</a:t>
+                          </a:r>
+                          <a:endParaRPr lang="en-US" dirty="0"/>
+                        </a:p>
+                      </a:txBody>
+                      <a:tcPr anchor="ctr"/>
+                    </a:tc>
+                    <a:tc>
+                      <a:txBody>
+                        <a:bodyPr/>
+                        <a:lstStyle/>
+                        <a:p>
+                          <a:pPr algn="ctr"/>
+                          <a:r>
+                            <a:rPr lang="en-US" baseline="0" dirty="0" smtClean="0"/>
+                            <a:t>72</a:t>
+                          </a:r>
+                          <a:endParaRPr lang="en-US" dirty="0"/>
+                        </a:p>
+                      </a:txBody>
+                      <a:tcPr anchor="ctr"/>
+                    </a:tc>
+                  </a:tr>
+                </a:tbl>
+              </a:graphicData>
+            </a:graphic>
+          </p:graphicFrame>
+        </mc:Fallback>
+      </mc:AlternateContent>
+      <p:grpSp>
+        <p:nvGrpSpPr>
+          <p:cNvPr id="8" name="Group 7"/>
+          <p:cNvGrpSpPr/>
+          <p:nvPr/>
+        </p:nvGrpSpPr>
+        <p:grpSpPr>
+          <a:xfrm>
+            <a:off x="4325773" y="3307065"/>
+            <a:ext cx="3807202" cy="1241550"/>
+            <a:chOff x="4325773" y="3307065"/>
+            <a:chExt cx="3807202" cy="1241550"/>
+          </a:xfrm>
+        </p:grpSpPr>
+        <mc:AlternateContent xmlns:mc="http://schemas.openxmlformats.org/markup-compatibility/2006" xmlns:a14="http://schemas.microsoft.com/office/drawing/2010/main">
+          <mc:Choice Requires="a14">
+            <p:sp>
+              <p:nvSpPr>
+                <p:cNvPr id="9" name="TextBox 8"/>
+                <p:cNvSpPr txBox="1"/>
+                <p:nvPr/>
+              </p:nvSpPr>
+              <p:spPr>
+                <a:xfrm>
+                  <a:off x="4572000" y="3926265"/>
+                  <a:ext cx="3560975" cy="622350"/>
+                </a:xfrm>
+                <a:prstGeom prst="rect">
+                  <a:avLst/>
+                </a:prstGeom>
+                <a:noFill/>
+              </p:spPr>
+              <p:txBody>
+                <a:bodyPr wrap="none" lIns="0" tIns="0" rIns="0" bIns="0" rtlCol="0">
+                  <a:spAutoFit/>
+                </a:bodyPr>
+                <a:lstStyle/>
+                <a:p>
+                  <a:pPr/>
+                  <a14:m>
+                    <m:oMathPara xmlns:m="http://schemas.openxmlformats.org/officeDocument/2006/math">
+                      <m:oMathParaPr>
+                        <m:jc m:val="centerGroup"/>
+                      </m:oMathParaPr>
+                      <m:oMath xmlns:m="http://schemas.openxmlformats.org/officeDocument/2006/math">
+                        <m:r>
+                          <a:rPr lang="en-US" b="0" i="1" smtClean="0">
+                            <a:latin typeface="Cambria Math" panose="02040503050406030204" pitchFamily="18" charset="0"/>
+                          </a:rPr>
+                          <m:t>𝑇𝑃</m:t>
+                        </m:r>
+                        <m:r>
+                          <a:rPr lang="en-US" b="0" i="1" smtClean="0">
+                            <a:latin typeface="Cambria Math" panose="02040503050406030204" pitchFamily="18" charset="0"/>
+                          </a:rPr>
+                          <m:t>=</m:t>
+                        </m:r>
+                        <m:d>
+                          <m:dPr>
+                            <m:ctrlPr>
+                              <a:rPr lang="en-US" b="0" i="1" smtClean="0">
+                                <a:latin typeface="Cambria Math" panose="02040503050406030204" pitchFamily="18" charset="0"/>
+                              </a:rPr>
+                            </m:ctrlPr>
+                          </m:dPr>
+                          <m:e>
+                            <m:f>
+                              <m:fPr>
+                                <m:type m:val="noBar"/>
+                                <m:ctrlPr>
+                                  <a:rPr lang="en-US" b="0" i="1" smtClean="0">
+                                    <a:latin typeface="Cambria Math" panose="02040503050406030204" pitchFamily="18" charset="0"/>
+                                  </a:rPr>
+                                </m:ctrlPr>
+                              </m:fPr>
+                              <m:num>
+                                <m:r>
+                                  <a:rPr lang="en-US" b="0" i="1" smtClean="0">
+                                    <a:latin typeface="Cambria Math" panose="02040503050406030204" pitchFamily="18" charset="0"/>
+                                  </a:rPr>
+                                  <m:t>5</m:t>
+                                </m:r>
+                              </m:num>
+                              <m:den>
+                                <m:r>
+                                  <a:rPr lang="en-US" b="0" i="1" smtClean="0">
+                                    <a:latin typeface="Cambria Math" panose="02040503050406030204" pitchFamily="18" charset="0"/>
+                                  </a:rPr>
+                                  <m:t>2</m:t>
+                                </m:r>
+                              </m:den>
+                            </m:f>
+                          </m:e>
+                        </m:d>
+                        <m:r>
+                          <a:rPr lang="en-US" b="0" i="1" smtClean="0">
+                            <a:latin typeface="Cambria Math" panose="02040503050406030204" pitchFamily="18" charset="0"/>
+                          </a:rPr>
+                          <m:t>+</m:t>
+                        </m:r>
+                        <m:d>
+                          <m:dPr>
+                            <m:ctrlPr>
+                              <a:rPr lang="en-US" i="1">
+                                <a:latin typeface="Cambria Math" panose="02040503050406030204" pitchFamily="18" charset="0"/>
+                              </a:rPr>
+                            </m:ctrlPr>
+                          </m:dPr>
+                          <m:e>
+                            <m:f>
+                              <m:fPr>
+                                <m:type m:val="noBar"/>
+                                <m:ctrlPr>
+                                  <a:rPr lang="en-US" i="1">
+                                    <a:latin typeface="Cambria Math" panose="02040503050406030204" pitchFamily="18" charset="0"/>
+                                  </a:rPr>
+                                </m:ctrlPr>
+                              </m:fPr>
+                              <m:num>
+                                <m:r>
+                                  <a:rPr lang="en-US" b="0" i="1" smtClean="0">
+                                    <a:latin typeface="Cambria Math" panose="02040503050406030204" pitchFamily="18" charset="0"/>
+                                  </a:rPr>
+                                  <m:t>4</m:t>
+                                </m:r>
+                              </m:num>
+                              <m:den>
+                                <m:r>
+                                  <a:rPr lang="en-US" i="1">
+                                    <a:latin typeface="Cambria Math" panose="02040503050406030204" pitchFamily="18" charset="0"/>
+                                  </a:rPr>
+                                  <m:t>2</m:t>
+                                </m:r>
+                              </m:den>
+                            </m:f>
+                          </m:e>
+                        </m:d>
+                        <m:r>
+                          <a:rPr lang="en-US" i="1">
+                            <a:latin typeface="Cambria Math" panose="02040503050406030204" pitchFamily="18" charset="0"/>
+                          </a:rPr>
+                          <m:t>+</m:t>
+                        </m:r>
+                        <m:d>
+                          <m:dPr>
+                            <m:ctrlPr>
+                              <a:rPr lang="en-US" i="1">
+                                <a:latin typeface="Cambria Math" panose="02040503050406030204" pitchFamily="18" charset="0"/>
+                              </a:rPr>
+                            </m:ctrlPr>
+                          </m:dPr>
+                          <m:e>
+                            <m:f>
+                              <m:fPr>
+                                <m:type m:val="noBar"/>
+                                <m:ctrlPr>
+                                  <a:rPr lang="en-US" i="1">
+                                    <a:latin typeface="Cambria Math" panose="02040503050406030204" pitchFamily="18" charset="0"/>
+                                  </a:rPr>
+                                </m:ctrlPr>
+                              </m:fPr>
+                              <m:num>
+                                <m:r>
+                                  <a:rPr lang="en-US" b="0" i="1" smtClean="0">
+                                    <a:latin typeface="Cambria Math" panose="02040503050406030204" pitchFamily="18" charset="0"/>
+                                  </a:rPr>
+                                  <m:t>3</m:t>
+                                </m:r>
+                              </m:num>
+                              <m:den>
+                                <m:r>
+                                  <a:rPr lang="en-US" i="1">
+                                    <a:latin typeface="Cambria Math" panose="02040503050406030204" pitchFamily="18" charset="0"/>
+                                  </a:rPr>
+                                  <m:t>2</m:t>
+                                </m:r>
+                              </m:den>
+                            </m:f>
+                          </m:e>
+                        </m:d>
+                        <m:r>
+                          <a:rPr lang="en-US" i="1">
+                            <a:latin typeface="Cambria Math" panose="02040503050406030204" pitchFamily="18" charset="0"/>
+                          </a:rPr>
+                          <m:t>+</m:t>
+                        </m:r>
+                        <m:d>
+                          <m:dPr>
+                            <m:ctrlPr>
+                              <a:rPr lang="en-US" i="1">
+                                <a:latin typeface="Cambria Math" panose="02040503050406030204" pitchFamily="18" charset="0"/>
+                              </a:rPr>
+                            </m:ctrlPr>
+                          </m:dPr>
+                          <m:e>
+                            <m:f>
+                              <m:fPr>
+                                <m:type m:val="noBar"/>
+                                <m:ctrlPr>
+                                  <a:rPr lang="en-US" i="1">
+                                    <a:latin typeface="Cambria Math" panose="02040503050406030204" pitchFamily="18" charset="0"/>
+                                  </a:rPr>
+                                </m:ctrlPr>
+                              </m:fPr>
+                              <m:num>
+                                <m:r>
+                                  <a:rPr lang="en-US" b="0" i="1" smtClean="0">
+                                    <a:latin typeface="Cambria Math" panose="02040503050406030204" pitchFamily="18" charset="0"/>
+                                  </a:rPr>
+                                  <m:t>2</m:t>
+                                </m:r>
+                              </m:num>
+                              <m:den>
+                                <m:r>
+                                  <a:rPr lang="en-US" i="1">
+                                    <a:latin typeface="Cambria Math" panose="02040503050406030204" pitchFamily="18" charset="0"/>
+                                  </a:rPr>
+                                  <m:t>2</m:t>
+                                </m:r>
+                              </m:den>
+                            </m:f>
+                          </m:e>
+                        </m:d>
+                        <m:r>
+                          <a:rPr lang="en-US" b="0" i="0" smtClean="0">
+                            <a:latin typeface="Cambria Math" panose="02040503050406030204" pitchFamily="18" charset="0"/>
+                          </a:rPr>
+                          <m:t>=20</m:t>
+                        </m:r>
+                      </m:oMath>
+                    </m:oMathPara>
+                  </a14:m>
+                  <a:endParaRPr lang="en-US" dirty="0"/>
+                </a:p>
+              </p:txBody>
+            </p:sp>
+          </mc:Choice>
+          <mc:Fallback xmlns="">
+            <p:sp>
+              <p:nvSpPr>
+                <p:cNvPr id="9" name="TextBox 8"/>
+                <p:cNvSpPr txBox="1">
+                  <a:spLocks noRot="1" noChangeAspect="1" noMove="1" noResize="1" noEditPoints="1" noAdjustHandles="1" noChangeArrowheads="1" noChangeShapeType="1" noTextEdit="1"/>
+                </p:cNvSpPr>
+                <p:nvPr/>
+              </p:nvSpPr>
+              <p:spPr>
+                <a:xfrm>
+                  <a:off x="4572000" y="3926265"/>
+                  <a:ext cx="3560975" cy="622350"/>
+                </a:xfrm>
+                <a:prstGeom prst="rect">
+                  <a:avLst/>
+                </a:prstGeom>
+                <a:blipFill rotWithShape="0">
+                  <a:blip r:embed="rId5"/>
+                  <a:stretch>
+                    <a:fillRect/>
+                  </a:stretch>
+                </a:blipFill>
+              </p:spPr>
+              <p:txBody>
+                <a:bodyPr/>
+                <a:lstStyle/>
+                <a:p>
+                  <a:r>
+                    <a:rPr lang="en-US">
+                      <a:noFill/>
+                    </a:rPr>
+                    <a:t> </a:t>
+                  </a:r>
+                </a:p>
+              </p:txBody>
+            </p:sp>
+          </mc:Fallback>
+        </mc:AlternateContent>
+        <p:cxnSp>
+          <p:nvCxnSpPr>
+            <p:cNvPr id="17" name="Straight Arrow Connector 16"/>
+            <p:cNvCxnSpPr/>
+            <p:nvPr/>
+          </p:nvCxnSpPr>
+          <p:spPr>
+            <a:xfrm flipH="1" flipV="1">
+              <a:off x="4325773" y="3307065"/>
+              <a:ext cx="411892" cy="778026"/>
+            </a:xfrm>
+            <a:prstGeom prst="straightConnector1">
+              <a:avLst/>
+            </a:prstGeom>
+            <a:ln w="12700">
+              <a:solidFill>
+                <a:srgbClr val="FF0000"/>
+              </a:solidFill>
+              <a:tailEnd type="triangle"/>
+            </a:ln>
+          </p:spPr>
+          <p:style>
+            <a:lnRef idx="1">
+              <a:schemeClr val="accent1"/>
+            </a:lnRef>
+            <a:fillRef idx="0">
+              <a:schemeClr val="accent1"/>
+            </a:fillRef>
+            <a:effectRef idx="0">
+              <a:schemeClr val="accent1"/>
+            </a:effectRef>
+            <a:fontRef idx="minor">
+              <a:schemeClr val="tx1"/>
+            </a:fontRef>
+          </p:style>
+        </p:cxnSp>
+      </p:grpSp>
+      <mc:AlternateContent xmlns:mc="http://schemas.openxmlformats.org/markup-compatibility/2006" xmlns:a14="http://schemas.microsoft.com/office/drawing/2010/main">
+        <mc:Choice Requires="a14">
+          <p:sp>
+            <p:nvSpPr>
+              <p:cNvPr id="18" name="TextBox 17"/>
+              <p:cNvSpPr txBox="1"/>
+              <p:nvPr/>
+            </p:nvSpPr>
+            <p:spPr>
+              <a:xfrm>
+                <a:off x="457200" y="3926265"/>
+                <a:ext cx="3493970" cy="622350"/>
+              </a:xfrm>
+              <a:prstGeom prst="rect">
+                <a:avLst/>
+              </a:prstGeom>
+              <a:noFill/>
+            </p:spPr>
+            <p:txBody>
+              <a:bodyPr wrap="none" lIns="0" tIns="0" rIns="0" bIns="0" rtlCol="0">
+                <a:spAutoFit/>
+              </a:bodyPr>
+              <a:lstStyle/>
+              <a:p>
+                <a:pPr/>
+                <a14:m>
+                  <m:oMathPara xmlns:m="http://schemas.openxmlformats.org/officeDocument/2006/math">
+                    <m:oMathParaPr>
+                      <m:jc m:val="centerGroup"/>
+                    </m:oMathParaPr>
+                    <m:oMath xmlns:m="http://schemas.openxmlformats.org/officeDocument/2006/math">
+                      <m:r>
+                        <a:rPr lang="en-US" b="0" i="1" smtClean="0">
+                          <a:latin typeface="Cambria Math" panose="02040503050406030204" pitchFamily="18" charset="0"/>
+                        </a:rPr>
+                        <m:t>𝑇𝑃</m:t>
+                      </m:r>
+                      <m:r>
+                        <a:rPr lang="en-US" b="0" i="1" smtClean="0">
+                          <a:latin typeface="Cambria Math" panose="02040503050406030204" pitchFamily="18" charset="0"/>
+                        </a:rPr>
+                        <m:t>+</m:t>
+                      </m:r>
+                      <m:r>
+                        <a:rPr lang="en-US" b="0" i="1" smtClean="0">
+                          <a:latin typeface="Cambria Math" panose="02040503050406030204" pitchFamily="18" charset="0"/>
+                        </a:rPr>
+                        <m:t>𝐹𝑃</m:t>
+                      </m:r>
+                      <m:r>
+                        <a:rPr lang="en-US" b="0" i="1" smtClean="0">
+                          <a:latin typeface="Cambria Math" panose="02040503050406030204" pitchFamily="18" charset="0"/>
+                        </a:rPr>
+                        <m:t>=</m:t>
+                      </m:r>
+                      <m:d>
+                        <m:dPr>
+                          <m:ctrlPr>
+                            <a:rPr lang="en-US" b="0" i="1" smtClean="0">
+                              <a:latin typeface="Cambria Math" panose="02040503050406030204" pitchFamily="18" charset="0"/>
+                            </a:rPr>
+                          </m:ctrlPr>
+                        </m:dPr>
+                        <m:e>
+                          <m:f>
+                            <m:fPr>
+                              <m:type m:val="noBar"/>
+                              <m:ctrlPr>
+                                <a:rPr lang="en-US" b="0" i="1" smtClean="0">
+                                  <a:latin typeface="Cambria Math" panose="02040503050406030204" pitchFamily="18" charset="0"/>
+                                </a:rPr>
+                              </m:ctrlPr>
+                            </m:fPr>
+                            <m:num>
+                              <m:r>
+                                <a:rPr lang="en-US" b="0" i="1" smtClean="0">
+                                  <a:latin typeface="Cambria Math" panose="02040503050406030204" pitchFamily="18" charset="0"/>
+                                </a:rPr>
+                                <m:t>6</m:t>
+                              </m:r>
+                            </m:num>
+                            <m:den>
+                              <m:r>
+                                <a:rPr lang="en-US" b="0" i="1" smtClean="0">
+                                  <a:latin typeface="Cambria Math" panose="02040503050406030204" pitchFamily="18" charset="0"/>
+                                </a:rPr>
+                                <m:t>2</m:t>
+                              </m:r>
+                            </m:den>
+                          </m:f>
+                        </m:e>
+                      </m:d>
+                      <m:r>
+                        <a:rPr lang="en-US" b="0" i="1" smtClean="0">
+                          <a:latin typeface="Cambria Math" panose="02040503050406030204" pitchFamily="18" charset="0"/>
+                        </a:rPr>
+                        <m:t>+</m:t>
+                      </m:r>
+                      <m:d>
+                        <m:dPr>
+                          <m:ctrlPr>
+                            <a:rPr lang="en-US" i="1">
+                              <a:latin typeface="Cambria Math" panose="02040503050406030204" pitchFamily="18" charset="0"/>
+                            </a:rPr>
+                          </m:ctrlPr>
+                        </m:dPr>
+                        <m:e>
+                          <m:f>
+                            <m:fPr>
+                              <m:type m:val="noBar"/>
+                              <m:ctrlPr>
+                                <a:rPr lang="en-US" i="1">
+                                  <a:latin typeface="Cambria Math" panose="02040503050406030204" pitchFamily="18" charset="0"/>
+                                </a:rPr>
+                              </m:ctrlPr>
+                            </m:fPr>
+                            <m:num>
+                              <m:r>
+                                <a:rPr lang="en-US" b="0" i="1" smtClean="0">
+                                  <a:latin typeface="Cambria Math" panose="02040503050406030204" pitchFamily="18" charset="0"/>
+                                </a:rPr>
+                                <m:t>6</m:t>
+                              </m:r>
+                            </m:num>
+                            <m:den>
+                              <m:r>
+                                <a:rPr lang="en-US" i="1">
+                                  <a:latin typeface="Cambria Math" panose="02040503050406030204" pitchFamily="18" charset="0"/>
+                                </a:rPr>
+                                <m:t>2</m:t>
+                              </m:r>
+                            </m:den>
+                          </m:f>
+                        </m:e>
+                      </m:d>
+                      <m:r>
+                        <a:rPr lang="en-US" i="1">
+                          <a:latin typeface="Cambria Math" panose="02040503050406030204" pitchFamily="18" charset="0"/>
+                        </a:rPr>
+                        <m:t>+</m:t>
+                      </m:r>
+                      <m:d>
+                        <m:dPr>
+                          <m:ctrlPr>
+                            <a:rPr lang="en-US" i="1">
+                              <a:latin typeface="Cambria Math" panose="02040503050406030204" pitchFamily="18" charset="0"/>
+                            </a:rPr>
+                          </m:ctrlPr>
+                        </m:dPr>
+                        <m:e>
+                          <m:f>
+                            <m:fPr>
+                              <m:type m:val="noBar"/>
+                              <m:ctrlPr>
+                                <a:rPr lang="en-US" i="1">
+                                  <a:latin typeface="Cambria Math" panose="02040503050406030204" pitchFamily="18" charset="0"/>
+                                </a:rPr>
+                              </m:ctrlPr>
+                            </m:fPr>
+                            <m:num>
+                              <m:r>
+                                <a:rPr lang="en-US" b="0" i="1" smtClean="0">
+                                  <a:latin typeface="Cambria Math" panose="02040503050406030204" pitchFamily="18" charset="0"/>
+                                </a:rPr>
+                                <m:t>5</m:t>
+                              </m:r>
+                            </m:num>
+                            <m:den>
+                              <m:r>
+                                <a:rPr lang="en-US" i="1">
+                                  <a:latin typeface="Cambria Math" panose="02040503050406030204" pitchFamily="18" charset="0"/>
+                                </a:rPr>
+                                <m:t>2</m:t>
+                              </m:r>
+                            </m:den>
+                          </m:f>
+                        </m:e>
+                      </m:d>
+                      <m:r>
+                        <a:rPr lang="en-US" i="1" smtClean="0">
+                          <a:latin typeface="Cambria Math" panose="02040503050406030204" pitchFamily="18" charset="0"/>
+                        </a:rPr>
+                        <m:t>=</m:t>
+                      </m:r>
+                      <m:r>
+                        <a:rPr lang="en-US" b="0" i="1" smtClean="0">
+                          <a:latin typeface="Cambria Math" panose="02040503050406030204" pitchFamily="18" charset="0"/>
+                        </a:rPr>
+                        <m:t>40</m:t>
+                      </m:r>
+                    </m:oMath>
+                  </m:oMathPara>
+                </a14:m>
+                <a:endParaRPr lang="en-US" dirty="0"/>
+              </a:p>
+            </p:txBody>
+          </p:sp>
+        </mc:Choice>
+        <mc:Fallback xmlns="">
+          <p:sp>
+            <p:nvSpPr>
+              <p:cNvPr id="18" name="TextBox 17"/>
+              <p:cNvSpPr txBox="1">
+                <a:spLocks noRot="1" noChangeAspect="1" noMove="1" noResize="1" noEditPoints="1" noAdjustHandles="1" noChangeArrowheads="1" noChangeShapeType="1" noTextEdit="1"/>
+              </p:cNvSpPr>
+              <p:nvPr/>
+            </p:nvSpPr>
+            <p:spPr>
+              <a:xfrm>
+                <a:off x="457200" y="3926265"/>
+                <a:ext cx="3493970" cy="622350"/>
+              </a:xfrm>
+              <a:prstGeom prst="rect">
+                <a:avLst/>
+              </a:prstGeom>
+              <a:blipFill rotWithShape="0">
+                <a:blip r:embed="rId6"/>
+                <a:stretch>
+                  <a:fillRect/>
+                </a:stretch>
+              </a:blipFill>
+            </p:spPr>
+            <p:txBody>
+              <a:bodyPr/>
+              <a:lstStyle/>
+              <a:p>
+                <a:r>
+                  <a:rPr lang="en-US">
+                    <a:noFill/>
+                  </a:rPr>
+                  <a:t> </a:t>
+                </a:r>
+              </a:p>
+            </p:txBody>
+          </p:sp>
+        </mc:Fallback>
+      </mc:AlternateContent>
+      <p:pic>
+        <p:nvPicPr>
+          <p:cNvPr id="13" name="Picture 12"/>
+          <p:cNvPicPr>
+            <a:picLocks noChangeAspect="1"/>
+          </p:cNvPicPr>
+          <p:nvPr/>
+        </p:nvPicPr>
+        <p:blipFill>
+          <a:blip r:embed="rId7"/>
+          <a:stretch>
+            <a:fillRect/>
+          </a:stretch>
+        </p:blipFill>
+        <p:spPr>
+          <a:xfrm>
+            <a:off x="2235229" y="4548615"/>
+            <a:ext cx="5004872" cy="1888725"/>
+          </a:xfrm>
+          <a:prstGeom prst="rect">
+            <a:avLst/>
+          </a:prstGeom>
+        </p:spPr>
+      </p:pic>
+    </p:spTree>
+    <p:extLst>
+      <p:ext uri="{BB962C8B-B14F-4D97-AF65-F5344CB8AC3E}">
+        <p14:creationId xmlns:p14="http://schemas.microsoft.com/office/powerpoint/2010/main" val="2583527373"/>
+      </p:ext>
+    </p:extLst>
+  </p:cSld>
+  <p:clrMapOvr>
+    <a:masterClrMapping/>
+  </p:clrMapOvr>
+  <p:timing>
+    <p:tnLst>
+      <p:par>
+        <p:cTn id="1" dur="indefinite" restart="never" nodeType="tmRoot">
+          <p:childTnLst>
+            <p:seq concurrent="1" nextAc="seek">
+              <p:cTn id="2" dur="indefinite" nodeType="mainSeq">
+                <p:childTnLst>
+                  <p:par>
+                    <p:cTn id="3" fill="hold">
+                      <p:stCondLst>
+                        <p:cond delay="indefinite"/>
+                      </p:stCondLst>
+                      <p:childTnLst>
+                        <p:par>
+                          <p:cTn id="4" fill="hold">
+                            <p:stCondLst>
+                              <p:cond delay="0"/>
+                            </p:stCondLst>
+                            <p:childTnLst>
+                              <p:par>
+                                <p:cTn id="5" presetID="1" presetClass="entr" presetSubtype="0" fill="hold" grpId="0" nodeType="clickEffect">
+                                  <p:stCondLst>
+                                    <p:cond delay="0"/>
+                                  </p:stCondLst>
+                                  <p:childTnLst>
+                                    <p:set>
+                                      <p:cBhvr>
+                                        <p:cTn id="6" dur="1" fill="hold">
+                                          <p:stCondLst>
+                                            <p:cond delay="0"/>
+                                          </p:stCondLst>
+                                        </p:cTn>
+                                        <p:tgtEl>
+                                          <p:spTgt spid="18"/>
+                                        </p:tgtEl>
+                                        <p:attrNameLst>
+                                          <p:attrName>style.visibility</p:attrName>
+                                        </p:attrNameLst>
+                                      </p:cBhvr>
+                                      <p:to>
+                                        <p:strVal val="visible"/>
+                                      </p:to>
+                                    </p:set>
+                                  </p:childTnLst>
+                                </p:cTn>
+                              </p:par>
+                            </p:childTnLst>
+                          </p:cTn>
+                        </p:par>
+                      </p:childTnLst>
+                    </p:cTn>
+                  </p:par>
+                  <p:par>
+                    <p:cTn id="7" fill="hold">
+                      <p:stCondLst>
+                        <p:cond delay="indefinite"/>
+                      </p:stCondLst>
+                      <p:childTnLst>
+                        <p:par>
+                          <p:cTn id="8" fill="hold">
+                            <p:stCondLst>
+                              <p:cond delay="0"/>
+                            </p:stCondLst>
+                            <p:childTnLst>
+                              <p:par>
+                                <p:cTn id="9" presetID="1" presetClass="entr" presetSubtype="0" fill="hold" nodeType="clickEffect">
+                                  <p:stCondLst>
+                                    <p:cond delay="0"/>
+                                  </p:stCondLst>
+                                  <p:childTnLst>
+                                    <p:set>
+                                      <p:cBhvr>
+                                        <p:cTn id="10" dur="1" fill="hold">
+                                          <p:stCondLst>
+                                            <p:cond delay="0"/>
+                                          </p:stCondLst>
+                                        </p:cTn>
+                                        <p:tgtEl>
+                                          <p:spTgt spid="8"/>
+                                        </p:tgtEl>
+                                        <p:attrNameLst>
+                                          <p:attrName>style.visibility</p:attrName>
+                                        </p:attrNameLst>
+                                      </p:cBhvr>
+                                      <p:to>
+                                        <p:strVal val="visible"/>
+                                      </p:to>
+                                    </p:set>
+                                  </p:childTnLst>
+                                </p:cTn>
+                              </p:par>
+                            </p:childTnLst>
+                          </p:cTn>
+                        </p:par>
+                      </p:childTnLst>
+                    </p:cTn>
+                  </p:par>
+                  <p:par>
+                    <p:cTn id="11" fill="hold">
+                      <p:stCondLst>
+                        <p:cond delay="indefinite"/>
+                      </p:stCondLst>
+                      <p:childTnLst>
+                        <p:par>
+                          <p:cTn id="12" fill="hold">
+                            <p:stCondLst>
+                              <p:cond delay="0"/>
+                            </p:stCondLst>
+                            <p:childTnLst>
+                              <p:par>
+                                <p:cTn id="13" presetID="1" presetClass="entr" presetSubtype="0" fill="hold" nodeType="clickEffect">
+                                  <p:stCondLst>
+                                    <p:cond delay="0"/>
+                                  </p:stCondLst>
+                                  <p:childTnLst>
+                                    <p:set>
+                                      <p:cBhvr>
+                                        <p:cTn id="14" dur="1" fill="hold">
+                                          <p:stCondLst>
+                                            <p:cond delay="0"/>
+                                          </p:stCondLst>
+                                        </p:cTn>
+                                        <p:tgtEl>
+                                          <p:spTgt spid="13"/>
+                                        </p:tgtEl>
+                                        <p:attrNameLst>
+                                          <p:attrName>style.visibility</p:attrName>
+                                        </p:attrNameLst>
+                                      </p:cBhvr>
+                                      <p:to>
+                                        <p:strVal val="visible"/>
+                                      </p:to>
+                                    </p:set>
+                                  </p:childTnLst>
+                                </p:cTn>
+                              </p:par>
+                            </p:childTnLst>
+                          </p:cTn>
+                        </p:par>
+                      </p:childTnLst>
+                    </p:cTn>
+                  </p:par>
+                </p:childTnLst>
+              </p:cTn>
+              <p:prevCondLst>
+                <p:cond evt="onPrev" delay="0">
+                  <p:tgtEl>
+                    <p:sldTgt/>
+                  </p:tgtEl>
+                </p:cond>
+              </p:prevCondLst>
+              <p:nextCondLst>
+                <p:cond evt="onNext" delay="0">
+                  <p:tgtEl>
+                    <p:sldTgt/>
+                  </p:tgtEl>
+                </p:cond>
+              </p:nextCondLst>
+            </p:seq>
+          </p:childTnLst>
+        </p:cTn>
+      </p:par>
+    </p:tnLst>
+    <p:bldLst>
+      <p:bldP spid="18" grpId="0"/>
+    </p:bldLst>
+  </p:timing>
+</p:sld>
+</file>
+
+<file path=ppt/slides/slide19.xml><?xml version="1.0" encoding="utf-8"?>
+<p:sld xmlns:a="http://schemas.openxmlformats.org/drawingml/2006/main" xmlns:r="http://schemas.openxmlformats.org/officeDocument/2006/relationships" xmlns:p="http://schemas.openxmlformats.org/presentationml/2006/main">
+  <p:cSld>
+    <p:spTree>
+      <p:nvGrpSpPr>
+        <p:cNvPr id="1" name=""/>
+        <p:cNvGrpSpPr/>
+        <p:nvPr/>
+      </p:nvGrpSpPr>
+      <p:grpSpPr>
+        <a:xfrm>
+          <a:off x="0" y="0"/>
+          <a:ext cx="0" cy="0"/>
+          <a:chOff x="0" y="0"/>
+          <a:chExt cx="0" cy="0"/>
+        </a:xfrm>
+      </p:grpSpPr>
+      <p:sp>
+        <p:nvSpPr>
+          <p:cNvPr id="8" name="Title 7"/>
+          <p:cNvSpPr>
+            <a:spLocks noGrp="1"/>
+          </p:cNvSpPr>
+          <p:nvPr>
+            <p:ph type="title"/>
+          </p:nvPr>
+        </p:nvSpPr>
+        <p:spPr/>
+        <p:txBody>
+          <a:bodyPr/>
+          <a:lstStyle/>
+          <a:p>
+            <a:r>
+              <a:rPr lang="en-US" dirty="0" smtClean="0"/>
+              <a:t>Recap: </a:t>
+            </a:r>
+            <a:r>
+              <a:rPr lang="en-US" i="1" dirty="0" smtClean="0"/>
+              <a:t>k</a:t>
+            </a:r>
+            <a:r>
+              <a:rPr lang="en-US" dirty="0" smtClean="0"/>
+              <a:t>-means </a:t>
+            </a:r>
+            <a:r>
+              <a:rPr lang="en-US" dirty="0"/>
+              <a:t>illustration</a:t>
+            </a:r>
+          </a:p>
+        </p:txBody>
+      </p:sp>
+      <p:sp>
+        <p:nvSpPr>
+          <p:cNvPr id="4" name="Date Placeholder 3"/>
+          <p:cNvSpPr>
+            <a:spLocks noGrp="1"/>
+          </p:cNvSpPr>
+          <p:nvPr>
+            <p:ph type="dt" sz="half" idx="10"/>
+          </p:nvPr>
+        </p:nvSpPr>
+        <p:spPr/>
+        <p:txBody>
+          <a:bodyPr/>
+          <a:lstStyle/>
+          <a:p>
+            <a:r>
+              <a:rPr lang="en-US" smtClean="0"/>
+              <a:t>CS@UVa</a:t>
+            </a:r>
+            <a:endParaRPr lang="en-US"/>
+          </a:p>
+        </p:txBody>
+      </p:sp>
+      <p:sp>
+        <p:nvSpPr>
+          <p:cNvPr id="5" name="Footer Placeholder 4"/>
+          <p:cNvSpPr>
+            <a:spLocks noGrp="1"/>
+          </p:cNvSpPr>
+          <p:nvPr>
+            <p:ph type="ftr" sz="quarter" idx="11"/>
+          </p:nvPr>
+        </p:nvSpPr>
+        <p:spPr/>
+        <p:txBody>
+          <a:bodyPr/>
+          <a:lstStyle/>
+          <a:p>
+            <a:r>
+              <a:rPr lang="en-US" smtClean="0"/>
+              <a:t>CS 6501: Text Mining</a:t>
+            </a:r>
+            <a:endParaRPr lang="en-US"/>
+          </a:p>
+        </p:txBody>
+      </p:sp>
+      <p:sp>
+        <p:nvSpPr>
+          <p:cNvPr id="6" name="Slide Number Placeholder 5"/>
+          <p:cNvSpPr>
+            <a:spLocks noGrp="1"/>
+          </p:cNvSpPr>
+          <p:nvPr>
+            <p:ph type="sldNum" sz="quarter" idx="12"/>
+          </p:nvPr>
+        </p:nvSpPr>
+        <p:spPr/>
+        <p:txBody>
+          <a:bodyPr/>
+          <a:lstStyle/>
+          <a:p>
+            <a:fld id="{64B9C3A9-27DF-40B5-9FC7-1DF96985BC5A}" type="slidenum">
+              <a:rPr lang="en-US" smtClean="0"/>
+              <a:t>19</a:t>
+            </a:fld>
+            <a:endParaRPr lang="en-US"/>
+          </a:p>
+        </p:txBody>
+      </p:sp>
+      <p:pic>
+        <p:nvPicPr>
+          <p:cNvPr id="7" name="Picture 6"/>
+          <p:cNvPicPr>
+            <a:picLocks noChangeAspect="1"/>
+          </p:cNvPicPr>
+          <p:nvPr/>
+        </p:nvPicPr>
+        <p:blipFill>
+          <a:blip r:embed="rId2"/>
+          <a:stretch>
+            <a:fillRect/>
+          </a:stretch>
+        </p:blipFill>
+        <p:spPr>
+          <a:xfrm>
+            <a:off x="1224254" y="1384686"/>
+            <a:ext cx="6679016" cy="4910328"/>
+          </a:xfrm>
+          <a:prstGeom prst="rect">
+            <a:avLst/>
+          </a:prstGeom>
+        </p:spPr>
+      </p:pic>
+      <p:sp>
+        <p:nvSpPr>
+          <p:cNvPr id="9" name="TextBox 8"/>
+          <p:cNvSpPr txBox="1"/>
+          <p:nvPr/>
+        </p:nvSpPr>
+        <p:spPr>
+          <a:xfrm>
+            <a:off x="123568" y="2443417"/>
+            <a:ext cx="1219200" cy="646331"/>
+          </a:xfrm>
+          <a:prstGeom prst="rect">
+            <a:avLst/>
+          </a:prstGeom>
+          <a:noFill/>
+        </p:spPr>
+        <p:txBody>
+          <a:bodyPr wrap="square" rtlCol="0">
+            <a:spAutoFit/>
+          </a:bodyPr>
+          <a:lstStyle/>
+          <a:p>
+            <a:r>
+              <a:rPr lang="en-US" b="1" dirty="0" err="1" smtClean="0">
+                <a:solidFill>
+                  <a:srgbClr val="FF0000"/>
+                </a:solidFill>
+              </a:rPr>
+              <a:t>Voronoi</a:t>
+            </a:r>
+            <a:r>
+              <a:rPr lang="en-US" b="1" dirty="0" smtClean="0">
+                <a:solidFill>
+                  <a:srgbClr val="FF0000"/>
+                </a:solidFill>
+              </a:rPr>
+              <a:t> diagram</a:t>
+            </a:r>
+            <a:endParaRPr lang="en-US" b="1" dirty="0">
+              <a:solidFill>
+                <a:srgbClr val="FF0000"/>
+              </a:solidFill>
+            </a:endParaRPr>
+          </a:p>
+        </p:txBody>
+      </p:sp>
+    </p:spTree>
+    <p:extLst>
+      <p:ext uri="{BB962C8B-B14F-4D97-AF65-F5344CB8AC3E}">
+        <p14:creationId xmlns:p14="http://schemas.microsoft.com/office/powerpoint/2010/main" val="2569984278"/>
+      </p:ext>
+    </p:extLst>
+  </p:cSld>
+  <p:clrMapOvr>
+    <a:masterClrMapping/>
+  </p:clrMapOvr>
+  <p:timing>
+    <p:tnLst>
+      <p:par>
+        <p:cTn id="1" dur="indefinite" restart="never" nodeType="tmRoot"/>
+      </p:par>
+    </p:tnLst>
+  </p:timing>
+</p:sld>
+</file>
+
+<file path=ppt/slides/slide2.xml><?xml version="1.0" encoding="utf-8"?>
+<p:sld xmlns:a="http://schemas.openxmlformats.org/drawingml/2006/main" xmlns:r="http://schemas.openxmlformats.org/officeDocument/2006/relationships" xmlns:p="http://schemas.openxmlformats.org/presentationml/2006/main">
+  <p:cSld>
+    <p:spTree>
+      <p:nvGrpSpPr>
+        <p:cNvPr id="1" name=""/>
+        <p:cNvGrpSpPr/>
+        <p:nvPr/>
+      </p:nvGrpSpPr>
+      <p:grpSpPr>
+        <a:xfrm>
+          <a:off x="0" y="0"/>
+          <a:ext cx="0" cy="0"/>
+          <a:chOff x="0" y="0"/>
+          <a:chExt cx="0" cy="0"/>
+        </a:xfrm>
+      </p:grpSpPr>
+      <p:sp>
+        <p:nvSpPr>
+          <p:cNvPr id="2" name="Title 1"/>
+          <p:cNvSpPr>
+            <a:spLocks noGrp="1"/>
+          </p:cNvSpPr>
+          <p:nvPr>
+            <p:ph type="title"/>
+          </p:nvPr>
+        </p:nvSpPr>
+        <p:spPr/>
+        <p:txBody>
+          <a:bodyPr/>
+          <a:lstStyle/>
+          <a:p>
+            <a:r>
+              <a:rPr lang="en-US" dirty="0"/>
+              <a:t>Today’s lecture</a:t>
+            </a:r>
+          </a:p>
+        </p:txBody>
+      </p:sp>
+      <p:sp>
+        <p:nvSpPr>
+          <p:cNvPr id="3" name="Content Placeholder 2"/>
+          <p:cNvSpPr>
+            <a:spLocks noGrp="1"/>
+          </p:cNvSpPr>
+          <p:nvPr>
+            <p:ph idx="1"/>
+          </p:nvPr>
+        </p:nvSpPr>
+        <p:spPr/>
+        <p:txBody>
+          <a:bodyPr/>
+          <a:lstStyle/>
+          <a:p>
+            <a:r>
+              <a:rPr lang="en-US" i="1" dirty="0" smtClean="0"/>
+              <a:t>k</a:t>
+            </a:r>
+            <a:r>
+              <a:rPr lang="en-US" dirty="0" smtClean="0"/>
+              <a:t>-means clustering </a:t>
+            </a:r>
+          </a:p>
+          <a:p>
+            <a:pPr lvl="1"/>
+            <a:r>
+              <a:rPr lang="en-US" dirty="0" smtClean="0"/>
+              <a:t>A typical </a:t>
+            </a:r>
+            <a:r>
+              <a:rPr lang="en-US" dirty="0" err="1" smtClean="0"/>
+              <a:t>partitional</a:t>
+            </a:r>
+            <a:r>
+              <a:rPr lang="en-US" dirty="0" smtClean="0"/>
+              <a:t> </a:t>
+            </a:r>
+            <a:r>
+              <a:rPr lang="en-US" dirty="0"/>
+              <a:t>clustering </a:t>
+            </a:r>
+            <a:r>
+              <a:rPr lang="en-US" dirty="0" smtClean="0"/>
+              <a:t>algorithm</a:t>
+            </a:r>
+          </a:p>
+          <a:p>
+            <a:pPr lvl="1"/>
+            <a:r>
+              <a:rPr lang="en-US" dirty="0" smtClean="0"/>
+              <a:t>Convergence property</a:t>
+            </a:r>
+          </a:p>
+          <a:p>
+            <a:pPr lvl="2"/>
+            <a:r>
+              <a:rPr lang="en-US" dirty="0" smtClean="0"/>
+              <a:t>Expectation Maximization algorithm</a:t>
+            </a:r>
+          </a:p>
+          <a:p>
+            <a:pPr lvl="1"/>
+            <a:r>
+              <a:rPr lang="en-US" dirty="0" smtClean="0"/>
+              <a:t>Gaussian mixture model</a:t>
+            </a:r>
+            <a:br>
+              <a:rPr lang="en-US" dirty="0" smtClean="0"/>
+            </a:br>
+            <a:r>
+              <a:rPr lang="en-US" dirty="0" smtClean="0"/>
+              <a:t>	</a:t>
+            </a:r>
+          </a:p>
+        </p:txBody>
+      </p:sp>
+      <p:sp>
+        <p:nvSpPr>
+          <p:cNvPr id="4" name="Date Placeholder 3"/>
+          <p:cNvSpPr>
+            <a:spLocks noGrp="1"/>
+          </p:cNvSpPr>
+          <p:nvPr>
+            <p:ph type="dt" sz="half" idx="10"/>
+          </p:nvPr>
+        </p:nvSpPr>
+        <p:spPr/>
+        <p:txBody>
+          <a:bodyPr/>
+          <a:lstStyle/>
+          <a:p>
+            <a:r>
+              <a:rPr lang="en-US" smtClean="0"/>
+              <a:t>CS@UVa</a:t>
+            </a:r>
+            <a:endParaRPr lang="en-US"/>
+          </a:p>
+        </p:txBody>
+      </p:sp>
+      <p:sp>
+        <p:nvSpPr>
+          <p:cNvPr id="5" name="Footer Placeholder 4"/>
+          <p:cNvSpPr>
+            <a:spLocks noGrp="1"/>
+          </p:cNvSpPr>
+          <p:nvPr>
+            <p:ph type="ftr" sz="quarter" idx="11"/>
+          </p:nvPr>
+        </p:nvSpPr>
+        <p:spPr/>
+        <p:txBody>
+          <a:bodyPr/>
+          <a:lstStyle/>
+          <a:p>
+            <a:r>
+              <a:rPr lang="en-US" smtClean="0"/>
+              <a:t>CS 6501: Text Mining</a:t>
+            </a:r>
+            <a:endParaRPr lang="en-US"/>
+          </a:p>
+        </p:txBody>
+      </p:sp>
+      <p:sp>
+        <p:nvSpPr>
+          <p:cNvPr id="6" name="Slide Number Placeholder 5"/>
+          <p:cNvSpPr>
+            <a:spLocks noGrp="1"/>
+          </p:cNvSpPr>
+          <p:nvPr>
+            <p:ph type="sldNum" sz="quarter" idx="12"/>
+          </p:nvPr>
+        </p:nvSpPr>
+        <p:spPr/>
+        <p:txBody>
+          <a:bodyPr/>
+          <a:lstStyle/>
+          <a:p>
+            <a:fld id="{352A74FD-6B0D-4729-BD55-80C1D3622ABF}" type="slidenum">
+              <a:rPr lang="en-US" smtClean="0"/>
+              <a:t>2</a:t>
+            </a:fld>
+            <a:endParaRPr lang="en-US"/>
+          </a:p>
+        </p:txBody>
+      </p:sp>
+    </p:spTree>
+    <p:extLst>
+      <p:ext uri="{BB962C8B-B14F-4D97-AF65-F5344CB8AC3E}">
+        <p14:creationId xmlns:p14="http://schemas.microsoft.com/office/powerpoint/2010/main" val="4027739531"/>
+      </p:ext>
+    </p:extLst>
+  </p:cSld>
+  <p:clrMapOvr>
+    <a:masterClrMapping/>
+  </p:clrMapOvr>
+  <p:timing>
+    <p:tnLst>
+      <p:par>
+        <p:cTn id="1" dur="indefinite" restart="never" nodeType="tmRoot"/>
+      </p:par>
+    </p:tnLst>
+  </p:timing>
+</p:sld>
+</file>
+
+<file path=ppt/slides/slide20.xml><?xml version="1.0" encoding="utf-8"?>
+<p:sld xmlns:a="http://schemas.openxmlformats.org/drawingml/2006/main" xmlns:r="http://schemas.openxmlformats.org/officeDocument/2006/relationships" xmlns:p="http://schemas.openxmlformats.org/presentationml/2006/main">
+  <p:cSld>
+    <p:spTree>
+      <p:nvGrpSpPr>
+        <p:cNvPr id="1" name=""/>
+        <p:cNvGrpSpPr/>
+        <p:nvPr/>
+      </p:nvGrpSpPr>
+      <p:grpSpPr>
+        <a:xfrm>
+          <a:off x="0" y="0"/>
+          <a:ext cx="0" cy="0"/>
+          <a:chOff x="0" y="0"/>
+          <a:chExt cx="0" cy="0"/>
+        </a:xfrm>
+      </p:grpSpPr>
+      <p:sp>
+        <p:nvSpPr>
+          <p:cNvPr id="2" name="Title 1"/>
+          <p:cNvSpPr>
+            <a:spLocks noGrp="1"/>
+          </p:cNvSpPr>
+          <p:nvPr>
+            <p:ph type="title"/>
+          </p:nvPr>
+        </p:nvSpPr>
+        <p:spPr/>
+        <p:txBody>
+          <a:bodyPr>
+            <a:normAutofit fontScale="90000"/>
+          </a:bodyPr>
+          <a:lstStyle/>
+          <a:p>
+            <a:r>
+              <a:rPr lang="en-US" sz="3800" dirty="0" smtClean="0"/>
+              <a:t>Recap: probabilistic </a:t>
+            </a:r>
+            <a:r>
+              <a:rPr lang="en-US" sz="3800" dirty="0"/>
+              <a:t>interpretation of clustering</a:t>
+            </a:r>
+          </a:p>
+        </p:txBody>
+      </p:sp>
+      <mc:AlternateContent xmlns:mc="http://schemas.openxmlformats.org/markup-compatibility/2006" xmlns:a14="http://schemas.microsoft.com/office/drawing/2010/main">
+        <mc:Choice Requires="a14">
+          <p:sp>
+            <p:nvSpPr>
+              <p:cNvPr id="3" name="Content Placeholder 2"/>
+              <p:cNvSpPr>
+                <a:spLocks noGrp="1"/>
+              </p:cNvSpPr>
+              <p:nvPr>
+                <p:ph idx="1"/>
+              </p:nvPr>
+            </p:nvSpPr>
+            <p:spPr/>
+            <p:txBody>
+              <a:bodyPr/>
+              <a:lstStyle/>
+              <a:p>
+                <a:r>
+                  <a:rPr lang="en-US" dirty="0" smtClean="0"/>
+                  <a:t>The density model of </a:t>
+                </a:r>
+                <a14:m>
+                  <m:oMath xmlns:m="http://schemas.openxmlformats.org/officeDocument/2006/math">
+                    <m:r>
+                      <a:rPr lang="en-US" b="0" i="1" smtClean="0">
+                        <a:latin typeface="Cambria Math" panose="02040503050406030204" pitchFamily="18" charset="0"/>
+                      </a:rPr>
+                      <m:t>𝑝</m:t>
+                    </m:r>
+                    <m:d>
+                      <m:dPr>
+                        <m:ctrlPr>
+                          <a:rPr lang="en-US" b="0" i="1" smtClean="0">
+                            <a:latin typeface="Cambria Math" panose="02040503050406030204" pitchFamily="18" charset="0"/>
+                          </a:rPr>
+                        </m:ctrlPr>
+                      </m:dPr>
+                      <m:e>
+                        <m:r>
+                          <a:rPr lang="en-US" b="0" i="1" smtClean="0">
+                            <a:latin typeface="Cambria Math" panose="02040503050406030204" pitchFamily="18" charset="0"/>
+                          </a:rPr>
+                          <m:t>𝑥</m:t>
+                        </m:r>
+                      </m:e>
+                    </m:d>
+                  </m:oMath>
+                </a14:m>
+                <a:r>
+                  <a:rPr lang="en-US" dirty="0" smtClean="0"/>
+                  <a:t> is multi-modal</a:t>
+                </a:r>
+              </a:p>
+              <a:p>
+                <a:r>
+                  <a:rPr lang="en-US" dirty="0" smtClean="0"/>
+                  <a:t>Each mode represents a sub-population</a:t>
+                </a:r>
+              </a:p>
+              <a:p>
+                <a:pPr lvl="1"/>
+                <a:r>
+                  <a:rPr lang="en-US" dirty="0" smtClean="0"/>
+                  <a:t>E.g., unimodal Gaussian for each group</a:t>
+                </a:r>
+                <a:endParaRPr lang="en-US" dirty="0"/>
+              </a:p>
+            </p:txBody>
+          </p:sp>
+        </mc:Choice>
+        <mc:Fallback xmlns="">
+          <p:sp>
+            <p:nvSpPr>
+              <p:cNvPr id="3" name="Content Placeholder 2"/>
+              <p:cNvSpPr>
+                <a:spLocks noGrp="1" noRot="1" noChangeAspect="1" noMove="1" noResize="1" noEditPoints="1" noAdjustHandles="1" noChangeArrowheads="1" noChangeShapeType="1" noTextEdit="1"/>
+              </p:cNvSpPr>
+              <p:nvPr>
+                <p:ph idx="1"/>
+              </p:nvPr>
+            </p:nvSpPr>
+            <p:spPr>
+              <a:blipFill rotWithShape="0">
+                <a:blip r:embed="rId2"/>
+                <a:stretch>
+                  <a:fillRect l="-1704" t="-1617"/>
+                </a:stretch>
+              </a:blipFill>
+            </p:spPr>
+            <p:txBody>
+              <a:bodyPr/>
+              <a:lstStyle/>
+              <a:p>
+                <a:r>
+                  <a:rPr lang="en-US">
+                    <a:noFill/>
+                  </a:rPr>
+                  <a:t> </a:t>
+                </a:r>
+              </a:p>
+            </p:txBody>
+          </p:sp>
+        </mc:Fallback>
+      </mc:AlternateContent>
+      <p:sp>
+        <p:nvSpPr>
+          <p:cNvPr id="4" name="Date Placeholder 3"/>
+          <p:cNvSpPr>
+            <a:spLocks noGrp="1"/>
+          </p:cNvSpPr>
+          <p:nvPr>
+            <p:ph type="dt" sz="half" idx="10"/>
+          </p:nvPr>
+        </p:nvSpPr>
+        <p:spPr/>
+        <p:txBody>
+          <a:bodyPr/>
+          <a:lstStyle/>
+          <a:p>
+            <a:r>
+              <a:rPr lang="en-US" smtClean="0"/>
+              <a:t>CS@UVa</a:t>
+            </a:r>
+            <a:endParaRPr lang="en-US"/>
+          </a:p>
+        </p:txBody>
+      </p:sp>
+      <p:sp>
+        <p:nvSpPr>
+          <p:cNvPr id="5" name="Footer Placeholder 4"/>
+          <p:cNvSpPr>
+            <a:spLocks noGrp="1"/>
+          </p:cNvSpPr>
+          <p:nvPr>
+            <p:ph type="ftr" sz="quarter" idx="11"/>
+          </p:nvPr>
+        </p:nvSpPr>
+        <p:spPr/>
+        <p:txBody>
+          <a:bodyPr/>
+          <a:lstStyle/>
+          <a:p>
+            <a:r>
+              <a:rPr lang="en-US" smtClean="0"/>
+              <a:t>CS 6501: Text Mining</a:t>
+            </a:r>
+            <a:endParaRPr lang="en-US"/>
+          </a:p>
+        </p:txBody>
+      </p:sp>
+      <p:sp>
+        <p:nvSpPr>
+          <p:cNvPr id="6" name="Slide Number Placeholder 5"/>
+          <p:cNvSpPr>
+            <a:spLocks noGrp="1"/>
+          </p:cNvSpPr>
+          <p:nvPr>
+            <p:ph type="sldNum" sz="quarter" idx="12"/>
+          </p:nvPr>
+        </p:nvSpPr>
+        <p:spPr/>
+        <p:txBody>
+          <a:bodyPr/>
+          <a:lstStyle/>
+          <a:p>
+            <a:fld id="{64B9C3A9-27DF-40B5-9FC7-1DF96985BC5A}" type="slidenum">
+              <a:rPr lang="en-US" smtClean="0"/>
+              <a:t>20</a:t>
+            </a:fld>
+            <a:endParaRPr lang="en-US"/>
+          </a:p>
+        </p:txBody>
+      </p:sp>
+      <p:pic>
+        <p:nvPicPr>
+          <p:cNvPr id="7" name="Picture 6"/>
+          <p:cNvPicPr>
+            <a:picLocks noChangeAspect="1"/>
+          </p:cNvPicPr>
+          <p:nvPr/>
+        </p:nvPicPr>
+        <p:blipFill>
+          <a:blip r:embed="rId3"/>
+          <a:stretch>
+            <a:fillRect/>
+          </a:stretch>
+        </p:blipFill>
+        <p:spPr>
+          <a:xfrm>
+            <a:off x="2672078" y="3789642"/>
+            <a:ext cx="3213855" cy="2336523"/>
+          </a:xfrm>
+          <a:prstGeom prst="rect">
+            <a:avLst/>
+          </a:prstGeom>
+        </p:spPr>
+      </p:pic>
+      <p:grpSp>
+        <p:nvGrpSpPr>
+          <p:cNvPr id="11" name="Group 10"/>
+          <p:cNvGrpSpPr/>
+          <p:nvPr/>
+        </p:nvGrpSpPr>
+        <p:grpSpPr>
+          <a:xfrm>
+            <a:off x="6019800" y="4192570"/>
+            <a:ext cx="2470526" cy="984184"/>
+            <a:chOff x="6019800" y="4192570"/>
+            <a:chExt cx="2470526" cy="984184"/>
+          </a:xfrm>
+        </p:grpSpPr>
+        <p:sp>
+          <p:nvSpPr>
+            <p:cNvPr id="8" name="TextBox 7"/>
+            <p:cNvSpPr txBox="1"/>
+            <p:nvPr/>
+          </p:nvSpPr>
+          <p:spPr>
+            <a:xfrm>
+              <a:off x="6019800" y="4192570"/>
+              <a:ext cx="1598140" cy="369332"/>
+            </a:xfrm>
+            <a:prstGeom prst="rect">
+              <a:avLst/>
+            </a:prstGeom>
+            <a:noFill/>
+          </p:spPr>
+          <p:txBody>
+            <a:bodyPr wrap="square" rtlCol="0">
+              <a:spAutoFit/>
+            </a:bodyPr>
+            <a:lstStyle/>
+            <a:p>
+              <a:r>
+                <a:rPr lang="en-US" dirty="0" smtClean="0"/>
+                <a:t>Mixture model</a:t>
+              </a:r>
+              <a:endParaRPr lang="en-US" dirty="0"/>
+            </a:p>
+          </p:txBody>
+        </p:sp>
+        <mc:AlternateContent xmlns:mc="http://schemas.openxmlformats.org/markup-compatibility/2006" xmlns:a14="http://schemas.microsoft.com/office/drawing/2010/main">
+          <mc:Choice Requires="a14">
+            <p:sp>
+              <p:nvSpPr>
+                <p:cNvPr id="9" name="TextBox 8"/>
+                <p:cNvSpPr txBox="1"/>
+                <p:nvPr/>
+              </p:nvSpPr>
+              <p:spPr>
+                <a:xfrm>
+                  <a:off x="6256638" y="4506058"/>
+                  <a:ext cx="2233688" cy="670696"/>
+                </a:xfrm>
+                <a:prstGeom prst="rect">
+                  <a:avLst/>
+                </a:prstGeom>
+                <a:noFill/>
+              </p:spPr>
+              <p:txBody>
+                <a:bodyPr wrap="none" lIns="0" tIns="0" rIns="0" bIns="0" rtlCol="0">
+                  <a:spAutoFit/>
+                </a:bodyPr>
+                <a:lstStyle/>
+                <a:p>
+                  <a:pPr/>
+                  <a14:m>
+                    <m:oMathPara xmlns:m="http://schemas.openxmlformats.org/officeDocument/2006/math">
+                      <m:oMathParaPr>
+                        <m:jc m:val="centerGroup"/>
+                      </m:oMathParaPr>
+                      <m:oMath xmlns:m="http://schemas.openxmlformats.org/officeDocument/2006/math">
+                        <m:r>
+                          <a:rPr lang="en-US" b="0" i="1" smtClean="0">
+                            <a:latin typeface="Cambria Math" panose="02040503050406030204" pitchFamily="18" charset="0"/>
+                          </a:rPr>
+                          <m:t>𝑝</m:t>
+                        </m:r>
+                        <m:d>
+                          <m:dPr>
+                            <m:ctrlPr>
+                              <a:rPr lang="en-US" b="0" i="1" smtClean="0">
+                                <a:latin typeface="Cambria Math" panose="02040503050406030204" pitchFamily="18" charset="0"/>
+                              </a:rPr>
+                            </m:ctrlPr>
+                          </m:dPr>
+                          <m:e>
+                            <m:r>
+                              <a:rPr lang="en-US" b="0" i="1" smtClean="0">
+                                <a:latin typeface="Cambria Math" panose="02040503050406030204" pitchFamily="18" charset="0"/>
+                              </a:rPr>
+                              <m:t>𝑥</m:t>
+                            </m:r>
+                          </m:e>
+                        </m:d>
+                        <m:r>
+                          <a:rPr lang="en-US" b="0" i="1" smtClean="0">
+                            <a:latin typeface="Cambria Math" panose="02040503050406030204" pitchFamily="18" charset="0"/>
+                          </a:rPr>
+                          <m:t>=</m:t>
+                        </m:r>
+                        <m:nary>
+                          <m:naryPr>
+                            <m:chr m:val="∑"/>
+                            <m:supHide m:val="on"/>
+                            <m:ctrlPr>
+                              <a:rPr lang="en-US" b="0" i="1" smtClean="0">
+                                <a:latin typeface="Cambria Math" panose="02040503050406030204" pitchFamily="18" charset="0"/>
+                              </a:rPr>
+                            </m:ctrlPr>
+                          </m:naryPr>
+                          <m:sub>
+                            <m:r>
+                              <a:rPr lang="en-US" b="0" i="1" smtClean="0">
+                                <a:latin typeface="Cambria Math" panose="02040503050406030204" pitchFamily="18" charset="0"/>
+                              </a:rPr>
+                              <m:t>𝑧</m:t>
+                            </m:r>
+                          </m:sub>
+                          <m:sup/>
+                          <m:e>
+                            <m:r>
+                              <a:rPr lang="en-US" b="0" i="1" smtClean="0">
+                                <a:latin typeface="Cambria Math" panose="02040503050406030204" pitchFamily="18" charset="0"/>
+                              </a:rPr>
+                              <m:t>𝑝</m:t>
+                            </m:r>
+                            <m:d>
+                              <m:dPr>
+                                <m:ctrlPr>
+                                  <a:rPr lang="en-US" b="0" i="1" smtClean="0">
+                                    <a:latin typeface="Cambria Math" panose="02040503050406030204" pitchFamily="18" charset="0"/>
+                                  </a:rPr>
+                                </m:ctrlPr>
+                              </m:dPr>
+                              <m:e>
+                                <m:r>
+                                  <a:rPr lang="en-US" b="0" i="1" smtClean="0">
+                                    <a:latin typeface="Cambria Math" panose="02040503050406030204" pitchFamily="18" charset="0"/>
+                                  </a:rPr>
+                                  <m:t>𝑥</m:t>
+                                </m:r>
+                              </m:e>
+                              <m:e>
+                                <m:r>
+                                  <a:rPr lang="en-US" b="0" i="1" smtClean="0">
+                                    <a:latin typeface="Cambria Math" panose="02040503050406030204" pitchFamily="18" charset="0"/>
+                                  </a:rPr>
+                                  <m:t>𝑧</m:t>
+                                </m:r>
+                              </m:e>
+                            </m:d>
+                            <m:r>
+                              <a:rPr lang="en-US" b="0" i="1" smtClean="0">
+                                <a:latin typeface="Cambria Math" panose="02040503050406030204" pitchFamily="18" charset="0"/>
+                              </a:rPr>
+                              <m:t>𝑝</m:t>
+                            </m:r>
+                            <m:r>
+                              <a:rPr lang="en-US" b="0" i="1" smtClean="0">
+                                <a:latin typeface="Cambria Math" panose="02040503050406030204" pitchFamily="18" charset="0"/>
+                              </a:rPr>
+                              <m:t>(</m:t>
+                            </m:r>
+                            <m:r>
+                              <a:rPr lang="en-US" b="0" i="1" smtClean="0">
+                                <a:latin typeface="Cambria Math" panose="02040503050406030204" pitchFamily="18" charset="0"/>
+                              </a:rPr>
+                              <m:t>𝑧</m:t>
+                            </m:r>
+                            <m:r>
+                              <a:rPr lang="en-US" b="0" i="1" smtClean="0">
+                                <a:latin typeface="Cambria Math" panose="02040503050406030204" pitchFamily="18" charset="0"/>
+                              </a:rPr>
+                              <m:t>)</m:t>
+                            </m:r>
+                          </m:e>
+                        </m:nary>
+                      </m:oMath>
+                    </m:oMathPara>
+                  </a14:m>
+                  <a:endParaRPr lang="en-US" dirty="0"/>
+                </a:p>
+              </p:txBody>
+            </p:sp>
+          </mc:Choice>
+          <mc:Fallback xmlns="">
+            <p:sp>
+              <p:nvSpPr>
+                <p:cNvPr id="9" name="TextBox 8"/>
+                <p:cNvSpPr txBox="1">
+                  <a:spLocks noRot="1" noChangeAspect="1" noMove="1" noResize="1" noEditPoints="1" noAdjustHandles="1" noChangeArrowheads="1" noChangeShapeType="1" noTextEdit="1"/>
+                </p:cNvSpPr>
+                <p:nvPr/>
+              </p:nvSpPr>
+              <p:spPr>
+                <a:xfrm>
+                  <a:off x="6256638" y="4506058"/>
+                  <a:ext cx="2233688" cy="670696"/>
+                </a:xfrm>
+                <a:prstGeom prst="rect">
+                  <a:avLst/>
+                </a:prstGeom>
+                <a:blipFill rotWithShape="0">
+                  <a:blip r:embed="rId4"/>
+                  <a:stretch>
+                    <a:fillRect/>
+                  </a:stretch>
+                </a:blipFill>
+              </p:spPr>
+              <p:txBody>
+                <a:bodyPr/>
+                <a:lstStyle/>
+                <a:p>
+                  <a:r>
+                    <a:rPr lang="en-US">
+                      <a:noFill/>
+                    </a:rPr>
+                    <a:t> </a:t>
+                  </a:r>
+                </a:p>
+              </p:txBody>
+            </p:sp>
+          </mc:Fallback>
+        </mc:AlternateContent>
+      </p:grpSp>
+      <p:grpSp>
+        <p:nvGrpSpPr>
+          <p:cNvPr id="15" name="Group 14"/>
+          <p:cNvGrpSpPr/>
+          <p:nvPr/>
+        </p:nvGrpSpPr>
+        <p:grpSpPr>
+          <a:xfrm>
+            <a:off x="6019800" y="4987078"/>
+            <a:ext cx="2327189" cy="735570"/>
+            <a:chOff x="6019800" y="4987078"/>
+            <a:chExt cx="2327189" cy="735570"/>
+          </a:xfrm>
+        </p:grpSpPr>
+        <p:sp>
+          <p:nvSpPr>
+            <p:cNvPr id="10" name="TextBox 9"/>
+            <p:cNvSpPr txBox="1"/>
+            <p:nvPr/>
+          </p:nvSpPr>
+          <p:spPr>
+            <a:xfrm>
+              <a:off x="6019800" y="5353316"/>
+              <a:ext cx="2327189" cy="369332"/>
+            </a:xfrm>
+            <a:prstGeom prst="rect">
+              <a:avLst/>
+            </a:prstGeom>
+            <a:noFill/>
+          </p:spPr>
+          <p:txBody>
+            <a:bodyPr wrap="square" rtlCol="0">
+              <a:spAutoFit/>
+            </a:bodyPr>
+            <a:lstStyle/>
+            <a:p>
+              <a:r>
+                <a:rPr lang="en-US" dirty="0" smtClean="0"/>
+                <a:t>Unimodal distribution</a:t>
+              </a:r>
+              <a:endParaRPr lang="en-US" dirty="0"/>
+            </a:p>
+          </p:txBody>
+        </p:sp>
+        <p:cxnSp>
+          <p:nvCxnSpPr>
+            <p:cNvPr id="12" name="Straight Arrow Connector 11"/>
+            <p:cNvCxnSpPr>
+              <a:stCxn id="10" idx="0"/>
+            </p:cNvCxnSpPr>
+            <p:nvPr/>
+          </p:nvCxnSpPr>
+          <p:spPr>
+            <a:xfrm flipV="1">
+              <a:off x="7183395" y="4987078"/>
+              <a:ext cx="313037" cy="366238"/>
+            </a:xfrm>
+            <a:prstGeom prst="straightConnector1">
+              <a:avLst/>
+            </a:prstGeom>
+            <a:ln w="19050">
+              <a:tailEnd type="triangle"/>
+            </a:ln>
+          </p:spPr>
+          <p:style>
+            <a:lnRef idx="1">
+              <a:schemeClr val="accent1"/>
+            </a:lnRef>
+            <a:fillRef idx="0">
+              <a:schemeClr val="accent1"/>
+            </a:fillRef>
+            <a:effectRef idx="0">
+              <a:schemeClr val="accent1"/>
+            </a:effectRef>
+            <a:fontRef idx="minor">
+              <a:schemeClr val="tx1"/>
+            </a:fontRef>
+          </p:style>
+        </p:cxnSp>
+      </p:grpSp>
+      <p:grpSp>
+        <p:nvGrpSpPr>
+          <p:cNvPr id="16" name="Group 15"/>
+          <p:cNvGrpSpPr/>
+          <p:nvPr/>
+        </p:nvGrpSpPr>
+        <p:grpSpPr>
+          <a:xfrm>
+            <a:off x="7286368" y="4987078"/>
+            <a:ext cx="2327189" cy="1104902"/>
+            <a:chOff x="7286368" y="4987078"/>
+            <a:chExt cx="2327189" cy="1104902"/>
+          </a:xfrm>
+        </p:grpSpPr>
+        <p:sp>
+          <p:nvSpPr>
+            <p:cNvPr id="13" name="TextBox 12"/>
+            <p:cNvSpPr txBox="1"/>
+            <p:nvPr/>
+          </p:nvSpPr>
+          <p:spPr>
+            <a:xfrm>
+              <a:off x="7286368" y="5722648"/>
+              <a:ext cx="2327189" cy="369332"/>
+            </a:xfrm>
+            <a:prstGeom prst="rect">
+              <a:avLst/>
+            </a:prstGeom>
+            <a:noFill/>
+          </p:spPr>
+          <p:txBody>
+            <a:bodyPr wrap="square" rtlCol="0">
+              <a:spAutoFit/>
+            </a:bodyPr>
+            <a:lstStyle/>
+            <a:p>
+              <a:r>
+                <a:rPr lang="en-US" dirty="0" smtClean="0"/>
+                <a:t>Mixing proportion</a:t>
+              </a:r>
+              <a:endParaRPr lang="en-US" dirty="0"/>
+            </a:p>
+          </p:txBody>
+        </p:sp>
+        <p:cxnSp>
+          <p:nvCxnSpPr>
+            <p:cNvPr id="14" name="Straight Arrow Connector 13"/>
+            <p:cNvCxnSpPr>
+              <a:stCxn id="13" idx="0"/>
+            </p:cNvCxnSpPr>
+            <p:nvPr/>
+          </p:nvCxnSpPr>
+          <p:spPr>
+            <a:xfrm flipH="1" flipV="1">
+              <a:off x="8262551" y="4987078"/>
+              <a:ext cx="187412" cy="735570"/>
+            </a:xfrm>
+            <a:prstGeom prst="straightConnector1">
+              <a:avLst/>
+            </a:prstGeom>
+            <a:ln w="19050">
+              <a:tailEnd type="triangle"/>
+            </a:ln>
+          </p:spPr>
+          <p:style>
+            <a:lnRef idx="1">
+              <a:schemeClr val="accent1"/>
+            </a:lnRef>
+            <a:fillRef idx="0">
+              <a:schemeClr val="accent1"/>
+            </a:fillRef>
+            <a:effectRef idx="0">
+              <a:schemeClr val="accent1"/>
+            </a:effectRef>
+            <a:fontRef idx="minor">
+              <a:schemeClr val="tx1"/>
+            </a:fontRef>
+          </p:style>
+        </p:cxnSp>
+      </p:grpSp>
+      <p:grpSp>
+        <p:nvGrpSpPr>
+          <p:cNvPr id="17" name="Group 16"/>
+          <p:cNvGrpSpPr/>
+          <p:nvPr/>
+        </p:nvGrpSpPr>
+        <p:grpSpPr>
+          <a:xfrm>
+            <a:off x="1336072" y="4100531"/>
+            <a:ext cx="2329766" cy="1714744"/>
+            <a:chOff x="1336072" y="4100531"/>
+            <a:chExt cx="2329766" cy="1714744"/>
+          </a:xfrm>
+        </p:grpSpPr>
+        <p:sp>
+          <p:nvSpPr>
+            <p:cNvPr id="19" name="Oval 18"/>
+            <p:cNvSpPr/>
+            <p:nvPr/>
+          </p:nvSpPr>
+          <p:spPr>
+            <a:xfrm>
+              <a:off x="2949146" y="4100531"/>
+              <a:ext cx="716692" cy="1714744"/>
+            </a:xfrm>
+            <a:prstGeom prst="ellipse">
+              <a:avLst/>
+            </a:prstGeom>
+            <a:noFill/>
+            <a:ln>
+              <a:solidFill>
+                <a:srgbClr val="FF0000"/>
+              </a:solidFill>
+            </a:ln>
+          </p:spPr>
+          <p:style>
+            <a:lnRef idx="2">
+              <a:schemeClr val="accent1">
+                <a:shade val="50000"/>
+              </a:schemeClr>
+            </a:lnRef>
+            <a:fillRef idx="1">
+              <a:schemeClr val="accent1"/>
+            </a:fillRef>
+            <a:effectRef idx="0">
+              <a:schemeClr val="accent1"/>
+            </a:effectRef>
+            <a:fontRef idx="minor">
+              <a:schemeClr val="lt1"/>
+            </a:fontRef>
+          </p:style>
+          <p:txBody>
+            <a:bodyPr rtlCol="0" anchor="ctr"/>
+            <a:lstStyle/>
+            <a:p>
+              <a:pPr algn="ctr"/>
+              <a:endParaRPr lang="en-US"/>
+            </a:p>
+          </p:txBody>
+        </p:sp>
+        <mc:AlternateContent xmlns:mc="http://schemas.openxmlformats.org/markup-compatibility/2006" xmlns:a14="http://schemas.microsoft.com/office/drawing/2010/main">
+          <mc:Choice Requires="a14">
+            <p:sp>
+              <p:nvSpPr>
+                <p:cNvPr id="22" name="TextBox 21"/>
+                <p:cNvSpPr txBox="1"/>
+                <p:nvPr/>
+              </p:nvSpPr>
+              <p:spPr>
+                <a:xfrm>
+                  <a:off x="1336072" y="4561902"/>
+                  <a:ext cx="1126270" cy="276999"/>
+                </a:xfrm>
+                <a:prstGeom prst="rect">
+                  <a:avLst/>
+                </a:prstGeom>
+                <a:noFill/>
+              </p:spPr>
+              <p:txBody>
+                <a:bodyPr wrap="none" lIns="0" tIns="0" rIns="0" bIns="0" rtlCol="0">
+                  <a:spAutoFit/>
+                </a:bodyPr>
+                <a:lstStyle/>
+                <a:p>
+                  <a:pPr/>
+                  <a14:m>
+                    <m:oMathPara xmlns:m="http://schemas.openxmlformats.org/officeDocument/2006/math">
+                      <m:oMathParaPr>
+                        <m:jc m:val="centerGroup"/>
+                      </m:oMathParaPr>
+                      <m:oMath xmlns:m="http://schemas.openxmlformats.org/officeDocument/2006/math">
+                        <m:r>
+                          <a:rPr lang="en-US" b="0" i="1" smtClean="0">
+                            <a:solidFill>
+                              <a:srgbClr val="FF0000"/>
+                            </a:solidFill>
+                            <a:latin typeface="Cambria Math" panose="02040503050406030204" pitchFamily="18" charset="0"/>
+                          </a:rPr>
+                          <m:t>𝑝</m:t>
+                        </m:r>
+                        <m:r>
+                          <a:rPr lang="en-US" b="0" i="1" smtClean="0">
+                            <a:solidFill>
+                              <a:srgbClr val="FF0000"/>
+                            </a:solidFill>
+                            <a:latin typeface="Cambria Math" panose="02040503050406030204" pitchFamily="18" charset="0"/>
+                          </a:rPr>
+                          <m:t>(</m:t>
+                        </m:r>
+                        <m:r>
+                          <a:rPr lang="en-US" b="0" i="1" smtClean="0">
+                            <a:solidFill>
+                              <a:srgbClr val="FF0000"/>
+                            </a:solidFill>
+                            <a:latin typeface="Cambria Math" panose="02040503050406030204" pitchFamily="18" charset="0"/>
+                          </a:rPr>
+                          <m:t>𝑥</m:t>
+                        </m:r>
+                        <m:r>
+                          <a:rPr lang="en-US" b="0" i="1" smtClean="0">
+                            <a:solidFill>
+                              <a:srgbClr val="FF0000"/>
+                            </a:solidFill>
+                            <a:latin typeface="Cambria Math" panose="02040503050406030204" pitchFamily="18" charset="0"/>
+                          </a:rPr>
+                          <m:t>|</m:t>
+                        </m:r>
+                        <m:r>
+                          <a:rPr lang="en-US" b="0" i="1" smtClean="0">
+                            <a:solidFill>
+                              <a:srgbClr val="FF0000"/>
+                            </a:solidFill>
+                            <a:latin typeface="Cambria Math" panose="02040503050406030204" pitchFamily="18" charset="0"/>
+                          </a:rPr>
+                          <m:t>𝑧</m:t>
+                        </m:r>
+                        <m:r>
+                          <a:rPr lang="en-US" b="0" i="1" smtClean="0">
+                            <a:solidFill>
+                              <a:srgbClr val="FF0000"/>
+                            </a:solidFill>
+                            <a:latin typeface="Cambria Math" panose="02040503050406030204" pitchFamily="18" charset="0"/>
+                          </a:rPr>
+                          <m:t>=1)</m:t>
+                        </m:r>
+                      </m:oMath>
+                    </m:oMathPara>
+                  </a14:m>
+                  <a:endParaRPr lang="en-US" dirty="0">
+                    <a:solidFill>
+                      <a:srgbClr val="FF0000"/>
+                    </a:solidFill>
+                  </a:endParaRPr>
+                </a:p>
+              </p:txBody>
+            </p:sp>
+          </mc:Choice>
+          <mc:Fallback xmlns="">
+            <p:sp>
+              <p:nvSpPr>
+                <p:cNvPr id="22" name="TextBox 21"/>
+                <p:cNvSpPr txBox="1">
+                  <a:spLocks noRot="1" noChangeAspect="1" noMove="1" noResize="1" noEditPoints="1" noAdjustHandles="1" noChangeArrowheads="1" noChangeShapeType="1" noTextEdit="1"/>
+                </p:cNvSpPr>
+                <p:nvPr/>
+              </p:nvSpPr>
+              <p:spPr>
+                <a:xfrm>
+                  <a:off x="1336072" y="4561902"/>
+                  <a:ext cx="1126270" cy="276999"/>
+                </a:xfrm>
+                <a:prstGeom prst="rect">
+                  <a:avLst/>
+                </a:prstGeom>
+                <a:blipFill rotWithShape="0">
+                  <a:blip r:embed="rId5"/>
+                  <a:stretch>
+                    <a:fillRect l="-4865" t="-2174" r="-7027" b="-32609"/>
+                  </a:stretch>
+                </a:blipFill>
+              </p:spPr>
+              <p:txBody>
+                <a:bodyPr/>
+                <a:lstStyle/>
+                <a:p>
+                  <a:r>
+                    <a:rPr lang="en-US">
+                      <a:noFill/>
+                    </a:rPr>
+                    <a:t> </a:t>
+                  </a:r>
+                </a:p>
+              </p:txBody>
+            </p:sp>
+          </mc:Fallback>
+        </mc:AlternateContent>
+      </p:grpSp>
+      <p:grpSp>
+        <p:nvGrpSpPr>
+          <p:cNvPr id="25" name="Group 24"/>
+          <p:cNvGrpSpPr/>
+          <p:nvPr/>
+        </p:nvGrpSpPr>
+        <p:grpSpPr>
+          <a:xfrm>
+            <a:off x="4616110" y="3706141"/>
+            <a:ext cx="2440304" cy="821009"/>
+            <a:chOff x="4616110" y="3706141"/>
+            <a:chExt cx="2440304" cy="821009"/>
+          </a:xfrm>
+        </p:grpSpPr>
+        <p:sp>
+          <p:nvSpPr>
+            <p:cNvPr id="20" name="Oval 19"/>
+            <p:cNvSpPr/>
+            <p:nvPr/>
+          </p:nvSpPr>
+          <p:spPr>
+            <a:xfrm rot="17725057">
+              <a:off x="4950594" y="3611772"/>
+              <a:ext cx="580894" cy="1249861"/>
+            </a:xfrm>
+            <a:prstGeom prst="ellipse">
+              <a:avLst/>
+            </a:prstGeom>
+            <a:noFill/>
+            <a:ln>
+              <a:solidFill>
+                <a:srgbClr val="00B050"/>
+              </a:solidFill>
+            </a:ln>
+          </p:spPr>
+          <p:style>
+            <a:lnRef idx="2">
+              <a:schemeClr val="accent1">
+                <a:shade val="50000"/>
+              </a:schemeClr>
+            </a:lnRef>
+            <a:fillRef idx="1">
+              <a:schemeClr val="accent1"/>
+            </a:fillRef>
+            <a:effectRef idx="0">
+              <a:schemeClr val="accent1"/>
+            </a:effectRef>
+            <a:fontRef idx="minor">
+              <a:schemeClr val="lt1"/>
+            </a:fontRef>
+          </p:style>
+          <p:txBody>
+            <a:bodyPr rtlCol="0" anchor="ctr"/>
+            <a:lstStyle/>
+            <a:p>
+              <a:pPr algn="ctr"/>
+              <a:endParaRPr lang="en-US"/>
+            </a:p>
+          </p:txBody>
+        </p:sp>
+        <mc:AlternateContent xmlns:mc="http://schemas.openxmlformats.org/markup-compatibility/2006" xmlns:a14="http://schemas.microsoft.com/office/drawing/2010/main">
+          <mc:Choice Requires="a14">
+            <p:sp>
+              <p:nvSpPr>
+                <p:cNvPr id="23" name="TextBox 22"/>
+                <p:cNvSpPr txBox="1"/>
+                <p:nvPr/>
+              </p:nvSpPr>
+              <p:spPr>
+                <a:xfrm>
+                  <a:off x="5930144" y="3706141"/>
+                  <a:ext cx="1126270" cy="276999"/>
+                </a:xfrm>
+                <a:prstGeom prst="rect">
+                  <a:avLst/>
+                </a:prstGeom>
+                <a:noFill/>
+              </p:spPr>
+              <p:txBody>
+                <a:bodyPr wrap="none" lIns="0" tIns="0" rIns="0" bIns="0" rtlCol="0">
+                  <a:spAutoFit/>
+                </a:bodyPr>
+                <a:lstStyle/>
+                <a:p>
+                  <a:pPr/>
+                  <a14:m>
+                    <m:oMathPara xmlns:m="http://schemas.openxmlformats.org/officeDocument/2006/math">
+                      <m:oMathParaPr>
+                        <m:jc m:val="centerGroup"/>
+                      </m:oMathParaPr>
+                      <m:oMath xmlns:m="http://schemas.openxmlformats.org/officeDocument/2006/math">
+                        <m:r>
+                          <a:rPr lang="en-US" b="0" i="1" smtClean="0">
+                            <a:solidFill>
+                              <a:srgbClr val="00B050"/>
+                            </a:solidFill>
+                            <a:latin typeface="Cambria Math" panose="02040503050406030204" pitchFamily="18" charset="0"/>
+                          </a:rPr>
+                          <m:t>𝑝</m:t>
+                        </m:r>
+                        <m:r>
+                          <a:rPr lang="en-US" b="0" i="1" smtClean="0">
+                            <a:solidFill>
+                              <a:srgbClr val="00B050"/>
+                            </a:solidFill>
+                            <a:latin typeface="Cambria Math" panose="02040503050406030204" pitchFamily="18" charset="0"/>
+                          </a:rPr>
+                          <m:t>(</m:t>
+                        </m:r>
+                        <m:r>
+                          <a:rPr lang="en-US" b="0" i="1" smtClean="0">
+                            <a:solidFill>
+                              <a:srgbClr val="00B050"/>
+                            </a:solidFill>
+                            <a:latin typeface="Cambria Math" panose="02040503050406030204" pitchFamily="18" charset="0"/>
+                          </a:rPr>
+                          <m:t>𝑥</m:t>
+                        </m:r>
+                        <m:r>
+                          <a:rPr lang="en-US" b="0" i="1" smtClean="0">
+                            <a:solidFill>
+                              <a:srgbClr val="00B050"/>
+                            </a:solidFill>
+                            <a:latin typeface="Cambria Math" panose="02040503050406030204" pitchFamily="18" charset="0"/>
+                          </a:rPr>
+                          <m:t>|</m:t>
+                        </m:r>
+                        <m:r>
+                          <a:rPr lang="en-US" b="0" i="1" smtClean="0">
+                            <a:solidFill>
+                              <a:srgbClr val="00B050"/>
+                            </a:solidFill>
+                            <a:latin typeface="Cambria Math" panose="02040503050406030204" pitchFamily="18" charset="0"/>
+                          </a:rPr>
+                          <m:t>𝑧</m:t>
+                        </m:r>
+                        <m:r>
+                          <a:rPr lang="en-US" b="0" i="1" smtClean="0">
+                            <a:solidFill>
+                              <a:srgbClr val="00B050"/>
+                            </a:solidFill>
+                            <a:latin typeface="Cambria Math" panose="02040503050406030204" pitchFamily="18" charset="0"/>
+                          </a:rPr>
+                          <m:t>=2)</m:t>
+                        </m:r>
+                      </m:oMath>
+                    </m:oMathPara>
+                  </a14:m>
+                  <a:endParaRPr lang="en-US" dirty="0">
+                    <a:solidFill>
+                      <a:srgbClr val="00B050"/>
+                    </a:solidFill>
+                  </a:endParaRPr>
+                </a:p>
+              </p:txBody>
+            </p:sp>
+          </mc:Choice>
+          <mc:Fallback xmlns="">
+            <p:sp>
+              <p:nvSpPr>
+                <p:cNvPr id="23" name="TextBox 22"/>
+                <p:cNvSpPr txBox="1">
+                  <a:spLocks noRot="1" noChangeAspect="1" noMove="1" noResize="1" noEditPoints="1" noAdjustHandles="1" noChangeArrowheads="1" noChangeShapeType="1" noTextEdit="1"/>
+                </p:cNvSpPr>
+                <p:nvPr/>
+              </p:nvSpPr>
+              <p:spPr>
+                <a:xfrm>
+                  <a:off x="5930144" y="3706141"/>
+                  <a:ext cx="1126270" cy="276999"/>
+                </a:xfrm>
+                <a:prstGeom prst="rect">
+                  <a:avLst/>
+                </a:prstGeom>
+                <a:blipFill rotWithShape="0">
+                  <a:blip r:embed="rId6"/>
+                  <a:stretch>
+                    <a:fillRect l="-4865" t="-2222" r="-7027" b="-35556"/>
+                  </a:stretch>
+                </a:blipFill>
+              </p:spPr>
+              <p:txBody>
+                <a:bodyPr/>
+                <a:lstStyle/>
+                <a:p>
+                  <a:r>
+                    <a:rPr lang="en-US">
+                      <a:noFill/>
+                    </a:rPr>
+                    <a:t> </a:t>
+                  </a:r>
+                </a:p>
+              </p:txBody>
+            </p:sp>
+          </mc:Fallback>
+        </mc:AlternateContent>
+      </p:grpSp>
+      <p:grpSp>
+        <p:nvGrpSpPr>
+          <p:cNvPr id="18" name="Group 17"/>
+          <p:cNvGrpSpPr/>
+          <p:nvPr/>
+        </p:nvGrpSpPr>
+        <p:grpSpPr>
+          <a:xfrm>
+            <a:off x="3923622" y="4828818"/>
+            <a:ext cx="2689346" cy="1604772"/>
+            <a:chOff x="3923622" y="4828818"/>
+            <a:chExt cx="2689346" cy="1604772"/>
+          </a:xfrm>
+        </p:grpSpPr>
+        <p:sp>
+          <p:nvSpPr>
+            <p:cNvPr id="21" name="Oval 20"/>
+            <p:cNvSpPr/>
+            <p:nvPr/>
+          </p:nvSpPr>
+          <p:spPr>
+            <a:xfrm rot="18244946">
+              <a:off x="4433253" y="4319187"/>
+              <a:ext cx="916862" cy="1936123"/>
+            </a:xfrm>
+            <a:prstGeom prst="ellipse">
+              <a:avLst/>
+            </a:prstGeom>
+            <a:noFill/>
+            <a:ln>
+              <a:solidFill>
+                <a:srgbClr val="0070C0"/>
+              </a:solidFill>
+            </a:ln>
+          </p:spPr>
+          <p:style>
+            <a:lnRef idx="2">
+              <a:schemeClr val="accent1">
+                <a:shade val="50000"/>
+              </a:schemeClr>
+            </a:lnRef>
+            <a:fillRef idx="1">
+              <a:schemeClr val="accent1"/>
+            </a:fillRef>
+            <a:effectRef idx="0">
+              <a:schemeClr val="accent1"/>
+            </a:effectRef>
+            <a:fontRef idx="minor">
+              <a:schemeClr val="lt1"/>
+            </a:fontRef>
+          </p:style>
+          <p:txBody>
+            <a:bodyPr rtlCol="0" anchor="ctr"/>
+            <a:lstStyle/>
+            <a:p>
+              <a:pPr algn="ctr"/>
+              <a:endParaRPr lang="en-US"/>
+            </a:p>
+          </p:txBody>
+        </p:sp>
+        <mc:AlternateContent xmlns:mc="http://schemas.openxmlformats.org/markup-compatibility/2006" xmlns:a14="http://schemas.microsoft.com/office/drawing/2010/main">
+          <mc:Choice Requires="a14">
+            <p:sp>
+              <p:nvSpPr>
+                <p:cNvPr id="24" name="TextBox 23"/>
+                <p:cNvSpPr txBox="1"/>
+                <p:nvPr/>
+              </p:nvSpPr>
+              <p:spPr>
+                <a:xfrm>
+                  <a:off x="5486698" y="6156591"/>
+                  <a:ext cx="1126270" cy="276999"/>
+                </a:xfrm>
+                <a:prstGeom prst="rect">
+                  <a:avLst/>
+                </a:prstGeom>
+                <a:noFill/>
+              </p:spPr>
+              <p:txBody>
+                <a:bodyPr wrap="none" lIns="0" tIns="0" rIns="0" bIns="0" rtlCol="0">
+                  <a:spAutoFit/>
+                </a:bodyPr>
+                <a:lstStyle/>
+                <a:p>
+                  <a:pPr/>
+                  <a14:m>
+                    <m:oMathPara xmlns:m="http://schemas.openxmlformats.org/officeDocument/2006/math">
+                      <m:oMathParaPr>
+                        <m:jc m:val="centerGroup"/>
+                      </m:oMathParaPr>
+                      <m:oMath xmlns:m="http://schemas.openxmlformats.org/officeDocument/2006/math">
+                        <m:r>
+                          <a:rPr lang="en-US" b="0" i="1" smtClean="0">
+                            <a:solidFill>
+                              <a:srgbClr val="0070C0"/>
+                            </a:solidFill>
+                            <a:latin typeface="Cambria Math" panose="02040503050406030204" pitchFamily="18" charset="0"/>
+                          </a:rPr>
+                          <m:t>𝑝</m:t>
+                        </m:r>
+                        <m:r>
+                          <a:rPr lang="en-US" b="0" i="1" smtClean="0">
+                            <a:solidFill>
+                              <a:srgbClr val="0070C0"/>
+                            </a:solidFill>
+                            <a:latin typeface="Cambria Math" panose="02040503050406030204" pitchFamily="18" charset="0"/>
+                          </a:rPr>
+                          <m:t>(</m:t>
+                        </m:r>
+                        <m:r>
+                          <a:rPr lang="en-US" b="0" i="1" smtClean="0">
+                            <a:solidFill>
+                              <a:srgbClr val="0070C0"/>
+                            </a:solidFill>
+                            <a:latin typeface="Cambria Math" panose="02040503050406030204" pitchFamily="18" charset="0"/>
+                          </a:rPr>
+                          <m:t>𝑥</m:t>
+                        </m:r>
+                        <m:r>
+                          <a:rPr lang="en-US" b="0" i="1" smtClean="0">
+                            <a:solidFill>
+                              <a:srgbClr val="0070C0"/>
+                            </a:solidFill>
+                            <a:latin typeface="Cambria Math" panose="02040503050406030204" pitchFamily="18" charset="0"/>
+                          </a:rPr>
+                          <m:t>|</m:t>
+                        </m:r>
+                        <m:r>
+                          <a:rPr lang="en-US" b="0" i="1" smtClean="0">
+                            <a:solidFill>
+                              <a:srgbClr val="0070C0"/>
+                            </a:solidFill>
+                            <a:latin typeface="Cambria Math" panose="02040503050406030204" pitchFamily="18" charset="0"/>
+                          </a:rPr>
+                          <m:t>𝑧</m:t>
+                        </m:r>
+                        <m:r>
+                          <a:rPr lang="en-US" b="0" i="1" smtClean="0">
+                            <a:solidFill>
+                              <a:srgbClr val="0070C0"/>
+                            </a:solidFill>
+                            <a:latin typeface="Cambria Math" panose="02040503050406030204" pitchFamily="18" charset="0"/>
+                          </a:rPr>
+                          <m:t>=3)</m:t>
+                        </m:r>
+                      </m:oMath>
+                    </m:oMathPara>
+                  </a14:m>
+                  <a:endParaRPr lang="en-US" dirty="0">
+                    <a:solidFill>
+                      <a:srgbClr val="0070C0"/>
+                    </a:solidFill>
+                  </a:endParaRPr>
+                </a:p>
+              </p:txBody>
+            </p:sp>
+          </mc:Choice>
+          <mc:Fallback xmlns="">
+            <p:sp>
+              <p:nvSpPr>
+                <p:cNvPr id="24" name="TextBox 23"/>
+                <p:cNvSpPr txBox="1">
+                  <a:spLocks noRot="1" noChangeAspect="1" noMove="1" noResize="1" noEditPoints="1" noAdjustHandles="1" noChangeArrowheads="1" noChangeShapeType="1" noTextEdit="1"/>
+                </p:cNvSpPr>
+                <p:nvPr/>
+              </p:nvSpPr>
+              <p:spPr>
+                <a:xfrm>
+                  <a:off x="5486698" y="6156591"/>
+                  <a:ext cx="1126270" cy="276999"/>
+                </a:xfrm>
+                <a:prstGeom prst="rect">
+                  <a:avLst/>
+                </a:prstGeom>
+                <a:blipFill rotWithShape="0">
+                  <a:blip r:embed="rId7"/>
+                  <a:stretch>
+                    <a:fillRect l="-4865" t="-2222" r="-7027" b="-35556"/>
+                  </a:stretch>
+                </a:blipFill>
+              </p:spPr>
+              <p:txBody>
+                <a:bodyPr/>
+                <a:lstStyle/>
+                <a:p>
+                  <a:r>
+                    <a:rPr lang="en-US">
+                      <a:noFill/>
+                    </a:rPr>
+                    <a:t> </a:t>
+                  </a:r>
+                </a:p>
+              </p:txBody>
+            </p:sp>
+          </mc:Fallback>
+        </mc:AlternateContent>
+      </p:grpSp>
+    </p:spTree>
+    <p:extLst>
+      <p:ext uri="{BB962C8B-B14F-4D97-AF65-F5344CB8AC3E}">
+        <p14:creationId xmlns:p14="http://schemas.microsoft.com/office/powerpoint/2010/main" val="1128956"/>
+      </p:ext>
+    </p:extLst>
+  </p:cSld>
+  <p:clrMapOvr>
+    <a:masterClrMapping/>
+  </p:clrMapOvr>
+  <p:timing>
+    <p:tnLst>
+      <p:par>
+        <p:cTn id="1" dur="indefinite" restart="never" nodeType="tmRoot">
+          <p:childTnLst>
+            <p:seq concurrent="1" nextAc="seek">
+              <p:cTn id="2" dur="indefinite" nodeType="mainSeq">
+                <p:childTnLst>
+                  <p:par>
+                    <p:cTn id="3" fill="hold">
+                      <p:stCondLst>
+                        <p:cond delay="indefinite"/>
+                      </p:stCondLst>
+                      <p:childTnLst>
+                        <p:par>
+                          <p:cTn id="4" fill="hold">
+                            <p:stCondLst>
+                              <p:cond delay="0"/>
+                            </p:stCondLst>
+                            <p:childTnLst>
+                              <p:par>
+                                <p:cTn id="5" presetID="1" presetClass="entr" presetSubtype="0" fill="hold" nodeType="clickEffect">
+                                  <p:stCondLst>
+                                    <p:cond delay="0"/>
+                                  </p:stCondLst>
+                                  <p:childTnLst>
+                                    <p:set>
+                                      <p:cBhvr>
+                                        <p:cTn id="6" dur="1" fill="hold">
+                                          <p:stCondLst>
+                                            <p:cond delay="0"/>
+                                          </p:stCondLst>
+                                        </p:cTn>
+                                        <p:tgtEl>
+                                          <p:spTgt spid="11"/>
+                                        </p:tgtEl>
+                                        <p:attrNameLst>
+                                          <p:attrName>style.visibility</p:attrName>
+                                        </p:attrNameLst>
+                                      </p:cBhvr>
+                                      <p:to>
+                                        <p:strVal val="visible"/>
+                                      </p:to>
+                                    </p:set>
+                                  </p:childTnLst>
+                                </p:cTn>
+                              </p:par>
+                            </p:childTnLst>
+                          </p:cTn>
+                        </p:par>
+                      </p:childTnLst>
+                    </p:cTn>
+                  </p:par>
+                  <p:par>
+                    <p:cTn id="7" fill="hold">
+                      <p:stCondLst>
+                        <p:cond delay="indefinite"/>
+                      </p:stCondLst>
+                      <p:childTnLst>
+                        <p:par>
+                          <p:cTn id="8" fill="hold">
+                            <p:stCondLst>
+                              <p:cond delay="0"/>
+                            </p:stCondLst>
+                            <p:childTnLst>
+                              <p:par>
+                                <p:cTn id="9" presetID="1" presetClass="entr" presetSubtype="0" fill="hold" nodeType="clickEffect">
+                                  <p:stCondLst>
+                                    <p:cond delay="0"/>
+                                  </p:stCondLst>
+                                  <p:childTnLst>
+                                    <p:set>
+                                      <p:cBhvr>
+                                        <p:cTn id="10" dur="1" fill="hold">
+                                          <p:stCondLst>
+                                            <p:cond delay="0"/>
+                                          </p:stCondLst>
+                                        </p:cTn>
+                                        <p:tgtEl>
+                                          <p:spTgt spid="15"/>
+                                        </p:tgtEl>
+                                        <p:attrNameLst>
+                                          <p:attrName>style.visibility</p:attrName>
+                                        </p:attrNameLst>
+                                      </p:cBhvr>
+                                      <p:to>
+                                        <p:strVal val="visible"/>
+                                      </p:to>
+                                    </p:set>
+                                  </p:childTnLst>
+                                </p:cTn>
+                              </p:par>
+                            </p:childTnLst>
+                          </p:cTn>
+                        </p:par>
+                      </p:childTnLst>
+                    </p:cTn>
+                  </p:par>
+                  <p:par>
+                    <p:cTn id="11" fill="hold">
+                      <p:stCondLst>
+                        <p:cond delay="indefinite"/>
+                      </p:stCondLst>
+                      <p:childTnLst>
+                        <p:par>
+                          <p:cTn id="12" fill="hold">
+                            <p:stCondLst>
+                              <p:cond delay="0"/>
+                            </p:stCondLst>
+                            <p:childTnLst>
+                              <p:par>
+                                <p:cTn id="13" presetID="1" presetClass="entr" presetSubtype="0" fill="hold" nodeType="clickEffect">
+                                  <p:stCondLst>
+                                    <p:cond delay="0"/>
+                                  </p:stCondLst>
+                                  <p:childTnLst>
+                                    <p:set>
+                                      <p:cBhvr>
+                                        <p:cTn id="14" dur="1" fill="hold">
+                                          <p:stCondLst>
+                                            <p:cond delay="0"/>
+                                          </p:stCondLst>
+                                        </p:cTn>
+                                        <p:tgtEl>
+                                          <p:spTgt spid="17"/>
+                                        </p:tgtEl>
+                                        <p:attrNameLst>
+                                          <p:attrName>style.visibility</p:attrName>
+                                        </p:attrNameLst>
+                                      </p:cBhvr>
+                                      <p:to>
+                                        <p:strVal val="visible"/>
+                                      </p:to>
+                                    </p:set>
+                                  </p:childTnLst>
+                                </p:cTn>
+                              </p:par>
+                              <p:par>
+                                <p:cTn id="15" presetID="1" presetClass="entr" presetSubtype="0" fill="hold" nodeType="withEffect">
+                                  <p:stCondLst>
+                                    <p:cond delay="0"/>
+                                  </p:stCondLst>
+                                  <p:childTnLst>
+                                    <p:set>
+                                      <p:cBhvr>
+                                        <p:cTn id="16" dur="1" fill="hold">
+                                          <p:stCondLst>
+                                            <p:cond delay="0"/>
+                                          </p:stCondLst>
+                                        </p:cTn>
+                                        <p:tgtEl>
+                                          <p:spTgt spid="25"/>
+                                        </p:tgtEl>
+                                        <p:attrNameLst>
+                                          <p:attrName>style.visibility</p:attrName>
+                                        </p:attrNameLst>
+                                      </p:cBhvr>
+                                      <p:to>
+                                        <p:strVal val="visible"/>
+                                      </p:to>
+                                    </p:set>
+                                  </p:childTnLst>
+                                </p:cTn>
+                              </p:par>
+                              <p:par>
+                                <p:cTn id="17" presetID="1" presetClass="entr" presetSubtype="0" fill="hold" nodeType="withEffect">
+                                  <p:stCondLst>
+                                    <p:cond delay="0"/>
+                                  </p:stCondLst>
+                                  <p:childTnLst>
+                                    <p:set>
+                                      <p:cBhvr>
+                                        <p:cTn id="18" dur="1" fill="hold">
+                                          <p:stCondLst>
+                                            <p:cond delay="0"/>
+                                          </p:stCondLst>
+                                        </p:cTn>
+                                        <p:tgtEl>
+                                          <p:spTgt spid="18"/>
+                                        </p:tgtEl>
+                                        <p:attrNameLst>
+                                          <p:attrName>style.visibility</p:attrName>
+                                        </p:attrNameLst>
+                                      </p:cBhvr>
+                                      <p:to>
+                                        <p:strVal val="visible"/>
+                                      </p:to>
+                                    </p:set>
+                                  </p:childTnLst>
+                                </p:cTn>
+                              </p:par>
+                            </p:childTnLst>
+                          </p:cTn>
+                        </p:par>
+                      </p:childTnLst>
+                    </p:cTn>
+                  </p:par>
+                  <p:par>
+                    <p:cTn id="19" fill="hold">
+                      <p:stCondLst>
+                        <p:cond delay="indefinite"/>
+                      </p:stCondLst>
+                      <p:childTnLst>
+                        <p:par>
+                          <p:cTn id="20" fill="hold">
+                            <p:stCondLst>
+                              <p:cond delay="0"/>
+                            </p:stCondLst>
+                            <p:childTnLst>
+                              <p:par>
+                                <p:cTn id="21" presetID="1" presetClass="entr" presetSubtype="0" fill="hold" nodeType="clickEffect">
+                                  <p:stCondLst>
+                                    <p:cond delay="0"/>
+                                  </p:stCondLst>
+                                  <p:childTnLst>
+                                    <p:set>
+                                      <p:cBhvr>
+                                        <p:cTn id="22" dur="1" fill="hold">
+                                          <p:stCondLst>
+                                            <p:cond delay="0"/>
+                                          </p:stCondLst>
+                                        </p:cTn>
+                                        <p:tgtEl>
+                                          <p:spTgt spid="16"/>
+                                        </p:tgtEl>
+                                        <p:attrNameLst>
+                                          <p:attrName>style.visibility</p:attrName>
+                                        </p:attrNameLst>
+                                      </p:cBhvr>
+                                      <p:to>
+                                        <p:strVal val="visible"/>
+                                      </p:to>
+                                    </p:set>
+                                  </p:childTnLst>
+                                </p:cTn>
+                              </p:par>
+                            </p:childTnLst>
+                          </p:cTn>
+                        </p:par>
+                      </p:childTnLst>
+                    </p:cTn>
+                  </p:par>
+                </p:childTnLst>
+              </p:cTn>
+              <p:prevCondLst>
+                <p:cond evt="onPrev" delay="0">
+                  <p:tgtEl>
+                    <p:sldTgt/>
+                  </p:tgtEl>
+                </p:cond>
+              </p:prevCondLst>
+              <p:nextCondLst>
+                <p:cond evt="onNext" delay="0">
+                  <p:tgtEl>
+                    <p:sldTgt/>
+                  </p:tgtEl>
+                </p:cond>
+              </p:nextCondLst>
+            </p:seq>
+          </p:childTnLst>
+        </p:cTn>
+      </p:par>
+    </p:tnLst>
+  </p:timing>
+</p:sld>
+</file>
+
+<file path=ppt/slides/slide21.xml><?xml version="1.0" encoding="utf-8"?>
+<p:sld xmlns:a="http://schemas.openxmlformats.org/drawingml/2006/main" xmlns:r="http://schemas.openxmlformats.org/officeDocument/2006/relationships" xmlns:p="http://schemas.openxmlformats.org/presentationml/2006/main">
+  <p:cSld>
+    <p:spTree>
+      <p:nvGrpSpPr>
+        <p:cNvPr id="1" name=""/>
+        <p:cNvGrpSpPr/>
+        <p:nvPr/>
+      </p:nvGrpSpPr>
+      <p:grpSpPr>
+        <a:xfrm>
+          <a:off x="0" y="0"/>
+          <a:ext cx="0" cy="0"/>
+          <a:chOff x="0" y="0"/>
+          <a:chExt cx="0" cy="0"/>
+        </a:xfrm>
+      </p:grpSpPr>
+      <p:sp>
+        <p:nvSpPr>
           <p:cNvPr id="89091" name="Rectangle 2"/>
           <p:cNvSpPr>
             <a:spLocks noGrp="1" noChangeArrowheads="1"/>
@@ -9823,7 +15807,7 @@
           <a:p>
             <a:fld id="{D4438207-9E20-42FC-82B6-02A8A94D7FE7}" type="slidenum">
               <a:rPr lang="en-US" smtClean="0"/>
-              <a:t>16</a:t>
+              <a:t>21</a:t>
             </a:fld>
             <a:endParaRPr lang="en-US" dirty="0"/>
           </a:p>
@@ -10134,7 +16118,7 @@
 </p:sld>
 </file>
 
-<file path=ppt/slides/slide17.xml><?xml version="1.0" encoding="utf-8"?>
+<file path=ppt/slides/slide22.xml><?xml version="1.0" encoding="utf-8"?>
 <p:sld xmlns:a="http://schemas.openxmlformats.org/drawingml/2006/main" xmlns:r="http://schemas.openxmlformats.org/officeDocument/2006/relationships" xmlns:p="http://schemas.openxmlformats.org/presentationml/2006/main">
   <p:cSld>
     <p:spTree>
@@ -10352,7 +16336,7 @@
           <a:p>
             <a:fld id="{D4438207-9E20-42FC-82B6-02A8A94D7FE7}" type="slidenum">
               <a:rPr lang="en-US" smtClean="0"/>
-              <a:t>17</a:t>
+              <a:t>22</a:t>
             </a:fld>
             <a:endParaRPr lang="en-US"/>
           </a:p>
@@ -10813,7 +16797,7 @@
 </p:sld>
 </file>
 
-<file path=ppt/slides/slide18.xml><?xml version="1.0" encoding="utf-8"?>
+<file path=ppt/slides/slide23.xml><?xml version="1.0" encoding="utf-8"?>
 <p:sld xmlns:a="http://schemas.openxmlformats.org/drawingml/2006/main" xmlns:r="http://schemas.openxmlformats.org/officeDocument/2006/relationships" xmlns:p="http://schemas.openxmlformats.org/presentationml/2006/main">
   <p:cSld>
     <p:spTree>
@@ -11257,7 +17241,7 @@
           <a:p>
             <a:fld id="{D4438207-9E20-42FC-82B6-02A8A94D7FE7}" type="slidenum">
               <a:rPr lang="en-US" smtClean="0"/>
-              <a:t>18</a:t>
+              <a:t>23</a:t>
             </a:fld>
             <a:endParaRPr lang="en-US"/>
           </a:p>
@@ -12591,7 +18575,7 @@
 </p:sld>
 </file>
 
-<file path=ppt/slides/slide19.xml><?xml version="1.0" encoding="utf-8"?>
+<file path=ppt/slides/slide24.xml><?xml version="1.0" encoding="utf-8"?>
 <p:sld xmlns:a="http://schemas.openxmlformats.org/drawingml/2006/main" xmlns:r="http://schemas.openxmlformats.org/officeDocument/2006/relationships" xmlns:p="http://schemas.openxmlformats.org/presentationml/2006/main">
   <p:cSld>
     <p:spTree>
@@ -13294,7 +19278,7 @@
           <a:p>
             <a:fld id="{D4438207-9E20-42FC-82B6-02A8A94D7FE7}" type="slidenum">
               <a:rPr lang="en-US" smtClean="0"/>
-              <a:t>19</a:t>
+              <a:t>24</a:t>
             </a:fld>
             <a:endParaRPr lang="en-US"/>
           </a:p>
@@ -13859,212 +19843,7 @@
 </p:sld>
 </file>
 
-<file path=ppt/slides/slide2.xml><?xml version="1.0" encoding="utf-8"?>
-<p:sld xmlns:a="http://schemas.openxmlformats.org/drawingml/2006/main" xmlns:r="http://schemas.openxmlformats.org/officeDocument/2006/relationships" xmlns:p="http://schemas.openxmlformats.org/presentationml/2006/main">
-  <p:cSld>
-    <p:spTree>
-      <p:nvGrpSpPr>
-        <p:cNvPr id="1" name=""/>
-        <p:cNvGrpSpPr/>
-        <p:nvPr/>
-      </p:nvGrpSpPr>
-      <p:grpSpPr>
-        <a:xfrm>
-          <a:off x="0" y="0"/>
-          <a:ext cx="0" cy="0"/>
-          <a:chOff x="0" y="0"/>
-          <a:chExt cx="0" cy="0"/>
-        </a:xfrm>
-      </p:grpSpPr>
-      <p:sp>
-        <p:nvSpPr>
-          <p:cNvPr id="2" name="Title 1"/>
-          <p:cNvSpPr>
-            <a:spLocks noGrp="1"/>
-          </p:cNvSpPr>
-          <p:nvPr>
-            <p:ph type="title"/>
-          </p:nvPr>
-        </p:nvSpPr>
-        <p:spPr/>
-        <p:txBody>
-          <a:bodyPr/>
-          <a:lstStyle/>
-          <a:p>
-            <a:r>
-              <a:rPr lang="en-US" dirty="0"/>
-              <a:t>Today’s lecture</a:t>
-            </a:r>
-          </a:p>
-        </p:txBody>
-      </p:sp>
-      <p:sp>
-        <p:nvSpPr>
-          <p:cNvPr id="3" name="Content Placeholder 2"/>
-          <p:cNvSpPr>
-            <a:spLocks noGrp="1"/>
-          </p:cNvSpPr>
-          <p:nvPr>
-            <p:ph idx="1"/>
-          </p:nvPr>
-        </p:nvSpPr>
-        <p:spPr/>
-        <p:txBody>
-          <a:bodyPr/>
-          <a:lstStyle/>
-          <a:p>
-            <a:r>
-              <a:rPr lang="en-US" i="1" dirty="0" smtClean="0"/>
-              <a:t>k</a:t>
-            </a:r>
-            <a:r>
-              <a:rPr lang="en-US" dirty="0" smtClean="0"/>
-              <a:t>-means clustering </a:t>
-            </a:r>
-          </a:p>
-          <a:p>
-            <a:pPr lvl="1"/>
-            <a:r>
-              <a:rPr lang="en-US" dirty="0" smtClean="0"/>
-              <a:t>A typical </a:t>
-            </a:r>
-            <a:r>
-              <a:rPr lang="en-US" dirty="0" err="1" smtClean="0"/>
-              <a:t>partitional</a:t>
-            </a:r>
-            <a:r>
-              <a:rPr lang="en-US" dirty="0" smtClean="0"/>
-              <a:t> </a:t>
-            </a:r>
-            <a:r>
-              <a:rPr lang="en-US" dirty="0"/>
-              <a:t>clustering </a:t>
-            </a:r>
-            <a:r>
-              <a:rPr lang="en-US" dirty="0" smtClean="0"/>
-              <a:t>algorithm</a:t>
-            </a:r>
-          </a:p>
-          <a:p>
-            <a:pPr lvl="1"/>
-            <a:r>
-              <a:rPr lang="en-US" dirty="0" smtClean="0"/>
-              <a:t>Convergence property</a:t>
-            </a:r>
-          </a:p>
-          <a:p>
-            <a:pPr lvl="2"/>
-            <a:r>
-              <a:rPr lang="en-US" dirty="0" smtClean="0"/>
-              <a:t>Expectation Maximization algorithm</a:t>
-            </a:r>
-          </a:p>
-          <a:p>
-            <a:pPr lvl="1"/>
-            <a:r>
-              <a:rPr lang="en-US" dirty="0" smtClean="0"/>
-              <a:t>Gaussian mixture model</a:t>
-            </a:r>
-            <a:br>
-              <a:rPr lang="en-US" dirty="0" smtClean="0"/>
-            </a:br>
-            <a:r>
-              <a:rPr lang="en-US" dirty="0" smtClean="0"/>
-              <a:t>	</a:t>
-            </a:r>
-          </a:p>
-        </p:txBody>
-      </p:sp>
-      <p:sp>
-        <p:nvSpPr>
-          <p:cNvPr id="4" name="Date Placeholder 3"/>
-          <p:cNvSpPr>
-            <a:spLocks noGrp="1"/>
-          </p:cNvSpPr>
-          <p:nvPr>
-            <p:ph type="dt" sz="half" idx="10"/>
-          </p:nvPr>
-        </p:nvSpPr>
-        <p:spPr/>
-        <p:txBody>
-          <a:bodyPr/>
-          <a:lstStyle/>
-          <a:p>
-            <a:r>
-              <a:rPr lang="en-US" smtClean="0"/>
-              <a:t>CS@UVa</a:t>
-            </a:r>
-            <a:endParaRPr lang="en-US"/>
-          </a:p>
-        </p:txBody>
-      </p:sp>
-      <p:sp>
-        <p:nvSpPr>
-          <p:cNvPr id="5" name="Footer Placeholder 4"/>
-          <p:cNvSpPr>
-            <a:spLocks noGrp="1"/>
-          </p:cNvSpPr>
-          <p:nvPr>
-            <p:ph type="ftr" sz="quarter" idx="11"/>
-          </p:nvPr>
-        </p:nvSpPr>
-        <p:spPr/>
-        <p:txBody>
-          <a:bodyPr/>
-          <a:lstStyle/>
-          <a:p>
-            <a:r>
-              <a:rPr lang="en-US" smtClean="0"/>
-              <a:t>CS 6501: Text Mining</a:t>
-            </a:r>
-            <a:endParaRPr lang="en-US"/>
-          </a:p>
-        </p:txBody>
-      </p:sp>
-      <p:sp>
-        <p:nvSpPr>
-          <p:cNvPr id="6" name="Slide Number Placeholder 5"/>
-          <p:cNvSpPr>
-            <a:spLocks noGrp="1"/>
-          </p:cNvSpPr>
-          <p:nvPr>
-            <p:ph type="sldNum" sz="quarter" idx="12"/>
-          </p:nvPr>
-        </p:nvSpPr>
-        <p:spPr/>
-        <p:txBody>
-          <a:bodyPr/>
-          <a:lstStyle/>
-          <a:p>
-            <a:fld id="{352A74FD-6B0D-4729-BD55-80C1D3622ABF}" type="slidenum">
-              <a:rPr lang="en-US" smtClean="0"/>
-              <a:t>2</a:t>
-            </a:fld>
-            <a:endParaRPr lang="en-US"/>
-          </a:p>
-        </p:txBody>
-      </p:sp>
-    </p:spTree>
-    <p:extLst>
-      <p:ext uri="{BB962C8B-B14F-4D97-AF65-F5344CB8AC3E}">
-        <p14:creationId xmlns:p14="http://schemas.microsoft.com/office/powerpoint/2010/main" val="4027739531"/>
-      </p:ext>
-    </p:extLst>
-  </p:cSld>
-  <p:clrMapOvr>
-    <a:masterClrMapping/>
-  </p:clrMapOvr>
-  <p:timing>
-    <p:tnLst>
-      <p:par>
-        <p:cTn id="1" dur="indefinite" restart="never" nodeType="tmRoot"/>
-      </p:par>
-    </p:tnLst>
-  </p:timing>
-</p:sld>
-</file>
-
-<file path=ppt/slides/slide20.xml><?xml version="1.0" encoding="utf-8"?>
+<file path=ppt/slides/slide25.xml><?xml version="1.0" encoding="utf-8"?>
 <p:sld xmlns:a="http://schemas.openxmlformats.org/drawingml/2006/main" xmlns:r="http://schemas.openxmlformats.org/officeDocument/2006/relationships" xmlns:p="http://schemas.openxmlformats.org/presentationml/2006/main">
   <p:cSld>
     <p:spTree>
@@ -14519,7 +20298,7 @@
           <a:p>
             <a:fld id="{D4438207-9E20-42FC-82B6-02A8A94D7FE7}" type="slidenum">
               <a:rPr lang="en-US" smtClean="0"/>
-              <a:t>20</a:t>
+              <a:t>25</a:t>
             </a:fld>
             <a:endParaRPr lang="en-US"/>
           </a:p>
@@ -16494,7 +22273,7 @@
 </p:sld>
 </file>
 
-<file path=ppt/slides/slide21.xml><?xml version="1.0" encoding="utf-8"?>
+<file path=ppt/slides/slide26.xml><?xml version="1.0" encoding="utf-8"?>
 <p:sld xmlns:a="http://schemas.openxmlformats.org/drawingml/2006/main" xmlns:r="http://schemas.openxmlformats.org/officeDocument/2006/relationships" xmlns:p="http://schemas.openxmlformats.org/presentationml/2006/main">
   <p:cSld>
     <p:spTree>
@@ -17221,7 +23000,7 @@
           <a:p>
             <a:fld id="{D4438207-9E20-42FC-82B6-02A8A94D7FE7}" type="slidenum">
               <a:rPr lang="en-US" smtClean="0"/>
-              <a:t>21</a:t>
+              <a:t>26</a:t>
             </a:fld>
             <a:endParaRPr lang="en-US"/>
           </a:p>
@@ -17466,7 +23245,7 @@
 </p:sld>
 </file>
 
-<file path=ppt/slides/slide22.xml><?xml version="1.0" encoding="utf-8"?>
+<file path=ppt/slides/slide27.xml><?xml version="1.0" encoding="utf-8"?>
 <p:sld xmlns:a="http://schemas.openxmlformats.org/drawingml/2006/main" xmlns:r="http://schemas.openxmlformats.org/officeDocument/2006/relationships" xmlns:p="http://schemas.openxmlformats.org/presentationml/2006/main">
   <p:cSld>
     <p:spTree>
@@ -17778,7 +23557,7 @@
           <a:p>
             <a:fld id="{D4438207-9E20-42FC-82B6-02A8A94D7FE7}" type="slidenum">
               <a:rPr lang="en-US" smtClean="0"/>
-              <a:t>22</a:t>
+              <a:t>27</a:t>
             </a:fld>
             <a:endParaRPr lang="en-US"/>
           </a:p>
@@ -18473,7 +24252,7 @@
 </p:sld>
 </file>
 
-<file path=ppt/slides/slide23.xml><?xml version="1.0" encoding="utf-8"?>
+<file path=ppt/slides/slide28.xml><?xml version="1.0" encoding="utf-8"?>
 <p:sld xmlns:a="http://schemas.openxmlformats.org/drawingml/2006/main" xmlns:r="http://schemas.openxmlformats.org/officeDocument/2006/relationships" xmlns:p="http://schemas.openxmlformats.org/presentationml/2006/main">
   <p:cSld>
     <p:spTree>
@@ -19287,7 +25066,7 @@
           <a:p>
             <a:fld id="{D4438207-9E20-42FC-82B6-02A8A94D7FE7}" type="slidenum">
               <a:rPr lang="en-US" smtClean="0"/>
-              <a:t>23</a:t>
+              <a:t>28</a:t>
             </a:fld>
             <a:endParaRPr lang="en-US"/>
           </a:p>
@@ -20492,7 +26271,7 @@
 </p:sld>
 </file>
 
-<file path=ppt/slides/slide24.xml><?xml version="1.0" encoding="utf-8"?>
+<file path=ppt/slides/slide29.xml><?xml version="1.0" encoding="utf-8"?>
 <p:sld xmlns:a="http://schemas.openxmlformats.org/drawingml/2006/main" xmlns:r="http://schemas.openxmlformats.org/officeDocument/2006/relationships" xmlns:p="http://schemas.openxmlformats.org/presentationml/2006/main">
   <p:cSld>
     <p:spTree>
@@ -20889,7 +26668,7 @@
           <a:p>
             <a:fld id="{D4438207-9E20-42FC-82B6-02A8A94D7FE7}" type="slidenum">
               <a:rPr lang="en-US" smtClean="0"/>
-              <a:t>24</a:t>
+              <a:t>29</a:t>
             </a:fld>
             <a:endParaRPr lang="en-US"/>
           </a:p>
@@ -21725,7 +27504,632 @@
 </p:sld>
 </file>
 
-<file path=ppt/slides/slide25.xml><?xml version="1.0" encoding="utf-8"?>
+<file path=ppt/slides/slide3.xml><?xml version="1.0" encoding="utf-8"?>
+<p:sld xmlns:a="http://schemas.openxmlformats.org/drawingml/2006/main" xmlns:r="http://schemas.openxmlformats.org/officeDocument/2006/relationships" xmlns:p="http://schemas.openxmlformats.org/presentationml/2006/main">
+  <p:cSld>
+    <p:spTree>
+      <p:nvGrpSpPr>
+        <p:cNvPr id="1" name=""/>
+        <p:cNvGrpSpPr/>
+        <p:nvPr/>
+      </p:nvGrpSpPr>
+      <p:grpSpPr>
+        <a:xfrm>
+          <a:off x="0" y="0"/>
+          <a:ext cx="0" cy="0"/>
+          <a:chOff x="0" y="0"/>
+          <a:chExt cx="0" cy="0"/>
+        </a:xfrm>
+      </p:grpSpPr>
+      <p:sp>
+        <p:nvSpPr>
+          <p:cNvPr id="2" name="Title 1"/>
+          <p:cNvSpPr>
+            <a:spLocks noGrp="1"/>
+          </p:cNvSpPr>
+          <p:nvPr>
+            <p:ph type="title"/>
+          </p:nvPr>
+        </p:nvSpPr>
+        <p:spPr/>
+        <p:txBody>
+          <a:bodyPr>
+            <a:normAutofit/>
+          </a:bodyPr>
+          <a:lstStyle/>
+          <a:p>
+            <a:r>
+              <a:rPr lang="en-US" dirty="0" err="1"/>
+              <a:t>Partitional</a:t>
+            </a:r>
+            <a:r>
+              <a:rPr lang="en-US" dirty="0"/>
+              <a:t> clustering </a:t>
+            </a:r>
+            <a:r>
+              <a:rPr lang="en-US" dirty="0" smtClean="0"/>
+              <a:t>algorithms</a:t>
+            </a:r>
+            <a:endParaRPr lang="en-US" dirty="0"/>
+          </a:p>
+        </p:txBody>
+      </p:sp>
+      <p:sp>
+        <p:nvSpPr>
+          <p:cNvPr id="3" name="Content Placeholder 2"/>
+          <p:cNvSpPr>
+            <a:spLocks noGrp="1"/>
+          </p:cNvSpPr>
+          <p:nvPr>
+            <p:ph idx="1"/>
+          </p:nvPr>
+        </p:nvSpPr>
+        <p:spPr/>
+        <p:txBody>
+          <a:bodyPr/>
+          <a:lstStyle/>
+          <a:p>
+            <a:r>
+              <a:rPr lang="en-US" dirty="0" smtClean="0"/>
+              <a:t>Partition instances into exactly </a:t>
+            </a:r>
+            <a:r>
+              <a:rPr lang="en-US" i="1" dirty="0" smtClean="0"/>
+              <a:t>k</a:t>
+            </a:r>
+            <a:r>
+              <a:rPr lang="en-US" dirty="0" smtClean="0"/>
+              <a:t> non-overlapping clusters</a:t>
+            </a:r>
+          </a:p>
+          <a:p>
+            <a:pPr lvl="1"/>
+            <a:r>
+              <a:rPr lang="en-US" dirty="0" smtClean="0"/>
+              <a:t>Flat structure clustering</a:t>
+            </a:r>
+          </a:p>
+          <a:p>
+            <a:pPr lvl="1"/>
+            <a:r>
+              <a:rPr lang="en-US" dirty="0" smtClean="0"/>
+              <a:t>Users need to specify the cluster size </a:t>
+            </a:r>
+            <a:r>
+              <a:rPr lang="en-US" i="1" dirty="0" smtClean="0"/>
+              <a:t>k</a:t>
+            </a:r>
+          </a:p>
+          <a:p>
+            <a:pPr lvl="1"/>
+            <a:r>
+              <a:rPr lang="en-US" dirty="0" smtClean="0"/>
+              <a:t>Task</a:t>
+            </a:r>
+            <a:r>
+              <a:rPr lang="en-US" dirty="0"/>
+              <a:t>: identify the partition of </a:t>
+            </a:r>
+            <a:r>
+              <a:rPr lang="en-US" i="1" dirty="0"/>
+              <a:t>k</a:t>
+            </a:r>
+            <a:r>
+              <a:rPr lang="en-US" dirty="0"/>
+              <a:t> clusters that optimize the chosen partition criterion</a:t>
+            </a:r>
+          </a:p>
+          <a:p>
+            <a:pPr lvl="1"/>
+            <a:endParaRPr lang="en-US" i="1" dirty="0"/>
+          </a:p>
+        </p:txBody>
+      </p:sp>
+      <p:sp>
+        <p:nvSpPr>
+          <p:cNvPr id="4" name="Date Placeholder 3"/>
+          <p:cNvSpPr>
+            <a:spLocks noGrp="1"/>
+          </p:cNvSpPr>
+          <p:nvPr>
+            <p:ph type="dt" sz="half" idx="10"/>
+          </p:nvPr>
+        </p:nvSpPr>
+        <p:spPr/>
+        <p:txBody>
+          <a:bodyPr/>
+          <a:lstStyle/>
+          <a:p>
+            <a:r>
+              <a:rPr lang="en-US" smtClean="0"/>
+              <a:t>CS@UVa</a:t>
+            </a:r>
+            <a:endParaRPr lang="en-US"/>
+          </a:p>
+        </p:txBody>
+      </p:sp>
+      <p:sp>
+        <p:nvSpPr>
+          <p:cNvPr id="5" name="Footer Placeholder 4"/>
+          <p:cNvSpPr>
+            <a:spLocks noGrp="1"/>
+          </p:cNvSpPr>
+          <p:nvPr>
+            <p:ph type="ftr" sz="quarter" idx="11"/>
+          </p:nvPr>
+        </p:nvSpPr>
+        <p:spPr/>
+        <p:txBody>
+          <a:bodyPr/>
+          <a:lstStyle/>
+          <a:p>
+            <a:r>
+              <a:rPr lang="en-US" smtClean="0"/>
+              <a:t>CS 6501: Text Mining</a:t>
+            </a:r>
+            <a:endParaRPr lang="en-US"/>
+          </a:p>
+        </p:txBody>
+      </p:sp>
+      <p:sp>
+        <p:nvSpPr>
+          <p:cNvPr id="6" name="Slide Number Placeholder 5"/>
+          <p:cNvSpPr>
+            <a:spLocks noGrp="1"/>
+          </p:cNvSpPr>
+          <p:nvPr>
+            <p:ph type="sldNum" sz="quarter" idx="12"/>
+          </p:nvPr>
+        </p:nvSpPr>
+        <p:spPr/>
+        <p:txBody>
+          <a:bodyPr/>
+          <a:lstStyle/>
+          <a:p>
+            <a:fld id="{64B9C3A9-27DF-40B5-9FC7-1DF96985BC5A}" type="slidenum">
+              <a:rPr lang="en-US" smtClean="0"/>
+              <a:t>3</a:t>
+            </a:fld>
+            <a:endParaRPr lang="en-US"/>
+          </a:p>
+        </p:txBody>
+      </p:sp>
+      <p:grpSp>
+        <p:nvGrpSpPr>
+          <p:cNvPr id="16" name="Group 15"/>
+          <p:cNvGrpSpPr/>
+          <p:nvPr/>
+        </p:nvGrpSpPr>
+        <p:grpSpPr>
+          <a:xfrm>
+            <a:off x="2317173" y="3665268"/>
+            <a:ext cx="4374572" cy="1280601"/>
+            <a:chOff x="2317173" y="3665268"/>
+            <a:chExt cx="4374572" cy="1280601"/>
+          </a:xfrm>
+        </p:grpSpPr>
+        <p:pic>
+          <p:nvPicPr>
+            <p:cNvPr id="7" name="Picture 6"/>
+            <p:cNvPicPr>
+              <a:picLocks noChangeAspect="1"/>
+            </p:cNvPicPr>
+            <p:nvPr/>
+          </p:nvPicPr>
+          <p:blipFill>
+            <a:blip r:embed="rId2"/>
+            <a:stretch>
+              <a:fillRect/>
+            </a:stretch>
+          </p:blipFill>
+          <p:spPr>
+            <a:xfrm>
+              <a:off x="2590800" y="3665268"/>
+              <a:ext cx="863043" cy="1268674"/>
+            </a:xfrm>
+            <a:prstGeom prst="rect">
+              <a:avLst/>
+            </a:prstGeom>
+          </p:spPr>
+        </p:pic>
+        <p:pic>
+          <p:nvPicPr>
+            <p:cNvPr id="8" name="Picture 7"/>
+            <p:cNvPicPr>
+              <a:picLocks noChangeAspect="1"/>
+            </p:cNvPicPr>
+            <p:nvPr/>
+          </p:nvPicPr>
+          <p:blipFill>
+            <a:blip r:embed="rId3"/>
+            <a:stretch>
+              <a:fillRect/>
+            </a:stretch>
+          </p:blipFill>
+          <p:spPr>
+            <a:xfrm>
+              <a:off x="3727438" y="3678038"/>
+              <a:ext cx="621391" cy="1260043"/>
+            </a:xfrm>
+            <a:prstGeom prst="rect">
+              <a:avLst/>
+            </a:prstGeom>
+          </p:spPr>
+        </p:pic>
+        <p:pic>
+          <p:nvPicPr>
+            <p:cNvPr id="9" name="Picture 8"/>
+            <p:cNvPicPr>
+              <a:picLocks noChangeAspect="1"/>
+            </p:cNvPicPr>
+            <p:nvPr/>
+          </p:nvPicPr>
+          <p:blipFill>
+            <a:blip r:embed="rId4"/>
+            <a:stretch>
+              <a:fillRect/>
+            </a:stretch>
+          </p:blipFill>
+          <p:spPr>
+            <a:xfrm>
+              <a:off x="4664665" y="3763501"/>
+              <a:ext cx="716326" cy="1182368"/>
+            </a:xfrm>
+            <a:prstGeom prst="rect">
+              <a:avLst/>
+            </a:prstGeom>
+          </p:spPr>
+        </p:pic>
+        <p:pic>
+          <p:nvPicPr>
+            <p:cNvPr id="10" name="Picture 9"/>
+            <p:cNvPicPr>
+              <a:picLocks noChangeAspect="1"/>
+            </p:cNvPicPr>
+            <p:nvPr/>
+          </p:nvPicPr>
+          <p:blipFill>
+            <a:blip r:embed="rId5"/>
+            <a:stretch>
+              <a:fillRect/>
+            </a:stretch>
+          </p:blipFill>
+          <p:spPr>
+            <a:xfrm>
+              <a:off x="5819529" y="3720224"/>
+              <a:ext cx="655913" cy="1199630"/>
+            </a:xfrm>
+            <a:prstGeom prst="rect">
+              <a:avLst/>
+            </a:prstGeom>
+          </p:spPr>
+        </p:pic>
+        <p:sp>
+          <p:nvSpPr>
+            <p:cNvPr id="14" name="Rectangle 13"/>
+            <p:cNvSpPr/>
+            <p:nvPr/>
+          </p:nvSpPr>
+          <p:spPr>
+            <a:xfrm>
+              <a:off x="2317173" y="3665268"/>
+              <a:ext cx="4374572" cy="1280601"/>
+            </a:xfrm>
+            <a:prstGeom prst="rect">
+              <a:avLst/>
+            </a:prstGeom>
+            <a:noFill/>
+            <a:ln>
+              <a:prstDash val="dash"/>
+            </a:ln>
+          </p:spPr>
+          <p:style>
+            <a:lnRef idx="2">
+              <a:schemeClr val="accent1">
+                <a:shade val="50000"/>
+              </a:schemeClr>
+            </a:lnRef>
+            <a:fillRef idx="1">
+              <a:schemeClr val="accent1"/>
+            </a:fillRef>
+            <a:effectRef idx="0">
+              <a:schemeClr val="accent1"/>
+            </a:effectRef>
+            <a:fontRef idx="minor">
+              <a:schemeClr val="lt1"/>
+            </a:fontRef>
+          </p:style>
+          <p:txBody>
+            <a:bodyPr rtlCol="0" anchor="ctr"/>
+            <a:lstStyle/>
+            <a:p>
+              <a:pPr algn="ctr"/>
+              <a:endParaRPr lang="en-US"/>
+            </a:p>
+          </p:txBody>
+        </p:sp>
+      </p:grpSp>
+      <p:grpSp>
+        <p:nvGrpSpPr>
+          <p:cNvPr id="17" name="Group 16"/>
+          <p:cNvGrpSpPr/>
+          <p:nvPr/>
+        </p:nvGrpSpPr>
+        <p:grpSpPr>
+          <a:xfrm>
+            <a:off x="2317173" y="5034858"/>
+            <a:ext cx="4374572" cy="1380868"/>
+            <a:chOff x="2317173" y="5034858"/>
+            <a:chExt cx="4374572" cy="1380868"/>
+          </a:xfrm>
+        </p:grpSpPr>
+        <p:pic>
+          <p:nvPicPr>
+            <p:cNvPr id="11" name="Picture 10"/>
+            <p:cNvPicPr>
+              <a:picLocks noChangeAspect="1"/>
+            </p:cNvPicPr>
+            <p:nvPr/>
+          </p:nvPicPr>
+          <p:blipFill>
+            <a:blip r:embed="rId6"/>
+            <a:stretch>
+              <a:fillRect/>
+            </a:stretch>
+          </p:blipFill>
+          <p:spPr>
+            <a:xfrm>
+              <a:off x="2916549" y="5136106"/>
+              <a:ext cx="768108" cy="1216891"/>
+            </a:xfrm>
+            <a:prstGeom prst="rect">
+              <a:avLst/>
+            </a:prstGeom>
+          </p:spPr>
+        </p:pic>
+        <p:pic>
+          <p:nvPicPr>
+            <p:cNvPr id="12" name="Picture 11"/>
+            <p:cNvPicPr>
+              <a:picLocks noChangeAspect="1"/>
+            </p:cNvPicPr>
+            <p:nvPr/>
+          </p:nvPicPr>
+          <p:blipFill>
+            <a:blip r:embed="rId7"/>
+            <a:stretch>
+              <a:fillRect/>
+            </a:stretch>
+          </p:blipFill>
+          <p:spPr>
+            <a:xfrm>
+              <a:off x="4062804" y="5034858"/>
+              <a:ext cx="509196" cy="1380868"/>
+            </a:xfrm>
+            <a:prstGeom prst="rect">
+              <a:avLst/>
+            </a:prstGeom>
+          </p:spPr>
+        </p:pic>
+        <p:pic>
+          <p:nvPicPr>
+            <p:cNvPr id="13" name="Picture 12"/>
+            <p:cNvPicPr>
+              <a:picLocks noChangeAspect="1"/>
+            </p:cNvPicPr>
+            <p:nvPr/>
+          </p:nvPicPr>
+          <p:blipFill>
+            <a:blip r:embed="rId8"/>
+            <a:stretch>
+              <a:fillRect/>
+            </a:stretch>
+          </p:blipFill>
+          <p:spPr>
+            <a:xfrm>
+              <a:off x="5131202" y="5102516"/>
+              <a:ext cx="863043" cy="1268674"/>
+            </a:xfrm>
+            <a:prstGeom prst="rect">
+              <a:avLst/>
+            </a:prstGeom>
+          </p:spPr>
+        </p:pic>
+        <p:sp>
+          <p:nvSpPr>
+            <p:cNvPr id="15" name="Rectangle 14"/>
+            <p:cNvSpPr/>
+            <p:nvPr/>
+          </p:nvSpPr>
+          <p:spPr>
+            <a:xfrm>
+              <a:off x="2317173" y="5090589"/>
+              <a:ext cx="4374572" cy="1280601"/>
+            </a:xfrm>
+            <a:prstGeom prst="rect">
+              <a:avLst/>
+            </a:prstGeom>
+            <a:noFill/>
+            <a:ln>
+              <a:solidFill>
+                <a:srgbClr val="FF0000"/>
+              </a:solidFill>
+              <a:prstDash val="dash"/>
+            </a:ln>
+          </p:spPr>
+          <p:style>
+            <a:lnRef idx="2">
+              <a:schemeClr val="accent1">
+                <a:shade val="50000"/>
+              </a:schemeClr>
+            </a:lnRef>
+            <a:fillRef idx="1">
+              <a:schemeClr val="accent1"/>
+            </a:fillRef>
+            <a:effectRef idx="0">
+              <a:schemeClr val="accent1"/>
+            </a:effectRef>
+            <a:fontRef idx="minor">
+              <a:schemeClr val="lt1"/>
+            </a:fontRef>
+          </p:style>
+          <p:txBody>
+            <a:bodyPr rtlCol="0" anchor="ctr"/>
+            <a:lstStyle/>
+            <a:p>
+              <a:pPr algn="ctr"/>
+              <a:endParaRPr lang="en-US"/>
+            </a:p>
+          </p:txBody>
+        </p:sp>
+      </p:grpSp>
+    </p:spTree>
+    <p:extLst>
+      <p:ext uri="{BB962C8B-B14F-4D97-AF65-F5344CB8AC3E}">
+        <p14:creationId xmlns:p14="http://schemas.microsoft.com/office/powerpoint/2010/main" val="1683264302"/>
+      </p:ext>
+    </p:extLst>
+  </p:cSld>
+  <p:clrMapOvr>
+    <a:masterClrMapping/>
+  </p:clrMapOvr>
+  <p:timing>
+    <p:tnLst>
+      <p:par>
+        <p:cTn id="1" dur="indefinite" restart="never" nodeType="tmRoot">
+          <p:childTnLst>
+            <p:seq concurrent="1" nextAc="seek">
+              <p:cTn id="2" dur="indefinite" nodeType="mainSeq">
+                <p:childTnLst>
+                  <p:par>
+                    <p:cTn id="3" fill="hold">
+                      <p:stCondLst>
+                        <p:cond delay="indefinite"/>
+                      </p:stCondLst>
+                      <p:childTnLst>
+                        <p:par>
+                          <p:cTn id="4" fill="hold">
+                            <p:stCondLst>
+                              <p:cond delay="0"/>
+                            </p:stCondLst>
+                            <p:childTnLst>
+                              <p:par>
+                                <p:cTn id="5" presetID="1" presetClass="exit" presetSubtype="0" fill="hold" nodeType="clickEffect">
+                                  <p:stCondLst>
+                                    <p:cond delay="0"/>
+                                  </p:stCondLst>
+                                  <p:childTnLst>
+                                    <p:set>
+                                      <p:cBhvr>
+                                        <p:cTn id="6" dur="1" fill="hold">
+                                          <p:stCondLst>
+                                            <p:cond delay="0"/>
+                                          </p:stCondLst>
+                                        </p:cTn>
+                                        <p:tgtEl>
+                                          <p:spTgt spid="16"/>
+                                        </p:tgtEl>
+                                        <p:attrNameLst>
+                                          <p:attrName>style.visibility</p:attrName>
+                                        </p:attrNameLst>
+                                      </p:cBhvr>
+                                      <p:to>
+                                        <p:strVal val="hidden"/>
+                                      </p:to>
+                                    </p:set>
+                                  </p:childTnLst>
+                                </p:cTn>
+                              </p:par>
+                              <p:par>
+                                <p:cTn id="7" presetID="1" presetClass="exit" presetSubtype="0" fill="hold" nodeType="withEffect">
+                                  <p:stCondLst>
+                                    <p:cond delay="0"/>
+                                  </p:stCondLst>
+                                  <p:childTnLst>
+                                    <p:set>
+                                      <p:cBhvr>
+                                        <p:cTn id="8" dur="1" fill="hold">
+                                          <p:stCondLst>
+                                            <p:cond delay="0"/>
+                                          </p:stCondLst>
+                                        </p:cTn>
+                                        <p:tgtEl>
+                                          <p:spTgt spid="17"/>
+                                        </p:tgtEl>
+                                        <p:attrNameLst>
+                                          <p:attrName>style.visibility</p:attrName>
+                                        </p:attrNameLst>
+                                      </p:cBhvr>
+                                      <p:to>
+                                        <p:strVal val="hidden"/>
+                                      </p:to>
+                                    </p:set>
+                                  </p:childTnLst>
+                                </p:cTn>
+                              </p:par>
+                              <p:par>
+                                <p:cTn id="9" presetID="1" presetClass="entr" presetSubtype="0" fill="hold" nodeType="withEffect">
+                                  <p:stCondLst>
+                                    <p:cond delay="0"/>
+                                  </p:stCondLst>
+                                  <p:childTnLst>
+                                    <p:set>
+                                      <p:cBhvr>
+                                        <p:cTn id="10" dur="1" fill="hold">
+                                          <p:stCondLst>
+                                            <p:cond delay="0"/>
+                                          </p:stCondLst>
+                                        </p:cTn>
+                                        <p:tgtEl>
+                                          <p:spTgt spid="3">
+                                            <p:txEl>
+                                              <p:pRg st="3" end="3"/>
+                                            </p:txEl>
+                                          </p:spTgt>
+                                        </p:tgtEl>
+                                        <p:attrNameLst>
+                                          <p:attrName>style.visibility</p:attrName>
+                                        </p:attrNameLst>
+                                      </p:cBhvr>
+                                      <p:to>
+                                        <p:strVal val="visible"/>
+                                      </p:to>
+                                    </p:set>
+                                  </p:childTnLst>
+                                </p:cTn>
+                              </p:par>
+                            </p:childTnLst>
+                          </p:cTn>
+                        </p:par>
+                      </p:childTnLst>
+                    </p:cTn>
+                  </p:par>
+                </p:childTnLst>
+              </p:cTn>
+              <p:prevCondLst>
+                <p:cond evt="onPrev" delay="0">
+                  <p:tgtEl>
+                    <p:sldTgt/>
+                  </p:tgtEl>
+                </p:cond>
+              </p:prevCondLst>
+              <p:nextCondLst>
+                <p:cond evt="onNext" delay="0">
+                  <p:tgtEl>
+                    <p:sldTgt/>
+                  </p:tgtEl>
+                </p:cond>
+              </p:nextCondLst>
+            </p:seq>
+          </p:childTnLst>
+        </p:cTn>
+      </p:par>
+    </p:tnLst>
+  </p:timing>
+</p:sld>
+</file>
+
+<file path=ppt/slides/slide30.xml><?xml version="1.0" encoding="utf-8"?>
 <p:sld xmlns:a="http://schemas.openxmlformats.org/drawingml/2006/main" xmlns:r="http://schemas.openxmlformats.org/officeDocument/2006/relationships" xmlns:p="http://schemas.openxmlformats.org/presentationml/2006/main">
   <p:cSld>
     <p:spTree>
@@ -21883,7 +28287,7 @@
             <a:fld id="{87609FA8-9FC5-4BB7-93A4-52C6D4E75633}" type="slidenum">
               <a:rPr lang="en-US" altLang="en-US" sz="1400" b="0"/>
               <a:pPr/>
-              <a:t>25</a:t>
+              <a:t>30</a:t>
             </a:fld>
             <a:endParaRPr lang="en-US" altLang="en-US" sz="1400" b="0"/>
           </a:p>
@@ -23862,7 +30266,7 @@
 </p:sld>
 </file>
 
-<file path=ppt/slides/slide26.xml><?xml version="1.0" encoding="utf-8"?>
+<file path=ppt/slides/slide31.xml><?xml version="1.0" encoding="utf-8"?>
 <p:sld xmlns:a="http://schemas.openxmlformats.org/drawingml/2006/main" xmlns:r="http://schemas.openxmlformats.org/officeDocument/2006/relationships" xmlns:p="http://schemas.openxmlformats.org/presentationml/2006/main">
   <p:cSld>
     <p:spTree>
@@ -23987,7 +30391,7 @@
           <a:p>
             <a:fld id="{D4438207-9E20-42FC-82B6-02A8A94D7FE7}" type="slidenum">
               <a:rPr lang="en-US" smtClean="0"/>
-              <a:t>26</a:t>
+              <a:t>31</a:t>
             </a:fld>
             <a:endParaRPr lang="en-US"/>
           </a:p>
@@ -26788,7 +33192,7 @@
 </p:sld>
 </file>
 
-<file path=ppt/slides/slide27.xml><?xml version="1.0" encoding="utf-8"?>
+<file path=ppt/slides/slide32.xml><?xml version="1.0" encoding="utf-8"?>
 <p:sld xmlns:a="http://schemas.openxmlformats.org/drawingml/2006/main" xmlns:r="http://schemas.openxmlformats.org/officeDocument/2006/relationships" xmlns:p="http://schemas.openxmlformats.org/presentationml/2006/main">
   <p:cSld>
     <p:spTree>
@@ -27377,7 +33781,7 @@
           <a:p>
             <a:fld id="{D4438207-9E20-42FC-82B6-02A8A94D7FE7}" type="slidenum">
               <a:rPr lang="en-US" smtClean="0"/>
-              <a:t>27</a:t>
+              <a:t>32</a:t>
             </a:fld>
             <a:endParaRPr lang="en-US"/>
           </a:p>
@@ -27560,7 +33964,7 @@
 </p:sld>
 </file>
 
-<file path=ppt/slides/slide28.xml><?xml version="1.0" encoding="utf-8"?>
+<file path=ppt/slides/slide33.xml><?xml version="1.0" encoding="utf-8"?>
 <p:sld xmlns:a="http://schemas.openxmlformats.org/drawingml/2006/main" xmlns:r="http://schemas.openxmlformats.org/officeDocument/2006/relationships" xmlns:p="http://schemas.openxmlformats.org/presentationml/2006/main">
   <p:cSld>
     <p:spTree>
@@ -28028,7 +34432,7 @@
           <a:p>
             <a:fld id="{64B9C3A9-27DF-40B5-9FC7-1DF96985BC5A}" type="slidenum">
               <a:rPr lang="en-US" smtClean="0"/>
-              <a:t>28</a:t>
+              <a:t>33</a:t>
             </a:fld>
             <a:endParaRPr lang="en-US"/>
           </a:p>
@@ -29501,7 +35905,7 @@
 </p:sld>
 </file>
 
-<file path=ppt/slides/slide29.xml><?xml version="1.0" encoding="utf-8"?>
+<file path=ppt/slides/slide34.xml><?xml version="1.0" encoding="utf-8"?>
 <p:sld xmlns:a="http://schemas.openxmlformats.org/drawingml/2006/main" xmlns:r="http://schemas.openxmlformats.org/officeDocument/2006/relationships" xmlns:p="http://schemas.openxmlformats.org/presentationml/2006/main">
   <p:cSld>
     <p:spTree>
@@ -29646,7 +36050,7 @@
           <a:p>
             <a:fld id="{64B9C3A9-27DF-40B5-9FC7-1DF96985BC5A}" type="slidenum">
               <a:rPr lang="en-US" smtClean="0"/>
-              <a:t>29</a:t>
+              <a:t>34</a:t>
             </a:fld>
             <a:endParaRPr lang="en-US"/>
           </a:p>
@@ -29786,632 +36190,7 @@
 </p:sld>
 </file>
 
-<file path=ppt/slides/slide3.xml><?xml version="1.0" encoding="utf-8"?>
-<p:sld xmlns:a="http://schemas.openxmlformats.org/drawingml/2006/main" xmlns:r="http://schemas.openxmlformats.org/officeDocument/2006/relationships" xmlns:p="http://schemas.openxmlformats.org/presentationml/2006/main">
-  <p:cSld>
-    <p:spTree>
-      <p:nvGrpSpPr>
-        <p:cNvPr id="1" name=""/>
-        <p:cNvGrpSpPr/>
-        <p:nvPr/>
-      </p:nvGrpSpPr>
-      <p:grpSpPr>
-        <a:xfrm>
-          <a:off x="0" y="0"/>
-          <a:ext cx="0" cy="0"/>
-          <a:chOff x="0" y="0"/>
-          <a:chExt cx="0" cy="0"/>
-        </a:xfrm>
-      </p:grpSpPr>
-      <p:sp>
-        <p:nvSpPr>
-          <p:cNvPr id="2" name="Title 1"/>
-          <p:cNvSpPr>
-            <a:spLocks noGrp="1"/>
-          </p:cNvSpPr>
-          <p:nvPr>
-            <p:ph type="title"/>
-          </p:nvPr>
-        </p:nvSpPr>
-        <p:spPr/>
-        <p:txBody>
-          <a:bodyPr>
-            <a:normAutofit/>
-          </a:bodyPr>
-          <a:lstStyle/>
-          <a:p>
-            <a:r>
-              <a:rPr lang="en-US" dirty="0" err="1"/>
-              <a:t>Partitional</a:t>
-            </a:r>
-            <a:r>
-              <a:rPr lang="en-US" dirty="0"/>
-              <a:t> clustering </a:t>
-            </a:r>
-            <a:r>
-              <a:rPr lang="en-US" dirty="0" smtClean="0"/>
-              <a:t>algorithms</a:t>
-            </a:r>
-            <a:endParaRPr lang="en-US" dirty="0"/>
-          </a:p>
-        </p:txBody>
-      </p:sp>
-      <p:sp>
-        <p:nvSpPr>
-          <p:cNvPr id="3" name="Content Placeholder 2"/>
-          <p:cNvSpPr>
-            <a:spLocks noGrp="1"/>
-          </p:cNvSpPr>
-          <p:nvPr>
-            <p:ph idx="1"/>
-          </p:nvPr>
-        </p:nvSpPr>
-        <p:spPr/>
-        <p:txBody>
-          <a:bodyPr/>
-          <a:lstStyle/>
-          <a:p>
-            <a:r>
-              <a:rPr lang="en-US" dirty="0" smtClean="0"/>
-              <a:t>Partition instances into exactly </a:t>
-            </a:r>
-            <a:r>
-              <a:rPr lang="en-US" i="1" dirty="0" smtClean="0"/>
-              <a:t>k</a:t>
-            </a:r>
-            <a:r>
-              <a:rPr lang="en-US" dirty="0" smtClean="0"/>
-              <a:t> non-overlapping clusters</a:t>
-            </a:r>
-          </a:p>
-          <a:p>
-            <a:pPr lvl="1"/>
-            <a:r>
-              <a:rPr lang="en-US" dirty="0" smtClean="0"/>
-              <a:t>Flat structure clustering</a:t>
-            </a:r>
-          </a:p>
-          <a:p>
-            <a:pPr lvl="1"/>
-            <a:r>
-              <a:rPr lang="en-US" dirty="0" smtClean="0"/>
-              <a:t>Users need to specify the cluster size </a:t>
-            </a:r>
-            <a:r>
-              <a:rPr lang="en-US" i="1" dirty="0" smtClean="0"/>
-              <a:t>k</a:t>
-            </a:r>
-          </a:p>
-          <a:p>
-            <a:pPr lvl="1"/>
-            <a:r>
-              <a:rPr lang="en-US" dirty="0" smtClean="0"/>
-              <a:t>Task</a:t>
-            </a:r>
-            <a:r>
-              <a:rPr lang="en-US" dirty="0"/>
-              <a:t>: identify the partition of </a:t>
-            </a:r>
-            <a:r>
-              <a:rPr lang="en-US" i="1" dirty="0"/>
-              <a:t>k</a:t>
-            </a:r>
-            <a:r>
-              <a:rPr lang="en-US" dirty="0"/>
-              <a:t> clusters that optimize the chosen partition criterion</a:t>
-            </a:r>
-          </a:p>
-          <a:p>
-            <a:pPr lvl="1"/>
-            <a:endParaRPr lang="en-US" i="1" dirty="0"/>
-          </a:p>
-        </p:txBody>
-      </p:sp>
-      <p:sp>
-        <p:nvSpPr>
-          <p:cNvPr id="4" name="Date Placeholder 3"/>
-          <p:cNvSpPr>
-            <a:spLocks noGrp="1"/>
-          </p:cNvSpPr>
-          <p:nvPr>
-            <p:ph type="dt" sz="half" idx="10"/>
-          </p:nvPr>
-        </p:nvSpPr>
-        <p:spPr/>
-        <p:txBody>
-          <a:bodyPr/>
-          <a:lstStyle/>
-          <a:p>
-            <a:r>
-              <a:rPr lang="en-US" smtClean="0"/>
-              <a:t>CS@UVa</a:t>
-            </a:r>
-            <a:endParaRPr lang="en-US"/>
-          </a:p>
-        </p:txBody>
-      </p:sp>
-      <p:sp>
-        <p:nvSpPr>
-          <p:cNvPr id="5" name="Footer Placeholder 4"/>
-          <p:cNvSpPr>
-            <a:spLocks noGrp="1"/>
-          </p:cNvSpPr>
-          <p:nvPr>
-            <p:ph type="ftr" sz="quarter" idx="11"/>
-          </p:nvPr>
-        </p:nvSpPr>
-        <p:spPr/>
-        <p:txBody>
-          <a:bodyPr/>
-          <a:lstStyle/>
-          <a:p>
-            <a:r>
-              <a:rPr lang="en-US" smtClean="0"/>
-              <a:t>CS 6501: Text Mining</a:t>
-            </a:r>
-            <a:endParaRPr lang="en-US"/>
-          </a:p>
-        </p:txBody>
-      </p:sp>
-      <p:sp>
-        <p:nvSpPr>
-          <p:cNvPr id="6" name="Slide Number Placeholder 5"/>
-          <p:cNvSpPr>
-            <a:spLocks noGrp="1"/>
-          </p:cNvSpPr>
-          <p:nvPr>
-            <p:ph type="sldNum" sz="quarter" idx="12"/>
-          </p:nvPr>
-        </p:nvSpPr>
-        <p:spPr/>
-        <p:txBody>
-          <a:bodyPr/>
-          <a:lstStyle/>
-          <a:p>
-            <a:fld id="{64B9C3A9-27DF-40B5-9FC7-1DF96985BC5A}" type="slidenum">
-              <a:rPr lang="en-US" smtClean="0"/>
-              <a:t>3</a:t>
-            </a:fld>
-            <a:endParaRPr lang="en-US"/>
-          </a:p>
-        </p:txBody>
-      </p:sp>
-      <p:grpSp>
-        <p:nvGrpSpPr>
-          <p:cNvPr id="16" name="Group 15"/>
-          <p:cNvGrpSpPr/>
-          <p:nvPr/>
-        </p:nvGrpSpPr>
-        <p:grpSpPr>
-          <a:xfrm>
-            <a:off x="2317173" y="3665268"/>
-            <a:ext cx="4374572" cy="1280601"/>
-            <a:chOff x="2317173" y="3665268"/>
-            <a:chExt cx="4374572" cy="1280601"/>
-          </a:xfrm>
-        </p:grpSpPr>
-        <p:pic>
-          <p:nvPicPr>
-            <p:cNvPr id="7" name="Picture 6"/>
-            <p:cNvPicPr>
-              <a:picLocks noChangeAspect="1"/>
-            </p:cNvPicPr>
-            <p:nvPr/>
-          </p:nvPicPr>
-          <p:blipFill>
-            <a:blip r:embed="rId2"/>
-            <a:stretch>
-              <a:fillRect/>
-            </a:stretch>
-          </p:blipFill>
-          <p:spPr>
-            <a:xfrm>
-              <a:off x="2590800" y="3665268"/>
-              <a:ext cx="863043" cy="1268674"/>
-            </a:xfrm>
-            <a:prstGeom prst="rect">
-              <a:avLst/>
-            </a:prstGeom>
-          </p:spPr>
-        </p:pic>
-        <p:pic>
-          <p:nvPicPr>
-            <p:cNvPr id="8" name="Picture 7"/>
-            <p:cNvPicPr>
-              <a:picLocks noChangeAspect="1"/>
-            </p:cNvPicPr>
-            <p:nvPr/>
-          </p:nvPicPr>
-          <p:blipFill>
-            <a:blip r:embed="rId3"/>
-            <a:stretch>
-              <a:fillRect/>
-            </a:stretch>
-          </p:blipFill>
-          <p:spPr>
-            <a:xfrm>
-              <a:off x="3727438" y="3678038"/>
-              <a:ext cx="621391" cy="1260043"/>
-            </a:xfrm>
-            <a:prstGeom prst="rect">
-              <a:avLst/>
-            </a:prstGeom>
-          </p:spPr>
-        </p:pic>
-        <p:pic>
-          <p:nvPicPr>
-            <p:cNvPr id="9" name="Picture 8"/>
-            <p:cNvPicPr>
-              <a:picLocks noChangeAspect="1"/>
-            </p:cNvPicPr>
-            <p:nvPr/>
-          </p:nvPicPr>
-          <p:blipFill>
-            <a:blip r:embed="rId4"/>
-            <a:stretch>
-              <a:fillRect/>
-            </a:stretch>
-          </p:blipFill>
-          <p:spPr>
-            <a:xfrm>
-              <a:off x="4664665" y="3763501"/>
-              <a:ext cx="716326" cy="1182368"/>
-            </a:xfrm>
-            <a:prstGeom prst="rect">
-              <a:avLst/>
-            </a:prstGeom>
-          </p:spPr>
-        </p:pic>
-        <p:pic>
-          <p:nvPicPr>
-            <p:cNvPr id="10" name="Picture 9"/>
-            <p:cNvPicPr>
-              <a:picLocks noChangeAspect="1"/>
-            </p:cNvPicPr>
-            <p:nvPr/>
-          </p:nvPicPr>
-          <p:blipFill>
-            <a:blip r:embed="rId5"/>
-            <a:stretch>
-              <a:fillRect/>
-            </a:stretch>
-          </p:blipFill>
-          <p:spPr>
-            <a:xfrm>
-              <a:off x="5819529" y="3720224"/>
-              <a:ext cx="655913" cy="1199630"/>
-            </a:xfrm>
-            <a:prstGeom prst="rect">
-              <a:avLst/>
-            </a:prstGeom>
-          </p:spPr>
-        </p:pic>
-        <p:sp>
-          <p:nvSpPr>
-            <p:cNvPr id="14" name="Rectangle 13"/>
-            <p:cNvSpPr/>
-            <p:nvPr/>
-          </p:nvSpPr>
-          <p:spPr>
-            <a:xfrm>
-              <a:off x="2317173" y="3665268"/>
-              <a:ext cx="4374572" cy="1280601"/>
-            </a:xfrm>
-            <a:prstGeom prst="rect">
-              <a:avLst/>
-            </a:prstGeom>
-            <a:noFill/>
-            <a:ln>
-              <a:prstDash val="dash"/>
-            </a:ln>
-          </p:spPr>
-          <p:style>
-            <a:lnRef idx="2">
-              <a:schemeClr val="accent1">
-                <a:shade val="50000"/>
-              </a:schemeClr>
-            </a:lnRef>
-            <a:fillRef idx="1">
-              <a:schemeClr val="accent1"/>
-            </a:fillRef>
-            <a:effectRef idx="0">
-              <a:schemeClr val="accent1"/>
-            </a:effectRef>
-            <a:fontRef idx="minor">
-              <a:schemeClr val="lt1"/>
-            </a:fontRef>
-          </p:style>
-          <p:txBody>
-            <a:bodyPr rtlCol="0" anchor="ctr"/>
-            <a:lstStyle/>
-            <a:p>
-              <a:pPr algn="ctr"/>
-              <a:endParaRPr lang="en-US"/>
-            </a:p>
-          </p:txBody>
-        </p:sp>
-      </p:grpSp>
-      <p:grpSp>
-        <p:nvGrpSpPr>
-          <p:cNvPr id="17" name="Group 16"/>
-          <p:cNvGrpSpPr/>
-          <p:nvPr/>
-        </p:nvGrpSpPr>
-        <p:grpSpPr>
-          <a:xfrm>
-            <a:off x="2317173" y="5034858"/>
-            <a:ext cx="4374572" cy="1380868"/>
-            <a:chOff x="2317173" y="5034858"/>
-            <a:chExt cx="4374572" cy="1380868"/>
-          </a:xfrm>
-        </p:grpSpPr>
-        <p:pic>
-          <p:nvPicPr>
-            <p:cNvPr id="11" name="Picture 10"/>
-            <p:cNvPicPr>
-              <a:picLocks noChangeAspect="1"/>
-            </p:cNvPicPr>
-            <p:nvPr/>
-          </p:nvPicPr>
-          <p:blipFill>
-            <a:blip r:embed="rId6"/>
-            <a:stretch>
-              <a:fillRect/>
-            </a:stretch>
-          </p:blipFill>
-          <p:spPr>
-            <a:xfrm>
-              <a:off x="2916549" y="5136106"/>
-              <a:ext cx="768108" cy="1216891"/>
-            </a:xfrm>
-            <a:prstGeom prst="rect">
-              <a:avLst/>
-            </a:prstGeom>
-          </p:spPr>
-        </p:pic>
-        <p:pic>
-          <p:nvPicPr>
-            <p:cNvPr id="12" name="Picture 11"/>
-            <p:cNvPicPr>
-              <a:picLocks noChangeAspect="1"/>
-            </p:cNvPicPr>
-            <p:nvPr/>
-          </p:nvPicPr>
-          <p:blipFill>
-            <a:blip r:embed="rId7"/>
-            <a:stretch>
-              <a:fillRect/>
-            </a:stretch>
-          </p:blipFill>
-          <p:spPr>
-            <a:xfrm>
-              <a:off x="4062804" y="5034858"/>
-              <a:ext cx="509196" cy="1380868"/>
-            </a:xfrm>
-            <a:prstGeom prst="rect">
-              <a:avLst/>
-            </a:prstGeom>
-          </p:spPr>
-        </p:pic>
-        <p:pic>
-          <p:nvPicPr>
-            <p:cNvPr id="13" name="Picture 12"/>
-            <p:cNvPicPr>
-              <a:picLocks noChangeAspect="1"/>
-            </p:cNvPicPr>
-            <p:nvPr/>
-          </p:nvPicPr>
-          <p:blipFill>
-            <a:blip r:embed="rId8"/>
-            <a:stretch>
-              <a:fillRect/>
-            </a:stretch>
-          </p:blipFill>
-          <p:spPr>
-            <a:xfrm>
-              <a:off x="5131202" y="5102516"/>
-              <a:ext cx="863043" cy="1268674"/>
-            </a:xfrm>
-            <a:prstGeom prst="rect">
-              <a:avLst/>
-            </a:prstGeom>
-          </p:spPr>
-        </p:pic>
-        <p:sp>
-          <p:nvSpPr>
-            <p:cNvPr id="15" name="Rectangle 14"/>
-            <p:cNvSpPr/>
-            <p:nvPr/>
-          </p:nvSpPr>
-          <p:spPr>
-            <a:xfrm>
-              <a:off x="2317173" y="5090589"/>
-              <a:ext cx="4374572" cy="1280601"/>
-            </a:xfrm>
-            <a:prstGeom prst="rect">
-              <a:avLst/>
-            </a:prstGeom>
-            <a:noFill/>
-            <a:ln>
-              <a:solidFill>
-                <a:srgbClr val="FF0000"/>
-              </a:solidFill>
-              <a:prstDash val="dash"/>
-            </a:ln>
-          </p:spPr>
-          <p:style>
-            <a:lnRef idx="2">
-              <a:schemeClr val="accent1">
-                <a:shade val="50000"/>
-              </a:schemeClr>
-            </a:lnRef>
-            <a:fillRef idx="1">
-              <a:schemeClr val="accent1"/>
-            </a:fillRef>
-            <a:effectRef idx="0">
-              <a:schemeClr val="accent1"/>
-            </a:effectRef>
-            <a:fontRef idx="minor">
-              <a:schemeClr val="lt1"/>
-            </a:fontRef>
-          </p:style>
-          <p:txBody>
-            <a:bodyPr rtlCol="0" anchor="ctr"/>
-            <a:lstStyle/>
-            <a:p>
-              <a:pPr algn="ctr"/>
-              <a:endParaRPr lang="en-US"/>
-            </a:p>
-          </p:txBody>
-        </p:sp>
-      </p:grpSp>
-    </p:spTree>
-    <p:extLst>
-      <p:ext uri="{BB962C8B-B14F-4D97-AF65-F5344CB8AC3E}">
-        <p14:creationId xmlns:p14="http://schemas.microsoft.com/office/powerpoint/2010/main" val="1683264302"/>
-      </p:ext>
-    </p:extLst>
-  </p:cSld>
-  <p:clrMapOvr>
-    <a:masterClrMapping/>
-  </p:clrMapOvr>
-  <p:timing>
-    <p:tnLst>
-      <p:par>
-        <p:cTn id="1" dur="indefinite" restart="never" nodeType="tmRoot">
-          <p:childTnLst>
-            <p:seq concurrent="1" nextAc="seek">
-              <p:cTn id="2" dur="indefinite" nodeType="mainSeq">
-                <p:childTnLst>
-                  <p:par>
-                    <p:cTn id="3" fill="hold">
-                      <p:stCondLst>
-                        <p:cond delay="indefinite"/>
-                      </p:stCondLst>
-                      <p:childTnLst>
-                        <p:par>
-                          <p:cTn id="4" fill="hold">
-                            <p:stCondLst>
-                              <p:cond delay="0"/>
-                            </p:stCondLst>
-                            <p:childTnLst>
-                              <p:par>
-                                <p:cTn id="5" presetID="1" presetClass="exit" presetSubtype="0" fill="hold" nodeType="clickEffect">
-                                  <p:stCondLst>
-                                    <p:cond delay="0"/>
-                                  </p:stCondLst>
-                                  <p:childTnLst>
-                                    <p:set>
-                                      <p:cBhvr>
-                                        <p:cTn id="6" dur="1" fill="hold">
-                                          <p:stCondLst>
-                                            <p:cond delay="0"/>
-                                          </p:stCondLst>
-                                        </p:cTn>
-                                        <p:tgtEl>
-                                          <p:spTgt spid="16"/>
-                                        </p:tgtEl>
-                                        <p:attrNameLst>
-                                          <p:attrName>style.visibility</p:attrName>
-                                        </p:attrNameLst>
-                                      </p:cBhvr>
-                                      <p:to>
-                                        <p:strVal val="hidden"/>
-                                      </p:to>
-                                    </p:set>
-                                  </p:childTnLst>
-                                </p:cTn>
-                              </p:par>
-                              <p:par>
-                                <p:cTn id="7" presetID="1" presetClass="exit" presetSubtype="0" fill="hold" nodeType="withEffect">
-                                  <p:stCondLst>
-                                    <p:cond delay="0"/>
-                                  </p:stCondLst>
-                                  <p:childTnLst>
-                                    <p:set>
-                                      <p:cBhvr>
-                                        <p:cTn id="8" dur="1" fill="hold">
-                                          <p:stCondLst>
-                                            <p:cond delay="0"/>
-                                          </p:stCondLst>
-                                        </p:cTn>
-                                        <p:tgtEl>
-                                          <p:spTgt spid="17"/>
-                                        </p:tgtEl>
-                                        <p:attrNameLst>
-                                          <p:attrName>style.visibility</p:attrName>
-                                        </p:attrNameLst>
-                                      </p:cBhvr>
-                                      <p:to>
-                                        <p:strVal val="hidden"/>
-                                      </p:to>
-                                    </p:set>
-                                  </p:childTnLst>
-                                </p:cTn>
-                              </p:par>
-                              <p:par>
-                                <p:cTn id="9" presetID="1" presetClass="entr" presetSubtype="0" fill="hold" nodeType="withEffect">
-                                  <p:stCondLst>
-                                    <p:cond delay="0"/>
-                                  </p:stCondLst>
-                                  <p:childTnLst>
-                                    <p:set>
-                                      <p:cBhvr>
-                                        <p:cTn id="10" dur="1" fill="hold">
-                                          <p:stCondLst>
-                                            <p:cond delay="0"/>
-                                          </p:stCondLst>
-                                        </p:cTn>
-                                        <p:tgtEl>
-                                          <p:spTgt spid="3">
-                                            <p:txEl>
-                                              <p:pRg st="3" end="3"/>
-                                            </p:txEl>
-                                          </p:spTgt>
-                                        </p:tgtEl>
-                                        <p:attrNameLst>
-                                          <p:attrName>style.visibility</p:attrName>
-                                        </p:attrNameLst>
-                                      </p:cBhvr>
-                                      <p:to>
-                                        <p:strVal val="visible"/>
-                                      </p:to>
-                                    </p:set>
-                                  </p:childTnLst>
-                                </p:cTn>
-                              </p:par>
-                            </p:childTnLst>
-                          </p:cTn>
-                        </p:par>
-                      </p:childTnLst>
-                    </p:cTn>
-                  </p:par>
-                </p:childTnLst>
-              </p:cTn>
-              <p:prevCondLst>
-                <p:cond evt="onPrev" delay="0">
-                  <p:tgtEl>
-                    <p:sldTgt/>
-                  </p:tgtEl>
-                </p:cond>
-              </p:prevCondLst>
-              <p:nextCondLst>
-                <p:cond evt="onNext" delay="0">
-                  <p:tgtEl>
-                    <p:sldTgt/>
-                  </p:tgtEl>
-                </p:cond>
-              </p:nextCondLst>
-            </p:seq>
-          </p:childTnLst>
-        </p:cTn>
-      </p:par>
-    </p:tnLst>
-  </p:timing>
-</p:sld>
-</file>
-
-<file path=ppt/slides/slide30.xml><?xml version="1.0" encoding="utf-8"?>
+<file path=ppt/slides/slide35.xml><?xml version="1.0" encoding="utf-8"?>
 <p:sld xmlns:a="http://schemas.openxmlformats.org/drawingml/2006/main" xmlns:r="http://schemas.openxmlformats.org/officeDocument/2006/relationships" xmlns:p="http://schemas.openxmlformats.org/presentationml/2006/main">
   <p:cSld>
     <p:spTree>
@@ -30603,7 +36382,7 @@
           <a:p>
             <a:fld id="{64B9C3A9-27DF-40B5-9FC7-1DF96985BC5A}" type="slidenum">
               <a:rPr lang="en-US" smtClean="0"/>
-              <a:t>30</a:t>
+              <a:t>35</a:t>
             </a:fld>
             <a:endParaRPr lang="en-US"/>
           </a:p>
@@ -30732,7 +36511,7 @@
 </p:sld>
 </file>
 
-<file path=ppt/slides/slide31.xml><?xml version="1.0" encoding="utf-8"?>
+<file path=ppt/slides/slide36.xml><?xml version="1.0" encoding="utf-8"?>
 <p:sld xmlns:a="http://schemas.openxmlformats.org/drawingml/2006/main" xmlns:r="http://schemas.openxmlformats.org/officeDocument/2006/relationships" xmlns:p="http://schemas.openxmlformats.org/presentationml/2006/main">
   <p:cSld>
     <p:spTree>
@@ -31152,7 +36931,7 @@
           <a:p>
             <a:fld id="{64B9C3A9-27DF-40B5-9FC7-1DF96985BC5A}" type="slidenum">
               <a:rPr lang="en-US" smtClean="0"/>
-              <a:t>31</a:t>
+              <a:t>36</a:t>
             </a:fld>
             <a:endParaRPr lang="en-US"/>
           </a:p>
@@ -31335,7 +37114,7 @@
 </p:sld>
 </file>
 
-<file path=ppt/slides/slide32.xml><?xml version="1.0" encoding="utf-8"?>
+<file path=ppt/slides/slide37.xml><?xml version="1.0" encoding="utf-8"?>
 <p:sld xmlns:a="http://schemas.openxmlformats.org/drawingml/2006/main" xmlns:r="http://schemas.openxmlformats.org/officeDocument/2006/relationships" xmlns:p="http://schemas.openxmlformats.org/presentationml/2006/main">
   <p:cSld>
     <p:spTree>
@@ -31545,7 +37324,7 @@
           <a:p>
             <a:fld id="{64B9C3A9-27DF-40B5-9FC7-1DF96985BC5A}" type="slidenum">
               <a:rPr lang="en-US" smtClean="0"/>
-              <a:t>32</a:t>
+              <a:t>37</a:t>
             </a:fld>
             <a:endParaRPr lang="en-US"/>
           </a:p>
@@ -31595,7 +37374,7 @@
 </p:sld>
 </file>
 
-<file path=ppt/slides/slide33.xml><?xml version="1.0" encoding="utf-8"?>
+<file path=ppt/slides/slide38.xml><?xml version="1.0" encoding="utf-8"?>
 <p:sld xmlns:a="http://schemas.openxmlformats.org/drawingml/2006/main" xmlns:r="http://schemas.openxmlformats.org/officeDocument/2006/relationships" xmlns:p="http://schemas.openxmlformats.org/presentationml/2006/main">
   <p:cSld>
     <p:spTree>
@@ -31819,7 +37598,7 @@
           <a:p>
             <a:fld id="{64B9C3A9-27DF-40B5-9FC7-1DF96985BC5A}" type="slidenum">
               <a:rPr lang="en-US" smtClean="0"/>
-              <a:t>33</a:t>
+              <a:t>38</a:t>
             </a:fld>
             <a:endParaRPr lang="en-US"/>
           </a:p>
@@ -31845,7 +37624,7 @@
 </p:sld>
 </file>
 
-<file path=ppt/slides/slide34.xml><?xml version="1.0" encoding="utf-8"?>
+<file path=ppt/slides/slide39.xml><?xml version="1.0" encoding="utf-8"?>
 <p:sld xmlns:a="http://schemas.openxmlformats.org/drawingml/2006/main" xmlns:r="http://schemas.openxmlformats.org/officeDocument/2006/relationships" xmlns:p="http://schemas.openxmlformats.org/presentationml/2006/main">
   <p:cSld>
     <p:spTree>
@@ -32031,7 +37810,7 @@
           <a:p>
             <a:fld id="{64B9C3A9-27DF-40B5-9FC7-1DF96985BC5A}" type="slidenum">
               <a:rPr lang="en-US" smtClean="0"/>
-              <a:t>34</a:t>
+              <a:t>39</a:t>
             </a:fld>
             <a:endParaRPr lang="en-US"/>
           </a:p>
@@ -32041,187 +37820,6 @@
     <p:extLst>
       <p:ext uri="{BB962C8B-B14F-4D97-AF65-F5344CB8AC3E}">
         <p14:creationId xmlns:p14="http://schemas.microsoft.com/office/powerpoint/2010/main" val="3617218846"/>
-      </p:ext>
-    </p:extLst>
-  </p:cSld>
-  <p:clrMapOvr>
-    <a:masterClrMapping/>
-  </p:clrMapOvr>
-  <p:timing>
-    <p:tnLst>
-      <p:par>
-        <p:cTn id="1" dur="indefinite" restart="never" nodeType="tmRoot"/>
-      </p:par>
-    </p:tnLst>
-  </p:timing>
-</p:sld>
-</file>
-
-<file path=ppt/slides/slide35.xml><?xml version="1.0" encoding="utf-8"?>
-<p:sld xmlns:a="http://schemas.openxmlformats.org/drawingml/2006/main" xmlns:r="http://schemas.openxmlformats.org/officeDocument/2006/relationships" xmlns:p="http://schemas.openxmlformats.org/presentationml/2006/main">
-  <p:cSld>
-    <p:spTree>
-      <p:nvGrpSpPr>
-        <p:cNvPr id="1" name=""/>
-        <p:cNvGrpSpPr/>
-        <p:nvPr/>
-      </p:nvGrpSpPr>
-      <p:grpSpPr>
-        <a:xfrm>
-          <a:off x="0" y="0"/>
-          <a:ext cx="0" cy="0"/>
-          <a:chOff x="0" y="0"/>
-          <a:chExt cx="0" cy="0"/>
-        </a:xfrm>
-      </p:grpSpPr>
-      <p:sp>
-        <p:nvSpPr>
-          <p:cNvPr id="2" name="Title 1"/>
-          <p:cNvSpPr>
-            <a:spLocks noGrp="1"/>
-          </p:cNvSpPr>
-          <p:nvPr>
-            <p:ph type="title"/>
-          </p:nvPr>
-        </p:nvSpPr>
-        <p:spPr/>
-        <p:txBody>
-          <a:bodyPr/>
-          <a:lstStyle/>
-          <a:p>
-            <a:r>
-              <a:rPr lang="en-US" dirty="0" smtClean="0"/>
-              <a:t>Today’s reading</a:t>
-            </a:r>
-            <a:endParaRPr lang="en-US" dirty="0"/>
-          </a:p>
-        </p:txBody>
-      </p:sp>
-      <p:sp>
-        <p:nvSpPr>
-          <p:cNvPr id="3" name="Content Placeholder 2"/>
-          <p:cNvSpPr>
-            <a:spLocks noGrp="1"/>
-          </p:cNvSpPr>
-          <p:nvPr>
-            <p:ph idx="1"/>
-          </p:nvPr>
-        </p:nvSpPr>
-        <p:spPr/>
-        <p:txBody>
-          <a:bodyPr/>
-          <a:lstStyle/>
-          <a:p>
-            <a:r>
-              <a:rPr lang="en-US" dirty="0"/>
-              <a:t>Introduction to Information Retrieval</a:t>
-            </a:r>
-          </a:p>
-          <a:p>
-            <a:pPr lvl="1"/>
-            <a:r>
-              <a:rPr lang="en-US" dirty="0"/>
-              <a:t>Chapter 16: Flat clustering</a:t>
-            </a:r>
-          </a:p>
-          <a:p>
-            <a:pPr lvl="2"/>
-            <a:r>
-              <a:rPr lang="en-US" dirty="0" smtClean="0"/>
-              <a:t>16.4 </a:t>
-            </a:r>
-            <a:r>
-              <a:rPr lang="en-US" i="1" dirty="0" smtClean="0"/>
-              <a:t>k</a:t>
-            </a:r>
-            <a:r>
-              <a:rPr lang="en-US" dirty="0" smtClean="0"/>
-              <a:t>-means</a:t>
-            </a:r>
-          </a:p>
-          <a:p>
-            <a:pPr lvl="2"/>
-            <a:r>
-              <a:rPr lang="en-US" dirty="0" smtClean="0"/>
-              <a:t>16.5 Model-based clustering</a:t>
-            </a:r>
-            <a:endParaRPr lang="en-US" dirty="0"/>
-          </a:p>
-        </p:txBody>
-      </p:sp>
-      <p:sp>
-        <p:nvSpPr>
-          <p:cNvPr id="4" name="Date Placeholder 3"/>
-          <p:cNvSpPr>
-            <a:spLocks noGrp="1"/>
-          </p:cNvSpPr>
-          <p:nvPr>
-            <p:ph type="dt" sz="half" idx="10"/>
-          </p:nvPr>
-        </p:nvSpPr>
-        <p:spPr/>
-        <p:txBody>
-          <a:bodyPr/>
-          <a:lstStyle/>
-          <a:p>
-            <a:r>
-              <a:rPr lang="en-US" smtClean="0"/>
-              <a:t>CS@UVa</a:t>
-            </a:r>
-            <a:endParaRPr lang="en-US"/>
-          </a:p>
-        </p:txBody>
-      </p:sp>
-      <p:sp>
-        <p:nvSpPr>
-          <p:cNvPr id="5" name="Footer Placeholder 4"/>
-          <p:cNvSpPr>
-            <a:spLocks noGrp="1"/>
-          </p:cNvSpPr>
-          <p:nvPr>
-            <p:ph type="ftr" sz="quarter" idx="11"/>
-          </p:nvPr>
-        </p:nvSpPr>
-        <p:spPr/>
-        <p:txBody>
-          <a:bodyPr/>
-          <a:lstStyle/>
-          <a:p>
-            <a:r>
-              <a:rPr lang="en-US" smtClean="0"/>
-              <a:t>CS 6501: Text Mining</a:t>
-            </a:r>
-            <a:endParaRPr lang="en-US"/>
-          </a:p>
-        </p:txBody>
-      </p:sp>
-      <p:sp>
-        <p:nvSpPr>
-          <p:cNvPr id="6" name="Slide Number Placeholder 5"/>
-          <p:cNvSpPr>
-            <a:spLocks noGrp="1"/>
-          </p:cNvSpPr>
-          <p:nvPr>
-            <p:ph type="sldNum" sz="quarter" idx="12"/>
-          </p:nvPr>
-        </p:nvSpPr>
-        <p:spPr/>
-        <p:txBody>
-          <a:bodyPr/>
-          <a:lstStyle/>
-          <a:p>
-            <a:fld id="{64B9C3A9-27DF-40B5-9FC7-1DF96985BC5A}" type="slidenum">
-              <a:rPr lang="en-US" smtClean="0"/>
-              <a:t>35</a:t>
-            </a:fld>
-            <a:endParaRPr lang="en-US"/>
-          </a:p>
-        </p:txBody>
-      </p:sp>
-    </p:spTree>
-    <p:extLst>
-      <p:ext uri="{BB962C8B-B14F-4D97-AF65-F5344CB8AC3E}">
-        <p14:creationId xmlns:p14="http://schemas.microsoft.com/office/powerpoint/2010/main" val="846199493"/>
       </p:ext>
     </p:extLst>
   </p:cSld>
@@ -32288,8 +37886,8 @@
           </a:p>
         </p:txBody>
       </p:sp>
-      <mc:AlternateContent xmlns:mc="http://schemas.openxmlformats.org/markup-compatibility/2006">
-        <mc:Choice xmlns:a14="http://schemas.microsoft.com/office/drawing/2010/main" Requires="a14">
+      <mc:AlternateContent xmlns:mc="http://schemas.openxmlformats.org/markup-compatibility/2006" xmlns:a14="http://schemas.microsoft.com/office/drawing/2010/main">
+        <mc:Choice Requires="a14">
           <p:sp>
             <p:nvSpPr>
               <p:cNvPr id="3" name="Content Placeholder 2"/>
@@ -32539,22 +38137,14 @@
                 </a:r>
                 <a:r>
                   <a:rPr lang="en-US" dirty="0" smtClean="0"/>
-                  <a:t> and return the one </a:t>
-                </a:r>
-                <a:r>
-                  <a:rPr lang="en-US" dirty="0" smtClean="0"/>
-                  <a:t>maximizing the </a:t>
-                </a:r>
-                <a:r>
-                  <a:rPr lang="en-US" dirty="0" smtClean="0"/>
-                  <a:t>criterion</a:t>
+                  <a:t> and return the one maximizing the criterion</a:t>
                 </a:r>
                 <a:endParaRPr lang="en-US" dirty="0"/>
               </a:p>
             </p:txBody>
           </p:sp>
         </mc:Choice>
-        <mc:Fallback>
+        <mc:Fallback xmlns="">
           <p:sp>
             <p:nvSpPr>
               <p:cNvPr id="3" name="Content Placeholder 2"/>
@@ -33302,6 +38892,187 @@
 </p:sld>
 </file>
 
+<file path=ppt/slides/slide40.xml><?xml version="1.0" encoding="utf-8"?>
+<p:sld xmlns:a="http://schemas.openxmlformats.org/drawingml/2006/main" xmlns:r="http://schemas.openxmlformats.org/officeDocument/2006/relationships" xmlns:p="http://schemas.openxmlformats.org/presentationml/2006/main">
+  <p:cSld>
+    <p:spTree>
+      <p:nvGrpSpPr>
+        <p:cNvPr id="1" name=""/>
+        <p:cNvGrpSpPr/>
+        <p:nvPr/>
+      </p:nvGrpSpPr>
+      <p:grpSpPr>
+        <a:xfrm>
+          <a:off x="0" y="0"/>
+          <a:ext cx="0" cy="0"/>
+          <a:chOff x="0" y="0"/>
+          <a:chExt cx="0" cy="0"/>
+        </a:xfrm>
+      </p:grpSpPr>
+      <p:sp>
+        <p:nvSpPr>
+          <p:cNvPr id="2" name="Title 1"/>
+          <p:cNvSpPr>
+            <a:spLocks noGrp="1"/>
+          </p:cNvSpPr>
+          <p:nvPr>
+            <p:ph type="title"/>
+          </p:nvPr>
+        </p:nvSpPr>
+        <p:spPr/>
+        <p:txBody>
+          <a:bodyPr/>
+          <a:lstStyle/>
+          <a:p>
+            <a:r>
+              <a:rPr lang="en-US" dirty="0" smtClean="0"/>
+              <a:t>Today’s reading</a:t>
+            </a:r>
+            <a:endParaRPr lang="en-US" dirty="0"/>
+          </a:p>
+        </p:txBody>
+      </p:sp>
+      <p:sp>
+        <p:nvSpPr>
+          <p:cNvPr id="3" name="Content Placeholder 2"/>
+          <p:cNvSpPr>
+            <a:spLocks noGrp="1"/>
+          </p:cNvSpPr>
+          <p:nvPr>
+            <p:ph idx="1"/>
+          </p:nvPr>
+        </p:nvSpPr>
+        <p:spPr/>
+        <p:txBody>
+          <a:bodyPr/>
+          <a:lstStyle/>
+          <a:p>
+            <a:r>
+              <a:rPr lang="en-US" dirty="0"/>
+              <a:t>Introduction to Information Retrieval</a:t>
+            </a:r>
+          </a:p>
+          <a:p>
+            <a:pPr lvl="1"/>
+            <a:r>
+              <a:rPr lang="en-US" dirty="0"/>
+              <a:t>Chapter 16: Flat clustering</a:t>
+            </a:r>
+          </a:p>
+          <a:p>
+            <a:pPr lvl="2"/>
+            <a:r>
+              <a:rPr lang="en-US" dirty="0" smtClean="0"/>
+              <a:t>16.4 </a:t>
+            </a:r>
+            <a:r>
+              <a:rPr lang="en-US" i="1" dirty="0" smtClean="0"/>
+              <a:t>k</a:t>
+            </a:r>
+            <a:r>
+              <a:rPr lang="en-US" dirty="0" smtClean="0"/>
+              <a:t>-means</a:t>
+            </a:r>
+          </a:p>
+          <a:p>
+            <a:pPr lvl="2"/>
+            <a:r>
+              <a:rPr lang="en-US" dirty="0" smtClean="0"/>
+              <a:t>16.5 Model-based clustering</a:t>
+            </a:r>
+            <a:endParaRPr lang="en-US" dirty="0"/>
+          </a:p>
+        </p:txBody>
+      </p:sp>
+      <p:sp>
+        <p:nvSpPr>
+          <p:cNvPr id="4" name="Date Placeholder 3"/>
+          <p:cNvSpPr>
+            <a:spLocks noGrp="1"/>
+          </p:cNvSpPr>
+          <p:nvPr>
+            <p:ph type="dt" sz="half" idx="10"/>
+          </p:nvPr>
+        </p:nvSpPr>
+        <p:spPr/>
+        <p:txBody>
+          <a:bodyPr/>
+          <a:lstStyle/>
+          <a:p>
+            <a:r>
+              <a:rPr lang="en-US" smtClean="0"/>
+              <a:t>CS@UVa</a:t>
+            </a:r>
+            <a:endParaRPr lang="en-US"/>
+          </a:p>
+        </p:txBody>
+      </p:sp>
+      <p:sp>
+        <p:nvSpPr>
+          <p:cNvPr id="5" name="Footer Placeholder 4"/>
+          <p:cNvSpPr>
+            <a:spLocks noGrp="1"/>
+          </p:cNvSpPr>
+          <p:nvPr>
+            <p:ph type="ftr" sz="quarter" idx="11"/>
+          </p:nvPr>
+        </p:nvSpPr>
+        <p:spPr/>
+        <p:txBody>
+          <a:bodyPr/>
+          <a:lstStyle/>
+          <a:p>
+            <a:r>
+              <a:rPr lang="en-US" smtClean="0"/>
+              <a:t>CS 6501: Text Mining</a:t>
+            </a:r>
+            <a:endParaRPr lang="en-US"/>
+          </a:p>
+        </p:txBody>
+      </p:sp>
+      <p:sp>
+        <p:nvSpPr>
+          <p:cNvPr id="6" name="Slide Number Placeholder 5"/>
+          <p:cNvSpPr>
+            <a:spLocks noGrp="1"/>
+          </p:cNvSpPr>
+          <p:nvPr>
+            <p:ph type="sldNum" sz="quarter" idx="12"/>
+          </p:nvPr>
+        </p:nvSpPr>
+        <p:spPr/>
+        <p:txBody>
+          <a:bodyPr/>
+          <a:lstStyle/>
+          <a:p>
+            <a:fld id="{64B9C3A9-27DF-40B5-9FC7-1DF96985BC5A}" type="slidenum">
+              <a:rPr lang="en-US" smtClean="0"/>
+              <a:t>40</a:t>
+            </a:fld>
+            <a:endParaRPr lang="en-US"/>
+          </a:p>
+        </p:txBody>
+      </p:sp>
+    </p:spTree>
+    <p:extLst>
+      <p:ext uri="{BB962C8B-B14F-4D97-AF65-F5344CB8AC3E}">
+        <p14:creationId xmlns:p14="http://schemas.microsoft.com/office/powerpoint/2010/main" val="846199493"/>
+      </p:ext>
+    </p:extLst>
+  </p:cSld>
+  <p:clrMapOvr>
+    <a:masterClrMapping/>
+  </p:clrMapOvr>
+  <p:timing>
+    <p:tnLst>
+      <p:par>
+        <p:cTn id="1" dur="indefinite" restart="never" nodeType="tmRoot"/>
+      </p:par>
+    </p:tnLst>
+  </p:timing>
+</p:sld>
+</file>
+
 <file path=ppt/slides/slide5.xml><?xml version="1.0" encoding="utf-8"?>
 <p:sld xmlns:a="http://schemas.openxmlformats.org/drawingml/2006/main" xmlns:r="http://schemas.openxmlformats.org/officeDocument/2006/relationships" xmlns:p="http://schemas.openxmlformats.org/presentationml/2006/main">
   <p:cSld>
@@ -33346,8 +39117,8 @@
           </a:p>
         </p:txBody>
       </p:sp>
-      <mc:AlternateContent xmlns:mc="http://schemas.openxmlformats.org/markup-compatibility/2006">
-        <mc:Choice xmlns:a14="http://schemas.microsoft.com/office/drawing/2010/main" Requires="a14">
+      <mc:AlternateContent xmlns:mc="http://schemas.openxmlformats.org/markup-compatibility/2006" xmlns:a14="http://schemas.microsoft.com/office/drawing/2010/main">
+        <mc:Choice Requires="a14">
           <p:sp>
             <p:nvSpPr>
               <p:cNvPr id="3" name="Content Placeholder 2"/>
@@ -34121,7 +39892,7 @@
             </p:txBody>
           </p:sp>
         </mc:Choice>
-        <mc:Fallback>
+        <mc:Fallback xmlns="">
           <p:sp>
             <p:nvSpPr>
               <p:cNvPr id="3" name="Content Placeholder 2"/>
